--- a/.documents/Présentation - mercredi 22 mai/Soutenance du projet.pptx
+++ b/.documents/Présentation - mercredi 22 mai/Soutenance du projet.pptx
@@ -2,20 +2,16 @@
 <file path=ppt/presentation.xml><?xml version="1.0" encoding="utf-8"?>
 <p:presentation xmlns:a="http://schemas.openxmlformats.org/drawingml/2006/main" xmlns:r="http://schemas.openxmlformats.org/officeDocument/2006/relationships" xmlns:p="http://schemas.openxmlformats.org/presentationml/2006/main" saveSubsetFonts="1">
   <p:sldMasterIdLst>
-    <p:sldMasterId id="2147483648" r:id="rId1"/>
+    <p:sldMasterId id="2147483660" r:id="rId1"/>
   </p:sldMasterIdLst>
+  <p:notesMasterIdLst>
+    <p:notesMasterId r:id="rId6"/>
+  </p:notesMasterIdLst>
   <p:sldIdLst>
     <p:sldId id="257" r:id="rId2"/>
-    <p:sldId id="258" r:id="rId3"/>
-    <p:sldId id="259" r:id="rId4"/>
-    <p:sldId id="263" r:id="rId5"/>
-    <p:sldId id="264" r:id="rId6"/>
-    <p:sldId id="270" r:id="rId7"/>
-    <p:sldId id="265" r:id="rId8"/>
-    <p:sldId id="266" r:id="rId9"/>
-    <p:sldId id="267" r:id="rId10"/>
-    <p:sldId id="268" r:id="rId11"/>
-    <p:sldId id="269" r:id="rId12"/>
+    <p:sldId id="259" r:id="rId3"/>
+    <p:sldId id="260" r:id="rId4"/>
+    <p:sldId id="261" r:id="rId5"/>
   </p:sldIdLst>
   <p:sldSz cx="12192000" cy="6858000"/>
   <p:notesSz cx="6858000" cy="9144000"/>
@@ -122,6 +118,661 @@
 </p:presentation>
 </file>
 
+<file path=ppt/notesMasters/notesMaster1.xml><?xml version="1.0" encoding="utf-8"?>
+<p:notesMaster xmlns:a="http://schemas.openxmlformats.org/drawingml/2006/main" xmlns:r="http://schemas.openxmlformats.org/officeDocument/2006/relationships" xmlns:p="http://schemas.openxmlformats.org/presentationml/2006/main">
+  <p:cSld>
+    <p:bg>
+      <p:bgRef idx="1001">
+        <a:schemeClr val="bg1"/>
+      </p:bgRef>
+    </p:bg>
+    <p:spTree>
+      <p:nvGrpSpPr>
+        <p:cNvPr id="1" name=""/>
+        <p:cNvGrpSpPr/>
+        <p:nvPr/>
+      </p:nvGrpSpPr>
+      <p:grpSpPr>
+        <a:xfrm>
+          <a:off x="0" y="0"/>
+          <a:ext cx="0" cy="0"/>
+          <a:chOff x="0" y="0"/>
+          <a:chExt cx="0" cy="0"/>
+        </a:xfrm>
+      </p:grpSpPr>
+      <p:sp>
+        <p:nvSpPr>
+          <p:cNvPr id="2" name="Espace réservé de l'en-tête 1"/>
+          <p:cNvSpPr>
+            <a:spLocks noGrp="1"/>
+          </p:cNvSpPr>
+          <p:nvPr>
+            <p:ph type="hdr" sz="quarter"/>
+          </p:nvPr>
+        </p:nvSpPr>
+        <p:spPr>
+          <a:xfrm>
+            <a:off x="0" y="0"/>
+            <a:ext cx="2971800" cy="458788"/>
+          </a:xfrm>
+          <a:prstGeom prst="rect">
+            <a:avLst/>
+          </a:prstGeom>
+        </p:spPr>
+        <p:txBody>
+          <a:bodyPr vert="horz" lIns="91440" tIns="45720" rIns="91440" bIns="45720" rtlCol="0"/>
+          <a:lstStyle>
+            <a:lvl1pPr algn="l">
+              <a:defRPr sz="1200"/>
+            </a:lvl1pPr>
+          </a:lstStyle>
+          <a:p>
+            <a:endParaRPr lang="fr-FR"/>
+          </a:p>
+        </p:txBody>
+      </p:sp>
+      <p:sp>
+        <p:nvSpPr>
+          <p:cNvPr id="3" name="Espace réservé de la date 2"/>
+          <p:cNvSpPr>
+            <a:spLocks noGrp="1"/>
+          </p:cNvSpPr>
+          <p:nvPr>
+            <p:ph type="dt" idx="1"/>
+          </p:nvPr>
+        </p:nvSpPr>
+        <p:spPr>
+          <a:xfrm>
+            <a:off x="3884613" y="0"/>
+            <a:ext cx="2971800" cy="458788"/>
+          </a:xfrm>
+          <a:prstGeom prst="rect">
+            <a:avLst/>
+          </a:prstGeom>
+        </p:spPr>
+        <p:txBody>
+          <a:bodyPr vert="horz" lIns="91440" tIns="45720" rIns="91440" bIns="45720" rtlCol="0"/>
+          <a:lstStyle>
+            <a:lvl1pPr algn="r">
+              <a:defRPr sz="1200"/>
+            </a:lvl1pPr>
+          </a:lstStyle>
+          <a:p>
+            <a:fld id="{4BE426E3-4ECB-43E4-897A-1DD0B5BA0065}" type="datetimeFigureOut">
+              <a:rPr lang="fr-FR" smtClean="0"/>
+              <a:t>17/05/2024</a:t>
+            </a:fld>
+            <a:endParaRPr lang="fr-FR"/>
+          </a:p>
+        </p:txBody>
+      </p:sp>
+      <p:sp>
+        <p:nvSpPr>
+          <p:cNvPr id="4" name="Espace réservé de l'image des diapositives 3"/>
+          <p:cNvSpPr>
+            <a:spLocks noGrp="1" noRot="1" noChangeAspect="1"/>
+          </p:cNvSpPr>
+          <p:nvPr>
+            <p:ph type="sldImg" idx="2"/>
+          </p:nvPr>
+        </p:nvSpPr>
+        <p:spPr>
+          <a:xfrm>
+            <a:off x="685800" y="1143000"/>
+            <a:ext cx="5486400" cy="3086100"/>
+          </a:xfrm>
+          <a:prstGeom prst="rect">
+            <a:avLst/>
+          </a:prstGeom>
+          <a:noFill/>
+          <a:ln w="12700">
+            <a:solidFill>
+              <a:prstClr val="black"/>
+            </a:solidFill>
+          </a:ln>
+        </p:spPr>
+        <p:txBody>
+          <a:bodyPr vert="horz" lIns="91440" tIns="45720" rIns="91440" bIns="45720" rtlCol="0" anchor="ctr"/>
+          <a:lstStyle/>
+          <a:p>
+            <a:endParaRPr lang="fr-FR"/>
+          </a:p>
+        </p:txBody>
+      </p:sp>
+      <p:sp>
+        <p:nvSpPr>
+          <p:cNvPr id="5" name="Espace réservé des notes 4"/>
+          <p:cNvSpPr>
+            <a:spLocks noGrp="1"/>
+          </p:cNvSpPr>
+          <p:nvPr>
+            <p:ph type="body" sz="quarter" idx="3"/>
+          </p:nvPr>
+        </p:nvSpPr>
+        <p:spPr>
+          <a:xfrm>
+            <a:off x="685800" y="4400550"/>
+            <a:ext cx="5486400" cy="3600450"/>
+          </a:xfrm>
+          <a:prstGeom prst="rect">
+            <a:avLst/>
+          </a:prstGeom>
+        </p:spPr>
+        <p:txBody>
+          <a:bodyPr vert="horz" lIns="91440" tIns="45720" rIns="91440" bIns="45720" rtlCol="0"/>
+          <a:lstStyle/>
+          <a:p>
+            <a:pPr lvl="0"/>
+            <a:r>
+              <a:rPr lang="fr-FR"/>
+              <a:t>Cliquez pour modifier les styles du texte du masque</a:t>
+            </a:r>
+          </a:p>
+          <a:p>
+            <a:pPr lvl="1"/>
+            <a:r>
+              <a:rPr lang="fr-FR"/>
+              <a:t>Deuxième niveau</a:t>
+            </a:r>
+          </a:p>
+          <a:p>
+            <a:pPr lvl="2"/>
+            <a:r>
+              <a:rPr lang="fr-FR"/>
+              <a:t>Troisième niveau</a:t>
+            </a:r>
+          </a:p>
+          <a:p>
+            <a:pPr lvl="3"/>
+            <a:r>
+              <a:rPr lang="fr-FR"/>
+              <a:t>Quatrième niveau</a:t>
+            </a:r>
+          </a:p>
+          <a:p>
+            <a:pPr lvl="4"/>
+            <a:r>
+              <a:rPr lang="fr-FR"/>
+              <a:t>Cinquième niveau</a:t>
+            </a:r>
+          </a:p>
+        </p:txBody>
+      </p:sp>
+      <p:sp>
+        <p:nvSpPr>
+          <p:cNvPr id="6" name="Espace réservé du pied de page 5"/>
+          <p:cNvSpPr>
+            <a:spLocks noGrp="1"/>
+          </p:cNvSpPr>
+          <p:nvPr>
+            <p:ph type="ftr" sz="quarter" idx="4"/>
+          </p:nvPr>
+        </p:nvSpPr>
+        <p:spPr>
+          <a:xfrm>
+            <a:off x="0" y="8685213"/>
+            <a:ext cx="2971800" cy="458787"/>
+          </a:xfrm>
+          <a:prstGeom prst="rect">
+            <a:avLst/>
+          </a:prstGeom>
+        </p:spPr>
+        <p:txBody>
+          <a:bodyPr vert="horz" lIns="91440" tIns="45720" rIns="91440" bIns="45720" rtlCol="0" anchor="b"/>
+          <a:lstStyle>
+            <a:lvl1pPr algn="l">
+              <a:defRPr sz="1200"/>
+            </a:lvl1pPr>
+          </a:lstStyle>
+          <a:p>
+            <a:endParaRPr lang="fr-FR"/>
+          </a:p>
+        </p:txBody>
+      </p:sp>
+      <p:sp>
+        <p:nvSpPr>
+          <p:cNvPr id="7" name="Espace réservé du numéro de diapositive 6"/>
+          <p:cNvSpPr>
+            <a:spLocks noGrp="1"/>
+          </p:cNvSpPr>
+          <p:nvPr>
+            <p:ph type="sldNum" sz="quarter" idx="5"/>
+          </p:nvPr>
+        </p:nvSpPr>
+        <p:spPr>
+          <a:xfrm>
+            <a:off x="3884613" y="8685213"/>
+            <a:ext cx="2971800" cy="458787"/>
+          </a:xfrm>
+          <a:prstGeom prst="rect">
+            <a:avLst/>
+          </a:prstGeom>
+        </p:spPr>
+        <p:txBody>
+          <a:bodyPr vert="horz" lIns="91440" tIns="45720" rIns="91440" bIns="45720" rtlCol="0" anchor="b"/>
+          <a:lstStyle>
+            <a:lvl1pPr algn="r">
+              <a:defRPr sz="1200"/>
+            </a:lvl1pPr>
+          </a:lstStyle>
+          <a:p>
+            <a:fld id="{6FCD5C08-D862-4437-A41E-6C335EA9187E}" type="slidenum">
+              <a:rPr lang="fr-FR" smtClean="0"/>
+              <a:t>‹N°›</a:t>
+            </a:fld>
+            <a:endParaRPr lang="fr-FR"/>
+          </a:p>
+        </p:txBody>
+      </p:sp>
+    </p:spTree>
+    <p:extLst>
+      <p:ext uri="{BB962C8B-B14F-4D97-AF65-F5344CB8AC3E}">
+        <p14:creationId xmlns:p14="http://schemas.microsoft.com/office/powerpoint/2010/main" val="3294376159"/>
+      </p:ext>
+    </p:extLst>
+  </p:cSld>
+  <p:clrMap bg1="lt1" tx1="dk1" bg2="lt2" tx2="dk2" accent1="accent1" accent2="accent2" accent3="accent3" accent4="accent4" accent5="accent5" accent6="accent6" hlink="hlink" folHlink="folHlink"/>
+  <p:notesStyle>
+    <a:lvl1pPr marL="0" algn="l" defTabSz="914400" rtl="0" eaLnBrk="1" latinLnBrk="0" hangingPunct="1">
+      <a:defRPr sz="1200" kern="1200">
+        <a:solidFill>
+          <a:schemeClr val="tx1"/>
+        </a:solidFill>
+        <a:latin typeface="+mn-lt"/>
+        <a:ea typeface="+mn-ea"/>
+        <a:cs typeface="+mn-cs"/>
+      </a:defRPr>
+    </a:lvl1pPr>
+    <a:lvl2pPr marL="457200" algn="l" defTabSz="914400" rtl="0" eaLnBrk="1" latinLnBrk="0" hangingPunct="1">
+      <a:defRPr sz="1200" kern="1200">
+        <a:solidFill>
+          <a:schemeClr val="tx1"/>
+        </a:solidFill>
+        <a:latin typeface="+mn-lt"/>
+        <a:ea typeface="+mn-ea"/>
+        <a:cs typeface="+mn-cs"/>
+      </a:defRPr>
+    </a:lvl2pPr>
+    <a:lvl3pPr marL="914400" algn="l" defTabSz="914400" rtl="0" eaLnBrk="1" latinLnBrk="0" hangingPunct="1">
+      <a:defRPr sz="1200" kern="1200">
+        <a:solidFill>
+          <a:schemeClr val="tx1"/>
+        </a:solidFill>
+        <a:latin typeface="+mn-lt"/>
+        <a:ea typeface="+mn-ea"/>
+        <a:cs typeface="+mn-cs"/>
+      </a:defRPr>
+    </a:lvl3pPr>
+    <a:lvl4pPr marL="1371600" algn="l" defTabSz="914400" rtl="0" eaLnBrk="1" latinLnBrk="0" hangingPunct="1">
+      <a:defRPr sz="1200" kern="1200">
+        <a:solidFill>
+          <a:schemeClr val="tx1"/>
+        </a:solidFill>
+        <a:latin typeface="+mn-lt"/>
+        <a:ea typeface="+mn-ea"/>
+        <a:cs typeface="+mn-cs"/>
+      </a:defRPr>
+    </a:lvl4pPr>
+    <a:lvl5pPr marL="1828800" algn="l" defTabSz="914400" rtl="0" eaLnBrk="1" latinLnBrk="0" hangingPunct="1">
+      <a:defRPr sz="1200" kern="1200">
+        <a:solidFill>
+          <a:schemeClr val="tx1"/>
+        </a:solidFill>
+        <a:latin typeface="+mn-lt"/>
+        <a:ea typeface="+mn-ea"/>
+        <a:cs typeface="+mn-cs"/>
+      </a:defRPr>
+    </a:lvl5pPr>
+    <a:lvl6pPr marL="2286000" algn="l" defTabSz="914400" rtl="0" eaLnBrk="1" latinLnBrk="0" hangingPunct="1">
+      <a:defRPr sz="1200" kern="1200">
+        <a:solidFill>
+          <a:schemeClr val="tx1"/>
+        </a:solidFill>
+        <a:latin typeface="+mn-lt"/>
+        <a:ea typeface="+mn-ea"/>
+        <a:cs typeface="+mn-cs"/>
+      </a:defRPr>
+    </a:lvl6pPr>
+    <a:lvl7pPr marL="2743200" algn="l" defTabSz="914400" rtl="0" eaLnBrk="1" latinLnBrk="0" hangingPunct="1">
+      <a:defRPr sz="1200" kern="1200">
+        <a:solidFill>
+          <a:schemeClr val="tx1"/>
+        </a:solidFill>
+        <a:latin typeface="+mn-lt"/>
+        <a:ea typeface="+mn-ea"/>
+        <a:cs typeface="+mn-cs"/>
+      </a:defRPr>
+    </a:lvl7pPr>
+    <a:lvl8pPr marL="3200400" algn="l" defTabSz="914400" rtl="0" eaLnBrk="1" latinLnBrk="0" hangingPunct="1">
+      <a:defRPr sz="1200" kern="1200">
+        <a:solidFill>
+          <a:schemeClr val="tx1"/>
+        </a:solidFill>
+        <a:latin typeface="+mn-lt"/>
+        <a:ea typeface="+mn-ea"/>
+        <a:cs typeface="+mn-cs"/>
+      </a:defRPr>
+    </a:lvl8pPr>
+    <a:lvl9pPr marL="3657600" algn="l" defTabSz="914400" rtl="0" eaLnBrk="1" latinLnBrk="0" hangingPunct="1">
+      <a:defRPr sz="1200" kern="1200">
+        <a:solidFill>
+          <a:schemeClr val="tx1"/>
+        </a:solidFill>
+        <a:latin typeface="+mn-lt"/>
+        <a:ea typeface="+mn-ea"/>
+        <a:cs typeface="+mn-cs"/>
+      </a:defRPr>
+    </a:lvl9pPr>
+  </p:notesStyle>
+</p:notesMaster>
+</file>
+
+<file path=ppt/notesSlides/notesSlide1.xml><?xml version="1.0" encoding="utf-8"?>
+<p:notes xmlns:a="http://schemas.openxmlformats.org/drawingml/2006/main" xmlns:r="http://schemas.openxmlformats.org/officeDocument/2006/relationships" xmlns:p="http://schemas.openxmlformats.org/presentationml/2006/main">
+  <p:cSld>
+    <p:spTree>
+      <p:nvGrpSpPr>
+        <p:cNvPr id="1" name=""/>
+        <p:cNvGrpSpPr/>
+        <p:nvPr/>
+      </p:nvGrpSpPr>
+      <p:grpSpPr>
+        <a:xfrm>
+          <a:off x="0" y="0"/>
+          <a:ext cx="0" cy="0"/>
+          <a:chOff x="0" y="0"/>
+          <a:chExt cx="0" cy="0"/>
+        </a:xfrm>
+      </p:grpSpPr>
+      <p:sp>
+        <p:nvSpPr>
+          <p:cNvPr id="2" name="Espace réservé de l'image des diapositives 1"/>
+          <p:cNvSpPr>
+            <a:spLocks noGrp="1" noRot="1" noChangeAspect="1"/>
+          </p:cNvSpPr>
+          <p:nvPr>
+            <p:ph type="sldImg"/>
+          </p:nvPr>
+        </p:nvSpPr>
+        <p:spPr/>
+      </p:sp>
+      <p:sp>
+        <p:nvSpPr>
+          <p:cNvPr id="3" name="Espace réservé des notes 2"/>
+          <p:cNvSpPr>
+            <a:spLocks noGrp="1"/>
+          </p:cNvSpPr>
+          <p:nvPr>
+            <p:ph type="body" idx="1"/>
+          </p:nvPr>
+        </p:nvSpPr>
+        <p:spPr/>
+        <p:txBody>
+          <a:bodyPr/>
+          <a:lstStyle/>
+          <a:p>
+            <a:pPr marL="171450" indent="-171450">
+              <a:buFontTx/>
+              <a:buChar char="-"/>
+            </a:pPr>
+            <a:r>
+              <a:rPr lang="fr-FR" dirty="0"/>
+              <a:t>Introduction</a:t>
+            </a:r>
+          </a:p>
+          <a:p>
+            <a:pPr marL="628650" lvl="1" indent="-171450">
+              <a:buFontTx/>
+              <a:buChar char="-"/>
+            </a:pPr>
+            <a:r>
+              <a:rPr lang="fr-FR" dirty="0"/>
+              <a:t>Expliquer le projet de façon non-technique</a:t>
+            </a:r>
+          </a:p>
+          <a:p>
+            <a:pPr marL="1085850" lvl="2" indent="-171450">
+              <a:buFontTx/>
+              <a:buChar char="-"/>
+            </a:pPr>
+            <a:r>
+              <a:rPr lang="fr-FR" dirty="0"/>
+              <a:t>Concept / Fonctionnalités</a:t>
+            </a:r>
+          </a:p>
+          <a:p>
+            <a:pPr marL="1085850" lvl="2" indent="-171450">
+              <a:buFontTx/>
+              <a:buChar char="-"/>
+            </a:pPr>
+            <a:r>
+              <a:rPr lang="fr-FR" dirty="0"/>
+              <a:t>Ambitions</a:t>
+            </a:r>
+          </a:p>
+          <a:p>
+            <a:pPr marL="914400" lvl="2" indent="0">
+              <a:buFontTx/>
+              <a:buNone/>
+            </a:pPr>
+            <a:endParaRPr lang="fr-FR" dirty="0"/>
+          </a:p>
+          <a:p>
+            <a:pPr marL="171450" indent="-171450">
+              <a:buFontTx/>
+              <a:buChar char="-"/>
+            </a:pPr>
+            <a:r>
+              <a:rPr lang="fr-FR" dirty="0"/>
+              <a:t>Vie du projet</a:t>
+            </a:r>
+          </a:p>
+          <a:p>
+            <a:pPr marL="628650" lvl="1" indent="-171450">
+              <a:buFontTx/>
+              <a:buChar char="-"/>
+            </a:pPr>
+            <a:r>
+              <a:rPr lang="fr-FR" dirty="0"/>
+              <a:t>Organisation interne</a:t>
+            </a:r>
+          </a:p>
+          <a:p>
+            <a:pPr marL="628650" lvl="1" indent="-171450">
+              <a:buFontTx/>
+              <a:buChar char="-"/>
+            </a:pPr>
+            <a:r>
+              <a:rPr lang="fr-FR" dirty="0"/>
+              <a:t>Architecture technique de la solution (</a:t>
+            </a:r>
+            <a:r>
+              <a:rPr lang="fr-FR" b="1" dirty="0"/>
+              <a:t>ne pas montrer de lignes de code</a:t>
+            </a:r>
+            <a:r>
+              <a:rPr lang="fr-FR" dirty="0"/>
+              <a:t>)</a:t>
+            </a:r>
+          </a:p>
+          <a:p>
+            <a:pPr marL="628650" lvl="1" indent="-171450">
+              <a:buFontTx/>
+              <a:buChar char="-"/>
+            </a:pPr>
+            <a:r>
+              <a:rPr lang="fr-FR" dirty="0"/>
+              <a:t>Présenter l’expérience</a:t>
+            </a:r>
+          </a:p>
+          <a:p>
+            <a:pPr marL="628650" lvl="1" indent="-171450">
+              <a:buFontTx/>
+              <a:buChar char="-"/>
+            </a:pPr>
+            <a:endParaRPr lang="fr-FR" dirty="0"/>
+          </a:p>
+          <a:p>
+            <a:pPr marL="171450" indent="-171450">
+              <a:buFontTx/>
+              <a:buChar char="-"/>
+            </a:pPr>
+            <a:r>
+              <a:rPr lang="fr-FR" dirty="0"/>
+              <a:t>Conclusion</a:t>
+            </a:r>
+          </a:p>
+          <a:p>
+            <a:pPr marL="628650" lvl="1" indent="-171450">
+              <a:buFontTx/>
+              <a:buChar char="-"/>
+            </a:pPr>
+            <a:r>
+              <a:rPr lang="fr-FR" dirty="0"/>
+              <a:t>Bilan individuel </a:t>
+            </a:r>
+            <a:r>
+              <a:rPr lang="fr-FR" b="1" dirty="0"/>
+              <a:t>de chacun</a:t>
+            </a:r>
+            <a:endParaRPr lang="fr-FR" b="0" dirty="0"/>
+          </a:p>
+          <a:p>
+            <a:pPr marL="628650" lvl="1" indent="-171450">
+              <a:buFontTx/>
+              <a:buChar char="-"/>
+            </a:pPr>
+            <a:endParaRPr lang="fr-FR" dirty="0"/>
+          </a:p>
+          <a:p>
+            <a:pPr marL="171450" indent="-171450">
+              <a:buFontTx/>
+              <a:buChar char="-"/>
+            </a:pPr>
+            <a:endParaRPr lang="fr-FR" dirty="0"/>
+          </a:p>
+          <a:p>
+            <a:pPr marL="171450" indent="-171450">
+              <a:buFontTx/>
+              <a:buChar char="-"/>
+            </a:pPr>
+            <a:r>
+              <a:rPr lang="fr-FR" dirty="0"/>
+              <a:t>/!\ Besoin </a:t>
+            </a:r>
+            <a:r>
+              <a:rPr lang="fr-FR" b="1" dirty="0"/>
+              <a:t>DONC</a:t>
+            </a:r>
+            <a:r>
+              <a:rPr lang="fr-FR" dirty="0"/>
+              <a:t> choix  -  Toujours présenter les choses de la sorte. </a:t>
+            </a:r>
+          </a:p>
+          <a:p>
+            <a:pPr marL="171450" marR="0" lvl="0" indent="-171450" algn="l" defTabSz="914400" rtl="0" eaLnBrk="1" fontAlgn="auto" latinLnBrk="0" hangingPunct="1">
+              <a:lnSpc>
+                <a:spcPct val="100000"/>
+              </a:lnSpc>
+              <a:spcBef>
+                <a:spcPts val="0"/>
+              </a:spcBef>
+              <a:spcAft>
+                <a:spcPts val="0"/>
+              </a:spcAft>
+              <a:buClrTx/>
+              <a:buSzTx/>
+              <a:buFontTx/>
+              <a:buChar char="-"/>
+              <a:tabLst/>
+              <a:defRPr/>
+            </a:pPr>
+            <a:r>
+              <a:rPr lang="fr-FR" dirty="0"/>
+              <a:t>20 minutes, on est 8</a:t>
+            </a:r>
+          </a:p>
+          <a:p>
+            <a:pPr marL="171450" marR="0" lvl="0" indent="-171450" algn="l" defTabSz="914400" rtl="0" eaLnBrk="1" fontAlgn="auto" latinLnBrk="0" hangingPunct="1">
+              <a:lnSpc>
+                <a:spcPct val="100000"/>
+              </a:lnSpc>
+              <a:spcBef>
+                <a:spcPts val="0"/>
+              </a:spcBef>
+              <a:spcAft>
+                <a:spcPts val="0"/>
+              </a:spcAft>
+              <a:buClrTx/>
+              <a:buSzTx/>
+              <a:buFontTx/>
+              <a:buChar char="-"/>
+              <a:tabLst/>
+              <a:defRPr/>
+            </a:pPr>
+            <a:endParaRPr lang="fr-FR" dirty="0"/>
+          </a:p>
+          <a:p>
+            <a:pPr marL="171450" marR="0" lvl="0" indent="-171450" algn="l" defTabSz="914400" rtl="0" eaLnBrk="1" fontAlgn="auto" latinLnBrk="0" hangingPunct="1">
+              <a:lnSpc>
+                <a:spcPct val="100000"/>
+              </a:lnSpc>
+              <a:spcBef>
+                <a:spcPts val="0"/>
+              </a:spcBef>
+              <a:spcAft>
+                <a:spcPts val="0"/>
+              </a:spcAft>
+              <a:buClrTx/>
+              <a:buSzTx/>
+              <a:buFontTx/>
+              <a:buChar char="-"/>
+              <a:tabLst/>
+              <a:defRPr/>
+            </a:pPr>
+            <a:r>
+              <a:rPr lang="fr-FR" dirty="0"/>
+              <a:t>Pas de « à ce jour »</a:t>
+            </a:r>
+          </a:p>
+        </p:txBody>
+      </p:sp>
+      <p:sp>
+        <p:nvSpPr>
+          <p:cNvPr id="4" name="Espace réservé du numéro de diapositive 3"/>
+          <p:cNvSpPr>
+            <a:spLocks noGrp="1"/>
+          </p:cNvSpPr>
+          <p:nvPr>
+            <p:ph type="sldNum" sz="quarter" idx="5"/>
+          </p:nvPr>
+        </p:nvSpPr>
+        <p:spPr/>
+        <p:txBody>
+          <a:bodyPr/>
+          <a:lstStyle/>
+          <a:p>
+            <a:fld id="{6FCD5C08-D862-4437-A41E-6C335EA9187E}" type="slidenum">
+              <a:rPr lang="fr-FR" smtClean="0"/>
+              <a:t>1</a:t>
+            </a:fld>
+            <a:endParaRPr lang="fr-FR"/>
+          </a:p>
+        </p:txBody>
+      </p:sp>
+    </p:spTree>
+    <p:extLst>
+      <p:ext uri="{BB962C8B-B14F-4D97-AF65-F5344CB8AC3E}">
+        <p14:creationId xmlns:p14="http://schemas.microsoft.com/office/powerpoint/2010/main" val="2229558097"/>
+      </p:ext>
+    </p:extLst>
+  </p:cSld>
+  <p:clrMapOvr>
+    <a:masterClrMapping/>
+  </p:clrMapOvr>
+</p:notes>
+</file>
+
 <file path=ppt/slideLayouts/slideLayout1.xml><?xml version="1.0" encoding="utf-8"?>
 <p:sldLayout xmlns:a="http://schemas.openxmlformats.org/drawingml/2006/main" xmlns:r="http://schemas.openxmlformats.org/officeDocument/2006/relationships" xmlns:p="http://schemas.openxmlformats.org/presentationml/2006/main" type="title" preserve="1">
   <p:cSld name="Diapositive de titre">
@@ -144,7 +795,7 @@
           <p:cNvPr id="2" name="Titre 1">
             <a:extLst>
               <a:ext uri="{FF2B5EF4-FFF2-40B4-BE49-F238E27FC236}">
-                <a16:creationId xmlns:a16="http://schemas.microsoft.com/office/drawing/2014/main" id="{EBE71268-F8C4-27A5-3BA2-D54106931D0A}"/>
+                <a16:creationId xmlns:a16="http://schemas.microsoft.com/office/drawing/2014/main" id="{C114A2CE-328E-48FE-1123-50E7D999E3F9}"/>
               </a:ext>
             </a:extLst>
           </p:cNvPr>
@@ -181,7 +832,7 @@
           <p:cNvPr id="3" name="Sous-titre 2">
             <a:extLst>
               <a:ext uri="{FF2B5EF4-FFF2-40B4-BE49-F238E27FC236}">
-                <a16:creationId xmlns:a16="http://schemas.microsoft.com/office/drawing/2014/main" id="{53F9258F-CDAF-428E-467A-0FA8B269B93A}"/>
+                <a16:creationId xmlns:a16="http://schemas.microsoft.com/office/drawing/2014/main" id="{66712E5F-A27F-646C-9286-4773A42FB461}"/>
               </a:ext>
             </a:extLst>
           </p:cNvPr>
@@ -251,7 +902,7 @@
           <p:cNvPr id="4" name="Espace réservé de la date 3">
             <a:extLst>
               <a:ext uri="{FF2B5EF4-FFF2-40B4-BE49-F238E27FC236}">
-                <a16:creationId xmlns:a16="http://schemas.microsoft.com/office/drawing/2014/main" id="{E63350C7-E9E9-1ED2-04E7-4914B8B6E827}"/>
+                <a16:creationId xmlns:a16="http://schemas.microsoft.com/office/drawing/2014/main" id="{7B195FF1-6A6B-866F-8E09-7BBC3EE65F32}"/>
               </a:ext>
             </a:extLst>
           </p:cNvPr>
@@ -269,7 +920,7 @@
           <a:p>
             <a:fld id="{B35E8903-3DB0-4D62-9C06-CFA6198553C9}" type="datetimeFigureOut">
               <a:rPr lang="fr-FR" smtClean="0"/>
-              <a:t>14/05/2024</a:t>
+              <a:t>17/05/2024</a:t>
             </a:fld>
             <a:endParaRPr lang="fr-FR"/>
           </a:p>
@@ -280,7 +931,7 @@
           <p:cNvPr id="5" name="Espace réservé du pied de page 4">
             <a:extLst>
               <a:ext uri="{FF2B5EF4-FFF2-40B4-BE49-F238E27FC236}">
-                <a16:creationId xmlns:a16="http://schemas.microsoft.com/office/drawing/2014/main" id="{E13F2A76-F458-96E6-FFAB-D4764B4F165E}"/>
+                <a16:creationId xmlns:a16="http://schemas.microsoft.com/office/drawing/2014/main" id="{E2B1475C-8A41-1E8A-7C9C-876F0BAE7394}"/>
               </a:ext>
             </a:extLst>
           </p:cNvPr>
@@ -305,7 +956,7 @@
           <p:cNvPr id="6" name="Espace réservé du numéro de diapositive 5">
             <a:extLst>
               <a:ext uri="{FF2B5EF4-FFF2-40B4-BE49-F238E27FC236}">
-                <a16:creationId xmlns:a16="http://schemas.microsoft.com/office/drawing/2014/main" id="{551377DE-5AE4-AC58-4C11-80A36148E4CD}"/>
+                <a16:creationId xmlns:a16="http://schemas.microsoft.com/office/drawing/2014/main" id="{E91B629E-42FF-759D-3056-93313625A853}"/>
               </a:ext>
             </a:extLst>
           </p:cNvPr>
@@ -332,7 +983,7 @@
     </p:spTree>
     <p:extLst>
       <p:ext uri="{BB962C8B-B14F-4D97-AF65-F5344CB8AC3E}">
-        <p14:creationId xmlns:p14="http://schemas.microsoft.com/office/powerpoint/2010/main" val="1244105259"/>
+        <p14:creationId xmlns:p14="http://schemas.microsoft.com/office/powerpoint/2010/main" val="3581307203"/>
       </p:ext>
     </p:extLst>
   </p:cSld>
@@ -367,7 +1018,7 @@
           <p:cNvPr id="2" name="Titre 1">
             <a:extLst>
               <a:ext uri="{FF2B5EF4-FFF2-40B4-BE49-F238E27FC236}">
-                <a16:creationId xmlns:a16="http://schemas.microsoft.com/office/drawing/2014/main" id="{AE889FE2-6629-CFAD-1FA7-AE6172E4F83B}"/>
+                <a16:creationId xmlns:a16="http://schemas.microsoft.com/office/drawing/2014/main" id="{8D3A7A82-123F-1E44-FF95-461FB6E4B521}"/>
               </a:ext>
             </a:extLst>
           </p:cNvPr>
@@ -395,7 +1046,7 @@
           <p:cNvPr id="3" name="Espace réservé du texte vertical 2">
             <a:extLst>
               <a:ext uri="{FF2B5EF4-FFF2-40B4-BE49-F238E27FC236}">
-                <a16:creationId xmlns:a16="http://schemas.microsoft.com/office/drawing/2014/main" id="{C39B0538-E481-6474-44B4-DF308E34AEEE}"/>
+                <a16:creationId xmlns:a16="http://schemas.microsoft.com/office/drawing/2014/main" id="{F6F289E5-8365-AA43-2DDA-067218809025}"/>
               </a:ext>
             </a:extLst>
           </p:cNvPr>
@@ -452,7 +1103,7 @@
           <p:cNvPr id="4" name="Espace réservé de la date 3">
             <a:extLst>
               <a:ext uri="{FF2B5EF4-FFF2-40B4-BE49-F238E27FC236}">
-                <a16:creationId xmlns:a16="http://schemas.microsoft.com/office/drawing/2014/main" id="{3D63633F-1D68-CA9C-E05A-F37AE2E3083D}"/>
+                <a16:creationId xmlns:a16="http://schemas.microsoft.com/office/drawing/2014/main" id="{21F56685-53C2-E292-B101-82B3420FCAA4}"/>
               </a:ext>
             </a:extLst>
           </p:cNvPr>
@@ -470,7 +1121,7 @@
           <a:p>
             <a:fld id="{B35E8903-3DB0-4D62-9C06-CFA6198553C9}" type="datetimeFigureOut">
               <a:rPr lang="fr-FR" smtClean="0"/>
-              <a:t>14/05/2024</a:t>
+              <a:t>17/05/2024</a:t>
             </a:fld>
             <a:endParaRPr lang="fr-FR"/>
           </a:p>
@@ -481,7 +1132,7 @@
           <p:cNvPr id="5" name="Espace réservé du pied de page 4">
             <a:extLst>
               <a:ext uri="{FF2B5EF4-FFF2-40B4-BE49-F238E27FC236}">
-                <a16:creationId xmlns:a16="http://schemas.microsoft.com/office/drawing/2014/main" id="{BA2D2CEA-6860-197B-69A1-972DD9B5C1EC}"/>
+                <a16:creationId xmlns:a16="http://schemas.microsoft.com/office/drawing/2014/main" id="{E26417B1-53B0-7EE6-F41A-2E7853EED994}"/>
               </a:ext>
             </a:extLst>
           </p:cNvPr>
@@ -506,7 +1157,7 @@
           <p:cNvPr id="6" name="Espace réservé du numéro de diapositive 5">
             <a:extLst>
               <a:ext uri="{FF2B5EF4-FFF2-40B4-BE49-F238E27FC236}">
-                <a16:creationId xmlns:a16="http://schemas.microsoft.com/office/drawing/2014/main" id="{EB641901-26B5-C78A-13FC-0BD46A7E03FD}"/>
+                <a16:creationId xmlns:a16="http://schemas.microsoft.com/office/drawing/2014/main" id="{B2794A90-9749-E84A-12DF-9A7B6D069DB6}"/>
               </a:ext>
             </a:extLst>
           </p:cNvPr>
@@ -533,7 +1184,7 @@
     </p:spTree>
     <p:extLst>
       <p:ext uri="{BB962C8B-B14F-4D97-AF65-F5344CB8AC3E}">
-        <p14:creationId xmlns:p14="http://schemas.microsoft.com/office/powerpoint/2010/main" val="3742743222"/>
+        <p14:creationId xmlns:p14="http://schemas.microsoft.com/office/powerpoint/2010/main" val="150047793"/>
       </p:ext>
     </p:extLst>
   </p:cSld>
@@ -568,7 +1219,7 @@
           <p:cNvPr id="2" name="Titre vertical 1">
             <a:extLst>
               <a:ext uri="{FF2B5EF4-FFF2-40B4-BE49-F238E27FC236}">
-                <a16:creationId xmlns:a16="http://schemas.microsoft.com/office/drawing/2014/main" id="{02FA59C5-6AFA-F4C5-14A2-6F63CA78D10D}"/>
+                <a16:creationId xmlns:a16="http://schemas.microsoft.com/office/drawing/2014/main" id="{7979CDD2-96E2-A1A5-0FC2-E72B28C5E451}"/>
               </a:ext>
             </a:extLst>
           </p:cNvPr>
@@ -601,7 +1252,7 @@
           <p:cNvPr id="3" name="Espace réservé du texte vertical 2">
             <a:extLst>
               <a:ext uri="{FF2B5EF4-FFF2-40B4-BE49-F238E27FC236}">
-                <a16:creationId xmlns:a16="http://schemas.microsoft.com/office/drawing/2014/main" id="{885DB13F-7B37-5A58-35AF-7B25DA2CD49A}"/>
+                <a16:creationId xmlns:a16="http://schemas.microsoft.com/office/drawing/2014/main" id="{6595D776-D672-1D96-B4CF-B6DAAE6591BF}"/>
               </a:ext>
             </a:extLst>
           </p:cNvPr>
@@ -663,7 +1314,7 @@
           <p:cNvPr id="4" name="Espace réservé de la date 3">
             <a:extLst>
               <a:ext uri="{FF2B5EF4-FFF2-40B4-BE49-F238E27FC236}">
-                <a16:creationId xmlns:a16="http://schemas.microsoft.com/office/drawing/2014/main" id="{EF7BFC4A-8874-6AA9-3388-9B2DF2564FFC}"/>
+                <a16:creationId xmlns:a16="http://schemas.microsoft.com/office/drawing/2014/main" id="{B3964A41-D8D4-7FBA-A5EF-C122BF7351CB}"/>
               </a:ext>
             </a:extLst>
           </p:cNvPr>
@@ -681,7 +1332,7 @@
           <a:p>
             <a:fld id="{B35E8903-3DB0-4D62-9C06-CFA6198553C9}" type="datetimeFigureOut">
               <a:rPr lang="fr-FR" smtClean="0"/>
-              <a:t>14/05/2024</a:t>
+              <a:t>17/05/2024</a:t>
             </a:fld>
             <a:endParaRPr lang="fr-FR"/>
           </a:p>
@@ -692,7 +1343,7 @@
           <p:cNvPr id="5" name="Espace réservé du pied de page 4">
             <a:extLst>
               <a:ext uri="{FF2B5EF4-FFF2-40B4-BE49-F238E27FC236}">
-                <a16:creationId xmlns:a16="http://schemas.microsoft.com/office/drawing/2014/main" id="{B88C2DC4-8722-39FD-0CC5-3EA43B8464E3}"/>
+                <a16:creationId xmlns:a16="http://schemas.microsoft.com/office/drawing/2014/main" id="{57B2CB7D-2C30-C135-A7A6-494FDED34F89}"/>
               </a:ext>
             </a:extLst>
           </p:cNvPr>
@@ -717,7 +1368,7 @@
           <p:cNvPr id="6" name="Espace réservé du numéro de diapositive 5">
             <a:extLst>
               <a:ext uri="{FF2B5EF4-FFF2-40B4-BE49-F238E27FC236}">
-                <a16:creationId xmlns:a16="http://schemas.microsoft.com/office/drawing/2014/main" id="{73711FF2-61AE-0112-DEA6-608A9F6B44C7}"/>
+                <a16:creationId xmlns:a16="http://schemas.microsoft.com/office/drawing/2014/main" id="{6AD7BFD7-F3C4-0F44-7302-9948AC7AFF3B}"/>
               </a:ext>
             </a:extLst>
           </p:cNvPr>
@@ -744,7 +1395,7 @@
     </p:spTree>
     <p:extLst>
       <p:ext uri="{BB962C8B-B14F-4D97-AF65-F5344CB8AC3E}">
-        <p14:creationId xmlns:p14="http://schemas.microsoft.com/office/powerpoint/2010/main" val="2857156573"/>
+        <p14:creationId xmlns:p14="http://schemas.microsoft.com/office/powerpoint/2010/main" val="2370899903"/>
       </p:ext>
     </p:extLst>
   </p:cSld>
@@ -779,7 +1430,7 @@
           <p:cNvPr id="2" name="Titre 1">
             <a:extLst>
               <a:ext uri="{FF2B5EF4-FFF2-40B4-BE49-F238E27FC236}">
-                <a16:creationId xmlns:a16="http://schemas.microsoft.com/office/drawing/2014/main" id="{D112EBC0-4C92-A1AA-DEF9-DF904B1404BA}"/>
+                <a16:creationId xmlns:a16="http://schemas.microsoft.com/office/drawing/2014/main" id="{441150BE-F507-4E44-7C57-95B67E8B838D}"/>
               </a:ext>
             </a:extLst>
           </p:cNvPr>
@@ -807,7 +1458,7 @@
           <p:cNvPr id="3" name="Espace réservé du contenu 2">
             <a:extLst>
               <a:ext uri="{FF2B5EF4-FFF2-40B4-BE49-F238E27FC236}">
-                <a16:creationId xmlns:a16="http://schemas.microsoft.com/office/drawing/2014/main" id="{FD0B16AC-4B63-0FFB-8362-B1396B8F9396}"/>
+                <a16:creationId xmlns:a16="http://schemas.microsoft.com/office/drawing/2014/main" id="{2118E82F-AD7A-3082-FAF8-5F580BCFC3FB}"/>
               </a:ext>
             </a:extLst>
           </p:cNvPr>
@@ -864,7 +1515,7 @@
           <p:cNvPr id="4" name="Espace réservé de la date 3">
             <a:extLst>
               <a:ext uri="{FF2B5EF4-FFF2-40B4-BE49-F238E27FC236}">
-                <a16:creationId xmlns:a16="http://schemas.microsoft.com/office/drawing/2014/main" id="{4B65AB7E-1E56-4014-624E-B44A9C5D2163}"/>
+                <a16:creationId xmlns:a16="http://schemas.microsoft.com/office/drawing/2014/main" id="{7CADBD1E-56BE-7ED5-F852-57DAE3BFE649}"/>
               </a:ext>
             </a:extLst>
           </p:cNvPr>
@@ -882,7 +1533,7 @@
           <a:p>
             <a:fld id="{B35E8903-3DB0-4D62-9C06-CFA6198553C9}" type="datetimeFigureOut">
               <a:rPr lang="fr-FR" smtClean="0"/>
-              <a:t>14/05/2024</a:t>
+              <a:t>17/05/2024</a:t>
             </a:fld>
             <a:endParaRPr lang="fr-FR"/>
           </a:p>
@@ -893,7 +1544,7 @@
           <p:cNvPr id="5" name="Espace réservé du pied de page 4">
             <a:extLst>
               <a:ext uri="{FF2B5EF4-FFF2-40B4-BE49-F238E27FC236}">
-                <a16:creationId xmlns:a16="http://schemas.microsoft.com/office/drawing/2014/main" id="{481F408E-E510-2D8A-AD11-2EA27ACBEF98}"/>
+                <a16:creationId xmlns:a16="http://schemas.microsoft.com/office/drawing/2014/main" id="{3DFC4068-45CD-2D8E-AED0-0BEB74245167}"/>
               </a:ext>
             </a:extLst>
           </p:cNvPr>
@@ -918,7 +1569,7 @@
           <p:cNvPr id="6" name="Espace réservé du numéro de diapositive 5">
             <a:extLst>
               <a:ext uri="{FF2B5EF4-FFF2-40B4-BE49-F238E27FC236}">
-                <a16:creationId xmlns:a16="http://schemas.microsoft.com/office/drawing/2014/main" id="{184A1C1A-37E3-9B6E-A7F3-863FDBDDE310}"/>
+                <a16:creationId xmlns:a16="http://schemas.microsoft.com/office/drawing/2014/main" id="{F2F531DC-45C5-0759-07A9-CBADC1AEECAA}"/>
               </a:ext>
             </a:extLst>
           </p:cNvPr>
@@ -945,7 +1596,7 @@
     </p:spTree>
     <p:extLst>
       <p:ext uri="{BB962C8B-B14F-4D97-AF65-F5344CB8AC3E}">
-        <p14:creationId xmlns:p14="http://schemas.microsoft.com/office/powerpoint/2010/main" val="1926792852"/>
+        <p14:creationId xmlns:p14="http://schemas.microsoft.com/office/powerpoint/2010/main" val="3287737318"/>
       </p:ext>
     </p:extLst>
   </p:cSld>
@@ -980,7 +1631,7 @@
           <p:cNvPr id="2" name="Titre 1">
             <a:extLst>
               <a:ext uri="{FF2B5EF4-FFF2-40B4-BE49-F238E27FC236}">
-                <a16:creationId xmlns:a16="http://schemas.microsoft.com/office/drawing/2014/main" id="{37885292-AE75-A2A8-9536-86C5E3A91EDE}"/>
+                <a16:creationId xmlns:a16="http://schemas.microsoft.com/office/drawing/2014/main" id="{31D89BDF-F0A3-745E-A2FB-DBB33A9AF195}"/>
               </a:ext>
             </a:extLst>
           </p:cNvPr>
@@ -1017,7 +1668,7 @@
           <p:cNvPr id="3" name="Espace réservé du texte 2">
             <a:extLst>
               <a:ext uri="{FF2B5EF4-FFF2-40B4-BE49-F238E27FC236}">
-                <a16:creationId xmlns:a16="http://schemas.microsoft.com/office/drawing/2014/main" id="{A38BE65C-D35D-DE3C-3099-E8B1BEABAC27}"/>
+                <a16:creationId xmlns:a16="http://schemas.microsoft.com/office/drawing/2014/main" id="{C4979B7D-6FAF-2FA3-4680-A09DCF26056F}"/>
               </a:ext>
             </a:extLst>
           </p:cNvPr>
@@ -1142,7 +1793,7 @@
           <p:cNvPr id="4" name="Espace réservé de la date 3">
             <a:extLst>
               <a:ext uri="{FF2B5EF4-FFF2-40B4-BE49-F238E27FC236}">
-                <a16:creationId xmlns:a16="http://schemas.microsoft.com/office/drawing/2014/main" id="{E9B62EE6-338B-0BFF-720E-A226742DE831}"/>
+                <a16:creationId xmlns:a16="http://schemas.microsoft.com/office/drawing/2014/main" id="{132589C0-AB00-8217-00C7-7A1BB4E4E004}"/>
               </a:ext>
             </a:extLst>
           </p:cNvPr>
@@ -1160,7 +1811,7 @@
           <a:p>
             <a:fld id="{B35E8903-3DB0-4D62-9C06-CFA6198553C9}" type="datetimeFigureOut">
               <a:rPr lang="fr-FR" smtClean="0"/>
-              <a:t>14/05/2024</a:t>
+              <a:t>17/05/2024</a:t>
             </a:fld>
             <a:endParaRPr lang="fr-FR"/>
           </a:p>
@@ -1171,7 +1822,7 @@
           <p:cNvPr id="5" name="Espace réservé du pied de page 4">
             <a:extLst>
               <a:ext uri="{FF2B5EF4-FFF2-40B4-BE49-F238E27FC236}">
-                <a16:creationId xmlns:a16="http://schemas.microsoft.com/office/drawing/2014/main" id="{AF98C57E-2376-16BD-74D5-801EED8D3AEB}"/>
+                <a16:creationId xmlns:a16="http://schemas.microsoft.com/office/drawing/2014/main" id="{93DCA682-887B-042F-9E28-3F3E57BB4927}"/>
               </a:ext>
             </a:extLst>
           </p:cNvPr>
@@ -1196,7 +1847,7 @@
           <p:cNvPr id="6" name="Espace réservé du numéro de diapositive 5">
             <a:extLst>
               <a:ext uri="{FF2B5EF4-FFF2-40B4-BE49-F238E27FC236}">
-                <a16:creationId xmlns:a16="http://schemas.microsoft.com/office/drawing/2014/main" id="{A3F2BDD8-37AA-EA3C-FA48-2B4E660683FB}"/>
+                <a16:creationId xmlns:a16="http://schemas.microsoft.com/office/drawing/2014/main" id="{E5BC4C8E-E7BE-298B-1040-09899012A288}"/>
               </a:ext>
             </a:extLst>
           </p:cNvPr>
@@ -1223,7 +1874,7 @@
     </p:spTree>
     <p:extLst>
       <p:ext uri="{BB962C8B-B14F-4D97-AF65-F5344CB8AC3E}">
-        <p14:creationId xmlns:p14="http://schemas.microsoft.com/office/powerpoint/2010/main" val="3389892676"/>
+        <p14:creationId xmlns:p14="http://schemas.microsoft.com/office/powerpoint/2010/main" val="1860122223"/>
       </p:ext>
     </p:extLst>
   </p:cSld>
@@ -1258,7 +1909,7 @@
           <p:cNvPr id="2" name="Titre 1">
             <a:extLst>
               <a:ext uri="{FF2B5EF4-FFF2-40B4-BE49-F238E27FC236}">
-                <a16:creationId xmlns:a16="http://schemas.microsoft.com/office/drawing/2014/main" id="{CAE89DFD-3400-987E-F84F-A40DF9B7DCE6}"/>
+                <a16:creationId xmlns:a16="http://schemas.microsoft.com/office/drawing/2014/main" id="{C6BDCFDA-7B1C-7186-96D8-12F2220ECADC}"/>
               </a:ext>
             </a:extLst>
           </p:cNvPr>
@@ -1286,7 +1937,7 @@
           <p:cNvPr id="3" name="Espace réservé du contenu 2">
             <a:extLst>
               <a:ext uri="{FF2B5EF4-FFF2-40B4-BE49-F238E27FC236}">
-                <a16:creationId xmlns:a16="http://schemas.microsoft.com/office/drawing/2014/main" id="{46DF5305-F89A-D522-4F0B-D2200F5C912E}"/>
+                <a16:creationId xmlns:a16="http://schemas.microsoft.com/office/drawing/2014/main" id="{78877355-037C-F36F-AB3F-0E53815362E1}"/>
               </a:ext>
             </a:extLst>
           </p:cNvPr>
@@ -1348,7 +1999,7 @@
           <p:cNvPr id="4" name="Espace réservé du contenu 3">
             <a:extLst>
               <a:ext uri="{FF2B5EF4-FFF2-40B4-BE49-F238E27FC236}">
-                <a16:creationId xmlns:a16="http://schemas.microsoft.com/office/drawing/2014/main" id="{5A803C6D-08AF-584B-16DF-745753F4401A}"/>
+                <a16:creationId xmlns:a16="http://schemas.microsoft.com/office/drawing/2014/main" id="{03865ED4-C2E7-6B8F-AD3B-CA999738FAC6}"/>
               </a:ext>
             </a:extLst>
           </p:cNvPr>
@@ -1410,7 +2061,7 @@
           <p:cNvPr id="5" name="Espace réservé de la date 4">
             <a:extLst>
               <a:ext uri="{FF2B5EF4-FFF2-40B4-BE49-F238E27FC236}">
-                <a16:creationId xmlns:a16="http://schemas.microsoft.com/office/drawing/2014/main" id="{F49FF263-6866-C8D3-5E02-12BB18D679D3}"/>
+                <a16:creationId xmlns:a16="http://schemas.microsoft.com/office/drawing/2014/main" id="{1D4888F1-95E2-AB85-E03F-1D353D9E7318}"/>
               </a:ext>
             </a:extLst>
           </p:cNvPr>
@@ -1428,7 +2079,7 @@
           <a:p>
             <a:fld id="{B35E8903-3DB0-4D62-9C06-CFA6198553C9}" type="datetimeFigureOut">
               <a:rPr lang="fr-FR" smtClean="0"/>
-              <a:t>14/05/2024</a:t>
+              <a:t>17/05/2024</a:t>
             </a:fld>
             <a:endParaRPr lang="fr-FR"/>
           </a:p>
@@ -1439,7 +2090,7 @@
           <p:cNvPr id="6" name="Espace réservé du pied de page 5">
             <a:extLst>
               <a:ext uri="{FF2B5EF4-FFF2-40B4-BE49-F238E27FC236}">
-                <a16:creationId xmlns:a16="http://schemas.microsoft.com/office/drawing/2014/main" id="{48B46CEC-CC6D-BC4A-B574-1EA1993F13B5}"/>
+                <a16:creationId xmlns:a16="http://schemas.microsoft.com/office/drawing/2014/main" id="{F1D8A2A0-8BD1-0E8E-4B7A-CA751F54A76A}"/>
               </a:ext>
             </a:extLst>
           </p:cNvPr>
@@ -1464,7 +2115,7 @@
           <p:cNvPr id="7" name="Espace réservé du numéro de diapositive 6">
             <a:extLst>
               <a:ext uri="{FF2B5EF4-FFF2-40B4-BE49-F238E27FC236}">
-                <a16:creationId xmlns:a16="http://schemas.microsoft.com/office/drawing/2014/main" id="{8B2CAA86-7F67-D6E0-E4B6-307B3898E414}"/>
+                <a16:creationId xmlns:a16="http://schemas.microsoft.com/office/drawing/2014/main" id="{B1B1A5E4-F73D-C369-FDC1-670E57A83AEF}"/>
               </a:ext>
             </a:extLst>
           </p:cNvPr>
@@ -1491,7 +2142,7 @@
     </p:spTree>
     <p:extLst>
       <p:ext uri="{BB962C8B-B14F-4D97-AF65-F5344CB8AC3E}">
-        <p14:creationId xmlns:p14="http://schemas.microsoft.com/office/powerpoint/2010/main" val="4184702514"/>
+        <p14:creationId xmlns:p14="http://schemas.microsoft.com/office/powerpoint/2010/main" val="3391787225"/>
       </p:ext>
     </p:extLst>
   </p:cSld>
@@ -1526,7 +2177,7 @@
           <p:cNvPr id="2" name="Titre 1">
             <a:extLst>
               <a:ext uri="{FF2B5EF4-FFF2-40B4-BE49-F238E27FC236}">
-                <a16:creationId xmlns:a16="http://schemas.microsoft.com/office/drawing/2014/main" id="{750AC27D-5873-34E2-7708-9A7CCE06B5C8}"/>
+                <a16:creationId xmlns:a16="http://schemas.microsoft.com/office/drawing/2014/main" id="{09FDAFF9-4852-7412-1BFA-44BBDB4B5824}"/>
               </a:ext>
             </a:extLst>
           </p:cNvPr>
@@ -1559,7 +2210,7 @@
           <p:cNvPr id="3" name="Espace réservé du texte 2">
             <a:extLst>
               <a:ext uri="{FF2B5EF4-FFF2-40B4-BE49-F238E27FC236}">
-                <a16:creationId xmlns:a16="http://schemas.microsoft.com/office/drawing/2014/main" id="{2F94D1DD-B407-A3ED-D573-E6231ADF1234}"/>
+                <a16:creationId xmlns:a16="http://schemas.microsoft.com/office/drawing/2014/main" id="{A37C7440-FEC3-2F12-6628-884C25EB5F34}"/>
               </a:ext>
             </a:extLst>
           </p:cNvPr>
@@ -1630,7 +2281,7 @@
           <p:cNvPr id="4" name="Espace réservé du contenu 3">
             <a:extLst>
               <a:ext uri="{FF2B5EF4-FFF2-40B4-BE49-F238E27FC236}">
-                <a16:creationId xmlns:a16="http://schemas.microsoft.com/office/drawing/2014/main" id="{09958F19-E864-BECF-37B7-7D498F9B4BFB}"/>
+                <a16:creationId xmlns:a16="http://schemas.microsoft.com/office/drawing/2014/main" id="{4185D4C2-F23B-81AA-59E8-07933022595E}"/>
               </a:ext>
             </a:extLst>
           </p:cNvPr>
@@ -1692,7 +2343,7 @@
           <p:cNvPr id="5" name="Espace réservé du texte 4">
             <a:extLst>
               <a:ext uri="{FF2B5EF4-FFF2-40B4-BE49-F238E27FC236}">
-                <a16:creationId xmlns:a16="http://schemas.microsoft.com/office/drawing/2014/main" id="{830BDB2B-B8D3-6D6E-3423-2982F65300CA}"/>
+                <a16:creationId xmlns:a16="http://schemas.microsoft.com/office/drawing/2014/main" id="{2FCA5FD0-A537-C758-2D50-187BE93FB125}"/>
               </a:ext>
             </a:extLst>
           </p:cNvPr>
@@ -1763,7 +2414,7 @@
           <p:cNvPr id="6" name="Espace réservé du contenu 5">
             <a:extLst>
               <a:ext uri="{FF2B5EF4-FFF2-40B4-BE49-F238E27FC236}">
-                <a16:creationId xmlns:a16="http://schemas.microsoft.com/office/drawing/2014/main" id="{5CF904BB-E50C-EEA1-E043-3686CDCB35C2}"/>
+                <a16:creationId xmlns:a16="http://schemas.microsoft.com/office/drawing/2014/main" id="{1FAB9755-08D5-2A4B-A884-8A45C5603CB2}"/>
               </a:ext>
             </a:extLst>
           </p:cNvPr>
@@ -1825,7 +2476,7 @@
           <p:cNvPr id="7" name="Espace réservé de la date 6">
             <a:extLst>
               <a:ext uri="{FF2B5EF4-FFF2-40B4-BE49-F238E27FC236}">
-                <a16:creationId xmlns:a16="http://schemas.microsoft.com/office/drawing/2014/main" id="{7C6FBB2D-9263-27D3-5688-501F30A4F52E}"/>
+                <a16:creationId xmlns:a16="http://schemas.microsoft.com/office/drawing/2014/main" id="{69A11B3D-842A-7FFE-6B52-E329769A7B4F}"/>
               </a:ext>
             </a:extLst>
           </p:cNvPr>
@@ -1843,7 +2494,7 @@
           <a:p>
             <a:fld id="{B35E8903-3DB0-4D62-9C06-CFA6198553C9}" type="datetimeFigureOut">
               <a:rPr lang="fr-FR" smtClean="0"/>
-              <a:t>14/05/2024</a:t>
+              <a:t>17/05/2024</a:t>
             </a:fld>
             <a:endParaRPr lang="fr-FR"/>
           </a:p>
@@ -1854,7 +2505,7 @@
           <p:cNvPr id="8" name="Espace réservé du pied de page 7">
             <a:extLst>
               <a:ext uri="{FF2B5EF4-FFF2-40B4-BE49-F238E27FC236}">
-                <a16:creationId xmlns:a16="http://schemas.microsoft.com/office/drawing/2014/main" id="{82130B1F-7C2C-BDDE-86C3-989F3014CE10}"/>
+                <a16:creationId xmlns:a16="http://schemas.microsoft.com/office/drawing/2014/main" id="{DBEB1E33-7227-4D68-93B2-5A3473010FEA}"/>
               </a:ext>
             </a:extLst>
           </p:cNvPr>
@@ -1879,7 +2530,7 @@
           <p:cNvPr id="9" name="Espace réservé du numéro de diapositive 8">
             <a:extLst>
               <a:ext uri="{FF2B5EF4-FFF2-40B4-BE49-F238E27FC236}">
-                <a16:creationId xmlns:a16="http://schemas.microsoft.com/office/drawing/2014/main" id="{5E2AD21C-9635-E428-A6E5-07DA5A0425C4}"/>
+                <a16:creationId xmlns:a16="http://schemas.microsoft.com/office/drawing/2014/main" id="{9EDF9175-3477-7FB4-4FFA-BEAAAFD79F87}"/>
               </a:ext>
             </a:extLst>
           </p:cNvPr>
@@ -1906,7 +2557,7 @@
     </p:spTree>
     <p:extLst>
       <p:ext uri="{BB962C8B-B14F-4D97-AF65-F5344CB8AC3E}">
-        <p14:creationId xmlns:p14="http://schemas.microsoft.com/office/powerpoint/2010/main" val="1591644342"/>
+        <p14:creationId xmlns:p14="http://schemas.microsoft.com/office/powerpoint/2010/main" val="2117529011"/>
       </p:ext>
     </p:extLst>
   </p:cSld>
@@ -1941,7 +2592,7 @@
           <p:cNvPr id="2" name="Titre 1">
             <a:extLst>
               <a:ext uri="{FF2B5EF4-FFF2-40B4-BE49-F238E27FC236}">
-                <a16:creationId xmlns:a16="http://schemas.microsoft.com/office/drawing/2014/main" id="{E46BDCE8-8E7D-0571-C7C8-E2D9DD68F5A6}"/>
+                <a16:creationId xmlns:a16="http://schemas.microsoft.com/office/drawing/2014/main" id="{AADAF958-48C1-7F4F-6B96-1DC1B1D66754}"/>
               </a:ext>
             </a:extLst>
           </p:cNvPr>
@@ -1969,7 +2620,7 @@
           <p:cNvPr id="3" name="Espace réservé de la date 2">
             <a:extLst>
               <a:ext uri="{FF2B5EF4-FFF2-40B4-BE49-F238E27FC236}">
-                <a16:creationId xmlns:a16="http://schemas.microsoft.com/office/drawing/2014/main" id="{177552A9-A33D-90E8-B4B4-9778784EEDCF}"/>
+                <a16:creationId xmlns:a16="http://schemas.microsoft.com/office/drawing/2014/main" id="{EE5521D7-E1C6-CD5F-E595-BA45D8A426E7}"/>
               </a:ext>
             </a:extLst>
           </p:cNvPr>
@@ -1987,7 +2638,7 @@
           <a:p>
             <a:fld id="{B35E8903-3DB0-4D62-9C06-CFA6198553C9}" type="datetimeFigureOut">
               <a:rPr lang="fr-FR" smtClean="0"/>
-              <a:t>14/05/2024</a:t>
+              <a:t>17/05/2024</a:t>
             </a:fld>
             <a:endParaRPr lang="fr-FR"/>
           </a:p>
@@ -1998,7 +2649,7 @@
           <p:cNvPr id="4" name="Espace réservé du pied de page 3">
             <a:extLst>
               <a:ext uri="{FF2B5EF4-FFF2-40B4-BE49-F238E27FC236}">
-                <a16:creationId xmlns:a16="http://schemas.microsoft.com/office/drawing/2014/main" id="{AAC30AFC-0029-D0C3-29B2-6F3B9CCC9886}"/>
+                <a16:creationId xmlns:a16="http://schemas.microsoft.com/office/drawing/2014/main" id="{0D0494A3-0E9C-DB80-D4EB-D9408E368347}"/>
               </a:ext>
             </a:extLst>
           </p:cNvPr>
@@ -2023,7 +2674,7 @@
           <p:cNvPr id="5" name="Espace réservé du numéro de diapositive 4">
             <a:extLst>
               <a:ext uri="{FF2B5EF4-FFF2-40B4-BE49-F238E27FC236}">
-                <a16:creationId xmlns:a16="http://schemas.microsoft.com/office/drawing/2014/main" id="{653315E3-212A-96A2-7DD9-314451245BDA}"/>
+                <a16:creationId xmlns:a16="http://schemas.microsoft.com/office/drawing/2014/main" id="{2247C087-0235-2950-FD0F-1AD7EBB27633}"/>
               </a:ext>
             </a:extLst>
           </p:cNvPr>
@@ -2050,7 +2701,7 @@
     </p:spTree>
     <p:extLst>
       <p:ext uri="{BB962C8B-B14F-4D97-AF65-F5344CB8AC3E}">
-        <p14:creationId xmlns:p14="http://schemas.microsoft.com/office/powerpoint/2010/main" val="3455753047"/>
+        <p14:creationId xmlns:p14="http://schemas.microsoft.com/office/powerpoint/2010/main" val="2840946800"/>
       </p:ext>
     </p:extLst>
   </p:cSld>
@@ -2085,7 +2736,7 @@
           <p:cNvPr id="2" name="Espace réservé de la date 1">
             <a:extLst>
               <a:ext uri="{FF2B5EF4-FFF2-40B4-BE49-F238E27FC236}">
-                <a16:creationId xmlns:a16="http://schemas.microsoft.com/office/drawing/2014/main" id="{C1E0D85C-3346-3FDA-563F-E962D95025BB}"/>
+                <a16:creationId xmlns:a16="http://schemas.microsoft.com/office/drawing/2014/main" id="{C9FFEC45-87ED-8A8C-B3DC-E8AF06D15FEA}"/>
               </a:ext>
             </a:extLst>
           </p:cNvPr>
@@ -2103,7 +2754,7 @@
           <a:p>
             <a:fld id="{B35E8903-3DB0-4D62-9C06-CFA6198553C9}" type="datetimeFigureOut">
               <a:rPr lang="fr-FR" smtClean="0"/>
-              <a:t>14/05/2024</a:t>
+              <a:t>17/05/2024</a:t>
             </a:fld>
             <a:endParaRPr lang="fr-FR"/>
           </a:p>
@@ -2114,7 +2765,7 @@
           <p:cNvPr id="3" name="Espace réservé du pied de page 2">
             <a:extLst>
               <a:ext uri="{FF2B5EF4-FFF2-40B4-BE49-F238E27FC236}">
-                <a16:creationId xmlns:a16="http://schemas.microsoft.com/office/drawing/2014/main" id="{108D3D24-2383-48CF-3391-4CC82FD78CB9}"/>
+                <a16:creationId xmlns:a16="http://schemas.microsoft.com/office/drawing/2014/main" id="{D3BC0833-EC57-CEF8-AB16-771EC3B15634}"/>
               </a:ext>
             </a:extLst>
           </p:cNvPr>
@@ -2139,7 +2790,7 @@
           <p:cNvPr id="4" name="Espace réservé du numéro de diapositive 3">
             <a:extLst>
               <a:ext uri="{FF2B5EF4-FFF2-40B4-BE49-F238E27FC236}">
-                <a16:creationId xmlns:a16="http://schemas.microsoft.com/office/drawing/2014/main" id="{947D871D-813E-0A66-BB86-248391988597}"/>
+                <a16:creationId xmlns:a16="http://schemas.microsoft.com/office/drawing/2014/main" id="{F22A79E1-CDE7-5CEF-4867-427F041013CC}"/>
               </a:ext>
             </a:extLst>
           </p:cNvPr>
@@ -2166,7 +2817,7 @@
     </p:spTree>
     <p:extLst>
       <p:ext uri="{BB962C8B-B14F-4D97-AF65-F5344CB8AC3E}">
-        <p14:creationId xmlns:p14="http://schemas.microsoft.com/office/powerpoint/2010/main" val="3710015414"/>
+        <p14:creationId xmlns:p14="http://schemas.microsoft.com/office/powerpoint/2010/main" val="3548137729"/>
       </p:ext>
     </p:extLst>
   </p:cSld>
@@ -2201,7 +2852,7 @@
           <p:cNvPr id="2" name="Titre 1">
             <a:extLst>
               <a:ext uri="{FF2B5EF4-FFF2-40B4-BE49-F238E27FC236}">
-                <a16:creationId xmlns:a16="http://schemas.microsoft.com/office/drawing/2014/main" id="{1CC02677-69CB-89A1-57B4-69BE0A65B3C1}"/>
+                <a16:creationId xmlns:a16="http://schemas.microsoft.com/office/drawing/2014/main" id="{E47189B4-4103-8CD2-5D91-4B1A0499C3B8}"/>
               </a:ext>
             </a:extLst>
           </p:cNvPr>
@@ -2238,7 +2889,7 @@
           <p:cNvPr id="3" name="Espace réservé du contenu 2">
             <a:extLst>
               <a:ext uri="{FF2B5EF4-FFF2-40B4-BE49-F238E27FC236}">
-                <a16:creationId xmlns:a16="http://schemas.microsoft.com/office/drawing/2014/main" id="{D0162D45-E425-CBD6-0319-3F5E55397C44}"/>
+                <a16:creationId xmlns:a16="http://schemas.microsoft.com/office/drawing/2014/main" id="{6ACB827F-CE1D-25F7-615D-CCDDE81217A2}"/>
               </a:ext>
             </a:extLst>
           </p:cNvPr>
@@ -2328,7 +2979,7 @@
           <p:cNvPr id="4" name="Espace réservé du texte 3">
             <a:extLst>
               <a:ext uri="{FF2B5EF4-FFF2-40B4-BE49-F238E27FC236}">
-                <a16:creationId xmlns:a16="http://schemas.microsoft.com/office/drawing/2014/main" id="{BA8A9202-5CF5-ADE0-D2B0-202F5B816FC1}"/>
+                <a16:creationId xmlns:a16="http://schemas.microsoft.com/office/drawing/2014/main" id="{FB48C1E7-5236-21E8-5D68-FDE8DBE91F73}"/>
               </a:ext>
             </a:extLst>
           </p:cNvPr>
@@ -2399,7 +3050,7 @@
           <p:cNvPr id="5" name="Espace réservé de la date 4">
             <a:extLst>
               <a:ext uri="{FF2B5EF4-FFF2-40B4-BE49-F238E27FC236}">
-                <a16:creationId xmlns:a16="http://schemas.microsoft.com/office/drawing/2014/main" id="{1C45E3BA-3B58-A54D-69A4-1DC3815C3987}"/>
+                <a16:creationId xmlns:a16="http://schemas.microsoft.com/office/drawing/2014/main" id="{2B08542D-CB76-2DEB-BDDB-513A1A3EB403}"/>
               </a:ext>
             </a:extLst>
           </p:cNvPr>
@@ -2417,7 +3068,7 @@
           <a:p>
             <a:fld id="{B35E8903-3DB0-4D62-9C06-CFA6198553C9}" type="datetimeFigureOut">
               <a:rPr lang="fr-FR" smtClean="0"/>
-              <a:t>14/05/2024</a:t>
+              <a:t>17/05/2024</a:t>
             </a:fld>
             <a:endParaRPr lang="fr-FR"/>
           </a:p>
@@ -2428,7 +3079,7 @@
           <p:cNvPr id="6" name="Espace réservé du pied de page 5">
             <a:extLst>
               <a:ext uri="{FF2B5EF4-FFF2-40B4-BE49-F238E27FC236}">
-                <a16:creationId xmlns:a16="http://schemas.microsoft.com/office/drawing/2014/main" id="{F72525C9-73CB-456B-77B2-2FC9B9FAFCAF}"/>
+                <a16:creationId xmlns:a16="http://schemas.microsoft.com/office/drawing/2014/main" id="{9778EAF4-58C8-0DB6-3D50-F90253640189}"/>
               </a:ext>
             </a:extLst>
           </p:cNvPr>
@@ -2453,7 +3104,7 @@
           <p:cNvPr id="7" name="Espace réservé du numéro de diapositive 6">
             <a:extLst>
               <a:ext uri="{FF2B5EF4-FFF2-40B4-BE49-F238E27FC236}">
-                <a16:creationId xmlns:a16="http://schemas.microsoft.com/office/drawing/2014/main" id="{4FDEF311-0607-FDE8-D307-5DB212261890}"/>
+                <a16:creationId xmlns:a16="http://schemas.microsoft.com/office/drawing/2014/main" id="{E3F040AD-DA09-85BF-3F2E-3CBEA53202C2}"/>
               </a:ext>
             </a:extLst>
           </p:cNvPr>
@@ -2480,7 +3131,7 @@
     </p:spTree>
     <p:extLst>
       <p:ext uri="{BB962C8B-B14F-4D97-AF65-F5344CB8AC3E}">
-        <p14:creationId xmlns:p14="http://schemas.microsoft.com/office/powerpoint/2010/main" val="2063774397"/>
+        <p14:creationId xmlns:p14="http://schemas.microsoft.com/office/powerpoint/2010/main" val="2223052690"/>
       </p:ext>
     </p:extLst>
   </p:cSld>
@@ -2515,7 +3166,7 @@
           <p:cNvPr id="2" name="Titre 1">
             <a:extLst>
               <a:ext uri="{FF2B5EF4-FFF2-40B4-BE49-F238E27FC236}">
-                <a16:creationId xmlns:a16="http://schemas.microsoft.com/office/drawing/2014/main" id="{DD6CC623-2322-A592-48D1-5882EB84326D}"/>
+                <a16:creationId xmlns:a16="http://schemas.microsoft.com/office/drawing/2014/main" id="{51BD6C06-D940-5599-3940-7AEC95C66930}"/>
               </a:ext>
             </a:extLst>
           </p:cNvPr>
@@ -2552,7 +3203,7 @@
           <p:cNvPr id="3" name="Espace réservé pour une image  2">
             <a:extLst>
               <a:ext uri="{FF2B5EF4-FFF2-40B4-BE49-F238E27FC236}">
-                <a16:creationId xmlns:a16="http://schemas.microsoft.com/office/drawing/2014/main" id="{0BABEAD3-AF81-CC62-E928-D5F9C71DC446}"/>
+                <a16:creationId xmlns:a16="http://schemas.microsoft.com/office/drawing/2014/main" id="{2576BF46-29C8-A43E-96BD-F51B2199C084}"/>
               </a:ext>
             </a:extLst>
           </p:cNvPr>
@@ -2619,7 +3270,7 @@
           <p:cNvPr id="4" name="Espace réservé du texte 3">
             <a:extLst>
               <a:ext uri="{FF2B5EF4-FFF2-40B4-BE49-F238E27FC236}">
-                <a16:creationId xmlns:a16="http://schemas.microsoft.com/office/drawing/2014/main" id="{D4F42F51-C5A3-1399-A3DC-9B1F48809917}"/>
+                <a16:creationId xmlns:a16="http://schemas.microsoft.com/office/drawing/2014/main" id="{2B788B2D-65D5-A53C-782B-CFB1B3A9B9CC}"/>
               </a:ext>
             </a:extLst>
           </p:cNvPr>
@@ -2690,7 +3341,7 @@
           <p:cNvPr id="5" name="Espace réservé de la date 4">
             <a:extLst>
               <a:ext uri="{FF2B5EF4-FFF2-40B4-BE49-F238E27FC236}">
-                <a16:creationId xmlns:a16="http://schemas.microsoft.com/office/drawing/2014/main" id="{C9C1823C-AE9C-FD24-6965-6C414F01DF3B}"/>
+                <a16:creationId xmlns:a16="http://schemas.microsoft.com/office/drawing/2014/main" id="{0486A79A-F74D-966C-F750-D940F4F9F9F0}"/>
               </a:ext>
             </a:extLst>
           </p:cNvPr>
@@ -2708,7 +3359,7 @@
           <a:p>
             <a:fld id="{B35E8903-3DB0-4D62-9C06-CFA6198553C9}" type="datetimeFigureOut">
               <a:rPr lang="fr-FR" smtClean="0"/>
-              <a:t>14/05/2024</a:t>
+              <a:t>17/05/2024</a:t>
             </a:fld>
             <a:endParaRPr lang="fr-FR"/>
           </a:p>
@@ -2719,7 +3370,7 @@
           <p:cNvPr id="6" name="Espace réservé du pied de page 5">
             <a:extLst>
               <a:ext uri="{FF2B5EF4-FFF2-40B4-BE49-F238E27FC236}">
-                <a16:creationId xmlns:a16="http://schemas.microsoft.com/office/drawing/2014/main" id="{CDDA6B3B-E8D5-78CC-056B-CE7BB3BB55FC}"/>
+                <a16:creationId xmlns:a16="http://schemas.microsoft.com/office/drawing/2014/main" id="{D11D0A1D-82C9-DD7D-767D-91E699BA941C}"/>
               </a:ext>
             </a:extLst>
           </p:cNvPr>
@@ -2744,7 +3395,7 @@
           <p:cNvPr id="7" name="Espace réservé du numéro de diapositive 6">
             <a:extLst>
               <a:ext uri="{FF2B5EF4-FFF2-40B4-BE49-F238E27FC236}">
-                <a16:creationId xmlns:a16="http://schemas.microsoft.com/office/drawing/2014/main" id="{95FFFFB3-8F7A-052E-07C1-D3E267C561A5}"/>
+                <a16:creationId xmlns:a16="http://schemas.microsoft.com/office/drawing/2014/main" id="{7E26C76E-F080-B82B-9955-83979D0A3131}"/>
               </a:ext>
             </a:extLst>
           </p:cNvPr>
@@ -2771,7 +3422,7 @@
     </p:spTree>
     <p:extLst>
       <p:ext uri="{BB962C8B-B14F-4D97-AF65-F5344CB8AC3E}">
-        <p14:creationId xmlns:p14="http://schemas.microsoft.com/office/powerpoint/2010/main" val="2627180438"/>
+        <p14:creationId xmlns:p14="http://schemas.microsoft.com/office/powerpoint/2010/main" val="1759082923"/>
       </p:ext>
     </p:extLst>
   </p:cSld>
@@ -2788,9 +3439,12 @@
 <p:sldMaster xmlns:a="http://schemas.openxmlformats.org/drawingml/2006/main" xmlns:r="http://schemas.openxmlformats.org/officeDocument/2006/relationships" xmlns:p="http://schemas.openxmlformats.org/presentationml/2006/main">
   <p:cSld>
     <p:bg>
-      <p:bgRef idx="1001">
-        <a:schemeClr val="bg1"/>
-      </p:bgRef>
+      <p:bgPr>
+        <a:solidFill>
+          <a:srgbClr val="1C62CA"/>
+        </a:solidFill>
+        <a:effectLst/>
+      </p:bgPr>
     </p:bg>
     <p:spTree>
       <p:nvGrpSpPr>
@@ -2811,7 +3465,7 @@
           <p:cNvPr id="2" name="Espace réservé du titre 1">
             <a:extLst>
               <a:ext uri="{FF2B5EF4-FFF2-40B4-BE49-F238E27FC236}">
-                <a16:creationId xmlns:a16="http://schemas.microsoft.com/office/drawing/2014/main" id="{261F640A-EB1B-89C7-183C-FB7282CD518A}"/>
+                <a16:creationId xmlns:a16="http://schemas.microsoft.com/office/drawing/2014/main" id="{CCD5466C-6267-69D2-4DC7-FB3D1D53D863}"/>
               </a:ext>
             </a:extLst>
           </p:cNvPr>
@@ -2849,7 +3503,7 @@
           <p:cNvPr id="3" name="Espace réservé du texte 2">
             <a:extLst>
               <a:ext uri="{FF2B5EF4-FFF2-40B4-BE49-F238E27FC236}">
-                <a16:creationId xmlns:a16="http://schemas.microsoft.com/office/drawing/2014/main" id="{D60560F8-30D7-AC4C-DC16-CC5C40B086B2}"/>
+                <a16:creationId xmlns:a16="http://schemas.microsoft.com/office/drawing/2014/main" id="{00EB0367-3CC9-6828-6B80-1B0367DC7625}"/>
               </a:ext>
             </a:extLst>
           </p:cNvPr>
@@ -2916,7 +3570,7 @@
           <p:cNvPr id="4" name="Espace réservé de la date 3">
             <a:extLst>
               <a:ext uri="{FF2B5EF4-FFF2-40B4-BE49-F238E27FC236}">
-                <a16:creationId xmlns:a16="http://schemas.microsoft.com/office/drawing/2014/main" id="{32BF620C-A063-2C6E-AAC6-FA3DEE8C029F}"/>
+                <a16:creationId xmlns:a16="http://schemas.microsoft.com/office/drawing/2014/main" id="{F818E150-2249-F122-440B-C23FDFB5EFB3}"/>
               </a:ext>
             </a:extLst>
           </p:cNvPr>
@@ -2952,7 +3606,7 @@
           <a:p>
             <a:fld id="{B35E8903-3DB0-4D62-9C06-CFA6198553C9}" type="datetimeFigureOut">
               <a:rPr lang="fr-FR" smtClean="0"/>
-              <a:t>14/05/2024</a:t>
+              <a:t>17/05/2024</a:t>
             </a:fld>
             <a:endParaRPr lang="fr-FR"/>
           </a:p>
@@ -2963,7 +3617,7 @@
           <p:cNvPr id="5" name="Espace réservé du pied de page 4">
             <a:extLst>
               <a:ext uri="{FF2B5EF4-FFF2-40B4-BE49-F238E27FC236}">
-                <a16:creationId xmlns:a16="http://schemas.microsoft.com/office/drawing/2014/main" id="{ECDC0BF5-5693-5900-EEA4-68D32C7DD9D8}"/>
+                <a16:creationId xmlns:a16="http://schemas.microsoft.com/office/drawing/2014/main" id="{C6FEE2D8-D2C3-E7BD-ECAF-11112FFC6C95}"/>
               </a:ext>
             </a:extLst>
           </p:cNvPr>
@@ -3006,7 +3660,7 @@
           <p:cNvPr id="6" name="Espace réservé du numéro de diapositive 5">
             <a:extLst>
               <a:ext uri="{FF2B5EF4-FFF2-40B4-BE49-F238E27FC236}">
-                <a16:creationId xmlns:a16="http://schemas.microsoft.com/office/drawing/2014/main" id="{F0DCFBB6-8F69-F6B6-BBBF-0F23CF2C6B51}"/>
+                <a16:creationId xmlns:a16="http://schemas.microsoft.com/office/drawing/2014/main" id="{CCBDE2BD-D3F7-BB6E-73D4-5D1E1EC22DE2}"/>
               </a:ext>
             </a:extLst>
           </p:cNvPr>
@@ -3051,23 +3705,23 @@
     </p:spTree>
     <p:extLst>
       <p:ext uri="{BB962C8B-B14F-4D97-AF65-F5344CB8AC3E}">
-        <p14:creationId xmlns:p14="http://schemas.microsoft.com/office/powerpoint/2010/main" val="1555149216"/>
+        <p14:creationId xmlns:p14="http://schemas.microsoft.com/office/powerpoint/2010/main" val="1902973226"/>
       </p:ext>
     </p:extLst>
   </p:cSld>
   <p:clrMap bg1="lt1" tx1="dk1" bg2="lt2" tx2="dk2" accent1="accent1" accent2="accent2" accent3="accent3" accent4="accent4" accent5="accent5" accent6="accent6" hlink="hlink" folHlink="folHlink"/>
   <p:sldLayoutIdLst>
-    <p:sldLayoutId id="2147483649" r:id="rId1"/>
-    <p:sldLayoutId id="2147483650" r:id="rId2"/>
-    <p:sldLayoutId id="2147483651" r:id="rId3"/>
-    <p:sldLayoutId id="2147483652" r:id="rId4"/>
-    <p:sldLayoutId id="2147483653" r:id="rId5"/>
-    <p:sldLayoutId id="2147483654" r:id="rId6"/>
-    <p:sldLayoutId id="2147483655" r:id="rId7"/>
-    <p:sldLayoutId id="2147483656" r:id="rId8"/>
-    <p:sldLayoutId id="2147483657" r:id="rId9"/>
-    <p:sldLayoutId id="2147483658" r:id="rId10"/>
-    <p:sldLayoutId id="2147483659" r:id="rId11"/>
+    <p:sldLayoutId id="2147483661" r:id="rId1"/>
+    <p:sldLayoutId id="2147483662" r:id="rId2"/>
+    <p:sldLayoutId id="2147483663" r:id="rId3"/>
+    <p:sldLayoutId id="2147483664" r:id="rId4"/>
+    <p:sldLayoutId id="2147483665" r:id="rId5"/>
+    <p:sldLayoutId id="2147483666" r:id="rId6"/>
+    <p:sldLayoutId id="2147483667" r:id="rId7"/>
+    <p:sldLayoutId id="2147483668" r:id="rId8"/>
+    <p:sldLayoutId id="2147483669" r:id="rId9"/>
+    <p:sldLayoutId id="2147483670" r:id="rId10"/>
+    <p:sldLayoutId id="2147483671" r:id="rId11"/>
   </p:sldLayoutIdLst>
   <p:transition spd="slow">
     <p:push/>
@@ -3443,7 +4097,7 @@
           <p:nvPr/>
         </p:nvPicPr>
         <p:blipFill rotWithShape="1">
-          <a:blip r:embed="rId2">
+          <a:blip r:embed="rId3">
             <a:extLst>
               <a:ext uri="{28A0092B-C50C-407E-A947-70E740481C1C}">
                 <a14:useLocalDpi xmlns:a14="http://schemas.microsoft.com/office/drawing/2010/main" val="0"/>
@@ -3478,7 +4132,7 @@
           <p:nvPr/>
         </p:nvPicPr>
         <p:blipFill rotWithShape="1">
-          <a:blip r:embed="rId2">
+          <a:blip r:embed="rId3">
             <a:extLst>
               <a:ext uri="{28A0092B-C50C-407E-A947-70E740481C1C}">
                 <a14:useLocalDpi xmlns:a14="http://schemas.microsoft.com/office/drawing/2010/main" val="0"/>
@@ -3650,134 +4304,6 @@
 </p:sld>
 </file>
 
-<file path=ppt/slides/slide10.xml><?xml version="1.0" encoding="utf-8"?>
-<p:sld xmlns:a="http://schemas.openxmlformats.org/drawingml/2006/main" xmlns:r="http://schemas.openxmlformats.org/officeDocument/2006/relationships" xmlns:p="http://schemas.openxmlformats.org/presentationml/2006/main">
-  <p:cSld>
-    <p:spTree>
-      <p:nvGrpSpPr>
-        <p:cNvPr id="1" name=""/>
-        <p:cNvGrpSpPr/>
-        <p:nvPr/>
-      </p:nvGrpSpPr>
-      <p:grpSpPr>
-        <a:xfrm>
-          <a:off x="0" y="0"/>
-          <a:ext cx="0" cy="0"/>
-          <a:chOff x="0" y="0"/>
-          <a:chExt cx="0" cy="0"/>
-        </a:xfrm>
-      </p:grpSpPr>
-      <p:sp>
-        <p:nvSpPr>
-          <p:cNvPr id="2" name="Titre 1">
-            <a:extLst>
-              <a:ext uri="{FF2B5EF4-FFF2-40B4-BE49-F238E27FC236}">
-                <a16:creationId xmlns:a16="http://schemas.microsoft.com/office/drawing/2014/main" id="{0DF51CB7-E4BD-2790-7E3E-0A63C894BDBD}"/>
-              </a:ext>
-            </a:extLst>
-          </p:cNvPr>
-          <p:cNvSpPr>
-            <a:spLocks noGrp="1"/>
-          </p:cNvSpPr>
-          <p:nvPr>
-            <p:ph type="title"/>
-          </p:nvPr>
-        </p:nvSpPr>
-        <p:spPr/>
-        <p:txBody>
-          <a:bodyPr/>
-          <a:lstStyle/>
-          <a:p>
-            <a:r>
-              <a:rPr lang="fr-FR" dirty="0">
-                <a:latin typeface="Kanit" pitchFamily="2" charset="-34"/>
-                <a:cs typeface="Kanit" pitchFamily="2" charset="-34"/>
-              </a:rPr>
-              <a:t>Echecs</a:t>
-            </a:r>
-          </a:p>
-        </p:txBody>
-      </p:sp>
-    </p:spTree>
-    <p:extLst>
-      <p:ext uri="{BB962C8B-B14F-4D97-AF65-F5344CB8AC3E}">
-        <p14:creationId xmlns:p14="http://schemas.microsoft.com/office/powerpoint/2010/main" val="1818274042"/>
-      </p:ext>
-    </p:extLst>
-  </p:cSld>
-  <p:clrMapOvr>
-    <a:masterClrMapping/>
-  </p:clrMapOvr>
-  <p:transition spd="slow">
-    <p:push/>
-  </p:transition>
-</p:sld>
-</file>
-
-<file path=ppt/slides/slide11.xml><?xml version="1.0" encoding="utf-8"?>
-<p:sld xmlns:a="http://schemas.openxmlformats.org/drawingml/2006/main" xmlns:r="http://schemas.openxmlformats.org/officeDocument/2006/relationships" xmlns:p="http://schemas.openxmlformats.org/presentationml/2006/main">
-  <p:cSld>
-    <p:spTree>
-      <p:nvGrpSpPr>
-        <p:cNvPr id="1" name=""/>
-        <p:cNvGrpSpPr/>
-        <p:nvPr/>
-      </p:nvGrpSpPr>
-      <p:grpSpPr>
-        <a:xfrm>
-          <a:off x="0" y="0"/>
-          <a:ext cx="0" cy="0"/>
-          <a:chOff x="0" y="0"/>
-          <a:chExt cx="0" cy="0"/>
-        </a:xfrm>
-      </p:grpSpPr>
-      <p:sp>
-        <p:nvSpPr>
-          <p:cNvPr id="2" name="Titre 1">
-            <a:extLst>
-              <a:ext uri="{FF2B5EF4-FFF2-40B4-BE49-F238E27FC236}">
-                <a16:creationId xmlns:a16="http://schemas.microsoft.com/office/drawing/2014/main" id="{0DF51CB7-E4BD-2790-7E3E-0A63C894BDBD}"/>
-              </a:ext>
-            </a:extLst>
-          </p:cNvPr>
-          <p:cNvSpPr>
-            <a:spLocks noGrp="1"/>
-          </p:cNvSpPr>
-          <p:nvPr>
-            <p:ph type="title"/>
-          </p:nvPr>
-        </p:nvSpPr>
-        <p:spPr/>
-        <p:txBody>
-          <a:bodyPr/>
-          <a:lstStyle/>
-          <a:p>
-            <a:r>
-              <a:rPr lang="fr-FR" dirty="0">
-                <a:latin typeface="Kanit" pitchFamily="2" charset="-34"/>
-                <a:cs typeface="Kanit" pitchFamily="2" charset="-34"/>
-              </a:rPr>
-              <a:t>Conclusion</a:t>
-            </a:r>
-          </a:p>
-        </p:txBody>
-      </p:sp>
-    </p:spTree>
-    <p:extLst>
-      <p:ext uri="{BB962C8B-B14F-4D97-AF65-F5344CB8AC3E}">
-        <p14:creationId xmlns:p14="http://schemas.microsoft.com/office/powerpoint/2010/main" val="2062808289"/>
-      </p:ext>
-    </p:extLst>
-  </p:cSld>
-  <p:clrMapOvr>
-    <a:masterClrMapping/>
-  </p:clrMapOvr>
-  <p:transition spd="slow">
-    <p:push/>
-  </p:transition>
-</p:sld>
-</file>
-
 <file path=ppt/slides/slide2.xml><?xml version="1.0" encoding="utf-8"?>
 <p:sld xmlns:a="http://schemas.openxmlformats.org/drawingml/2006/main" xmlns:r="http://schemas.openxmlformats.org/officeDocument/2006/relationships" xmlns:p="http://schemas.openxmlformats.org/presentationml/2006/main">
   <p:cSld>
@@ -3797,202 +4323,57 @@
       </p:grpSpPr>
       <p:sp>
         <p:nvSpPr>
-          <p:cNvPr id="3" name="Rectangle 2">
-            <a:extLst>
-              <a:ext uri="{FF2B5EF4-FFF2-40B4-BE49-F238E27FC236}">
-                <a16:creationId xmlns:a16="http://schemas.microsoft.com/office/drawing/2014/main" id="{F4E3E8F8-7A33-26E6-C5A5-AF3C99CE3F39}"/>
-              </a:ext>
-            </a:extLst>
-          </p:cNvPr>
-          <p:cNvSpPr/>
-          <p:nvPr/>
-        </p:nvSpPr>
-        <p:spPr>
-          <a:xfrm>
-            <a:off x="0" y="0"/>
-            <a:ext cx="12192000" cy="6858000"/>
-          </a:xfrm>
-          <a:prstGeom prst="rect">
-            <a:avLst/>
-          </a:prstGeom>
-          <a:solidFill>
-            <a:srgbClr val="1C62CA"/>
-          </a:solidFill>
-          <a:ln>
-            <a:noFill/>
-          </a:ln>
-        </p:spPr>
-        <p:style>
-          <a:lnRef idx="2">
-            <a:schemeClr val="accent1">
-              <a:shade val="15000"/>
-            </a:schemeClr>
-          </a:lnRef>
-          <a:fillRef idx="1">
-            <a:schemeClr val="accent1"/>
-          </a:fillRef>
-          <a:effectRef idx="0">
-            <a:schemeClr val="accent1"/>
-          </a:effectRef>
-          <a:fontRef idx="minor">
-            <a:schemeClr val="lt1"/>
-          </a:fontRef>
-        </p:style>
-        <p:txBody>
-          <a:bodyPr rtlCol="0" anchor="ctr"/>
-          <a:lstStyle/>
-          <a:p>
-            <a:pPr algn="ctr"/>
-            <a:endParaRPr lang="fr-FR">
+          <p:cNvPr id="2" name="Titre 1">
+            <a:extLst>
+              <a:ext uri="{FF2B5EF4-FFF2-40B4-BE49-F238E27FC236}">
+                <a16:creationId xmlns:a16="http://schemas.microsoft.com/office/drawing/2014/main" id="{3C2ABF41-BFFD-A046-D6CD-B22EFF188F48}"/>
+              </a:ext>
+            </a:extLst>
+          </p:cNvPr>
+          <p:cNvSpPr>
+            <a:spLocks noGrp="1"/>
+          </p:cNvSpPr>
+          <p:nvPr>
+            <p:ph type="title"/>
+          </p:nvPr>
+        </p:nvSpPr>
+        <p:spPr/>
+        <p:txBody>
+          <a:bodyPr/>
+          <a:lstStyle/>
+          <a:p>
+            <a:endParaRPr lang="fr-FR" dirty="0">
               <a:solidFill>
                 <a:schemeClr val="bg1"/>
               </a:solidFill>
+              <a:latin typeface="Kanit SemiBold" pitchFamily="2" charset="-34"/>
+              <a:cs typeface="Kanit SemiBold" pitchFamily="2" charset="-34"/>
             </a:endParaRPr>
           </a:p>
         </p:txBody>
       </p:sp>
       <p:sp>
         <p:nvSpPr>
-          <p:cNvPr id="2" name="Titre 1">
-            <a:extLst>
-              <a:ext uri="{FF2B5EF4-FFF2-40B4-BE49-F238E27FC236}">
-                <a16:creationId xmlns:a16="http://schemas.microsoft.com/office/drawing/2014/main" id="{8114BE97-5E5E-1E53-88FD-90D2E6DB3BBD}"/>
-              </a:ext>
-            </a:extLst>
-          </p:cNvPr>
-          <p:cNvSpPr>
-            <a:spLocks noGrp="1"/>
-          </p:cNvSpPr>
-          <p:nvPr>
-            <p:ph type="title"/>
-          </p:nvPr>
-        </p:nvSpPr>
-        <p:spPr>
-          <a:xfrm>
-            <a:off x="3965495" y="2921508"/>
-            <a:ext cx="4261010" cy="1014984"/>
-          </a:xfrm>
-        </p:spPr>
-        <p:txBody>
-          <a:bodyPr anchor="t">
-            <a:noAutofit/>
-          </a:bodyPr>
-          <a:lstStyle/>
-          <a:p>
-            <a:pPr algn="ctr"/>
-            <a:r>
-              <a:rPr lang="fr-FR" sz="4800" b="1" i="0" u="none" strike="noStrike" baseline="0" dirty="0">
-                <a:solidFill>
-                  <a:schemeClr val="bg1"/>
-                </a:solidFill>
-                <a:latin typeface="Kanit"/>
-              </a:rPr>
-              <a:t>Le démarrage </a:t>
-            </a:r>
-            <a:endParaRPr lang="fr-FR" sz="9600" b="1" dirty="0">
-              <a:solidFill>
-                <a:schemeClr val="bg1"/>
-              </a:solidFill>
-              <a:latin typeface="Kanit"/>
-            </a:endParaRPr>
-          </a:p>
-        </p:txBody>
-      </p:sp>
-      <p:pic>
-        <p:nvPicPr>
-          <p:cNvPr id="7" name="Image 6" descr="Un jeune homme d'affaires se réjouit">
-            <a:extLst>
-              <a:ext uri="{FF2B5EF4-FFF2-40B4-BE49-F238E27FC236}">
-                <a16:creationId xmlns:a16="http://schemas.microsoft.com/office/drawing/2014/main" id="{4360ABCA-9675-7B69-9132-35C178540B02}"/>
-              </a:ext>
-            </a:extLst>
-          </p:cNvPr>
-          <p:cNvPicPr>
-            <a:picLocks noChangeAspect="1"/>
-          </p:cNvPicPr>
-          <p:nvPr/>
-        </p:nvPicPr>
-        <p:blipFill>
-          <a:blip r:embed="rId2">
-            <a:extLst>
-              <a:ext uri="{28A0092B-C50C-407E-A947-70E740481C1C}">
-                <a14:useLocalDpi xmlns:a14="http://schemas.microsoft.com/office/drawing/2010/main" val="0"/>
-              </a:ext>
-            </a:extLst>
-          </a:blip>
-          <a:stretch>
-            <a:fillRect/>
-          </a:stretch>
-        </p:blipFill>
-        <p:spPr>
-          <a:xfrm>
-            <a:off x="1128694" y="3185431"/>
-            <a:ext cx="2108706" cy="6858000"/>
-          </a:xfrm>
-          <a:prstGeom prst="rect">
-            <a:avLst/>
-          </a:prstGeom>
-        </p:spPr>
-      </p:pic>
-      <p:sp>
-        <p:nvSpPr>
-          <p:cNvPr id="8" name="Titre 1">
-            <a:extLst>
-              <a:ext uri="{FF2B5EF4-FFF2-40B4-BE49-F238E27FC236}">
-                <a16:creationId xmlns:a16="http://schemas.microsoft.com/office/drawing/2014/main" id="{01DB7F7C-FD0F-95AF-1CD6-E4B6477AFA46}"/>
-              </a:ext>
-            </a:extLst>
-          </p:cNvPr>
-          <p:cNvSpPr txBox="1">
-            <a:spLocks/>
-          </p:cNvSpPr>
-          <p:nvPr/>
-        </p:nvSpPr>
-        <p:spPr>
-          <a:xfrm>
-            <a:off x="-321905" y="2545348"/>
-            <a:ext cx="4877928" cy="640083"/>
-          </a:xfrm>
-          <a:prstGeom prst="rect">
-            <a:avLst/>
-          </a:prstGeom>
-        </p:spPr>
-        <p:txBody>
-          <a:bodyPr vert="horz" lIns="91440" tIns="45720" rIns="91440" bIns="45720" rtlCol="0" anchor="ctr">
-            <a:normAutofit/>
-          </a:bodyPr>
-          <a:lstStyle>
-            <a:lvl1pPr algn="l" defTabSz="914400" rtl="0" eaLnBrk="1" latinLnBrk="0" hangingPunct="1">
-              <a:lnSpc>
-                <a:spcPct val="90000"/>
-              </a:lnSpc>
-              <a:spcBef>
-                <a:spcPct val="0"/>
-              </a:spcBef>
-              <a:buNone/>
-              <a:defRPr sz="4400" kern="1200">
-                <a:solidFill>
-                  <a:schemeClr val="tx1"/>
-                </a:solidFill>
-                <a:latin typeface="+mj-lt"/>
-                <a:ea typeface="+mj-ea"/>
-                <a:cs typeface="+mj-cs"/>
-              </a:defRPr>
-            </a:lvl1pPr>
-          </a:lstStyle>
-          <a:p>
-            <a:pPr algn="ctr"/>
-            <a:r>
-              <a:rPr lang="fr-FR" sz="2400" dirty="0">
-                <a:solidFill>
-                  <a:schemeClr val="bg1"/>
-                </a:solidFill>
-                <a:latin typeface="Kanit ExtraLight" pitchFamily="2" charset="-34"/>
-                <a:cs typeface="Kanit ExtraLight" pitchFamily="2" charset="-34"/>
-              </a:rPr>
-              <a:t>[Photos du groupe]</a:t>
-            </a:r>
-            <a:endParaRPr lang="fr-FR" dirty="0">
+          <p:cNvPr id="3" name="Espace réservé du contenu 2">
+            <a:extLst>
+              <a:ext uri="{FF2B5EF4-FFF2-40B4-BE49-F238E27FC236}">
+                <a16:creationId xmlns:a16="http://schemas.microsoft.com/office/drawing/2014/main" id="{2ED4B6EA-B112-DAFB-6CC6-83107B05ED53}"/>
+              </a:ext>
+            </a:extLst>
+          </p:cNvPr>
+          <p:cNvSpPr>
+            <a:spLocks noGrp="1"/>
+          </p:cNvSpPr>
+          <p:nvPr>
+            <p:ph idx="1"/>
+          </p:nvPr>
+        </p:nvSpPr>
+        <p:spPr/>
+        <p:txBody>
+          <a:bodyPr/>
+          <a:lstStyle/>
+          <a:p>
+            <a:endParaRPr lang="fr-FR">
               <a:solidFill>
                 <a:schemeClr val="bg1"/>
               </a:solidFill>
@@ -4005,7 +4386,7 @@
     </p:spTree>
     <p:extLst>
       <p:ext uri="{BB962C8B-B14F-4D97-AF65-F5344CB8AC3E}">
-        <p14:creationId xmlns:p14="http://schemas.microsoft.com/office/powerpoint/2010/main" val="1199426017"/>
+        <p14:creationId xmlns:p14="http://schemas.microsoft.com/office/powerpoint/2010/main" val="358522127"/>
       </p:ext>
     </p:extLst>
   </p:cSld>
@@ -4037,278 +4418,57 @@
       </p:grpSpPr>
       <p:sp>
         <p:nvSpPr>
-          <p:cNvPr id="10" name="Rectangle 9">
-            <a:extLst>
-              <a:ext uri="{FF2B5EF4-FFF2-40B4-BE49-F238E27FC236}">
-                <a16:creationId xmlns:a16="http://schemas.microsoft.com/office/drawing/2014/main" id="{8CFAEC38-FEC8-0E77-9B6F-FFE58C097858}"/>
-              </a:ext>
-            </a:extLst>
-          </p:cNvPr>
-          <p:cNvSpPr/>
-          <p:nvPr/>
-        </p:nvSpPr>
-        <p:spPr>
-          <a:xfrm>
-            <a:off x="0" y="0"/>
-            <a:ext cx="12192000" cy="6858000"/>
-          </a:xfrm>
-          <a:prstGeom prst="rect">
-            <a:avLst/>
-          </a:prstGeom>
-          <a:gradFill flip="none" rotWithShape="1">
-            <a:gsLst>
-              <a:gs pos="0">
-                <a:srgbClr val="1C62CA"/>
-              </a:gs>
-              <a:gs pos="50000">
-                <a:srgbClr val="1C62CA">
-                  <a:alpha val="85000"/>
-                </a:srgbClr>
-              </a:gs>
-              <a:gs pos="100000">
-                <a:srgbClr val="1C62CA">
-                  <a:alpha val="70000"/>
-                </a:srgbClr>
-              </a:gs>
-            </a:gsLst>
-            <a:lin ang="0" scaled="1"/>
-            <a:tileRect/>
-          </a:gradFill>
-          <a:ln>
-            <a:noFill/>
-          </a:ln>
-        </p:spPr>
-        <p:style>
-          <a:lnRef idx="2">
-            <a:schemeClr val="accent1">
-              <a:shade val="15000"/>
-            </a:schemeClr>
-          </a:lnRef>
-          <a:fillRef idx="1">
-            <a:schemeClr val="accent1"/>
-          </a:fillRef>
-          <a:effectRef idx="0">
-            <a:schemeClr val="accent1"/>
-          </a:effectRef>
-          <a:fontRef idx="minor">
-            <a:schemeClr val="lt1"/>
-          </a:fontRef>
-        </p:style>
-        <p:txBody>
-          <a:bodyPr rtlCol="0" anchor="ctr"/>
-          <a:lstStyle/>
-          <a:p>
-            <a:pPr algn="ctr"/>
-            <a:endParaRPr lang="fr-FR">
+          <p:cNvPr id="2" name="Titre 1">
+            <a:extLst>
+              <a:ext uri="{FF2B5EF4-FFF2-40B4-BE49-F238E27FC236}">
+                <a16:creationId xmlns:a16="http://schemas.microsoft.com/office/drawing/2014/main" id="{3C2ABF41-BFFD-A046-D6CD-B22EFF188F48}"/>
+              </a:ext>
+            </a:extLst>
+          </p:cNvPr>
+          <p:cNvSpPr>
+            <a:spLocks noGrp="1"/>
+          </p:cNvSpPr>
+          <p:nvPr>
+            <p:ph type="title"/>
+          </p:nvPr>
+        </p:nvSpPr>
+        <p:spPr/>
+        <p:txBody>
+          <a:bodyPr/>
+          <a:lstStyle/>
+          <a:p>
+            <a:endParaRPr lang="fr-FR" dirty="0">
               <a:solidFill>
                 <a:schemeClr val="bg1"/>
               </a:solidFill>
+              <a:latin typeface="Kanit SemiBold" pitchFamily="2" charset="-34"/>
+              <a:cs typeface="Kanit SemiBold" pitchFamily="2" charset="-34"/>
             </a:endParaRPr>
           </a:p>
         </p:txBody>
       </p:sp>
       <p:sp>
         <p:nvSpPr>
-          <p:cNvPr id="2" name="Titre 1">
-            <a:extLst>
-              <a:ext uri="{FF2B5EF4-FFF2-40B4-BE49-F238E27FC236}">
-                <a16:creationId xmlns:a16="http://schemas.microsoft.com/office/drawing/2014/main" id="{8114BE97-5E5E-1E53-88FD-90D2E6DB3BBD}"/>
-              </a:ext>
-            </a:extLst>
-          </p:cNvPr>
-          <p:cNvSpPr>
-            <a:spLocks noGrp="1"/>
-          </p:cNvSpPr>
-          <p:nvPr>
-            <p:ph type="title"/>
-          </p:nvPr>
-        </p:nvSpPr>
-        <p:spPr>
-          <a:xfrm>
-            <a:off x="548640" y="429135"/>
-            <a:ext cx="5167490" cy="2743834"/>
-          </a:xfrm>
-        </p:spPr>
-        <p:txBody>
-          <a:bodyPr>
-            <a:normAutofit/>
-          </a:bodyPr>
-          <a:lstStyle/>
-          <a:p>
-            <a:r>
-              <a:rPr lang="fr-FR" sz="4800" b="1" i="0" u="none" strike="noStrike" baseline="0" dirty="0">
-                <a:solidFill>
-                  <a:schemeClr val="bg1"/>
-                </a:solidFill>
-                <a:latin typeface="Kanit"/>
-              </a:rPr>
-              <a:t>La planification </a:t>
-            </a:r>
-            <a:endParaRPr lang="fr-FR" sz="9600" b="1" dirty="0">
-              <a:solidFill>
-                <a:schemeClr val="bg1"/>
-              </a:solidFill>
-              <a:latin typeface="Kanit"/>
-            </a:endParaRPr>
-          </a:p>
-        </p:txBody>
-      </p:sp>
-      <mc:AlternateContent xmlns:mc="http://schemas.openxmlformats.org/markup-compatibility/2006">
-        <mc:Choice xmlns:pslz="http://schemas.microsoft.com/office/powerpoint/2016/slidezoom" Requires="pslz">
-          <p:graphicFrame>
-            <p:nvGraphicFramePr>
-              <p:cNvPr id="4" name="Zoom de diapositive 3">
-                <a:extLst>
-                  <a:ext uri="{FF2B5EF4-FFF2-40B4-BE49-F238E27FC236}">
-                    <a16:creationId xmlns:a16="http://schemas.microsoft.com/office/drawing/2014/main" id="{CEBF69F1-30FA-2258-988A-F24BEA82BBAC}"/>
-                  </a:ext>
-                </a:extLst>
-              </p:cNvPr>
-              <p:cNvGraphicFramePr>
-                <a:graphicFrameLocks noChangeAspect="1"/>
-              </p:cNvGraphicFramePr>
-              <p:nvPr>
-                <p:extLst>
-                  <p:ext uri="{D42A27DB-BD31-4B8C-83A1-F6EECF244321}">
-                    <p14:modId xmlns:p14="http://schemas.microsoft.com/office/powerpoint/2010/main" val="48531859"/>
-                  </p:ext>
-                </p:extLst>
-              </p:nvPr>
-            </p:nvGraphicFramePr>
-            <p:xfrm>
-              <a:off x="6475871" y="365124"/>
-              <a:ext cx="4877929" cy="2743835"/>
-            </p:xfrm>
-            <a:graphic>
-              <a:graphicData uri="http://schemas.microsoft.com/office/powerpoint/2016/slidezoom">
-                <pslz:sldZm>
-                  <pslz:sldZmObj sldId="263" cId="3108786149">
-                    <pslz:zmPr id="{A69BBE69-02A0-48DA-80C1-F6BC5A145052}" transitionDur="1000">
-                      <p166:blipFill xmlns:p166="http://schemas.microsoft.com/office/powerpoint/2016/6/main">
-                        <a:blip r:embed="rId2"/>
-                        <a:stretch>
-                          <a:fillRect/>
-                        </a:stretch>
-                      </p166:blipFill>
-                      <p166:spPr xmlns:p166="http://schemas.microsoft.com/office/powerpoint/2016/6/main">
-                        <a:xfrm>
-                          <a:off x="0" y="0"/>
-                          <a:ext cx="4877929" cy="2743835"/>
-                        </a:xfrm>
-                        <a:prstGeom prst="rect">
-                          <a:avLst/>
-                        </a:prstGeom>
-                        <a:ln w="3175">
-                          <a:solidFill>
-                            <a:prstClr val="ltGray"/>
-                          </a:solidFill>
-                        </a:ln>
-                      </p166:spPr>
-                    </pslz:zmPr>
-                  </pslz:sldZmObj>
-                </pslz:sldZm>
-              </a:graphicData>
-            </a:graphic>
-          </p:graphicFrame>
-        </mc:Choice>
-        <mc:Fallback>
-          <p:pic>
-            <p:nvPicPr>
-              <p:cNvPr id="4" name="Zoom de diapositive 3">
-                <a:hlinkClick r:id="rId3" action="ppaction://hlinksldjump"/>
-                <a:extLst>
-                  <a:ext uri="{FF2B5EF4-FFF2-40B4-BE49-F238E27FC236}">
-                    <a16:creationId xmlns:a16="http://schemas.microsoft.com/office/drawing/2014/main" id="{CEBF69F1-30FA-2258-988A-F24BEA82BBAC}"/>
-                  </a:ext>
-                </a:extLst>
-              </p:cNvPr>
-              <p:cNvPicPr>
-                <a:picLocks noGrp="1" noRot="1" noChangeAspect="1" noMove="1" noResize="1" noEditPoints="1" noAdjustHandles="1" noChangeArrowheads="1" noChangeShapeType="1"/>
-              </p:cNvPicPr>
-              <p:nvPr/>
-            </p:nvPicPr>
-            <p:blipFill>
-              <a:blip r:embed="rId2"/>
-              <a:stretch>
-                <a:fillRect/>
-              </a:stretch>
-            </p:blipFill>
-            <p:spPr>
-              <a:xfrm>
-                <a:off x="6475871" y="365124"/>
-                <a:ext cx="4877929" cy="2743835"/>
-              </a:xfrm>
-              <a:prstGeom prst="rect">
-                <a:avLst/>
-              </a:prstGeom>
-              <a:ln w="3175">
-                <a:solidFill>
-                  <a:prstClr val="ltGray"/>
-                </a:solidFill>
-              </a:ln>
-            </p:spPr>
-          </p:pic>
-        </mc:Fallback>
-      </mc:AlternateContent>
-      <p:sp>
-        <p:nvSpPr>
-          <p:cNvPr id="5" name="Titre 1">
-            <a:extLst>
-              <a:ext uri="{FF2B5EF4-FFF2-40B4-BE49-F238E27FC236}">
-                <a16:creationId xmlns:a16="http://schemas.microsoft.com/office/drawing/2014/main" id="{9CC7A3B2-00FD-A85C-CC30-28EFF2F4D5FF}"/>
-              </a:ext>
-            </a:extLst>
-          </p:cNvPr>
-          <p:cNvSpPr txBox="1">
-            <a:spLocks/>
-          </p:cNvSpPr>
-          <p:nvPr/>
-        </p:nvSpPr>
-        <p:spPr>
-          <a:xfrm>
-            <a:off x="6475871" y="3108959"/>
-            <a:ext cx="4877928" cy="640083"/>
-          </a:xfrm>
-          <a:prstGeom prst="rect">
-            <a:avLst/>
-          </a:prstGeom>
-        </p:spPr>
-        <p:txBody>
-          <a:bodyPr vert="horz" lIns="91440" tIns="45720" rIns="91440" bIns="45720" rtlCol="0" anchor="ctr">
-            <a:normAutofit/>
-          </a:bodyPr>
-          <a:lstStyle>
-            <a:lvl1pPr algn="l" defTabSz="914400" rtl="0" eaLnBrk="1" latinLnBrk="0" hangingPunct="1">
-              <a:lnSpc>
-                <a:spcPct val="90000"/>
-              </a:lnSpc>
-              <a:spcBef>
-                <a:spcPct val="0"/>
-              </a:spcBef>
-              <a:buNone/>
-              <a:defRPr sz="4400" kern="1200">
-                <a:solidFill>
-                  <a:schemeClr val="tx1"/>
-                </a:solidFill>
-                <a:latin typeface="+mj-lt"/>
-                <a:ea typeface="+mj-ea"/>
-                <a:cs typeface="+mj-cs"/>
-              </a:defRPr>
-            </a:lvl1pPr>
-          </a:lstStyle>
-          <a:p>
-            <a:pPr algn="ctr"/>
-            <a:r>
-              <a:rPr lang="fr-FR" sz="2400" dirty="0">
-                <a:solidFill>
-                  <a:schemeClr val="bg1"/>
-                </a:solidFill>
-                <a:latin typeface="Kanit ExtraLight" pitchFamily="2" charset="-34"/>
-                <a:cs typeface="Kanit ExtraLight" pitchFamily="2" charset="-34"/>
-              </a:rPr>
-              <a:t>Notre diagramme de Gantt</a:t>
-            </a:r>
-            <a:endParaRPr lang="fr-FR" dirty="0">
+          <p:cNvPr id="3" name="Espace réservé du contenu 2">
+            <a:extLst>
+              <a:ext uri="{FF2B5EF4-FFF2-40B4-BE49-F238E27FC236}">
+                <a16:creationId xmlns:a16="http://schemas.microsoft.com/office/drawing/2014/main" id="{2ED4B6EA-B112-DAFB-6CC6-83107B05ED53}"/>
+              </a:ext>
+            </a:extLst>
+          </p:cNvPr>
+          <p:cNvSpPr>
+            <a:spLocks noGrp="1"/>
+          </p:cNvSpPr>
+          <p:nvPr>
+            <p:ph idx="1"/>
+          </p:nvPr>
+        </p:nvSpPr>
+        <p:spPr/>
+        <p:txBody>
+          <a:bodyPr/>
+          <a:lstStyle/>
+          <a:p>
+            <a:endParaRPr lang="fr-FR">
               <a:solidFill>
                 <a:schemeClr val="bg1"/>
               </a:solidFill>
@@ -4318,147 +4478,10 @@
           </a:p>
         </p:txBody>
       </p:sp>
-      <p:sp>
-        <p:nvSpPr>
-          <p:cNvPr id="7" name="Titre 1">
-            <a:extLst>
-              <a:ext uri="{FF2B5EF4-FFF2-40B4-BE49-F238E27FC236}">
-                <a16:creationId xmlns:a16="http://schemas.microsoft.com/office/drawing/2014/main" id="{A9AC5AA5-59F0-A2D4-59B2-5C0BE96A2E2B}"/>
-              </a:ext>
-            </a:extLst>
-          </p:cNvPr>
-          <p:cNvSpPr txBox="1">
-            <a:spLocks/>
-          </p:cNvSpPr>
-          <p:nvPr/>
-        </p:nvSpPr>
-        <p:spPr>
-          <a:xfrm>
-            <a:off x="647049" y="5959563"/>
-            <a:ext cx="4877928" cy="640083"/>
-          </a:xfrm>
-          <a:prstGeom prst="rect">
-            <a:avLst/>
-          </a:prstGeom>
-        </p:spPr>
-        <p:txBody>
-          <a:bodyPr vert="horz" lIns="91440" tIns="45720" rIns="91440" bIns="45720" rtlCol="0" anchor="ctr">
-            <a:normAutofit fontScale="92500" lnSpcReduction="20000"/>
-          </a:bodyPr>
-          <a:lstStyle>
-            <a:lvl1pPr algn="l" defTabSz="914400" rtl="0" eaLnBrk="1" latinLnBrk="0" hangingPunct="1">
-              <a:lnSpc>
-                <a:spcPct val="90000"/>
-              </a:lnSpc>
-              <a:spcBef>
-                <a:spcPct val="0"/>
-              </a:spcBef>
-              <a:buNone/>
-              <a:defRPr sz="4400" kern="1200">
-                <a:solidFill>
-                  <a:schemeClr val="tx1"/>
-                </a:solidFill>
-                <a:latin typeface="+mj-lt"/>
-                <a:ea typeface="+mj-ea"/>
-                <a:cs typeface="+mj-cs"/>
-              </a:defRPr>
-            </a:lvl1pPr>
-          </a:lstStyle>
-          <a:p>
-            <a:pPr algn="ctr"/>
-            <a:r>
-              <a:rPr lang="fr-FR" sz="2400" dirty="0">
-                <a:solidFill>
-                  <a:schemeClr val="bg1"/>
-                </a:solidFill>
-                <a:latin typeface="Kanit ExtraLight" pitchFamily="2" charset="-34"/>
-                <a:cs typeface="Kanit ExtraLight" pitchFamily="2" charset="-34"/>
-              </a:rPr>
-              <a:t>Vision globale des heures de chacun (exemple)</a:t>
-            </a:r>
-            <a:endParaRPr lang="fr-FR" dirty="0">
-              <a:solidFill>
-                <a:schemeClr val="bg1"/>
-              </a:solidFill>
-              <a:latin typeface="Kanit ExtraLight" pitchFamily="2" charset="-34"/>
-              <a:cs typeface="Kanit ExtraLight" pitchFamily="2" charset="-34"/>
-            </a:endParaRPr>
-          </a:p>
-        </p:txBody>
-      </p:sp>
-      <p:pic>
-        <p:nvPicPr>
-          <p:cNvPr id="9" name="Image 8">
-            <a:extLst>
-              <a:ext uri="{FF2B5EF4-FFF2-40B4-BE49-F238E27FC236}">
-                <a16:creationId xmlns:a16="http://schemas.microsoft.com/office/drawing/2014/main" id="{C4734E96-495A-EF05-F320-5C7F7ED3B85E}"/>
-              </a:ext>
-            </a:extLst>
-          </p:cNvPr>
-          <p:cNvPicPr>
-            <a:picLocks noChangeAspect="1"/>
-          </p:cNvPicPr>
-          <p:nvPr/>
-        </p:nvPicPr>
-        <p:blipFill>
-          <a:blip r:embed="rId4"/>
-          <a:stretch>
-            <a:fillRect/>
-          </a:stretch>
-        </p:blipFill>
-        <p:spPr>
-          <a:xfrm>
-            <a:off x="455897" y="3426677"/>
-            <a:ext cx="5260233" cy="2398048"/>
-          </a:xfrm>
-          <a:prstGeom prst="rect">
-            <a:avLst/>
-          </a:prstGeom>
-        </p:spPr>
-      </p:pic>
-      <p:pic>
-        <p:nvPicPr>
-          <p:cNvPr id="12" name="Graphique 11" descr="Plan avec un remplissage uni">
-            <a:extLst>
-              <a:ext uri="{FF2B5EF4-FFF2-40B4-BE49-F238E27FC236}">
-                <a16:creationId xmlns:a16="http://schemas.microsoft.com/office/drawing/2014/main" id="{2B5676CD-B355-A18B-2FBC-A09DDA1BE953}"/>
-              </a:ext>
-            </a:extLst>
-          </p:cNvPr>
-          <p:cNvPicPr>
-            <a:picLocks noChangeAspect="1"/>
-          </p:cNvPicPr>
-          <p:nvPr/>
-        </p:nvPicPr>
-        <p:blipFill>
-          <a:blip r:embed="rId5">
-            <a:extLst>
-              <a:ext uri="{28A0092B-C50C-407E-A947-70E740481C1C}">
-                <a14:useLocalDpi xmlns:a14="http://schemas.microsoft.com/office/drawing/2010/main" val="0"/>
-              </a:ext>
-              <a:ext uri="{96DAC541-7B7A-43D3-8B79-37D633B846F1}">
-                <asvg:svgBlip xmlns:asvg="http://schemas.microsoft.com/office/drawing/2016/SVG/main" r:embed="rId6"/>
-              </a:ext>
-            </a:extLst>
-          </a:blip>
-          <a:stretch>
-            <a:fillRect/>
-          </a:stretch>
-        </p:blipFill>
-        <p:spPr>
-          <a:xfrm>
-            <a:off x="8084126" y="4185501"/>
-            <a:ext cx="2176336" cy="2176336"/>
-          </a:xfrm>
-          <a:prstGeom prst="rect">
-            <a:avLst/>
-          </a:prstGeom>
-        </p:spPr>
-      </p:pic>
     </p:spTree>
     <p:extLst>
       <p:ext uri="{BB962C8B-B14F-4D97-AF65-F5344CB8AC3E}">
-        <p14:creationId xmlns:p14="http://schemas.microsoft.com/office/powerpoint/2010/main" val="1017326091"/>
+        <p14:creationId xmlns:p14="http://schemas.microsoft.com/office/powerpoint/2010/main" val="3345628062"/>
       </p:ext>
     </p:extLst>
   </p:cSld>
@@ -4490,413 +4513,57 @@
       </p:grpSpPr>
       <p:sp>
         <p:nvSpPr>
-          <p:cNvPr id="7" name="Rectangle 6">
-            <a:extLst>
-              <a:ext uri="{FF2B5EF4-FFF2-40B4-BE49-F238E27FC236}">
-                <a16:creationId xmlns:a16="http://schemas.microsoft.com/office/drawing/2014/main" id="{A1B745B0-F285-BA0C-9F66-378A9744198D}"/>
-              </a:ext>
-            </a:extLst>
-          </p:cNvPr>
-          <p:cNvSpPr/>
-          <p:nvPr/>
-        </p:nvSpPr>
-        <p:spPr>
-          <a:xfrm>
-            <a:off x="0" y="0"/>
-            <a:ext cx="12192000" cy="6858000"/>
-          </a:xfrm>
-          <a:prstGeom prst="rect">
-            <a:avLst/>
-          </a:prstGeom>
-          <a:gradFill flip="none" rotWithShape="1">
-            <a:gsLst>
-              <a:gs pos="0">
-                <a:srgbClr val="1C62CA">
-                  <a:alpha val="85000"/>
-                </a:srgbClr>
-              </a:gs>
-              <a:gs pos="50000">
-                <a:srgbClr val="1C62CA">
-                  <a:alpha val="85000"/>
-                </a:srgbClr>
-              </a:gs>
-              <a:gs pos="100000">
-                <a:srgbClr val="1C62CA">
-                  <a:alpha val="70000"/>
-                </a:srgbClr>
-              </a:gs>
-            </a:gsLst>
-            <a:lin ang="0" scaled="1"/>
-            <a:tileRect/>
-          </a:gradFill>
-          <a:ln>
-            <a:noFill/>
-          </a:ln>
-        </p:spPr>
-        <p:style>
-          <a:lnRef idx="2">
-            <a:schemeClr val="accent1">
-              <a:shade val="15000"/>
-            </a:schemeClr>
-          </a:lnRef>
-          <a:fillRef idx="1">
-            <a:schemeClr val="accent1"/>
-          </a:fillRef>
-          <a:effectRef idx="0">
-            <a:schemeClr val="accent1"/>
-          </a:effectRef>
-          <a:fontRef idx="minor">
-            <a:schemeClr val="lt1"/>
-          </a:fontRef>
-        </p:style>
-        <p:txBody>
-          <a:bodyPr rtlCol="0" anchor="ctr"/>
-          <a:lstStyle/>
-          <a:p>
-            <a:pPr algn="ctr"/>
-            <a:endParaRPr lang="fr-FR">
+          <p:cNvPr id="2" name="Titre 1">
+            <a:extLst>
+              <a:ext uri="{FF2B5EF4-FFF2-40B4-BE49-F238E27FC236}">
+                <a16:creationId xmlns:a16="http://schemas.microsoft.com/office/drawing/2014/main" id="{3C2ABF41-BFFD-A046-D6CD-B22EFF188F48}"/>
+              </a:ext>
+            </a:extLst>
+          </p:cNvPr>
+          <p:cNvSpPr>
+            <a:spLocks noGrp="1"/>
+          </p:cNvSpPr>
+          <p:nvPr>
+            <p:ph type="title"/>
+          </p:nvPr>
+        </p:nvSpPr>
+        <p:spPr/>
+        <p:txBody>
+          <a:bodyPr/>
+          <a:lstStyle/>
+          <a:p>
+            <a:endParaRPr lang="fr-FR" dirty="0">
               <a:solidFill>
                 <a:schemeClr val="bg1"/>
               </a:solidFill>
+              <a:latin typeface="Kanit SemiBold" pitchFamily="2" charset="-34"/>
+              <a:cs typeface="Kanit SemiBold" pitchFamily="2" charset="-34"/>
             </a:endParaRPr>
           </a:p>
         </p:txBody>
       </p:sp>
-      <p:pic>
-        <p:nvPicPr>
-          <p:cNvPr id="5" name="Image 4">
-            <a:extLst>
-              <a:ext uri="{FF2B5EF4-FFF2-40B4-BE49-F238E27FC236}">
-                <a16:creationId xmlns:a16="http://schemas.microsoft.com/office/drawing/2014/main" id="{25BE1A43-D2FF-E42A-A4AE-E55844D6EA68}"/>
-              </a:ext>
-            </a:extLst>
-          </p:cNvPr>
-          <p:cNvPicPr>
-            <a:picLocks noChangeAspect="1"/>
-          </p:cNvPicPr>
-          <p:nvPr/>
-        </p:nvPicPr>
-        <p:blipFill>
-          <a:blip r:embed="rId2"/>
-          <a:stretch>
-            <a:fillRect/>
-          </a:stretch>
-        </p:blipFill>
-        <p:spPr>
-          <a:xfrm>
-            <a:off x="170688" y="1199601"/>
-            <a:ext cx="11850624" cy="4458797"/>
-          </a:xfrm>
-          <a:prstGeom prst="rect">
-            <a:avLst/>
-          </a:prstGeom>
-        </p:spPr>
-      </p:pic>
-    </p:spTree>
-    <p:extLst>
-      <p:ext uri="{BB962C8B-B14F-4D97-AF65-F5344CB8AC3E}">
-        <p14:creationId xmlns:p14="http://schemas.microsoft.com/office/powerpoint/2010/main" val="3108786149"/>
-      </p:ext>
-    </p:extLst>
-  </p:cSld>
-  <p:clrMapOvr>
-    <a:masterClrMapping/>
-  </p:clrMapOvr>
-  <p:transition spd="slow">
-    <p:push/>
-  </p:transition>
-</p:sld>
-</file>
-
-<file path=ppt/slides/slide5.xml><?xml version="1.0" encoding="utf-8"?>
-<p:sld xmlns:a="http://schemas.openxmlformats.org/drawingml/2006/main" xmlns:r="http://schemas.openxmlformats.org/officeDocument/2006/relationships" xmlns:p="http://schemas.openxmlformats.org/presentationml/2006/main">
-  <p:cSld>
-    <p:spTree>
-      <p:nvGrpSpPr>
-        <p:cNvPr id="1" name=""/>
-        <p:cNvGrpSpPr/>
-        <p:nvPr/>
-      </p:nvGrpSpPr>
-      <p:grpSpPr>
-        <a:xfrm>
-          <a:off x="0" y="0"/>
-          <a:ext cx="0" cy="0"/>
-          <a:chOff x="0" y="0"/>
-          <a:chExt cx="0" cy="0"/>
-        </a:xfrm>
-      </p:grpSpPr>
-      <p:sp>
-        <p:nvSpPr>
-          <p:cNvPr id="4" name="Rectangle 3">
-            <a:extLst>
-              <a:ext uri="{FF2B5EF4-FFF2-40B4-BE49-F238E27FC236}">
-                <a16:creationId xmlns:a16="http://schemas.microsoft.com/office/drawing/2014/main" id="{AFA20A97-1F56-E575-E669-07EF88036758}"/>
-              </a:ext>
-            </a:extLst>
-          </p:cNvPr>
-          <p:cNvSpPr/>
-          <p:nvPr/>
-        </p:nvSpPr>
-        <p:spPr>
-          <a:xfrm>
-            <a:off x="0" y="0"/>
-            <a:ext cx="12192000" cy="6858000"/>
-          </a:xfrm>
-          <a:prstGeom prst="rect">
-            <a:avLst/>
-          </a:prstGeom>
-          <a:gradFill flip="none" rotWithShape="1">
-            <a:gsLst>
-              <a:gs pos="0">
-                <a:srgbClr val="1C62CA">
-                  <a:alpha val="70000"/>
-                </a:srgbClr>
-              </a:gs>
-              <a:gs pos="100000">
-                <a:srgbClr val="1C62CA">
-                  <a:alpha val="60000"/>
-                </a:srgbClr>
-              </a:gs>
-            </a:gsLst>
-            <a:lin ang="0" scaled="1"/>
-            <a:tileRect/>
-          </a:gradFill>
-          <a:ln>
-            <a:noFill/>
-          </a:ln>
-        </p:spPr>
-        <p:style>
-          <a:lnRef idx="2">
-            <a:schemeClr val="accent1">
-              <a:shade val="15000"/>
-            </a:schemeClr>
-          </a:lnRef>
-          <a:fillRef idx="1">
-            <a:schemeClr val="accent1"/>
-          </a:fillRef>
-          <a:effectRef idx="0">
-            <a:schemeClr val="accent1"/>
-          </a:effectRef>
-          <a:fontRef idx="minor">
-            <a:schemeClr val="lt1"/>
-          </a:fontRef>
-        </p:style>
-        <p:txBody>
-          <a:bodyPr rtlCol="0" anchor="ctr"/>
-          <a:lstStyle/>
-          <a:p>
-            <a:pPr algn="ctr"/>
+      <p:sp>
+        <p:nvSpPr>
+          <p:cNvPr id="3" name="Espace réservé du contenu 2">
+            <a:extLst>
+              <a:ext uri="{FF2B5EF4-FFF2-40B4-BE49-F238E27FC236}">
+                <a16:creationId xmlns:a16="http://schemas.microsoft.com/office/drawing/2014/main" id="{2ED4B6EA-B112-DAFB-6CC6-83107B05ED53}"/>
+              </a:ext>
+            </a:extLst>
+          </p:cNvPr>
+          <p:cNvSpPr>
+            <a:spLocks noGrp="1"/>
+          </p:cNvSpPr>
+          <p:nvPr>
+            <p:ph idx="1"/>
+          </p:nvPr>
+        </p:nvSpPr>
+        <p:spPr/>
+        <p:txBody>
+          <a:bodyPr/>
+          <a:lstStyle/>
+          <a:p>
             <a:endParaRPr lang="fr-FR">
-              <a:solidFill>
-                <a:schemeClr val="bg1"/>
-              </a:solidFill>
-            </a:endParaRPr>
-          </a:p>
-        </p:txBody>
-      </p:sp>
-      <p:sp>
-        <p:nvSpPr>
-          <p:cNvPr id="2" name="Titre 1">
-            <a:extLst>
-              <a:ext uri="{FF2B5EF4-FFF2-40B4-BE49-F238E27FC236}">
-                <a16:creationId xmlns:a16="http://schemas.microsoft.com/office/drawing/2014/main" id="{8114BE97-5E5E-1E53-88FD-90D2E6DB3BBD}"/>
-              </a:ext>
-            </a:extLst>
-          </p:cNvPr>
-          <p:cNvSpPr>
-            <a:spLocks noGrp="1"/>
-          </p:cNvSpPr>
-          <p:nvPr>
-            <p:ph type="title"/>
-          </p:nvPr>
-        </p:nvSpPr>
-        <p:spPr>
-          <a:xfrm>
-            <a:off x="5562136" y="1452466"/>
-            <a:ext cx="5951949" cy="946300"/>
-          </a:xfrm>
-        </p:spPr>
-        <p:txBody>
-          <a:bodyPr anchor="t">
-            <a:noAutofit/>
-          </a:bodyPr>
-          <a:lstStyle/>
-          <a:p>
-            <a:pPr algn="ctr"/>
-            <a:r>
-              <a:rPr lang="fr-FR" sz="6600" b="1" i="0" u="none" strike="noStrike" baseline="0" dirty="0">
-                <a:solidFill>
-                  <a:schemeClr val="bg1"/>
-                </a:solidFill>
-                <a:latin typeface="Kanit"/>
-              </a:rPr>
-              <a:t>La réalisation</a:t>
-            </a:r>
-            <a:endParaRPr lang="fr-FR" sz="16600" b="1" dirty="0">
-              <a:solidFill>
-                <a:schemeClr val="bg1"/>
-              </a:solidFill>
-              <a:latin typeface="Kanit"/>
-            </a:endParaRPr>
-          </a:p>
-        </p:txBody>
-      </p:sp>
-      <mc:AlternateContent xmlns:mc="http://schemas.openxmlformats.org/markup-compatibility/2006">
-        <mc:Choice xmlns:pslz="http://schemas.microsoft.com/office/powerpoint/2016/slidezoom" Requires="pslz">
-          <p:graphicFrame>
-            <p:nvGraphicFramePr>
-              <p:cNvPr id="6" name="Zoom de diapositive 5">
-                <a:extLst>
-                  <a:ext uri="{FF2B5EF4-FFF2-40B4-BE49-F238E27FC236}">
-                    <a16:creationId xmlns:a16="http://schemas.microsoft.com/office/drawing/2014/main" id="{F7272C02-9128-6377-36BB-366908489FA4}"/>
-                  </a:ext>
-                </a:extLst>
-              </p:cNvPr>
-              <p:cNvGraphicFramePr>
-                <a:graphicFrameLocks noChangeAspect="1"/>
-              </p:cNvGraphicFramePr>
-              <p:nvPr>
-                <p:extLst>
-                  <p:ext uri="{D42A27DB-BD31-4B8C-83A1-F6EECF244321}">
-                    <p14:modId xmlns:p14="http://schemas.microsoft.com/office/powerpoint/2010/main" val="2228506388"/>
-                  </p:ext>
-                </p:extLst>
-              </p:nvPr>
-            </p:nvGraphicFramePr>
-            <p:xfrm>
-              <a:off x="549167" y="596599"/>
-              <a:ext cx="4463802" cy="2510889"/>
-            </p:xfrm>
-            <a:graphic>
-              <a:graphicData uri="http://schemas.microsoft.com/office/powerpoint/2016/slidezoom">
-                <pslz:sldZm>
-                  <pslz:sldZmObj sldId="270" cId="851984799">
-                    <pslz:zmPr id="{2526325D-6F8F-4E2C-95B9-CF0109FC1200}" transitionDur="1000">
-                      <p166:blipFill xmlns:p166="http://schemas.microsoft.com/office/powerpoint/2016/6/main">
-                        <a:blip r:embed="rId2"/>
-                        <a:stretch>
-                          <a:fillRect/>
-                        </a:stretch>
-                      </p166:blipFill>
-                      <p166:spPr xmlns:p166="http://schemas.microsoft.com/office/powerpoint/2016/6/main">
-                        <a:xfrm>
-                          <a:off x="0" y="0"/>
-                          <a:ext cx="4463802" cy="2510889"/>
-                        </a:xfrm>
-                        <a:prstGeom prst="rect">
-                          <a:avLst/>
-                        </a:prstGeom>
-                        <a:ln w="3175">
-                          <a:solidFill>
-                            <a:prstClr val="ltGray"/>
-                          </a:solidFill>
-                        </a:ln>
-                      </p166:spPr>
-                    </pslz:zmPr>
-                  </pslz:sldZmObj>
-                </pslz:sldZm>
-              </a:graphicData>
-            </a:graphic>
-          </p:graphicFrame>
-        </mc:Choice>
-        <mc:Fallback>
-          <p:pic>
-            <p:nvPicPr>
-              <p:cNvPr id="6" name="Zoom de diapositive 5">
-                <a:hlinkClick r:id="rId3" action="ppaction://hlinksldjump"/>
-                <a:extLst>
-                  <a:ext uri="{FF2B5EF4-FFF2-40B4-BE49-F238E27FC236}">
-                    <a16:creationId xmlns:a16="http://schemas.microsoft.com/office/drawing/2014/main" id="{F7272C02-9128-6377-36BB-366908489FA4}"/>
-                  </a:ext>
-                </a:extLst>
-              </p:cNvPr>
-              <p:cNvPicPr>
-                <a:picLocks noGrp="1" noRot="1" noChangeAspect="1" noMove="1" noResize="1" noEditPoints="1" noAdjustHandles="1" noChangeArrowheads="1" noChangeShapeType="1"/>
-              </p:cNvPicPr>
-              <p:nvPr/>
-            </p:nvPicPr>
-            <p:blipFill>
-              <a:blip r:embed="rId2"/>
-              <a:stretch>
-                <a:fillRect/>
-              </a:stretch>
-            </p:blipFill>
-            <p:spPr>
-              <a:xfrm>
-                <a:off x="549167" y="596599"/>
-                <a:ext cx="4463802" cy="2510889"/>
-              </a:xfrm>
-              <a:prstGeom prst="rect">
-                <a:avLst/>
-              </a:prstGeom>
-              <a:ln w="3175">
-                <a:solidFill>
-                  <a:prstClr val="ltGray"/>
-                </a:solidFill>
-              </a:ln>
-            </p:spPr>
-          </p:pic>
-        </mc:Fallback>
-      </mc:AlternateContent>
-      <p:sp>
-        <p:nvSpPr>
-          <p:cNvPr id="7" name="Titre 1">
-            <a:extLst>
-              <a:ext uri="{FF2B5EF4-FFF2-40B4-BE49-F238E27FC236}">
-                <a16:creationId xmlns:a16="http://schemas.microsoft.com/office/drawing/2014/main" id="{7FAFC049-2163-734D-C099-8E72FBD8225F}"/>
-              </a:ext>
-            </a:extLst>
-          </p:cNvPr>
-          <p:cNvSpPr txBox="1">
-            <a:spLocks/>
-          </p:cNvSpPr>
-          <p:nvPr/>
-        </p:nvSpPr>
-        <p:spPr>
-          <a:xfrm>
-            <a:off x="549165" y="3182531"/>
-            <a:ext cx="4463803" cy="863951"/>
-          </a:xfrm>
-          <a:prstGeom prst="rect">
-            <a:avLst/>
-          </a:prstGeom>
-        </p:spPr>
-        <p:txBody>
-          <a:bodyPr vert="horz" lIns="91440" tIns="45720" rIns="91440" bIns="45720" rtlCol="0" anchor="ctr">
-            <a:normAutofit lnSpcReduction="10000"/>
-          </a:bodyPr>
-          <a:lstStyle>
-            <a:lvl1pPr algn="l" defTabSz="914400" rtl="0" eaLnBrk="1" latinLnBrk="0" hangingPunct="1">
-              <a:lnSpc>
-                <a:spcPct val="90000"/>
-              </a:lnSpc>
-              <a:spcBef>
-                <a:spcPct val="0"/>
-              </a:spcBef>
-              <a:buNone/>
-              <a:defRPr sz="4400" kern="1200">
-                <a:solidFill>
-                  <a:schemeClr val="tx1"/>
-                </a:solidFill>
-                <a:latin typeface="+mj-lt"/>
-                <a:ea typeface="+mj-ea"/>
-                <a:cs typeface="+mj-cs"/>
-              </a:defRPr>
-            </a:lvl1pPr>
-          </a:lstStyle>
-          <a:p>
-            <a:pPr algn="ctr"/>
-            <a:r>
-              <a:rPr lang="fr-FR" sz="2800" dirty="0">
-                <a:solidFill>
-                  <a:schemeClr val="bg1"/>
-                </a:solidFill>
-                <a:latin typeface="Kanit ExtraLight" pitchFamily="2" charset="-34"/>
-                <a:cs typeface="Kanit ExtraLight" pitchFamily="2" charset="-34"/>
-              </a:rPr>
-              <a:t>Notre groupe de communication Discord</a:t>
-            </a:r>
-            <a:endParaRPr lang="fr-FR" sz="4800" dirty="0">
               <a:solidFill>
                 <a:schemeClr val="bg1"/>
               </a:solidFill>
@@ -4906,1423 +4573,10 @@
           </a:p>
         </p:txBody>
       </p:sp>
-      <p:pic>
-        <p:nvPicPr>
-          <p:cNvPr id="11" name="Graphique 10" descr="Cercles avec flèches avec un remplissage uni">
-            <a:extLst>
-              <a:ext uri="{FF2B5EF4-FFF2-40B4-BE49-F238E27FC236}">
-                <a16:creationId xmlns:a16="http://schemas.microsoft.com/office/drawing/2014/main" id="{650E6D6B-7B74-45CE-AF9C-3D723C987566}"/>
-              </a:ext>
-            </a:extLst>
-          </p:cNvPr>
-          <p:cNvPicPr>
-            <a:picLocks noChangeAspect="1"/>
-          </p:cNvPicPr>
-          <p:nvPr/>
-        </p:nvPicPr>
-        <p:blipFill>
-          <a:blip r:embed="rId4">
-            <a:extLst>
-              <a:ext uri="{28A0092B-C50C-407E-A947-70E740481C1C}">
-                <a14:useLocalDpi xmlns:a14="http://schemas.microsoft.com/office/drawing/2010/main" val="0"/>
-              </a:ext>
-              <a:ext uri="{96DAC541-7B7A-43D3-8B79-37D633B846F1}">
-                <asvg:svgBlip xmlns:asvg="http://schemas.microsoft.com/office/drawing/2016/SVG/main" r:embed="rId5"/>
-              </a:ext>
-            </a:extLst>
-          </a:blip>
-          <a:stretch>
-            <a:fillRect/>
-          </a:stretch>
-        </p:blipFill>
-        <p:spPr>
-          <a:xfrm>
-            <a:off x="549165" y="4359517"/>
-            <a:ext cx="2185447" cy="2185447"/>
-          </a:xfrm>
-          <a:prstGeom prst="rect">
-            <a:avLst/>
-          </a:prstGeom>
-        </p:spPr>
-      </p:pic>
     </p:spTree>
     <p:extLst>
       <p:ext uri="{BB962C8B-B14F-4D97-AF65-F5344CB8AC3E}">
-        <p14:creationId xmlns:p14="http://schemas.microsoft.com/office/powerpoint/2010/main" val="708704715"/>
-      </p:ext>
-    </p:extLst>
-  </p:cSld>
-  <p:clrMapOvr>
-    <a:masterClrMapping/>
-  </p:clrMapOvr>
-  <p:transition spd="slow">
-    <p:push/>
-  </p:transition>
-</p:sld>
-</file>
-
-<file path=ppt/slides/slide6.xml><?xml version="1.0" encoding="utf-8"?>
-<p:sld xmlns:a="http://schemas.openxmlformats.org/drawingml/2006/main" xmlns:r="http://schemas.openxmlformats.org/officeDocument/2006/relationships" xmlns:p="http://schemas.openxmlformats.org/presentationml/2006/main">
-  <p:cSld>
-    <p:spTree>
-      <p:nvGrpSpPr>
-        <p:cNvPr id="1" name=""/>
-        <p:cNvGrpSpPr/>
-        <p:nvPr/>
-      </p:nvGrpSpPr>
-      <p:grpSpPr>
-        <a:xfrm>
-          <a:off x="0" y="0"/>
-          <a:ext cx="0" cy="0"/>
-          <a:chOff x="0" y="0"/>
-          <a:chExt cx="0" cy="0"/>
-        </a:xfrm>
-      </p:grpSpPr>
-      <p:pic>
-        <p:nvPicPr>
-          <p:cNvPr id="7" name="Image 6">
-            <a:extLst>
-              <a:ext uri="{FF2B5EF4-FFF2-40B4-BE49-F238E27FC236}">
-                <a16:creationId xmlns:a16="http://schemas.microsoft.com/office/drawing/2014/main" id="{60ABABDB-0BC4-E1F3-83EF-9B249ECA6DE2}"/>
-              </a:ext>
-            </a:extLst>
-          </p:cNvPr>
-          <p:cNvPicPr>
-            <a:picLocks noChangeAspect="1"/>
-          </p:cNvPicPr>
-          <p:nvPr/>
-        </p:nvPicPr>
-        <p:blipFill rotWithShape="1">
-          <a:blip r:embed="rId2"/>
-          <a:srcRect/>
-          <a:stretch/>
-        </p:blipFill>
-        <p:spPr>
-          <a:xfrm>
-            <a:off x="-5406" y="0"/>
-            <a:ext cx="12192000" cy="6858000"/>
-          </a:xfrm>
-          <a:prstGeom prst="rect">
-            <a:avLst/>
-          </a:prstGeom>
-        </p:spPr>
-      </p:pic>
-      <p:sp>
-        <p:nvSpPr>
-          <p:cNvPr id="8" name="Rectangle 7">
-            <a:extLst>
-              <a:ext uri="{FF2B5EF4-FFF2-40B4-BE49-F238E27FC236}">
-                <a16:creationId xmlns:a16="http://schemas.microsoft.com/office/drawing/2014/main" id="{ACDC0CF5-647D-C0BC-5179-6440528DD417}"/>
-              </a:ext>
-            </a:extLst>
-          </p:cNvPr>
-          <p:cNvSpPr/>
-          <p:nvPr/>
-        </p:nvSpPr>
-        <p:spPr>
-          <a:xfrm>
-            <a:off x="0" y="706755"/>
-            <a:ext cx="528320" cy="4004393"/>
-          </a:xfrm>
-          <a:prstGeom prst="rect">
-            <a:avLst/>
-          </a:prstGeom>
-          <a:solidFill>
-            <a:srgbClr val="1E1F22"/>
-          </a:solidFill>
-          <a:ln>
-            <a:noFill/>
-          </a:ln>
-        </p:spPr>
-        <p:style>
-          <a:lnRef idx="2">
-            <a:schemeClr val="accent1">
-              <a:shade val="15000"/>
-            </a:schemeClr>
-          </a:lnRef>
-          <a:fillRef idx="1">
-            <a:schemeClr val="accent1"/>
-          </a:fillRef>
-          <a:effectRef idx="0">
-            <a:schemeClr val="accent1"/>
-          </a:effectRef>
-          <a:fontRef idx="minor">
-            <a:schemeClr val="lt1"/>
-          </a:fontRef>
-        </p:style>
-        <p:txBody>
-          <a:bodyPr rtlCol="0" anchor="ctr"/>
-          <a:lstStyle/>
-          <a:p>
-            <a:pPr algn="ctr"/>
-            <a:endParaRPr lang="fr-FR"/>
-          </a:p>
-        </p:txBody>
-      </p:sp>
-      <p:sp>
-        <p:nvSpPr>
-          <p:cNvPr id="9" name="Rectangle 8">
-            <a:extLst>
-              <a:ext uri="{FF2B5EF4-FFF2-40B4-BE49-F238E27FC236}">
-                <a16:creationId xmlns:a16="http://schemas.microsoft.com/office/drawing/2014/main" id="{AA7F0387-F064-4768-CB3A-A402D16E9C01}"/>
-              </a:ext>
-            </a:extLst>
-          </p:cNvPr>
-          <p:cNvSpPr/>
-          <p:nvPr/>
-        </p:nvSpPr>
-        <p:spPr>
-          <a:xfrm>
-            <a:off x="0" y="5120640"/>
-            <a:ext cx="528320" cy="1737360"/>
-          </a:xfrm>
-          <a:prstGeom prst="rect">
-            <a:avLst/>
-          </a:prstGeom>
-          <a:solidFill>
-            <a:srgbClr val="1E1F22"/>
-          </a:solidFill>
-          <a:ln>
-            <a:noFill/>
-          </a:ln>
-        </p:spPr>
-        <p:style>
-          <a:lnRef idx="2">
-            <a:schemeClr val="accent1">
-              <a:shade val="15000"/>
-            </a:schemeClr>
-          </a:lnRef>
-          <a:fillRef idx="1">
-            <a:schemeClr val="accent1"/>
-          </a:fillRef>
-          <a:effectRef idx="0">
-            <a:schemeClr val="accent1"/>
-          </a:effectRef>
-          <a:fontRef idx="minor">
-            <a:schemeClr val="lt1"/>
-          </a:fontRef>
-        </p:style>
-        <p:txBody>
-          <a:bodyPr rtlCol="0" anchor="ctr"/>
-          <a:lstStyle/>
-          <a:p>
-            <a:pPr algn="ctr"/>
-            <a:endParaRPr lang="fr-FR"/>
-          </a:p>
-        </p:txBody>
-      </p:sp>
-      <p:sp>
-        <p:nvSpPr>
-          <p:cNvPr id="10" name="Rectangle 9">
-            <a:extLst>
-              <a:ext uri="{FF2B5EF4-FFF2-40B4-BE49-F238E27FC236}">
-                <a16:creationId xmlns:a16="http://schemas.microsoft.com/office/drawing/2014/main" id="{1CDCD5A7-714A-3B55-6FAE-8BC07F226926}"/>
-              </a:ext>
-            </a:extLst>
-          </p:cNvPr>
-          <p:cNvSpPr/>
-          <p:nvPr/>
-        </p:nvSpPr>
-        <p:spPr>
-          <a:xfrm>
-            <a:off x="528321" y="1460938"/>
-            <a:ext cx="1973142" cy="4960883"/>
-          </a:xfrm>
-          <a:prstGeom prst="rect">
-            <a:avLst/>
-          </a:prstGeom>
-          <a:noFill/>
-          <a:ln w="76200">
-            <a:solidFill>
-              <a:srgbClr val="FF0000"/>
-            </a:solidFill>
-          </a:ln>
-        </p:spPr>
-        <p:style>
-          <a:lnRef idx="2">
-            <a:schemeClr val="accent1">
-              <a:shade val="15000"/>
-            </a:schemeClr>
-          </a:lnRef>
-          <a:fillRef idx="1">
-            <a:schemeClr val="accent1"/>
-          </a:fillRef>
-          <a:effectRef idx="0">
-            <a:schemeClr val="accent1"/>
-          </a:effectRef>
-          <a:fontRef idx="minor">
-            <a:schemeClr val="lt1"/>
-          </a:fontRef>
-        </p:style>
-        <p:txBody>
-          <a:bodyPr rtlCol="0" anchor="ctr"/>
-          <a:lstStyle/>
-          <a:p>
-            <a:pPr algn="ctr"/>
-            <a:endParaRPr lang="fr-FR"/>
-          </a:p>
-        </p:txBody>
-      </p:sp>
-      <p:sp>
-        <p:nvSpPr>
-          <p:cNvPr id="11" name="ZoneTexte 10">
-            <a:extLst>
-              <a:ext uri="{FF2B5EF4-FFF2-40B4-BE49-F238E27FC236}">
-                <a16:creationId xmlns:a16="http://schemas.microsoft.com/office/drawing/2014/main" id="{51AD3265-E09B-CDC9-C8F1-0B57B2046F1D}"/>
-              </a:ext>
-            </a:extLst>
-          </p:cNvPr>
-          <p:cNvSpPr txBox="1"/>
-          <p:nvPr/>
-        </p:nvSpPr>
-        <p:spPr>
-          <a:xfrm>
-            <a:off x="386257" y="332862"/>
-            <a:ext cx="2257269" cy="923330"/>
-          </a:xfrm>
-          <a:prstGeom prst="rect">
-            <a:avLst/>
-          </a:prstGeom>
-          <a:solidFill>
-            <a:schemeClr val="bg1"/>
-          </a:solidFill>
-        </p:spPr>
-        <p:txBody>
-          <a:bodyPr wrap="square" rtlCol="0">
-            <a:spAutoFit/>
-          </a:bodyPr>
-          <a:lstStyle/>
-          <a:p>
-            <a:pPr algn="ctr"/>
-            <a:r>
-              <a:rPr lang="fr-FR" b="1" dirty="0">
-                <a:solidFill>
-                  <a:srgbClr val="FF0000"/>
-                </a:solidFill>
-                <a:latin typeface="Kanit" pitchFamily="2" charset="-34"/>
-                <a:cs typeface="Kanit" pitchFamily="2" charset="-34"/>
-              </a:rPr>
-              <a:t>Salons de communication par thèmes</a:t>
-            </a:r>
-          </a:p>
-        </p:txBody>
-      </p:sp>
-      <p:sp>
-        <p:nvSpPr>
-          <p:cNvPr id="14" name="ZoneTexte 13">
-            <a:extLst>
-              <a:ext uri="{FF2B5EF4-FFF2-40B4-BE49-F238E27FC236}">
-                <a16:creationId xmlns:a16="http://schemas.microsoft.com/office/drawing/2014/main" id="{6574B6EF-CDBF-D4EB-716C-22718EFBA158}"/>
-              </a:ext>
-            </a:extLst>
-          </p:cNvPr>
-          <p:cNvSpPr txBox="1"/>
-          <p:nvPr/>
-        </p:nvSpPr>
-        <p:spPr>
-          <a:xfrm>
-            <a:off x="10081477" y="4711148"/>
-            <a:ext cx="1973142" cy="923330"/>
-          </a:xfrm>
-          <a:prstGeom prst="rect">
-            <a:avLst/>
-          </a:prstGeom>
-          <a:solidFill>
-            <a:schemeClr val="bg1"/>
-          </a:solidFill>
-        </p:spPr>
-        <p:txBody>
-          <a:bodyPr wrap="square" rtlCol="0">
-            <a:spAutoFit/>
-          </a:bodyPr>
-          <a:lstStyle/>
-          <a:p>
-            <a:pPr algn="ctr"/>
-            <a:r>
-              <a:rPr lang="fr-FR" b="1" dirty="0">
-                <a:solidFill>
-                  <a:srgbClr val="FF0000"/>
-                </a:solidFill>
-                <a:latin typeface="Kanit" pitchFamily="2" charset="-34"/>
-                <a:cs typeface="Kanit" pitchFamily="2" charset="-34"/>
-              </a:rPr>
-              <a:t>Reconnaissance rapide des rôles de chacun</a:t>
-            </a:r>
-          </a:p>
-        </p:txBody>
-      </p:sp>
-      <p:sp>
-        <p:nvSpPr>
-          <p:cNvPr id="15" name="Rectangle 14">
-            <a:extLst>
-              <a:ext uri="{FF2B5EF4-FFF2-40B4-BE49-F238E27FC236}">
-                <a16:creationId xmlns:a16="http://schemas.microsoft.com/office/drawing/2014/main" id="{33075DEE-9B62-3F46-4D0C-769F71531CB3}"/>
-              </a:ext>
-            </a:extLst>
-          </p:cNvPr>
-          <p:cNvSpPr/>
-          <p:nvPr/>
-        </p:nvSpPr>
-        <p:spPr>
-          <a:xfrm>
-            <a:off x="10081477" y="576390"/>
-            <a:ext cx="1973142" cy="3986184"/>
-          </a:xfrm>
-          <a:prstGeom prst="rect">
-            <a:avLst/>
-          </a:prstGeom>
-          <a:noFill/>
-          <a:ln w="76200">
-            <a:solidFill>
-              <a:srgbClr val="FF0000"/>
-            </a:solidFill>
-          </a:ln>
-        </p:spPr>
-        <p:style>
-          <a:lnRef idx="2">
-            <a:schemeClr val="accent1">
-              <a:shade val="15000"/>
-            </a:schemeClr>
-          </a:lnRef>
-          <a:fillRef idx="1">
-            <a:schemeClr val="accent1"/>
-          </a:fillRef>
-          <a:effectRef idx="0">
-            <a:schemeClr val="accent1"/>
-          </a:effectRef>
-          <a:fontRef idx="minor">
-            <a:schemeClr val="lt1"/>
-          </a:fontRef>
-        </p:style>
-        <p:txBody>
-          <a:bodyPr rtlCol="0" anchor="ctr"/>
-          <a:lstStyle/>
-          <a:p>
-            <a:pPr algn="ctr"/>
-            <a:endParaRPr lang="fr-FR"/>
-          </a:p>
-        </p:txBody>
-      </p:sp>
-    </p:spTree>
-    <p:extLst>
-      <p:ext uri="{BB962C8B-B14F-4D97-AF65-F5344CB8AC3E}">
-        <p14:creationId xmlns:p14="http://schemas.microsoft.com/office/powerpoint/2010/main" val="851984799"/>
-      </p:ext>
-    </p:extLst>
-  </p:cSld>
-  <p:clrMapOvr>
-    <a:masterClrMapping/>
-  </p:clrMapOvr>
-  <p:transition spd="slow">
-    <p:push/>
-  </p:transition>
-  <p:timing>
-    <p:tnLst>
-      <p:par>
-        <p:cTn id="1" dur="indefinite" restart="never" nodeType="tmRoot">
-          <p:childTnLst>
-            <p:seq concurrent="1" nextAc="seek">
-              <p:cTn id="2" dur="indefinite" nodeType="mainSeq">
-                <p:childTnLst>
-                  <p:par>
-                    <p:cTn id="3" fill="hold">
-                      <p:stCondLst>
-                        <p:cond delay="indefinite"/>
-                      </p:stCondLst>
-                      <p:childTnLst>
-                        <p:par>
-                          <p:cTn id="4" fill="hold">
-                            <p:stCondLst>
-                              <p:cond delay="0"/>
-                            </p:stCondLst>
-                            <p:childTnLst>
-                              <p:par>
-                                <p:cTn id="5" presetID="10" presetClass="entr" presetSubtype="0" fill="hold" grpId="0" nodeType="clickEffect">
-                                  <p:stCondLst>
-                                    <p:cond delay="0"/>
-                                  </p:stCondLst>
-                                  <p:childTnLst>
-                                    <p:set>
-                                      <p:cBhvr>
-                                        <p:cTn id="6" dur="1" fill="hold">
-                                          <p:stCondLst>
-                                            <p:cond delay="0"/>
-                                          </p:stCondLst>
-                                        </p:cTn>
-                                        <p:tgtEl>
-                                          <p:spTgt spid="11"/>
-                                        </p:tgtEl>
-                                        <p:attrNameLst>
-                                          <p:attrName>style.visibility</p:attrName>
-                                        </p:attrNameLst>
-                                      </p:cBhvr>
-                                      <p:to>
-                                        <p:strVal val="visible"/>
-                                      </p:to>
-                                    </p:set>
-                                    <p:animEffect transition="in" filter="fade">
-                                      <p:cBhvr>
-                                        <p:cTn id="7" dur="500"/>
-                                        <p:tgtEl>
-                                          <p:spTgt spid="11"/>
-                                        </p:tgtEl>
-                                      </p:cBhvr>
-                                    </p:animEffect>
-                                  </p:childTnLst>
-                                </p:cTn>
-                              </p:par>
-                              <p:par>
-                                <p:cTn id="8" presetID="10" presetClass="entr" presetSubtype="0" fill="hold" grpId="0" nodeType="withEffect">
-                                  <p:stCondLst>
-                                    <p:cond delay="0"/>
-                                  </p:stCondLst>
-                                  <p:childTnLst>
-                                    <p:set>
-                                      <p:cBhvr>
-                                        <p:cTn id="9" dur="1" fill="hold">
-                                          <p:stCondLst>
-                                            <p:cond delay="0"/>
-                                          </p:stCondLst>
-                                        </p:cTn>
-                                        <p:tgtEl>
-                                          <p:spTgt spid="10"/>
-                                        </p:tgtEl>
-                                        <p:attrNameLst>
-                                          <p:attrName>style.visibility</p:attrName>
-                                        </p:attrNameLst>
-                                      </p:cBhvr>
-                                      <p:to>
-                                        <p:strVal val="visible"/>
-                                      </p:to>
-                                    </p:set>
-                                    <p:animEffect transition="in" filter="fade">
-                                      <p:cBhvr>
-                                        <p:cTn id="10" dur="500"/>
-                                        <p:tgtEl>
-                                          <p:spTgt spid="10"/>
-                                        </p:tgtEl>
-                                      </p:cBhvr>
-                                    </p:animEffect>
-                                  </p:childTnLst>
-                                </p:cTn>
-                              </p:par>
-                            </p:childTnLst>
-                          </p:cTn>
-                        </p:par>
-                      </p:childTnLst>
-                    </p:cTn>
-                  </p:par>
-                  <p:par>
-                    <p:cTn id="11" fill="hold">
-                      <p:stCondLst>
-                        <p:cond delay="indefinite"/>
-                      </p:stCondLst>
-                      <p:childTnLst>
-                        <p:par>
-                          <p:cTn id="12" fill="hold">
-                            <p:stCondLst>
-                              <p:cond delay="0"/>
-                            </p:stCondLst>
-                            <p:childTnLst>
-                              <p:par>
-                                <p:cTn id="13" presetID="10" presetClass="exit" presetSubtype="0" fill="hold" grpId="1" nodeType="clickEffect">
-                                  <p:stCondLst>
-                                    <p:cond delay="0"/>
-                                  </p:stCondLst>
-                                  <p:childTnLst>
-                                    <p:animEffect transition="out" filter="fade">
-                                      <p:cBhvr>
-                                        <p:cTn id="14" dur="500"/>
-                                        <p:tgtEl>
-                                          <p:spTgt spid="11"/>
-                                        </p:tgtEl>
-                                      </p:cBhvr>
-                                    </p:animEffect>
-                                    <p:set>
-                                      <p:cBhvr>
-                                        <p:cTn id="15" dur="1" fill="hold">
-                                          <p:stCondLst>
-                                            <p:cond delay="499"/>
-                                          </p:stCondLst>
-                                        </p:cTn>
-                                        <p:tgtEl>
-                                          <p:spTgt spid="11"/>
-                                        </p:tgtEl>
-                                        <p:attrNameLst>
-                                          <p:attrName>style.visibility</p:attrName>
-                                        </p:attrNameLst>
-                                      </p:cBhvr>
-                                      <p:to>
-                                        <p:strVal val="hidden"/>
-                                      </p:to>
-                                    </p:set>
-                                  </p:childTnLst>
-                                </p:cTn>
-                              </p:par>
-                              <p:par>
-                                <p:cTn id="16" presetID="10" presetClass="exit" presetSubtype="0" fill="hold" grpId="1" nodeType="withEffect">
-                                  <p:stCondLst>
-                                    <p:cond delay="0"/>
-                                  </p:stCondLst>
-                                  <p:childTnLst>
-                                    <p:animEffect transition="out" filter="fade">
-                                      <p:cBhvr>
-                                        <p:cTn id="17" dur="500"/>
-                                        <p:tgtEl>
-                                          <p:spTgt spid="10"/>
-                                        </p:tgtEl>
-                                      </p:cBhvr>
-                                    </p:animEffect>
-                                    <p:set>
-                                      <p:cBhvr>
-                                        <p:cTn id="18" dur="1" fill="hold">
-                                          <p:stCondLst>
-                                            <p:cond delay="499"/>
-                                          </p:stCondLst>
-                                        </p:cTn>
-                                        <p:tgtEl>
-                                          <p:spTgt spid="10"/>
-                                        </p:tgtEl>
-                                        <p:attrNameLst>
-                                          <p:attrName>style.visibility</p:attrName>
-                                        </p:attrNameLst>
-                                      </p:cBhvr>
-                                      <p:to>
-                                        <p:strVal val="hidden"/>
-                                      </p:to>
-                                    </p:set>
-                                  </p:childTnLst>
-                                </p:cTn>
-                              </p:par>
-                              <p:par>
-                                <p:cTn id="19" presetID="10" presetClass="entr" presetSubtype="0" fill="hold" grpId="0" nodeType="withEffect">
-                                  <p:stCondLst>
-                                    <p:cond delay="0"/>
-                                  </p:stCondLst>
-                                  <p:childTnLst>
-                                    <p:set>
-                                      <p:cBhvr>
-                                        <p:cTn id="20" dur="1" fill="hold">
-                                          <p:stCondLst>
-                                            <p:cond delay="0"/>
-                                          </p:stCondLst>
-                                        </p:cTn>
-                                        <p:tgtEl>
-                                          <p:spTgt spid="14"/>
-                                        </p:tgtEl>
-                                        <p:attrNameLst>
-                                          <p:attrName>style.visibility</p:attrName>
-                                        </p:attrNameLst>
-                                      </p:cBhvr>
-                                      <p:to>
-                                        <p:strVal val="visible"/>
-                                      </p:to>
-                                    </p:set>
-                                    <p:animEffect transition="in" filter="fade">
-                                      <p:cBhvr>
-                                        <p:cTn id="21" dur="500"/>
-                                        <p:tgtEl>
-                                          <p:spTgt spid="14"/>
-                                        </p:tgtEl>
-                                      </p:cBhvr>
-                                    </p:animEffect>
-                                  </p:childTnLst>
-                                </p:cTn>
-                              </p:par>
-                              <p:par>
-                                <p:cTn id="22" presetID="10" presetClass="entr" presetSubtype="0" fill="hold" grpId="0" nodeType="withEffect">
-                                  <p:stCondLst>
-                                    <p:cond delay="0"/>
-                                  </p:stCondLst>
-                                  <p:childTnLst>
-                                    <p:set>
-                                      <p:cBhvr>
-                                        <p:cTn id="23" dur="1" fill="hold">
-                                          <p:stCondLst>
-                                            <p:cond delay="0"/>
-                                          </p:stCondLst>
-                                        </p:cTn>
-                                        <p:tgtEl>
-                                          <p:spTgt spid="15"/>
-                                        </p:tgtEl>
-                                        <p:attrNameLst>
-                                          <p:attrName>style.visibility</p:attrName>
-                                        </p:attrNameLst>
-                                      </p:cBhvr>
-                                      <p:to>
-                                        <p:strVal val="visible"/>
-                                      </p:to>
-                                    </p:set>
-                                    <p:animEffect transition="in" filter="fade">
-                                      <p:cBhvr>
-                                        <p:cTn id="24" dur="500"/>
-                                        <p:tgtEl>
-                                          <p:spTgt spid="15"/>
-                                        </p:tgtEl>
-                                      </p:cBhvr>
-                                    </p:animEffect>
-                                  </p:childTnLst>
-                                </p:cTn>
-                              </p:par>
-                            </p:childTnLst>
-                          </p:cTn>
-                        </p:par>
-                      </p:childTnLst>
-                    </p:cTn>
-                  </p:par>
-                  <p:par>
-                    <p:cTn id="25" fill="hold">
-                      <p:stCondLst>
-                        <p:cond delay="indefinite"/>
-                      </p:stCondLst>
-                      <p:childTnLst>
-                        <p:par>
-                          <p:cTn id="26" fill="hold">
-                            <p:stCondLst>
-                              <p:cond delay="0"/>
-                            </p:stCondLst>
-                            <p:childTnLst>
-                              <p:par>
-                                <p:cTn id="27" presetID="10" presetClass="exit" presetSubtype="0" fill="hold" grpId="1" nodeType="clickEffect">
-                                  <p:stCondLst>
-                                    <p:cond delay="0"/>
-                                  </p:stCondLst>
-                                  <p:childTnLst>
-                                    <p:animEffect transition="out" filter="fade">
-                                      <p:cBhvr>
-                                        <p:cTn id="28" dur="500"/>
-                                        <p:tgtEl>
-                                          <p:spTgt spid="14"/>
-                                        </p:tgtEl>
-                                      </p:cBhvr>
-                                    </p:animEffect>
-                                    <p:set>
-                                      <p:cBhvr>
-                                        <p:cTn id="29" dur="1" fill="hold">
-                                          <p:stCondLst>
-                                            <p:cond delay="499"/>
-                                          </p:stCondLst>
-                                        </p:cTn>
-                                        <p:tgtEl>
-                                          <p:spTgt spid="14"/>
-                                        </p:tgtEl>
-                                        <p:attrNameLst>
-                                          <p:attrName>style.visibility</p:attrName>
-                                        </p:attrNameLst>
-                                      </p:cBhvr>
-                                      <p:to>
-                                        <p:strVal val="hidden"/>
-                                      </p:to>
-                                    </p:set>
-                                  </p:childTnLst>
-                                </p:cTn>
-                              </p:par>
-                              <p:par>
-                                <p:cTn id="30" presetID="10" presetClass="exit" presetSubtype="0" fill="hold" grpId="1" nodeType="withEffect">
-                                  <p:stCondLst>
-                                    <p:cond delay="0"/>
-                                  </p:stCondLst>
-                                  <p:childTnLst>
-                                    <p:animEffect transition="out" filter="fade">
-                                      <p:cBhvr>
-                                        <p:cTn id="31" dur="500"/>
-                                        <p:tgtEl>
-                                          <p:spTgt spid="15"/>
-                                        </p:tgtEl>
-                                      </p:cBhvr>
-                                    </p:animEffect>
-                                    <p:set>
-                                      <p:cBhvr>
-                                        <p:cTn id="32" dur="1" fill="hold">
-                                          <p:stCondLst>
-                                            <p:cond delay="499"/>
-                                          </p:stCondLst>
-                                        </p:cTn>
-                                        <p:tgtEl>
-                                          <p:spTgt spid="15"/>
-                                        </p:tgtEl>
-                                        <p:attrNameLst>
-                                          <p:attrName>style.visibility</p:attrName>
-                                        </p:attrNameLst>
-                                      </p:cBhvr>
-                                      <p:to>
-                                        <p:strVal val="hidden"/>
-                                      </p:to>
-                                    </p:set>
-                                  </p:childTnLst>
-                                </p:cTn>
-                              </p:par>
-                            </p:childTnLst>
-                          </p:cTn>
-                        </p:par>
-                      </p:childTnLst>
-                    </p:cTn>
-                  </p:par>
-                </p:childTnLst>
-              </p:cTn>
-              <p:prevCondLst>
-                <p:cond evt="onPrev" delay="0">
-                  <p:tgtEl>
-                    <p:sldTgt/>
-                  </p:tgtEl>
-                </p:cond>
-              </p:prevCondLst>
-              <p:nextCondLst>
-                <p:cond evt="onNext" delay="0">
-                  <p:tgtEl>
-                    <p:sldTgt/>
-                  </p:tgtEl>
-                </p:cond>
-              </p:nextCondLst>
-            </p:seq>
-          </p:childTnLst>
-        </p:cTn>
-      </p:par>
-    </p:tnLst>
-    <p:bldLst>
-      <p:bldP spid="10" grpId="0" animBg="1"/>
-      <p:bldP spid="10" grpId="1" animBg="1"/>
-      <p:bldP spid="11" grpId="0" animBg="1"/>
-      <p:bldP spid="11" grpId="1" animBg="1"/>
-      <p:bldP spid="14" grpId="0" animBg="1"/>
-      <p:bldP spid="14" grpId="1" animBg="1"/>
-      <p:bldP spid="15" grpId="0" animBg="1"/>
-      <p:bldP spid="15" grpId="1" animBg="1"/>
-    </p:bldLst>
-  </p:timing>
-</p:sld>
-</file>
-
-<file path=ppt/slides/slide7.xml><?xml version="1.0" encoding="utf-8"?>
-<p:sld xmlns:a="http://schemas.openxmlformats.org/drawingml/2006/main" xmlns:r="http://schemas.openxmlformats.org/officeDocument/2006/relationships" xmlns:p="http://schemas.openxmlformats.org/presentationml/2006/main">
-  <p:cSld>
-    <p:spTree>
-      <p:nvGrpSpPr>
-        <p:cNvPr id="1" name=""/>
-        <p:cNvGrpSpPr/>
-        <p:nvPr/>
-      </p:nvGrpSpPr>
-      <p:grpSpPr>
-        <a:xfrm>
-          <a:off x="0" y="0"/>
-          <a:ext cx="0" cy="0"/>
-          <a:chOff x="0" y="0"/>
-          <a:chExt cx="0" cy="0"/>
-        </a:xfrm>
-      </p:grpSpPr>
-      <p:sp>
-        <p:nvSpPr>
-          <p:cNvPr id="4" name="Rectangle 3">
-            <a:extLst>
-              <a:ext uri="{FF2B5EF4-FFF2-40B4-BE49-F238E27FC236}">
-                <a16:creationId xmlns:a16="http://schemas.microsoft.com/office/drawing/2014/main" id="{82DBE25F-23D4-E967-D9B6-1F9AD5987971}"/>
-              </a:ext>
-            </a:extLst>
-          </p:cNvPr>
-          <p:cNvSpPr/>
-          <p:nvPr/>
-        </p:nvSpPr>
-        <p:spPr>
-          <a:xfrm>
-            <a:off x="0" y="0"/>
-            <a:ext cx="12192000" cy="6858000"/>
-          </a:xfrm>
-          <a:prstGeom prst="rect">
-            <a:avLst/>
-          </a:prstGeom>
-          <a:gradFill flip="none" rotWithShape="1">
-            <a:gsLst>
-              <a:gs pos="0">
-                <a:srgbClr val="1C62CA">
-                  <a:alpha val="60000"/>
-                </a:srgbClr>
-              </a:gs>
-              <a:gs pos="100000">
-                <a:srgbClr val="1C62CA">
-                  <a:alpha val="40000"/>
-                </a:srgbClr>
-              </a:gs>
-            </a:gsLst>
-            <a:lin ang="0" scaled="1"/>
-            <a:tileRect/>
-          </a:gradFill>
-          <a:ln>
-            <a:noFill/>
-          </a:ln>
-        </p:spPr>
-        <p:style>
-          <a:lnRef idx="2">
-            <a:schemeClr val="accent1">
-              <a:shade val="15000"/>
-            </a:schemeClr>
-          </a:lnRef>
-          <a:fillRef idx="1">
-            <a:schemeClr val="accent1"/>
-          </a:fillRef>
-          <a:effectRef idx="0">
-            <a:schemeClr val="accent1"/>
-          </a:effectRef>
-          <a:fontRef idx="minor">
-            <a:schemeClr val="lt1"/>
-          </a:fontRef>
-        </p:style>
-        <p:txBody>
-          <a:bodyPr rtlCol="0" anchor="ctr"/>
-          <a:lstStyle/>
-          <a:p>
-            <a:pPr algn="ctr"/>
-            <a:endParaRPr lang="fr-FR" dirty="0">
-              <a:solidFill>
-                <a:schemeClr val="bg1"/>
-              </a:solidFill>
-            </a:endParaRPr>
-          </a:p>
-        </p:txBody>
-      </p:sp>
-      <p:sp>
-        <p:nvSpPr>
-          <p:cNvPr id="2" name="Titre 1">
-            <a:extLst>
-              <a:ext uri="{FF2B5EF4-FFF2-40B4-BE49-F238E27FC236}">
-                <a16:creationId xmlns:a16="http://schemas.microsoft.com/office/drawing/2014/main" id="{8114BE97-5E5E-1E53-88FD-90D2E6DB3BBD}"/>
-              </a:ext>
-            </a:extLst>
-          </p:cNvPr>
-          <p:cNvSpPr>
-            <a:spLocks noGrp="1"/>
-          </p:cNvSpPr>
-          <p:nvPr>
-            <p:ph type="title"/>
-          </p:nvPr>
-        </p:nvSpPr>
-        <p:spPr>
-          <a:xfrm>
-            <a:off x="3517258" y="3124200"/>
-            <a:ext cx="5385004" cy="1014984"/>
-          </a:xfrm>
-        </p:spPr>
-        <p:txBody>
-          <a:bodyPr anchor="t">
-            <a:noAutofit/>
-          </a:bodyPr>
-          <a:lstStyle/>
-          <a:p>
-            <a:pPr algn="ctr"/>
-            <a:r>
-              <a:rPr lang="fr-FR" sz="4800" b="1" i="0" u="none" strike="noStrike" baseline="0" dirty="0">
-                <a:latin typeface="Kanit"/>
-              </a:rPr>
-              <a:t>Coût humain total</a:t>
-            </a:r>
-            <a:endParaRPr lang="fr-FR" sz="4800" b="1" dirty="0">
-              <a:latin typeface="Kanit"/>
-            </a:endParaRPr>
-          </a:p>
-        </p:txBody>
-      </p:sp>
-    </p:spTree>
-    <p:extLst>
-      <p:ext uri="{BB962C8B-B14F-4D97-AF65-F5344CB8AC3E}">
-        <p14:creationId xmlns:p14="http://schemas.microsoft.com/office/powerpoint/2010/main" val="2956362599"/>
-      </p:ext>
-    </p:extLst>
-  </p:cSld>
-  <p:clrMapOvr>
-    <a:masterClrMapping/>
-  </p:clrMapOvr>
-  <p:transition spd="slow">
-    <p:push/>
-  </p:transition>
-</p:sld>
-</file>
-
-<file path=ppt/slides/slide8.xml><?xml version="1.0" encoding="utf-8"?>
-<p:sld xmlns:a="http://schemas.openxmlformats.org/drawingml/2006/main" xmlns:r="http://schemas.openxmlformats.org/officeDocument/2006/relationships" xmlns:p="http://schemas.openxmlformats.org/presentationml/2006/main">
-  <p:cSld>
-    <p:spTree>
-      <p:nvGrpSpPr>
-        <p:cNvPr id="1" name=""/>
-        <p:cNvGrpSpPr/>
-        <p:nvPr/>
-      </p:nvGrpSpPr>
-      <p:grpSpPr>
-        <a:xfrm>
-          <a:off x="0" y="0"/>
-          <a:ext cx="0" cy="0"/>
-          <a:chOff x="0" y="0"/>
-          <a:chExt cx="0" cy="0"/>
-        </a:xfrm>
-      </p:grpSpPr>
-      <p:sp>
-        <p:nvSpPr>
-          <p:cNvPr id="4" name="Rectangle 3">
-            <a:extLst>
-              <a:ext uri="{FF2B5EF4-FFF2-40B4-BE49-F238E27FC236}">
-                <a16:creationId xmlns:a16="http://schemas.microsoft.com/office/drawing/2014/main" id="{D6EE3EAF-BB88-7662-7678-E30EA161162E}"/>
-              </a:ext>
-            </a:extLst>
-          </p:cNvPr>
-          <p:cNvSpPr/>
-          <p:nvPr/>
-        </p:nvSpPr>
-        <p:spPr>
-          <a:xfrm>
-            <a:off x="0" y="0"/>
-            <a:ext cx="12192000" cy="6858000"/>
-          </a:xfrm>
-          <a:prstGeom prst="rect">
-            <a:avLst/>
-          </a:prstGeom>
-          <a:gradFill flip="none" rotWithShape="1">
-            <a:gsLst>
-              <a:gs pos="0">
-                <a:srgbClr val="1C62CA">
-                  <a:alpha val="40000"/>
-                </a:srgbClr>
-              </a:gs>
-              <a:gs pos="100000">
-                <a:srgbClr val="1C62CA">
-                  <a:alpha val="0"/>
-                </a:srgbClr>
-              </a:gs>
-            </a:gsLst>
-            <a:lin ang="0" scaled="1"/>
-            <a:tileRect/>
-          </a:gradFill>
-          <a:ln>
-            <a:noFill/>
-          </a:ln>
-        </p:spPr>
-        <p:style>
-          <a:lnRef idx="2">
-            <a:schemeClr val="accent1">
-              <a:shade val="15000"/>
-            </a:schemeClr>
-          </a:lnRef>
-          <a:fillRef idx="1">
-            <a:schemeClr val="accent1"/>
-          </a:fillRef>
-          <a:effectRef idx="0">
-            <a:schemeClr val="accent1"/>
-          </a:effectRef>
-          <a:fontRef idx="minor">
-            <a:schemeClr val="lt1"/>
-          </a:fontRef>
-        </p:style>
-        <p:txBody>
-          <a:bodyPr rtlCol="0" anchor="ctr"/>
-          <a:lstStyle/>
-          <a:p>
-            <a:pPr algn="ctr"/>
-            <a:endParaRPr lang="fr-FR">
-              <a:solidFill>
-                <a:schemeClr val="bg1"/>
-              </a:solidFill>
-            </a:endParaRPr>
-          </a:p>
-        </p:txBody>
-      </p:sp>
-      <p:sp>
-        <p:nvSpPr>
-          <p:cNvPr id="2" name="Titre 1">
-            <a:extLst>
-              <a:ext uri="{FF2B5EF4-FFF2-40B4-BE49-F238E27FC236}">
-                <a16:creationId xmlns:a16="http://schemas.microsoft.com/office/drawing/2014/main" id="{8114BE97-5E5E-1E53-88FD-90D2E6DB3BBD}"/>
-              </a:ext>
-            </a:extLst>
-          </p:cNvPr>
-          <p:cNvSpPr>
-            <a:spLocks noGrp="1"/>
-          </p:cNvSpPr>
-          <p:nvPr>
-            <p:ph type="title"/>
-          </p:nvPr>
-        </p:nvSpPr>
-        <p:spPr>
-          <a:xfrm>
-            <a:off x="3965494" y="1041963"/>
-            <a:ext cx="4261010" cy="1014984"/>
-          </a:xfrm>
-        </p:spPr>
-        <p:txBody>
-          <a:bodyPr anchor="t">
-            <a:noAutofit/>
-          </a:bodyPr>
-          <a:lstStyle/>
-          <a:p>
-            <a:pPr algn="ctr"/>
-            <a:r>
-              <a:rPr lang="fr-FR" sz="7200" b="1" i="0" u="none" strike="noStrike" baseline="0" dirty="0">
-                <a:latin typeface="Kanit"/>
-              </a:rPr>
-              <a:t>Bilan</a:t>
-            </a:r>
-            <a:endParaRPr lang="fr-FR" sz="7200" b="1" dirty="0">
-              <a:latin typeface="Kanit"/>
-            </a:endParaRPr>
-          </a:p>
-        </p:txBody>
-      </p:sp>
-      <mc:AlternateContent xmlns:mc="http://schemas.openxmlformats.org/markup-compatibility/2006">
-        <mc:Choice xmlns:pslz="http://schemas.microsoft.com/office/powerpoint/2016/slidezoom" Requires="pslz">
-          <p:graphicFrame>
-            <p:nvGraphicFramePr>
-              <p:cNvPr id="6" name="Zoom de diapositive 5">
-                <a:extLst>
-                  <a:ext uri="{FF2B5EF4-FFF2-40B4-BE49-F238E27FC236}">
-                    <a16:creationId xmlns:a16="http://schemas.microsoft.com/office/drawing/2014/main" id="{32E826B6-45C8-34B2-FC0B-D1889CC0102A}"/>
-                  </a:ext>
-                </a:extLst>
-              </p:cNvPr>
-              <p:cNvGraphicFramePr>
-                <a:graphicFrameLocks noChangeAspect="1"/>
-              </p:cNvGraphicFramePr>
-              <p:nvPr>
-                <p:extLst>
-                  <p:ext uri="{D42A27DB-BD31-4B8C-83A1-F6EECF244321}">
-                    <p14:modId xmlns:p14="http://schemas.microsoft.com/office/powerpoint/2010/main" val="1196932741"/>
-                  </p:ext>
-                </p:extLst>
-              </p:nvPr>
-            </p:nvGraphicFramePr>
-            <p:xfrm>
-              <a:off x="4364058" y="2531349"/>
-              <a:ext cx="3463883" cy="1948434"/>
-            </p:xfrm>
-            <a:graphic>
-              <a:graphicData uri="http://schemas.microsoft.com/office/powerpoint/2016/slidezoom">
-                <pslz:sldZm>
-                  <pslz:sldZmObj sldId="267" cId="3315214436">
-                    <pslz:zmPr id="{2A819057-0BA4-4C6B-9747-11C9C10DC49A}" returnToParent="0" transitionDur="1000">
-                      <p166:blipFill xmlns:p166="http://schemas.microsoft.com/office/powerpoint/2016/6/main">
-                        <a:blip r:embed="rId2"/>
-                        <a:stretch>
-                          <a:fillRect/>
-                        </a:stretch>
-                      </p166:blipFill>
-                      <p166:spPr xmlns:p166="http://schemas.microsoft.com/office/powerpoint/2016/6/main">
-                        <a:xfrm>
-                          <a:off x="0" y="0"/>
-                          <a:ext cx="3463883" cy="1948434"/>
-                        </a:xfrm>
-                        <a:prstGeom prst="rect">
-                          <a:avLst/>
-                        </a:prstGeom>
-                        <a:ln w="3175">
-                          <a:solidFill>
-                            <a:prstClr val="ltGray"/>
-                          </a:solidFill>
-                        </a:ln>
-                      </p166:spPr>
-                    </pslz:zmPr>
-                  </pslz:sldZmObj>
-                </pslz:sldZm>
-              </a:graphicData>
-            </a:graphic>
-          </p:graphicFrame>
-        </mc:Choice>
-        <mc:Fallback>
-          <p:pic>
-            <p:nvPicPr>
-              <p:cNvPr id="6" name="Zoom de diapositive 5">
-                <a:hlinkClick r:id="rId3" action="ppaction://hlinksldjump"/>
-                <a:extLst>
-                  <a:ext uri="{FF2B5EF4-FFF2-40B4-BE49-F238E27FC236}">
-                    <a16:creationId xmlns:a16="http://schemas.microsoft.com/office/drawing/2014/main" id="{32E826B6-45C8-34B2-FC0B-D1889CC0102A}"/>
-                  </a:ext>
-                </a:extLst>
-              </p:cNvPr>
-              <p:cNvPicPr>
-                <a:picLocks noGrp="1" noRot="1" noChangeAspect="1" noMove="1" noResize="1" noEditPoints="1" noAdjustHandles="1" noChangeArrowheads="1" noChangeShapeType="1"/>
-              </p:cNvPicPr>
-              <p:nvPr/>
-            </p:nvPicPr>
-            <p:blipFill>
-              <a:blip r:embed="rId2"/>
-              <a:stretch>
-                <a:fillRect/>
-              </a:stretch>
-            </p:blipFill>
-            <p:spPr>
-              <a:xfrm>
-                <a:off x="4364058" y="2531349"/>
-                <a:ext cx="3463883" cy="1948434"/>
-              </a:xfrm>
-              <a:prstGeom prst="rect">
-                <a:avLst/>
-              </a:prstGeom>
-              <a:ln w="3175">
-                <a:solidFill>
-                  <a:prstClr val="ltGray"/>
-                </a:solidFill>
-              </a:ln>
-            </p:spPr>
-          </p:pic>
-        </mc:Fallback>
-      </mc:AlternateContent>
-      <mc:AlternateContent xmlns:mc="http://schemas.openxmlformats.org/markup-compatibility/2006">
-        <mc:Choice xmlns:pslz="http://schemas.microsoft.com/office/powerpoint/2016/slidezoom" Requires="pslz">
-          <p:graphicFrame>
-            <p:nvGraphicFramePr>
-              <p:cNvPr id="8" name="Zoom de diapositive 7">
-                <a:extLst>
-                  <a:ext uri="{FF2B5EF4-FFF2-40B4-BE49-F238E27FC236}">
-                    <a16:creationId xmlns:a16="http://schemas.microsoft.com/office/drawing/2014/main" id="{E7626C8D-07B1-504C-34FD-6754F79AC9AF}"/>
-                  </a:ext>
-                </a:extLst>
-              </p:cNvPr>
-              <p:cNvGraphicFramePr>
-                <a:graphicFrameLocks noChangeAspect="1"/>
-              </p:cNvGraphicFramePr>
-              <p:nvPr>
-                <p:extLst>
-                  <p:ext uri="{D42A27DB-BD31-4B8C-83A1-F6EECF244321}">
-                    <p14:modId xmlns:p14="http://schemas.microsoft.com/office/powerpoint/2010/main" val="2050076613"/>
-                  </p:ext>
-                </p:extLst>
-              </p:nvPr>
-            </p:nvGraphicFramePr>
-            <p:xfrm>
-              <a:off x="450088" y="2531349"/>
-              <a:ext cx="3463883" cy="1948434"/>
-            </p:xfrm>
-            <a:graphic>
-              <a:graphicData uri="http://schemas.microsoft.com/office/powerpoint/2016/slidezoom">
-                <pslz:sldZm>
-                  <pslz:sldZmObj sldId="268" cId="1818274042">
-                    <pslz:zmPr id="{FB389DD0-12C0-426B-814D-32E19546F054}" returnToParent="0" transitionDur="1000">
-                      <p166:blipFill xmlns:p166="http://schemas.microsoft.com/office/powerpoint/2016/6/main">
-                        <a:blip r:embed="rId4"/>
-                        <a:stretch>
-                          <a:fillRect/>
-                        </a:stretch>
-                      </p166:blipFill>
-                      <p166:spPr xmlns:p166="http://schemas.microsoft.com/office/powerpoint/2016/6/main">
-                        <a:xfrm>
-                          <a:off x="0" y="0"/>
-                          <a:ext cx="3463883" cy="1948434"/>
-                        </a:xfrm>
-                        <a:prstGeom prst="rect">
-                          <a:avLst/>
-                        </a:prstGeom>
-                        <a:ln w="3175">
-                          <a:solidFill>
-                            <a:prstClr val="ltGray"/>
-                          </a:solidFill>
-                        </a:ln>
-                      </p166:spPr>
-                    </pslz:zmPr>
-                  </pslz:sldZmObj>
-                </pslz:sldZm>
-              </a:graphicData>
-            </a:graphic>
-          </p:graphicFrame>
-        </mc:Choice>
-        <mc:Fallback>
-          <p:pic>
-            <p:nvPicPr>
-              <p:cNvPr id="8" name="Zoom de diapositive 7">
-                <a:hlinkClick r:id="rId5" action="ppaction://hlinksldjump"/>
-                <a:extLst>
-                  <a:ext uri="{FF2B5EF4-FFF2-40B4-BE49-F238E27FC236}">
-                    <a16:creationId xmlns:a16="http://schemas.microsoft.com/office/drawing/2014/main" id="{E7626C8D-07B1-504C-34FD-6754F79AC9AF}"/>
-                  </a:ext>
-                </a:extLst>
-              </p:cNvPr>
-              <p:cNvPicPr>
-                <a:picLocks noGrp="1" noRot="1" noChangeAspect="1" noMove="1" noResize="1" noEditPoints="1" noAdjustHandles="1" noChangeArrowheads="1" noChangeShapeType="1"/>
-              </p:cNvPicPr>
-              <p:nvPr/>
-            </p:nvPicPr>
-            <p:blipFill>
-              <a:blip r:embed="rId4"/>
-              <a:stretch>
-                <a:fillRect/>
-              </a:stretch>
-            </p:blipFill>
-            <p:spPr>
-              <a:xfrm>
-                <a:off x="450088" y="2531349"/>
-                <a:ext cx="3463883" cy="1948434"/>
-              </a:xfrm>
-              <a:prstGeom prst="rect">
-                <a:avLst/>
-              </a:prstGeom>
-              <a:ln w="3175">
-                <a:solidFill>
-                  <a:prstClr val="ltGray"/>
-                </a:solidFill>
-              </a:ln>
-            </p:spPr>
-          </p:pic>
-        </mc:Fallback>
-      </mc:AlternateContent>
-      <mc:AlternateContent xmlns:mc="http://schemas.openxmlformats.org/markup-compatibility/2006">
-        <mc:Choice xmlns:pslz="http://schemas.microsoft.com/office/powerpoint/2016/slidezoom" Requires="pslz">
-          <p:graphicFrame>
-            <p:nvGraphicFramePr>
-              <p:cNvPr id="10" name="Zoom de diapositive 9">
-                <a:extLst>
-                  <a:ext uri="{FF2B5EF4-FFF2-40B4-BE49-F238E27FC236}">
-                    <a16:creationId xmlns:a16="http://schemas.microsoft.com/office/drawing/2014/main" id="{75CE6397-66B7-3D57-87A3-81687CB9DBB7}"/>
-                  </a:ext>
-                </a:extLst>
-              </p:cNvPr>
-              <p:cNvGraphicFramePr>
-                <a:graphicFrameLocks noChangeAspect="1"/>
-              </p:cNvGraphicFramePr>
-              <p:nvPr>
-                <p:extLst>
-                  <p:ext uri="{D42A27DB-BD31-4B8C-83A1-F6EECF244321}">
-                    <p14:modId xmlns:p14="http://schemas.microsoft.com/office/powerpoint/2010/main" val="3822437008"/>
-                  </p:ext>
-                </p:extLst>
-              </p:nvPr>
-            </p:nvGraphicFramePr>
-            <p:xfrm>
-              <a:off x="8278029" y="2531349"/>
-              <a:ext cx="3463883" cy="1948434"/>
-            </p:xfrm>
-            <a:graphic>
-              <a:graphicData uri="http://schemas.microsoft.com/office/powerpoint/2016/slidezoom">
-                <pslz:sldZm>
-                  <pslz:sldZmObj sldId="269" cId="2062808289">
-                    <pslz:zmPr id="{CEC41685-C41F-415F-B89C-D9089C3A892E}" returnToParent="0" transitionDur="1000">
-                      <p166:blipFill xmlns:p166="http://schemas.microsoft.com/office/powerpoint/2016/6/main">
-                        <a:blip r:embed="rId6"/>
-                        <a:stretch>
-                          <a:fillRect/>
-                        </a:stretch>
-                      </p166:blipFill>
-                      <p166:spPr xmlns:p166="http://schemas.microsoft.com/office/powerpoint/2016/6/main">
-                        <a:xfrm>
-                          <a:off x="0" y="0"/>
-                          <a:ext cx="3463883" cy="1948434"/>
-                        </a:xfrm>
-                        <a:prstGeom prst="rect">
-                          <a:avLst/>
-                        </a:prstGeom>
-                        <a:ln w="3175">
-                          <a:solidFill>
-                            <a:prstClr val="ltGray"/>
-                          </a:solidFill>
-                        </a:ln>
-                      </p166:spPr>
-                    </pslz:zmPr>
-                  </pslz:sldZmObj>
-                </pslz:sldZm>
-              </a:graphicData>
-            </a:graphic>
-          </p:graphicFrame>
-        </mc:Choice>
-        <mc:Fallback>
-          <p:pic>
-            <p:nvPicPr>
-              <p:cNvPr id="10" name="Zoom de diapositive 9">
-                <a:hlinkClick r:id="rId7" action="ppaction://hlinksldjump"/>
-                <a:extLst>
-                  <a:ext uri="{FF2B5EF4-FFF2-40B4-BE49-F238E27FC236}">
-                    <a16:creationId xmlns:a16="http://schemas.microsoft.com/office/drawing/2014/main" id="{75CE6397-66B7-3D57-87A3-81687CB9DBB7}"/>
-                  </a:ext>
-                </a:extLst>
-              </p:cNvPr>
-              <p:cNvPicPr>
-                <a:picLocks noGrp="1" noRot="1" noChangeAspect="1" noMove="1" noResize="1" noEditPoints="1" noAdjustHandles="1" noChangeArrowheads="1" noChangeShapeType="1"/>
-              </p:cNvPicPr>
-              <p:nvPr/>
-            </p:nvPicPr>
-            <p:blipFill>
-              <a:blip r:embed="rId6"/>
-              <a:stretch>
-                <a:fillRect/>
-              </a:stretch>
-            </p:blipFill>
-            <p:spPr>
-              <a:xfrm>
-                <a:off x="8278029" y="2531349"/>
-                <a:ext cx="3463883" cy="1948434"/>
-              </a:xfrm>
-              <a:prstGeom prst="rect">
-                <a:avLst/>
-              </a:prstGeom>
-              <a:ln w="3175">
-                <a:solidFill>
-                  <a:prstClr val="ltGray"/>
-                </a:solidFill>
-              </a:ln>
-            </p:spPr>
-          </p:pic>
-        </mc:Fallback>
-      </mc:AlternateContent>
-    </p:spTree>
-    <p:extLst>
-      <p:ext uri="{BB962C8B-B14F-4D97-AF65-F5344CB8AC3E}">
-        <p14:creationId xmlns:p14="http://schemas.microsoft.com/office/powerpoint/2010/main" val="715110297"/>
-      </p:ext>
-    </p:extLst>
-  </p:cSld>
-  <p:clrMapOvr>
-    <a:masterClrMapping/>
-  </p:clrMapOvr>
-  <p:transition spd="slow">
-    <p:push/>
-  </p:transition>
-</p:sld>
-</file>
-
-<file path=ppt/slides/slide9.xml><?xml version="1.0" encoding="utf-8"?>
-<p:sld xmlns:a="http://schemas.openxmlformats.org/drawingml/2006/main" xmlns:r="http://schemas.openxmlformats.org/officeDocument/2006/relationships" xmlns:p="http://schemas.openxmlformats.org/presentationml/2006/main">
-  <p:cSld>
-    <p:spTree>
-      <p:nvGrpSpPr>
-        <p:cNvPr id="1" name=""/>
-        <p:cNvGrpSpPr/>
-        <p:nvPr/>
-      </p:nvGrpSpPr>
-      <p:grpSpPr>
-        <a:xfrm>
-          <a:off x="0" y="0"/>
-          <a:ext cx="0" cy="0"/>
-          <a:chOff x="0" y="0"/>
-          <a:chExt cx="0" cy="0"/>
-        </a:xfrm>
-      </p:grpSpPr>
-      <p:sp>
-        <p:nvSpPr>
-          <p:cNvPr id="2" name="Titre 1">
-            <a:extLst>
-              <a:ext uri="{FF2B5EF4-FFF2-40B4-BE49-F238E27FC236}">
-                <a16:creationId xmlns:a16="http://schemas.microsoft.com/office/drawing/2014/main" id="{4A20927B-B9F9-A7AD-BCFF-01E32E6E0228}"/>
-              </a:ext>
-            </a:extLst>
-          </p:cNvPr>
-          <p:cNvSpPr>
-            <a:spLocks noGrp="1"/>
-          </p:cNvSpPr>
-          <p:nvPr>
-            <p:ph type="title"/>
-          </p:nvPr>
-        </p:nvSpPr>
-        <p:spPr/>
-        <p:txBody>
-          <a:bodyPr/>
-          <a:lstStyle/>
-          <a:p>
-            <a:r>
-              <a:rPr lang="fr-FR" dirty="0">
-                <a:latin typeface="Kanit" pitchFamily="2" charset="-34"/>
-                <a:ea typeface="Kigelia" panose="020B0502040204020203" pitchFamily="34" charset="0"/>
-                <a:cs typeface="Kanit" pitchFamily="2" charset="-34"/>
-              </a:rPr>
-              <a:t>Réussites</a:t>
-            </a:r>
-          </a:p>
-        </p:txBody>
-      </p:sp>
-    </p:spTree>
-    <p:extLst>
-      <p:ext uri="{BB962C8B-B14F-4D97-AF65-F5344CB8AC3E}">
-        <p14:creationId xmlns:p14="http://schemas.microsoft.com/office/powerpoint/2010/main" val="3315214436"/>
+        <p14:creationId xmlns:p14="http://schemas.microsoft.com/office/powerpoint/2010/main" val="1598200727"/>
       </p:ext>
     </p:extLst>
   </p:cSld>
@@ -6650,6 +4904,321 @@
 </a:theme>
 </file>
 
+<file path=ppt/theme/theme2.xml><?xml version="1.0" encoding="utf-8"?>
+<a:theme xmlns:a="http://schemas.openxmlformats.org/drawingml/2006/main" name="Thème Office">
+  <a:themeElements>
+    <a:clrScheme name="Office">
+      <a:dk1>
+        <a:sysClr val="windowText" lastClr="000000"/>
+      </a:dk1>
+      <a:lt1>
+        <a:sysClr val="window" lastClr="FFFFFF"/>
+      </a:lt1>
+      <a:dk2>
+        <a:srgbClr val="0E2841"/>
+      </a:dk2>
+      <a:lt2>
+        <a:srgbClr val="E8E8E8"/>
+      </a:lt2>
+      <a:accent1>
+        <a:srgbClr val="156082"/>
+      </a:accent1>
+      <a:accent2>
+        <a:srgbClr val="E97132"/>
+      </a:accent2>
+      <a:accent3>
+        <a:srgbClr val="196B24"/>
+      </a:accent3>
+      <a:accent4>
+        <a:srgbClr val="0F9ED5"/>
+      </a:accent4>
+      <a:accent5>
+        <a:srgbClr val="A02B93"/>
+      </a:accent5>
+      <a:accent6>
+        <a:srgbClr val="4EA72E"/>
+      </a:accent6>
+      <a:hlink>
+        <a:srgbClr val="467886"/>
+      </a:hlink>
+      <a:folHlink>
+        <a:srgbClr val="96607D"/>
+      </a:folHlink>
+    </a:clrScheme>
+    <a:fontScheme name="Office">
+      <a:majorFont>
+        <a:latin typeface="Aptos Display" panose="02110004020202020204"/>
+        <a:ea typeface=""/>
+        <a:cs typeface=""/>
+        <a:font script="Jpan" typeface="游ゴシック Light"/>
+        <a:font script="Hang" typeface="맑은 고딕"/>
+        <a:font script="Hans" typeface="等线 Light"/>
+        <a:font script="Hant" typeface="新細明體"/>
+        <a:font script="Arab" typeface="Times New Roman"/>
+        <a:font script="Hebr" typeface="Times New Roman"/>
+        <a:font script="Thai" typeface="Angsana New"/>
+        <a:font script="Ethi" typeface="Nyala"/>
+        <a:font script="Beng" typeface="Vrinda"/>
+        <a:font script="Gujr" typeface="Shruti"/>
+        <a:font script="Khmr" typeface="MoolBoran"/>
+        <a:font script="Knda" typeface="Tunga"/>
+        <a:font script="Guru" typeface="Raavi"/>
+        <a:font script="Cans" typeface="Euphemia"/>
+        <a:font script="Cher" typeface="Plantagenet Cherokee"/>
+        <a:font script="Yiii" typeface="Microsoft Yi Baiti"/>
+        <a:font script="Tibt" typeface="Microsoft Himalaya"/>
+        <a:font script="Thaa" typeface="MV Boli"/>
+        <a:font script="Deva" typeface="Mangal"/>
+        <a:font script="Telu" typeface="Gautami"/>
+        <a:font script="Taml" typeface="Latha"/>
+        <a:font script="Syrc" typeface="Estrangelo Edessa"/>
+        <a:font script="Orya" typeface="Kalinga"/>
+        <a:font script="Mlym" typeface="Kartika"/>
+        <a:font script="Laoo" typeface="DokChampa"/>
+        <a:font script="Sinh" typeface="Iskoola Pota"/>
+        <a:font script="Mong" typeface="Mongolian Baiti"/>
+        <a:font script="Viet" typeface="Times New Roman"/>
+        <a:font script="Uigh" typeface="Microsoft Uighur"/>
+        <a:font script="Geor" typeface="Sylfaen"/>
+        <a:font script="Armn" typeface="Arial"/>
+        <a:font script="Bugi" typeface="Leelawadee UI"/>
+        <a:font script="Bopo" typeface="Microsoft JhengHei"/>
+        <a:font script="Java" typeface="Javanese Text"/>
+        <a:font script="Lisu" typeface="Segoe UI"/>
+        <a:font script="Mymr" typeface="Myanmar Text"/>
+        <a:font script="Nkoo" typeface="Ebrima"/>
+        <a:font script="Olck" typeface="Nirmala UI"/>
+        <a:font script="Osma" typeface="Ebrima"/>
+        <a:font script="Phag" typeface="Phagspa"/>
+        <a:font script="Syrn" typeface="Estrangelo Edessa"/>
+        <a:font script="Syrj" typeface="Estrangelo Edessa"/>
+        <a:font script="Syre" typeface="Estrangelo Edessa"/>
+        <a:font script="Sora" typeface="Nirmala UI"/>
+        <a:font script="Tale" typeface="Microsoft Tai Le"/>
+        <a:font script="Talu" typeface="Microsoft New Tai Lue"/>
+        <a:font script="Tfng" typeface="Ebrima"/>
+      </a:majorFont>
+      <a:minorFont>
+        <a:latin typeface="Aptos" panose="02110004020202020204"/>
+        <a:ea typeface=""/>
+        <a:cs typeface=""/>
+        <a:font script="Jpan" typeface="游ゴシック"/>
+        <a:font script="Hang" typeface="맑은 고딕"/>
+        <a:font script="Hans" typeface="等线"/>
+        <a:font script="Hant" typeface="新細明體"/>
+        <a:font script="Arab" typeface="Arial"/>
+        <a:font script="Hebr" typeface="Arial"/>
+        <a:font script="Thai" typeface="Cordia New"/>
+        <a:font script="Ethi" typeface="Nyala"/>
+        <a:font script="Beng" typeface="Vrinda"/>
+        <a:font script="Gujr" typeface="Shruti"/>
+        <a:font script="Khmr" typeface="DaunPenh"/>
+        <a:font script="Knda" typeface="Tunga"/>
+        <a:font script="Guru" typeface="Raavi"/>
+        <a:font script="Cans" typeface="Euphemia"/>
+        <a:font script="Cher" typeface="Plantagenet Cherokee"/>
+        <a:font script="Yiii" typeface="Microsoft Yi Baiti"/>
+        <a:font script="Tibt" typeface="Microsoft Himalaya"/>
+        <a:font script="Thaa" typeface="MV Boli"/>
+        <a:font script="Deva" typeface="Mangal"/>
+        <a:font script="Telu" typeface="Gautami"/>
+        <a:font script="Taml" typeface="Latha"/>
+        <a:font script="Syrc" typeface="Estrangelo Edessa"/>
+        <a:font script="Orya" typeface="Kalinga"/>
+        <a:font script="Mlym" typeface="Kartika"/>
+        <a:font script="Laoo" typeface="DokChampa"/>
+        <a:font script="Sinh" typeface="Iskoola Pota"/>
+        <a:font script="Mong" typeface="Mongolian Baiti"/>
+        <a:font script="Viet" typeface="Arial"/>
+        <a:font script="Uigh" typeface="Microsoft Uighur"/>
+        <a:font script="Geor" typeface="Sylfaen"/>
+        <a:font script="Armn" typeface="Arial"/>
+        <a:font script="Bugi" typeface="Leelawadee UI"/>
+        <a:font script="Bopo" typeface="Microsoft JhengHei"/>
+        <a:font script="Java" typeface="Javanese Text"/>
+        <a:font script="Lisu" typeface="Segoe UI"/>
+        <a:font script="Mymr" typeface="Myanmar Text"/>
+        <a:font script="Nkoo" typeface="Ebrima"/>
+        <a:font script="Olck" typeface="Nirmala UI"/>
+        <a:font script="Osma" typeface="Ebrima"/>
+        <a:font script="Phag" typeface="Phagspa"/>
+        <a:font script="Syrn" typeface="Estrangelo Edessa"/>
+        <a:font script="Syrj" typeface="Estrangelo Edessa"/>
+        <a:font script="Syre" typeface="Estrangelo Edessa"/>
+        <a:font script="Sora" typeface="Nirmala UI"/>
+        <a:font script="Tale" typeface="Microsoft Tai Le"/>
+        <a:font script="Talu" typeface="Microsoft New Tai Lue"/>
+        <a:font script="Tfng" typeface="Ebrima"/>
+      </a:minorFont>
+    </a:fontScheme>
+    <a:fmtScheme name="Office">
+      <a:fillStyleLst>
+        <a:solidFill>
+          <a:schemeClr val="phClr"/>
+        </a:solidFill>
+        <a:gradFill rotWithShape="1">
+          <a:gsLst>
+            <a:gs pos="0">
+              <a:schemeClr val="phClr">
+                <a:lumMod val="110000"/>
+                <a:satMod val="105000"/>
+                <a:tint val="67000"/>
+              </a:schemeClr>
+            </a:gs>
+            <a:gs pos="50000">
+              <a:schemeClr val="phClr">
+                <a:lumMod val="105000"/>
+                <a:satMod val="103000"/>
+                <a:tint val="73000"/>
+              </a:schemeClr>
+            </a:gs>
+            <a:gs pos="100000">
+              <a:schemeClr val="phClr">
+                <a:lumMod val="105000"/>
+                <a:satMod val="109000"/>
+                <a:tint val="81000"/>
+              </a:schemeClr>
+            </a:gs>
+          </a:gsLst>
+          <a:lin ang="5400000" scaled="0"/>
+        </a:gradFill>
+        <a:gradFill rotWithShape="1">
+          <a:gsLst>
+            <a:gs pos="0">
+              <a:schemeClr val="phClr">
+                <a:satMod val="103000"/>
+                <a:lumMod val="102000"/>
+                <a:tint val="94000"/>
+              </a:schemeClr>
+            </a:gs>
+            <a:gs pos="50000">
+              <a:schemeClr val="phClr">
+                <a:satMod val="110000"/>
+                <a:lumMod val="100000"/>
+                <a:shade val="100000"/>
+              </a:schemeClr>
+            </a:gs>
+            <a:gs pos="100000">
+              <a:schemeClr val="phClr">
+                <a:lumMod val="99000"/>
+                <a:satMod val="120000"/>
+                <a:shade val="78000"/>
+              </a:schemeClr>
+            </a:gs>
+          </a:gsLst>
+          <a:lin ang="5400000" scaled="0"/>
+        </a:gradFill>
+      </a:fillStyleLst>
+      <a:lnStyleLst>
+        <a:ln w="12700" cap="flat" cmpd="sng" algn="ctr">
+          <a:solidFill>
+            <a:schemeClr val="phClr"/>
+          </a:solidFill>
+          <a:prstDash val="solid"/>
+          <a:miter lim="800000"/>
+        </a:ln>
+        <a:ln w="19050" cap="flat" cmpd="sng" algn="ctr">
+          <a:solidFill>
+            <a:schemeClr val="phClr"/>
+          </a:solidFill>
+          <a:prstDash val="solid"/>
+          <a:miter lim="800000"/>
+        </a:ln>
+        <a:ln w="25400" cap="flat" cmpd="sng" algn="ctr">
+          <a:solidFill>
+            <a:schemeClr val="phClr"/>
+          </a:solidFill>
+          <a:prstDash val="solid"/>
+          <a:miter lim="800000"/>
+        </a:ln>
+      </a:lnStyleLst>
+      <a:effectStyleLst>
+        <a:effectStyle>
+          <a:effectLst/>
+        </a:effectStyle>
+        <a:effectStyle>
+          <a:effectLst/>
+        </a:effectStyle>
+        <a:effectStyle>
+          <a:effectLst>
+            <a:outerShdw blurRad="57150" dist="19050" dir="5400000" algn="ctr" rotWithShape="0">
+              <a:srgbClr val="000000">
+                <a:alpha val="63000"/>
+              </a:srgbClr>
+            </a:outerShdw>
+          </a:effectLst>
+        </a:effectStyle>
+      </a:effectStyleLst>
+      <a:bgFillStyleLst>
+        <a:solidFill>
+          <a:schemeClr val="phClr"/>
+        </a:solidFill>
+        <a:solidFill>
+          <a:schemeClr val="phClr">
+            <a:tint val="95000"/>
+            <a:satMod val="170000"/>
+          </a:schemeClr>
+        </a:solidFill>
+        <a:gradFill rotWithShape="1">
+          <a:gsLst>
+            <a:gs pos="0">
+              <a:schemeClr val="phClr">
+                <a:tint val="93000"/>
+                <a:satMod val="150000"/>
+                <a:shade val="98000"/>
+                <a:lumMod val="102000"/>
+              </a:schemeClr>
+            </a:gs>
+            <a:gs pos="50000">
+              <a:schemeClr val="phClr">
+                <a:tint val="98000"/>
+                <a:satMod val="130000"/>
+                <a:shade val="90000"/>
+                <a:lumMod val="103000"/>
+              </a:schemeClr>
+            </a:gs>
+            <a:gs pos="100000">
+              <a:schemeClr val="phClr">
+                <a:shade val="63000"/>
+                <a:satMod val="120000"/>
+              </a:schemeClr>
+            </a:gs>
+          </a:gsLst>
+          <a:lin ang="5400000" scaled="0"/>
+        </a:gradFill>
+      </a:bgFillStyleLst>
+    </a:fmtScheme>
+  </a:themeElements>
+  <a:objectDefaults>
+    <a:lnDef>
+      <a:spPr/>
+      <a:bodyPr/>
+      <a:lstStyle/>
+      <a:style>
+        <a:lnRef idx="2">
+          <a:schemeClr val="accent1"/>
+        </a:lnRef>
+        <a:fillRef idx="0">
+          <a:schemeClr val="accent1"/>
+        </a:fillRef>
+        <a:effectRef idx="1">
+          <a:schemeClr val="accent1"/>
+        </a:effectRef>
+        <a:fontRef idx="minor">
+          <a:schemeClr val="tx1"/>
+        </a:fontRef>
+      </a:style>
+    </a:lnDef>
+  </a:objectDefaults>
+  <a:extraClrSchemeLst/>
+  <a:extLst>
+    <a:ext uri="{05A4C25C-085E-4340-85A3-A5531E510DB2}">
+      <thm15:themeFamily xmlns:thm15="http://schemas.microsoft.com/office/thememl/2012/main" name="Office Theme" id="{2E142A2C-CD16-42D6-873A-C26D2A0506FA}" vid="{1BDDFF52-6CD6-40A5-AB3C-68EB2F1E4D0A}"/>
+    </a:ext>
+  </a:extLst>
+</a:theme>
+</file>
+
 <file path=docMetadata/LabelInfo.xml><?xml version="1.0" encoding="utf-8"?>
 <clbl:labelList xmlns:clbl="http://schemas.microsoft.com/office/2020/mipLabelMetadata">
   <clbl:label id="{9f5c8052-b1ea-40d1-8cd5-ea0c204ca84f}" enabled="1" method="Standard" siteId="{19e51c11-d919-4a98-899d-9b9dc33f4e04}" contentBits="0" removed="0"/>

--- a/.documents/Présentation - mercredi 22 mai/Soutenance du projet.pptx
+++ b/.documents/Présentation - mercredi 22 mai/Soutenance du projet.pptx
@@ -2,16 +2,20 @@
 <file path=ppt/presentation.xml><?xml version="1.0" encoding="utf-8"?>
 <p:presentation xmlns:a="http://schemas.openxmlformats.org/drawingml/2006/main" xmlns:r="http://schemas.openxmlformats.org/officeDocument/2006/relationships" xmlns:p="http://schemas.openxmlformats.org/presentationml/2006/main" saveSubsetFonts="1">
   <p:sldMasterIdLst>
-    <p:sldMasterId id="2147483660" r:id="rId1"/>
+    <p:sldMasterId id="2147483648" r:id="rId1"/>
   </p:sldMasterIdLst>
-  <p:notesMasterIdLst>
-    <p:notesMasterId r:id="rId6"/>
-  </p:notesMasterIdLst>
   <p:sldIdLst>
     <p:sldId id="257" r:id="rId2"/>
-    <p:sldId id="259" r:id="rId3"/>
-    <p:sldId id="260" r:id="rId4"/>
-    <p:sldId id="261" r:id="rId5"/>
+    <p:sldId id="258" r:id="rId3"/>
+    <p:sldId id="259" r:id="rId4"/>
+    <p:sldId id="263" r:id="rId5"/>
+    <p:sldId id="264" r:id="rId6"/>
+    <p:sldId id="270" r:id="rId7"/>
+    <p:sldId id="265" r:id="rId8"/>
+    <p:sldId id="266" r:id="rId9"/>
+    <p:sldId id="267" r:id="rId10"/>
+    <p:sldId id="268" r:id="rId11"/>
+    <p:sldId id="269" r:id="rId12"/>
   </p:sldIdLst>
   <p:sldSz cx="12192000" cy="6858000"/>
   <p:notesSz cx="6858000" cy="9144000"/>
@@ -118,661 +122,6 @@
 </p:presentation>
 </file>
 
-<file path=ppt/notesMasters/notesMaster1.xml><?xml version="1.0" encoding="utf-8"?>
-<p:notesMaster xmlns:a="http://schemas.openxmlformats.org/drawingml/2006/main" xmlns:r="http://schemas.openxmlformats.org/officeDocument/2006/relationships" xmlns:p="http://schemas.openxmlformats.org/presentationml/2006/main">
-  <p:cSld>
-    <p:bg>
-      <p:bgRef idx="1001">
-        <a:schemeClr val="bg1"/>
-      </p:bgRef>
-    </p:bg>
-    <p:spTree>
-      <p:nvGrpSpPr>
-        <p:cNvPr id="1" name=""/>
-        <p:cNvGrpSpPr/>
-        <p:nvPr/>
-      </p:nvGrpSpPr>
-      <p:grpSpPr>
-        <a:xfrm>
-          <a:off x="0" y="0"/>
-          <a:ext cx="0" cy="0"/>
-          <a:chOff x="0" y="0"/>
-          <a:chExt cx="0" cy="0"/>
-        </a:xfrm>
-      </p:grpSpPr>
-      <p:sp>
-        <p:nvSpPr>
-          <p:cNvPr id="2" name="Espace réservé de l'en-tête 1"/>
-          <p:cNvSpPr>
-            <a:spLocks noGrp="1"/>
-          </p:cNvSpPr>
-          <p:nvPr>
-            <p:ph type="hdr" sz="quarter"/>
-          </p:nvPr>
-        </p:nvSpPr>
-        <p:spPr>
-          <a:xfrm>
-            <a:off x="0" y="0"/>
-            <a:ext cx="2971800" cy="458788"/>
-          </a:xfrm>
-          <a:prstGeom prst="rect">
-            <a:avLst/>
-          </a:prstGeom>
-        </p:spPr>
-        <p:txBody>
-          <a:bodyPr vert="horz" lIns="91440" tIns="45720" rIns="91440" bIns="45720" rtlCol="0"/>
-          <a:lstStyle>
-            <a:lvl1pPr algn="l">
-              <a:defRPr sz="1200"/>
-            </a:lvl1pPr>
-          </a:lstStyle>
-          <a:p>
-            <a:endParaRPr lang="fr-FR"/>
-          </a:p>
-        </p:txBody>
-      </p:sp>
-      <p:sp>
-        <p:nvSpPr>
-          <p:cNvPr id="3" name="Espace réservé de la date 2"/>
-          <p:cNvSpPr>
-            <a:spLocks noGrp="1"/>
-          </p:cNvSpPr>
-          <p:nvPr>
-            <p:ph type="dt" idx="1"/>
-          </p:nvPr>
-        </p:nvSpPr>
-        <p:spPr>
-          <a:xfrm>
-            <a:off x="3884613" y="0"/>
-            <a:ext cx="2971800" cy="458788"/>
-          </a:xfrm>
-          <a:prstGeom prst="rect">
-            <a:avLst/>
-          </a:prstGeom>
-        </p:spPr>
-        <p:txBody>
-          <a:bodyPr vert="horz" lIns="91440" tIns="45720" rIns="91440" bIns="45720" rtlCol="0"/>
-          <a:lstStyle>
-            <a:lvl1pPr algn="r">
-              <a:defRPr sz="1200"/>
-            </a:lvl1pPr>
-          </a:lstStyle>
-          <a:p>
-            <a:fld id="{4BE426E3-4ECB-43E4-897A-1DD0B5BA0065}" type="datetimeFigureOut">
-              <a:rPr lang="fr-FR" smtClean="0"/>
-              <a:t>17/05/2024</a:t>
-            </a:fld>
-            <a:endParaRPr lang="fr-FR"/>
-          </a:p>
-        </p:txBody>
-      </p:sp>
-      <p:sp>
-        <p:nvSpPr>
-          <p:cNvPr id="4" name="Espace réservé de l'image des diapositives 3"/>
-          <p:cNvSpPr>
-            <a:spLocks noGrp="1" noRot="1" noChangeAspect="1"/>
-          </p:cNvSpPr>
-          <p:nvPr>
-            <p:ph type="sldImg" idx="2"/>
-          </p:nvPr>
-        </p:nvSpPr>
-        <p:spPr>
-          <a:xfrm>
-            <a:off x="685800" y="1143000"/>
-            <a:ext cx="5486400" cy="3086100"/>
-          </a:xfrm>
-          <a:prstGeom prst="rect">
-            <a:avLst/>
-          </a:prstGeom>
-          <a:noFill/>
-          <a:ln w="12700">
-            <a:solidFill>
-              <a:prstClr val="black"/>
-            </a:solidFill>
-          </a:ln>
-        </p:spPr>
-        <p:txBody>
-          <a:bodyPr vert="horz" lIns="91440" tIns="45720" rIns="91440" bIns="45720" rtlCol="0" anchor="ctr"/>
-          <a:lstStyle/>
-          <a:p>
-            <a:endParaRPr lang="fr-FR"/>
-          </a:p>
-        </p:txBody>
-      </p:sp>
-      <p:sp>
-        <p:nvSpPr>
-          <p:cNvPr id="5" name="Espace réservé des notes 4"/>
-          <p:cNvSpPr>
-            <a:spLocks noGrp="1"/>
-          </p:cNvSpPr>
-          <p:nvPr>
-            <p:ph type="body" sz="quarter" idx="3"/>
-          </p:nvPr>
-        </p:nvSpPr>
-        <p:spPr>
-          <a:xfrm>
-            <a:off x="685800" y="4400550"/>
-            <a:ext cx="5486400" cy="3600450"/>
-          </a:xfrm>
-          <a:prstGeom prst="rect">
-            <a:avLst/>
-          </a:prstGeom>
-        </p:spPr>
-        <p:txBody>
-          <a:bodyPr vert="horz" lIns="91440" tIns="45720" rIns="91440" bIns="45720" rtlCol="0"/>
-          <a:lstStyle/>
-          <a:p>
-            <a:pPr lvl="0"/>
-            <a:r>
-              <a:rPr lang="fr-FR"/>
-              <a:t>Cliquez pour modifier les styles du texte du masque</a:t>
-            </a:r>
-          </a:p>
-          <a:p>
-            <a:pPr lvl="1"/>
-            <a:r>
-              <a:rPr lang="fr-FR"/>
-              <a:t>Deuxième niveau</a:t>
-            </a:r>
-          </a:p>
-          <a:p>
-            <a:pPr lvl="2"/>
-            <a:r>
-              <a:rPr lang="fr-FR"/>
-              <a:t>Troisième niveau</a:t>
-            </a:r>
-          </a:p>
-          <a:p>
-            <a:pPr lvl="3"/>
-            <a:r>
-              <a:rPr lang="fr-FR"/>
-              <a:t>Quatrième niveau</a:t>
-            </a:r>
-          </a:p>
-          <a:p>
-            <a:pPr lvl="4"/>
-            <a:r>
-              <a:rPr lang="fr-FR"/>
-              <a:t>Cinquième niveau</a:t>
-            </a:r>
-          </a:p>
-        </p:txBody>
-      </p:sp>
-      <p:sp>
-        <p:nvSpPr>
-          <p:cNvPr id="6" name="Espace réservé du pied de page 5"/>
-          <p:cNvSpPr>
-            <a:spLocks noGrp="1"/>
-          </p:cNvSpPr>
-          <p:nvPr>
-            <p:ph type="ftr" sz="quarter" idx="4"/>
-          </p:nvPr>
-        </p:nvSpPr>
-        <p:spPr>
-          <a:xfrm>
-            <a:off x="0" y="8685213"/>
-            <a:ext cx="2971800" cy="458787"/>
-          </a:xfrm>
-          <a:prstGeom prst="rect">
-            <a:avLst/>
-          </a:prstGeom>
-        </p:spPr>
-        <p:txBody>
-          <a:bodyPr vert="horz" lIns="91440" tIns="45720" rIns="91440" bIns="45720" rtlCol="0" anchor="b"/>
-          <a:lstStyle>
-            <a:lvl1pPr algn="l">
-              <a:defRPr sz="1200"/>
-            </a:lvl1pPr>
-          </a:lstStyle>
-          <a:p>
-            <a:endParaRPr lang="fr-FR"/>
-          </a:p>
-        </p:txBody>
-      </p:sp>
-      <p:sp>
-        <p:nvSpPr>
-          <p:cNvPr id="7" name="Espace réservé du numéro de diapositive 6"/>
-          <p:cNvSpPr>
-            <a:spLocks noGrp="1"/>
-          </p:cNvSpPr>
-          <p:nvPr>
-            <p:ph type="sldNum" sz="quarter" idx="5"/>
-          </p:nvPr>
-        </p:nvSpPr>
-        <p:spPr>
-          <a:xfrm>
-            <a:off x="3884613" y="8685213"/>
-            <a:ext cx="2971800" cy="458787"/>
-          </a:xfrm>
-          <a:prstGeom prst="rect">
-            <a:avLst/>
-          </a:prstGeom>
-        </p:spPr>
-        <p:txBody>
-          <a:bodyPr vert="horz" lIns="91440" tIns="45720" rIns="91440" bIns="45720" rtlCol="0" anchor="b"/>
-          <a:lstStyle>
-            <a:lvl1pPr algn="r">
-              <a:defRPr sz="1200"/>
-            </a:lvl1pPr>
-          </a:lstStyle>
-          <a:p>
-            <a:fld id="{6FCD5C08-D862-4437-A41E-6C335EA9187E}" type="slidenum">
-              <a:rPr lang="fr-FR" smtClean="0"/>
-              <a:t>‹N°›</a:t>
-            </a:fld>
-            <a:endParaRPr lang="fr-FR"/>
-          </a:p>
-        </p:txBody>
-      </p:sp>
-    </p:spTree>
-    <p:extLst>
-      <p:ext uri="{BB962C8B-B14F-4D97-AF65-F5344CB8AC3E}">
-        <p14:creationId xmlns:p14="http://schemas.microsoft.com/office/powerpoint/2010/main" val="3294376159"/>
-      </p:ext>
-    </p:extLst>
-  </p:cSld>
-  <p:clrMap bg1="lt1" tx1="dk1" bg2="lt2" tx2="dk2" accent1="accent1" accent2="accent2" accent3="accent3" accent4="accent4" accent5="accent5" accent6="accent6" hlink="hlink" folHlink="folHlink"/>
-  <p:notesStyle>
-    <a:lvl1pPr marL="0" algn="l" defTabSz="914400" rtl="0" eaLnBrk="1" latinLnBrk="0" hangingPunct="1">
-      <a:defRPr sz="1200" kern="1200">
-        <a:solidFill>
-          <a:schemeClr val="tx1"/>
-        </a:solidFill>
-        <a:latin typeface="+mn-lt"/>
-        <a:ea typeface="+mn-ea"/>
-        <a:cs typeface="+mn-cs"/>
-      </a:defRPr>
-    </a:lvl1pPr>
-    <a:lvl2pPr marL="457200" algn="l" defTabSz="914400" rtl="0" eaLnBrk="1" latinLnBrk="0" hangingPunct="1">
-      <a:defRPr sz="1200" kern="1200">
-        <a:solidFill>
-          <a:schemeClr val="tx1"/>
-        </a:solidFill>
-        <a:latin typeface="+mn-lt"/>
-        <a:ea typeface="+mn-ea"/>
-        <a:cs typeface="+mn-cs"/>
-      </a:defRPr>
-    </a:lvl2pPr>
-    <a:lvl3pPr marL="914400" algn="l" defTabSz="914400" rtl="0" eaLnBrk="1" latinLnBrk="0" hangingPunct="1">
-      <a:defRPr sz="1200" kern="1200">
-        <a:solidFill>
-          <a:schemeClr val="tx1"/>
-        </a:solidFill>
-        <a:latin typeface="+mn-lt"/>
-        <a:ea typeface="+mn-ea"/>
-        <a:cs typeface="+mn-cs"/>
-      </a:defRPr>
-    </a:lvl3pPr>
-    <a:lvl4pPr marL="1371600" algn="l" defTabSz="914400" rtl="0" eaLnBrk="1" latinLnBrk="0" hangingPunct="1">
-      <a:defRPr sz="1200" kern="1200">
-        <a:solidFill>
-          <a:schemeClr val="tx1"/>
-        </a:solidFill>
-        <a:latin typeface="+mn-lt"/>
-        <a:ea typeface="+mn-ea"/>
-        <a:cs typeface="+mn-cs"/>
-      </a:defRPr>
-    </a:lvl4pPr>
-    <a:lvl5pPr marL="1828800" algn="l" defTabSz="914400" rtl="0" eaLnBrk="1" latinLnBrk="0" hangingPunct="1">
-      <a:defRPr sz="1200" kern="1200">
-        <a:solidFill>
-          <a:schemeClr val="tx1"/>
-        </a:solidFill>
-        <a:latin typeface="+mn-lt"/>
-        <a:ea typeface="+mn-ea"/>
-        <a:cs typeface="+mn-cs"/>
-      </a:defRPr>
-    </a:lvl5pPr>
-    <a:lvl6pPr marL="2286000" algn="l" defTabSz="914400" rtl="0" eaLnBrk="1" latinLnBrk="0" hangingPunct="1">
-      <a:defRPr sz="1200" kern="1200">
-        <a:solidFill>
-          <a:schemeClr val="tx1"/>
-        </a:solidFill>
-        <a:latin typeface="+mn-lt"/>
-        <a:ea typeface="+mn-ea"/>
-        <a:cs typeface="+mn-cs"/>
-      </a:defRPr>
-    </a:lvl6pPr>
-    <a:lvl7pPr marL="2743200" algn="l" defTabSz="914400" rtl="0" eaLnBrk="1" latinLnBrk="0" hangingPunct="1">
-      <a:defRPr sz="1200" kern="1200">
-        <a:solidFill>
-          <a:schemeClr val="tx1"/>
-        </a:solidFill>
-        <a:latin typeface="+mn-lt"/>
-        <a:ea typeface="+mn-ea"/>
-        <a:cs typeface="+mn-cs"/>
-      </a:defRPr>
-    </a:lvl7pPr>
-    <a:lvl8pPr marL="3200400" algn="l" defTabSz="914400" rtl="0" eaLnBrk="1" latinLnBrk="0" hangingPunct="1">
-      <a:defRPr sz="1200" kern="1200">
-        <a:solidFill>
-          <a:schemeClr val="tx1"/>
-        </a:solidFill>
-        <a:latin typeface="+mn-lt"/>
-        <a:ea typeface="+mn-ea"/>
-        <a:cs typeface="+mn-cs"/>
-      </a:defRPr>
-    </a:lvl8pPr>
-    <a:lvl9pPr marL="3657600" algn="l" defTabSz="914400" rtl="0" eaLnBrk="1" latinLnBrk="0" hangingPunct="1">
-      <a:defRPr sz="1200" kern="1200">
-        <a:solidFill>
-          <a:schemeClr val="tx1"/>
-        </a:solidFill>
-        <a:latin typeface="+mn-lt"/>
-        <a:ea typeface="+mn-ea"/>
-        <a:cs typeface="+mn-cs"/>
-      </a:defRPr>
-    </a:lvl9pPr>
-  </p:notesStyle>
-</p:notesMaster>
-</file>
-
-<file path=ppt/notesSlides/notesSlide1.xml><?xml version="1.0" encoding="utf-8"?>
-<p:notes xmlns:a="http://schemas.openxmlformats.org/drawingml/2006/main" xmlns:r="http://schemas.openxmlformats.org/officeDocument/2006/relationships" xmlns:p="http://schemas.openxmlformats.org/presentationml/2006/main">
-  <p:cSld>
-    <p:spTree>
-      <p:nvGrpSpPr>
-        <p:cNvPr id="1" name=""/>
-        <p:cNvGrpSpPr/>
-        <p:nvPr/>
-      </p:nvGrpSpPr>
-      <p:grpSpPr>
-        <a:xfrm>
-          <a:off x="0" y="0"/>
-          <a:ext cx="0" cy="0"/>
-          <a:chOff x="0" y="0"/>
-          <a:chExt cx="0" cy="0"/>
-        </a:xfrm>
-      </p:grpSpPr>
-      <p:sp>
-        <p:nvSpPr>
-          <p:cNvPr id="2" name="Espace réservé de l'image des diapositives 1"/>
-          <p:cNvSpPr>
-            <a:spLocks noGrp="1" noRot="1" noChangeAspect="1"/>
-          </p:cNvSpPr>
-          <p:nvPr>
-            <p:ph type="sldImg"/>
-          </p:nvPr>
-        </p:nvSpPr>
-        <p:spPr/>
-      </p:sp>
-      <p:sp>
-        <p:nvSpPr>
-          <p:cNvPr id="3" name="Espace réservé des notes 2"/>
-          <p:cNvSpPr>
-            <a:spLocks noGrp="1"/>
-          </p:cNvSpPr>
-          <p:nvPr>
-            <p:ph type="body" idx="1"/>
-          </p:nvPr>
-        </p:nvSpPr>
-        <p:spPr/>
-        <p:txBody>
-          <a:bodyPr/>
-          <a:lstStyle/>
-          <a:p>
-            <a:pPr marL="171450" indent="-171450">
-              <a:buFontTx/>
-              <a:buChar char="-"/>
-            </a:pPr>
-            <a:r>
-              <a:rPr lang="fr-FR" dirty="0"/>
-              <a:t>Introduction</a:t>
-            </a:r>
-          </a:p>
-          <a:p>
-            <a:pPr marL="628650" lvl="1" indent="-171450">
-              <a:buFontTx/>
-              <a:buChar char="-"/>
-            </a:pPr>
-            <a:r>
-              <a:rPr lang="fr-FR" dirty="0"/>
-              <a:t>Expliquer le projet de façon non-technique</a:t>
-            </a:r>
-          </a:p>
-          <a:p>
-            <a:pPr marL="1085850" lvl="2" indent="-171450">
-              <a:buFontTx/>
-              <a:buChar char="-"/>
-            </a:pPr>
-            <a:r>
-              <a:rPr lang="fr-FR" dirty="0"/>
-              <a:t>Concept / Fonctionnalités</a:t>
-            </a:r>
-          </a:p>
-          <a:p>
-            <a:pPr marL="1085850" lvl="2" indent="-171450">
-              <a:buFontTx/>
-              <a:buChar char="-"/>
-            </a:pPr>
-            <a:r>
-              <a:rPr lang="fr-FR" dirty="0"/>
-              <a:t>Ambitions</a:t>
-            </a:r>
-          </a:p>
-          <a:p>
-            <a:pPr marL="914400" lvl="2" indent="0">
-              <a:buFontTx/>
-              <a:buNone/>
-            </a:pPr>
-            <a:endParaRPr lang="fr-FR" dirty="0"/>
-          </a:p>
-          <a:p>
-            <a:pPr marL="171450" indent="-171450">
-              <a:buFontTx/>
-              <a:buChar char="-"/>
-            </a:pPr>
-            <a:r>
-              <a:rPr lang="fr-FR" dirty="0"/>
-              <a:t>Vie du projet</a:t>
-            </a:r>
-          </a:p>
-          <a:p>
-            <a:pPr marL="628650" lvl="1" indent="-171450">
-              <a:buFontTx/>
-              <a:buChar char="-"/>
-            </a:pPr>
-            <a:r>
-              <a:rPr lang="fr-FR" dirty="0"/>
-              <a:t>Organisation interne</a:t>
-            </a:r>
-          </a:p>
-          <a:p>
-            <a:pPr marL="628650" lvl="1" indent="-171450">
-              <a:buFontTx/>
-              <a:buChar char="-"/>
-            </a:pPr>
-            <a:r>
-              <a:rPr lang="fr-FR" dirty="0"/>
-              <a:t>Architecture technique de la solution (</a:t>
-            </a:r>
-            <a:r>
-              <a:rPr lang="fr-FR" b="1" dirty="0"/>
-              <a:t>ne pas montrer de lignes de code</a:t>
-            </a:r>
-            <a:r>
-              <a:rPr lang="fr-FR" dirty="0"/>
-              <a:t>)</a:t>
-            </a:r>
-          </a:p>
-          <a:p>
-            <a:pPr marL="628650" lvl="1" indent="-171450">
-              <a:buFontTx/>
-              <a:buChar char="-"/>
-            </a:pPr>
-            <a:r>
-              <a:rPr lang="fr-FR" dirty="0"/>
-              <a:t>Présenter l’expérience</a:t>
-            </a:r>
-          </a:p>
-          <a:p>
-            <a:pPr marL="628650" lvl="1" indent="-171450">
-              <a:buFontTx/>
-              <a:buChar char="-"/>
-            </a:pPr>
-            <a:endParaRPr lang="fr-FR" dirty="0"/>
-          </a:p>
-          <a:p>
-            <a:pPr marL="171450" indent="-171450">
-              <a:buFontTx/>
-              <a:buChar char="-"/>
-            </a:pPr>
-            <a:r>
-              <a:rPr lang="fr-FR" dirty="0"/>
-              <a:t>Conclusion</a:t>
-            </a:r>
-          </a:p>
-          <a:p>
-            <a:pPr marL="628650" lvl="1" indent="-171450">
-              <a:buFontTx/>
-              <a:buChar char="-"/>
-            </a:pPr>
-            <a:r>
-              <a:rPr lang="fr-FR" dirty="0"/>
-              <a:t>Bilan individuel </a:t>
-            </a:r>
-            <a:r>
-              <a:rPr lang="fr-FR" b="1" dirty="0"/>
-              <a:t>de chacun</a:t>
-            </a:r>
-            <a:endParaRPr lang="fr-FR" b="0" dirty="0"/>
-          </a:p>
-          <a:p>
-            <a:pPr marL="628650" lvl="1" indent="-171450">
-              <a:buFontTx/>
-              <a:buChar char="-"/>
-            </a:pPr>
-            <a:endParaRPr lang="fr-FR" dirty="0"/>
-          </a:p>
-          <a:p>
-            <a:pPr marL="171450" indent="-171450">
-              <a:buFontTx/>
-              <a:buChar char="-"/>
-            </a:pPr>
-            <a:endParaRPr lang="fr-FR" dirty="0"/>
-          </a:p>
-          <a:p>
-            <a:pPr marL="171450" indent="-171450">
-              <a:buFontTx/>
-              <a:buChar char="-"/>
-            </a:pPr>
-            <a:r>
-              <a:rPr lang="fr-FR" dirty="0"/>
-              <a:t>/!\ Besoin </a:t>
-            </a:r>
-            <a:r>
-              <a:rPr lang="fr-FR" b="1" dirty="0"/>
-              <a:t>DONC</a:t>
-            </a:r>
-            <a:r>
-              <a:rPr lang="fr-FR" dirty="0"/>
-              <a:t> choix  -  Toujours présenter les choses de la sorte. </a:t>
-            </a:r>
-          </a:p>
-          <a:p>
-            <a:pPr marL="171450" marR="0" lvl="0" indent="-171450" algn="l" defTabSz="914400" rtl="0" eaLnBrk="1" fontAlgn="auto" latinLnBrk="0" hangingPunct="1">
-              <a:lnSpc>
-                <a:spcPct val="100000"/>
-              </a:lnSpc>
-              <a:spcBef>
-                <a:spcPts val="0"/>
-              </a:spcBef>
-              <a:spcAft>
-                <a:spcPts val="0"/>
-              </a:spcAft>
-              <a:buClrTx/>
-              <a:buSzTx/>
-              <a:buFontTx/>
-              <a:buChar char="-"/>
-              <a:tabLst/>
-              <a:defRPr/>
-            </a:pPr>
-            <a:r>
-              <a:rPr lang="fr-FR" dirty="0"/>
-              <a:t>20 minutes, on est 8</a:t>
-            </a:r>
-          </a:p>
-          <a:p>
-            <a:pPr marL="171450" marR="0" lvl="0" indent="-171450" algn="l" defTabSz="914400" rtl="0" eaLnBrk="1" fontAlgn="auto" latinLnBrk="0" hangingPunct="1">
-              <a:lnSpc>
-                <a:spcPct val="100000"/>
-              </a:lnSpc>
-              <a:spcBef>
-                <a:spcPts val="0"/>
-              </a:spcBef>
-              <a:spcAft>
-                <a:spcPts val="0"/>
-              </a:spcAft>
-              <a:buClrTx/>
-              <a:buSzTx/>
-              <a:buFontTx/>
-              <a:buChar char="-"/>
-              <a:tabLst/>
-              <a:defRPr/>
-            </a:pPr>
-            <a:endParaRPr lang="fr-FR" dirty="0"/>
-          </a:p>
-          <a:p>
-            <a:pPr marL="171450" marR="0" lvl="0" indent="-171450" algn="l" defTabSz="914400" rtl="0" eaLnBrk="1" fontAlgn="auto" latinLnBrk="0" hangingPunct="1">
-              <a:lnSpc>
-                <a:spcPct val="100000"/>
-              </a:lnSpc>
-              <a:spcBef>
-                <a:spcPts val="0"/>
-              </a:spcBef>
-              <a:spcAft>
-                <a:spcPts val="0"/>
-              </a:spcAft>
-              <a:buClrTx/>
-              <a:buSzTx/>
-              <a:buFontTx/>
-              <a:buChar char="-"/>
-              <a:tabLst/>
-              <a:defRPr/>
-            </a:pPr>
-            <a:r>
-              <a:rPr lang="fr-FR" dirty="0"/>
-              <a:t>Pas de « à ce jour »</a:t>
-            </a:r>
-          </a:p>
-        </p:txBody>
-      </p:sp>
-      <p:sp>
-        <p:nvSpPr>
-          <p:cNvPr id="4" name="Espace réservé du numéro de diapositive 3"/>
-          <p:cNvSpPr>
-            <a:spLocks noGrp="1"/>
-          </p:cNvSpPr>
-          <p:nvPr>
-            <p:ph type="sldNum" sz="quarter" idx="5"/>
-          </p:nvPr>
-        </p:nvSpPr>
-        <p:spPr/>
-        <p:txBody>
-          <a:bodyPr/>
-          <a:lstStyle/>
-          <a:p>
-            <a:fld id="{6FCD5C08-D862-4437-A41E-6C335EA9187E}" type="slidenum">
-              <a:rPr lang="fr-FR" smtClean="0"/>
-              <a:t>1</a:t>
-            </a:fld>
-            <a:endParaRPr lang="fr-FR"/>
-          </a:p>
-        </p:txBody>
-      </p:sp>
-    </p:spTree>
-    <p:extLst>
-      <p:ext uri="{BB962C8B-B14F-4D97-AF65-F5344CB8AC3E}">
-        <p14:creationId xmlns:p14="http://schemas.microsoft.com/office/powerpoint/2010/main" val="2229558097"/>
-      </p:ext>
-    </p:extLst>
-  </p:cSld>
-  <p:clrMapOvr>
-    <a:masterClrMapping/>
-  </p:clrMapOvr>
-</p:notes>
-</file>
-
 <file path=ppt/slideLayouts/slideLayout1.xml><?xml version="1.0" encoding="utf-8"?>
 <p:sldLayout xmlns:a="http://schemas.openxmlformats.org/drawingml/2006/main" xmlns:r="http://schemas.openxmlformats.org/officeDocument/2006/relationships" xmlns:p="http://schemas.openxmlformats.org/presentationml/2006/main" type="title" preserve="1">
   <p:cSld name="Diapositive de titre">
@@ -795,7 +144,7 @@
           <p:cNvPr id="2" name="Titre 1">
             <a:extLst>
               <a:ext uri="{FF2B5EF4-FFF2-40B4-BE49-F238E27FC236}">
-                <a16:creationId xmlns:a16="http://schemas.microsoft.com/office/drawing/2014/main" id="{C114A2CE-328E-48FE-1123-50E7D999E3F9}"/>
+                <a16:creationId xmlns:a16="http://schemas.microsoft.com/office/drawing/2014/main" id="{EBE71268-F8C4-27A5-3BA2-D54106931D0A}"/>
               </a:ext>
             </a:extLst>
           </p:cNvPr>
@@ -832,7 +181,7 @@
           <p:cNvPr id="3" name="Sous-titre 2">
             <a:extLst>
               <a:ext uri="{FF2B5EF4-FFF2-40B4-BE49-F238E27FC236}">
-                <a16:creationId xmlns:a16="http://schemas.microsoft.com/office/drawing/2014/main" id="{66712E5F-A27F-646C-9286-4773A42FB461}"/>
+                <a16:creationId xmlns:a16="http://schemas.microsoft.com/office/drawing/2014/main" id="{53F9258F-CDAF-428E-467A-0FA8B269B93A}"/>
               </a:ext>
             </a:extLst>
           </p:cNvPr>
@@ -902,7 +251,7 @@
           <p:cNvPr id="4" name="Espace réservé de la date 3">
             <a:extLst>
               <a:ext uri="{FF2B5EF4-FFF2-40B4-BE49-F238E27FC236}">
-                <a16:creationId xmlns:a16="http://schemas.microsoft.com/office/drawing/2014/main" id="{7B195FF1-6A6B-866F-8E09-7BBC3EE65F32}"/>
+                <a16:creationId xmlns:a16="http://schemas.microsoft.com/office/drawing/2014/main" id="{E63350C7-E9E9-1ED2-04E7-4914B8B6E827}"/>
               </a:ext>
             </a:extLst>
           </p:cNvPr>
@@ -920,7 +269,7 @@
           <a:p>
             <a:fld id="{B35E8903-3DB0-4D62-9C06-CFA6198553C9}" type="datetimeFigureOut">
               <a:rPr lang="fr-FR" smtClean="0"/>
-              <a:t>17/05/2024</a:t>
+              <a:t>14/05/2024</a:t>
             </a:fld>
             <a:endParaRPr lang="fr-FR"/>
           </a:p>
@@ -931,7 +280,7 @@
           <p:cNvPr id="5" name="Espace réservé du pied de page 4">
             <a:extLst>
               <a:ext uri="{FF2B5EF4-FFF2-40B4-BE49-F238E27FC236}">
-                <a16:creationId xmlns:a16="http://schemas.microsoft.com/office/drawing/2014/main" id="{E2B1475C-8A41-1E8A-7C9C-876F0BAE7394}"/>
+                <a16:creationId xmlns:a16="http://schemas.microsoft.com/office/drawing/2014/main" id="{E13F2A76-F458-96E6-FFAB-D4764B4F165E}"/>
               </a:ext>
             </a:extLst>
           </p:cNvPr>
@@ -956,7 +305,7 @@
           <p:cNvPr id="6" name="Espace réservé du numéro de diapositive 5">
             <a:extLst>
               <a:ext uri="{FF2B5EF4-FFF2-40B4-BE49-F238E27FC236}">
-                <a16:creationId xmlns:a16="http://schemas.microsoft.com/office/drawing/2014/main" id="{E91B629E-42FF-759D-3056-93313625A853}"/>
+                <a16:creationId xmlns:a16="http://schemas.microsoft.com/office/drawing/2014/main" id="{551377DE-5AE4-AC58-4C11-80A36148E4CD}"/>
               </a:ext>
             </a:extLst>
           </p:cNvPr>
@@ -983,7 +332,7 @@
     </p:spTree>
     <p:extLst>
       <p:ext uri="{BB962C8B-B14F-4D97-AF65-F5344CB8AC3E}">
-        <p14:creationId xmlns:p14="http://schemas.microsoft.com/office/powerpoint/2010/main" val="3581307203"/>
+        <p14:creationId xmlns:p14="http://schemas.microsoft.com/office/powerpoint/2010/main" val="1244105259"/>
       </p:ext>
     </p:extLst>
   </p:cSld>
@@ -1018,7 +367,7 @@
           <p:cNvPr id="2" name="Titre 1">
             <a:extLst>
               <a:ext uri="{FF2B5EF4-FFF2-40B4-BE49-F238E27FC236}">
-                <a16:creationId xmlns:a16="http://schemas.microsoft.com/office/drawing/2014/main" id="{8D3A7A82-123F-1E44-FF95-461FB6E4B521}"/>
+                <a16:creationId xmlns:a16="http://schemas.microsoft.com/office/drawing/2014/main" id="{AE889FE2-6629-CFAD-1FA7-AE6172E4F83B}"/>
               </a:ext>
             </a:extLst>
           </p:cNvPr>
@@ -1046,7 +395,7 @@
           <p:cNvPr id="3" name="Espace réservé du texte vertical 2">
             <a:extLst>
               <a:ext uri="{FF2B5EF4-FFF2-40B4-BE49-F238E27FC236}">
-                <a16:creationId xmlns:a16="http://schemas.microsoft.com/office/drawing/2014/main" id="{F6F289E5-8365-AA43-2DDA-067218809025}"/>
+                <a16:creationId xmlns:a16="http://schemas.microsoft.com/office/drawing/2014/main" id="{C39B0538-E481-6474-44B4-DF308E34AEEE}"/>
               </a:ext>
             </a:extLst>
           </p:cNvPr>
@@ -1103,7 +452,7 @@
           <p:cNvPr id="4" name="Espace réservé de la date 3">
             <a:extLst>
               <a:ext uri="{FF2B5EF4-FFF2-40B4-BE49-F238E27FC236}">
-                <a16:creationId xmlns:a16="http://schemas.microsoft.com/office/drawing/2014/main" id="{21F56685-53C2-E292-B101-82B3420FCAA4}"/>
+                <a16:creationId xmlns:a16="http://schemas.microsoft.com/office/drawing/2014/main" id="{3D63633F-1D68-CA9C-E05A-F37AE2E3083D}"/>
               </a:ext>
             </a:extLst>
           </p:cNvPr>
@@ -1121,7 +470,7 @@
           <a:p>
             <a:fld id="{B35E8903-3DB0-4D62-9C06-CFA6198553C9}" type="datetimeFigureOut">
               <a:rPr lang="fr-FR" smtClean="0"/>
-              <a:t>17/05/2024</a:t>
+              <a:t>14/05/2024</a:t>
             </a:fld>
             <a:endParaRPr lang="fr-FR"/>
           </a:p>
@@ -1132,7 +481,7 @@
           <p:cNvPr id="5" name="Espace réservé du pied de page 4">
             <a:extLst>
               <a:ext uri="{FF2B5EF4-FFF2-40B4-BE49-F238E27FC236}">
-                <a16:creationId xmlns:a16="http://schemas.microsoft.com/office/drawing/2014/main" id="{E26417B1-53B0-7EE6-F41A-2E7853EED994}"/>
+                <a16:creationId xmlns:a16="http://schemas.microsoft.com/office/drawing/2014/main" id="{BA2D2CEA-6860-197B-69A1-972DD9B5C1EC}"/>
               </a:ext>
             </a:extLst>
           </p:cNvPr>
@@ -1157,7 +506,7 @@
           <p:cNvPr id="6" name="Espace réservé du numéro de diapositive 5">
             <a:extLst>
               <a:ext uri="{FF2B5EF4-FFF2-40B4-BE49-F238E27FC236}">
-                <a16:creationId xmlns:a16="http://schemas.microsoft.com/office/drawing/2014/main" id="{B2794A90-9749-E84A-12DF-9A7B6D069DB6}"/>
+                <a16:creationId xmlns:a16="http://schemas.microsoft.com/office/drawing/2014/main" id="{EB641901-26B5-C78A-13FC-0BD46A7E03FD}"/>
               </a:ext>
             </a:extLst>
           </p:cNvPr>
@@ -1184,7 +533,7 @@
     </p:spTree>
     <p:extLst>
       <p:ext uri="{BB962C8B-B14F-4D97-AF65-F5344CB8AC3E}">
-        <p14:creationId xmlns:p14="http://schemas.microsoft.com/office/powerpoint/2010/main" val="150047793"/>
+        <p14:creationId xmlns:p14="http://schemas.microsoft.com/office/powerpoint/2010/main" val="3742743222"/>
       </p:ext>
     </p:extLst>
   </p:cSld>
@@ -1219,7 +568,7 @@
           <p:cNvPr id="2" name="Titre vertical 1">
             <a:extLst>
               <a:ext uri="{FF2B5EF4-FFF2-40B4-BE49-F238E27FC236}">
-                <a16:creationId xmlns:a16="http://schemas.microsoft.com/office/drawing/2014/main" id="{7979CDD2-96E2-A1A5-0FC2-E72B28C5E451}"/>
+                <a16:creationId xmlns:a16="http://schemas.microsoft.com/office/drawing/2014/main" id="{02FA59C5-6AFA-F4C5-14A2-6F63CA78D10D}"/>
               </a:ext>
             </a:extLst>
           </p:cNvPr>
@@ -1252,7 +601,7 @@
           <p:cNvPr id="3" name="Espace réservé du texte vertical 2">
             <a:extLst>
               <a:ext uri="{FF2B5EF4-FFF2-40B4-BE49-F238E27FC236}">
-                <a16:creationId xmlns:a16="http://schemas.microsoft.com/office/drawing/2014/main" id="{6595D776-D672-1D96-B4CF-B6DAAE6591BF}"/>
+                <a16:creationId xmlns:a16="http://schemas.microsoft.com/office/drawing/2014/main" id="{885DB13F-7B37-5A58-35AF-7B25DA2CD49A}"/>
               </a:ext>
             </a:extLst>
           </p:cNvPr>
@@ -1314,7 +663,7 @@
           <p:cNvPr id="4" name="Espace réservé de la date 3">
             <a:extLst>
               <a:ext uri="{FF2B5EF4-FFF2-40B4-BE49-F238E27FC236}">
-                <a16:creationId xmlns:a16="http://schemas.microsoft.com/office/drawing/2014/main" id="{B3964A41-D8D4-7FBA-A5EF-C122BF7351CB}"/>
+                <a16:creationId xmlns:a16="http://schemas.microsoft.com/office/drawing/2014/main" id="{EF7BFC4A-8874-6AA9-3388-9B2DF2564FFC}"/>
               </a:ext>
             </a:extLst>
           </p:cNvPr>
@@ -1332,7 +681,7 @@
           <a:p>
             <a:fld id="{B35E8903-3DB0-4D62-9C06-CFA6198553C9}" type="datetimeFigureOut">
               <a:rPr lang="fr-FR" smtClean="0"/>
-              <a:t>17/05/2024</a:t>
+              <a:t>14/05/2024</a:t>
             </a:fld>
             <a:endParaRPr lang="fr-FR"/>
           </a:p>
@@ -1343,7 +692,7 @@
           <p:cNvPr id="5" name="Espace réservé du pied de page 4">
             <a:extLst>
               <a:ext uri="{FF2B5EF4-FFF2-40B4-BE49-F238E27FC236}">
-                <a16:creationId xmlns:a16="http://schemas.microsoft.com/office/drawing/2014/main" id="{57B2CB7D-2C30-C135-A7A6-494FDED34F89}"/>
+                <a16:creationId xmlns:a16="http://schemas.microsoft.com/office/drawing/2014/main" id="{B88C2DC4-8722-39FD-0CC5-3EA43B8464E3}"/>
               </a:ext>
             </a:extLst>
           </p:cNvPr>
@@ -1368,7 +717,7 @@
           <p:cNvPr id="6" name="Espace réservé du numéro de diapositive 5">
             <a:extLst>
               <a:ext uri="{FF2B5EF4-FFF2-40B4-BE49-F238E27FC236}">
-                <a16:creationId xmlns:a16="http://schemas.microsoft.com/office/drawing/2014/main" id="{6AD7BFD7-F3C4-0F44-7302-9948AC7AFF3B}"/>
+                <a16:creationId xmlns:a16="http://schemas.microsoft.com/office/drawing/2014/main" id="{73711FF2-61AE-0112-DEA6-608A9F6B44C7}"/>
               </a:ext>
             </a:extLst>
           </p:cNvPr>
@@ -1395,7 +744,7 @@
     </p:spTree>
     <p:extLst>
       <p:ext uri="{BB962C8B-B14F-4D97-AF65-F5344CB8AC3E}">
-        <p14:creationId xmlns:p14="http://schemas.microsoft.com/office/powerpoint/2010/main" val="2370899903"/>
+        <p14:creationId xmlns:p14="http://schemas.microsoft.com/office/powerpoint/2010/main" val="2857156573"/>
       </p:ext>
     </p:extLst>
   </p:cSld>
@@ -1430,7 +779,7 @@
           <p:cNvPr id="2" name="Titre 1">
             <a:extLst>
               <a:ext uri="{FF2B5EF4-FFF2-40B4-BE49-F238E27FC236}">
-                <a16:creationId xmlns:a16="http://schemas.microsoft.com/office/drawing/2014/main" id="{441150BE-F507-4E44-7C57-95B67E8B838D}"/>
+                <a16:creationId xmlns:a16="http://schemas.microsoft.com/office/drawing/2014/main" id="{D112EBC0-4C92-A1AA-DEF9-DF904B1404BA}"/>
               </a:ext>
             </a:extLst>
           </p:cNvPr>
@@ -1458,7 +807,7 @@
           <p:cNvPr id="3" name="Espace réservé du contenu 2">
             <a:extLst>
               <a:ext uri="{FF2B5EF4-FFF2-40B4-BE49-F238E27FC236}">
-                <a16:creationId xmlns:a16="http://schemas.microsoft.com/office/drawing/2014/main" id="{2118E82F-AD7A-3082-FAF8-5F580BCFC3FB}"/>
+                <a16:creationId xmlns:a16="http://schemas.microsoft.com/office/drawing/2014/main" id="{FD0B16AC-4B63-0FFB-8362-B1396B8F9396}"/>
               </a:ext>
             </a:extLst>
           </p:cNvPr>
@@ -1515,7 +864,7 @@
           <p:cNvPr id="4" name="Espace réservé de la date 3">
             <a:extLst>
               <a:ext uri="{FF2B5EF4-FFF2-40B4-BE49-F238E27FC236}">
-                <a16:creationId xmlns:a16="http://schemas.microsoft.com/office/drawing/2014/main" id="{7CADBD1E-56BE-7ED5-F852-57DAE3BFE649}"/>
+                <a16:creationId xmlns:a16="http://schemas.microsoft.com/office/drawing/2014/main" id="{4B65AB7E-1E56-4014-624E-B44A9C5D2163}"/>
               </a:ext>
             </a:extLst>
           </p:cNvPr>
@@ -1533,7 +882,7 @@
           <a:p>
             <a:fld id="{B35E8903-3DB0-4D62-9C06-CFA6198553C9}" type="datetimeFigureOut">
               <a:rPr lang="fr-FR" smtClean="0"/>
-              <a:t>17/05/2024</a:t>
+              <a:t>14/05/2024</a:t>
             </a:fld>
             <a:endParaRPr lang="fr-FR"/>
           </a:p>
@@ -1544,7 +893,7 @@
           <p:cNvPr id="5" name="Espace réservé du pied de page 4">
             <a:extLst>
               <a:ext uri="{FF2B5EF4-FFF2-40B4-BE49-F238E27FC236}">
-                <a16:creationId xmlns:a16="http://schemas.microsoft.com/office/drawing/2014/main" id="{3DFC4068-45CD-2D8E-AED0-0BEB74245167}"/>
+                <a16:creationId xmlns:a16="http://schemas.microsoft.com/office/drawing/2014/main" id="{481F408E-E510-2D8A-AD11-2EA27ACBEF98}"/>
               </a:ext>
             </a:extLst>
           </p:cNvPr>
@@ -1569,7 +918,7 @@
           <p:cNvPr id="6" name="Espace réservé du numéro de diapositive 5">
             <a:extLst>
               <a:ext uri="{FF2B5EF4-FFF2-40B4-BE49-F238E27FC236}">
-                <a16:creationId xmlns:a16="http://schemas.microsoft.com/office/drawing/2014/main" id="{F2F531DC-45C5-0759-07A9-CBADC1AEECAA}"/>
+                <a16:creationId xmlns:a16="http://schemas.microsoft.com/office/drawing/2014/main" id="{184A1C1A-37E3-9B6E-A7F3-863FDBDDE310}"/>
               </a:ext>
             </a:extLst>
           </p:cNvPr>
@@ -1596,7 +945,7 @@
     </p:spTree>
     <p:extLst>
       <p:ext uri="{BB962C8B-B14F-4D97-AF65-F5344CB8AC3E}">
-        <p14:creationId xmlns:p14="http://schemas.microsoft.com/office/powerpoint/2010/main" val="3287737318"/>
+        <p14:creationId xmlns:p14="http://schemas.microsoft.com/office/powerpoint/2010/main" val="1926792852"/>
       </p:ext>
     </p:extLst>
   </p:cSld>
@@ -1631,7 +980,7 @@
           <p:cNvPr id="2" name="Titre 1">
             <a:extLst>
               <a:ext uri="{FF2B5EF4-FFF2-40B4-BE49-F238E27FC236}">
-                <a16:creationId xmlns:a16="http://schemas.microsoft.com/office/drawing/2014/main" id="{31D89BDF-F0A3-745E-A2FB-DBB33A9AF195}"/>
+                <a16:creationId xmlns:a16="http://schemas.microsoft.com/office/drawing/2014/main" id="{37885292-AE75-A2A8-9536-86C5E3A91EDE}"/>
               </a:ext>
             </a:extLst>
           </p:cNvPr>
@@ -1668,7 +1017,7 @@
           <p:cNvPr id="3" name="Espace réservé du texte 2">
             <a:extLst>
               <a:ext uri="{FF2B5EF4-FFF2-40B4-BE49-F238E27FC236}">
-                <a16:creationId xmlns:a16="http://schemas.microsoft.com/office/drawing/2014/main" id="{C4979B7D-6FAF-2FA3-4680-A09DCF26056F}"/>
+                <a16:creationId xmlns:a16="http://schemas.microsoft.com/office/drawing/2014/main" id="{A38BE65C-D35D-DE3C-3099-E8B1BEABAC27}"/>
               </a:ext>
             </a:extLst>
           </p:cNvPr>
@@ -1793,7 +1142,7 @@
           <p:cNvPr id="4" name="Espace réservé de la date 3">
             <a:extLst>
               <a:ext uri="{FF2B5EF4-FFF2-40B4-BE49-F238E27FC236}">
-                <a16:creationId xmlns:a16="http://schemas.microsoft.com/office/drawing/2014/main" id="{132589C0-AB00-8217-00C7-7A1BB4E4E004}"/>
+                <a16:creationId xmlns:a16="http://schemas.microsoft.com/office/drawing/2014/main" id="{E9B62EE6-338B-0BFF-720E-A226742DE831}"/>
               </a:ext>
             </a:extLst>
           </p:cNvPr>
@@ -1811,7 +1160,7 @@
           <a:p>
             <a:fld id="{B35E8903-3DB0-4D62-9C06-CFA6198553C9}" type="datetimeFigureOut">
               <a:rPr lang="fr-FR" smtClean="0"/>
-              <a:t>17/05/2024</a:t>
+              <a:t>14/05/2024</a:t>
             </a:fld>
             <a:endParaRPr lang="fr-FR"/>
           </a:p>
@@ -1822,7 +1171,7 @@
           <p:cNvPr id="5" name="Espace réservé du pied de page 4">
             <a:extLst>
               <a:ext uri="{FF2B5EF4-FFF2-40B4-BE49-F238E27FC236}">
-                <a16:creationId xmlns:a16="http://schemas.microsoft.com/office/drawing/2014/main" id="{93DCA682-887B-042F-9E28-3F3E57BB4927}"/>
+                <a16:creationId xmlns:a16="http://schemas.microsoft.com/office/drawing/2014/main" id="{AF98C57E-2376-16BD-74D5-801EED8D3AEB}"/>
               </a:ext>
             </a:extLst>
           </p:cNvPr>
@@ -1847,7 +1196,7 @@
           <p:cNvPr id="6" name="Espace réservé du numéro de diapositive 5">
             <a:extLst>
               <a:ext uri="{FF2B5EF4-FFF2-40B4-BE49-F238E27FC236}">
-                <a16:creationId xmlns:a16="http://schemas.microsoft.com/office/drawing/2014/main" id="{E5BC4C8E-E7BE-298B-1040-09899012A288}"/>
+                <a16:creationId xmlns:a16="http://schemas.microsoft.com/office/drawing/2014/main" id="{A3F2BDD8-37AA-EA3C-FA48-2B4E660683FB}"/>
               </a:ext>
             </a:extLst>
           </p:cNvPr>
@@ -1874,7 +1223,7 @@
     </p:spTree>
     <p:extLst>
       <p:ext uri="{BB962C8B-B14F-4D97-AF65-F5344CB8AC3E}">
-        <p14:creationId xmlns:p14="http://schemas.microsoft.com/office/powerpoint/2010/main" val="1860122223"/>
+        <p14:creationId xmlns:p14="http://schemas.microsoft.com/office/powerpoint/2010/main" val="3389892676"/>
       </p:ext>
     </p:extLst>
   </p:cSld>
@@ -1909,7 +1258,7 @@
           <p:cNvPr id="2" name="Titre 1">
             <a:extLst>
               <a:ext uri="{FF2B5EF4-FFF2-40B4-BE49-F238E27FC236}">
-                <a16:creationId xmlns:a16="http://schemas.microsoft.com/office/drawing/2014/main" id="{C6BDCFDA-7B1C-7186-96D8-12F2220ECADC}"/>
+                <a16:creationId xmlns:a16="http://schemas.microsoft.com/office/drawing/2014/main" id="{CAE89DFD-3400-987E-F84F-A40DF9B7DCE6}"/>
               </a:ext>
             </a:extLst>
           </p:cNvPr>
@@ -1937,7 +1286,7 @@
           <p:cNvPr id="3" name="Espace réservé du contenu 2">
             <a:extLst>
               <a:ext uri="{FF2B5EF4-FFF2-40B4-BE49-F238E27FC236}">
-                <a16:creationId xmlns:a16="http://schemas.microsoft.com/office/drawing/2014/main" id="{78877355-037C-F36F-AB3F-0E53815362E1}"/>
+                <a16:creationId xmlns:a16="http://schemas.microsoft.com/office/drawing/2014/main" id="{46DF5305-F89A-D522-4F0B-D2200F5C912E}"/>
               </a:ext>
             </a:extLst>
           </p:cNvPr>
@@ -1999,7 +1348,7 @@
           <p:cNvPr id="4" name="Espace réservé du contenu 3">
             <a:extLst>
               <a:ext uri="{FF2B5EF4-FFF2-40B4-BE49-F238E27FC236}">
-                <a16:creationId xmlns:a16="http://schemas.microsoft.com/office/drawing/2014/main" id="{03865ED4-C2E7-6B8F-AD3B-CA999738FAC6}"/>
+                <a16:creationId xmlns:a16="http://schemas.microsoft.com/office/drawing/2014/main" id="{5A803C6D-08AF-584B-16DF-745753F4401A}"/>
               </a:ext>
             </a:extLst>
           </p:cNvPr>
@@ -2061,7 +1410,7 @@
           <p:cNvPr id="5" name="Espace réservé de la date 4">
             <a:extLst>
               <a:ext uri="{FF2B5EF4-FFF2-40B4-BE49-F238E27FC236}">
-                <a16:creationId xmlns:a16="http://schemas.microsoft.com/office/drawing/2014/main" id="{1D4888F1-95E2-AB85-E03F-1D353D9E7318}"/>
+                <a16:creationId xmlns:a16="http://schemas.microsoft.com/office/drawing/2014/main" id="{F49FF263-6866-C8D3-5E02-12BB18D679D3}"/>
               </a:ext>
             </a:extLst>
           </p:cNvPr>
@@ -2079,7 +1428,7 @@
           <a:p>
             <a:fld id="{B35E8903-3DB0-4D62-9C06-CFA6198553C9}" type="datetimeFigureOut">
               <a:rPr lang="fr-FR" smtClean="0"/>
-              <a:t>17/05/2024</a:t>
+              <a:t>14/05/2024</a:t>
             </a:fld>
             <a:endParaRPr lang="fr-FR"/>
           </a:p>
@@ -2090,7 +1439,7 @@
           <p:cNvPr id="6" name="Espace réservé du pied de page 5">
             <a:extLst>
               <a:ext uri="{FF2B5EF4-FFF2-40B4-BE49-F238E27FC236}">
-                <a16:creationId xmlns:a16="http://schemas.microsoft.com/office/drawing/2014/main" id="{F1D8A2A0-8BD1-0E8E-4B7A-CA751F54A76A}"/>
+                <a16:creationId xmlns:a16="http://schemas.microsoft.com/office/drawing/2014/main" id="{48B46CEC-CC6D-BC4A-B574-1EA1993F13B5}"/>
               </a:ext>
             </a:extLst>
           </p:cNvPr>
@@ -2115,7 +1464,7 @@
           <p:cNvPr id="7" name="Espace réservé du numéro de diapositive 6">
             <a:extLst>
               <a:ext uri="{FF2B5EF4-FFF2-40B4-BE49-F238E27FC236}">
-                <a16:creationId xmlns:a16="http://schemas.microsoft.com/office/drawing/2014/main" id="{B1B1A5E4-F73D-C369-FDC1-670E57A83AEF}"/>
+                <a16:creationId xmlns:a16="http://schemas.microsoft.com/office/drawing/2014/main" id="{8B2CAA86-7F67-D6E0-E4B6-307B3898E414}"/>
               </a:ext>
             </a:extLst>
           </p:cNvPr>
@@ -2142,7 +1491,7 @@
     </p:spTree>
     <p:extLst>
       <p:ext uri="{BB962C8B-B14F-4D97-AF65-F5344CB8AC3E}">
-        <p14:creationId xmlns:p14="http://schemas.microsoft.com/office/powerpoint/2010/main" val="3391787225"/>
+        <p14:creationId xmlns:p14="http://schemas.microsoft.com/office/powerpoint/2010/main" val="4184702514"/>
       </p:ext>
     </p:extLst>
   </p:cSld>
@@ -2177,7 +1526,7 @@
           <p:cNvPr id="2" name="Titre 1">
             <a:extLst>
               <a:ext uri="{FF2B5EF4-FFF2-40B4-BE49-F238E27FC236}">
-                <a16:creationId xmlns:a16="http://schemas.microsoft.com/office/drawing/2014/main" id="{09FDAFF9-4852-7412-1BFA-44BBDB4B5824}"/>
+                <a16:creationId xmlns:a16="http://schemas.microsoft.com/office/drawing/2014/main" id="{750AC27D-5873-34E2-7708-9A7CCE06B5C8}"/>
               </a:ext>
             </a:extLst>
           </p:cNvPr>
@@ -2210,7 +1559,7 @@
           <p:cNvPr id="3" name="Espace réservé du texte 2">
             <a:extLst>
               <a:ext uri="{FF2B5EF4-FFF2-40B4-BE49-F238E27FC236}">
-                <a16:creationId xmlns:a16="http://schemas.microsoft.com/office/drawing/2014/main" id="{A37C7440-FEC3-2F12-6628-884C25EB5F34}"/>
+                <a16:creationId xmlns:a16="http://schemas.microsoft.com/office/drawing/2014/main" id="{2F94D1DD-B407-A3ED-D573-E6231ADF1234}"/>
               </a:ext>
             </a:extLst>
           </p:cNvPr>
@@ -2281,7 +1630,7 @@
           <p:cNvPr id="4" name="Espace réservé du contenu 3">
             <a:extLst>
               <a:ext uri="{FF2B5EF4-FFF2-40B4-BE49-F238E27FC236}">
-                <a16:creationId xmlns:a16="http://schemas.microsoft.com/office/drawing/2014/main" id="{4185D4C2-F23B-81AA-59E8-07933022595E}"/>
+                <a16:creationId xmlns:a16="http://schemas.microsoft.com/office/drawing/2014/main" id="{09958F19-E864-BECF-37B7-7D498F9B4BFB}"/>
               </a:ext>
             </a:extLst>
           </p:cNvPr>
@@ -2343,7 +1692,7 @@
           <p:cNvPr id="5" name="Espace réservé du texte 4">
             <a:extLst>
               <a:ext uri="{FF2B5EF4-FFF2-40B4-BE49-F238E27FC236}">
-                <a16:creationId xmlns:a16="http://schemas.microsoft.com/office/drawing/2014/main" id="{2FCA5FD0-A537-C758-2D50-187BE93FB125}"/>
+                <a16:creationId xmlns:a16="http://schemas.microsoft.com/office/drawing/2014/main" id="{830BDB2B-B8D3-6D6E-3423-2982F65300CA}"/>
               </a:ext>
             </a:extLst>
           </p:cNvPr>
@@ -2414,7 +1763,7 @@
           <p:cNvPr id="6" name="Espace réservé du contenu 5">
             <a:extLst>
               <a:ext uri="{FF2B5EF4-FFF2-40B4-BE49-F238E27FC236}">
-                <a16:creationId xmlns:a16="http://schemas.microsoft.com/office/drawing/2014/main" id="{1FAB9755-08D5-2A4B-A884-8A45C5603CB2}"/>
+                <a16:creationId xmlns:a16="http://schemas.microsoft.com/office/drawing/2014/main" id="{5CF904BB-E50C-EEA1-E043-3686CDCB35C2}"/>
               </a:ext>
             </a:extLst>
           </p:cNvPr>
@@ -2476,7 +1825,7 @@
           <p:cNvPr id="7" name="Espace réservé de la date 6">
             <a:extLst>
               <a:ext uri="{FF2B5EF4-FFF2-40B4-BE49-F238E27FC236}">
-                <a16:creationId xmlns:a16="http://schemas.microsoft.com/office/drawing/2014/main" id="{69A11B3D-842A-7FFE-6B52-E329769A7B4F}"/>
+                <a16:creationId xmlns:a16="http://schemas.microsoft.com/office/drawing/2014/main" id="{7C6FBB2D-9263-27D3-5688-501F30A4F52E}"/>
               </a:ext>
             </a:extLst>
           </p:cNvPr>
@@ -2494,7 +1843,7 @@
           <a:p>
             <a:fld id="{B35E8903-3DB0-4D62-9C06-CFA6198553C9}" type="datetimeFigureOut">
               <a:rPr lang="fr-FR" smtClean="0"/>
-              <a:t>17/05/2024</a:t>
+              <a:t>14/05/2024</a:t>
             </a:fld>
             <a:endParaRPr lang="fr-FR"/>
           </a:p>
@@ -2505,7 +1854,7 @@
           <p:cNvPr id="8" name="Espace réservé du pied de page 7">
             <a:extLst>
               <a:ext uri="{FF2B5EF4-FFF2-40B4-BE49-F238E27FC236}">
-                <a16:creationId xmlns:a16="http://schemas.microsoft.com/office/drawing/2014/main" id="{DBEB1E33-7227-4D68-93B2-5A3473010FEA}"/>
+                <a16:creationId xmlns:a16="http://schemas.microsoft.com/office/drawing/2014/main" id="{82130B1F-7C2C-BDDE-86C3-989F3014CE10}"/>
               </a:ext>
             </a:extLst>
           </p:cNvPr>
@@ -2530,7 +1879,7 @@
           <p:cNvPr id="9" name="Espace réservé du numéro de diapositive 8">
             <a:extLst>
               <a:ext uri="{FF2B5EF4-FFF2-40B4-BE49-F238E27FC236}">
-                <a16:creationId xmlns:a16="http://schemas.microsoft.com/office/drawing/2014/main" id="{9EDF9175-3477-7FB4-4FFA-BEAAAFD79F87}"/>
+                <a16:creationId xmlns:a16="http://schemas.microsoft.com/office/drawing/2014/main" id="{5E2AD21C-9635-E428-A6E5-07DA5A0425C4}"/>
               </a:ext>
             </a:extLst>
           </p:cNvPr>
@@ -2557,7 +1906,7 @@
     </p:spTree>
     <p:extLst>
       <p:ext uri="{BB962C8B-B14F-4D97-AF65-F5344CB8AC3E}">
-        <p14:creationId xmlns:p14="http://schemas.microsoft.com/office/powerpoint/2010/main" val="2117529011"/>
+        <p14:creationId xmlns:p14="http://schemas.microsoft.com/office/powerpoint/2010/main" val="1591644342"/>
       </p:ext>
     </p:extLst>
   </p:cSld>
@@ -2592,7 +1941,7 @@
           <p:cNvPr id="2" name="Titre 1">
             <a:extLst>
               <a:ext uri="{FF2B5EF4-FFF2-40B4-BE49-F238E27FC236}">
-                <a16:creationId xmlns:a16="http://schemas.microsoft.com/office/drawing/2014/main" id="{AADAF958-48C1-7F4F-6B96-1DC1B1D66754}"/>
+                <a16:creationId xmlns:a16="http://schemas.microsoft.com/office/drawing/2014/main" id="{E46BDCE8-8E7D-0571-C7C8-E2D9DD68F5A6}"/>
               </a:ext>
             </a:extLst>
           </p:cNvPr>
@@ -2620,7 +1969,7 @@
           <p:cNvPr id="3" name="Espace réservé de la date 2">
             <a:extLst>
               <a:ext uri="{FF2B5EF4-FFF2-40B4-BE49-F238E27FC236}">
-                <a16:creationId xmlns:a16="http://schemas.microsoft.com/office/drawing/2014/main" id="{EE5521D7-E1C6-CD5F-E595-BA45D8A426E7}"/>
+                <a16:creationId xmlns:a16="http://schemas.microsoft.com/office/drawing/2014/main" id="{177552A9-A33D-90E8-B4B4-9778784EEDCF}"/>
               </a:ext>
             </a:extLst>
           </p:cNvPr>
@@ -2638,7 +1987,7 @@
           <a:p>
             <a:fld id="{B35E8903-3DB0-4D62-9C06-CFA6198553C9}" type="datetimeFigureOut">
               <a:rPr lang="fr-FR" smtClean="0"/>
-              <a:t>17/05/2024</a:t>
+              <a:t>14/05/2024</a:t>
             </a:fld>
             <a:endParaRPr lang="fr-FR"/>
           </a:p>
@@ -2649,7 +1998,7 @@
           <p:cNvPr id="4" name="Espace réservé du pied de page 3">
             <a:extLst>
               <a:ext uri="{FF2B5EF4-FFF2-40B4-BE49-F238E27FC236}">
-                <a16:creationId xmlns:a16="http://schemas.microsoft.com/office/drawing/2014/main" id="{0D0494A3-0E9C-DB80-D4EB-D9408E368347}"/>
+                <a16:creationId xmlns:a16="http://schemas.microsoft.com/office/drawing/2014/main" id="{AAC30AFC-0029-D0C3-29B2-6F3B9CCC9886}"/>
               </a:ext>
             </a:extLst>
           </p:cNvPr>
@@ -2674,7 +2023,7 @@
           <p:cNvPr id="5" name="Espace réservé du numéro de diapositive 4">
             <a:extLst>
               <a:ext uri="{FF2B5EF4-FFF2-40B4-BE49-F238E27FC236}">
-                <a16:creationId xmlns:a16="http://schemas.microsoft.com/office/drawing/2014/main" id="{2247C087-0235-2950-FD0F-1AD7EBB27633}"/>
+                <a16:creationId xmlns:a16="http://schemas.microsoft.com/office/drawing/2014/main" id="{653315E3-212A-96A2-7DD9-314451245BDA}"/>
               </a:ext>
             </a:extLst>
           </p:cNvPr>
@@ -2701,7 +2050,7 @@
     </p:spTree>
     <p:extLst>
       <p:ext uri="{BB962C8B-B14F-4D97-AF65-F5344CB8AC3E}">
-        <p14:creationId xmlns:p14="http://schemas.microsoft.com/office/powerpoint/2010/main" val="2840946800"/>
+        <p14:creationId xmlns:p14="http://schemas.microsoft.com/office/powerpoint/2010/main" val="3455753047"/>
       </p:ext>
     </p:extLst>
   </p:cSld>
@@ -2736,7 +2085,7 @@
           <p:cNvPr id="2" name="Espace réservé de la date 1">
             <a:extLst>
               <a:ext uri="{FF2B5EF4-FFF2-40B4-BE49-F238E27FC236}">
-                <a16:creationId xmlns:a16="http://schemas.microsoft.com/office/drawing/2014/main" id="{C9FFEC45-87ED-8A8C-B3DC-E8AF06D15FEA}"/>
+                <a16:creationId xmlns:a16="http://schemas.microsoft.com/office/drawing/2014/main" id="{C1E0D85C-3346-3FDA-563F-E962D95025BB}"/>
               </a:ext>
             </a:extLst>
           </p:cNvPr>
@@ -2754,7 +2103,7 @@
           <a:p>
             <a:fld id="{B35E8903-3DB0-4D62-9C06-CFA6198553C9}" type="datetimeFigureOut">
               <a:rPr lang="fr-FR" smtClean="0"/>
-              <a:t>17/05/2024</a:t>
+              <a:t>14/05/2024</a:t>
             </a:fld>
             <a:endParaRPr lang="fr-FR"/>
           </a:p>
@@ -2765,7 +2114,7 @@
           <p:cNvPr id="3" name="Espace réservé du pied de page 2">
             <a:extLst>
               <a:ext uri="{FF2B5EF4-FFF2-40B4-BE49-F238E27FC236}">
-                <a16:creationId xmlns:a16="http://schemas.microsoft.com/office/drawing/2014/main" id="{D3BC0833-EC57-CEF8-AB16-771EC3B15634}"/>
+                <a16:creationId xmlns:a16="http://schemas.microsoft.com/office/drawing/2014/main" id="{108D3D24-2383-48CF-3391-4CC82FD78CB9}"/>
               </a:ext>
             </a:extLst>
           </p:cNvPr>
@@ -2790,7 +2139,7 @@
           <p:cNvPr id="4" name="Espace réservé du numéro de diapositive 3">
             <a:extLst>
               <a:ext uri="{FF2B5EF4-FFF2-40B4-BE49-F238E27FC236}">
-                <a16:creationId xmlns:a16="http://schemas.microsoft.com/office/drawing/2014/main" id="{F22A79E1-CDE7-5CEF-4867-427F041013CC}"/>
+                <a16:creationId xmlns:a16="http://schemas.microsoft.com/office/drawing/2014/main" id="{947D871D-813E-0A66-BB86-248391988597}"/>
               </a:ext>
             </a:extLst>
           </p:cNvPr>
@@ -2817,7 +2166,7 @@
     </p:spTree>
     <p:extLst>
       <p:ext uri="{BB962C8B-B14F-4D97-AF65-F5344CB8AC3E}">
-        <p14:creationId xmlns:p14="http://schemas.microsoft.com/office/powerpoint/2010/main" val="3548137729"/>
+        <p14:creationId xmlns:p14="http://schemas.microsoft.com/office/powerpoint/2010/main" val="3710015414"/>
       </p:ext>
     </p:extLst>
   </p:cSld>
@@ -2852,7 +2201,7 @@
           <p:cNvPr id="2" name="Titre 1">
             <a:extLst>
               <a:ext uri="{FF2B5EF4-FFF2-40B4-BE49-F238E27FC236}">
-                <a16:creationId xmlns:a16="http://schemas.microsoft.com/office/drawing/2014/main" id="{E47189B4-4103-8CD2-5D91-4B1A0499C3B8}"/>
+                <a16:creationId xmlns:a16="http://schemas.microsoft.com/office/drawing/2014/main" id="{1CC02677-69CB-89A1-57B4-69BE0A65B3C1}"/>
               </a:ext>
             </a:extLst>
           </p:cNvPr>
@@ -2889,7 +2238,7 @@
           <p:cNvPr id="3" name="Espace réservé du contenu 2">
             <a:extLst>
               <a:ext uri="{FF2B5EF4-FFF2-40B4-BE49-F238E27FC236}">
-                <a16:creationId xmlns:a16="http://schemas.microsoft.com/office/drawing/2014/main" id="{6ACB827F-CE1D-25F7-615D-CCDDE81217A2}"/>
+                <a16:creationId xmlns:a16="http://schemas.microsoft.com/office/drawing/2014/main" id="{D0162D45-E425-CBD6-0319-3F5E55397C44}"/>
               </a:ext>
             </a:extLst>
           </p:cNvPr>
@@ -2979,7 +2328,7 @@
           <p:cNvPr id="4" name="Espace réservé du texte 3">
             <a:extLst>
               <a:ext uri="{FF2B5EF4-FFF2-40B4-BE49-F238E27FC236}">
-                <a16:creationId xmlns:a16="http://schemas.microsoft.com/office/drawing/2014/main" id="{FB48C1E7-5236-21E8-5D68-FDE8DBE91F73}"/>
+                <a16:creationId xmlns:a16="http://schemas.microsoft.com/office/drawing/2014/main" id="{BA8A9202-5CF5-ADE0-D2B0-202F5B816FC1}"/>
               </a:ext>
             </a:extLst>
           </p:cNvPr>
@@ -3050,7 +2399,7 @@
           <p:cNvPr id="5" name="Espace réservé de la date 4">
             <a:extLst>
               <a:ext uri="{FF2B5EF4-FFF2-40B4-BE49-F238E27FC236}">
-                <a16:creationId xmlns:a16="http://schemas.microsoft.com/office/drawing/2014/main" id="{2B08542D-CB76-2DEB-BDDB-513A1A3EB403}"/>
+                <a16:creationId xmlns:a16="http://schemas.microsoft.com/office/drawing/2014/main" id="{1C45E3BA-3B58-A54D-69A4-1DC3815C3987}"/>
               </a:ext>
             </a:extLst>
           </p:cNvPr>
@@ -3068,7 +2417,7 @@
           <a:p>
             <a:fld id="{B35E8903-3DB0-4D62-9C06-CFA6198553C9}" type="datetimeFigureOut">
               <a:rPr lang="fr-FR" smtClean="0"/>
-              <a:t>17/05/2024</a:t>
+              <a:t>14/05/2024</a:t>
             </a:fld>
             <a:endParaRPr lang="fr-FR"/>
           </a:p>
@@ -3079,7 +2428,7 @@
           <p:cNvPr id="6" name="Espace réservé du pied de page 5">
             <a:extLst>
               <a:ext uri="{FF2B5EF4-FFF2-40B4-BE49-F238E27FC236}">
-                <a16:creationId xmlns:a16="http://schemas.microsoft.com/office/drawing/2014/main" id="{9778EAF4-58C8-0DB6-3D50-F90253640189}"/>
+                <a16:creationId xmlns:a16="http://schemas.microsoft.com/office/drawing/2014/main" id="{F72525C9-73CB-456B-77B2-2FC9B9FAFCAF}"/>
               </a:ext>
             </a:extLst>
           </p:cNvPr>
@@ -3104,7 +2453,7 @@
           <p:cNvPr id="7" name="Espace réservé du numéro de diapositive 6">
             <a:extLst>
               <a:ext uri="{FF2B5EF4-FFF2-40B4-BE49-F238E27FC236}">
-                <a16:creationId xmlns:a16="http://schemas.microsoft.com/office/drawing/2014/main" id="{E3F040AD-DA09-85BF-3F2E-3CBEA53202C2}"/>
+                <a16:creationId xmlns:a16="http://schemas.microsoft.com/office/drawing/2014/main" id="{4FDEF311-0607-FDE8-D307-5DB212261890}"/>
               </a:ext>
             </a:extLst>
           </p:cNvPr>
@@ -3131,7 +2480,7 @@
     </p:spTree>
     <p:extLst>
       <p:ext uri="{BB962C8B-B14F-4D97-AF65-F5344CB8AC3E}">
-        <p14:creationId xmlns:p14="http://schemas.microsoft.com/office/powerpoint/2010/main" val="2223052690"/>
+        <p14:creationId xmlns:p14="http://schemas.microsoft.com/office/powerpoint/2010/main" val="2063774397"/>
       </p:ext>
     </p:extLst>
   </p:cSld>
@@ -3166,7 +2515,7 @@
           <p:cNvPr id="2" name="Titre 1">
             <a:extLst>
               <a:ext uri="{FF2B5EF4-FFF2-40B4-BE49-F238E27FC236}">
-                <a16:creationId xmlns:a16="http://schemas.microsoft.com/office/drawing/2014/main" id="{51BD6C06-D940-5599-3940-7AEC95C66930}"/>
+                <a16:creationId xmlns:a16="http://schemas.microsoft.com/office/drawing/2014/main" id="{DD6CC623-2322-A592-48D1-5882EB84326D}"/>
               </a:ext>
             </a:extLst>
           </p:cNvPr>
@@ -3203,7 +2552,7 @@
           <p:cNvPr id="3" name="Espace réservé pour une image  2">
             <a:extLst>
               <a:ext uri="{FF2B5EF4-FFF2-40B4-BE49-F238E27FC236}">
-                <a16:creationId xmlns:a16="http://schemas.microsoft.com/office/drawing/2014/main" id="{2576BF46-29C8-A43E-96BD-F51B2199C084}"/>
+                <a16:creationId xmlns:a16="http://schemas.microsoft.com/office/drawing/2014/main" id="{0BABEAD3-AF81-CC62-E928-D5F9C71DC446}"/>
               </a:ext>
             </a:extLst>
           </p:cNvPr>
@@ -3270,7 +2619,7 @@
           <p:cNvPr id="4" name="Espace réservé du texte 3">
             <a:extLst>
               <a:ext uri="{FF2B5EF4-FFF2-40B4-BE49-F238E27FC236}">
-                <a16:creationId xmlns:a16="http://schemas.microsoft.com/office/drawing/2014/main" id="{2B788B2D-65D5-A53C-782B-CFB1B3A9B9CC}"/>
+                <a16:creationId xmlns:a16="http://schemas.microsoft.com/office/drawing/2014/main" id="{D4F42F51-C5A3-1399-A3DC-9B1F48809917}"/>
               </a:ext>
             </a:extLst>
           </p:cNvPr>
@@ -3341,7 +2690,7 @@
           <p:cNvPr id="5" name="Espace réservé de la date 4">
             <a:extLst>
               <a:ext uri="{FF2B5EF4-FFF2-40B4-BE49-F238E27FC236}">
-                <a16:creationId xmlns:a16="http://schemas.microsoft.com/office/drawing/2014/main" id="{0486A79A-F74D-966C-F750-D940F4F9F9F0}"/>
+                <a16:creationId xmlns:a16="http://schemas.microsoft.com/office/drawing/2014/main" id="{C9C1823C-AE9C-FD24-6965-6C414F01DF3B}"/>
               </a:ext>
             </a:extLst>
           </p:cNvPr>
@@ -3359,7 +2708,7 @@
           <a:p>
             <a:fld id="{B35E8903-3DB0-4D62-9C06-CFA6198553C9}" type="datetimeFigureOut">
               <a:rPr lang="fr-FR" smtClean="0"/>
-              <a:t>17/05/2024</a:t>
+              <a:t>14/05/2024</a:t>
             </a:fld>
             <a:endParaRPr lang="fr-FR"/>
           </a:p>
@@ -3370,7 +2719,7 @@
           <p:cNvPr id="6" name="Espace réservé du pied de page 5">
             <a:extLst>
               <a:ext uri="{FF2B5EF4-FFF2-40B4-BE49-F238E27FC236}">
-                <a16:creationId xmlns:a16="http://schemas.microsoft.com/office/drawing/2014/main" id="{D11D0A1D-82C9-DD7D-767D-91E699BA941C}"/>
+                <a16:creationId xmlns:a16="http://schemas.microsoft.com/office/drawing/2014/main" id="{CDDA6B3B-E8D5-78CC-056B-CE7BB3BB55FC}"/>
               </a:ext>
             </a:extLst>
           </p:cNvPr>
@@ -3395,7 +2744,7 @@
           <p:cNvPr id="7" name="Espace réservé du numéro de diapositive 6">
             <a:extLst>
               <a:ext uri="{FF2B5EF4-FFF2-40B4-BE49-F238E27FC236}">
-                <a16:creationId xmlns:a16="http://schemas.microsoft.com/office/drawing/2014/main" id="{7E26C76E-F080-B82B-9955-83979D0A3131}"/>
+                <a16:creationId xmlns:a16="http://schemas.microsoft.com/office/drawing/2014/main" id="{95FFFFB3-8F7A-052E-07C1-D3E267C561A5}"/>
               </a:ext>
             </a:extLst>
           </p:cNvPr>
@@ -3422,7 +2771,7 @@
     </p:spTree>
     <p:extLst>
       <p:ext uri="{BB962C8B-B14F-4D97-AF65-F5344CB8AC3E}">
-        <p14:creationId xmlns:p14="http://schemas.microsoft.com/office/powerpoint/2010/main" val="1759082923"/>
+        <p14:creationId xmlns:p14="http://schemas.microsoft.com/office/powerpoint/2010/main" val="2627180438"/>
       </p:ext>
     </p:extLst>
   </p:cSld>
@@ -3439,12 +2788,9 @@
 <p:sldMaster xmlns:a="http://schemas.openxmlformats.org/drawingml/2006/main" xmlns:r="http://schemas.openxmlformats.org/officeDocument/2006/relationships" xmlns:p="http://schemas.openxmlformats.org/presentationml/2006/main">
   <p:cSld>
     <p:bg>
-      <p:bgPr>
-        <a:solidFill>
-          <a:srgbClr val="1C62CA"/>
-        </a:solidFill>
-        <a:effectLst/>
-      </p:bgPr>
+      <p:bgRef idx="1001">
+        <a:schemeClr val="bg1"/>
+      </p:bgRef>
     </p:bg>
     <p:spTree>
       <p:nvGrpSpPr>
@@ -3465,7 +2811,7 @@
           <p:cNvPr id="2" name="Espace réservé du titre 1">
             <a:extLst>
               <a:ext uri="{FF2B5EF4-FFF2-40B4-BE49-F238E27FC236}">
-                <a16:creationId xmlns:a16="http://schemas.microsoft.com/office/drawing/2014/main" id="{CCD5466C-6267-69D2-4DC7-FB3D1D53D863}"/>
+                <a16:creationId xmlns:a16="http://schemas.microsoft.com/office/drawing/2014/main" id="{261F640A-EB1B-89C7-183C-FB7282CD518A}"/>
               </a:ext>
             </a:extLst>
           </p:cNvPr>
@@ -3503,7 +2849,7 @@
           <p:cNvPr id="3" name="Espace réservé du texte 2">
             <a:extLst>
               <a:ext uri="{FF2B5EF4-FFF2-40B4-BE49-F238E27FC236}">
-                <a16:creationId xmlns:a16="http://schemas.microsoft.com/office/drawing/2014/main" id="{00EB0367-3CC9-6828-6B80-1B0367DC7625}"/>
+                <a16:creationId xmlns:a16="http://schemas.microsoft.com/office/drawing/2014/main" id="{D60560F8-30D7-AC4C-DC16-CC5C40B086B2}"/>
               </a:ext>
             </a:extLst>
           </p:cNvPr>
@@ -3570,7 +2916,7 @@
           <p:cNvPr id="4" name="Espace réservé de la date 3">
             <a:extLst>
               <a:ext uri="{FF2B5EF4-FFF2-40B4-BE49-F238E27FC236}">
-                <a16:creationId xmlns:a16="http://schemas.microsoft.com/office/drawing/2014/main" id="{F818E150-2249-F122-440B-C23FDFB5EFB3}"/>
+                <a16:creationId xmlns:a16="http://schemas.microsoft.com/office/drawing/2014/main" id="{32BF620C-A063-2C6E-AAC6-FA3DEE8C029F}"/>
               </a:ext>
             </a:extLst>
           </p:cNvPr>
@@ -3606,7 +2952,7 @@
           <a:p>
             <a:fld id="{B35E8903-3DB0-4D62-9C06-CFA6198553C9}" type="datetimeFigureOut">
               <a:rPr lang="fr-FR" smtClean="0"/>
-              <a:t>17/05/2024</a:t>
+              <a:t>14/05/2024</a:t>
             </a:fld>
             <a:endParaRPr lang="fr-FR"/>
           </a:p>
@@ -3617,7 +2963,7 @@
           <p:cNvPr id="5" name="Espace réservé du pied de page 4">
             <a:extLst>
               <a:ext uri="{FF2B5EF4-FFF2-40B4-BE49-F238E27FC236}">
-                <a16:creationId xmlns:a16="http://schemas.microsoft.com/office/drawing/2014/main" id="{C6FEE2D8-D2C3-E7BD-ECAF-11112FFC6C95}"/>
+                <a16:creationId xmlns:a16="http://schemas.microsoft.com/office/drawing/2014/main" id="{ECDC0BF5-5693-5900-EEA4-68D32C7DD9D8}"/>
               </a:ext>
             </a:extLst>
           </p:cNvPr>
@@ -3660,7 +3006,7 @@
           <p:cNvPr id="6" name="Espace réservé du numéro de diapositive 5">
             <a:extLst>
               <a:ext uri="{FF2B5EF4-FFF2-40B4-BE49-F238E27FC236}">
-                <a16:creationId xmlns:a16="http://schemas.microsoft.com/office/drawing/2014/main" id="{CCBDE2BD-D3F7-BB6E-73D4-5D1E1EC22DE2}"/>
+                <a16:creationId xmlns:a16="http://schemas.microsoft.com/office/drawing/2014/main" id="{F0DCFBB6-8F69-F6B6-BBBF-0F23CF2C6B51}"/>
               </a:ext>
             </a:extLst>
           </p:cNvPr>
@@ -3705,23 +3051,23 @@
     </p:spTree>
     <p:extLst>
       <p:ext uri="{BB962C8B-B14F-4D97-AF65-F5344CB8AC3E}">
-        <p14:creationId xmlns:p14="http://schemas.microsoft.com/office/powerpoint/2010/main" val="1902973226"/>
+        <p14:creationId xmlns:p14="http://schemas.microsoft.com/office/powerpoint/2010/main" val="1555149216"/>
       </p:ext>
     </p:extLst>
   </p:cSld>
   <p:clrMap bg1="lt1" tx1="dk1" bg2="lt2" tx2="dk2" accent1="accent1" accent2="accent2" accent3="accent3" accent4="accent4" accent5="accent5" accent6="accent6" hlink="hlink" folHlink="folHlink"/>
   <p:sldLayoutIdLst>
-    <p:sldLayoutId id="2147483661" r:id="rId1"/>
-    <p:sldLayoutId id="2147483662" r:id="rId2"/>
-    <p:sldLayoutId id="2147483663" r:id="rId3"/>
-    <p:sldLayoutId id="2147483664" r:id="rId4"/>
-    <p:sldLayoutId id="2147483665" r:id="rId5"/>
-    <p:sldLayoutId id="2147483666" r:id="rId6"/>
-    <p:sldLayoutId id="2147483667" r:id="rId7"/>
-    <p:sldLayoutId id="2147483668" r:id="rId8"/>
-    <p:sldLayoutId id="2147483669" r:id="rId9"/>
-    <p:sldLayoutId id="2147483670" r:id="rId10"/>
-    <p:sldLayoutId id="2147483671" r:id="rId11"/>
+    <p:sldLayoutId id="2147483649" r:id="rId1"/>
+    <p:sldLayoutId id="2147483650" r:id="rId2"/>
+    <p:sldLayoutId id="2147483651" r:id="rId3"/>
+    <p:sldLayoutId id="2147483652" r:id="rId4"/>
+    <p:sldLayoutId id="2147483653" r:id="rId5"/>
+    <p:sldLayoutId id="2147483654" r:id="rId6"/>
+    <p:sldLayoutId id="2147483655" r:id="rId7"/>
+    <p:sldLayoutId id="2147483656" r:id="rId8"/>
+    <p:sldLayoutId id="2147483657" r:id="rId9"/>
+    <p:sldLayoutId id="2147483658" r:id="rId10"/>
+    <p:sldLayoutId id="2147483659" r:id="rId11"/>
   </p:sldLayoutIdLst>
   <p:transition spd="slow">
     <p:push/>
@@ -4097,7 +3443,7 @@
           <p:nvPr/>
         </p:nvPicPr>
         <p:blipFill rotWithShape="1">
-          <a:blip r:embed="rId3">
+          <a:blip r:embed="rId2">
             <a:extLst>
               <a:ext uri="{28A0092B-C50C-407E-A947-70E740481C1C}">
                 <a14:useLocalDpi xmlns:a14="http://schemas.microsoft.com/office/drawing/2010/main" val="0"/>
@@ -4132,7 +3478,7 @@
           <p:nvPr/>
         </p:nvPicPr>
         <p:blipFill rotWithShape="1">
-          <a:blip r:embed="rId3">
+          <a:blip r:embed="rId2">
             <a:extLst>
               <a:ext uri="{28A0092B-C50C-407E-A947-70E740481C1C}">
                 <a14:useLocalDpi xmlns:a14="http://schemas.microsoft.com/office/drawing/2010/main" val="0"/>
@@ -4304,6 +3650,134 @@
 </p:sld>
 </file>
 
+<file path=ppt/slides/slide10.xml><?xml version="1.0" encoding="utf-8"?>
+<p:sld xmlns:a="http://schemas.openxmlformats.org/drawingml/2006/main" xmlns:r="http://schemas.openxmlformats.org/officeDocument/2006/relationships" xmlns:p="http://schemas.openxmlformats.org/presentationml/2006/main">
+  <p:cSld>
+    <p:spTree>
+      <p:nvGrpSpPr>
+        <p:cNvPr id="1" name=""/>
+        <p:cNvGrpSpPr/>
+        <p:nvPr/>
+      </p:nvGrpSpPr>
+      <p:grpSpPr>
+        <a:xfrm>
+          <a:off x="0" y="0"/>
+          <a:ext cx="0" cy="0"/>
+          <a:chOff x="0" y="0"/>
+          <a:chExt cx="0" cy="0"/>
+        </a:xfrm>
+      </p:grpSpPr>
+      <p:sp>
+        <p:nvSpPr>
+          <p:cNvPr id="2" name="Titre 1">
+            <a:extLst>
+              <a:ext uri="{FF2B5EF4-FFF2-40B4-BE49-F238E27FC236}">
+                <a16:creationId xmlns:a16="http://schemas.microsoft.com/office/drawing/2014/main" id="{0DF51CB7-E4BD-2790-7E3E-0A63C894BDBD}"/>
+              </a:ext>
+            </a:extLst>
+          </p:cNvPr>
+          <p:cNvSpPr>
+            <a:spLocks noGrp="1"/>
+          </p:cNvSpPr>
+          <p:nvPr>
+            <p:ph type="title"/>
+          </p:nvPr>
+        </p:nvSpPr>
+        <p:spPr/>
+        <p:txBody>
+          <a:bodyPr/>
+          <a:lstStyle/>
+          <a:p>
+            <a:r>
+              <a:rPr lang="fr-FR" dirty="0">
+                <a:latin typeface="Kanit" pitchFamily="2" charset="-34"/>
+                <a:cs typeface="Kanit" pitchFamily="2" charset="-34"/>
+              </a:rPr>
+              <a:t>Echecs</a:t>
+            </a:r>
+          </a:p>
+        </p:txBody>
+      </p:sp>
+    </p:spTree>
+    <p:extLst>
+      <p:ext uri="{BB962C8B-B14F-4D97-AF65-F5344CB8AC3E}">
+        <p14:creationId xmlns:p14="http://schemas.microsoft.com/office/powerpoint/2010/main" val="1818274042"/>
+      </p:ext>
+    </p:extLst>
+  </p:cSld>
+  <p:clrMapOvr>
+    <a:masterClrMapping/>
+  </p:clrMapOvr>
+  <p:transition spd="slow">
+    <p:push/>
+  </p:transition>
+</p:sld>
+</file>
+
+<file path=ppt/slides/slide11.xml><?xml version="1.0" encoding="utf-8"?>
+<p:sld xmlns:a="http://schemas.openxmlformats.org/drawingml/2006/main" xmlns:r="http://schemas.openxmlformats.org/officeDocument/2006/relationships" xmlns:p="http://schemas.openxmlformats.org/presentationml/2006/main">
+  <p:cSld>
+    <p:spTree>
+      <p:nvGrpSpPr>
+        <p:cNvPr id="1" name=""/>
+        <p:cNvGrpSpPr/>
+        <p:nvPr/>
+      </p:nvGrpSpPr>
+      <p:grpSpPr>
+        <a:xfrm>
+          <a:off x="0" y="0"/>
+          <a:ext cx="0" cy="0"/>
+          <a:chOff x="0" y="0"/>
+          <a:chExt cx="0" cy="0"/>
+        </a:xfrm>
+      </p:grpSpPr>
+      <p:sp>
+        <p:nvSpPr>
+          <p:cNvPr id="2" name="Titre 1">
+            <a:extLst>
+              <a:ext uri="{FF2B5EF4-FFF2-40B4-BE49-F238E27FC236}">
+                <a16:creationId xmlns:a16="http://schemas.microsoft.com/office/drawing/2014/main" id="{0DF51CB7-E4BD-2790-7E3E-0A63C894BDBD}"/>
+              </a:ext>
+            </a:extLst>
+          </p:cNvPr>
+          <p:cNvSpPr>
+            <a:spLocks noGrp="1"/>
+          </p:cNvSpPr>
+          <p:nvPr>
+            <p:ph type="title"/>
+          </p:nvPr>
+        </p:nvSpPr>
+        <p:spPr/>
+        <p:txBody>
+          <a:bodyPr/>
+          <a:lstStyle/>
+          <a:p>
+            <a:r>
+              <a:rPr lang="fr-FR" dirty="0">
+                <a:latin typeface="Kanit" pitchFamily="2" charset="-34"/>
+                <a:cs typeface="Kanit" pitchFamily="2" charset="-34"/>
+              </a:rPr>
+              <a:t>Conclusion</a:t>
+            </a:r>
+          </a:p>
+        </p:txBody>
+      </p:sp>
+    </p:spTree>
+    <p:extLst>
+      <p:ext uri="{BB962C8B-B14F-4D97-AF65-F5344CB8AC3E}">
+        <p14:creationId xmlns:p14="http://schemas.microsoft.com/office/powerpoint/2010/main" val="2062808289"/>
+      </p:ext>
+    </p:extLst>
+  </p:cSld>
+  <p:clrMapOvr>
+    <a:masterClrMapping/>
+  </p:clrMapOvr>
+  <p:transition spd="slow">
+    <p:push/>
+  </p:transition>
+</p:sld>
+</file>
+
 <file path=ppt/slides/slide2.xml><?xml version="1.0" encoding="utf-8"?>
 <p:sld xmlns:a="http://schemas.openxmlformats.org/drawingml/2006/main" xmlns:r="http://schemas.openxmlformats.org/officeDocument/2006/relationships" xmlns:p="http://schemas.openxmlformats.org/presentationml/2006/main">
   <p:cSld>
@@ -4323,57 +3797,202 @@
       </p:grpSpPr>
       <p:sp>
         <p:nvSpPr>
-          <p:cNvPr id="2" name="Titre 1">
-            <a:extLst>
-              <a:ext uri="{FF2B5EF4-FFF2-40B4-BE49-F238E27FC236}">
-                <a16:creationId xmlns:a16="http://schemas.microsoft.com/office/drawing/2014/main" id="{3C2ABF41-BFFD-A046-D6CD-B22EFF188F48}"/>
-              </a:ext>
-            </a:extLst>
-          </p:cNvPr>
-          <p:cNvSpPr>
-            <a:spLocks noGrp="1"/>
-          </p:cNvSpPr>
-          <p:nvPr>
-            <p:ph type="title"/>
-          </p:nvPr>
-        </p:nvSpPr>
-        <p:spPr/>
-        <p:txBody>
-          <a:bodyPr/>
-          <a:lstStyle/>
-          <a:p>
-            <a:endParaRPr lang="fr-FR" dirty="0">
+          <p:cNvPr id="3" name="Rectangle 2">
+            <a:extLst>
+              <a:ext uri="{FF2B5EF4-FFF2-40B4-BE49-F238E27FC236}">
+                <a16:creationId xmlns:a16="http://schemas.microsoft.com/office/drawing/2014/main" id="{F4E3E8F8-7A33-26E6-C5A5-AF3C99CE3F39}"/>
+              </a:ext>
+            </a:extLst>
+          </p:cNvPr>
+          <p:cNvSpPr/>
+          <p:nvPr/>
+        </p:nvSpPr>
+        <p:spPr>
+          <a:xfrm>
+            <a:off x="0" y="0"/>
+            <a:ext cx="12192000" cy="6858000"/>
+          </a:xfrm>
+          <a:prstGeom prst="rect">
+            <a:avLst/>
+          </a:prstGeom>
+          <a:solidFill>
+            <a:srgbClr val="1C62CA"/>
+          </a:solidFill>
+          <a:ln>
+            <a:noFill/>
+          </a:ln>
+        </p:spPr>
+        <p:style>
+          <a:lnRef idx="2">
+            <a:schemeClr val="accent1">
+              <a:shade val="15000"/>
+            </a:schemeClr>
+          </a:lnRef>
+          <a:fillRef idx="1">
+            <a:schemeClr val="accent1"/>
+          </a:fillRef>
+          <a:effectRef idx="0">
+            <a:schemeClr val="accent1"/>
+          </a:effectRef>
+          <a:fontRef idx="minor">
+            <a:schemeClr val="lt1"/>
+          </a:fontRef>
+        </p:style>
+        <p:txBody>
+          <a:bodyPr rtlCol="0" anchor="ctr"/>
+          <a:lstStyle/>
+          <a:p>
+            <a:pPr algn="ctr"/>
+            <a:endParaRPr lang="fr-FR">
               <a:solidFill>
                 <a:schemeClr val="bg1"/>
               </a:solidFill>
-              <a:latin typeface="Kanit SemiBold" pitchFamily="2" charset="-34"/>
-              <a:cs typeface="Kanit SemiBold" pitchFamily="2" charset="-34"/>
             </a:endParaRPr>
           </a:p>
         </p:txBody>
       </p:sp>
       <p:sp>
         <p:nvSpPr>
-          <p:cNvPr id="3" name="Espace réservé du contenu 2">
-            <a:extLst>
-              <a:ext uri="{FF2B5EF4-FFF2-40B4-BE49-F238E27FC236}">
-                <a16:creationId xmlns:a16="http://schemas.microsoft.com/office/drawing/2014/main" id="{2ED4B6EA-B112-DAFB-6CC6-83107B05ED53}"/>
-              </a:ext>
-            </a:extLst>
-          </p:cNvPr>
-          <p:cNvSpPr>
-            <a:spLocks noGrp="1"/>
-          </p:cNvSpPr>
-          <p:nvPr>
-            <p:ph idx="1"/>
-          </p:nvPr>
-        </p:nvSpPr>
-        <p:spPr/>
-        <p:txBody>
-          <a:bodyPr/>
-          <a:lstStyle/>
-          <a:p>
-            <a:endParaRPr lang="fr-FR">
+          <p:cNvPr id="2" name="Titre 1">
+            <a:extLst>
+              <a:ext uri="{FF2B5EF4-FFF2-40B4-BE49-F238E27FC236}">
+                <a16:creationId xmlns:a16="http://schemas.microsoft.com/office/drawing/2014/main" id="{8114BE97-5E5E-1E53-88FD-90D2E6DB3BBD}"/>
+              </a:ext>
+            </a:extLst>
+          </p:cNvPr>
+          <p:cNvSpPr>
+            <a:spLocks noGrp="1"/>
+          </p:cNvSpPr>
+          <p:nvPr>
+            <p:ph type="title"/>
+          </p:nvPr>
+        </p:nvSpPr>
+        <p:spPr>
+          <a:xfrm>
+            <a:off x="3965495" y="2921508"/>
+            <a:ext cx="4261010" cy="1014984"/>
+          </a:xfrm>
+        </p:spPr>
+        <p:txBody>
+          <a:bodyPr anchor="t">
+            <a:noAutofit/>
+          </a:bodyPr>
+          <a:lstStyle/>
+          <a:p>
+            <a:pPr algn="ctr"/>
+            <a:r>
+              <a:rPr lang="fr-FR" sz="4800" b="1" i="0" u="none" strike="noStrike" baseline="0" dirty="0">
+                <a:solidFill>
+                  <a:schemeClr val="bg1"/>
+                </a:solidFill>
+                <a:latin typeface="Kanit"/>
+              </a:rPr>
+              <a:t>Le démarrage </a:t>
+            </a:r>
+            <a:endParaRPr lang="fr-FR" sz="9600" b="1" dirty="0">
+              <a:solidFill>
+                <a:schemeClr val="bg1"/>
+              </a:solidFill>
+              <a:latin typeface="Kanit"/>
+            </a:endParaRPr>
+          </a:p>
+        </p:txBody>
+      </p:sp>
+      <p:pic>
+        <p:nvPicPr>
+          <p:cNvPr id="7" name="Image 6" descr="Un jeune homme d'affaires se réjouit">
+            <a:extLst>
+              <a:ext uri="{FF2B5EF4-FFF2-40B4-BE49-F238E27FC236}">
+                <a16:creationId xmlns:a16="http://schemas.microsoft.com/office/drawing/2014/main" id="{4360ABCA-9675-7B69-9132-35C178540B02}"/>
+              </a:ext>
+            </a:extLst>
+          </p:cNvPr>
+          <p:cNvPicPr>
+            <a:picLocks noChangeAspect="1"/>
+          </p:cNvPicPr>
+          <p:nvPr/>
+        </p:nvPicPr>
+        <p:blipFill>
+          <a:blip r:embed="rId2">
+            <a:extLst>
+              <a:ext uri="{28A0092B-C50C-407E-A947-70E740481C1C}">
+                <a14:useLocalDpi xmlns:a14="http://schemas.microsoft.com/office/drawing/2010/main" val="0"/>
+              </a:ext>
+            </a:extLst>
+          </a:blip>
+          <a:stretch>
+            <a:fillRect/>
+          </a:stretch>
+        </p:blipFill>
+        <p:spPr>
+          <a:xfrm>
+            <a:off x="1128694" y="3185431"/>
+            <a:ext cx="2108706" cy="6858000"/>
+          </a:xfrm>
+          <a:prstGeom prst="rect">
+            <a:avLst/>
+          </a:prstGeom>
+        </p:spPr>
+      </p:pic>
+      <p:sp>
+        <p:nvSpPr>
+          <p:cNvPr id="8" name="Titre 1">
+            <a:extLst>
+              <a:ext uri="{FF2B5EF4-FFF2-40B4-BE49-F238E27FC236}">
+                <a16:creationId xmlns:a16="http://schemas.microsoft.com/office/drawing/2014/main" id="{01DB7F7C-FD0F-95AF-1CD6-E4B6477AFA46}"/>
+              </a:ext>
+            </a:extLst>
+          </p:cNvPr>
+          <p:cNvSpPr txBox="1">
+            <a:spLocks/>
+          </p:cNvSpPr>
+          <p:nvPr/>
+        </p:nvSpPr>
+        <p:spPr>
+          <a:xfrm>
+            <a:off x="-321905" y="2545348"/>
+            <a:ext cx="4877928" cy="640083"/>
+          </a:xfrm>
+          <a:prstGeom prst="rect">
+            <a:avLst/>
+          </a:prstGeom>
+        </p:spPr>
+        <p:txBody>
+          <a:bodyPr vert="horz" lIns="91440" tIns="45720" rIns="91440" bIns="45720" rtlCol="0" anchor="ctr">
+            <a:normAutofit/>
+          </a:bodyPr>
+          <a:lstStyle>
+            <a:lvl1pPr algn="l" defTabSz="914400" rtl="0" eaLnBrk="1" latinLnBrk="0" hangingPunct="1">
+              <a:lnSpc>
+                <a:spcPct val="90000"/>
+              </a:lnSpc>
+              <a:spcBef>
+                <a:spcPct val="0"/>
+              </a:spcBef>
+              <a:buNone/>
+              <a:defRPr sz="4400" kern="1200">
+                <a:solidFill>
+                  <a:schemeClr val="tx1"/>
+                </a:solidFill>
+                <a:latin typeface="+mj-lt"/>
+                <a:ea typeface="+mj-ea"/>
+                <a:cs typeface="+mj-cs"/>
+              </a:defRPr>
+            </a:lvl1pPr>
+          </a:lstStyle>
+          <a:p>
+            <a:pPr algn="ctr"/>
+            <a:r>
+              <a:rPr lang="fr-FR" sz="2400" dirty="0">
+                <a:solidFill>
+                  <a:schemeClr val="bg1"/>
+                </a:solidFill>
+                <a:latin typeface="Kanit ExtraLight" pitchFamily="2" charset="-34"/>
+                <a:cs typeface="Kanit ExtraLight" pitchFamily="2" charset="-34"/>
+              </a:rPr>
+              <a:t>[Photos du groupe]</a:t>
+            </a:r>
+            <a:endParaRPr lang="fr-FR" dirty="0">
               <a:solidFill>
                 <a:schemeClr val="bg1"/>
               </a:solidFill>
@@ -4386,7 +4005,7 @@
     </p:spTree>
     <p:extLst>
       <p:ext uri="{BB962C8B-B14F-4D97-AF65-F5344CB8AC3E}">
-        <p14:creationId xmlns:p14="http://schemas.microsoft.com/office/powerpoint/2010/main" val="358522127"/>
+        <p14:creationId xmlns:p14="http://schemas.microsoft.com/office/powerpoint/2010/main" val="1199426017"/>
       </p:ext>
     </p:extLst>
   </p:cSld>
@@ -4418,57 +4037,278 @@
       </p:grpSpPr>
       <p:sp>
         <p:nvSpPr>
-          <p:cNvPr id="2" name="Titre 1">
-            <a:extLst>
-              <a:ext uri="{FF2B5EF4-FFF2-40B4-BE49-F238E27FC236}">
-                <a16:creationId xmlns:a16="http://schemas.microsoft.com/office/drawing/2014/main" id="{3C2ABF41-BFFD-A046-D6CD-B22EFF188F48}"/>
-              </a:ext>
-            </a:extLst>
-          </p:cNvPr>
-          <p:cNvSpPr>
-            <a:spLocks noGrp="1"/>
-          </p:cNvSpPr>
-          <p:nvPr>
-            <p:ph type="title"/>
-          </p:nvPr>
-        </p:nvSpPr>
-        <p:spPr/>
-        <p:txBody>
-          <a:bodyPr/>
-          <a:lstStyle/>
-          <a:p>
-            <a:endParaRPr lang="fr-FR" dirty="0">
+          <p:cNvPr id="10" name="Rectangle 9">
+            <a:extLst>
+              <a:ext uri="{FF2B5EF4-FFF2-40B4-BE49-F238E27FC236}">
+                <a16:creationId xmlns:a16="http://schemas.microsoft.com/office/drawing/2014/main" id="{8CFAEC38-FEC8-0E77-9B6F-FFE58C097858}"/>
+              </a:ext>
+            </a:extLst>
+          </p:cNvPr>
+          <p:cNvSpPr/>
+          <p:nvPr/>
+        </p:nvSpPr>
+        <p:spPr>
+          <a:xfrm>
+            <a:off x="0" y="0"/>
+            <a:ext cx="12192000" cy="6858000"/>
+          </a:xfrm>
+          <a:prstGeom prst="rect">
+            <a:avLst/>
+          </a:prstGeom>
+          <a:gradFill flip="none" rotWithShape="1">
+            <a:gsLst>
+              <a:gs pos="0">
+                <a:srgbClr val="1C62CA"/>
+              </a:gs>
+              <a:gs pos="50000">
+                <a:srgbClr val="1C62CA">
+                  <a:alpha val="85000"/>
+                </a:srgbClr>
+              </a:gs>
+              <a:gs pos="100000">
+                <a:srgbClr val="1C62CA">
+                  <a:alpha val="70000"/>
+                </a:srgbClr>
+              </a:gs>
+            </a:gsLst>
+            <a:lin ang="0" scaled="1"/>
+            <a:tileRect/>
+          </a:gradFill>
+          <a:ln>
+            <a:noFill/>
+          </a:ln>
+        </p:spPr>
+        <p:style>
+          <a:lnRef idx="2">
+            <a:schemeClr val="accent1">
+              <a:shade val="15000"/>
+            </a:schemeClr>
+          </a:lnRef>
+          <a:fillRef idx="1">
+            <a:schemeClr val="accent1"/>
+          </a:fillRef>
+          <a:effectRef idx="0">
+            <a:schemeClr val="accent1"/>
+          </a:effectRef>
+          <a:fontRef idx="minor">
+            <a:schemeClr val="lt1"/>
+          </a:fontRef>
+        </p:style>
+        <p:txBody>
+          <a:bodyPr rtlCol="0" anchor="ctr"/>
+          <a:lstStyle/>
+          <a:p>
+            <a:pPr algn="ctr"/>
+            <a:endParaRPr lang="fr-FR">
               <a:solidFill>
                 <a:schemeClr val="bg1"/>
               </a:solidFill>
-              <a:latin typeface="Kanit SemiBold" pitchFamily="2" charset="-34"/>
-              <a:cs typeface="Kanit SemiBold" pitchFamily="2" charset="-34"/>
             </a:endParaRPr>
           </a:p>
         </p:txBody>
       </p:sp>
       <p:sp>
         <p:nvSpPr>
-          <p:cNvPr id="3" name="Espace réservé du contenu 2">
-            <a:extLst>
-              <a:ext uri="{FF2B5EF4-FFF2-40B4-BE49-F238E27FC236}">
-                <a16:creationId xmlns:a16="http://schemas.microsoft.com/office/drawing/2014/main" id="{2ED4B6EA-B112-DAFB-6CC6-83107B05ED53}"/>
-              </a:ext>
-            </a:extLst>
-          </p:cNvPr>
-          <p:cNvSpPr>
-            <a:spLocks noGrp="1"/>
-          </p:cNvSpPr>
-          <p:nvPr>
-            <p:ph idx="1"/>
-          </p:nvPr>
-        </p:nvSpPr>
-        <p:spPr/>
-        <p:txBody>
-          <a:bodyPr/>
-          <a:lstStyle/>
-          <a:p>
-            <a:endParaRPr lang="fr-FR">
+          <p:cNvPr id="2" name="Titre 1">
+            <a:extLst>
+              <a:ext uri="{FF2B5EF4-FFF2-40B4-BE49-F238E27FC236}">
+                <a16:creationId xmlns:a16="http://schemas.microsoft.com/office/drawing/2014/main" id="{8114BE97-5E5E-1E53-88FD-90D2E6DB3BBD}"/>
+              </a:ext>
+            </a:extLst>
+          </p:cNvPr>
+          <p:cNvSpPr>
+            <a:spLocks noGrp="1"/>
+          </p:cNvSpPr>
+          <p:nvPr>
+            <p:ph type="title"/>
+          </p:nvPr>
+        </p:nvSpPr>
+        <p:spPr>
+          <a:xfrm>
+            <a:off x="548640" y="429135"/>
+            <a:ext cx="5167490" cy="2743834"/>
+          </a:xfrm>
+        </p:spPr>
+        <p:txBody>
+          <a:bodyPr>
+            <a:normAutofit/>
+          </a:bodyPr>
+          <a:lstStyle/>
+          <a:p>
+            <a:r>
+              <a:rPr lang="fr-FR" sz="4800" b="1" i="0" u="none" strike="noStrike" baseline="0" dirty="0">
+                <a:solidFill>
+                  <a:schemeClr val="bg1"/>
+                </a:solidFill>
+                <a:latin typeface="Kanit"/>
+              </a:rPr>
+              <a:t>La planification </a:t>
+            </a:r>
+            <a:endParaRPr lang="fr-FR" sz="9600" b="1" dirty="0">
+              <a:solidFill>
+                <a:schemeClr val="bg1"/>
+              </a:solidFill>
+              <a:latin typeface="Kanit"/>
+            </a:endParaRPr>
+          </a:p>
+        </p:txBody>
+      </p:sp>
+      <mc:AlternateContent xmlns:mc="http://schemas.openxmlformats.org/markup-compatibility/2006">
+        <mc:Choice xmlns:pslz="http://schemas.microsoft.com/office/powerpoint/2016/slidezoom" Requires="pslz">
+          <p:graphicFrame>
+            <p:nvGraphicFramePr>
+              <p:cNvPr id="4" name="Zoom de diapositive 3">
+                <a:extLst>
+                  <a:ext uri="{FF2B5EF4-FFF2-40B4-BE49-F238E27FC236}">
+                    <a16:creationId xmlns:a16="http://schemas.microsoft.com/office/drawing/2014/main" id="{CEBF69F1-30FA-2258-988A-F24BEA82BBAC}"/>
+                  </a:ext>
+                </a:extLst>
+              </p:cNvPr>
+              <p:cNvGraphicFramePr>
+                <a:graphicFrameLocks noChangeAspect="1"/>
+              </p:cNvGraphicFramePr>
+              <p:nvPr>
+                <p:extLst>
+                  <p:ext uri="{D42A27DB-BD31-4B8C-83A1-F6EECF244321}">
+                    <p14:modId xmlns:p14="http://schemas.microsoft.com/office/powerpoint/2010/main" val="48531859"/>
+                  </p:ext>
+                </p:extLst>
+              </p:nvPr>
+            </p:nvGraphicFramePr>
+            <p:xfrm>
+              <a:off x="6475871" y="365124"/>
+              <a:ext cx="4877929" cy="2743835"/>
+            </p:xfrm>
+            <a:graphic>
+              <a:graphicData uri="http://schemas.microsoft.com/office/powerpoint/2016/slidezoom">
+                <pslz:sldZm>
+                  <pslz:sldZmObj sldId="263" cId="3108786149">
+                    <pslz:zmPr id="{A69BBE69-02A0-48DA-80C1-F6BC5A145052}" transitionDur="1000">
+                      <p166:blipFill xmlns:p166="http://schemas.microsoft.com/office/powerpoint/2016/6/main">
+                        <a:blip r:embed="rId2"/>
+                        <a:stretch>
+                          <a:fillRect/>
+                        </a:stretch>
+                      </p166:blipFill>
+                      <p166:spPr xmlns:p166="http://schemas.microsoft.com/office/powerpoint/2016/6/main">
+                        <a:xfrm>
+                          <a:off x="0" y="0"/>
+                          <a:ext cx="4877929" cy="2743835"/>
+                        </a:xfrm>
+                        <a:prstGeom prst="rect">
+                          <a:avLst/>
+                        </a:prstGeom>
+                        <a:ln w="3175">
+                          <a:solidFill>
+                            <a:prstClr val="ltGray"/>
+                          </a:solidFill>
+                        </a:ln>
+                      </p166:spPr>
+                    </pslz:zmPr>
+                  </pslz:sldZmObj>
+                </pslz:sldZm>
+              </a:graphicData>
+            </a:graphic>
+          </p:graphicFrame>
+        </mc:Choice>
+        <mc:Fallback>
+          <p:pic>
+            <p:nvPicPr>
+              <p:cNvPr id="4" name="Zoom de diapositive 3">
+                <a:hlinkClick r:id="rId3" action="ppaction://hlinksldjump"/>
+                <a:extLst>
+                  <a:ext uri="{FF2B5EF4-FFF2-40B4-BE49-F238E27FC236}">
+                    <a16:creationId xmlns:a16="http://schemas.microsoft.com/office/drawing/2014/main" id="{CEBF69F1-30FA-2258-988A-F24BEA82BBAC}"/>
+                  </a:ext>
+                </a:extLst>
+              </p:cNvPr>
+              <p:cNvPicPr>
+                <a:picLocks noGrp="1" noRot="1" noChangeAspect="1" noMove="1" noResize="1" noEditPoints="1" noAdjustHandles="1" noChangeArrowheads="1" noChangeShapeType="1"/>
+              </p:cNvPicPr>
+              <p:nvPr/>
+            </p:nvPicPr>
+            <p:blipFill>
+              <a:blip r:embed="rId2"/>
+              <a:stretch>
+                <a:fillRect/>
+              </a:stretch>
+            </p:blipFill>
+            <p:spPr>
+              <a:xfrm>
+                <a:off x="6475871" y="365124"/>
+                <a:ext cx="4877929" cy="2743835"/>
+              </a:xfrm>
+              <a:prstGeom prst="rect">
+                <a:avLst/>
+              </a:prstGeom>
+              <a:ln w="3175">
+                <a:solidFill>
+                  <a:prstClr val="ltGray"/>
+                </a:solidFill>
+              </a:ln>
+            </p:spPr>
+          </p:pic>
+        </mc:Fallback>
+      </mc:AlternateContent>
+      <p:sp>
+        <p:nvSpPr>
+          <p:cNvPr id="5" name="Titre 1">
+            <a:extLst>
+              <a:ext uri="{FF2B5EF4-FFF2-40B4-BE49-F238E27FC236}">
+                <a16:creationId xmlns:a16="http://schemas.microsoft.com/office/drawing/2014/main" id="{9CC7A3B2-00FD-A85C-CC30-28EFF2F4D5FF}"/>
+              </a:ext>
+            </a:extLst>
+          </p:cNvPr>
+          <p:cNvSpPr txBox="1">
+            <a:spLocks/>
+          </p:cNvSpPr>
+          <p:nvPr/>
+        </p:nvSpPr>
+        <p:spPr>
+          <a:xfrm>
+            <a:off x="6475871" y="3108959"/>
+            <a:ext cx="4877928" cy="640083"/>
+          </a:xfrm>
+          <a:prstGeom prst="rect">
+            <a:avLst/>
+          </a:prstGeom>
+        </p:spPr>
+        <p:txBody>
+          <a:bodyPr vert="horz" lIns="91440" tIns="45720" rIns="91440" bIns="45720" rtlCol="0" anchor="ctr">
+            <a:normAutofit/>
+          </a:bodyPr>
+          <a:lstStyle>
+            <a:lvl1pPr algn="l" defTabSz="914400" rtl="0" eaLnBrk="1" latinLnBrk="0" hangingPunct="1">
+              <a:lnSpc>
+                <a:spcPct val="90000"/>
+              </a:lnSpc>
+              <a:spcBef>
+                <a:spcPct val="0"/>
+              </a:spcBef>
+              <a:buNone/>
+              <a:defRPr sz="4400" kern="1200">
+                <a:solidFill>
+                  <a:schemeClr val="tx1"/>
+                </a:solidFill>
+                <a:latin typeface="+mj-lt"/>
+                <a:ea typeface="+mj-ea"/>
+                <a:cs typeface="+mj-cs"/>
+              </a:defRPr>
+            </a:lvl1pPr>
+          </a:lstStyle>
+          <a:p>
+            <a:pPr algn="ctr"/>
+            <a:r>
+              <a:rPr lang="fr-FR" sz="2400" dirty="0">
+                <a:solidFill>
+                  <a:schemeClr val="bg1"/>
+                </a:solidFill>
+                <a:latin typeface="Kanit ExtraLight" pitchFamily="2" charset="-34"/>
+                <a:cs typeface="Kanit ExtraLight" pitchFamily="2" charset="-34"/>
+              </a:rPr>
+              <a:t>Notre diagramme de Gantt</a:t>
+            </a:r>
+            <a:endParaRPr lang="fr-FR" dirty="0">
               <a:solidFill>
                 <a:schemeClr val="bg1"/>
               </a:solidFill>
@@ -4478,10 +4318,147 @@
           </a:p>
         </p:txBody>
       </p:sp>
+      <p:sp>
+        <p:nvSpPr>
+          <p:cNvPr id="7" name="Titre 1">
+            <a:extLst>
+              <a:ext uri="{FF2B5EF4-FFF2-40B4-BE49-F238E27FC236}">
+                <a16:creationId xmlns:a16="http://schemas.microsoft.com/office/drawing/2014/main" id="{A9AC5AA5-59F0-A2D4-59B2-5C0BE96A2E2B}"/>
+              </a:ext>
+            </a:extLst>
+          </p:cNvPr>
+          <p:cNvSpPr txBox="1">
+            <a:spLocks/>
+          </p:cNvSpPr>
+          <p:nvPr/>
+        </p:nvSpPr>
+        <p:spPr>
+          <a:xfrm>
+            <a:off x="647049" y="5959563"/>
+            <a:ext cx="4877928" cy="640083"/>
+          </a:xfrm>
+          <a:prstGeom prst="rect">
+            <a:avLst/>
+          </a:prstGeom>
+        </p:spPr>
+        <p:txBody>
+          <a:bodyPr vert="horz" lIns="91440" tIns="45720" rIns="91440" bIns="45720" rtlCol="0" anchor="ctr">
+            <a:normAutofit fontScale="92500" lnSpcReduction="20000"/>
+          </a:bodyPr>
+          <a:lstStyle>
+            <a:lvl1pPr algn="l" defTabSz="914400" rtl="0" eaLnBrk="1" latinLnBrk="0" hangingPunct="1">
+              <a:lnSpc>
+                <a:spcPct val="90000"/>
+              </a:lnSpc>
+              <a:spcBef>
+                <a:spcPct val="0"/>
+              </a:spcBef>
+              <a:buNone/>
+              <a:defRPr sz="4400" kern="1200">
+                <a:solidFill>
+                  <a:schemeClr val="tx1"/>
+                </a:solidFill>
+                <a:latin typeface="+mj-lt"/>
+                <a:ea typeface="+mj-ea"/>
+                <a:cs typeface="+mj-cs"/>
+              </a:defRPr>
+            </a:lvl1pPr>
+          </a:lstStyle>
+          <a:p>
+            <a:pPr algn="ctr"/>
+            <a:r>
+              <a:rPr lang="fr-FR" sz="2400" dirty="0">
+                <a:solidFill>
+                  <a:schemeClr val="bg1"/>
+                </a:solidFill>
+                <a:latin typeface="Kanit ExtraLight" pitchFamily="2" charset="-34"/>
+                <a:cs typeface="Kanit ExtraLight" pitchFamily="2" charset="-34"/>
+              </a:rPr>
+              <a:t>Vision globale des heures de chacun (exemple)</a:t>
+            </a:r>
+            <a:endParaRPr lang="fr-FR" dirty="0">
+              <a:solidFill>
+                <a:schemeClr val="bg1"/>
+              </a:solidFill>
+              <a:latin typeface="Kanit ExtraLight" pitchFamily="2" charset="-34"/>
+              <a:cs typeface="Kanit ExtraLight" pitchFamily="2" charset="-34"/>
+            </a:endParaRPr>
+          </a:p>
+        </p:txBody>
+      </p:sp>
+      <p:pic>
+        <p:nvPicPr>
+          <p:cNvPr id="9" name="Image 8">
+            <a:extLst>
+              <a:ext uri="{FF2B5EF4-FFF2-40B4-BE49-F238E27FC236}">
+                <a16:creationId xmlns:a16="http://schemas.microsoft.com/office/drawing/2014/main" id="{C4734E96-495A-EF05-F320-5C7F7ED3B85E}"/>
+              </a:ext>
+            </a:extLst>
+          </p:cNvPr>
+          <p:cNvPicPr>
+            <a:picLocks noChangeAspect="1"/>
+          </p:cNvPicPr>
+          <p:nvPr/>
+        </p:nvPicPr>
+        <p:blipFill>
+          <a:blip r:embed="rId4"/>
+          <a:stretch>
+            <a:fillRect/>
+          </a:stretch>
+        </p:blipFill>
+        <p:spPr>
+          <a:xfrm>
+            <a:off x="455897" y="3426677"/>
+            <a:ext cx="5260233" cy="2398048"/>
+          </a:xfrm>
+          <a:prstGeom prst="rect">
+            <a:avLst/>
+          </a:prstGeom>
+        </p:spPr>
+      </p:pic>
+      <p:pic>
+        <p:nvPicPr>
+          <p:cNvPr id="12" name="Graphique 11" descr="Plan avec un remplissage uni">
+            <a:extLst>
+              <a:ext uri="{FF2B5EF4-FFF2-40B4-BE49-F238E27FC236}">
+                <a16:creationId xmlns:a16="http://schemas.microsoft.com/office/drawing/2014/main" id="{2B5676CD-B355-A18B-2FBC-A09DDA1BE953}"/>
+              </a:ext>
+            </a:extLst>
+          </p:cNvPr>
+          <p:cNvPicPr>
+            <a:picLocks noChangeAspect="1"/>
+          </p:cNvPicPr>
+          <p:nvPr/>
+        </p:nvPicPr>
+        <p:blipFill>
+          <a:blip r:embed="rId5">
+            <a:extLst>
+              <a:ext uri="{28A0092B-C50C-407E-A947-70E740481C1C}">
+                <a14:useLocalDpi xmlns:a14="http://schemas.microsoft.com/office/drawing/2010/main" val="0"/>
+              </a:ext>
+              <a:ext uri="{96DAC541-7B7A-43D3-8B79-37D633B846F1}">
+                <asvg:svgBlip xmlns:asvg="http://schemas.microsoft.com/office/drawing/2016/SVG/main" r:embed="rId6"/>
+              </a:ext>
+            </a:extLst>
+          </a:blip>
+          <a:stretch>
+            <a:fillRect/>
+          </a:stretch>
+        </p:blipFill>
+        <p:spPr>
+          <a:xfrm>
+            <a:off x="8084126" y="4185501"/>
+            <a:ext cx="2176336" cy="2176336"/>
+          </a:xfrm>
+          <a:prstGeom prst="rect">
+            <a:avLst/>
+          </a:prstGeom>
+        </p:spPr>
+      </p:pic>
     </p:spTree>
     <p:extLst>
       <p:ext uri="{BB962C8B-B14F-4D97-AF65-F5344CB8AC3E}">
-        <p14:creationId xmlns:p14="http://schemas.microsoft.com/office/powerpoint/2010/main" val="3345628062"/>
+        <p14:creationId xmlns:p14="http://schemas.microsoft.com/office/powerpoint/2010/main" val="1017326091"/>
       </p:ext>
     </p:extLst>
   </p:cSld>
@@ -4513,57 +4490,413 @@
       </p:grpSpPr>
       <p:sp>
         <p:nvSpPr>
-          <p:cNvPr id="2" name="Titre 1">
-            <a:extLst>
-              <a:ext uri="{FF2B5EF4-FFF2-40B4-BE49-F238E27FC236}">
-                <a16:creationId xmlns:a16="http://schemas.microsoft.com/office/drawing/2014/main" id="{3C2ABF41-BFFD-A046-D6CD-B22EFF188F48}"/>
-              </a:ext>
-            </a:extLst>
-          </p:cNvPr>
-          <p:cNvSpPr>
-            <a:spLocks noGrp="1"/>
-          </p:cNvSpPr>
-          <p:nvPr>
-            <p:ph type="title"/>
-          </p:nvPr>
-        </p:nvSpPr>
-        <p:spPr/>
-        <p:txBody>
-          <a:bodyPr/>
-          <a:lstStyle/>
-          <a:p>
-            <a:endParaRPr lang="fr-FR" dirty="0">
+          <p:cNvPr id="7" name="Rectangle 6">
+            <a:extLst>
+              <a:ext uri="{FF2B5EF4-FFF2-40B4-BE49-F238E27FC236}">
+                <a16:creationId xmlns:a16="http://schemas.microsoft.com/office/drawing/2014/main" id="{A1B745B0-F285-BA0C-9F66-378A9744198D}"/>
+              </a:ext>
+            </a:extLst>
+          </p:cNvPr>
+          <p:cNvSpPr/>
+          <p:nvPr/>
+        </p:nvSpPr>
+        <p:spPr>
+          <a:xfrm>
+            <a:off x="0" y="0"/>
+            <a:ext cx="12192000" cy="6858000"/>
+          </a:xfrm>
+          <a:prstGeom prst="rect">
+            <a:avLst/>
+          </a:prstGeom>
+          <a:gradFill flip="none" rotWithShape="1">
+            <a:gsLst>
+              <a:gs pos="0">
+                <a:srgbClr val="1C62CA">
+                  <a:alpha val="85000"/>
+                </a:srgbClr>
+              </a:gs>
+              <a:gs pos="50000">
+                <a:srgbClr val="1C62CA">
+                  <a:alpha val="85000"/>
+                </a:srgbClr>
+              </a:gs>
+              <a:gs pos="100000">
+                <a:srgbClr val="1C62CA">
+                  <a:alpha val="70000"/>
+                </a:srgbClr>
+              </a:gs>
+            </a:gsLst>
+            <a:lin ang="0" scaled="1"/>
+            <a:tileRect/>
+          </a:gradFill>
+          <a:ln>
+            <a:noFill/>
+          </a:ln>
+        </p:spPr>
+        <p:style>
+          <a:lnRef idx="2">
+            <a:schemeClr val="accent1">
+              <a:shade val="15000"/>
+            </a:schemeClr>
+          </a:lnRef>
+          <a:fillRef idx="1">
+            <a:schemeClr val="accent1"/>
+          </a:fillRef>
+          <a:effectRef idx="0">
+            <a:schemeClr val="accent1"/>
+          </a:effectRef>
+          <a:fontRef idx="minor">
+            <a:schemeClr val="lt1"/>
+          </a:fontRef>
+        </p:style>
+        <p:txBody>
+          <a:bodyPr rtlCol="0" anchor="ctr"/>
+          <a:lstStyle/>
+          <a:p>
+            <a:pPr algn="ctr"/>
+            <a:endParaRPr lang="fr-FR">
               <a:solidFill>
                 <a:schemeClr val="bg1"/>
               </a:solidFill>
-              <a:latin typeface="Kanit SemiBold" pitchFamily="2" charset="-34"/>
-              <a:cs typeface="Kanit SemiBold" pitchFamily="2" charset="-34"/>
             </a:endParaRPr>
           </a:p>
         </p:txBody>
       </p:sp>
-      <p:sp>
-        <p:nvSpPr>
-          <p:cNvPr id="3" name="Espace réservé du contenu 2">
-            <a:extLst>
-              <a:ext uri="{FF2B5EF4-FFF2-40B4-BE49-F238E27FC236}">
-                <a16:creationId xmlns:a16="http://schemas.microsoft.com/office/drawing/2014/main" id="{2ED4B6EA-B112-DAFB-6CC6-83107B05ED53}"/>
-              </a:ext>
-            </a:extLst>
-          </p:cNvPr>
-          <p:cNvSpPr>
-            <a:spLocks noGrp="1"/>
-          </p:cNvSpPr>
-          <p:nvPr>
-            <p:ph idx="1"/>
-          </p:nvPr>
-        </p:nvSpPr>
-        <p:spPr/>
-        <p:txBody>
-          <a:bodyPr/>
-          <a:lstStyle/>
-          <a:p>
+      <p:pic>
+        <p:nvPicPr>
+          <p:cNvPr id="5" name="Image 4">
+            <a:extLst>
+              <a:ext uri="{FF2B5EF4-FFF2-40B4-BE49-F238E27FC236}">
+                <a16:creationId xmlns:a16="http://schemas.microsoft.com/office/drawing/2014/main" id="{25BE1A43-D2FF-E42A-A4AE-E55844D6EA68}"/>
+              </a:ext>
+            </a:extLst>
+          </p:cNvPr>
+          <p:cNvPicPr>
+            <a:picLocks noChangeAspect="1"/>
+          </p:cNvPicPr>
+          <p:nvPr/>
+        </p:nvPicPr>
+        <p:blipFill>
+          <a:blip r:embed="rId2"/>
+          <a:stretch>
+            <a:fillRect/>
+          </a:stretch>
+        </p:blipFill>
+        <p:spPr>
+          <a:xfrm>
+            <a:off x="170688" y="1199601"/>
+            <a:ext cx="11850624" cy="4458797"/>
+          </a:xfrm>
+          <a:prstGeom prst="rect">
+            <a:avLst/>
+          </a:prstGeom>
+        </p:spPr>
+      </p:pic>
+    </p:spTree>
+    <p:extLst>
+      <p:ext uri="{BB962C8B-B14F-4D97-AF65-F5344CB8AC3E}">
+        <p14:creationId xmlns:p14="http://schemas.microsoft.com/office/powerpoint/2010/main" val="3108786149"/>
+      </p:ext>
+    </p:extLst>
+  </p:cSld>
+  <p:clrMapOvr>
+    <a:masterClrMapping/>
+  </p:clrMapOvr>
+  <p:transition spd="slow">
+    <p:push/>
+  </p:transition>
+</p:sld>
+</file>
+
+<file path=ppt/slides/slide5.xml><?xml version="1.0" encoding="utf-8"?>
+<p:sld xmlns:a="http://schemas.openxmlformats.org/drawingml/2006/main" xmlns:r="http://schemas.openxmlformats.org/officeDocument/2006/relationships" xmlns:p="http://schemas.openxmlformats.org/presentationml/2006/main">
+  <p:cSld>
+    <p:spTree>
+      <p:nvGrpSpPr>
+        <p:cNvPr id="1" name=""/>
+        <p:cNvGrpSpPr/>
+        <p:nvPr/>
+      </p:nvGrpSpPr>
+      <p:grpSpPr>
+        <a:xfrm>
+          <a:off x="0" y="0"/>
+          <a:ext cx="0" cy="0"/>
+          <a:chOff x="0" y="0"/>
+          <a:chExt cx="0" cy="0"/>
+        </a:xfrm>
+      </p:grpSpPr>
+      <p:sp>
+        <p:nvSpPr>
+          <p:cNvPr id="4" name="Rectangle 3">
+            <a:extLst>
+              <a:ext uri="{FF2B5EF4-FFF2-40B4-BE49-F238E27FC236}">
+                <a16:creationId xmlns:a16="http://schemas.microsoft.com/office/drawing/2014/main" id="{AFA20A97-1F56-E575-E669-07EF88036758}"/>
+              </a:ext>
+            </a:extLst>
+          </p:cNvPr>
+          <p:cNvSpPr/>
+          <p:nvPr/>
+        </p:nvSpPr>
+        <p:spPr>
+          <a:xfrm>
+            <a:off x="0" y="0"/>
+            <a:ext cx="12192000" cy="6858000"/>
+          </a:xfrm>
+          <a:prstGeom prst="rect">
+            <a:avLst/>
+          </a:prstGeom>
+          <a:gradFill flip="none" rotWithShape="1">
+            <a:gsLst>
+              <a:gs pos="0">
+                <a:srgbClr val="1C62CA">
+                  <a:alpha val="70000"/>
+                </a:srgbClr>
+              </a:gs>
+              <a:gs pos="100000">
+                <a:srgbClr val="1C62CA">
+                  <a:alpha val="60000"/>
+                </a:srgbClr>
+              </a:gs>
+            </a:gsLst>
+            <a:lin ang="0" scaled="1"/>
+            <a:tileRect/>
+          </a:gradFill>
+          <a:ln>
+            <a:noFill/>
+          </a:ln>
+        </p:spPr>
+        <p:style>
+          <a:lnRef idx="2">
+            <a:schemeClr val="accent1">
+              <a:shade val="15000"/>
+            </a:schemeClr>
+          </a:lnRef>
+          <a:fillRef idx="1">
+            <a:schemeClr val="accent1"/>
+          </a:fillRef>
+          <a:effectRef idx="0">
+            <a:schemeClr val="accent1"/>
+          </a:effectRef>
+          <a:fontRef idx="minor">
+            <a:schemeClr val="lt1"/>
+          </a:fontRef>
+        </p:style>
+        <p:txBody>
+          <a:bodyPr rtlCol="0" anchor="ctr"/>
+          <a:lstStyle/>
+          <a:p>
+            <a:pPr algn="ctr"/>
             <a:endParaRPr lang="fr-FR">
+              <a:solidFill>
+                <a:schemeClr val="bg1"/>
+              </a:solidFill>
+            </a:endParaRPr>
+          </a:p>
+        </p:txBody>
+      </p:sp>
+      <p:sp>
+        <p:nvSpPr>
+          <p:cNvPr id="2" name="Titre 1">
+            <a:extLst>
+              <a:ext uri="{FF2B5EF4-FFF2-40B4-BE49-F238E27FC236}">
+                <a16:creationId xmlns:a16="http://schemas.microsoft.com/office/drawing/2014/main" id="{8114BE97-5E5E-1E53-88FD-90D2E6DB3BBD}"/>
+              </a:ext>
+            </a:extLst>
+          </p:cNvPr>
+          <p:cNvSpPr>
+            <a:spLocks noGrp="1"/>
+          </p:cNvSpPr>
+          <p:nvPr>
+            <p:ph type="title"/>
+          </p:nvPr>
+        </p:nvSpPr>
+        <p:spPr>
+          <a:xfrm>
+            <a:off x="5562136" y="1452466"/>
+            <a:ext cx="5951949" cy="946300"/>
+          </a:xfrm>
+        </p:spPr>
+        <p:txBody>
+          <a:bodyPr anchor="t">
+            <a:noAutofit/>
+          </a:bodyPr>
+          <a:lstStyle/>
+          <a:p>
+            <a:pPr algn="ctr"/>
+            <a:r>
+              <a:rPr lang="fr-FR" sz="6600" b="1" i="0" u="none" strike="noStrike" baseline="0" dirty="0">
+                <a:solidFill>
+                  <a:schemeClr val="bg1"/>
+                </a:solidFill>
+                <a:latin typeface="Kanit"/>
+              </a:rPr>
+              <a:t>La réalisation</a:t>
+            </a:r>
+            <a:endParaRPr lang="fr-FR" sz="16600" b="1" dirty="0">
+              <a:solidFill>
+                <a:schemeClr val="bg1"/>
+              </a:solidFill>
+              <a:latin typeface="Kanit"/>
+            </a:endParaRPr>
+          </a:p>
+        </p:txBody>
+      </p:sp>
+      <mc:AlternateContent xmlns:mc="http://schemas.openxmlformats.org/markup-compatibility/2006">
+        <mc:Choice xmlns:pslz="http://schemas.microsoft.com/office/powerpoint/2016/slidezoom" Requires="pslz">
+          <p:graphicFrame>
+            <p:nvGraphicFramePr>
+              <p:cNvPr id="6" name="Zoom de diapositive 5">
+                <a:extLst>
+                  <a:ext uri="{FF2B5EF4-FFF2-40B4-BE49-F238E27FC236}">
+                    <a16:creationId xmlns:a16="http://schemas.microsoft.com/office/drawing/2014/main" id="{F7272C02-9128-6377-36BB-366908489FA4}"/>
+                  </a:ext>
+                </a:extLst>
+              </p:cNvPr>
+              <p:cNvGraphicFramePr>
+                <a:graphicFrameLocks noChangeAspect="1"/>
+              </p:cNvGraphicFramePr>
+              <p:nvPr>
+                <p:extLst>
+                  <p:ext uri="{D42A27DB-BD31-4B8C-83A1-F6EECF244321}">
+                    <p14:modId xmlns:p14="http://schemas.microsoft.com/office/powerpoint/2010/main" val="2228506388"/>
+                  </p:ext>
+                </p:extLst>
+              </p:nvPr>
+            </p:nvGraphicFramePr>
+            <p:xfrm>
+              <a:off x="549167" y="596599"/>
+              <a:ext cx="4463802" cy="2510889"/>
+            </p:xfrm>
+            <a:graphic>
+              <a:graphicData uri="http://schemas.microsoft.com/office/powerpoint/2016/slidezoom">
+                <pslz:sldZm>
+                  <pslz:sldZmObj sldId="270" cId="851984799">
+                    <pslz:zmPr id="{2526325D-6F8F-4E2C-95B9-CF0109FC1200}" transitionDur="1000">
+                      <p166:blipFill xmlns:p166="http://schemas.microsoft.com/office/powerpoint/2016/6/main">
+                        <a:blip r:embed="rId2"/>
+                        <a:stretch>
+                          <a:fillRect/>
+                        </a:stretch>
+                      </p166:blipFill>
+                      <p166:spPr xmlns:p166="http://schemas.microsoft.com/office/powerpoint/2016/6/main">
+                        <a:xfrm>
+                          <a:off x="0" y="0"/>
+                          <a:ext cx="4463802" cy="2510889"/>
+                        </a:xfrm>
+                        <a:prstGeom prst="rect">
+                          <a:avLst/>
+                        </a:prstGeom>
+                        <a:ln w="3175">
+                          <a:solidFill>
+                            <a:prstClr val="ltGray"/>
+                          </a:solidFill>
+                        </a:ln>
+                      </p166:spPr>
+                    </pslz:zmPr>
+                  </pslz:sldZmObj>
+                </pslz:sldZm>
+              </a:graphicData>
+            </a:graphic>
+          </p:graphicFrame>
+        </mc:Choice>
+        <mc:Fallback>
+          <p:pic>
+            <p:nvPicPr>
+              <p:cNvPr id="6" name="Zoom de diapositive 5">
+                <a:hlinkClick r:id="rId3" action="ppaction://hlinksldjump"/>
+                <a:extLst>
+                  <a:ext uri="{FF2B5EF4-FFF2-40B4-BE49-F238E27FC236}">
+                    <a16:creationId xmlns:a16="http://schemas.microsoft.com/office/drawing/2014/main" id="{F7272C02-9128-6377-36BB-366908489FA4}"/>
+                  </a:ext>
+                </a:extLst>
+              </p:cNvPr>
+              <p:cNvPicPr>
+                <a:picLocks noGrp="1" noRot="1" noChangeAspect="1" noMove="1" noResize="1" noEditPoints="1" noAdjustHandles="1" noChangeArrowheads="1" noChangeShapeType="1"/>
+              </p:cNvPicPr>
+              <p:nvPr/>
+            </p:nvPicPr>
+            <p:blipFill>
+              <a:blip r:embed="rId2"/>
+              <a:stretch>
+                <a:fillRect/>
+              </a:stretch>
+            </p:blipFill>
+            <p:spPr>
+              <a:xfrm>
+                <a:off x="549167" y="596599"/>
+                <a:ext cx="4463802" cy="2510889"/>
+              </a:xfrm>
+              <a:prstGeom prst="rect">
+                <a:avLst/>
+              </a:prstGeom>
+              <a:ln w="3175">
+                <a:solidFill>
+                  <a:prstClr val="ltGray"/>
+                </a:solidFill>
+              </a:ln>
+            </p:spPr>
+          </p:pic>
+        </mc:Fallback>
+      </mc:AlternateContent>
+      <p:sp>
+        <p:nvSpPr>
+          <p:cNvPr id="7" name="Titre 1">
+            <a:extLst>
+              <a:ext uri="{FF2B5EF4-FFF2-40B4-BE49-F238E27FC236}">
+                <a16:creationId xmlns:a16="http://schemas.microsoft.com/office/drawing/2014/main" id="{7FAFC049-2163-734D-C099-8E72FBD8225F}"/>
+              </a:ext>
+            </a:extLst>
+          </p:cNvPr>
+          <p:cNvSpPr txBox="1">
+            <a:spLocks/>
+          </p:cNvSpPr>
+          <p:nvPr/>
+        </p:nvSpPr>
+        <p:spPr>
+          <a:xfrm>
+            <a:off x="549165" y="3182531"/>
+            <a:ext cx="4463803" cy="863951"/>
+          </a:xfrm>
+          <a:prstGeom prst="rect">
+            <a:avLst/>
+          </a:prstGeom>
+        </p:spPr>
+        <p:txBody>
+          <a:bodyPr vert="horz" lIns="91440" tIns="45720" rIns="91440" bIns="45720" rtlCol="0" anchor="ctr">
+            <a:normAutofit lnSpcReduction="10000"/>
+          </a:bodyPr>
+          <a:lstStyle>
+            <a:lvl1pPr algn="l" defTabSz="914400" rtl="0" eaLnBrk="1" latinLnBrk="0" hangingPunct="1">
+              <a:lnSpc>
+                <a:spcPct val="90000"/>
+              </a:lnSpc>
+              <a:spcBef>
+                <a:spcPct val="0"/>
+              </a:spcBef>
+              <a:buNone/>
+              <a:defRPr sz="4400" kern="1200">
+                <a:solidFill>
+                  <a:schemeClr val="tx1"/>
+                </a:solidFill>
+                <a:latin typeface="+mj-lt"/>
+                <a:ea typeface="+mj-ea"/>
+                <a:cs typeface="+mj-cs"/>
+              </a:defRPr>
+            </a:lvl1pPr>
+          </a:lstStyle>
+          <a:p>
+            <a:pPr algn="ctr"/>
+            <a:r>
+              <a:rPr lang="fr-FR" sz="2800" dirty="0">
+                <a:solidFill>
+                  <a:schemeClr val="bg1"/>
+                </a:solidFill>
+                <a:latin typeface="Kanit ExtraLight" pitchFamily="2" charset="-34"/>
+                <a:cs typeface="Kanit ExtraLight" pitchFamily="2" charset="-34"/>
+              </a:rPr>
+              <a:t>Notre groupe de communication Discord</a:t>
+            </a:r>
+            <a:endParaRPr lang="fr-FR" sz="4800" dirty="0">
               <a:solidFill>
                 <a:schemeClr val="bg1"/>
               </a:solidFill>
@@ -4573,10 +4906,1423 @@
           </a:p>
         </p:txBody>
       </p:sp>
+      <p:pic>
+        <p:nvPicPr>
+          <p:cNvPr id="11" name="Graphique 10" descr="Cercles avec flèches avec un remplissage uni">
+            <a:extLst>
+              <a:ext uri="{FF2B5EF4-FFF2-40B4-BE49-F238E27FC236}">
+                <a16:creationId xmlns:a16="http://schemas.microsoft.com/office/drawing/2014/main" id="{650E6D6B-7B74-45CE-AF9C-3D723C987566}"/>
+              </a:ext>
+            </a:extLst>
+          </p:cNvPr>
+          <p:cNvPicPr>
+            <a:picLocks noChangeAspect="1"/>
+          </p:cNvPicPr>
+          <p:nvPr/>
+        </p:nvPicPr>
+        <p:blipFill>
+          <a:blip r:embed="rId4">
+            <a:extLst>
+              <a:ext uri="{28A0092B-C50C-407E-A947-70E740481C1C}">
+                <a14:useLocalDpi xmlns:a14="http://schemas.microsoft.com/office/drawing/2010/main" val="0"/>
+              </a:ext>
+              <a:ext uri="{96DAC541-7B7A-43D3-8B79-37D633B846F1}">
+                <asvg:svgBlip xmlns:asvg="http://schemas.microsoft.com/office/drawing/2016/SVG/main" r:embed="rId5"/>
+              </a:ext>
+            </a:extLst>
+          </a:blip>
+          <a:stretch>
+            <a:fillRect/>
+          </a:stretch>
+        </p:blipFill>
+        <p:spPr>
+          <a:xfrm>
+            <a:off x="549165" y="4359517"/>
+            <a:ext cx="2185447" cy="2185447"/>
+          </a:xfrm>
+          <a:prstGeom prst="rect">
+            <a:avLst/>
+          </a:prstGeom>
+        </p:spPr>
+      </p:pic>
     </p:spTree>
     <p:extLst>
       <p:ext uri="{BB962C8B-B14F-4D97-AF65-F5344CB8AC3E}">
-        <p14:creationId xmlns:p14="http://schemas.microsoft.com/office/powerpoint/2010/main" val="1598200727"/>
+        <p14:creationId xmlns:p14="http://schemas.microsoft.com/office/powerpoint/2010/main" val="708704715"/>
+      </p:ext>
+    </p:extLst>
+  </p:cSld>
+  <p:clrMapOvr>
+    <a:masterClrMapping/>
+  </p:clrMapOvr>
+  <p:transition spd="slow">
+    <p:push/>
+  </p:transition>
+</p:sld>
+</file>
+
+<file path=ppt/slides/slide6.xml><?xml version="1.0" encoding="utf-8"?>
+<p:sld xmlns:a="http://schemas.openxmlformats.org/drawingml/2006/main" xmlns:r="http://schemas.openxmlformats.org/officeDocument/2006/relationships" xmlns:p="http://schemas.openxmlformats.org/presentationml/2006/main">
+  <p:cSld>
+    <p:spTree>
+      <p:nvGrpSpPr>
+        <p:cNvPr id="1" name=""/>
+        <p:cNvGrpSpPr/>
+        <p:nvPr/>
+      </p:nvGrpSpPr>
+      <p:grpSpPr>
+        <a:xfrm>
+          <a:off x="0" y="0"/>
+          <a:ext cx="0" cy="0"/>
+          <a:chOff x="0" y="0"/>
+          <a:chExt cx="0" cy="0"/>
+        </a:xfrm>
+      </p:grpSpPr>
+      <p:pic>
+        <p:nvPicPr>
+          <p:cNvPr id="7" name="Image 6">
+            <a:extLst>
+              <a:ext uri="{FF2B5EF4-FFF2-40B4-BE49-F238E27FC236}">
+                <a16:creationId xmlns:a16="http://schemas.microsoft.com/office/drawing/2014/main" id="{60ABABDB-0BC4-E1F3-83EF-9B249ECA6DE2}"/>
+              </a:ext>
+            </a:extLst>
+          </p:cNvPr>
+          <p:cNvPicPr>
+            <a:picLocks noChangeAspect="1"/>
+          </p:cNvPicPr>
+          <p:nvPr/>
+        </p:nvPicPr>
+        <p:blipFill rotWithShape="1">
+          <a:blip r:embed="rId2"/>
+          <a:srcRect/>
+          <a:stretch/>
+        </p:blipFill>
+        <p:spPr>
+          <a:xfrm>
+            <a:off x="-5406" y="0"/>
+            <a:ext cx="12192000" cy="6858000"/>
+          </a:xfrm>
+          <a:prstGeom prst="rect">
+            <a:avLst/>
+          </a:prstGeom>
+        </p:spPr>
+      </p:pic>
+      <p:sp>
+        <p:nvSpPr>
+          <p:cNvPr id="8" name="Rectangle 7">
+            <a:extLst>
+              <a:ext uri="{FF2B5EF4-FFF2-40B4-BE49-F238E27FC236}">
+                <a16:creationId xmlns:a16="http://schemas.microsoft.com/office/drawing/2014/main" id="{ACDC0CF5-647D-C0BC-5179-6440528DD417}"/>
+              </a:ext>
+            </a:extLst>
+          </p:cNvPr>
+          <p:cNvSpPr/>
+          <p:nvPr/>
+        </p:nvSpPr>
+        <p:spPr>
+          <a:xfrm>
+            <a:off x="0" y="706755"/>
+            <a:ext cx="528320" cy="4004393"/>
+          </a:xfrm>
+          <a:prstGeom prst="rect">
+            <a:avLst/>
+          </a:prstGeom>
+          <a:solidFill>
+            <a:srgbClr val="1E1F22"/>
+          </a:solidFill>
+          <a:ln>
+            <a:noFill/>
+          </a:ln>
+        </p:spPr>
+        <p:style>
+          <a:lnRef idx="2">
+            <a:schemeClr val="accent1">
+              <a:shade val="15000"/>
+            </a:schemeClr>
+          </a:lnRef>
+          <a:fillRef idx="1">
+            <a:schemeClr val="accent1"/>
+          </a:fillRef>
+          <a:effectRef idx="0">
+            <a:schemeClr val="accent1"/>
+          </a:effectRef>
+          <a:fontRef idx="minor">
+            <a:schemeClr val="lt1"/>
+          </a:fontRef>
+        </p:style>
+        <p:txBody>
+          <a:bodyPr rtlCol="0" anchor="ctr"/>
+          <a:lstStyle/>
+          <a:p>
+            <a:pPr algn="ctr"/>
+            <a:endParaRPr lang="fr-FR"/>
+          </a:p>
+        </p:txBody>
+      </p:sp>
+      <p:sp>
+        <p:nvSpPr>
+          <p:cNvPr id="9" name="Rectangle 8">
+            <a:extLst>
+              <a:ext uri="{FF2B5EF4-FFF2-40B4-BE49-F238E27FC236}">
+                <a16:creationId xmlns:a16="http://schemas.microsoft.com/office/drawing/2014/main" id="{AA7F0387-F064-4768-CB3A-A402D16E9C01}"/>
+              </a:ext>
+            </a:extLst>
+          </p:cNvPr>
+          <p:cNvSpPr/>
+          <p:nvPr/>
+        </p:nvSpPr>
+        <p:spPr>
+          <a:xfrm>
+            <a:off x="0" y="5120640"/>
+            <a:ext cx="528320" cy="1737360"/>
+          </a:xfrm>
+          <a:prstGeom prst="rect">
+            <a:avLst/>
+          </a:prstGeom>
+          <a:solidFill>
+            <a:srgbClr val="1E1F22"/>
+          </a:solidFill>
+          <a:ln>
+            <a:noFill/>
+          </a:ln>
+        </p:spPr>
+        <p:style>
+          <a:lnRef idx="2">
+            <a:schemeClr val="accent1">
+              <a:shade val="15000"/>
+            </a:schemeClr>
+          </a:lnRef>
+          <a:fillRef idx="1">
+            <a:schemeClr val="accent1"/>
+          </a:fillRef>
+          <a:effectRef idx="0">
+            <a:schemeClr val="accent1"/>
+          </a:effectRef>
+          <a:fontRef idx="minor">
+            <a:schemeClr val="lt1"/>
+          </a:fontRef>
+        </p:style>
+        <p:txBody>
+          <a:bodyPr rtlCol="0" anchor="ctr"/>
+          <a:lstStyle/>
+          <a:p>
+            <a:pPr algn="ctr"/>
+            <a:endParaRPr lang="fr-FR"/>
+          </a:p>
+        </p:txBody>
+      </p:sp>
+      <p:sp>
+        <p:nvSpPr>
+          <p:cNvPr id="10" name="Rectangle 9">
+            <a:extLst>
+              <a:ext uri="{FF2B5EF4-FFF2-40B4-BE49-F238E27FC236}">
+                <a16:creationId xmlns:a16="http://schemas.microsoft.com/office/drawing/2014/main" id="{1CDCD5A7-714A-3B55-6FAE-8BC07F226926}"/>
+              </a:ext>
+            </a:extLst>
+          </p:cNvPr>
+          <p:cNvSpPr/>
+          <p:nvPr/>
+        </p:nvSpPr>
+        <p:spPr>
+          <a:xfrm>
+            <a:off x="528321" y="1460938"/>
+            <a:ext cx="1973142" cy="4960883"/>
+          </a:xfrm>
+          <a:prstGeom prst="rect">
+            <a:avLst/>
+          </a:prstGeom>
+          <a:noFill/>
+          <a:ln w="76200">
+            <a:solidFill>
+              <a:srgbClr val="FF0000"/>
+            </a:solidFill>
+          </a:ln>
+        </p:spPr>
+        <p:style>
+          <a:lnRef idx="2">
+            <a:schemeClr val="accent1">
+              <a:shade val="15000"/>
+            </a:schemeClr>
+          </a:lnRef>
+          <a:fillRef idx="1">
+            <a:schemeClr val="accent1"/>
+          </a:fillRef>
+          <a:effectRef idx="0">
+            <a:schemeClr val="accent1"/>
+          </a:effectRef>
+          <a:fontRef idx="minor">
+            <a:schemeClr val="lt1"/>
+          </a:fontRef>
+        </p:style>
+        <p:txBody>
+          <a:bodyPr rtlCol="0" anchor="ctr"/>
+          <a:lstStyle/>
+          <a:p>
+            <a:pPr algn="ctr"/>
+            <a:endParaRPr lang="fr-FR"/>
+          </a:p>
+        </p:txBody>
+      </p:sp>
+      <p:sp>
+        <p:nvSpPr>
+          <p:cNvPr id="11" name="ZoneTexte 10">
+            <a:extLst>
+              <a:ext uri="{FF2B5EF4-FFF2-40B4-BE49-F238E27FC236}">
+                <a16:creationId xmlns:a16="http://schemas.microsoft.com/office/drawing/2014/main" id="{51AD3265-E09B-CDC9-C8F1-0B57B2046F1D}"/>
+              </a:ext>
+            </a:extLst>
+          </p:cNvPr>
+          <p:cNvSpPr txBox="1"/>
+          <p:nvPr/>
+        </p:nvSpPr>
+        <p:spPr>
+          <a:xfrm>
+            <a:off x="386257" y="332862"/>
+            <a:ext cx="2257269" cy="923330"/>
+          </a:xfrm>
+          <a:prstGeom prst="rect">
+            <a:avLst/>
+          </a:prstGeom>
+          <a:solidFill>
+            <a:schemeClr val="bg1"/>
+          </a:solidFill>
+        </p:spPr>
+        <p:txBody>
+          <a:bodyPr wrap="square" rtlCol="0">
+            <a:spAutoFit/>
+          </a:bodyPr>
+          <a:lstStyle/>
+          <a:p>
+            <a:pPr algn="ctr"/>
+            <a:r>
+              <a:rPr lang="fr-FR" b="1" dirty="0">
+                <a:solidFill>
+                  <a:srgbClr val="FF0000"/>
+                </a:solidFill>
+                <a:latin typeface="Kanit" pitchFamily="2" charset="-34"/>
+                <a:cs typeface="Kanit" pitchFamily="2" charset="-34"/>
+              </a:rPr>
+              <a:t>Salons de communication par thèmes</a:t>
+            </a:r>
+          </a:p>
+        </p:txBody>
+      </p:sp>
+      <p:sp>
+        <p:nvSpPr>
+          <p:cNvPr id="14" name="ZoneTexte 13">
+            <a:extLst>
+              <a:ext uri="{FF2B5EF4-FFF2-40B4-BE49-F238E27FC236}">
+                <a16:creationId xmlns:a16="http://schemas.microsoft.com/office/drawing/2014/main" id="{6574B6EF-CDBF-D4EB-716C-22718EFBA158}"/>
+              </a:ext>
+            </a:extLst>
+          </p:cNvPr>
+          <p:cNvSpPr txBox="1"/>
+          <p:nvPr/>
+        </p:nvSpPr>
+        <p:spPr>
+          <a:xfrm>
+            <a:off x="10081477" y="4711148"/>
+            <a:ext cx="1973142" cy="923330"/>
+          </a:xfrm>
+          <a:prstGeom prst="rect">
+            <a:avLst/>
+          </a:prstGeom>
+          <a:solidFill>
+            <a:schemeClr val="bg1"/>
+          </a:solidFill>
+        </p:spPr>
+        <p:txBody>
+          <a:bodyPr wrap="square" rtlCol="0">
+            <a:spAutoFit/>
+          </a:bodyPr>
+          <a:lstStyle/>
+          <a:p>
+            <a:pPr algn="ctr"/>
+            <a:r>
+              <a:rPr lang="fr-FR" b="1" dirty="0">
+                <a:solidFill>
+                  <a:srgbClr val="FF0000"/>
+                </a:solidFill>
+                <a:latin typeface="Kanit" pitchFamily="2" charset="-34"/>
+                <a:cs typeface="Kanit" pitchFamily="2" charset="-34"/>
+              </a:rPr>
+              <a:t>Reconnaissance rapide des rôles de chacun</a:t>
+            </a:r>
+          </a:p>
+        </p:txBody>
+      </p:sp>
+      <p:sp>
+        <p:nvSpPr>
+          <p:cNvPr id="15" name="Rectangle 14">
+            <a:extLst>
+              <a:ext uri="{FF2B5EF4-FFF2-40B4-BE49-F238E27FC236}">
+                <a16:creationId xmlns:a16="http://schemas.microsoft.com/office/drawing/2014/main" id="{33075DEE-9B62-3F46-4D0C-769F71531CB3}"/>
+              </a:ext>
+            </a:extLst>
+          </p:cNvPr>
+          <p:cNvSpPr/>
+          <p:nvPr/>
+        </p:nvSpPr>
+        <p:spPr>
+          <a:xfrm>
+            <a:off x="10081477" y="576390"/>
+            <a:ext cx="1973142" cy="3986184"/>
+          </a:xfrm>
+          <a:prstGeom prst="rect">
+            <a:avLst/>
+          </a:prstGeom>
+          <a:noFill/>
+          <a:ln w="76200">
+            <a:solidFill>
+              <a:srgbClr val="FF0000"/>
+            </a:solidFill>
+          </a:ln>
+        </p:spPr>
+        <p:style>
+          <a:lnRef idx="2">
+            <a:schemeClr val="accent1">
+              <a:shade val="15000"/>
+            </a:schemeClr>
+          </a:lnRef>
+          <a:fillRef idx="1">
+            <a:schemeClr val="accent1"/>
+          </a:fillRef>
+          <a:effectRef idx="0">
+            <a:schemeClr val="accent1"/>
+          </a:effectRef>
+          <a:fontRef idx="minor">
+            <a:schemeClr val="lt1"/>
+          </a:fontRef>
+        </p:style>
+        <p:txBody>
+          <a:bodyPr rtlCol="0" anchor="ctr"/>
+          <a:lstStyle/>
+          <a:p>
+            <a:pPr algn="ctr"/>
+            <a:endParaRPr lang="fr-FR"/>
+          </a:p>
+        </p:txBody>
+      </p:sp>
+    </p:spTree>
+    <p:extLst>
+      <p:ext uri="{BB962C8B-B14F-4D97-AF65-F5344CB8AC3E}">
+        <p14:creationId xmlns:p14="http://schemas.microsoft.com/office/powerpoint/2010/main" val="851984799"/>
+      </p:ext>
+    </p:extLst>
+  </p:cSld>
+  <p:clrMapOvr>
+    <a:masterClrMapping/>
+  </p:clrMapOvr>
+  <p:transition spd="slow">
+    <p:push/>
+  </p:transition>
+  <p:timing>
+    <p:tnLst>
+      <p:par>
+        <p:cTn id="1" dur="indefinite" restart="never" nodeType="tmRoot">
+          <p:childTnLst>
+            <p:seq concurrent="1" nextAc="seek">
+              <p:cTn id="2" dur="indefinite" nodeType="mainSeq">
+                <p:childTnLst>
+                  <p:par>
+                    <p:cTn id="3" fill="hold">
+                      <p:stCondLst>
+                        <p:cond delay="indefinite"/>
+                      </p:stCondLst>
+                      <p:childTnLst>
+                        <p:par>
+                          <p:cTn id="4" fill="hold">
+                            <p:stCondLst>
+                              <p:cond delay="0"/>
+                            </p:stCondLst>
+                            <p:childTnLst>
+                              <p:par>
+                                <p:cTn id="5" presetID="10" presetClass="entr" presetSubtype="0" fill="hold" grpId="0" nodeType="clickEffect">
+                                  <p:stCondLst>
+                                    <p:cond delay="0"/>
+                                  </p:stCondLst>
+                                  <p:childTnLst>
+                                    <p:set>
+                                      <p:cBhvr>
+                                        <p:cTn id="6" dur="1" fill="hold">
+                                          <p:stCondLst>
+                                            <p:cond delay="0"/>
+                                          </p:stCondLst>
+                                        </p:cTn>
+                                        <p:tgtEl>
+                                          <p:spTgt spid="11"/>
+                                        </p:tgtEl>
+                                        <p:attrNameLst>
+                                          <p:attrName>style.visibility</p:attrName>
+                                        </p:attrNameLst>
+                                      </p:cBhvr>
+                                      <p:to>
+                                        <p:strVal val="visible"/>
+                                      </p:to>
+                                    </p:set>
+                                    <p:animEffect transition="in" filter="fade">
+                                      <p:cBhvr>
+                                        <p:cTn id="7" dur="500"/>
+                                        <p:tgtEl>
+                                          <p:spTgt spid="11"/>
+                                        </p:tgtEl>
+                                      </p:cBhvr>
+                                    </p:animEffect>
+                                  </p:childTnLst>
+                                </p:cTn>
+                              </p:par>
+                              <p:par>
+                                <p:cTn id="8" presetID="10" presetClass="entr" presetSubtype="0" fill="hold" grpId="0" nodeType="withEffect">
+                                  <p:stCondLst>
+                                    <p:cond delay="0"/>
+                                  </p:stCondLst>
+                                  <p:childTnLst>
+                                    <p:set>
+                                      <p:cBhvr>
+                                        <p:cTn id="9" dur="1" fill="hold">
+                                          <p:stCondLst>
+                                            <p:cond delay="0"/>
+                                          </p:stCondLst>
+                                        </p:cTn>
+                                        <p:tgtEl>
+                                          <p:spTgt spid="10"/>
+                                        </p:tgtEl>
+                                        <p:attrNameLst>
+                                          <p:attrName>style.visibility</p:attrName>
+                                        </p:attrNameLst>
+                                      </p:cBhvr>
+                                      <p:to>
+                                        <p:strVal val="visible"/>
+                                      </p:to>
+                                    </p:set>
+                                    <p:animEffect transition="in" filter="fade">
+                                      <p:cBhvr>
+                                        <p:cTn id="10" dur="500"/>
+                                        <p:tgtEl>
+                                          <p:spTgt spid="10"/>
+                                        </p:tgtEl>
+                                      </p:cBhvr>
+                                    </p:animEffect>
+                                  </p:childTnLst>
+                                </p:cTn>
+                              </p:par>
+                            </p:childTnLst>
+                          </p:cTn>
+                        </p:par>
+                      </p:childTnLst>
+                    </p:cTn>
+                  </p:par>
+                  <p:par>
+                    <p:cTn id="11" fill="hold">
+                      <p:stCondLst>
+                        <p:cond delay="indefinite"/>
+                      </p:stCondLst>
+                      <p:childTnLst>
+                        <p:par>
+                          <p:cTn id="12" fill="hold">
+                            <p:stCondLst>
+                              <p:cond delay="0"/>
+                            </p:stCondLst>
+                            <p:childTnLst>
+                              <p:par>
+                                <p:cTn id="13" presetID="10" presetClass="exit" presetSubtype="0" fill="hold" grpId="1" nodeType="clickEffect">
+                                  <p:stCondLst>
+                                    <p:cond delay="0"/>
+                                  </p:stCondLst>
+                                  <p:childTnLst>
+                                    <p:animEffect transition="out" filter="fade">
+                                      <p:cBhvr>
+                                        <p:cTn id="14" dur="500"/>
+                                        <p:tgtEl>
+                                          <p:spTgt spid="11"/>
+                                        </p:tgtEl>
+                                      </p:cBhvr>
+                                    </p:animEffect>
+                                    <p:set>
+                                      <p:cBhvr>
+                                        <p:cTn id="15" dur="1" fill="hold">
+                                          <p:stCondLst>
+                                            <p:cond delay="499"/>
+                                          </p:stCondLst>
+                                        </p:cTn>
+                                        <p:tgtEl>
+                                          <p:spTgt spid="11"/>
+                                        </p:tgtEl>
+                                        <p:attrNameLst>
+                                          <p:attrName>style.visibility</p:attrName>
+                                        </p:attrNameLst>
+                                      </p:cBhvr>
+                                      <p:to>
+                                        <p:strVal val="hidden"/>
+                                      </p:to>
+                                    </p:set>
+                                  </p:childTnLst>
+                                </p:cTn>
+                              </p:par>
+                              <p:par>
+                                <p:cTn id="16" presetID="10" presetClass="exit" presetSubtype="0" fill="hold" grpId="1" nodeType="withEffect">
+                                  <p:stCondLst>
+                                    <p:cond delay="0"/>
+                                  </p:stCondLst>
+                                  <p:childTnLst>
+                                    <p:animEffect transition="out" filter="fade">
+                                      <p:cBhvr>
+                                        <p:cTn id="17" dur="500"/>
+                                        <p:tgtEl>
+                                          <p:spTgt spid="10"/>
+                                        </p:tgtEl>
+                                      </p:cBhvr>
+                                    </p:animEffect>
+                                    <p:set>
+                                      <p:cBhvr>
+                                        <p:cTn id="18" dur="1" fill="hold">
+                                          <p:stCondLst>
+                                            <p:cond delay="499"/>
+                                          </p:stCondLst>
+                                        </p:cTn>
+                                        <p:tgtEl>
+                                          <p:spTgt spid="10"/>
+                                        </p:tgtEl>
+                                        <p:attrNameLst>
+                                          <p:attrName>style.visibility</p:attrName>
+                                        </p:attrNameLst>
+                                      </p:cBhvr>
+                                      <p:to>
+                                        <p:strVal val="hidden"/>
+                                      </p:to>
+                                    </p:set>
+                                  </p:childTnLst>
+                                </p:cTn>
+                              </p:par>
+                              <p:par>
+                                <p:cTn id="19" presetID="10" presetClass="entr" presetSubtype="0" fill="hold" grpId="0" nodeType="withEffect">
+                                  <p:stCondLst>
+                                    <p:cond delay="0"/>
+                                  </p:stCondLst>
+                                  <p:childTnLst>
+                                    <p:set>
+                                      <p:cBhvr>
+                                        <p:cTn id="20" dur="1" fill="hold">
+                                          <p:stCondLst>
+                                            <p:cond delay="0"/>
+                                          </p:stCondLst>
+                                        </p:cTn>
+                                        <p:tgtEl>
+                                          <p:spTgt spid="14"/>
+                                        </p:tgtEl>
+                                        <p:attrNameLst>
+                                          <p:attrName>style.visibility</p:attrName>
+                                        </p:attrNameLst>
+                                      </p:cBhvr>
+                                      <p:to>
+                                        <p:strVal val="visible"/>
+                                      </p:to>
+                                    </p:set>
+                                    <p:animEffect transition="in" filter="fade">
+                                      <p:cBhvr>
+                                        <p:cTn id="21" dur="500"/>
+                                        <p:tgtEl>
+                                          <p:spTgt spid="14"/>
+                                        </p:tgtEl>
+                                      </p:cBhvr>
+                                    </p:animEffect>
+                                  </p:childTnLst>
+                                </p:cTn>
+                              </p:par>
+                              <p:par>
+                                <p:cTn id="22" presetID="10" presetClass="entr" presetSubtype="0" fill="hold" grpId="0" nodeType="withEffect">
+                                  <p:stCondLst>
+                                    <p:cond delay="0"/>
+                                  </p:stCondLst>
+                                  <p:childTnLst>
+                                    <p:set>
+                                      <p:cBhvr>
+                                        <p:cTn id="23" dur="1" fill="hold">
+                                          <p:stCondLst>
+                                            <p:cond delay="0"/>
+                                          </p:stCondLst>
+                                        </p:cTn>
+                                        <p:tgtEl>
+                                          <p:spTgt spid="15"/>
+                                        </p:tgtEl>
+                                        <p:attrNameLst>
+                                          <p:attrName>style.visibility</p:attrName>
+                                        </p:attrNameLst>
+                                      </p:cBhvr>
+                                      <p:to>
+                                        <p:strVal val="visible"/>
+                                      </p:to>
+                                    </p:set>
+                                    <p:animEffect transition="in" filter="fade">
+                                      <p:cBhvr>
+                                        <p:cTn id="24" dur="500"/>
+                                        <p:tgtEl>
+                                          <p:spTgt spid="15"/>
+                                        </p:tgtEl>
+                                      </p:cBhvr>
+                                    </p:animEffect>
+                                  </p:childTnLst>
+                                </p:cTn>
+                              </p:par>
+                            </p:childTnLst>
+                          </p:cTn>
+                        </p:par>
+                      </p:childTnLst>
+                    </p:cTn>
+                  </p:par>
+                  <p:par>
+                    <p:cTn id="25" fill="hold">
+                      <p:stCondLst>
+                        <p:cond delay="indefinite"/>
+                      </p:stCondLst>
+                      <p:childTnLst>
+                        <p:par>
+                          <p:cTn id="26" fill="hold">
+                            <p:stCondLst>
+                              <p:cond delay="0"/>
+                            </p:stCondLst>
+                            <p:childTnLst>
+                              <p:par>
+                                <p:cTn id="27" presetID="10" presetClass="exit" presetSubtype="0" fill="hold" grpId="1" nodeType="clickEffect">
+                                  <p:stCondLst>
+                                    <p:cond delay="0"/>
+                                  </p:stCondLst>
+                                  <p:childTnLst>
+                                    <p:animEffect transition="out" filter="fade">
+                                      <p:cBhvr>
+                                        <p:cTn id="28" dur="500"/>
+                                        <p:tgtEl>
+                                          <p:spTgt spid="14"/>
+                                        </p:tgtEl>
+                                      </p:cBhvr>
+                                    </p:animEffect>
+                                    <p:set>
+                                      <p:cBhvr>
+                                        <p:cTn id="29" dur="1" fill="hold">
+                                          <p:stCondLst>
+                                            <p:cond delay="499"/>
+                                          </p:stCondLst>
+                                        </p:cTn>
+                                        <p:tgtEl>
+                                          <p:spTgt spid="14"/>
+                                        </p:tgtEl>
+                                        <p:attrNameLst>
+                                          <p:attrName>style.visibility</p:attrName>
+                                        </p:attrNameLst>
+                                      </p:cBhvr>
+                                      <p:to>
+                                        <p:strVal val="hidden"/>
+                                      </p:to>
+                                    </p:set>
+                                  </p:childTnLst>
+                                </p:cTn>
+                              </p:par>
+                              <p:par>
+                                <p:cTn id="30" presetID="10" presetClass="exit" presetSubtype="0" fill="hold" grpId="1" nodeType="withEffect">
+                                  <p:stCondLst>
+                                    <p:cond delay="0"/>
+                                  </p:stCondLst>
+                                  <p:childTnLst>
+                                    <p:animEffect transition="out" filter="fade">
+                                      <p:cBhvr>
+                                        <p:cTn id="31" dur="500"/>
+                                        <p:tgtEl>
+                                          <p:spTgt spid="15"/>
+                                        </p:tgtEl>
+                                      </p:cBhvr>
+                                    </p:animEffect>
+                                    <p:set>
+                                      <p:cBhvr>
+                                        <p:cTn id="32" dur="1" fill="hold">
+                                          <p:stCondLst>
+                                            <p:cond delay="499"/>
+                                          </p:stCondLst>
+                                        </p:cTn>
+                                        <p:tgtEl>
+                                          <p:spTgt spid="15"/>
+                                        </p:tgtEl>
+                                        <p:attrNameLst>
+                                          <p:attrName>style.visibility</p:attrName>
+                                        </p:attrNameLst>
+                                      </p:cBhvr>
+                                      <p:to>
+                                        <p:strVal val="hidden"/>
+                                      </p:to>
+                                    </p:set>
+                                  </p:childTnLst>
+                                </p:cTn>
+                              </p:par>
+                            </p:childTnLst>
+                          </p:cTn>
+                        </p:par>
+                      </p:childTnLst>
+                    </p:cTn>
+                  </p:par>
+                </p:childTnLst>
+              </p:cTn>
+              <p:prevCondLst>
+                <p:cond evt="onPrev" delay="0">
+                  <p:tgtEl>
+                    <p:sldTgt/>
+                  </p:tgtEl>
+                </p:cond>
+              </p:prevCondLst>
+              <p:nextCondLst>
+                <p:cond evt="onNext" delay="0">
+                  <p:tgtEl>
+                    <p:sldTgt/>
+                  </p:tgtEl>
+                </p:cond>
+              </p:nextCondLst>
+            </p:seq>
+          </p:childTnLst>
+        </p:cTn>
+      </p:par>
+    </p:tnLst>
+    <p:bldLst>
+      <p:bldP spid="10" grpId="0" animBg="1"/>
+      <p:bldP spid="10" grpId="1" animBg="1"/>
+      <p:bldP spid="11" grpId="0" animBg="1"/>
+      <p:bldP spid="11" grpId="1" animBg="1"/>
+      <p:bldP spid="14" grpId="0" animBg="1"/>
+      <p:bldP spid="14" grpId="1" animBg="1"/>
+      <p:bldP spid="15" grpId="0" animBg="1"/>
+      <p:bldP spid="15" grpId="1" animBg="1"/>
+    </p:bldLst>
+  </p:timing>
+</p:sld>
+</file>
+
+<file path=ppt/slides/slide7.xml><?xml version="1.0" encoding="utf-8"?>
+<p:sld xmlns:a="http://schemas.openxmlformats.org/drawingml/2006/main" xmlns:r="http://schemas.openxmlformats.org/officeDocument/2006/relationships" xmlns:p="http://schemas.openxmlformats.org/presentationml/2006/main">
+  <p:cSld>
+    <p:spTree>
+      <p:nvGrpSpPr>
+        <p:cNvPr id="1" name=""/>
+        <p:cNvGrpSpPr/>
+        <p:nvPr/>
+      </p:nvGrpSpPr>
+      <p:grpSpPr>
+        <a:xfrm>
+          <a:off x="0" y="0"/>
+          <a:ext cx="0" cy="0"/>
+          <a:chOff x="0" y="0"/>
+          <a:chExt cx="0" cy="0"/>
+        </a:xfrm>
+      </p:grpSpPr>
+      <p:sp>
+        <p:nvSpPr>
+          <p:cNvPr id="4" name="Rectangle 3">
+            <a:extLst>
+              <a:ext uri="{FF2B5EF4-FFF2-40B4-BE49-F238E27FC236}">
+                <a16:creationId xmlns:a16="http://schemas.microsoft.com/office/drawing/2014/main" id="{82DBE25F-23D4-E967-D9B6-1F9AD5987971}"/>
+              </a:ext>
+            </a:extLst>
+          </p:cNvPr>
+          <p:cNvSpPr/>
+          <p:nvPr/>
+        </p:nvSpPr>
+        <p:spPr>
+          <a:xfrm>
+            <a:off x="0" y="0"/>
+            <a:ext cx="12192000" cy="6858000"/>
+          </a:xfrm>
+          <a:prstGeom prst="rect">
+            <a:avLst/>
+          </a:prstGeom>
+          <a:gradFill flip="none" rotWithShape="1">
+            <a:gsLst>
+              <a:gs pos="0">
+                <a:srgbClr val="1C62CA">
+                  <a:alpha val="60000"/>
+                </a:srgbClr>
+              </a:gs>
+              <a:gs pos="100000">
+                <a:srgbClr val="1C62CA">
+                  <a:alpha val="40000"/>
+                </a:srgbClr>
+              </a:gs>
+            </a:gsLst>
+            <a:lin ang="0" scaled="1"/>
+            <a:tileRect/>
+          </a:gradFill>
+          <a:ln>
+            <a:noFill/>
+          </a:ln>
+        </p:spPr>
+        <p:style>
+          <a:lnRef idx="2">
+            <a:schemeClr val="accent1">
+              <a:shade val="15000"/>
+            </a:schemeClr>
+          </a:lnRef>
+          <a:fillRef idx="1">
+            <a:schemeClr val="accent1"/>
+          </a:fillRef>
+          <a:effectRef idx="0">
+            <a:schemeClr val="accent1"/>
+          </a:effectRef>
+          <a:fontRef idx="minor">
+            <a:schemeClr val="lt1"/>
+          </a:fontRef>
+        </p:style>
+        <p:txBody>
+          <a:bodyPr rtlCol="0" anchor="ctr"/>
+          <a:lstStyle/>
+          <a:p>
+            <a:pPr algn="ctr"/>
+            <a:endParaRPr lang="fr-FR" dirty="0">
+              <a:solidFill>
+                <a:schemeClr val="bg1"/>
+              </a:solidFill>
+            </a:endParaRPr>
+          </a:p>
+        </p:txBody>
+      </p:sp>
+      <p:sp>
+        <p:nvSpPr>
+          <p:cNvPr id="2" name="Titre 1">
+            <a:extLst>
+              <a:ext uri="{FF2B5EF4-FFF2-40B4-BE49-F238E27FC236}">
+                <a16:creationId xmlns:a16="http://schemas.microsoft.com/office/drawing/2014/main" id="{8114BE97-5E5E-1E53-88FD-90D2E6DB3BBD}"/>
+              </a:ext>
+            </a:extLst>
+          </p:cNvPr>
+          <p:cNvSpPr>
+            <a:spLocks noGrp="1"/>
+          </p:cNvSpPr>
+          <p:nvPr>
+            <p:ph type="title"/>
+          </p:nvPr>
+        </p:nvSpPr>
+        <p:spPr>
+          <a:xfrm>
+            <a:off x="3517258" y="3124200"/>
+            <a:ext cx="5385004" cy="1014984"/>
+          </a:xfrm>
+        </p:spPr>
+        <p:txBody>
+          <a:bodyPr anchor="t">
+            <a:noAutofit/>
+          </a:bodyPr>
+          <a:lstStyle/>
+          <a:p>
+            <a:pPr algn="ctr"/>
+            <a:r>
+              <a:rPr lang="fr-FR" sz="4800" b="1" i="0" u="none" strike="noStrike" baseline="0" dirty="0">
+                <a:latin typeface="Kanit"/>
+              </a:rPr>
+              <a:t>Coût humain total</a:t>
+            </a:r>
+            <a:endParaRPr lang="fr-FR" sz="4800" b="1" dirty="0">
+              <a:latin typeface="Kanit"/>
+            </a:endParaRPr>
+          </a:p>
+        </p:txBody>
+      </p:sp>
+    </p:spTree>
+    <p:extLst>
+      <p:ext uri="{BB962C8B-B14F-4D97-AF65-F5344CB8AC3E}">
+        <p14:creationId xmlns:p14="http://schemas.microsoft.com/office/powerpoint/2010/main" val="2956362599"/>
+      </p:ext>
+    </p:extLst>
+  </p:cSld>
+  <p:clrMapOvr>
+    <a:masterClrMapping/>
+  </p:clrMapOvr>
+  <p:transition spd="slow">
+    <p:push/>
+  </p:transition>
+</p:sld>
+</file>
+
+<file path=ppt/slides/slide8.xml><?xml version="1.0" encoding="utf-8"?>
+<p:sld xmlns:a="http://schemas.openxmlformats.org/drawingml/2006/main" xmlns:r="http://schemas.openxmlformats.org/officeDocument/2006/relationships" xmlns:p="http://schemas.openxmlformats.org/presentationml/2006/main">
+  <p:cSld>
+    <p:spTree>
+      <p:nvGrpSpPr>
+        <p:cNvPr id="1" name=""/>
+        <p:cNvGrpSpPr/>
+        <p:nvPr/>
+      </p:nvGrpSpPr>
+      <p:grpSpPr>
+        <a:xfrm>
+          <a:off x="0" y="0"/>
+          <a:ext cx="0" cy="0"/>
+          <a:chOff x="0" y="0"/>
+          <a:chExt cx="0" cy="0"/>
+        </a:xfrm>
+      </p:grpSpPr>
+      <p:sp>
+        <p:nvSpPr>
+          <p:cNvPr id="4" name="Rectangle 3">
+            <a:extLst>
+              <a:ext uri="{FF2B5EF4-FFF2-40B4-BE49-F238E27FC236}">
+                <a16:creationId xmlns:a16="http://schemas.microsoft.com/office/drawing/2014/main" id="{D6EE3EAF-BB88-7662-7678-E30EA161162E}"/>
+              </a:ext>
+            </a:extLst>
+          </p:cNvPr>
+          <p:cNvSpPr/>
+          <p:nvPr/>
+        </p:nvSpPr>
+        <p:spPr>
+          <a:xfrm>
+            <a:off x="0" y="0"/>
+            <a:ext cx="12192000" cy="6858000"/>
+          </a:xfrm>
+          <a:prstGeom prst="rect">
+            <a:avLst/>
+          </a:prstGeom>
+          <a:gradFill flip="none" rotWithShape="1">
+            <a:gsLst>
+              <a:gs pos="0">
+                <a:srgbClr val="1C62CA">
+                  <a:alpha val="40000"/>
+                </a:srgbClr>
+              </a:gs>
+              <a:gs pos="100000">
+                <a:srgbClr val="1C62CA">
+                  <a:alpha val="0"/>
+                </a:srgbClr>
+              </a:gs>
+            </a:gsLst>
+            <a:lin ang="0" scaled="1"/>
+            <a:tileRect/>
+          </a:gradFill>
+          <a:ln>
+            <a:noFill/>
+          </a:ln>
+        </p:spPr>
+        <p:style>
+          <a:lnRef idx="2">
+            <a:schemeClr val="accent1">
+              <a:shade val="15000"/>
+            </a:schemeClr>
+          </a:lnRef>
+          <a:fillRef idx="1">
+            <a:schemeClr val="accent1"/>
+          </a:fillRef>
+          <a:effectRef idx="0">
+            <a:schemeClr val="accent1"/>
+          </a:effectRef>
+          <a:fontRef idx="minor">
+            <a:schemeClr val="lt1"/>
+          </a:fontRef>
+        </p:style>
+        <p:txBody>
+          <a:bodyPr rtlCol="0" anchor="ctr"/>
+          <a:lstStyle/>
+          <a:p>
+            <a:pPr algn="ctr"/>
+            <a:endParaRPr lang="fr-FR">
+              <a:solidFill>
+                <a:schemeClr val="bg1"/>
+              </a:solidFill>
+            </a:endParaRPr>
+          </a:p>
+        </p:txBody>
+      </p:sp>
+      <p:sp>
+        <p:nvSpPr>
+          <p:cNvPr id="2" name="Titre 1">
+            <a:extLst>
+              <a:ext uri="{FF2B5EF4-FFF2-40B4-BE49-F238E27FC236}">
+                <a16:creationId xmlns:a16="http://schemas.microsoft.com/office/drawing/2014/main" id="{8114BE97-5E5E-1E53-88FD-90D2E6DB3BBD}"/>
+              </a:ext>
+            </a:extLst>
+          </p:cNvPr>
+          <p:cNvSpPr>
+            <a:spLocks noGrp="1"/>
+          </p:cNvSpPr>
+          <p:nvPr>
+            <p:ph type="title"/>
+          </p:nvPr>
+        </p:nvSpPr>
+        <p:spPr>
+          <a:xfrm>
+            <a:off x="3965494" y="1041963"/>
+            <a:ext cx="4261010" cy="1014984"/>
+          </a:xfrm>
+        </p:spPr>
+        <p:txBody>
+          <a:bodyPr anchor="t">
+            <a:noAutofit/>
+          </a:bodyPr>
+          <a:lstStyle/>
+          <a:p>
+            <a:pPr algn="ctr"/>
+            <a:r>
+              <a:rPr lang="fr-FR" sz="7200" b="1" i="0" u="none" strike="noStrike" baseline="0" dirty="0">
+                <a:latin typeface="Kanit"/>
+              </a:rPr>
+              <a:t>Bilan</a:t>
+            </a:r>
+            <a:endParaRPr lang="fr-FR" sz="7200" b="1" dirty="0">
+              <a:latin typeface="Kanit"/>
+            </a:endParaRPr>
+          </a:p>
+        </p:txBody>
+      </p:sp>
+      <mc:AlternateContent xmlns:mc="http://schemas.openxmlformats.org/markup-compatibility/2006">
+        <mc:Choice xmlns:pslz="http://schemas.microsoft.com/office/powerpoint/2016/slidezoom" Requires="pslz">
+          <p:graphicFrame>
+            <p:nvGraphicFramePr>
+              <p:cNvPr id="6" name="Zoom de diapositive 5">
+                <a:extLst>
+                  <a:ext uri="{FF2B5EF4-FFF2-40B4-BE49-F238E27FC236}">
+                    <a16:creationId xmlns:a16="http://schemas.microsoft.com/office/drawing/2014/main" id="{32E826B6-45C8-34B2-FC0B-D1889CC0102A}"/>
+                  </a:ext>
+                </a:extLst>
+              </p:cNvPr>
+              <p:cNvGraphicFramePr>
+                <a:graphicFrameLocks noChangeAspect="1"/>
+              </p:cNvGraphicFramePr>
+              <p:nvPr>
+                <p:extLst>
+                  <p:ext uri="{D42A27DB-BD31-4B8C-83A1-F6EECF244321}">
+                    <p14:modId xmlns:p14="http://schemas.microsoft.com/office/powerpoint/2010/main" val="1196932741"/>
+                  </p:ext>
+                </p:extLst>
+              </p:nvPr>
+            </p:nvGraphicFramePr>
+            <p:xfrm>
+              <a:off x="4364058" y="2531349"/>
+              <a:ext cx="3463883" cy="1948434"/>
+            </p:xfrm>
+            <a:graphic>
+              <a:graphicData uri="http://schemas.microsoft.com/office/powerpoint/2016/slidezoom">
+                <pslz:sldZm>
+                  <pslz:sldZmObj sldId="267" cId="3315214436">
+                    <pslz:zmPr id="{2A819057-0BA4-4C6B-9747-11C9C10DC49A}" returnToParent="0" transitionDur="1000">
+                      <p166:blipFill xmlns:p166="http://schemas.microsoft.com/office/powerpoint/2016/6/main">
+                        <a:blip r:embed="rId2"/>
+                        <a:stretch>
+                          <a:fillRect/>
+                        </a:stretch>
+                      </p166:blipFill>
+                      <p166:spPr xmlns:p166="http://schemas.microsoft.com/office/powerpoint/2016/6/main">
+                        <a:xfrm>
+                          <a:off x="0" y="0"/>
+                          <a:ext cx="3463883" cy="1948434"/>
+                        </a:xfrm>
+                        <a:prstGeom prst="rect">
+                          <a:avLst/>
+                        </a:prstGeom>
+                        <a:ln w="3175">
+                          <a:solidFill>
+                            <a:prstClr val="ltGray"/>
+                          </a:solidFill>
+                        </a:ln>
+                      </p166:spPr>
+                    </pslz:zmPr>
+                  </pslz:sldZmObj>
+                </pslz:sldZm>
+              </a:graphicData>
+            </a:graphic>
+          </p:graphicFrame>
+        </mc:Choice>
+        <mc:Fallback>
+          <p:pic>
+            <p:nvPicPr>
+              <p:cNvPr id="6" name="Zoom de diapositive 5">
+                <a:hlinkClick r:id="rId3" action="ppaction://hlinksldjump"/>
+                <a:extLst>
+                  <a:ext uri="{FF2B5EF4-FFF2-40B4-BE49-F238E27FC236}">
+                    <a16:creationId xmlns:a16="http://schemas.microsoft.com/office/drawing/2014/main" id="{32E826B6-45C8-34B2-FC0B-D1889CC0102A}"/>
+                  </a:ext>
+                </a:extLst>
+              </p:cNvPr>
+              <p:cNvPicPr>
+                <a:picLocks noGrp="1" noRot="1" noChangeAspect="1" noMove="1" noResize="1" noEditPoints="1" noAdjustHandles="1" noChangeArrowheads="1" noChangeShapeType="1"/>
+              </p:cNvPicPr>
+              <p:nvPr/>
+            </p:nvPicPr>
+            <p:blipFill>
+              <a:blip r:embed="rId2"/>
+              <a:stretch>
+                <a:fillRect/>
+              </a:stretch>
+            </p:blipFill>
+            <p:spPr>
+              <a:xfrm>
+                <a:off x="4364058" y="2531349"/>
+                <a:ext cx="3463883" cy="1948434"/>
+              </a:xfrm>
+              <a:prstGeom prst="rect">
+                <a:avLst/>
+              </a:prstGeom>
+              <a:ln w="3175">
+                <a:solidFill>
+                  <a:prstClr val="ltGray"/>
+                </a:solidFill>
+              </a:ln>
+            </p:spPr>
+          </p:pic>
+        </mc:Fallback>
+      </mc:AlternateContent>
+      <mc:AlternateContent xmlns:mc="http://schemas.openxmlformats.org/markup-compatibility/2006">
+        <mc:Choice xmlns:pslz="http://schemas.microsoft.com/office/powerpoint/2016/slidezoom" Requires="pslz">
+          <p:graphicFrame>
+            <p:nvGraphicFramePr>
+              <p:cNvPr id="8" name="Zoom de diapositive 7">
+                <a:extLst>
+                  <a:ext uri="{FF2B5EF4-FFF2-40B4-BE49-F238E27FC236}">
+                    <a16:creationId xmlns:a16="http://schemas.microsoft.com/office/drawing/2014/main" id="{E7626C8D-07B1-504C-34FD-6754F79AC9AF}"/>
+                  </a:ext>
+                </a:extLst>
+              </p:cNvPr>
+              <p:cNvGraphicFramePr>
+                <a:graphicFrameLocks noChangeAspect="1"/>
+              </p:cNvGraphicFramePr>
+              <p:nvPr>
+                <p:extLst>
+                  <p:ext uri="{D42A27DB-BD31-4B8C-83A1-F6EECF244321}">
+                    <p14:modId xmlns:p14="http://schemas.microsoft.com/office/powerpoint/2010/main" val="2050076613"/>
+                  </p:ext>
+                </p:extLst>
+              </p:nvPr>
+            </p:nvGraphicFramePr>
+            <p:xfrm>
+              <a:off x="450088" y="2531349"/>
+              <a:ext cx="3463883" cy="1948434"/>
+            </p:xfrm>
+            <a:graphic>
+              <a:graphicData uri="http://schemas.microsoft.com/office/powerpoint/2016/slidezoom">
+                <pslz:sldZm>
+                  <pslz:sldZmObj sldId="268" cId="1818274042">
+                    <pslz:zmPr id="{FB389DD0-12C0-426B-814D-32E19546F054}" returnToParent="0" transitionDur="1000">
+                      <p166:blipFill xmlns:p166="http://schemas.microsoft.com/office/powerpoint/2016/6/main">
+                        <a:blip r:embed="rId4"/>
+                        <a:stretch>
+                          <a:fillRect/>
+                        </a:stretch>
+                      </p166:blipFill>
+                      <p166:spPr xmlns:p166="http://schemas.microsoft.com/office/powerpoint/2016/6/main">
+                        <a:xfrm>
+                          <a:off x="0" y="0"/>
+                          <a:ext cx="3463883" cy="1948434"/>
+                        </a:xfrm>
+                        <a:prstGeom prst="rect">
+                          <a:avLst/>
+                        </a:prstGeom>
+                        <a:ln w="3175">
+                          <a:solidFill>
+                            <a:prstClr val="ltGray"/>
+                          </a:solidFill>
+                        </a:ln>
+                      </p166:spPr>
+                    </pslz:zmPr>
+                  </pslz:sldZmObj>
+                </pslz:sldZm>
+              </a:graphicData>
+            </a:graphic>
+          </p:graphicFrame>
+        </mc:Choice>
+        <mc:Fallback>
+          <p:pic>
+            <p:nvPicPr>
+              <p:cNvPr id="8" name="Zoom de diapositive 7">
+                <a:hlinkClick r:id="rId5" action="ppaction://hlinksldjump"/>
+                <a:extLst>
+                  <a:ext uri="{FF2B5EF4-FFF2-40B4-BE49-F238E27FC236}">
+                    <a16:creationId xmlns:a16="http://schemas.microsoft.com/office/drawing/2014/main" id="{E7626C8D-07B1-504C-34FD-6754F79AC9AF}"/>
+                  </a:ext>
+                </a:extLst>
+              </p:cNvPr>
+              <p:cNvPicPr>
+                <a:picLocks noGrp="1" noRot="1" noChangeAspect="1" noMove="1" noResize="1" noEditPoints="1" noAdjustHandles="1" noChangeArrowheads="1" noChangeShapeType="1"/>
+              </p:cNvPicPr>
+              <p:nvPr/>
+            </p:nvPicPr>
+            <p:blipFill>
+              <a:blip r:embed="rId4"/>
+              <a:stretch>
+                <a:fillRect/>
+              </a:stretch>
+            </p:blipFill>
+            <p:spPr>
+              <a:xfrm>
+                <a:off x="450088" y="2531349"/>
+                <a:ext cx="3463883" cy="1948434"/>
+              </a:xfrm>
+              <a:prstGeom prst="rect">
+                <a:avLst/>
+              </a:prstGeom>
+              <a:ln w="3175">
+                <a:solidFill>
+                  <a:prstClr val="ltGray"/>
+                </a:solidFill>
+              </a:ln>
+            </p:spPr>
+          </p:pic>
+        </mc:Fallback>
+      </mc:AlternateContent>
+      <mc:AlternateContent xmlns:mc="http://schemas.openxmlformats.org/markup-compatibility/2006">
+        <mc:Choice xmlns:pslz="http://schemas.microsoft.com/office/powerpoint/2016/slidezoom" Requires="pslz">
+          <p:graphicFrame>
+            <p:nvGraphicFramePr>
+              <p:cNvPr id="10" name="Zoom de diapositive 9">
+                <a:extLst>
+                  <a:ext uri="{FF2B5EF4-FFF2-40B4-BE49-F238E27FC236}">
+                    <a16:creationId xmlns:a16="http://schemas.microsoft.com/office/drawing/2014/main" id="{75CE6397-66B7-3D57-87A3-81687CB9DBB7}"/>
+                  </a:ext>
+                </a:extLst>
+              </p:cNvPr>
+              <p:cNvGraphicFramePr>
+                <a:graphicFrameLocks noChangeAspect="1"/>
+              </p:cNvGraphicFramePr>
+              <p:nvPr>
+                <p:extLst>
+                  <p:ext uri="{D42A27DB-BD31-4B8C-83A1-F6EECF244321}">
+                    <p14:modId xmlns:p14="http://schemas.microsoft.com/office/powerpoint/2010/main" val="3822437008"/>
+                  </p:ext>
+                </p:extLst>
+              </p:nvPr>
+            </p:nvGraphicFramePr>
+            <p:xfrm>
+              <a:off x="8278029" y="2531349"/>
+              <a:ext cx="3463883" cy="1948434"/>
+            </p:xfrm>
+            <a:graphic>
+              <a:graphicData uri="http://schemas.microsoft.com/office/powerpoint/2016/slidezoom">
+                <pslz:sldZm>
+                  <pslz:sldZmObj sldId="269" cId="2062808289">
+                    <pslz:zmPr id="{CEC41685-C41F-415F-B89C-D9089C3A892E}" returnToParent="0" transitionDur="1000">
+                      <p166:blipFill xmlns:p166="http://schemas.microsoft.com/office/powerpoint/2016/6/main">
+                        <a:blip r:embed="rId6"/>
+                        <a:stretch>
+                          <a:fillRect/>
+                        </a:stretch>
+                      </p166:blipFill>
+                      <p166:spPr xmlns:p166="http://schemas.microsoft.com/office/powerpoint/2016/6/main">
+                        <a:xfrm>
+                          <a:off x="0" y="0"/>
+                          <a:ext cx="3463883" cy="1948434"/>
+                        </a:xfrm>
+                        <a:prstGeom prst="rect">
+                          <a:avLst/>
+                        </a:prstGeom>
+                        <a:ln w="3175">
+                          <a:solidFill>
+                            <a:prstClr val="ltGray"/>
+                          </a:solidFill>
+                        </a:ln>
+                      </p166:spPr>
+                    </pslz:zmPr>
+                  </pslz:sldZmObj>
+                </pslz:sldZm>
+              </a:graphicData>
+            </a:graphic>
+          </p:graphicFrame>
+        </mc:Choice>
+        <mc:Fallback>
+          <p:pic>
+            <p:nvPicPr>
+              <p:cNvPr id="10" name="Zoom de diapositive 9">
+                <a:hlinkClick r:id="rId7" action="ppaction://hlinksldjump"/>
+                <a:extLst>
+                  <a:ext uri="{FF2B5EF4-FFF2-40B4-BE49-F238E27FC236}">
+                    <a16:creationId xmlns:a16="http://schemas.microsoft.com/office/drawing/2014/main" id="{75CE6397-66B7-3D57-87A3-81687CB9DBB7}"/>
+                  </a:ext>
+                </a:extLst>
+              </p:cNvPr>
+              <p:cNvPicPr>
+                <a:picLocks noGrp="1" noRot="1" noChangeAspect="1" noMove="1" noResize="1" noEditPoints="1" noAdjustHandles="1" noChangeArrowheads="1" noChangeShapeType="1"/>
+              </p:cNvPicPr>
+              <p:nvPr/>
+            </p:nvPicPr>
+            <p:blipFill>
+              <a:blip r:embed="rId6"/>
+              <a:stretch>
+                <a:fillRect/>
+              </a:stretch>
+            </p:blipFill>
+            <p:spPr>
+              <a:xfrm>
+                <a:off x="8278029" y="2531349"/>
+                <a:ext cx="3463883" cy="1948434"/>
+              </a:xfrm>
+              <a:prstGeom prst="rect">
+                <a:avLst/>
+              </a:prstGeom>
+              <a:ln w="3175">
+                <a:solidFill>
+                  <a:prstClr val="ltGray"/>
+                </a:solidFill>
+              </a:ln>
+            </p:spPr>
+          </p:pic>
+        </mc:Fallback>
+      </mc:AlternateContent>
+    </p:spTree>
+    <p:extLst>
+      <p:ext uri="{BB962C8B-B14F-4D97-AF65-F5344CB8AC3E}">
+        <p14:creationId xmlns:p14="http://schemas.microsoft.com/office/powerpoint/2010/main" val="715110297"/>
+      </p:ext>
+    </p:extLst>
+  </p:cSld>
+  <p:clrMapOvr>
+    <a:masterClrMapping/>
+  </p:clrMapOvr>
+  <p:transition spd="slow">
+    <p:push/>
+  </p:transition>
+</p:sld>
+</file>
+
+<file path=ppt/slides/slide9.xml><?xml version="1.0" encoding="utf-8"?>
+<p:sld xmlns:a="http://schemas.openxmlformats.org/drawingml/2006/main" xmlns:r="http://schemas.openxmlformats.org/officeDocument/2006/relationships" xmlns:p="http://schemas.openxmlformats.org/presentationml/2006/main">
+  <p:cSld>
+    <p:spTree>
+      <p:nvGrpSpPr>
+        <p:cNvPr id="1" name=""/>
+        <p:cNvGrpSpPr/>
+        <p:nvPr/>
+      </p:nvGrpSpPr>
+      <p:grpSpPr>
+        <a:xfrm>
+          <a:off x="0" y="0"/>
+          <a:ext cx="0" cy="0"/>
+          <a:chOff x="0" y="0"/>
+          <a:chExt cx="0" cy="0"/>
+        </a:xfrm>
+      </p:grpSpPr>
+      <p:sp>
+        <p:nvSpPr>
+          <p:cNvPr id="2" name="Titre 1">
+            <a:extLst>
+              <a:ext uri="{FF2B5EF4-FFF2-40B4-BE49-F238E27FC236}">
+                <a16:creationId xmlns:a16="http://schemas.microsoft.com/office/drawing/2014/main" id="{4A20927B-B9F9-A7AD-BCFF-01E32E6E0228}"/>
+              </a:ext>
+            </a:extLst>
+          </p:cNvPr>
+          <p:cNvSpPr>
+            <a:spLocks noGrp="1"/>
+          </p:cNvSpPr>
+          <p:nvPr>
+            <p:ph type="title"/>
+          </p:nvPr>
+        </p:nvSpPr>
+        <p:spPr/>
+        <p:txBody>
+          <a:bodyPr/>
+          <a:lstStyle/>
+          <a:p>
+            <a:r>
+              <a:rPr lang="fr-FR" dirty="0">
+                <a:latin typeface="Kanit" pitchFamily="2" charset="-34"/>
+                <a:ea typeface="Kigelia" panose="020B0502040204020203" pitchFamily="34" charset="0"/>
+                <a:cs typeface="Kanit" pitchFamily="2" charset="-34"/>
+              </a:rPr>
+              <a:t>Réussites</a:t>
+            </a:r>
+          </a:p>
+        </p:txBody>
+      </p:sp>
+    </p:spTree>
+    <p:extLst>
+      <p:ext uri="{BB962C8B-B14F-4D97-AF65-F5344CB8AC3E}">
+        <p14:creationId xmlns:p14="http://schemas.microsoft.com/office/powerpoint/2010/main" val="3315214436"/>
       </p:ext>
     </p:extLst>
   </p:cSld>
@@ -4904,321 +6650,6 @@
 </a:theme>
 </file>
 
-<file path=ppt/theme/theme2.xml><?xml version="1.0" encoding="utf-8"?>
-<a:theme xmlns:a="http://schemas.openxmlformats.org/drawingml/2006/main" name="Thème Office">
-  <a:themeElements>
-    <a:clrScheme name="Office">
-      <a:dk1>
-        <a:sysClr val="windowText" lastClr="000000"/>
-      </a:dk1>
-      <a:lt1>
-        <a:sysClr val="window" lastClr="FFFFFF"/>
-      </a:lt1>
-      <a:dk2>
-        <a:srgbClr val="0E2841"/>
-      </a:dk2>
-      <a:lt2>
-        <a:srgbClr val="E8E8E8"/>
-      </a:lt2>
-      <a:accent1>
-        <a:srgbClr val="156082"/>
-      </a:accent1>
-      <a:accent2>
-        <a:srgbClr val="E97132"/>
-      </a:accent2>
-      <a:accent3>
-        <a:srgbClr val="196B24"/>
-      </a:accent3>
-      <a:accent4>
-        <a:srgbClr val="0F9ED5"/>
-      </a:accent4>
-      <a:accent5>
-        <a:srgbClr val="A02B93"/>
-      </a:accent5>
-      <a:accent6>
-        <a:srgbClr val="4EA72E"/>
-      </a:accent6>
-      <a:hlink>
-        <a:srgbClr val="467886"/>
-      </a:hlink>
-      <a:folHlink>
-        <a:srgbClr val="96607D"/>
-      </a:folHlink>
-    </a:clrScheme>
-    <a:fontScheme name="Office">
-      <a:majorFont>
-        <a:latin typeface="Aptos Display" panose="02110004020202020204"/>
-        <a:ea typeface=""/>
-        <a:cs typeface=""/>
-        <a:font script="Jpan" typeface="游ゴシック Light"/>
-        <a:font script="Hang" typeface="맑은 고딕"/>
-        <a:font script="Hans" typeface="等线 Light"/>
-        <a:font script="Hant" typeface="新細明體"/>
-        <a:font script="Arab" typeface="Times New Roman"/>
-        <a:font script="Hebr" typeface="Times New Roman"/>
-        <a:font script="Thai" typeface="Angsana New"/>
-        <a:font script="Ethi" typeface="Nyala"/>
-        <a:font script="Beng" typeface="Vrinda"/>
-        <a:font script="Gujr" typeface="Shruti"/>
-        <a:font script="Khmr" typeface="MoolBoran"/>
-        <a:font script="Knda" typeface="Tunga"/>
-        <a:font script="Guru" typeface="Raavi"/>
-        <a:font script="Cans" typeface="Euphemia"/>
-        <a:font script="Cher" typeface="Plantagenet Cherokee"/>
-        <a:font script="Yiii" typeface="Microsoft Yi Baiti"/>
-        <a:font script="Tibt" typeface="Microsoft Himalaya"/>
-        <a:font script="Thaa" typeface="MV Boli"/>
-        <a:font script="Deva" typeface="Mangal"/>
-        <a:font script="Telu" typeface="Gautami"/>
-        <a:font script="Taml" typeface="Latha"/>
-        <a:font script="Syrc" typeface="Estrangelo Edessa"/>
-        <a:font script="Orya" typeface="Kalinga"/>
-        <a:font script="Mlym" typeface="Kartika"/>
-        <a:font script="Laoo" typeface="DokChampa"/>
-        <a:font script="Sinh" typeface="Iskoola Pota"/>
-        <a:font script="Mong" typeface="Mongolian Baiti"/>
-        <a:font script="Viet" typeface="Times New Roman"/>
-        <a:font script="Uigh" typeface="Microsoft Uighur"/>
-        <a:font script="Geor" typeface="Sylfaen"/>
-        <a:font script="Armn" typeface="Arial"/>
-        <a:font script="Bugi" typeface="Leelawadee UI"/>
-        <a:font script="Bopo" typeface="Microsoft JhengHei"/>
-        <a:font script="Java" typeface="Javanese Text"/>
-        <a:font script="Lisu" typeface="Segoe UI"/>
-        <a:font script="Mymr" typeface="Myanmar Text"/>
-        <a:font script="Nkoo" typeface="Ebrima"/>
-        <a:font script="Olck" typeface="Nirmala UI"/>
-        <a:font script="Osma" typeface="Ebrima"/>
-        <a:font script="Phag" typeface="Phagspa"/>
-        <a:font script="Syrn" typeface="Estrangelo Edessa"/>
-        <a:font script="Syrj" typeface="Estrangelo Edessa"/>
-        <a:font script="Syre" typeface="Estrangelo Edessa"/>
-        <a:font script="Sora" typeface="Nirmala UI"/>
-        <a:font script="Tale" typeface="Microsoft Tai Le"/>
-        <a:font script="Talu" typeface="Microsoft New Tai Lue"/>
-        <a:font script="Tfng" typeface="Ebrima"/>
-      </a:majorFont>
-      <a:minorFont>
-        <a:latin typeface="Aptos" panose="02110004020202020204"/>
-        <a:ea typeface=""/>
-        <a:cs typeface=""/>
-        <a:font script="Jpan" typeface="游ゴシック"/>
-        <a:font script="Hang" typeface="맑은 고딕"/>
-        <a:font script="Hans" typeface="等线"/>
-        <a:font script="Hant" typeface="新細明體"/>
-        <a:font script="Arab" typeface="Arial"/>
-        <a:font script="Hebr" typeface="Arial"/>
-        <a:font script="Thai" typeface="Cordia New"/>
-        <a:font script="Ethi" typeface="Nyala"/>
-        <a:font script="Beng" typeface="Vrinda"/>
-        <a:font script="Gujr" typeface="Shruti"/>
-        <a:font script="Khmr" typeface="DaunPenh"/>
-        <a:font script="Knda" typeface="Tunga"/>
-        <a:font script="Guru" typeface="Raavi"/>
-        <a:font script="Cans" typeface="Euphemia"/>
-        <a:font script="Cher" typeface="Plantagenet Cherokee"/>
-        <a:font script="Yiii" typeface="Microsoft Yi Baiti"/>
-        <a:font script="Tibt" typeface="Microsoft Himalaya"/>
-        <a:font script="Thaa" typeface="MV Boli"/>
-        <a:font script="Deva" typeface="Mangal"/>
-        <a:font script="Telu" typeface="Gautami"/>
-        <a:font script="Taml" typeface="Latha"/>
-        <a:font script="Syrc" typeface="Estrangelo Edessa"/>
-        <a:font script="Orya" typeface="Kalinga"/>
-        <a:font script="Mlym" typeface="Kartika"/>
-        <a:font script="Laoo" typeface="DokChampa"/>
-        <a:font script="Sinh" typeface="Iskoola Pota"/>
-        <a:font script="Mong" typeface="Mongolian Baiti"/>
-        <a:font script="Viet" typeface="Arial"/>
-        <a:font script="Uigh" typeface="Microsoft Uighur"/>
-        <a:font script="Geor" typeface="Sylfaen"/>
-        <a:font script="Armn" typeface="Arial"/>
-        <a:font script="Bugi" typeface="Leelawadee UI"/>
-        <a:font script="Bopo" typeface="Microsoft JhengHei"/>
-        <a:font script="Java" typeface="Javanese Text"/>
-        <a:font script="Lisu" typeface="Segoe UI"/>
-        <a:font script="Mymr" typeface="Myanmar Text"/>
-        <a:font script="Nkoo" typeface="Ebrima"/>
-        <a:font script="Olck" typeface="Nirmala UI"/>
-        <a:font script="Osma" typeface="Ebrima"/>
-        <a:font script="Phag" typeface="Phagspa"/>
-        <a:font script="Syrn" typeface="Estrangelo Edessa"/>
-        <a:font script="Syrj" typeface="Estrangelo Edessa"/>
-        <a:font script="Syre" typeface="Estrangelo Edessa"/>
-        <a:font script="Sora" typeface="Nirmala UI"/>
-        <a:font script="Tale" typeface="Microsoft Tai Le"/>
-        <a:font script="Talu" typeface="Microsoft New Tai Lue"/>
-        <a:font script="Tfng" typeface="Ebrima"/>
-      </a:minorFont>
-    </a:fontScheme>
-    <a:fmtScheme name="Office">
-      <a:fillStyleLst>
-        <a:solidFill>
-          <a:schemeClr val="phClr"/>
-        </a:solidFill>
-        <a:gradFill rotWithShape="1">
-          <a:gsLst>
-            <a:gs pos="0">
-              <a:schemeClr val="phClr">
-                <a:lumMod val="110000"/>
-                <a:satMod val="105000"/>
-                <a:tint val="67000"/>
-              </a:schemeClr>
-            </a:gs>
-            <a:gs pos="50000">
-              <a:schemeClr val="phClr">
-                <a:lumMod val="105000"/>
-                <a:satMod val="103000"/>
-                <a:tint val="73000"/>
-              </a:schemeClr>
-            </a:gs>
-            <a:gs pos="100000">
-              <a:schemeClr val="phClr">
-                <a:lumMod val="105000"/>
-                <a:satMod val="109000"/>
-                <a:tint val="81000"/>
-              </a:schemeClr>
-            </a:gs>
-          </a:gsLst>
-          <a:lin ang="5400000" scaled="0"/>
-        </a:gradFill>
-        <a:gradFill rotWithShape="1">
-          <a:gsLst>
-            <a:gs pos="0">
-              <a:schemeClr val="phClr">
-                <a:satMod val="103000"/>
-                <a:lumMod val="102000"/>
-                <a:tint val="94000"/>
-              </a:schemeClr>
-            </a:gs>
-            <a:gs pos="50000">
-              <a:schemeClr val="phClr">
-                <a:satMod val="110000"/>
-                <a:lumMod val="100000"/>
-                <a:shade val="100000"/>
-              </a:schemeClr>
-            </a:gs>
-            <a:gs pos="100000">
-              <a:schemeClr val="phClr">
-                <a:lumMod val="99000"/>
-                <a:satMod val="120000"/>
-                <a:shade val="78000"/>
-              </a:schemeClr>
-            </a:gs>
-          </a:gsLst>
-          <a:lin ang="5400000" scaled="0"/>
-        </a:gradFill>
-      </a:fillStyleLst>
-      <a:lnStyleLst>
-        <a:ln w="12700" cap="flat" cmpd="sng" algn="ctr">
-          <a:solidFill>
-            <a:schemeClr val="phClr"/>
-          </a:solidFill>
-          <a:prstDash val="solid"/>
-          <a:miter lim="800000"/>
-        </a:ln>
-        <a:ln w="19050" cap="flat" cmpd="sng" algn="ctr">
-          <a:solidFill>
-            <a:schemeClr val="phClr"/>
-          </a:solidFill>
-          <a:prstDash val="solid"/>
-          <a:miter lim="800000"/>
-        </a:ln>
-        <a:ln w="25400" cap="flat" cmpd="sng" algn="ctr">
-          <a:solidFill>
-            <a:schemeClr val="phClr"/>
-          </a:solidFill>
-          <a:prstDash val="solid"/>
-          <a:miter lim="800000"/>
-        </a:ln>
-      </a:lnStyleLst>
-      <a:effectStyleLst>
-        <a:effectStyle>
-          <a:effectLst/>
-        </a:effectStyle>
-        <a:effectStyle>
-          <a:effectLst/>
-        </a:effectStyle>
-        <a:effectStyle>
-          <a:effectLst>
-            <a:outerShdw blurRad="57150" dist="19050" dir="5400000" algn="ctr" rotWithShape="0">
-              <a:srgbClr val="000000">
-                <a:alpha val="63000"/>
-              </a:srgbClr>
-            </a:outerShdw>
-          </a:effectLst>
-        </a:effectStyle>
-      </a:effectStyleLst>
-      <a:bgFillStyleLst>
-        <a:solidFill>
-          <a:schemeClr val="phClr"/>
-        </a:solidFill>
-        <a:solidFill>
-          <a:schemeClr val="phClr">
-            <a:tint val="95000"/>
-            <a:satMod val="170000"/>
-          </a:schemeClr>
-        </a:solidFill>
-        <a:gradFill rotWithShape="1">
-          <a:gsLst>
-            <a:gs pos="0">
-              <a:schemeClr val="phClr">
-                <a:tint val="93000"/>
-                <a:satMod val="150000"/>
-                <a:shade val="98000"/>
-                <a:lumMod val="102000"/>
-              </a:schemeClr>
-            </a:gs>
-            <a:gs pos="50000">
-              <a:schemeClr val="phClr">
-                <a:tint val="98000"/>
-                <a:satMod val="130000"/>
-                <a:shade val="90000"/>
-                <a:lumMod val="103000"/>
-              </a:schemeClr>
-            </a:gs>
-            <a:gs pos="100000">
-              <a:schemeClr val="phClr">
-                <a:shade val="63000"/>
-                <a:satMod val="120000"/>
-              </a:schemeClr>
-            </a:gs>
-          </a:gsLst>
-          <a:lin ang="5400000" scaled="0"/>
-        </a:gradFill>
-      </a:bgFillStyleLst>
-    </a:fmtScheme>
-  </a:themeElements>
-  <a:objectDefaults>
-    <a:lnDef>
-      <a:spPr/>
-      <a:bodyPr/>
-      <a:lstStyle/>
-      <a:style>
-        <a:lnRef idx="2">
-          <a:schemeClr val="accent1"/>
-        </a:lnRef>
-        <a:fillRef idx="0">
-          <a:schemeClr val="accent1"/>
-        </a:fillRef>
-        <a:effectRef idx="1">
-          <a:schemeClr val="accent1"/>
-        </a:effectRef>
-        <a:fontRef idx="minor">
-          <a:schemeClr val="tx1"/>
-        </a:fontRef>
-      </a:style>
-    </a:lnDef>
-  </a:objectDefaults>
-  <a:extraClrSchemeLst/>
-  <a:extLst>
-    <a:ext uri="{05A4C25C-085E-4340-85A3-A5531E510DB2}">
-      <thm15:themeFamily xmlns:thm15="http://schemas.microsoft.com/office/thememl/2012/main" name="Office Theme" id="{2E142A2C-CD16-42D6-873A-C26D2A0506FA}" vid="{1BDDFF52-6CD6-40A5-AB3C-68EB2F1E4D0A}"/>
-    </a:ext>
-  </a:extLst>
-</a:theme>
-</file>
-
 <file path=docMetadata/LabelInfo.xml><?xml version="1.0" encoding="utf-8"?>
 <clbl:labelList xmlns:clbl="http://schemas.microsoft.com/office/2020/mipLabelMetadata">
   <clbl:label id="{9f5c8052-b1ea-40d1-8cd5-ea0c204ca84f}" enabled="1" method="Standard" siteId="{19e51c11-d919-4a98-899d-9b9dc33f4e04}" contentBits="0" removed="0"/>

--- a/.documents/Présentation - mercredi 22 mai/Soutenance du projet.pptx
+++ b/.documents/Présentation - mercredi 22 mai/Soutenance du projet.pptx
@@ -2,20 +2,24 @@
 <file path=ppt/presentation.xml><?xml version="1.0" encoding="utf-8"?>
 <p:presentation xmlns:a="http://schemas.openxmlformats.org/drawingml/2006/main" xmlns:r="http://schemas.openxmlformats.org/officeDocument/2006/relationships" xmlns:p="http://schemas.openxmlformats.org/presentationml/2006/main" saveSubsetFonts="1">
   <p:sldMasterIdLst>
-    <p:sldMasterId id="2147483648" r:id="rId1"/>
+    <p:sldMasterId id="2147483660" r:id="rId1"/>
   </p:sldMasterIdLst>
+  <p:notesMasterIdLst>
+    <p:notesMasterId r:id="rId14"/>
+  </p:notesMasterIdLst>
   <p:sldIdLst>
     <p:sldId id="257" r:id="rId2"/>
-    <p:sldId id="258" r:id="rId3"/>
+    <p:sldId id="263" r:id="rId3"/>
     <p:sldId id="259" r:id="rId4"/>
-    <p:sldId id="263" r:id="rId5"/>
-    <p:sldId id="264" r:id="rId6"/>
-    <p:sldId id="270" r:id="rId7"/>
-    <p:sldId id="265" r:id="rId8"/>
-    <p:sldId id="266" r:id="rId9"/>
-    <p:sldId id="267" r:id="rId10"/>
-    <p:sldId id="268" r:id="rId11"/>
-    <p:sldId id="269" r:id="rId12"/>
+    <p:sldId id="261" r:id="rId5"/>
+    <p:sldId id="260" r:id="rId6"/>
+    <p:sldId id="262" r:id="rId7"/>
+    <p:sldId id="264" r:id="rId8"/>
+    <p:sldId id="265" r:id="rId9"/>
+    <p:sldId id="266" r:id="rId10"/>
+    <p:sldId id="267" r:id="rId11"/>
+    <p:sldId id="268" r:id="rId12"/>
+    <p:sldId id="269" r:id="rId13"/>
   </p:sldIdLst>
   <p:sldSz cx="12192000" cy="6858000"/>
   <p:notesSz cx="6858000" cy="9144000"/>
@@ -122,6 +126,1709 @@
 </p:presentation>
 </file>
 
+<file path=ppt/notesMasters/notesMaster1.xml><?xml version="1.0" encoding="utf-8"?>
+<p:notesMaster xmlns:a="http://schemas.openxmlformats.org/drawingml/2006/main" xmlns:r="http://schemas.openxmlformats.org/officeDocument/2006/relationships" xmlns:p="http://schemas.openxmlformats.org/presentationml/2006/main">
+  <p:cSld>
+    <p:bg>
+      <p:bgRef idx="1001">
+        <a:schemeClr val="bg1"/>
+      </p:bgRef>
+    </p:bg>
+    <p:spTree>
+      <p:nvGrpSpPr>
+        <p:cNvPr id="1" name=""/>
+        <p:cNvGrpSpPr/>
+        <p:nvPr/>
+      </p:nvGrpSpPr>
+      <p:grpSpPr>
+        <a:xfrm>
+          <a:off x="0" y="0"/>
+          <a:ext cx="0" cy="0"/>
+          <a:chOff x="0" y="0"/>
+          <a:chExt cx="0" cy="0"/>
+        </a:xfrm>
+      </p:grpSpPr>
+      <p:sp>
+        <p:nvSpPr>
+          <p:cNvPr id="2" name="Espace réservé de l'en-tête 1"/>
+          <p:cNvSpPr>
+            <a:spLocks noGrp="1"/>
+          </p:cNvSpPr>
+          <p:nvPr>
+            <p:ph type="hdr" sz="quarter"/>
+          </p:nvPr>
+        </p:nvSpPr>
+        <p:spPr>
+          <a:xfrm>
+            <a:off x="0" y="0"/>
+            <a:ext cx="2971800" cy="458788"/>
+          </a:xfrm>
+          <a:prstGeom prst="rect">
+            <a:avLst/>
+          </a:prstGeom>
+        </p:spPr>
+        <p:txBody>
+          <a:bodyPr vert="horz" lIns="91440" tIns="45720" rIns="91440" bIns="45720" rtlCol="0"/>
+          <a:lstStyle>
+            <a:lvl1pPr algn="l">
+              <a:defRPr sz="1200"/>
+            </a:lvl1pPr>
+          </a:lstStyle>
+          <a:p>
+            <a:endParaRPr lang="fr-FR"/>
+          </a:p>
+        </p:txBody>
+      </p:sp>
+      <p:sp>
+        <p:nvSpPr>
+          <p:cNvPr id="3" name="Espace réservé de la date 2"/>
+          <p:cNvSpPr>
+            <a:spLocks noGrp="1"/>
+          </p:cNvSpPr>
+          <p:nvPr>
+            <p:ph type="dt" idx="1"/>
+          </p:nvPr>
+        </p:nvSpPr>
+        <p:spPr>
+          <a:xfrm>
+            <a:off x="3884613" y="0"/>
+            <a:ext cx="2971800" cy="458788"/>
+          </a:xfrm>
+          <a:prstGeom prst="rect">
+            <a:avLst/>
+          </a:prstGeom>
+        </p:spPr>
+        <p:txBody>
+          <a:bodyPr vert="horz" lIns="91440" tIns="45720" rIns="91440" bIns="45720" rtlCol="0"/>
+          <a:lstStyle>
+            <a:lvl1pPr algn="r">
+              <a:defRPr sz="1200"/>
+            </a:lvl1pPr>
+          </a:lstStyle>
+          <a:p>
+            <a:fld id="{4BE426E3-4ECB-43E4-897A-1DD0B5BA0065}" type="datetimeFigureOut">
+              <a:rPr lang="fr-FR" smtClean="0"/>
+              <a:t>19/05/2024</a:t>
+            </a:fld>
+            <a:endParaRPr lang="fr-FR"/>
+          </a:p>
+        </p:txBody>
+      </p:sp>
+      <p:sp>
+        <p:nvSpPr>
+          <p:cNvPr id="4" name="Espace réservé de l'image des diapositives 3"/>
+          <p:cNvSpPr>
+            <a:spLocks noGrp="1" noRot="1" noChangeAspect="1"/>
+          </p:cNvSpPr>
+          <p:nvPr>
+            <p:ph type="sldImg" idx="2"/>
+          </p:nvPr>
+        </p:nvSpPr>
+        <p:spPr>
+          <a:xfrm>
+            <a:off x="685800" y="1143000"/>
+            <a:ext cx="5486400" cy="3086100"/>
+          </a:xfrm>
+          <a:prstGeom prst="rect">
+            <a:avLst/>
+          </a:prstGeom>
+          <a:noFill/>
+          <a:ln w="12700">
+            <a:solidFill>
+              <a:prstClr val="black"/>
+            </a:solidFill>
+          </a:ln>
+        </p:spPr>
+        <p:txBody>
+          <a:bodyPr vert="horz" lIns="91440" tIns="45720" rIns="91440" bIns="45720" rtlCol="0" anchor="ctr"/>
+          <a:lstStyle/>
+          <a:p>
+            <a:endParaRPr lang="fr-FR"/>
+          </a:p>
+        </p:txBody>
+      </p:sp>
+      <p:sp>
+        <p:nvSpPr>
+          <p:cNvPr id="5" name="Espace réservé des notes 4"/>
+          <p:cNvSpPr>
+            <a:spLocks noGrp="1"/>
+          </p:cNvSpPr>
+          <p:nvPr>
+            <p:ph type="body" sz="quarter" idx="3"/>
+          </p:nvPr>
+        </p:nvSpPr>
+        <p:spPr>
+          <a:xfrm>
+            <a:off x="685800" y="4400550"/>
+            <a:ext cx="5486400" cy="3600450"/>
+          </a:xfrm>
+          <a:prstGeom prst="rect">
+            <a:avLst/>
+          </a:prstGeom>
+        </p:spPr>
+        <p:txBody>
+          <a:bodyPr vert="horz" lIns="91440" tIns="45720" rIns="91440" bIns="45720" rtlCol="0"/>
+          <a:lstStyle/>
+          <a:p>
+            <a:pPr lvl="0"/>
+            <a:r>
+              <a:rPr lang="fr-FR"/>
+              <a:t>Cliquez pour modifier les styles du texte du masque</a:t>
+            </a:r>
+          </a:p>
+          <a:p>
+            <a:pPr lvl="1"/>
+            <a:r>
+              <a:rPr lang="fr-FR"/>
+              <a:t>Deuxième niveau</a:t>
+            </a:r>
+          </a:p>
+          <a:p>
+            <a:pPr lvl="2"/>
+            <a:r>
+              <a:rPr lang="fr-FR"/>
+              <a:t>Troisième niveau</a:t>
+            </a:r>
+          </a:p>
+          <a:p>
+            <a:pPr lvl="3"/>
+            <a:r>
+              <a:rPr lang="fr-FR"/>
+              <a:t>Quatrième niveau</a:t>
+            </a:r>
+          </a:p>
+          <a:p>
+            <a:pPr lvl="4"/>
+            <a:r>
+              <a:rPr lang="fr-FR"/>
+              <a:t>Cinquième niveau</a:t>
+            </a:r>
+          </a:p>
+        </p:txBody>
+      </p:sp>
+      <p:sp>
+        <p:nvSpPr>
+          <p:cNvPr id="6" name="Espace réservé du pied de page 5"/>
+          <p:cNvSpPr>
+            <a:spLocks noGrp="1"/>
+          </p:cNvSpPr>
+          <p:nvPr>
+            <p:ph type="ftr" sz="quarter" idx="4"/>
+          </p:nvPr>
+        </p:nvSpPr>
+        <p:spPr>
+          <a:xfrm>
+            <a:off x="0" y="8685213"/>
+            <a:ext cx="2971800" cy="458787"/>
+          </a:xfrm>
+          <a:prstGeom prst="rect">
+            <a:avLst/>
+          </a:prstGeom>
+        </p:spPr>
+        <p:txBody>
+          <a:bodyPr vert="horz" lIns="91440" tIns="45720" rIns="91440" bIns="45720" rtlCol="0" anchor="b"/>
+          <a:lstStyle>
+            <a:lvl1pPr algn="l">
+              <a:defRPr sz="1200"/>
+            </a:lvl1pPr>
+          </a:lstStyle>
+          <a:p>
+            <a:endParaRPr lang="fr-FR"/>
+          </a:p>
+        </p:txBody>
+      </p:sp>
+      <p:sp>
+        <p:nvSpPr>
+          <p:cNvPr id="7" name="Espace réservé du numéro de diapositive 6"/>
+          <p:cNvSpPr>
+            <a:spLocks noGrp="1"/>
+          </p:cNvSpPr>
+          <p:nvPr>
+            <p:ph type="sldNum" sz="quarter" idx="5"/>
+          </p:nvPr>
+        </p:nvSpPr>
+        <p:spPr>
+          <a:xfrm>
+            <a:off x="3884613" y="8685213"/>
+            <a:ext cx="2971800" cy="458787"/>
+          </a:xfrm>
+          <a:prstGeom prst="rect">
+            <a:avLst/>
+          </a:prstGeom>
+        </p:spPr>
+        <p:txBody>
+          <a:bodyPr vert="horz" lIns="91440" tIns="45720" rIns="91440" bIns="45720" rtlCol="0" anchor="b"/>
+          <a:lstStyle>
+            <a:lvl1pPr algn="r">
+              <a:defRPr sz="1200"/>
+            </a:lvl1pPr>
+          </a:lstStyle>
+          <a:p>
+            <a:fld id="{6FCD5C08-D862-4437-A41E-6C335EA9187E}" type="slidenum">
+              <a:rPr lang="fr-FR" smtClean="0"/>
+              <a:t>‹N°›</a:t>
+            </a:fld>
+            <a:endParaRPr lang="fr-FR"/>
+          </a:p>
+        </p:txBody>
+      </p:sp>
+    </p:spTree>
+    <p:extLst>
+      <p:ext uri="{BB962C8B-B14F-4D97-AF65-F5344CB8AC3E}">
+        <p14:creationId xmlns:p14="http://schemas.microsoft.com/office/powerpoint/2010/main" val="3294376159"/>
+      </p:ext>
+    </p:extLst>
+  </p:cSld>
+  <p:clrMap bg1="lt1" tx1="dk1" bg2="lt2" tx2="dk2" accent1="accent1" accent2="accent2" accent3="accent3" accent4="accent4" accent5="accent5" accent6="accent6" hlink="hlink" folHlink="folHlink"/>
+  <p:notesStyle>
+    <a:lvl1pPr marL="0" algn="l" defTabSz="914400" rtl="0" eaLnBrk="1" latinLnBrk="0" hangingPunct="1">
+      <a:defRPr sz="1200" kern="1200">
+        <a:solidFill>
+          <a:schemeClr val="tx1"/>
+        </a:solidFill>
+        <a:latin typeface="+mn-lt"/>
+        <a:ea typeface="+mn-ea"/>
+        <a:cs typeface="+mn-cs"/>
+      </a:defRPr>
+    </a:lvl1pPr>
+    <a:lvl2pPr marL="457200" algn="l" defTabSz="914400" rtl="0" eaLnBrk="1" latinLnBrk="0" hangingPunct="1">
+      <a:defRPr sz="1200" kern="1200">
+        <a:solidFill>
+          <a:schemeClr val="tx1"/>
+        </a:solidFill>
+        <a:latin typeface="+mn-lt"/>
+        <a:ea typeface="+mn-ea"/>
+        <a:cs typeface="+mn-cs"/>
+      </a:defRPr>
+    </a:lvl2pPr>
+    <a:lvl3pPr marL="914400" algn="l" defTabSz="914400" rtl="0" eaLnBrk="1" latinLnBrk="0" hangingPunct="1">
+      <a:defRPr sz="1200" kern="1200">
+        <a:solidFill>
+          <a:schemeClr val="tx1"/>
+        </a:solidFill>
+        <a:latin typeface="+mn-lt"/>
+        <a:ea typeface="+mn-ea"/>
+        <a:cs typeface="+mn-cs"/>
+      </a:defRPr>
+    </a:lvl3pPr>
+    <a:lvl4pPr marL="1371600" algn="l" defTabSz="914400" rtl="0" eaLnBrk="1" latinLnBrk="0" hangingPunct="1">
+      <a:defRPr sz="1200" kern="1200">
+        <a:solidFill>
+          <a:schemeClr val="tx1"/>
+        </a:solidFill>
+        <a:latin typeface="+mn-lt"/>
+        <a:ea typeface="+mn-ea"/>
+        <a:cs typeface="+mn-cs"/>
+      </a:defRPr>
+    </a:lvl4pPr>
+    <a:lvl5pPr marL="1828800" algn="l" defTabSz="914400" rtl="0" eaLnBrk="1" latinLnBrk="0" hangingPunct="1">
+      <a:defRPr sz="1200" kern="1200">
+        <a:solidFill>
+          <a:schemeClr val="tx1"/>
+        </a:solidFill>
+        <a:latin typeface="+mn-lt"/>
+        <a:ea typeface="+mn-ea"/>
+        <a:cs typeface="+mn-cs"/>
+      </a:defRPr>
+    </a:lvl5pPr>
+    <a:lvl6pPr marL="2286000" algn="l" defTabSz="914400" rtl="0" eaLnBrk="1" latinLnBrk="0" hangingPunct="1">
+      <a:defRPr sz="1200" kern="1200">
+        <a:solidFill>
+          <a:schemeClr val="tx1"/>
+        </a:solidFill>
+        <a:latin typeface="+mn-lt"/>
+        <a:ea typeface="+mn-ea"/>
+        <a:cs typeface="+mn-cs"/>
+      </a:defRPr>
+    </a:lvl6pPr>
+    <a:lvl7pPr marL="2743200" algn="l" defTabSz="914400" rtl="0" eaLnBrk="1" latinLnBrk="0" hangingPunct="1">
+      <a:defRPr sz="1200" kern="1200">
+        <a:solidFill>
+          <a:schemeClr val="tx1"/>
+        </a:solidFill>
+        <a:latin typeface="+mn-lt"/>
+        <a:ea typeface="+mn-ea"/>
+        <a:cs typeface="+mn-cs"/>
+      </a:defRPr>
+    </a:lvl7pPr>
+    <a:lvl8pPr marL="3200400" algn="l" defTabSz="914400" rtl="0" eaLnBrk="1" latinLnBrk="0" hangingPunct="1">
+      <a:defRPr sz="1200" kern="1200">
+        <a:solidFill>
+          <a:schemeClr val="tx1"/>
+        </a:solidFill>
+        <a:latin typeface="+mn-lt"/>
+        <a:ea typeface="+mn-ea"/>
+        <a:cs typeface="+mn-cs"/>
+      </a:defRPr>
+    </a:lvl8pPr>
+    <a:lvl9pPr marL="3657600" algn="l" defTabSz="914400" rtl="0" eaLnBrk="1" latinLnBrk="0" hangingPunct="1">
+      <a:defRPr sz="1200" kern="1200">
+        <a:solidFill>
+          <a:schemeClr val="tx1"/>
+        </a:solidFill>
+        <a:latin typeface="+mn-lt"/>
+        <a:ea typeface="+mn-ea"/>
+        <a:cs typeface="+mn-cs"/>
+      </a:defRPr>
+    </a:lvl9pPr>
+  </p:notesStyle>
+</p:notesMaster>
+</file>
+
+<file path=ppt/notesSlides/notesSlide1.xml><?xml version="1.0" encoding="utf-8"?>
+<p:notes xmlns:a="http://schemas.openxmlformats.org/drawingml/2006/main" xmlns:r="http://schemas.openxmlformats.org/officeDocument/2006/relationships" xmlns:p="http://schemas.openxmlformats.org/presentationml/2006/main">
+  <p:cSld>
+    <p:spTree>
+      <p:nvGrpSpPr>
+        <p:cNvPr id="1" name=""/>
+        <p:cNvGrpSpPr/>
+        <p:nvPr/>
+      </p:nvGrpSpPr>
+      <p:grpSpPr>
+        <a:xfrm>
+          <a:off x="0" y="0"/>
+          <a:ext cx="0" cy="0"/>
+          <a:chOff x="0" y="0"/>
+          <a:chExt cx="0" cy="0"/>
+        </a:xfrm>
+      </p:grpSpPr>
+      <p:sp>
+        <p:nvSpPr>
+          <p:cNvPr id="2" name="Espace réservé de l'image des diapositives 1"/>
+          <p:cNvSpPr>
+            <a:spLocks noGrp="1" noRot="1" noChangeAspect="1"/>
+          </p:cNvSpPr>
+          <p:nvPr>
+            <p:ph type="sldImg"/>
+          </p:nvPr>
+        </p:nvSpPr>
+        <p:spPr/>
+      </p:sp>
+      <p:sp>
+        <p:nvSpPr>
+          <p:cNvPr id="3" name="Espace réservé des notes 2"/>
+          <p:cNvSpPr>
+            <a:spLocks noGrp="1"/>
+          </p:cNvSpPr>
+          <p:nvPr>
+            <p:ph type="body" idx="1"/>
+          </p:nvPr>
+        </p:nvSpPr>
+        <p:spPr/>
+        <p:txBody>
+          <a:bodyPr/>
+          <a:lstStyle/>
+          <a:p>
+            <a:pPr marL="171450" indent="-171450">
+              <a:buFontTx/>
+              <a:buChar char="-"/>
+            </a:pPr>
+            <a:r>
+              <a:rPr lang="fr-FR" dirty="0"/>
+              <a:t>Introduction</a:t>
+            </a:r>
+          </a:p>
+          <a:p>
+            <a:pPr marL="628650" lvl="1" indent="-171450">
+              <a:buFontTx/>
+              <a:buChar char="-"/>
+            </a:pPr>
+            <a:r>
+              <a:rPr lang="fr-FR" dirty="0"/>
+              <a:t>Expliquer le projet de façon non-technique</a:t>
+            </a:r>
+          </a:p>
+          <a:p>
+            <a:pPr marL="1085850" lvl="2" indent="-171450">
+              <a:buFontTx/>
+              <a:buChar char="-"/>
+            </a:pPr>
+            <a:r>
+              <a:rPr lang="fr-FR" dirty="0"/>
+              <a:t>Concept / Fonctionnalités</a:t>
+            </a:r>
+          </a:p>
+          <a:p>
+            <a:pPr marL="1085850" lvl="2" indent="-171450">
+              <a:buFontTx/>
+              <a:buChar char="-"/>
+            </a:pPr>
+            <a:r>
+              <a:rPr lang="fr-FR" dirty="0"/>
+              <a:t>Ambitions</a:t>
+            </a:r>
+          </a:p>
+          <a:p>
+            <a:pPr marL="914400" lvl="2" indent="0">
+              <a:buFontTx/>
+              <a:buNone/>
+            </a:pPr>
+            <a:endParaRPr lang="fr-FR" dirty="0"/>
+          </a:p>
+          <a:p>
+            <a:pPr marL="171450" indent="-171450">
+              <a:buFontTx/>
+              <a:buChar char="-"/>
+            </a:pPr>
+            <a:r>
+              <a:rPr lang="fr-FR" dirty="0"/>
+              <a:t>Vie du projet</a:t>
+            </a:r>
+          </a:p>
+          <a:p>
+            <a:pPr marL="628650" lvl="1" indent="-171450">
+              <a:buFontTx/>
+              <a:buChar char="-"/>
+            </a:pPr>
+            <a:r>
+              <a:rPr lang="fr-FR" dirty="0"/>
+              <a:t>Organisation interne</a:t>
+            </a:r>
+          </a:p>
+          <a:p>
+            <a:pPr marL="628650" lvl="1" indent="-171450">
+              <a:buFontTx/>
+              <a:buChar char="-"/>
+            </a:pPr>
+            <a:r>
+              <a:rPr lang="fr-FR" dirty="0"/>
+              <a:t>Architecture technique de la solution (</a:t>
+            </a:r>
+            <a:r>
+              <a:rPr lang="fr-FR" b="1" dirty="0"/>
+              <a:t>ne pas montrer de lignes de code</a:t>
+            </a:r>
+            <a:r>
+              <a:rPr lang="fr-FR" dirty="0"/>
+              <a:t>)</a:t>
+            </a:r>
+          </a:p>
+          <a:p>
+            <a:pPr marL="628650" lvl="1" indent="-171450">
+              <a:buFontTx/>
+              <a:buChar char="-"/>
+            </a:pPr>
+            <a:r>
+              <a:rPr lang="fr-FR" dirty="0"/>
+              <a:t>Présenter l’expérience</a:t>
+            </a:r>
+          </a:p>
+          <a:p>
+            <a:pPr marL="628650" lvl="1" indent="-171450">
+              <a:buFontTx/>
+              <a:buChar char="-"/>
+            </a:pPr>
+            <a:endParaRPr lang="fr-FR" dirty="0"/>
+          </a:p>
+          <a:p>
+            <a:pPr marL="171450" indent="-171450">
+              <a:buFontTx/>
+              <a:buChar char="-"/>
+            </a:pPr>
+            <a:r>
+              <a:rPr lang="fr-FR" dirty="0"/>
+              <a:t>Conclusion</a:t>
+            </a:r>
+          </a:p>
+          <a:p>
+            <a:pPr marL="628650" lvl="1" indent="-171450">
+              <a:buFontTx/>
+              <a:buChar char="-"/>
+            </a:pPr>
+            <a:r>
+              <a:rPr lang="fr-FR" dirty="0"/>
+              <a:t>Bilan individuel </a:t>
+            </a:r>
+            <a:r>
+              <a:rPr lang="fr-FR" b="1" dirty="0"/>
+              <a:t>de chacun</a:t>
+            </a:r>
+            <a:endParaRPr lang="fr-FR" b="0" dirty="0"/>
+          </a:p>
+          <a:p>
+            <a:pPr marL="628650" lvl="1" indent="-171450">
+              <a:buFontTx/>
+              <a:buChar char="-"/>
+            </a:pPr>
+            <a:endParaRPr lang="fr-FR" dirty="0"/>
+          </a:p>
+          <a:p>
+            <a:pPr marL="171450" indent="-171450">
+              <a:buFontTx/>
+              <a:buChar char="-"/>
+            </a:pPr>
+            <a:endParaRPr lang="fr-FR" dirty="0"/>
+          </a:p>
+          <a:p>
+            <a:pPr marL="171450" indent="-171450">
+              <a:buFontTx/>
+              <a:buChar char="-"/>
+            </a:pPr>
+            <a:r>
+              <a:rPr lang="fr-FR" dirty="0"/>
+              <a:t>/!\ Besoin </a:t>
+            </a:r>
+            <a:r>
+              <a:rPr lang="fr-FR" b="1" dirty="0"/>
+              <a:t>DONC</a:t>
+            </a:r>
+            <a:r>
+              <a:rPr lang="fr-FR" dirty="0"/>
+              <a:t> choix  -  Toujours présenter les choses de la sorte. </a:t>
+            </a:r>
+          </a:p>
+          <a:p>
+            <a:pPr marL="171450" marR="0" lvl="0" indent="-171450" algn="l" defTabSz="914400" rtl="0" eaLnBrk="1" fontAlgn="auto" latinLnBrk="0" hangingPunct="1">
+              <a:lnSpc>
+                <a:spcPct val="100000"/>
+              </a:lnSpc>
+              <a:spcBef>
+                <a:spcPts val="0"/>
+              </a:spcBef>
+              <a:spcAft>
+                <a:spcPts val="0"/>
+              </a:spcAft>
+              <a:buClrTx/>
+              <a:buSzTx/>
+              <a:buFontTx/>
+              <a:buChar char="-"/>
+              <a:tabLst/>
+              <a:defRPr/>
+            </a:pPr>
+            <a:r>
+              <a:rPr lang="fr-FR" dirty="0"/>
+              <a:t>20 minutes, on est 8</a:t>
+            </a:r>
+          </a:p>
+          <a:p>
+            <a:pPr marL="171450" marR="0" lvl="0" indent="-171450" algn="l" defTabSz="914400" rtl="0" eaLnBrk="1" fontAlgn="auto" latinLnBrk="0" hangingPunct="1">
+              <a:lnSpc>
+                <a:spcPct val="100000"/>
+              </a:lnSpc>
+              <a:spcBef>
+                <a:spcPts val="0"/>
+              </a:spcBef>
+              <a:spcAft>
+                <a:spcPts val="0"/>
+              </a:spcAft>
+              <a:buClrTx/>
+              <a:buSzTx/>
+              <a:buFontTx/>
+              <a:buChar char="-"/>
+              <a:tabLst/>
+              <a:defRPr/>
+            </a:pPr>
+            <a:endParaRPr lang="fr-FR" dirty="0"/>
+          </a:p>
+          <a:p>
+            <a:pPr marL="171450" marR="0" lvl="0" indent="-171450" algn="l" defTabSz="914400" rtl="0" eaLnBrk="1" fontAlgn="auto" latinLnBrk="0" hangingPunct="1">
+              <a:lnSpc>
+                <a:spcPct val="100000"/>
+              </a:lnSpc>
+              <a:spcBef>
+                <a:spcPts val="0"/>
+              </a:spcBef>
+              <a:spcAft>
+                <a:spcPts val="0"/>
+              </a:spcAft>
+              <a:buClrTx/>
+              <a:buSzTx/>
+              <a:buFontTx/>
+              <a:buChar char="-"/>
+              <a:tabLst/>
+              <a:defRPr/>
+            </a:pPr>
+            <a:r>
+              <a:rPr lang="fr-FR" dirty="0"/>
+              <a:t>Pas de « à ce jour »</a:t>
+            </a:r>
+          </a:p>
+        </p:txBody>
+      </p:sp>
+      <p:sp>
+        <p:nvSpPr>
+          <p:cNvPr id="4" name="Espace réservé du numéro de diapositive 3"/>
+          <p:cNvSpPr>
+            <a:spLocks noGrp="1"/>
+          </p:cNvSpPr>
+          <p:nvPr>
+            <p:ph type="sldNum" sz="quarter" idx="5"/>
+          </p:nvPr>
+        </p:nvSpPr>
+        <p:spPr/>
+        <p:txBody>
+          <a:bodyPr/>
+          <a:lstStyle/>
+          <a:p>
+            <a:fld id="{6FCD5C08-D862-4437-A41E-6C335EA9187E}" type="slidenum">
+              <a:rPr lang="fr-FR" smtClean="0"/>
+              <a:t>1</a:t>
+            </a:fld>
+            <a:endParaRPr lang="fr-FR"/>
+          </a:p>
+        </p:txBody>
+      </p:sp>
+    </p:spTree>
+    <p:extLst>
+      <p:ext uri="{BB962C8B-B14F-4D97-AF65-F5344CB8AC3E}">
+        <p14:creationId xmlns:p14="http://schemas.microsoft.com/office/powerpoint/2010/main" val="2229558097"/>
+      </p:ext>
+    </p:extLst>
+  </p:cSld>
+  <p:clrMapOvr>
+    <a:masterClrMapping/>
+  </p:clrMapOvr>
+</p:notes>
+</file>
+
+<file path=ppt/notesSlides/notesSlide10.xml><?xml version="1.0" encoding="utf-8"?>
+<p:notes xmlns:a="http://schemas.openxmlformats.org/drawingml/2006/main" xmlns:r="http://schemas.openxmlformats.org/officeDocument/2006/relationships" xmlns:p="http://schemas.openxmlformats.org/presentationml/2006/main">
+  <p:cSld>
+    <p:spTree>
+      <p:nvGrpSpPr>
+        <p:cNvPr id="1" name=""/>
+        <p:cNvGrpSpPr/>
+        <p:nvPr/>
+      </p:nvGrpSpPr>
+      <p:grpSpPr>
+        <a:xfrm>
+          <a:off x="0" y="0"/>
+          <a:ext cx="0" cy="0"/>
+          <a:chOff x="0" y="0"/>
+          <a:chExt cx="0" cy="0"/>
+        </a:xfrm>
+      </p:grpSpPr>
+      <p:sp>
+        <p:nvSpPr>
+          <p:cNvPr id="2" name="Espace réservé de l'image des diapositives 1"/>
+          <p:cNvSpPr>
+            <a:spLocks noGrp="1" noRot="1" noChangeAspect="1"/>
+          </p:cNvSpPr>
+          <p:nvPr>
+            <p:ph type="sldImg"/>
+          </p:nvPr>
+        </p:nvSpPr>
+        <p:spPr/>
+      </p:sp>
+      <p:sp>
+        <p:nvSpPr>
+          <p:cNvPr id="3" name="Espace réservé des notes 2"/>
+          <p:cNvSpPr>
+            <a:spLocks noGrp="1"/>
+          </p:cNvSpPr>
+          <p:nvPr>
+            <p:ph type="body" idx="1"/>
+          </p:nvPr>
+        </p:nvSpPr>
+        <p:spPr/>
+        <p:txBody>
+          <a:bodyPr/>
+          <a:lstStyle/>
+          <a:p>
+            <a:endParaRPr lang="fr-FR" dirty="0"/>
+          </a:p>
+        </p:txBody>
+      </p:sp>
+      <p:sp>
+        <p:nvSpPr>
+          <p:cNvPr id="4" name="Espace réservé du numéro de diapositive 3"/>
+          <p:cNvSpPr>
+            <a:spLocks noGrp="1"/>
+          </p:cNvSpPr>
+          <p:nvPr>
+            <p:ph type="sldNum" sz="quarter" idx="5"/>
+          </p:nvPr>
+        </p:nvSpPr>
+        <p:spPr/>
+        <p:txBody>
+          <a:bodyPr/>
+          <a:lstStyle/>
+          <a:p>
+            <a:fld id="{6FCD5C08-D862-4437-A41E-6C335EA9187E}" type="slidenum">
+              <a:rPr lang="fr-FR" smtClean="0"/>
+              <a:t>10</a:t>
+            </a:fld>
+            <a:endParaRPr lang="fr-FR"/>
+          </a:p>
+        </p:txBody>
+      </p:sp>
+    </p:spTree>
+    <p:extLst>
+      <p:ext uri="{BB962C8B-B14F-4D97-AF65-F5344CB8AC3E}">
+        <p14:creationId xmlns:p14="http://schemas.microsoft.com/office/powerpoint/2010/main" val="196790571"/>
+      </p:ext>
+    </p:extLst>
+  </p:cSld>
+  <p:clrMapOvr>
+    <a:masterClrMapping/>
+  </p:clrMapOvr>
+</p:notes>
+</file>
+
+<file path=ppt/notesSlides/notesSlide11.xml><?xml version="1.0" encoding="utf-8"?>
+<p:notes xmlns:a="http://schemas.openxmlformats.org/drawingml/2006/main" xmlns:r="http://schemas.openxmlformats.org/officeDocument/2006/relationships" xmlns:p="http://schemas.openxmlformats.org/presentationml/2006/main">
+  <p:cSld>
+    <p:spTree>
+      <p:nvGrpSpPr>
+        <p:cNvPr id="1" name=""/>
+        <p:cNvGrpSpPr/>
+        <p:nvPr/>
+      </p:nvGrpSpPr>
+      <p:grpSpPr>
+        <a:xfrm>
+          <a:off x="0" y="0"/>
+          <a:ext cx="0" cy="0"/>
+          <a:chOff x="0" y="0"/>
+          <a:chExt cx="0" cy="0"/>
+        </a:xfrm>
+      </p:grpSpPr>
+      <p:sp>
+        <p:nvSpPr>
+          <p:cNvPr id="2" name="Espace réservé de l'image des diapositives 1"/>
+          <p:cNvSpPr>
+            <a:spLocks noGrp="1" noRot="1" noChangeAspect="1"/>
+          </p:cNvSpPr>
+          <p:nvPr>
+            <p:ph type="sldImg"/>
+          </p:nvPr>
+        </p:nvSpPr>
+        <p:spPr/>
+      </p:sp>
+      <p:sp>
+        <p:nvSpPr>
+          <p:cNvPr id="3" name="Espace réservé des notes 2"/>
+          <p:cNvSpPr>
+            <a:spLocks noGrp="1"/>
+          </p:cNvSpPr>
+          <p:nvPr>
+            <p:ph type="body" idx="1"/>
+          </p:nvPr>
+        </p:nvSpPr>
+        <p:spPr/>
+        <p:txBody>
+          <a:bodyPr/>
+          <a:lstStyle/>
+          <a:p>
+            <a:endParaRPr lang="fr-FR" dirty="0"/>
+          </a:p>
+        </p:txBody>
+      </p:sp>
+      <p:sp>
+        <p:nvSpPr>
+          <p:cNvPr id="4" name="Espace réservé du numéro de diapositive 3"/>
+          <p:cNvSpPr>
+            <a:spLocks noGrp="1"/>
+          </p:cNvSpPr>
+          <p:nvPr>
+            <p:ph type="sldNum" sz="quarter" idx="5"/>
+          </p:nvPr>
+        </p:nvSpPr>
+        <p:spPr/>
+        <p:txBody>
+          <a:bodyPr/>
+          <a:lstStyle/>
+          <a:p>
+            <a:fld id="{6FCD5C08-D862-4437-A41E-6C335EA9187E}" type="slidenum">
+              <a:rPr lang="fr-FR" smtClean="0"/>
+              <a:t>11</a:t>
+            </a:fld>
+            <a:endParaRPr lang="fr-FR"/>
+          </a:p>
+        </p:txBody>
+      </p:sp>
+    </p:spTree>
+    <p:extLst>
+      <p:ext uri="{BB962C8B-B14F-4D97-AF65-F5344CB8AC3E}">
+        <p14:creationId xmlns:p14="http://schemas.microsoft.com/office/powerpoint/2010/main" val="4268579973"/>
+      </p:ext>
+    </p:extLst>
+  </p:cSld>
+  <p:clrMapOvr>
+    <a:masterClrMapping/>
+  </p:clrMapOvr>
+</p:notes>
+</file>
+
+<file path=ppt/notesSlides/notesSlide12.xml><?xml version="1.0" encoding="utf-8"?>
+<p:notes xmlns:a="http://schemas.openxmlformats.org/drawingml/2006/main" xmlns:r="http://schemas.openxmlformats.org/officeDocument/2006/relationships" xmlns:p="http://schemas.openxmlformats.org/presentationml/2006/main">
+  <p:cSld>
+    <p:spTree>
+      <p:nvGrpSpPr>
+        <p:cNvPr id="1" name=""/>
+        <p:cNvGrpSpPr/>
+        <p:nvPr/>
+      </p:nvGrpSpPr>
+      <p:grpSpPr>
+        <a:xfrm>
+          <a:off x="0" y="0"/>
+          <a:ext cx="0" cy="0"/>
+          <a:chOff x="0" y="0"/>
+          <a:chExt cx="0" cy="0"/>
+        </a:xfrm>
+      </p:grpSpPr>
+      <p:sp>
+        <p:nvSpPr>
+          <p:cNvPr id="2" name="Espace réservé de l'image des diapositives 1"/>
+          <p:cNvSpPr>
+            <a:spLocks noGrp="1" noRot="1" noChangeAspect="1"/>
+          </p:cNvSpPr>
+          <p:nvPr>
+            <p:ph type="sldImg"/>
+          </p:nvPr>
+        </p:nvSpPr>
+        <p:spPr/>
+      </p:sp>
+      <p:sp>
+        <p:nvSpPr>
+          <p:cNvPr id="3" name="Espace réservé des notes 2"/>
+          <p:cNvSpPr>
+            <a:spLocks noGrp="1"/>
+          </p:cNvSpPr>
+          <p:nvPr>
+            <p:ph type="body" idx="1"/>
+          </p:nvPr>
+        </p:nvSpPr>
+        <p:spPr/>
+        <p:txBody>
+          <a:bodyPr/>
+          <a:lstStyle/>
+          <a:p>
+            <a:endParaRPr lang="fr-FR" dirty="0"/>
+          </a:p>
+        </p:txBody>
+      </p:sp>
+      <p:sp>
+        <p:nvSpPr>
+          <p:cNvPr id="4" name="Espace réservé du numéro de diapositive 3"/>
+          <p:cNvSpPr>
+            <a:spLocks noGrp="1"/>
+          </p:cNvSpPr>
+          <p:nvPr>
+            <p:ph type="sldNum" sz="quarter" idx="5"/>
+          </p:nvPr>
+        </p:nvSpPr>
+        <p:spPr/>
+        <p:txBody>
+          <a:bodyPr/>
+          <a:lstStyle/>
+          <a:p>
+            <a:fld id="{6FCD5C08-D862-4437-A41E-6C335EA9187E}" type="slidenum">
+              <a:rPr lang="fr-FR" smtClean="0"/>
+              <a:t>12</a:t>
+            </a:fld>
+            <a:endParaRPr lang="fr-FR"/>
+          </a:p>
+        </p:txBody>
+      </p:sp>
+    </p:spTree>
+    <p:extLst>
+      <p:ext uri="{BB962C8B-B14F-4D97-AF65-F5344CB8AC3E}">
+        <p14:creationId xmlns:p14="http://schemas.microsoft.com/office/powerpoint/2010/main" val="3027826774"/>
+      </p:ext>
+    </p:extLst>
+  </p:cSld>
+  <p:clrMapOvr>
+    <a:masterClrMapping/>
+  </p:clrMapOvr>
+</p:notes>
+</file>
+
+<file path=ppt/notesSlides/notesSlide2.xml><?xml version="1.0" encoding="utf-8"?>
+<p:notes xmlns:a="http://schemas.openxmlformats.org/drawingml/2006/main" xmlns:r="http://schemas.openxmlformats.org/officeDocument/2006/relationships" xmlns:p="http://schemas.openxmlformats.org/presentationml/2006/main">
+  <p:cSld>
+    <p:spTree>
+      <p:nvGrpSpPr>
+        <p:cNvPr id="1" name=""/>
+        <p:cNvGrpSpPr/>
+        <p:nvPr/>
+      </p:nvGrpSpPr>
+      <p:grpSpPr>
+        <a:xfrm>
+          <a:off x="0" y="0"/>
+          <a:ext cx="0" cy="0"/>
+          <a:chOff x="0" y="0"/>
+          <a:chExt cx="0" cy="0"/>
+        </a:xfrm>
+      </p:grpSpPr>
+      <p:sp>
+        <p:nvSpPr>
+          <p:cNvPr id="2" name="Espace réservé de l'image des diapositives 1"/>
+          <p:cNvSpPr>
+            <a:spLocks noGrp="1" noRot="1" noChangeAspect="1"/>
+          </p:cNvSpPr>
+          <p:nvPr>
+            <p:ph type="sldImg"/>
+          </p:nvPr>
+        </p:nvSpPr>
+        <p:spPr/>
+      </p:sp>
+      <p:sp>
+        <p:nvSpPr>
+          <p:cNvPr id="3" name="Espace réservé des notes 2"/>
+          <p:cNvSpPr>
+            <a:spLocks noGrp="1"/>
+          </p:cNvSpPr>
+          <p:nvPr>
+            <p:ph type="body" idx="1"/>
+          </p:nvPr>
+        </p:nvSpPr>
+        <p:spPr/>
+        <p:txBody>
+          <a:bodyPr/>
+          <a:lstStyle/>
+          <a:p>
+            <a:r>
+              <a:rPr lang="fr-FR" dirty="0"/>
+              <a:t>1. Introduction</a:t>
+            </a:r>
+          </a:p>
+        </p:txBody>
+      </p:sp>
+      <p:sp>
+        <p:nvSpPr>
+          <p:cNvPr id="4" name="Espace réservé du numéro de diapositive 3"/>
+          <p:cNvSpPr>
+            <a:spLocks noGrp="1"/>
+          </p:cNvSpPr>
+          <p:nvPr>
+            <p:ph type="sldNum" sz="quarter" idx="5"/>
+          </p:nvPr>
+        </p:nvSpPr>
+        <p:spPr/>
+        <p:txBody>
+          <a:bodyPr/>
+          <a:lstStyle/>
+          <a:p>
+            <a:fld id="{6FCD5C08-D862-4437-A41E-6C335EA9187E}" type="slidenum">
+              <a:rPr lang="fr-FR" smtClean="0"/>
+              <a:t>2</a:t>
+            </a:fld>
+            <a:endParaRPr lang="fr-FR"/>
+          </a:p>
+        </p:txBody>
+      </p:sp>
+    </p:spTree>
+    <p:extLst>
+      <p:ext uri="{BB962C8B-B14F-4D97-AF65-F5344CB8AC3E}">
+        <p14:creationId xmlns:p14="http://schemas.microsoft.com/office/powerpoint/2010/main" val="3230041212"/>
+      </p:ext>
+    </p:extLst>
+  </p:cSld>
+  <p:clrMapOvr>
+    <a:masterClrMapping/>
+  </p:clrMapOvr>
+</p:notes>
+</file>
+
+<file path=ppt/notesSlides/notesSlide3.xml><?xml version="1.0" encoding="utf-8"?>
+<p:notes xmlns:a="http://schemas.openxmlformats.org/drawingml/2006/main" xmlns:r="http://schemas.openxmlformats.org/officeDocument/2006/relationships" xmlns:p="http://schemas.openxmlformats.org/presentationml/2006/main">
+  <p:cSld>
+    <p:spTree>
+      <p:nvGrpSpPr>
+        <p:cNvPr id="1" name=""/>
+        <p:cNvGrpSpPr/>
+        <p:nvPr/>
+      </p:nvGrpSpPr>
+      <p:grpSpPr>
+        <a:xfrm>
+          <a:off x="0" y="0"/>
+          <a:ext cx="0" cy="0"/>
+          <a:chOff x="0" y="0"/>
+          <a:chExt cx="0" cy="0"/>
+        </a:xfrm>
+      </p:grpSpPr>
+      <p:sp>
+        <p:nvSpPr>
+          <p:cNvPr id="2" name="Espace réservé de l'image des diapositives 1"/>
+          <p:cNvSpPr>
+            <a:spLocks noGrp="1" noRot="1" noChangeAspect="1"/>
+          </p:cNvSpPr>
+          <p:nvPr>
+            <p:ph type="sldImg"/>
+          </p:nvPr>
+        </p:nvSpPr>
+        <p:spPr/>
+      </p:sp>
+      <p:sp>
+        <p:nvSpPr>
+          <p:cNvPr id="3" name="Espace réservé des notes 2"/>
+          <p:cNvSpPr>
+            <a:spLocks noGrp="1"/>
+          </p:cNvSpPr>
+          <p:nvPr>
+            <p:ph type="body" idx="1"/>
+          </p:nvPr>
+        </p:nvSpPr>
+        <p:spPr/>
+        <p:txBody>
+          <a:bodyPr/>
+          <a:lstStyle/>
+          <a:p>
+            <a:r>
+              <a:rPr lang="fr-FR" dirty="0"/>
+              <a:t>1. Introduction</a:t>
+            </a:r>
+          </a:p>
+        </p:txBody>
+      </p:sp>
+      <p:sp>
+        <p:nvSpPr>
+          <p:cNvPr id="4" name="Espace réservé du numéro de diapositive 3"/>
+          <p:cNvSpPr>
+            <a:spLocks noGrp="1"/>
+          </p:cNvSpPr>
+          <p:nvPr>
+            <p:ph type="sldNum" sz="quarter" idx="5"/>
+          </p:nvPr>
+        </p:nvSpPr>
+        <p:spPr/>
+        <p:txBody>
+          <a:bodyPr/>
+          <a:lstStyle/>
+          <a:p>
+            <a:fld id="{6FCD5C08-D862-4437-A41E-6C335EA9187E}" type="slidenum">
+              <a:rPr lang="fr-FR" smtClean="0"/>
+              <a:t>3</a:t>
+            </a:fld>
+            <a:endParaRPr lang="fr-FR"/>
+          </a:p>
+        </p:txBody>
+      </p:sp>
+    </p:spTree>
+    <p:extLst>
+      <p:ext uri="{BB962C8B-B14F-4D97-AF65-F5344CB8AC3E}">
+        <p14:creationId xmlns:p14="http://schemas.microsoft.com/office/powerpoint/2010/main" val="3412226661"/>
+      </p:ext>
+    </p:extLst>
+  </p:cSld>
+  <p:clrMapOvr>
+    <a:masterClrMapping/>
+  </p:clrMapOvr>
+</p:notes>
+</file>
+
+<file path=ppt/notesSlides/notesSlide4.xml><?xml version="1.0" encoding="utf-8"?>
+<p:notes xmlns:a="http://schemas.openxmlformats.org/drawingml/2006/main" xmlns:r="http://schemas.openxmlformats.org/officeDocument/2006/relationships" xmlns:p="http://schemas.openxmlformats.org/presentationml/2006/main">
+  <p:cSld>
+    <p:spTree>
+      <p:nvGrpSpPr>
+        <p:cNvPr id="1" name=""/>
+        <p:cNvGrpSpPr/>
+        <p:nvPr/>
+      </p:nvGrpSpPr>
+      <p:grpSpPr>
+        <a:xfrm>
+          <a:off x="0" y="0"/>
+          <a:ext cx="0" cy="0"/>
+          <a:chOff x="0" y="0"/>
+          <a:chExt cx="0" cy="0"/>
+        </a:xfrm>
+      </p:grpSpPr>
+      <p:sp>
+        <p:nvSpPr>
+          <p:cNvPr id="2" name="Espace réservé de l'image des diapositives 1"/>
+          <p:cNvSpPr>
+            <a:spLocks noGrp="1" noRot="1" noChangeAspect="1"/>
+          </p:cNvSpPr>
+          <p:nvPr>
+            <p:ph type="sldImg"/>
+          </p:nvPr>
+        </p:nvSpPr>
+        <p:spPr/>
+      </p:sp>
+      <p:sp>
+        <p:nvSpPr>
+          <p:cNvPr id="3" name="Espace réservé des notes 2"/>
+          <p:cNvSpPr>
+            <a:spLocks noGrp="1"/>
+          </p:cNvSpPr>
+          <p:nvPr>
+            <p:ph type="body" idx="1"/>
+          </p:nvPr>
+        </p:nvSpPr>
+        <p:spPr/>
+        <p:txBody>
+          <a:bodyPr/>
+          <a:lstStyle/>
+          <a:p>
+            <a:r>
+              <a:rPr lang="fr-FR" dirty="0"/>
+              <a:t>1. Introduction</a:t>
+            </a:r>
+          </a:p>
+        </p:txBody>
+      </p:sp>
+      <p:sp>
+        <p:nvSpPr>
+          <p:cNvPr id="4" name="Espace réservé du numéro de diapositive 3"/>
+          <p:cNvSpPr>
+            <a:spLocks noGrp="1"/>
+          </p:cNvSpPr>
+          <p:nvPr>
+            <p:ph type="sldNum" sz="quarter" idx="5"/>
+          </p:nvPr>
+        </p:nvSpPr>
+        <p:spPr/>
+        <p:txBody>
+          <a:bodyPr/>
+          <a:lstStyle/>
+          <a:p>
+            <a:fld id="{6FCD5C08-D862-4437-A41E-6C335EA9187E}" type="slidenum">
+              <a:rPr lang="fr-FR" smtClean="0"/>
+              <a:t>4</a:t>
+            </a:fld>
+            <a:endParaRPr lang="fr-FR"/>
+          </a:p>
+        </p:txBody>
+      </p:sp>
+    </p:spTree>
+    <p:extLst>
+      <p:ext uri="{BB962C8B-B14F-4D97-AF65-F5344CB8AC3E}">
+        <p14:creationId xmlns:p14="http://schemas.microsoft.com/office/powerpoint/2010/main" val="2674603155"/>
+      </p:ext>
+    </p:extLst>
+  </p:cSld>
+  <p:clrMapOvr>
+    <a:masterClrMapping/>
+  </p:clrMapOvr>
+</p:notes>
+</file>
+
+<file path=ppt/notesSlides/notesSlide5.xml><?xml version="1.0" encoding="utf-8"?>
+<p:notes xmlns:a="http://schemas.openxmlformats.org/drawingml/2006/main" xmlns:r="http://schemas.openxmlformats.org/officeDocument/2006/relationships" xmlns:p="http://schemas.openxmlformats.org/presentationml/2006/main">
+  <p:cSld>
+    <p:spTree>
+      <p:nvGrpSpPr>
+        <p:cNvPr id="1" name=""/>
+        <p:cNvGrpSpPr/>
+        <p:nvPr/>
+      </p:nvGrpSpPr>
+      <p:grpSpPr>
+        <a:xfrm>
+          <a:off x="0" y="0"/>
+          <a:ext cx="0" cy="0"/>
+          <a:chOff x="0" y="0"/>
+          <a:chExt cx="0" cy="0"/>
+        </a:xfrm>
+      </p:grpSpPr>
+      <p:sp>
+        <p:nvSpPr>
+          <p:cNvPr id="2" name="Espace réservé de l'image des diapositives 1"/>
+          <p:cNvSpPr>
+            <a:spLocks noGrp="1" noRot="1" noChangeAspect="1"/>
+          </p:cNvSpPr>
+          <p:nvPr>
+            <p:ph type="sldImg"/>
+          </p:nvPr>
+        </p:nvSpPr>
+        <p:spPr/>
+      </p:sp>
+      <p:sp>
+        <p:nvSpPr>
+          <p:cNvPr id="3" name="Espace réservé des notes 2"/>
+          <p:cNvSpPr>
+            <a:spLocks noGrp="1"/>
+          </p:cNvSpPr>
+          <p:nvPr>
+            <p:ph type="body" idx="1"/>
+          </p:nvPr>
+        </p:nvSpPr>
+        <p:spPr/>
+        <p:txBody>
+          <a:bodyPr/>
+          <a:lstStyle/>
+          <a:p>
+            <a:pPr marL="0" marR="0" lvl="0" indent="0" algn="l" defTabSz="914400" rtl="0" eaLnBrk="1" fontAlgn="auto" latinLnBrk="0" hangingPunct="1">
+              <a:lnSpc>
+                <a:spcPct val="100000"/>
+              </a:lnSpc>
+              <a:spcBef>
+                <a:spcPts val="0"/>
+              </a:spcBef>
+              <a:spcAft>
+                <a:spcPts val="0"/>
+              </a:spcAft>
+              <a:buClrTx/>
+              <a:buSzTx/>
+              <a:buFontTx/>
+              <a:buNone/>
+              <a:tabLst/>
+              <a:defRPr/>
+            </a:pPr>
+            <a:r>
+              <a:rPr lang="fr-FR" dirty="0"/>
+              <a:t>1. Introduction</a:t>
+            </a:r>
+          </a:p>
+          <a:p>
+            <a:endParaRPr lang="fr-FR" dirty="0"/>
+          </a:p>
+        </p:txBody>
+      </p:sp>
+      <p:sp>
+        <p:nvSpPr>
+          <p:cNvPr id="4" name="Espace réservé du numéro de diapositive 3"/>
+          <p:cNvSpPr>
+            <a:spLocks noGrp="1"/>
+          </p:cNvSpPr>
+          <p:nvPr>
+            <p:ph type="sldNum" sz="quarter" idx="5"/>
+          </p:nvPr>
+        </p:nvSpPr>
+        <p:spPr/>
+        <p:txBody>
+          <a:bodyPr/>
+          <a:lstStyle/>
+          <a:p>
+            <a:fld id="{6FCD5C08-D862-4437-A41E-6C335EA9187E}" type="slidenum">
+              <a:rPr lang="fr-FR" smtClean="0"/>
+              <a:t>5</a:t>
+            </a:fld>
+            <a:endParaRPr lang="fr-FR"/>
+          </a:p>
+        </p:txBody>
+      </p:sp>
+    </p:spTree>
+    <p:extLst>
+      <p:ext uri="{BB962C8B-B14F-4D97-AF65-F5344CB8AC3E}">
+        <p14:creationId xmlns:p14="http://schemas.microsoft.com/office/powerpoint/2010/main" val="4024928316"/>
+      </p:ext>
+    </p:extLst>
+  </p:cSld>
+  <p:clrMapOvr>
+    <a:masterClrMapping/>
+  </p:clrMapOvr>
+</p:notes>
+</file>
+
+<file path=ppt/notesSlides/notesSlide6.xml><?xml version="1.0" encoding="utf-8"?>
+<p:notes xmlns:a="http://schemas.openxmlformats.org/drawingml/2006/main" xmlns:r="http://schemas.openxmlformats.org/officeDocument/2006/relationships" xmlns:p="http://schemas.openxmlformats.org/presentationml/2006/main">
+  <p:cSld>
+    <p:spTree>
+      <p:nvGrpSpPr>
+        <p:cNvPr id="1" name=""/>
+        <p:cNvGrpSpPr/>
+        <p:nvPr/>
+      </p:nvGrpSpPr>
+      <p:grpSpPr>
+        <a:xfrm>
+          <a:off x="0" y="0"/>
+          <a:ext cx="0" cy="0"/>
+          <a:chOff x="0" y="0"/>
+          <a:chExt cx="0" cy="0"/>
+        </a:xfrm>
+      </p:grpSpPr>
+      <p:sp>
+        <p:nvSpPr>
+          <p:cNvPr id="2" name="Espace réservé de l'image des diapositives 1"/>
+          <p:cNvSpPr>
+            <a:spLocks noGrp="1" noRot="1" noChangeAspect="1"/>
+          </p:cNvSpPr>
+          <p:nvPr>
+            <p:ph type="sldImg"/>
+          </p:nvPr>
+        </p:nvSpPr>
+        <p:spPr/>
+      </p:sp>
+      <p:sp>
+        <p:nvSpPr>
+          <p:cNvPr id="3" name="Espace réservé des notes 2"/>
+          <p:cNvSpPr>
+            <a:spLocks noGrp="1"/>
+          </p:cNvSpPr>
+          <p:nvPr>
+            <p:ph type="body" idx="1"/>
+          </p:nvPr>
+        </p:nvSpPr>
+        <p:spPr/>
+        <p:txBody>
+          <a:bodyPr/>
+          <a:lstStyle/>
+          <a:p>
+            <a:pPr marL="171450" indent="-171450">
+              <a:buFontTx/>
+              <a:buChar char="-"/>
+            </a:pPr>
+            <a:r>
+              <a:rPr lang="fr-FR" dirty="0"/>
+              <a:t>Vie du projet</a:t>
+            </a:r>
+          </a:p>
+          <a:p>
+            <a:pPr marL="628650" lvl="1" indent="-171450">
+              <a:buFontTx/>
+              <a:buChar char="-"/>
+            </a:pPr>
+            <a:r>
+              <a:rPr lang="fr-FR" dirty="0"/>
+              <a:t>Organisation interne</a:t>
+            </a:r>
+          </a:p>
+          <a:p>
+            <a:pPr marL="628650" lvl="1" indent="-171450">
+              <a:buFontTx/>
+              <a:buChar char="-"/>
+            </a:pPr>
+            <a:r>
+              <a:rPr lang="fr-FR" dirty="0"/>
+              <a:t>Architecture technique de la solution (</a:t>
+            </a:r>
+            <a:r>
+              <a:rPr lang="fr-FR" b="1" dirty="0"/>
+              <a:t>ne pas montrer de lignes de code</a:t>
+            </a:r>
+            <a:r>
+              <a:rPr lang="fr-FR" dirty="0"/>
+              <a:t>)</a:t>
+            </a:r>
+          </a:p>
+          <a:p>
+            <a:pPr marL="628650" lvl="1" indent="-171450">
+              <a:buFontTx/>
+              <a:buChar char="-"/>
+            </a:pPr>
+            <a:r>
+              <a:rPr lang="fr-FR" dirty="0"/>
+              <a:t>Présenter l’expérience</a:t>
+            </a:r>
+          </a:p>
+          <a:p>
+            <a:endParaRPr lang="fr-FR" dirty="0"/>
+          </a:p>
+        </p:txBody>
+      </p:sp>
+      <p:sp>
+        <p:nvSpPr>
+          <p:cNvPr id="4" name="Espace réservé du numéro de diapositive 3"/>
+          <p:cNvSpPr>
+            <a:spLocks noGrp="1"/>
+          </p:cNvSpPr>
+          <p:nvPr>
+            <p:ph type="sldNum" sz="quarter" idx="5"/>
+          </p:nvPr>
+        </p:nvSpPr>
+        <p:spPr/>
+        <p:txBody>
+          <a:bodyPr/>
+          <a:lstStyle/>
+          <a:p>
+            <a:fld id="{6FCD5C08-D862-4437-A41E-6C335EA9187E}" type="slidenum">
+              <a:rPr lang="fr-FR" smtClean="0"/>
+              <a:t>6</a:t>
+            </a:fld>
+            <a:endParaRPr lang="fr-FR"/>
+          </a:p>
+        </p:txBody>
+      </p:sp>
+    </p:spTree>
+    <p:extLst>
+      <p:ext uri="{BB962C8B-B14F-4D97-AF65-F5344CB8AC3E}">
+        <p14:creationId xmlns:p14="http://schemas.microsoft.com/office/powerpoint/2010/main" val="424721162"/>
+      </p:ext>
+    </p:extLst>
+  </p:cSld>
+  <p:clrMapOvr>
+    <a:masterClrMapping/>
+  </p:clrMapOvr>
+</p:notes>
+</file>
+
+<file path=ppt/notesSlides/notesSlide7.xml><?xml version="1.0" encoding="utf-8"?>
+<p:notes xmlns:a="http://schemas.openxmlformats.org/drawingml/2006/main" xmlns:r="http://schemas.openxmlformats.org/officeDocument/2006/relationships" xmlns:p="http://schemas.openxmlformats.org/presentationml/2006/main">
+  <p:cSld>
+    <p:spTree>
+      <p:nvGrpSpPr>
+        <p:cNvPr id="1" name=""/>
+        <p:cNvGrpSpPr/>
+        <p:nvPr/>
+      </p:nvGrpSpPr>
+      <p:grpSpPr>
+        <a:xfrm>
+          <a:off x="0" y="0"/>
+          <a:ext cx="0" cy="0"/>
+          <a:chOff x="0" y="0"/>
+          <a:chExt cx="0" cy="0"/>
+        </a:xfrm>
+      </p:grpSpPr>
+      <p:sp>
+        <p:nvSpPr>
+          <p:cNvPr id="2" name="Espace réservé de l'image des diapositives 1"/>
+          <p:cNvSpPr>
+            <a:spLocks noGrp="1" noRot="1" noChangeAspect="1"/>
+          </p:cNvSpPr>
+          <p:nvPr>
+            <p:ph type="sldImg"/>
+          </p:nvPr>
+        </p:nvSpPr>
+        <p:spPr/>
+      </p:sp>
+      <p:sp>
+        <p:nvSpPr>
+          <p:cNvPr id="3" name="Espace réservé des notes 2"/>
+          <p:cNvSpPr>
+            <a:spLocks noGrp="1"/>
+          </p:cNvSpPr>
+          <p:nvPr>
+            <p:ph type="body" idx="1"/>
+          </p:nvPr>
+        </p:nvSpPr>
+        <p:spPr/>
+        <p:txBody>
+          <a:bodyPr/>
+          <a:lstStyle/>
+          <a:p>
+            <a:pPr marL="171450" indent="-171450">
+              <a:buFontTx/>
+              <a:buChar char="-"/>
+            </a:pPr>
+            <a:r>
+              <a:rPr lang="fr-FR" dirty="0"/>
+              <a:t>Nous avons cherché une plateforme de communication interne simple et complète : </a:t>
+            </a:r>
+          </a:p>
+          <a:p>
+            <a:pPr marL="628650" lvl="1" indent="-171450">
+              <a:buFontTx/>
+              <a:buChar char="-"/>
+            </a:pPr>
+            <a:r>
+              <a:rPr lang="fr-FR" dirty="0"/>
+              <a:t>pouvoir organiser nos réunions, </a:t>
+            </a:r>
+          </a:p>
+          <a:p>
+            <a:pPr marL="628650" lvl="1" indent="-171450">
+              <a:buFontTx/>
+              <a:buChar char="-"/>
+            </a:pPr>
+            <a:r>
+              <a:rPr lang="fr-FR" dirty="0"/>
+              <a:t>communiquer par messages sur nos avancements respectifs</a:t>
+            </a:r>
+          </a:p>
+          <a:p>
+            <a:pPr marL="628650" lvl="1" indent="-171450">
+              <a:buFontTx/>
+              <a:buChar char="-"/>
+            </a:pPr>
+            <a:r>
+              <a:rPr lang="fr-FR" dirty="0"/>
+              <a:t>L’outil Discord a parfaitement répondu à ces besoins.</a:t>
+            </a:r>
+          </a:p>
+          <a:p>
+            <a:pPr marL="628650" lvl="1" indent="-171450">
+              <a:buFontTx/>
+              <a:buChar char="-"/>
+            </a:pPr>
+            <a:endParaRPr lang="fr-FR" dirty="0"/>
+          </a:p>
+        </p:txBody>
+      </p:sp>
+      <p:sp>
+        <p:nvSpPr>
+          <p:cNvPr id="4" name="Espace réservé du numéro de diapositive 3"/>
+          <p:cNvSpPr>
+            <a:spLocks noGrp="1"/>
+          </p:cNvSpPr>
+          <p:nvPr>
+            <p:ph type="sldNum" sz="quarter" idx="5"/>
+          </p:nvPr>
+        </p:nvSpPr>
+        <p:spPr/>
+        <p:txBody>
+          <a:bodyPr/>
+          <a:lstStyle/>
+          <a:p>
+            <a:fld id="{6FCD5C08-D862-4437-A41E-6C335EA9187E}" type="slidenum">
+              <a:rPr lang="fr-FR" smtClean="0"/>
+              <a:t>7</a:t>
+            </a:fld>
+            <a:endParaRPr lang="fr-FR"/>
+          </a:p>
+        </p:txBody>
+      </p:sp>
+    </p:spTree>
+    <p:extLst>
+      <p:ext uri="{BB962C8B-B14F-4D97-AF65-F5344CB8AC3E}">
+        <p14:creationId xmlns:p14="http://schemas.microsoft.com/office/powerpoint/2010/main" val="2023910999"/>
+      </p:ext>
+    </p:extLst>
+  </p:cSld>
+  <p:clrMapOvr>
+    <a:masterClrMapping/>
+  </p:clrMapOvr>
+</p:notes>
+</file>
+
+<file path=ppt/notesSlides/notesSlide8.xml><?xml version="1.0" encoding="utf-8"?>
+<p:notes xmlns:a="http://schemas.openxmlformats.org/drawingml/2006/main" xmlns:r="http://schemas.openxmlformats.org/officeDocument/2006/relationships" xmlns:p="http://schemas.openxmlformats.org/presentationml/2006/main">
+  <p:cSld>
+    <p:spTree>
+      <p:nvGrpSpPr>
+        <p:cNvPr id="1" name=""/>
+        <p:cNvGrpSpPr/>
+        <p:nvPr/>
+      </p:nvGrpSpPr>
+      <p:grpSpPr>
+        <a:xfrm>
+          <a:off x="0" y="0"/>
+          <a:ext cx="0" cy="0"/>
+          <a:chOff x="0" y="0"/>
+          <a:chExt cx="0" cy="0"/>
+        </a:xfrm>
+      </p:grpSpPr>
+      <p:sp>
+        <p:nvSpPr>
+          <p:cNvPr id="2" name="Espace réservé de l'image des diapositives 1"/>
+          <p:cNvSpPr>
+            <a:spLocks noGrp="1" noRot="1" noChangeAspect="1"/>
+          </p:cNvSpPr>
+          <p:nvPr>
+            <p:ph type="sldImg"/>
+          </p:nvPr>
+        </p:nvSpPr>
+        <p:spPr/>
+      </p:sp>
+      <p:sp>
+        <p:nvSpPr>
+          <p:cNvPr id="3" name="Espace réservé des notes 2"/>
+          <p:cNvSpPr>
+            <a:spLocks noGrp="1"/>
+          </p:cNvSpPr>
+          <p:nvPr>
+            <p:ph type="body" idx="1"/>
+          </p:nvPr>
+        </p:nvSpPr>
+        <p:spPr/>
+        <p:txBody>
+          <a:bodyPr/>
+          <a:lstStyle/>
+          <a:p>
+            <a:endParaRPr lang="fr-FR" dirty="0"/>
+          </a:p>
+        </p:txBody>
+      </p:sp>
+      <p:sp>
+        <p:nvSpPr>
+          <p:cNvPr id="4" name="Espace réservé du numéro de diapositive 3"/>
+          <p:cNvSpPr>
+            <a:spLocks noGrp="1"/>
+          </p:cNvSpPr>
+          <p:nvPr>
+            <p:ph type="sldNum" sz="quarter" idx="5"/>
+          </p:nvPr>
+        </p:nvSpPr>
+        <p:spPr/>
+        <p:txBody>
+          <a:bodyPr/>
+          <a:lstStyle/>
+          <a:p>
+            <a:fld id="{6FCD5C08-D862-4437-A41E-6C335EA9187E}" type="slidenum">
+              <a:rPr lang="fr-FR" smtClean="0"/>
+              <a:t>8</a:t>
+            </a:fld>
+            <a:endParaRPr lang="fr-FR"/>
+          </a:p>
+        </p:txBody>
+      </p:sp>
+    </p:spTree>
+    <p:extLst>
+      <p:ext uri="{BB962C8B-B14F-4D97-AF65-F5344CB8AC3E}">
+        <p14:creationId xmlns:p14="http://schemas.microsoft.com/office/powerpoint/2010/main" val="1715738850"/>
+      </p:ext>
+    </p:extLst>
+  </p:cSld>
+  <p:clrMapOvr>
+    <a:masterClrMapping/>
+  </p:clrMapOvr>
+</p:notes>
+</file>
+
+<file path=ppt/notesSlides/notesSlide9.xml><?xml version="1.0" encoding="utf-8"?>
+<p:notes xmlns:a="http://schemas.openxmlformats.org/drawingml/2006/main" xmlns:r="http://schemas.openxmlformats.org/officeDocument/2006/relationships" xmlns:p="http://schemas.openxmlformats.org/presentationml/2006/main">
+  <p:cSld>
+    <p:spTree>
+      <p:nvGrpSpPr>
+        <p:cNvPr id="1" name=""/>
+        <p:cNvGrpSpPr/>
+        <p:nvPr/>
+      </p:nvGrpSpPr>
+      <p:grpSpPr>
+        <a:xfrm>
+          <a:off x="0" y="0"/>
+          <a:ext cx="0" cy="0"/>
+          <a:chOff x="0" y="0"/>
+          <a:chExt cx="0" cy="0"/>
+        </a:xfrm>
+      </p:grpSpPr>
+      <p:sp>
+        <p:nvSpPr>
+          <p:cNvPr id="2" name="Espace réservé de l'image des diapositives 1"/>
+          <p:cNvSpPr>
+            <a:spLocks noGrp="1" noRot="1" noChangeAspect="1"/>
+          </p:cNvSpPr>
+          <p:nvPr>
+            <p:ph type="sldImg"/>
+          </p:nvPr>
+        </p:nvSpPr>
+        <p:spPr/>
+      </p:sp>
+      <p:sp>
+        <p:nvSpPr>
+          <p:cNvPr id="3" name="Espace réservé des notes 2"/>
+          <p:cNvSpPr>
+            <a:spLocks noGrp="1"/>
+          </p:cNvSpPr>
+          <p:nvPr>
+            <p:ph type="body" idx="1"/>
+          </p:nvPr>
+        </p:nvSpPr>
+        <p:spPr/>
+        <p:txBody>
+          <a:bodyPr/>
+          <a:lstStyle/>
+          <a:p>
+            <a:endParaRPr lang="fr-FR" dirty="0"/>
+          </a:p>
+        </p:txBody>
+      </p:sp>
+      <p:sp>
+        <p:nvSpPr>
+          <p:cNvPr id="4" name="Espace réservé du numéro de diapositive 3"/>
+          <p:cNvSpPr>
+            <a:spLocks noGrp="1"/>
+          </p:cNvSpPr>
+          <p:nvPr>
+            <p:ph type="sldNum" sz="quarter" idx="5"/>
+          </p:nvPr>
+        </p:nvSpPr>
+        <p:spPr/>
+        <p:txBody>
+          <a:bodyPr/>
+          <a:lstStyle/>
+          <a:p>
+            <a:fld id="{6FCD5C08-D862-4437-A41E-6C335EA9187E}" type="slidenum">
+              <a:rPr lang="fr-FR" smtClean="0"/>
+              <a:t>9</a:t>
+            </a:fld>
+            <a:endParaRPr lang="fr-FR"/>
+          </a:p>
+        </p:txBody>
+      </p:sp>
+    </p:spTree>
+    <p:extLst>
+      <p:ext uri="{BB962C8B-B14F-4D97-AF65-F5344CB8AC3E}">
+        <p14:creationId xmlns:p14="http://schemas.microsoft.com/office/powerpoint/2010/main" val="889916414"/>
+      </p:ext>
+    </p:extLst>
+  </p:cSld>
+  <p:clrMapOvr>
+    <a:masterClrMapping/>
+  </p:clrMapOvr>
+</p:notes>
+</file>
+
 <file path=ppt/slideLayouts/slideLayout1.xml><?xml version="1.0" encoding="utf-8"?>
 <p:sldLayout xmlns:a="http://schemas.openxmlformats.org/drawingml/2006/main" xmlns:r="http://schemas.openxmlformats.org/officeDocument/2006/relationships" xmlns:p="http://schemas.openxmlformats.org/presentationml/2006/main" type="title" preserve="1">
   <p:cSld name="Diapositive de titre">
@@ -144,7 +1851,7 @@
           <p:cNvPr id="2" name="Titre 1">
             <a:extLst>
               <a:ext uri="{FF2B5EF4-FFF2-40B4-BE49-F238E27FC236}">
-                <a16:creationId xmlns:a16="http://schemas.microsoft.com/office/drawing/2014/main" id="{EBE71268-F8C4-27A5-3BA2-D54106931D0A}"/>
+                <a16:creationId xmlns:a16="http://schemas.microsoft.com/office/drawing/2014/main" id="{C114A2CE-328E-48FE-1123-50E7D999E3F9}"/>
               </a:ext>
             </a:extLst>
           </p:cNvPr>
@@ -181,7 +1888,7 @@
           <p:cNvPr id="3" name="Sous-titre 2">
             <a:extLst>
               <a:ext uri="{FF2B5EF4-FFF2-40B4-BE49-F238E27FC236}">
-                <a16:creationId xmlns:a16="http://schemas.microsoft.com/office/drawing/2014/main" id="{53F9258F-CDAF-428E-467A-0FA8B269B93A}"/>
+                <a16:creationId xmlns:a16="http://schemas.microsoft.com/office/drawing/2014/main" id="{66712E5F-A27F-646C-9286-4773A42FB461}"/>
               </a:ext>
             </a:extLst>
           </p:cNvPr>
@@ -251,7 +1958,7 @@
           <p:cNvPr id="4" name="Espace réservé de la date 3">
             <a:extLst>
               <a:ext uri="{FF2B5EF4-FFF2-40B4-BE49-F238E27FC236}">
-                <a16:creationId xmlns:a16="http://schemas.microsoft.com/office/drawing/2014/main" id="{E63350C7-E9E9-1ED2-04E7-4914B8B6E827}"/>
+                <a16:creationId xmlns:a16="http://schemas.microsoft.com/office/drawing/2014/main" id="{7B195FF1-6A6B-866F-8E09-7BBC3EE65F32}"/>
               </a:ext>
             </a:extLst>
           </p:cNvPr>
@@ -269,7 +1976,7 @@
           <a:p>
             <a:fld id="{B35E8903-3DB0-4D62-9C06-CFA6198553C9}" type="datetimeFigureOut">
               <a:rPr lang="fr-FR" smtClean="0"/>
-              <a:t>14/05/2024</a:t>
+              <a:t>19/05/2024</a:t>
             </a:fld>
             <a:endParaRPr lang="fr-FR"/>
           </a:p>
@@ -280,7 +1987,7 @@
           <p:cNvPr id="5" name="Espace réservé du pied de page 4">
             <a:extLst>
               <a:ext uri="{FF2B5EF4-FFF2-40B4-BE49-F238E27FC236}">
-                <a16:creationId xmlns:a16="http://schemas.microsoft.com/office/drawing/2014/main" id="{E13F2A76-F458-96E6-FFAB-D4764B4F165E}"/>
+                <a16:creationId xmlns:a16="http://schemas.microsoft.com/office/drawing/2014/main" id="{E2B1475C-8A41-1E8A-7C9C-876F0BAE7394}"/>
               </a:ext>
             </a:extLst>
           </p:cNvPr>
@@ -305,7 +2012,7 @@
           <p:cNvPr id="6" name="Espace réservé du numéro de diapositive 5">
             <a:extLst>
               <a:ext uri="{FF2B5EF4-FFF2-40B4-BE49-F238E27FC236}">
-                <a16:creationId xmlns:a16="http://schemas.microsoft.com/office/drawing/2014/main" id="{551377DE-5AE4-AC58-4C11-80A36148E4CD}"/>
+                <a16:creationId xmlns:a16="http://schemas.microsoft.com/office/drawing/2014/main" id="{E91B629E-42FF-759D-3056-93313625A853}"/>
               </a:ext>
             </a:extLst>
           </p:cNvPr>
@@ -332,7 +2039,7 @@
     </p:spTree>
     <p:extLst>
       <p:ext uri="{BB962C8B-B14F-4D97-AF65-F5344CB8AC3E}">
-        <p14:creationId xmlns:p14="http://schemas.microsoft.com/office/powerpoint/2010/main" val="1244105259"/>
+        <p14:creationId xmlns:p14="http://schemas.microsoft.com/office/powerpoint/2010/main" val="3581307203"/>
       </p:ext>
     </p:extLst>
   </p:cSld>
@@ -367,7 +2074,7 @@
           <p:cNvPr id="2" name="Titre 1">
             <a:extLst>
               <a:ext uri="{FF2B5EF4-FFF2-40B4-BE49-F238E27FC236}">
-                <a16:creationId xmlns:a16="http://schemas.microsoft.com/office/drawing/2014/main" id="{AE889FE2-6629-CFAD-1FA7-AE6172E4F83B}"/>
+                <a16:creationId xmlns:a16="http://schemas.microsoft.com/office/drawing/2014/main" id="{8D3A7A82-123F-1E44-FF95-461FB6E4B521}"/>
               </a:ext>
             </a:extLst>
           </p:cNvPr>
@@ -395,7 +2102,7 @@
           <p:cNvPr id="3" name="Espace réservé du texte vertical 2">
             <a:extLst>
               <a:ext uri="{FF2B5EF4-FFF2-40B4-BE49-F238E27FC236}">
-                <a16:creationId xmlns:a16="http://schemas.microsoft.com/office/drawing/2014/main" id="{C39B0538-E481-6474-44B4-DF308E34AEEE}"/>
+                <a16:creationId xmlns:a16="http://schemas.microsoft.com/office/drawing/2014/main" id="{F6F289E5-8365-AA43-2DDA-067218809025}"/>
               </a:ext>
             </a:extLst>
           </p:cNvPr>
@@ -452,7 +2159,7 @@
           <p:cNvPr id="4" name="Espace réservé de la date 3">
             <a:extLst>
               <a:ext uri="{FF2B5EF4-FFF2-40B4-BE49-F238E27FC236}">
-                <a16:creationId xmlns:a16="http://schemas.microsoft.com/office/drawing/2014/main" id="{3D63633F-1D68-CA9C-E05A-F37AE2E3083D}"/>
+                <a16:creationId xmlns:a16="http://schemas.microsoft.com/office/drawing/2014/main" id="{21F56685-53C2-E292-B101-82B3420FCAA4}"/>
               </a:ext>
             </a:extLst>
           </p:cNvPr>
@@ -470,7 +2177,7 @@
           <a:p>
             <a:fld id="{B35E8903-3DB0-4D62-9C06-CFA6198553C9}" type="datetimeFigureOut">
               <a:rPr lang="fr-FR" smtClean="0"/>
-              <a:t>14/05/2024</a:t>
+              <a:t>19/05/2024</a:t>
             </a:fld>
             <a:endParaRPr lang="fr-FR"/>
           </a:p>
@@ -481,7 +2188,7 @@
           <p:cNvPr id="5" name="Espace réservé du pied de page 4">
             <a:extLst>
               <a:ext uri="{FF2B5EF4-FFF2-40B4-BE49-F238E27FC236}">
-                <a16:creationId xmlns:a16="http://schemas.microsoft.com/office/drawing/2014/main" id="{BA2D2CEA-6860-197B-69A1-972DD9B5C1EC}"/>
+                <a16:creationId xmlns:a16="http://schemas.microsoft.com/office/drawing/2014/main" id="{E26417B1-53B0-7EE6-F41A-2E7853EED994}"/>
               </a:ext>
             </a:extLst>
           </p:cNvPr>
@@ -506,7 +2213,7 @@
           <p:cNvPr id="6" name="Espace réservé du numéro de diapositive 5">
             <a:extLst>
               <a:ext uri="{FF2B5EF4-FFF2-40B4-BE49-F238E27FC236}">
-                <a16:creationId xmlns:a16="http://schemas.microsoft.com/office/drawing/2014/main" id="{EB641901-26B5-C78A-13FC-0BD46A7E03FD}"/>
+                <a16:creationId xmlns:a16="http://schemas.microsoft.com/office/drawing/2014/main" id="{B2794A90-9749-E84A-12DF-9A7B6D069DB6}"/>
               </a:ext>
             </a:extLst>
           </p:cNvPr>
@@ -533,7 +2240,7 @@
     </p:spTree>
     <p:extLst>
       <p:ext uri="{BB962C8B-B14F-4D97-AF65-F5344CB8AC3E}">
-        <p14:creationId xmlns:p14="http://schemas.microsoft.com/office/powerpoint/2010/main" val="3742743222"/>
+        <p14:creationId xmlns:p14="http://schemas.microsoft.com/office/powerpoint/2010/main" val="150047793"/>
       </p:ext>
     </p:extLst>
   </p:cSld>
@@ -568,7 +2275,7 @@
           <p:cNvPr id="2" name="Titre vertical 1">
             <a:extLst>
               <a:ext uri="{FF2B5EF4-FFF2-40B4-BE49-F238E27FC236}">
-                <a16:creationId xmlns:a16="http://schemas.microsoft.com/office/drawing/2014/main" id="{02FA59C5-6AFA-F4C5-14A2-6F63CA78D10D}"/>
+                <a16:creationId xmlns:a16="http://schemas.microsoft.com/office/drawing/2014/main" id="{7979CDD2-96E2-A1A5-0FC2-E72B28C5E451}"/>
               </a:ext>
             </a:extLst>
           </p:cNvPr>
@@ -601,7 +2308,7 @@
           <p:cNvPr id="3" name="Espace réservé du texte vertical 2">
             <a:extLst>
               <a:ext uri="{FF2B5EF4-FFF2-40B4-BE49-F238E27FC236}">
-                <a16:creationId xmlns:a16="http://schemas.microsoft.com/office/drawing/2014/main" id="{885DB13F-7B37-5A58-35AF-7B25DA2CD49A}"/>
+                <a16:creationId xmlns:a16="http://schemas.microsoft.com/office/drawing/2014/main" id="{6595D776-D672-1D96-B4CF-B6DAAE6591BF}"/>
               </a:ext>
             </a:extLst>
           </p:cNvPr>
@@ -663,7 +2370,7 @@
           <p:cNvPr id="4" name="Espace réservé de la date 3">
             <a:extLst>
               <a:ext uri="{FF2B5EF4-FFF2-40B4-BE49-F238E27FC236}">
-                <a16:creationId xmlns:a16="http://schemas.microsoft.com/office/drawing/2014/main" id="{EF7BFC4A-8874-6AA9-3388-9B2DF2564FFC}"/>
+                <a16:creationId xmlns:a16="http://schemas.microsoft.com/office/drawing/2014/main" id="{B3964A41-D8D4-7FBA-A5EF-C122BF7351CB}"/>
               </a:ext>
             </a:extLst>
           </p:cNvPr>
@@ -681,7 +2388,7 @@
           <a:p>
             <a:fld id="{B35E8903-3DB0-4D62-9C06-CFA6198553C9}" type="datetimeFigureOut">
               <a:rPr lang="fr-FR" smtClean="0"/>
-              <a:t>14/05/2024</a:t>
+              <a:t>19/05/2024</a:t>
             </a:fld>
             <a:endParaRPr lang="fr-FR"/>
           </a:p>
@@ -692,7 +2399,7 @@
           <p:cNvPr id="5" name="Espace réservé du pied de page 4">
             <a:extLst>
               <a:ext uri="{FF2B5EF4-FFF2-40B4-BE49-F238E27FC236}">
-                <a16:creationId xmlns:a16="http://schemas.microsoft.com/office/drawing/2014/main" id="{B88C2DC4-8722-39FD-0CC5-3EA43B8464E3}"/>
+                <a16:creationId xmlns:a16="http://schemas.microsoft.com/office/drawing/2014/main" id="{57B2CB7D-2C30-C135-A7A6-494FDED34F89}"/>
               </a:ext>
             </a:extLst>
           </p:cNvPr>
@@ -717,7 +2424,7 @@
           <p:cNvPr id="6" name="Espace réservé du numéro de diapositive 5">
             <a:extLst>
               <a:ext uri="{FF2B5EF4-FFF2-40B4-BE49-F238E27FC236}">
-                <a16:creationId xmlns:a16="http://schemas.microsoft.com/office/drawing/2014/main" id="{73711FF2-61AE-0112-DEA6-608A9F6B44C7}"/>
+                <a16:creationId xmlns:a16="http://schemas.microsoft.com/office/drawing/2014/main" id="{6AD7BFD7-F3C4-0F44-7302-9948AC7AFF3B}"/>
               </a:ext>
             </a:extLst>
           </p:cNvPr>
@@ -744,7 +2451,7 @@
     </p:spTree>
     <p:extLst>
       <p:ext uri="{BB962C8B-B14F-4D97-AF65-F5344CB8AC3E}">
-        <p14:creationId xmlns:p14="http://schemas.microsoft.com/office/powerpoint/2010/main" val="2857156573"/>
+        <p14:creationId xmlns:p14="http://schemas.microsoft.com/office/powerpoint/2010/main" val="2370899903"/>
       </p:ext>
     </p:extLst>
   </p:cSld>
@@ -779,7 +2486,7 @@
           <p:cNvPr id="2" name="Titre 1">
             <a:extLst>
               <a:ext uri="{FF2B5EF4-FFF2-40B4-BE49-F238E27FC236}">
-                <a16:creationId xmlns:a16="http://schemas.microsoft.com/office/drawing/2014/main" id="{D112EBC0-4C92-A1AA-DEF9-DF904B1404BA}"/>
+                <a16:creationId xmlns:a16="http://schemas.microsoft.com/office/drawing/2014/main" id="{441150BE-F507-4E44-7C57-95B67E8B838D}"/>
               </a:ext>
             </a:extLst>
           </p:cNvPr>
@@ -807,7 +2514,7 @@
           <p:cNvPr id="3" name="Espace réservé du contenu 2">
             <a:extLst>
               <a:ext uri="{FF2B5EF4-FFF2-40B4-BE49-F238E27FC236}">
-                <a16:creationId xmlns:a16="http://schemas.microsoft.com/office/drawing/2014/main" id="{FD0B16AC-4B63-0FFB-8362-B1396B8F9396}"/>
+                <a16:creationId xmlns:a16="http://schemas.microsoft.com/office/drawing/2014/main" id="{2118E82F-AD7A-3082-FAF8-5F580BCFC3FB}"/>
               </a:ext>
             </a:extLst>
           </p:cNvPr>
@@ -864,7 +2571,7 @@
           <p:cNvPr id="4" name="Espace réservé de la date 3">
             <a:extLst>
               <a:ext uri="{FF2B5EF4-FFF2-40B4-BE49-F238E27FC236}">
-                <a16:creationId xmlns:a16="http://schemas.microsoft.com/office/drawing/2014/main" id="{4B65AB7E-1E56-4014-624E-B44A9C5D2163}"/>
+                <a16:creationId xmlns:a16="http://schemas.microsoft.com/office/drawing/2014/main" id="{7CADBD1E-56BE-7ED5-F852-57DAE3BFE649}"/>
               </a:ext>
             </a:extLst>
           </p:cNvPr>
@@ -882,7 +2589,7 @@
           <a:p>
             <a:fld id="{B35E8903-3DB0-4D62-9C06-CFA6198553C9}" type="datetimeFigureOut">
               <a:rPr lang="fr-FR" smtClean="0"/>
-              <a:t>14/05/2024</a:t>
+              <a:t>19/05/2024</a:t>
             </a:fld>
             <a:endParaRPr lang="fr-FR"/>
           </a:p>
@@ -893,7 +2600,7 @@
           <p:cNvPr id="5" name="Espace réservé du pied de page 4">
             <a:extLst>
               <a:ext uri="{FF2B5EF4-FFF2-40B4-BE49-F238E27FC236}">
-                <a16:creationId xmlns:a16="http://schemas.microsoft.com/office/drawing/2014/main" id="{481F408E-E510-2D8A-AD11-2EA27ACBEF98}"/>
+                <a16:creationId xmlns:a16="http://schemas.microsoft.com/office/drawing/2014/main" id="{3DFC4068-45CD-2D8E-AED0-0BEB74245167}"/>
               </a:ext>
             </a:extLst>
           </p:cNvPr>
@@ -918,7 +2625,7 @@
           <p:cNvPr id="6" name="Espace réservé du numéro de diapositive 5">
             <a:extLst>
               <a:ext uri="{FF2B5EF4-FFF2-40B4-BE49-F238E27FC236}">
-                <a16:creationId xmlns:a16="http://schemas.microsoft.com/office/drawing/2014/main" id="{184A1C1A-37E3-9B6E-A7F3-863FDBDDE310}"/>
+                <a16:creationId xmlns:a16="http://schemas.microsoft.com/office/drawing/2014/main" id="{F2F531DC-45C5-0759-07A9-CBADC1AEECAA}"/>
               </a:ext>
             </a:extLst>
           </p:cNvPr>
@@ -945,7 +2652,7 @@
     </p:spTree>
     <p:extLst>
       <p:ext uri="{BB962C8B-B14F-4D97-AF65-F5344CB8AC3E}">
-        <p14:creationId xmlns:p14="http://schemas.microsoft.com/office/powerpoint/2010/main" val="1926792852"/>
+        <p14:creationId xmlns:p14="http://schemas.microsoft.com/office/powerpoint/2010/main" val="3287737318"/>
       </p:ext>
     </p:extLst>
   </p:cSld>
@@ -980,7 +2687,7 @@
           <p:cNvPr id="2" name="Titre 1">
             <a:extLst>
               <a:ext uri="{FF2B5EF4-FFF2-40B4-BE49-F238E27FC236}">
-                <a16:creationId xmlns:a16="http://schemas.microsoft.com/office/drawing/2014/main" id="{37885292-AE75-A2A8-9536-86C5E3A91EDE}"/>
+                <a16:creationId xmlns:a16="http://schemas.microsoft.com/office/drawing/2014/main" id="{31D89BDF-F0A3-745E-A2FB-DBB33A9AF195}"/>
               </a:ext>
             </a:extLst>
           </p:cNvPr>
@@ -1017,7 +2724,7 @@
           <p:cNvPr id="3" name="Espace réservé du texte 2">
             <a:extLst>
               <a:ext uri="{FF2B5EF4-FFF2-40B4-BE49-F238E27FC236}">
-                <a16:creationId xmlns:a16="http://schemas.microsoft.com/office/drawing/2014/main" id="{A38BE65C-D35D-DE3C-3099-E8B1BEABAC27}"/>
+                <a16:creationId xmlns:a16="http://schemas.microsoft.com/office/drawing/2014/main" id="{C4979B7D-6FAF-2FA3-4680-A09DCF26056F}"/>
               </a:ext>
             </a:extLst>
           </p:cNvPr>
@@ -1142,7 +2849,7 @@
           <p:cNvPr id="4" name="Espace réservé de la date 3">
             <a:extLst>
               <a:ext uri="{FF2B5EF4-FFF2-40B4-BE49-F238E27FC236}">
-                <a16:creationId xmlns:a16="http://schemas.microsoft.com/office/drawing/2014/main" id="{E9B62EE6-338B-0BFF-720E-A226742DE831}"/>
+                <a16:creationId xmlns:a16="http://schemas.microsoft.com/office/drawing/2014/main" id="{132589C0-AB00-8217-00C7-7A1BB4E4E004}"/>
               </a:ext>
             </a:extLst>
           </p:cNvPr>
@@ -1160,7 +2867,7 @@
           <a:p>
             <a:fld id="{B35E8903-3DB0-4D62-9C06-CFA6198553C9}" type="datetimeFigureOut">
               <a:rPr lang="fr-FR" smtClean="0"/>
-              <a:t>14/05/2024</a:t>
+              <a:t>19/05/2024</a:t>
             </a:fld>
             <a:endParaRPr lang="fr-FR"/>
           </a:p>
@@ -1171,7 +2878,7 @@
           <p:cNvPr id="5" name="Espace réservé du pied de page 4">
             <a:extLst>
               <a:ext uri="{FF2B5EF4-FFF2-40B4-BE49-F238E27FC236}">
-                <a16:creationId xmlns:a16="http://schemas.microsoft.com/office/drawing/2014/main" id="{AF98C57E-2376-16BD-74D5-801EED8D3AEB}"/>
+                <a16:creationId xmlns:a16="http://schemas.microsoft.com/office/drawing/2014/main" id="{93DCA682-887B-042F-9E28-3F3E57BB4927}"/>
               </a:ext>
             </a:extLst>
           </p:cNvPr>
@@ -1196,7 +2903,7 @@
           <p:cNvPr id="6" name="Espace réservé du numéro de diapositive 5">
             <a:extLst>
               <a:ext uri="{FF2B5EF4-FFF2-40B4-BE49-F238E27FC236}">
-                <a16:creationId xmlns:a16="http://schemas.microsoft.com/office/drawing/2014/main" id="{A3F2BDD8-37AA-EA3C-FA48-2B4E660683FB}"/>
+                <a16:creationId xmlns:a16="http://schemas.microsoft.com/office/drawing/2014/main" id="{E5BC4C8E-E7BE-298B-1040-09899012A288}"/>
               </a:ext>
             </a:extLst>
           </p:cNvPr>
@@ -1223,7 +2930,7 @@
     </p:spTree>
     <p:extLst>
       <p:ext uri="{BB962C8B-B14F-4D97-AF65-F5344CB8AC3E}">
-        <p14:creationId xmlns:p14="http://schemas.microsoft.com/office/powerpoint/2010/main" val="3389892676"/>
+        <p14:creationId xmlns:p14="http://schemas.microsoft.com/office/powerpoint/2010/main" val="1860122223"/>
       </p:ext>
     </p:extLst>
   </p:cSld>
@@ -1258,7 +2965,7 @@
           <p:cNvPr id="2" name="Titre 1">
             <a:extLst>
               <a:ext uri="{FF2B5EF4-FFF2-40B4-BE49-F238E27FC236}">
-                <a16:creationId xmlns:a16="http://schemas.microsoft.com/office/drawing/2014/main" id="{CAE89DFD-3400-987E-F84F-A40DF9B7DCE6}"/>
+                <a16:creationId xmlns:a16="http://schemas.microsoft.com/office/drawing/2014/main" id="{C6BDCFDA-7B1C-7186-96D8-12F2220ECADC}"/>
               </a:ext>
             </a:extLst>
           </p:cNvPr>
@@ -1286,7 +2993,7 @@
           <p:cNvPr id="3" name="Espace réservé du contenu 2">
             <a:extLst>
               <a:ext uri="{FF2B5EF4-FFF2-40B4-BE49-F238E27FC236}">
-                <a16:creationId xmlns:a16="http://schemas.microsoft.com/office/drawing/2014/main" id="{46DF5305-F89A-D522-4F0B-D2200F5C912E}"/>
+                <a16:creationId xmlns:a16="http://schemas.microsoft.com/office/drawing/2014/main" id="{78877355-037C-F36F-AB3F-0E53815362E1}"/>
               </a:ext>
             </a:extLst>
           </p:cNvPr>
@@ -1348,7 +3055,7 @@
           <p:cNvPr id="4" name="Espace réservé du contenu 3">
             <a:extLst>
               <a:ext uri="{FF2B5EF4-FFF2-40B4-BE49-F238E27FC236}">
-                <a16:creationId xmlns:a16="http://schemas.microsoft.com/office/drawing/2014/main" id="{5A803C6D-08AF-584B-16DF-745753F4401A}"/>
+                <a16:creationId xmlns:a16="http://schemas.microsoft.com/office/drawing/2014/main" id="{03865ED4-C2E7-6B8F-AD3B-CA999738FAC6}"/>
               </a:ext>
             </a:extLst>
           </p:cNvPr>
@@ -1410,7 +3117,7 @@
           <p:cNvPr id="5" name="Espace réservé de la date 4">
             <a:extLst>
               <a:ext uri="{FF2B5EF4-FFF2-40B4-BE49-F238E27FC236}">
-                <a16:creationId xmlns:a16="http://schemas.microsoft.com/office/drawing/2014/main" id="{F49FF263-6866-C8D3-5E02-12BB18D679D3}"/>
+                <a16:creationId xmlns:a16="http://schemas.microsoft.com/office/drawing/2014/main" id="{1D4888F1-95E2-AB85-E03F-1D353D9E7318}"/>
               </a:ext>
             </a:extLst>
           </p:cNvPr>
@@ -1428,7 +3135,7 @@
           <a:p>
             <a:fld id="{B35E8903-3DB0-4D62-9C06-CFA6198553C9}" type="datetimeFigureOut">
               <a:rPr lang="fr-FR" smtClean="0"/>
-              <a:t>14/05/2024</a:t>
+              <a:t>19/05/2024</a:t>
             </a:fld>
             <a:endParaRPr lang="fr-FR"/>
           </a:p>
@@ -1439,7 +3146,7 @@
           <p:cNvPr id="6" name="Espace réservé du pied de page 5">
             <a:extLst>
               <a:ext uri="{FF2B5EF4-FFF2-40B4-BE49-F238E27FC236}">
-                <a16:creationId xmlns:a16="http://schemas.microsoft.com/office/drawing/2014/main" id="{48B46CEC-CC6D-BC4A-B574-1EA1993F13B5}"/>
+                <a16:creationId xmlns:a16="http://schemas.microsoft.com/office/drawing/2014/main" id="{F1D8A2A0-8BD1-0E8E-4B7A-CA751F54A76A}"/>
               </a:ext>
             </a:extLst>
           </p:cNvPr>
@@ -1464,7 +3171,7 @@
           <p:cNvPr id="7" name="Espace réservé du numéro de diapositive 6">
             <a:extLst>
               <a:ext uri="{FF2B5EF4-FFF2-40B4-BE49-F238E27FC236}">
-                <a16:creationId xmlns:a16="http://schemas.microsoft.com/office/drawing/2014/main" id="{8B2CAA86-7F67-D6E0-E4B6-307B3898E414}"/>
+                <a16:creationId xmlns:a16="http://schemas.microsoft.com/office/drawing/2014/main" id="{B1B1A5E4-F73D-C369-FDC1-670E57A83AEF}"/>
               </a:ext>
             </a:extLst>
           </p:cNvPr>
@@ -1491,7 +3198,7 @@
     </p:spTree>
     <p:extLst>
       <p:ext uri="{BB962C8B-B14F-4D97-AF65-F5344CB8AC3E}">
-        <p14:creationId xmlns:p14="http://schemas.microsoft.com/office/powerpoint/2010/main" val="4184702514"/>
+        <p14:creationId xmlns:p14="http://schemas.microsoft.com/office/powerpoint/2010/main" val="3391787225"/>
       </p:ext>
     </p:extLst>
   </p:cSld>
@@ -1526,7 +3233,7 @@
           <p:cNvPr id="2" name="Titre 1">
             <a:extLst>
               <a:ext uri="{FF2B5EF4-FFF2-40B4-BE49-F238E27FC236}">
-                <a16:creationId xmlns:a16="http://schemas.microsoft.com/office/drawing/2014/main" id="{750AC27D-5873-34E2-7708-9A7CCE06B5C8}"/>
+                <a16:creationId xmlns:a16="http://schemas.microsoft.com/office/drawing/2014/main" id="{09FDAFF9-4852-7412-1BFA-44BBDB4B5824}"/>
               </a:ext>
             </a:extLst>
           </p:cNvPr>
@@ -1559,7 +3266,7 @@
           <p:cNvPr id="3" name="Espace réservé du texte 2">
             <a:extLst>
               <a:ext uri="{FF2B5EF4-FFF2-40B4-BE49-F238E27FC236}">
-                <a16:creationId xmlns:a16="http://schemas.microsoft.com/office/drawing/2014/main" id="{2F94D1DD-B407-A3ED-D573-E6231ADF1234}"/>
+                <a16:creationId xmlns:a16="http://schemas.microsoft.com/office/drawing/2014/main" id="{A37C7440-FEC3-2F12-6628-884C25EB5F34}"/>
               </a:ext>
             </a:extLst>
           </p:cNvPr>
@@ -1630,7 +3337,7 @@
           <p:cNvPr id="4" name="Espace réservé du contenu 3">
             <a:extLst>
               <a:ext uri="{FF2B5EF4-FFF2-40B4-BE49-F238E27FC236}">
-                <a16:creationId xmlns:a16="http://schemas.microsoft.com/office/drawing/2014/main" id="{09958F19-E864-BECF-37B7-7D498F9B4BFB}"/>
+                <a16:creationId xmlns:a16="http://schemas.microsoft.com/office/drawing/2014/main" id="{4185D4C2-F23B-81AA-59E8-07933022595E}"/>
               </a:ext>
             </a:extLst>
           </p:cNvPr>
@@ -1692,7 +3399,7 @@
           <p:cNvPr id="5" name="Espace réservé du texte 4">
             <a:extLst>
               <a:ext uri="{FF2B5EF4-FFF2-40B4-BE49-F238E27FC236}">
-                <a16:creationId xmlns:a16="http://schemas.microsoft.com/office/drawing/2014/main" id="{830BDB2B-B8D3-6D6E-3423-2982F65300CA}"/>
+                <a16:creationId xmlns:a16="http://schemas.microsoft.com/office/drawing/2014/main" id="{2FCA5FD0-A537-C758-2D50-187BE93FB125}"/>
               </a:ext>
             </a:extLst>
           </p:cNvPr>
@@ -1763,7 +3470,7 @@
           <p:cNvPr id="6" name="Espace réservé du contenu 5">
             <a:extLst>
               <a:ext uri="{FF2B5EF4-FFF2-40B4-BE49-F238E27FC236}">
-                <a16:creationId xmlns:a16="http://schemas.microsoft.com/office/drawing/2014/main" id="{5CF904BB-E50C-EEA1-E043-3686CDCB35C2}"/>
+                <a16:creationId xmlns:a16="http://schemas.microsoft.com/office/drawing/2014/main" id="{1FAB9755-08D5-2A4B-A884-8A45C5603CB2}"/>
               </a:ext>
             </a:extLst>
           </p:cNvPr>
@@ -1825,7 +3532,7 @@
           <p:cNvPr id="7" name="Espace réservé de la date 6">
             <a:extLst>
               <a:ext uri="{FF2B5EF4-FFF2-40B4-BE49-F238E27FC236}">
-                <a16:creationId xmlns:a16="http://schemas.microsoft.com/office/drawing/2014/main" id="{7C6FBB2D-9263-27D3-5688-501F30A4F52E}"/>
+                <a16:creationId xmlns:a16="http://schemas.microsoft.com/office/drawing/2014/main" id="{69A11B3D-842A-7FFE-6B52-E329769A7B4F}"/>
               </a:ext>
             </a:extLst>
           </p:cNvPr>
@@ -1843,7 +3550,7 @@
           <a:p>
             <a:fld id="{B35E8903-3DB0-4D62-9C06-CFA6198553C9}" type="datetimeFigureOut">
               <a:rPr lang="fr-FR" smtClean="0"/>
-              <a:t>14/05/2024</a:t>
+              <a:t>19/05/2024</a:t>
             </a:fld>
             <a:endParaRPr lang="fr-FR"/>
           </a:p>
@@ -1854,7 +3561,7 @@
           <p:cNvPr id="8" name="Espace réservé du pied de page 7">
             <a:extLst>
               <a:ext uri="{FF2B5EF4-FFF2-40B4-BE49-F238E27FC236}">
-                <a16:creationId xmlns:a16="http://schemas.microsoft.com/office/drawing/2014/main" id="{82130B1F-7C2C-BDDE-86C3-989F3014CE10}"/>
+                <a16:creationId xmlns:a16="http://schemas.microsoft.com/office/drawing/2014/main" id="{DBEB1E33-7227-4D68-93B2-5A3473010FEA}"/>
               </a:ext>
             </a:extLst>
           </p:cNvPr>
@@ -1879,7 +3586,7 @@
           <p:cNvPr id="9" name="Espace réservé du numéro de diapositive 8">
             <a:extLst>
               <a:ext uri="{FF2B5EF4-FFF2-40B4-BE49-F238E27FC236}">
-                <a16:creationId xmlns:a16="http://schemas.microsoft.com/office/drawing/2014/main" id="{5E2AD21C-9635-E428-A6E5-07DA5A0425C4}"/>
+                <a16:creationId xmlns:a16="http://schemas.microsoft.com/office/drawing/2014/main" id="{9EDF9175-3477-7FB4-4FFA-BEAAAFD79F87}"/>
               </a:ext>
             </a:extLst>
           </p:cNvPr>
@@ -1906,7 +3613,7 @@
     </p:spTree>
     <p:extLst>
       <p:ext uri="{BB962C8B-B14F-4D97-AF65-F5344CB8AC3E}">
-        <p14:creationId xmlns:p14="http://schemas.microsoft.com/office/powerpoint/2010/main" val="1591644342"/>
+        <p14:creationId xmlns:p14="http://schemas.microsoft.com/office/powerpoint/2010/main" val="2117529011"/>
       </p:ext>
     </p:extLst>
   </p:cSld>
@@ -1941,7 +3648,7 @@
           <p:cNvPr id="2" name="Titre 1">
             <a:extLst>
               <a:ext uri="{FF2B5EF4-FFF2-40B4-BE49-F238E27FC236}">
-                <a16:creationId xmlns:a16="http://schemas.microsoft.com/office/drawing/2014/main" id="{E46BDCE8-8E7D-0571-C7C8-E2D9DD68F5A6}"/>
+                <a16:creationId xmlns:a16="http://schemas.microsoft.com/office/drawing/2014/main" id="{AADAF958-48C1-7F4F-6B96-1DC1B1D66754}"/>
               </a:ext>
             </a:extLst>
           </p:cNvPr>
@@ -1969,7 +3676,7 @@
           <p:cNvPr id="3" name="Espace réservé de la date 2">
             <a:extLst>
               <a:ext uri="{FF2B5EF4-FFF2-40B4-BE49-F238E27FC236}">
-                <a16:creationId xmlns:a16="http://schemas.microsoft.com/office/drawing/2014/main" id="{177552A9-A33D-90E8-B4B4-9778784EEDCF}"/>
+                <a16:creationId xmlns:a16="http://schemas.microsoft.com/office/drawing/2014/main" id="{EE5521D7-E1C6-CD5F-E595-BA45D8A426E7}"/>
               </a:ext>
             </a:extLst>
           </p:cNvPr>
@@ -1987,7 +3694,7 @@
           <a:p>
             <a:fld id="{B35E8903-3DB0-4D62-9C06-CFA6198553C9}" type="datetimeFigureOut">
               <a:rPr lang="fr-FR" smtClean="0"/>
-              <a:t>14/05/2024</a:t>
+              <a:t>19/05/2024</a:t>
             </a:fld>
             <a:endParaRPr lang="fr-FR"/>
           </a:p>
@@ -1998,7 +3705,7 @@
           <p:cNvPr id="4" name="Espace réservé du pied de page 3">
             <a:extLst>
               <a:ext uri="{FF2B5EF4-FFF2-40B4-BE49-F238E27FC236}">
-                <a16:creationId xmlns:a16="http://schemas.microsoft.com/office/drawing/2014/main" id="{AAC30AFC-0029-D0C3-29B2-6F3B9CCC9886}"/>
+                <a16:creationId xmlns:a16="http://schemas.microsoft.com/office/drawing/2014/main" id="{0D0494A3-0E9C-DB80-D4EB-D9408E368347}"/>
               </a:ext>
             </a:extLst>
           </p:cNvPr>
@@ -2023,7 +3730,7 @@
           <p:cNvPr id="5" name="Espace réservé du numéro de diapositive 4">
             <a:extLst>
               <a:ext uri="{FF2B5EF4-FFF2-40B4-BE49-F238E27FC236}">
-                <a16:creationId xmlns:a16="http://schemas.microsoft.com/office/drawing/2014/main" id="{653315E3-212A-96A2-7DD9-314451245BDA}"/>
+                <a16:creationId xmlns:a16="http://schemas.microsoft.com/office/drawing/2014/main" id="{2247C087-0235-2950-FD0F-1AD7EBB27633}"/>
               </a:ext>
             </a:extLst>
           </p:cNvPr>
@@ -2050,7 +3757,7 @@
     </p:spTree>
     <p:extLst>
       <p:ext uri="{BB962C8B-B14F-4D97-AF65-F5344CB8AC3E}">
-        <p14:creationId xmlns:p14="http://schemas.microsoft.com/office/powerpoint/2010/main" val="3455753047"/>
+        <p14:creationId xmlns:p14="http://schemas.microsoft.com/office/powerpoint/2010/main" val="2840946800"/>
       </p:ext>
     </p:extLst>
   </p:cSld>
@@ -2085,7 +3792,7 @@
           <p:cNvPr id="2" name="Espace réservé de la date 1">
             <a:extLst>
               <a:ext uri="{FF2B5EF4-FFF2-40B4-BE49-F238E27FC236}">
-                <a16:creationId xmlns:a16="http://schemas.microsoft.com/office/drawing/2014/main" id="{C1E0D85C-3346-3FDA-563F-E962D95025BB}"/>
+                <a16:creationId xmlns:a16="http://schemas.microsoft.com/office/drawing/2014/main" id="{C9FFEC45-87ED-8A8C-B3DC-E8AF06D15FEA}"/>
               </a:ext>
             </a:extLst>
           </p:cNvPr>
@@ -2103,7 +3810,7 @@
           <a:p>
             <a:fld id="{B35E8903-3DB0-4D62-9C06-CFA6198553C9}" type="datetimeFigureOut">
               <a:rPr lang="fr-FR" smtClean="0"/>
-              <a:t>14/05/2024</a:t>
+              <a:t>19/05/2024</a:t>
             </a:fld>
             <a:endParaRPr lang="fr-FR"/>
           </a:p>
@@ -2114,7 +3821,7 @@
           <p:cNvPr id="3" name="Espace réservé du pied de page 2">
             <a:extLst>
               <a:ext uri="{FF2B5EF4-FFF2-40B4-BE49-F238E27FC236}">
-                <a16:creationId xmlns:a16="http://schemas.microsoft.com/office/drawing/2014/main" id="{108D3D24-2383-48CF-3391-4CC82FD78CB9}"/>
+                <a16:creationId xmlns:a16="http://schemas.microsoft.com/office/drawing/2014/main" id="{D3BC0833-EC57-CEF8-AB16-771EC3B15634}"/>
               </a:ext>
             </a:extLst>
           </p:cNvPr>
@@ -2139,7 +3846,7 @@
           <p:cNvPr id="4" name="Espace réservé du numéro de diapositive 3">
             <a:extLst>
               <a:ext uri="{FF2B5EF4-FFF2-40B4-BE49-F238E27FC236}">
-                <a16:creationId xmlns:a16="http://schemas.microsoft.com/office/drawing/2014/main" id="{947D871D-813E-0A66-BB86-248391988597}"/>
+                <a16:creationId xmlns:a16="http://schemas.microsoft.com/office/drawing/2014/main" id="{F22A79E1-CDE7-5CEF-4867-427F041013CC}"/>
               </a:ext>
             </a:extLst>
           </p:cNvPr>
@@ -2166,7 +3873,7 @@
     </p:spTree>
     <p:extLst>
       <p:ext uri="{BB962C8B-B14F-4D97-AF65-F5344CB8AC3E}">
-        <p14:creationId xmlns:p14="http://schemas.microsoft.com/office/powerpoint/2010/main" val="3710015414"/>
+        <p14:creationId xmlns:p14="http://schemas.microsoft.com/office/powerpoint/2010/main" val="3548137729"/>
       </p:ext>
     </p:extLst>
   </p:cSld>
@@ -2201,7 +3908,7 @@
           <p:cNvPr id="2" name="Titre 1">
             <a:extLst>
               <a:ext uri="{FF2B5EF4-FFF2-40B4-BE49-F238E27FC236}">
-                <a16:creationId xmlns:a16="http://schemas.microsoft.com/office/drawing/2014/main" id="{1CC02677-69CB-89A1-57B4-69BE0A65B3C1}"/>
+                <a16:creationId xmlns:a16="http://schemas.microsoft.com/office/drawing/2014/main" id="{E47189B4-4103-8CD2-5D91-4B1A0499C3B8}"/>
               </a:ext>
             </a:extLst>
           </p:cNvPr>
@@ -2238,7 +3945,7 @@
           <p:cNvPr id="3" name="Espace réservé du contenu 2">
             <a:extLst>
               <a:ext uri="{FF2B5EF4-FFF2-40B4-BE49-F238E27FC236}">
-                <a16:creationId xmlns:a16="http://schemas.microsoft.com/office/drawing/2014/main" id="{D0162D45-E425-CBD6-0319-3F5E55397C44}"/>
+                <a16:creationId xmlns:a16="http://schemas.microsoft.com/office/drawing/2014/main" id="{6ACB827F-CE1D-25F7-615D-CCDDE81217A2}"/>
               </a:ext>
             </a:extLst>
           </p:cNvPr>
@@ -2328,7 +4035,7 @@
           <p:cNvPr id="4" name="Espace réservé du texte 3">
             <a:extLst>
               <a:ext uri="{FF2B5EF4-FFF2-40B4-BE49-F238E27FC236}">
-                <a16:creationId xmlns:a16="http://schemas.microsoft.com/office/drawing/2014/main" id="{BA8A9202-5CF5-ADE0-D2B0-202F5B816FC1}"/>
+                <a16:creationId xmlns:a16="http://schemas.microsoft.com/office/drawing/2014/main" id="{FB48C1E7-5236-21E8-5D68-FDE8DBE91F73}"/>
               </a:ext>
             </a:extLst>
           </p:cNvPr>
@@ -2399,7 +4106,7 @@
           <p:cNvPr id="5" name="Espace réservé de la date 4">
             <a:extLst>
               <a:ext uri="{FF2B5EF4-FFF2-40B4-BE49-F238E27FC236}">
-                <a16:creationId xmlns:a16="http://schemas.microsoft.com/office/drawing/2014/main" id="{1C45E3BA-3B58-A54D-69A4-1DC3815C3987}"/>
+                <a16:creationId xmlns:a16="http://schemas.microsoft.com/office/drawing/2014/main" id="{2B08542D-CB76-2DEB-BDDB-513A1A3EB403}"/>
               </a:ext>
             </a:extLst>
           </p:cNvPr>
@@ -2417,7 +4124,7 @@
           <a:p>
             <a:fld id="{B35E8903-3DB0-4D62-9C06-CFA6198553C9}" type="datetimeFigureOut">
               <a:rPr lang="fr-FR" smtClean="0"/>
-              <a:t>14/05/2024</a:t>
+              <a:t>19/05/2024</a:t>
             </a:fld>
             <a:endParaRPr lang="fr-FR"/>
           </a:p>
@@ -2428,7 +4135,7 @@
           <p:cNvPr id="6" name="Espace réservé du pied de page 5">
             <a:extLst>
               <a:ext uri="{FF2B5EF4-FFF2-40B4-BE49-F238E27FC236}">
-                <a16:creationId xmlns:a16="http://schemas.microsoft.com/office/drawing/2014/main" id="{F72525C9-73CB-456B-77B2-2FC9B9FAFCAF}"/>
+                <a16:creationId xmlns:a16="http://schemas.microsoft.com/office/drawing/2014/main" id="{9778EAF4-58C8-0DB6-3D50-F90253640189}"/>
               </a:ext>
             </a:extLst>
           </p:cNvPr>
@@ -2453,7 +4160,7 @@
           <p:cNvPr id="7" name="Espace réservé du numéro de diapositive 6">
             <a:extLst>
               <a:ext uri="{FF2B5EF4-FFF2-40B4-BE49-F238E27FC236}">
-                <a16:creationId xmlns:a16="http://schemas.microsoft.com/office/drawing/2014/main" id="{4FDEF311-0607-FDE8-D307-5DB212261890}"/>
+                <a16:creationId xmlns:a16="http://schemas.microsoft.com/office/drawing/2014/main" id="{E3F040AD-DA09-85BF-3F2E-3CBEA53202C2}"/>
               </a:ext>
             </a:extLst>
           </p:cNvPr>
@@ -2480,7 +4187,7 @@
     </p:spTree>
     <p:extLst>
       <p:ext uri="{BB962C8B-B14F-4D97-AF65-F5344CB8AC3E}">
-        <p14:creationId xmlns:p14="http://schemas.microsoft.com/office/powerpoint/2010/main" val="2063774397"/>
+        <p14:creationId xmlns:p14="http://schemas.microsoft.com/office/powerpoint/2010/main" val="2223052690"/>
       </p:ext>
     </p:extLst>
   </p:cSld>
@@ -2515,7 +4222,7 @@
           <p:cNvPr id="2" name="Titre 1">
             <a:extLst>
               <a:ext uri="{FF2B5EF4-FFF2-40B4-BE49-F238E27FC236}">
-                <a16:creationId xmlns:a16="http://schemas.microsoft.com/office/drawing/2014/main" id="{DD6CC623-2322-A592-48D1-5882EB84326D}"/>
+                <a16:creationId xmlns:a16="http://schemas.microsoft.com/office/drawing/2014/main" id="{51BD6C06-D940-5599-3940-7AEC95C66930}"/>
               </a:ext>
             </a:extLst>
           </p:cNvPr>
@@ -2552,7 +4259,7 @@
           <p:cNvPr id="3" name="Espace réservé pour une image  2">
             <a:extLst>
               <a:ext uri="{FF2B5EF4-FFF2-40B4-BE49-F238E27FC236}">
-                <a16:creationId xmlns:a16="http://schemas.microsoft.com/office/drawing/2014/main" id="{0BABEAD3-AF81-CC62-E928-D5F9C71DC446}"/>
+                <a16:creationId xmlns:a16="http://schemas.microsoft.com/office/drawing/2014/main" id="{2576BF46-29C8-A43E-96BD-F51B2199C084}"/>
               </a:ext>
             </a:extLst>
           </p:cNvPr>
@@ -2619,7 +4326,7 @@
           <p:cNvPr id="4" name="Espace réservé du texte 3">
             <a:extLst>
               <a:ext uri="{FF2B5EF4-FFF2-40B4-BE49-F238E27FC236}">
-                <a16:creationId xmlns:a16="http://schemas.microsoft.com/office/drawing/2014/main" id="{D4F42F51-C5A3-1399-A3DC-9B1F48809917}"/>
+                <a16:creationId xmlns:a16="http://schemas.microsoft.com/office/drawing/2014/main" id="{2B788B2D-65D5-A53C-782B-CFB1B3A9B9CC}"/>
               </a:ext>
             </a:extLst>
           </p:cNvPr>
@@ -2690,7 +4397,7 @@
           <p:cNvPr id="5" name="Espace réservé de la date 4">
             <a:extLst>
               <a:ext uri="{FF2B5EF4-FFF2-40B4-BE49-F238E27FC236}">
-                <a16:creationId xmlns:a16="http://schemas.microsoft.com/office/drawing/2014/main" id="{C9C1823C-AE9C-FD24-6965-6C414F01DF3B}"/>
+                <a16:creationId xmlns:a16="http://schemas.microsoft.com/office/drawing/2014/main" id="{0486A79A-F74D-966C-F750-D940F4F9F9F0}"/>
               </a:ext>
             </a:extLst>
           </p:cNvPr>
@@ -2708,7 +4415,7 @@
           <a:p>
             <a:fld id="{B35E8903-3DB0-4D62-9C06-CFA6198553C9}" type="datetimeFigureOut">
               <a:rPr lang="fr-FR" smtClean="0"/>
-              <a:t>14/05/2024</a:t>
+              <a:t>19/05/2024</a:t>
             </a:fld>
             <a:endParaRPr lang="fr-FR"/>
           </a:p>
@@ -2719,7 +4426,7 @@
           <p:cNvPr id="6" name="Espace réservé du pied de page 5">
             <a:extLst>
               <a:ext uri="{FF2B5EF4-FFF2-40B4-BE49-F238E27FC236}">
-                <a16:creationId xmlns:a16="http://schemas.microsoft.com/office/drawing/2014/main" id="{CDDA6B3B-E8D5-78CC-056B-CE7BB3BB55FC}"/>
+                <a16:creationId xmlns:a16="http://schemas.microsoft.com/office/drawing/2014/main" id="{D11D0A1D-82C9-DD7D-767D-91E699BA941C}"/>
               </a:ext>
             </a:extLst>
           </p:cNvPr>
@@ -2744,7 +4451,7 @@
           <p:cNvPr id="7" name="Espace réservé du numéro de diapositive 6">
             <a:extLst>
               <a:ext uri="{FF2B5EF4-FFF2-40B4-BE49-F238E27FC236}">
-                <a16:creationId xmlns:a16="http://schemas.microsoft.com/office/drawing/2014/main" id="{95FFFFB3-8F7A-052E-07C1-D3E267C561A5}"/>
+                <a16:creationId xmlns:a16="http://schemas.microsoft.com/office/drawing/2014/main" id="{7E26C76E-F080-B82B-9955-83979D0A3131}"/>
               </a:ext>
             </a:extLst>
           </p:cNvPr>
@@ -2771,7 +4478,7 @@
     </p:spTree>
     <p:extLst>
       <p:ext uri="{BB962C8B-B14F-4D97-AF65-F5344CB8AC3E}">
-        <p14:creationId xmlns:p14="http://schemas.microsoft.com/office/powerpoint/2010/main" val="2627180438"/>
+        <p14:creationId xmlns:p14="http://schemas.microsoft.com/office/powerpoint/2010/main" val="1759082923"/>
       </p:ext>
     </p:extLst>
   </p:cSld>
@@ -2788,9 +4495,12 @@
 <p:sldMaster xmlns:a="http://schemas.openxmlformats.org/drawingml/2006/main" xmlns:r="http://schemas.openxmlformats.org/officeDocument/2006/relationships" xmlns:p="http://schemas.openxmlformats.org/presentationml/2006/main">
   <p:cSld>
     <p:bg>
-      <p:bgRef idx="1001">
-        <a:schemeClr val="bg1"/>
-      </p:bgRef>
+      <p:bgPr>
+        <a:solidFill>
+          <a:schemeClr val="bg1"/>
+        </a:solidFill>
+        <a:effectLst/>
+      </p:bgPr>
     </p:bg>
     <p:spTree>
       <p:nvGrpSpPr>
@@ -2811,7 +4521,7 @@
           <p:cNvPr id="2" name="Espace réservé du titre 1">
             <a:extLst>
               <a:ext uri="{FF2B5EF4-FFF2-40B4-BE49-F238E27FC236}">
-                <a16:creationId xmlns:a16="http://schemas.microsoft.com/office/drawing/2014/main" id="{261F640A-EB1B-89C7-183C-FB7282CD518A}"/>
+                <a16:creationId xmlns:a16="http://schemas.microsoft.com/office/drawing/2014/main" id="{CCD5466C-6267-69D2-4DC7-FB3D1D53D863}"/>
               </a:ext>
             </a:extLst>
           </p:cNvPr>
@@ -2849,7 +4559,7 @@
           <p:cNvPr id="3" name="Espace réservé du texte 2">
             <a:extLst>
               <a:ext uri="{FF2B5EF4-FFF2-40B4-BE49-F238E27FC236}">
-                <a16:creationId xmlns:a16="http://schemas.microsoft.com/office/drawing/2014/main" id="{D60560F8-30D7-AC4C-DC16-CC5C40B086B2}"/>
+                <a16:creationId xmlns:a16="http://schemas.microsoft.com/office/drawing/2014/main" id="{00EB0367-3CC9-6828-6B80-1B0367DC7625}"/>
               </a:ext>
             </a:extLst>
           </p:cNvPr>
@@ -2916,7 +4626,7 @@
           <p:cNvPr id="4" name="Espace réservé de la date 3">
             <a:extLst>
               <a:ext uri="{FF2B5EF4-FFF2-40B4-BE49-F238E27FC236}">
-                <a16:creationId xmlns:a16="http://schemas.microsoft.com/office/drawing/2014/main" id="{32BF620C-A063-2C6E-AAC6-FA3DEE8C029F}"/>
+                <a16:creationId xmlns:a16="http://schemas.microsoft.com/office/drawing/2014/main" id="{F818E150-2249-F122-440B-C23FDFB5EFB3}"/>
               </a:ext>
             </a:extLst>
           </p:cNvPr>
@@ -2952,7 +4662,7 @@
           <a:p>
             <a:fld id="{B35E8903-3DB0-4D62-9C06-CFA6198553C9}" type="datetimeFigureOut">
               <a:rPr lang="fr-FR" smtClean="0"/>
-              <a:t>14/05/2024</a:t>
+              <a:t>19/05/2024</a:t>
             </a:fld>
             <a:endParaRPr lang="fr-FR"/>
           </a:p>
@@ -2963,7 +4673,7 @@
           <p:cNvPr id="5" name="Espace réservé du pied de page 4">
             <a:extLst>
               <a:ext uri="{FF2B5EF4-FFF2-40B4-BE49-F238E27FC236}">
-                <a16:creationId xmlns:a16="http://schemas.microsoft.com/office/drawing/2014/main" id="{ECDC0BF5-5693-5900-EEA4-68D32C7DD9D8}"/>
+                <a16:creationId xmlns:a16="http://schemas.microsoft.com/office/drawing/2014/main" id="{C6FEE2D8-D2C3-E7BD-ECAF-11112FFC6C95}"/>
               </a:ext>
             </a:extLst>
           </p:cNvPr>
@@ -3006,7 +4716,7 @@
           <p:cNvPr id="6" name="Espace réservé du numéro de diapositive 5">
             <a:extLst>
               <a:ext uri="{FF2B5EF4-FFF2-40B4-BE49-F238E27FC236}">
-                <a16:creationId xmlns:a16="http://schemas.microsoft.com/office/drawing/2014/main" id="{F0DCFBB6-8F69-F6B6-BBBF-0F23CF2C6B51}"/>
+                <a16:creationId xmlns:a16="http://schemas.microsoft.com/office/drawing/2014/main" id="{CCBDE2BD-D3F7-BB6E-73D4-5D1E1EC22DE2}"/>
               </a:ext>
             </a:extLst>
           </p:cNvPr>
@@ -3051,23 +4761,23 @@
     </p:spTree>
     <p:extLst>
       <p:ext uri="{BB962C8B-B14F-4D97-AF65-F5344CB8AC3E}">
-        <p14:creationId xmlns:p14="http://schemas.microsoft.com/office/powerpoint/2010/main" val="1555149216"/>
+        <p14:creationId xmlns:p14="http://schemas.microsoft.com/office/powerpoint/2010/main" val="1902973226"/>
       </p:ext>
     </p:extLst>
   </p:cSld>
   <p:clrMap bg1="lt1" tx1="dk1" bg2="lt2" tx2="dk2" accent1="accent1" accent2="accent2" accent3="accent3" accent4="accent4" accent5="accent5" accent6="accent6" hlink="hlink" folHlink="folHlink"/>
   <p:sldLayoutIdLst>
-    <p:sldLayoutId id="2147483649" r:id="rId1"/>
-    <p:sldLayoutId id="2147483650" r:id="rId2"/>
-    <p:sldLayoutId id="2147483651" r:id="rId3"/>
-    <p:sldLayoutId id="2147483652" r:id="rId4"/>
-    <p:sldLayoutId id="2147483653" r:id="rId5"/>
-    <p:sldLayoutId id="2147483654" r:id="rId6"/>
-    <p:sldLayoutId id="2147483655" r:id="rId7"/>
-    <p:sldLayoutId id="2147483656" r:id="rId8"/>
-    <p:sldLayoutId id="2147483657" r:id="rId9"/>
-    <p:sldLayoutId id="2147483658" r:id="rId10"/>
-    <p:sldLayoutId id="2147483659" r:id="rId11"/>
+    <p:sldLayoutId id="2147483661" r:id="rId1"/>
+    <p:sldLayoutId id="2147483662" r:id="rId2"/>
+    <p:sldLayoutId id="2147483663" r:id="rId3"/>
+    <p:sldLayoutId id="2147483664" r:id="rId4"/>
+    <p:sldLayoutId id="2147483665" r:id="rId5"/>
+    <p:sldLayoutId id="2147483666" r:id="rId6"/>
+    <p:sldLayoutId id="2147483667" r:id="rId7"/>
+    <p:sldLayoutId id="2147483668" r:id="rId8"/>
+    <p:sldLayoutId id="2147483669" r:id="rId9"/>
+    <p:sldLayoutId id="2147483670" r:id="rId10"/>
+    <p:sldLayoutId id="2147483671" r:id="rId11"/>
   </p:sldLayoutIdLst>
   <p:transition spd="slow">
     <p:push/>
@@ -3374,10 +5084,467 @@
       </p:grpSpPr>
       <p:sp>
         <p:nvSpPr>
+          <p:cNvPr id="7" name="Rectangle 6">
+            <a:extLst>
+              <a:ext uri="{FF2B5EF4-FFF2-40B4-BE49-F238E27FC236}">
+                <a16:creationId xmlns:a16="http://schemas.microsoft.com/office/drawing/2014/main" id="{30842BCD-E45B-05B5-B349-E791ADC84662}"/>
+              </a:ext>
+            </a:extLst>
+          </p:cNvPr>
+          <p:cNvSpPr/>
+          <p:nvPr/>
+        </p:nvSpPr>
+        <p:spPr>
+          <a:xfrm rot="10800000">
+            <a:off x="0" y="0"/>
+            <a:ext cx="12192000" cy="6858000"/>
+          </a:xfrm>
+          <a:prstGeom prst="rect">
+            <a:avLst/>
+          </a:prstGeom>
+          <a:gradFill flip="none" rotWithShape="1">
+            <a:gsLst>
+              <a:gs pos="0">
+                <a:srgbClr val="124084"/>
+              </a:gs>
+              <a:gs pos="100000">
+                <a:srgbClr val="1C62CA"/>
+              </a:gs>
+            </a:gsLst>
+            <a:lin ang="0" scaled="0"/>
+            <a:tileRect/>
+          </a:gradFill>
+          <a:ln>
+            <a:noFill/>
+          </a:ln>
+        </p:spPr>
+        <p:style>
+          <a:lnRef idx="2">
+            <a:schemeClr val="accent1">
+              <a:shade val="15000"/>
+            </a:schemeClr>
+          </a:lnRef>
+          <a:fillRef idx="1">
+            <a:schemeClr val="accent1"/>
+          </a:fillRef>
+          <a:effectRef idx="0">
+            <a:schemeClr val="accent1"/>
+          </a:effectRef>
+          <a:fontRef idx="minor">
+            <a:schemeClr val="lt1"/>
+          </a:fontRef>
+        </p:style>
+        <p:txBody>
+          <a:bodyPr rtlCol="0" anchor="ctr"/>
+          <a:lstStyle/>
+          <a:p>
+            <a:pPr algn="ctr"/>
+            <a:endParaRPr lang="fr-FR" dirty="0"/>
+          </a:p>
+        </p:txBody>
+      </p:sp>
+      <p:pic>
+        <p:nvPicPr>
+          <p:cNvPr id="6" name="Graphique 5">
+            <a:extLst>
+              <a:ext uri="{FF2B5EF4-FFF2-40B4-BE49-F238E27FC236}">
+                <a16:creationId xmlns:a16="http://schemas.microsoft.com/office/drawing/2014/main" id="{CA8439B6-BA05-BC77-54C0-B34A427C2AEE}"/>
+              </a:ext>
+            </a:extLst>
+          </p:cNvPr>
+          <p:cNvPicPr>
+            <a:picLocks noChangeAspect="1"/>
+          </p:cNvPicPr>
+          <p:nvPr/>
+        </p:nvPicPr>
+        <p:blipFill>
+          <a:blip r:embed="rId3">
+            <a:extLst>
+              <a:ext uri="{28A0092B-C50C-407E-A947-70E740481C1C}">
+                <a14:useLocalDpi xmlns:a14="http://schemas.microsoft.com/office/drawing/2010/main" val="0"/>
+              </a:ext>
+              <a:ext uri="{96DAC541-7B7A-43D3-8B79-37D633B846F1}">
+                <asvg:svgBlip xmlns:asvg="http://schemas.microsoft.com/office/drawing/2016/SVG/main" r:embed="rId4"/>
+              </a:ext>
+            </a:extLst>
+          </a:blip>
+          <a:stretch>
+            <a:fillRect/>
+          </a:stretch>
+        </p:blipFill>
+        <p:spPr>
+          <a:xfrm>
+            <a:off x="2281237" y="2423014"/>
+            <a:ext cx="7629525" cy="1238250"/>
+          </a:xfrm>
+          <a:prstGeom prst="rect">
+            <a:avLst/>
+          </a:prstGeom>
+        </p:spPr>
+      </p:pic>
+      <p:sp>
+        <p:nvSpPr>
+          <p:cNvPr id="8" name="ZoneTexte 7">
+            <a:extLst>
+              <a:ext uri="{FF2B5EF4-FFF2-40B4-BE49-F238E27FC236}">
+                <a16:creationId xmlns:a16="http://schemas.microsoft.com/office/drawing/2014/main" id="{95E0CED4-FE8E-5D72-C7CD-FC48C52EED11}"/>
+              </a:ext>
+            </a:extLst>
+          </p:cNvPr>
+          <p:cNvSpPr txBox="1"/>
+          <p:nvPr/>
+        </p:nvSpPr>
+        <p:spPr>
+          <a:xfrm>
+            <a:off x="2473568" y="3661264"/>
+            <a:ext cx="7244861" cy="461665"/>
+          </a:xfrm>
+          <a:prstGeom prst="rect">
+            <a:avLst/>
+          </a:prstGeom>
+          <a:noFill/>
+        </p:spPr>
+        <p:txBody>
+          <a:bodyPr wrap="square" rtlCol="0">
+            <a:spAutoFit/>
+          </a:bodyPr>
+          <a:lstStyle/>
+          <a:p>
+            <a:pPr algn="ctr"/>
+            <a:r>
+              <a:rPr lang="fr-FR" sz="2400" i="1" dirty="0">
+                <a:solidFill>
+                  <a:schemeClr val="bg1"/>
+                </a:solidFill>
+                <a:latin typeface="Kanit" pitchFamily="2" charset="-34"/>
+                <a:cs typeface="Kanit" pitchFamily="2" charset="-34"/>
+              </a:rPr>
+              <a:t>Se garer n'importe où, n'importe quand !</a:t>
+            </a:r>
+          </a:p>
+        </p:txBody>
+      </p:sp>
+      <p:grpSp>
+        <p:nvGrpSpPr>
+          <p:cNvPr id="14" name="Groupe 13">
+            <a:extLst>
+              <a:ext uri="{FF2B5EF4-FFF2-40B4-BE49-F238E27FC236}">
+                <a16:creationId xmlns:a16="http://schemas.microsoft.com/office/drawing/2014/main" id="{B4F7D2FE-5FC3-A348-0E97-FC4B9DB27F84}"/>
+              </a:ext>
+            </a:extLst>
+          </p:cNvPr>
+          <p:cNvGrpSpPr/>
+          <p:nvPr/>
+        </p:nvGrpSpPr>
+        <p:grpSpPr>
+          <a:xfrm>
+            <a:off x="6160049" y="6136959"/>
+            <a:ext cx="5731245" cy="523547"/>
+            <a:chOff x="6160049" y="6136959"/>
+            <a:chExt cx="5731245" cy="523547"/>
+          </a:xfrm>
+        </p:grpSpPr>
+        <p:pic>
+          <p:nvPicPr>
+            <p:cNvPr id="12" name="Image 11">
+              <a:extLst>
+                <a:ext uri="{FF2B5EF4-FFF2-40B4-BE49-F238E27FC236}">
+                  <a16:creationId xmlns:a16="http://schemas.microsoft.com/office/drawing/2014/main" id="{C6AC2282-6057-0D8F-59C5-FE16BA717DA2}"/>
+                </a:ext>
+              </a:extLst>
+            </p:cNvPr>
+            <p:cNvPicPr>
+              <a:picLocks noChangeAspect="1"/>
+            </p:cNvPicPr>
+            <p:nvPr/>
+          </p:nvPicPr>
+          <p:blipFill>
+            <a:blip r:embed="rId5">
+              <a:extLst>
+                <a:ext uri="{28A0092B-C50C-407E-A947-70E740481C1C}">
+                  <a14:useLocalDpi xmlns:a14="http://schemas.microsoft.com/office/drawing/2010/main" val="0"/>
+                </a:ext>
+              </a:extLst>
+            </a:blip>
+            <a:stretch>
+              <a:fillRect/>
+            </a:stretch>
+          </p:blipFill>
+          <p:spPr>
+            <a:xfrm>
+              <a:off x="9969377" y="6136959"/>
+              <a:ext cx="1921917" cy="414863"/>
+            </a:xfrm>
+            <a:prstGeom prst="rect">
+              <a:avLst/>
+            </a:prstGeom>
+          </p:spPr>
+        </p:pic>
+        <p:sp>
+          <p:nvSpPr>
+            <p:cNvPr id="13" name="ZoneTexte 12">
+              <a:extLst>
+                <a:ext uri="{FF2B5EF4-FFF2-40B4-BE49-F238E27FC236}">
+                  <a16:creationId xmlns:a16="http://schemas.microsoft.com/office/drawing/2014/main" id="{E8864F71-8530-A03F-2C36-1954417BD2F6}"/>
+                </a:ext>
+              </a:extLst>
+            </p:cNvPr>
+            <p:cNvSpPr txBox="1"/>
+            <p:nvPr/>
+          </p:nvSpPr>
+          <p:spPr>
+            <a:xfrm>
+              <a:off x="6160049" y="6260396"/>
+              <a:ext cx="3750713" cy="400110"/>
+            </a:xfrm>
+            <a:prstGeom prst="rect">
+              <a:avLst/>
+            </a:prstGeom>
+            <a:noFill/>
+          </p:spPr>
+          <p:txBody>
+            <a:bodyPr wrap="square" rtlCol="0" anchor="b">
+              <a:spAutoFit/>
+            </a:bodyPr>
+            <a:lstStyle/>
+            <a:p>
+              <a:pPr algn="r"/>
+              <a:r>
+                <a:rPr lang="fr-FR" sz="2000" dirty="0">
+                  <a:solidFill>
+                    <a:schemeClr val="bg1"/>
+                  </a:solidFill>
+                  <a:latin typeface="Kanit" pitchFamily="2" charset="-34"/>
+                  <a:cs typeface="Kanit" pitchFamily="2" charset="-34"/>
+                </a:rPr>
+                <a:t>Un projet du groupe</a:t>
+              </a:r>
+            </a:p>
+          </p:txBody>
+        </p:sp>
+      </p:grpSp>
+    </p:spTree>
+    <p:extLst>
+      <p:ext uri="{BB962C8B-B14F-4D97-AF65-F5344CB8AC3E}">
+        <p14:creationId xmlns:p14="http://schemas.microsoft.com/office/powerpoint/2010/main" val="2496559660"/>
+      </p:ext>
+    </p:extLst>
+  </p:cSld>
+  <p:clrMapOvr>
+    <a:masterClrMapping/>
+  </p:clrMapOvr>
+  <mc:AlternateContent xmlns:mc="http://schemas.openxmlformats.org/markup-compatibility/2006" xmlns:p14="http://schemas.microsoft.com/office/powerpoint/2010/main">
+    <mc:Choice Requires="p14">
+      <p:transition spd="med" p14:dur="700">
+        <p:fade/>
+      </p:transition>
+    </mc:Choice>
+    <mc:Fallback xmlns="">
+      <p:transition spd="med">
+        <p:fade/>
+      </p:transition>
+    </mc:Fallback>
+  </mc:AlternateContent>
+  <p:timing>
+    <p:tnLst>
+      <p:par>
+        <p:cTn id="1" dur="indefinite" restart="never" nodeType="tmRoot">
+          <p:childTnLst>
+            <p:seq concurrent="1" nextAc="seek">
+              <p:cTn id="2" dur="indefinite" nodeType="mainSeq">
+                <p:childTnLst>
+                  <p:par>
+                    <p:cTn id="3" fill="hold">
+                      <p:stCondLst>
+                        <p:cond delay="indefinite"/>
+                      </p:stCondLst>
+                      <p:childTnLst>
+                        <p:par>
+                          <p:cTn id="4" fill="hold">
+                            <p:stCondLst>
+                              <p:cond delay="0"/>
+                            </p:stCondLst>
+                            <p:childTnLst>
+                              <p:par>
+                                <p:cTn id="5" presetID="10" presetClass="entr" presetSubtype="0" fill="hold" nodeType="clickEffect">
+                                  <p:stCondLst>
+                                    <p:cond delay="0"/>
+                                  </p:stCondLst>
+                                  <p:childTnLst>
+                                    <p:set>
+                                      <p:cBhvr>
+                                        <p:cTn id="6" dur="1" fill="hold">
+                                          <p:stCondLst>
+                                            <p:cond delay="0"/>
+                                          </p:stCondLst>
+                                        </p:cTn>
+                                        <p:tgtEl>
+                                          <p:spTgt spid="6"/>
+                                        </p:tgtEl>
+                                        <p:attrNameLst>
+                                          <p:attrName>style.visibility</p:attrName>
+                                        </p:attrNameLst>
+                                      </p:cBhvr>
+                                      <p:to>
+                                        <p:strVal val="visible"/>
+                                      </p:to>
+                                    </p:set>
+                                    <p:animEffect transition="in" filter="fade">
+                                      <p:cBhvr>
+                                        <p:cTn id="7" dur="500"/>
+                                        <p:tgtEl>
+                                          <p:spTgt spid="6"/>
+                                        </p:tgtEl>
+                                      </p:cBhvr>
+                                    </p:animEffect>
+                                  </p:childTnLst>
+                                </p:cTn>
+                              </p:par>
+                              <p:par>
+                                <p:cTn id="8" presetID="10" presetClass="entr" presetSubtype="0" fill="hold" grpId="0" nodeType="withEffect">
+                                  <p:stCondLst>
+                                    <p:cond delay="500"/>
+                                  </p:stCondLst>
+                                  <p:childTnLst>
+                                    <p:set>
+                                      <p:cBhvr>
+                                        <p:cTn id="9" dur="1" fill="hold">
+                                          <p:stCondLst>
+                                            <p:cond delay="0"/>
+                                          </p:stCondLst>
+                                        </p:cTn>
+                                        <p:tgtEl>
+                                          <p:spTgt spid="8"/>
+                                        </p:tgtEl>
+                                        <p:attrNameLst>
+                                          <p:attrName>style.visibility</p:attrName>
+                                        </p:attrNameLst>
+                                      </p:cBhvr>
+                                      <p:to>
+                                        <p:strVal val="visible"/>
+                                      </p:to>
+                                    </p:set>
+                                    <p:animEffect transition="in" filter="fade">
+                                      <p:cBhvr>
+                                        <p:cTn id="10" dur="500"/>
+                                        <p:tgtEl>
+                                          <p:spTgt spid="8"/>
+                                        </p:tgtEl>
+                                      </p:cBhvr>
+                                    </p:animEffect>
+                                  </p:childTnLst>
+                                </p:cTn>
+                              </p:par>
+                            </p:childTnLst>
+                          </p:cTn>
+                        </p:par>
+                      </p:childTnLst>
+                    </p:cTn>
+                  </p:par>
+                  <p:par>
+                    <p:cTn id="11" fill="hold">
+                      <p:stCondLst>
+                        <p:cond delay="indefinite"/>
+                      </p:stCondLst>
+                      <p:childTnLst>
+                        <p:par>
+                          <p:cTn id="12" fill="hold">
+                            <p:stCondLst>
+                              <p:cond delay="0"/>
+                            </p:stCondLst>
+                            <p:childTnLst>
+                              <p:par>
+                                <p:cTn id="13" presetID="10" presetClass="entr" presetSubtype="0" fill="hold" nodeType="clickEffect">
+                                  <p:stCondLst>
+                                    <p:cond delay="0"/>
+                                  </p:stCondLst>
+                                  <p:childTnLst>
+                                    <p:set>
+                                      <p:cBhvr>
+                                        <p:cTn id="14" dur="1" fill="hold">
+                                          <p:stCondLst>
+                                            <p:cond delay="0"/>
+                                          </p:stCondLst>
+                                        </p:cTn>
+                                        <p:tgtEl>
+                                          <p:spTgt spid="14"/>
+                                        </p:tgtEl>
+                                        <p:attrNameLst>
+                                          <p:attrName>style.visibility</p:attrName>
+                                        </p:attrNameLst>
+                                      </p:cBhvr>
+                                      <p:to>
+                                        <p:strVal val="visible"/>
+                                      </p:to>
+                                    </p:set>
+                                    <p:animEffect transition="in" filter="fade">
+                                      <p:cBhvr>
+                                        <p:cTn id="15" dur="500"/>
+                                        <p:tgtEl>
+                                          <p:spTgt spid="14"/>
+                                        </p:tgtEl>
+                                      </p:cBhvr>
+                                    </p:animEffect>
+                                  </p:childTnLst>
+                                </p:cTn>
+                              </p:par>
+                            </p:childTnLst>
+                          </p:cTn>
+                        </p:par>
+                      </p:childTnLst>
+                    </p:cTn>
+                  </p:par>
+                </p:childTnLst>
+              </p:cTn>
+              <p:prevCondLst>
+                <p:cond evt="onPrev" delay="0">
+                  <p:tgtEl>
+                    <p:sldTgt/>
+                  </p:tgtEl>
+                </p:cond>
+              </p:prevCondLst>
+              <p:nextCondLst>
+                <p:cond evt="onNext" delay="0">
+                  <p:tgtEl>
+                    <p:sldTgt/>
+                  </p:tgtEl>
+                </p:cond>
+              </p:nextCondLst>
+            </p:seq>
+          </p:childTnLst>
+        </p:cTn>
+      </p:par>
+    </p:tnLst>
+    <p:bldLst>
+      <p:bldP spid="8" grpId="0"/>
+    </p:bldLst>
+  </p:timing>
+</p:sld>
+</file>
+
+<file path=ppt/slides/slide10.xml><?xml version="1.0" encoding="utf-8"?>
+<p:sld xmlns:a="http://schemas.openxmlformats.org/drawingml/2006/main" xmlns:r="http://schemas.openxmlformats.org/officeDocument/2006/relationships" xmlns:p="http://schemas.openxmlformats.org/presentationml/2006/main">
+  <p:cSld>
+    <p:spTree>
+      <p:nvGrpSpPr>
+        <p:cNvPr id="1" name=""/>
+        <p:cNvGrpSpPr/>
+        <p:nvPr/>
+      </p:nvGrpSpPr>
+      <p:grpSpPr>
+        <a:xfrm>
+          <a:off x="0" y="0"/>
+          <a:ext cx="0" cy="0"/>
+          <a:chOff x="0" y="0"/>
+          <a:chExt cx="0" cy="0"/>
+        </a:xfrm>
+      </p:grpSpPr>
+      <p:sp>
+        <p:nvSpPr>
           <p:cNvPr id="3" name="Rectangle 2">
             <a:extLst>
               <a:ext uri="{FF2B5EF4-FFF2-40B4-BE49-F238E27FC236}">
-                <a16:creationId xmlns:a16="http://schemas.microsoft.com/office/drawing/2014/main" id="{41FD4D3A-5586-73DC-6B8E-31D19BA660CD}"/>
+                <a16:creationId xmlns:a16="http://schemas.microsoft.com/office/drawing/2014/main" id="{0CA1A0A2-64BA-26D8-B011-DE0C7E7780AB}"/>
               </a:ext>
             </a:extLst>
           </p:cNvPr>
@@ -3420,20 +5587,433 @@
           <a:lstStyle/>
           <a:p>
             <a:pPr algn="ctr"/>
-            <a:endParaRPr lang="fr-FR">
-              <a:solidFill>
-                <a:schemeClr val="bg1"/>
-              </a:solidFill>
-            </a:endParaRPr>
+            <a:endParaRPr lang="fr-FR"/>
+          </a:p>
+        </p:txBody>
+      </p:sp>
+      <p:sp>
+        <p:nvSpPr>
+          <p:cNvPr id="2" name="Titre 1">
+            <a:extLst>
+              <a:ext uri="{FF2B5EF4-FFF2-40B4-BE49-F238E27FC236}">
+                <a16:creationId xmlns:a16="http://schemas.microsoft.com/office/drawing/2014/main" id="{3C2ABF41-BFFD-A046-D6CD-B22EFF188F48}"/>
+              </a:ext>
+            </a:extLst>
+          </p:cNvPr>
+          <p:cNvSpPr>
+            <a:spLocks noGrp="1"/>
+          </p:cNvSpPr>
+          <p:nvPr>
+            <p:ph type="title"/>
+          </p:nvPr>
+        </p:nvSpPr>
+        <p:spPr>
+          <a:xfrm>
+            <a:off x="2988128" y="2766218"/>
+            <a:ext cx="6215743" cy="1325563"/>
+          </a:xfrm>
+        </p:spPr>
+        <p:txBody>
+          <a:bodyPr>
+            <a:normAutofit/>
+          </a:bodyPr>
+          <a:lstStyle/>
+          <a:p>
+            <a:pPr algn="ctr"/>
+            <a:r>
+              <a:rPr lang="fr-FR" sz="4800" dirty="0">
+                <a:solidFill>
+                  <a:schemeClr val="bg1"/>
+                </a:solidFill>
+                <a:latin typeface="Kanit SemiBold" pitchFamily="2" charset="-34"/>
+                <a:cs typeface="Kanit SemiBold" pitchFamily="2" charset="-34"/>
+              </a:rPr>
+              <a:t>Bilans individuels</a:t>
+            </a:r>
+          </a:p>
+        </p:txBody>
+      </p:sp>
+    </p:spTree>
+    <p:extLst>
+      <p:ext uri="{BB962C8B-B14F-4D97-AF65-F5344CB8AC3E}">
+        <p14:creationId xmlns:p14="http://schemas.microsoft.com/office/powerpoint/2010/main" val="147937431"/>
+      </p:ext>
+    </p:extLst>
+  </p:cSld>
+  <p:clrMapOvr>
+    <a:masterClrMapping/>
+  </p:clrMapOvr>
+  <p:transition spd="slow">
+    <p:push/>
+  </p:transition>
+</p:sld>
+</file>
+
+<file path=ppt/slides/slide11.xml><?xml version="1.0" encoding="utf-8"?>
+<p:sld xmlns:a="http://schemas.openxmlformats.org/drawingml/2006/main" xmlns:r="http://schemas.openxmlformats.org/officeDocument/2006/relationships" xmlns:p="http://schemas.openxmlformats.org/presentationml/2006/main">
+  <p:cSld>
+    <p:spTree>
+      <p:nvGrpSpPr>
+        <p:cNvPr id="1" name=""/>
+        <p:cNvGrpSpPr/>
+        <p:nvPr/>
+      </p:nvGrpSpPr>
+      <p:grpSpPr>
+        <a:xfrm>
+          <a:off x="0" y="0"/>
+          <a:ext cx="0" cy="0"/>
+          <a:chOff x="0" y="0"/>
+          <a:chExt cx="0" cy="0"/>
+        </a:xfrm>
+      </p:grpSpPr>
+      <p:sp>
+        <p:nvSpPr>
+          <p:cNvPr id="3" name="Rectangle 2">
+            <a:extLst>
+              <a:ext uri="{FF2B5EF4-FFF2-40B4-BE49-F238E27FC236}">
+                <a16:creationId xmlns:a16="http://schemas.microsoft.com/office/drawing/2014/main" id="{7BF4B955-A449-E8AF-3C4A-AECBF86B4620}"/>
+              </a:ext>
+            </a:extLst>
+          </p:cNvPr>
+          <p:cNvSpPr/>
+          <p:nvPr/>
+        </p:nvSpPr>
+        <p:spPr>
+          <a:xfrm>
+            <a:off x="0" y="0"/>
+            <a:ext cx="12192000" cy="6858000"/>
+          </a:xfrm>
+          <a:prstGeom prst="rect">
+            <a:avLst/>
+          </a:prstGeom>
+          <a:gradFill>
+            <a:gsLst>
+              <a:gs pos="0">
+                <a:srgbClr val="1C62CA"/>
+              </a:gs>
+              <a:gs pos="100000">
+                <a:schemeClr val="tx1"/>
+              </a:gs>
+            </a:gsLst>
+            <a:lin ang="0" scaled="0"/>
+          </a:gradFill>
+          <a:ln>
+            <a:noFill/>
+          </a:ln>
+        </p:spPr>
+        <p:style>
+          <a:lnRef idx="2">
+            <a:schemeClr val="accent1">
+              <a:shade val="15000"/>
+            </a:schemeClr>
+          </a:lnRef>
+          <a:fillRef idx="1">
+            <a:schemeClr val="accent1"/>
+          </a:fillRef>
+          <a:effectRef idx="0">
+            <a:schemeClr val="accent1"/>
+          </a:effectRef>
+          <a:fontRef idx="minor">
+            <a:schemeClr val="lt1"/>
+          </a:fontRef>
+        </p:style>
+        <p:txBody>
+          <a:bodyPr rtlCol="0" anchor="ctr"/>
+          <a:lstStyle/>
+          <a:p>
+            <a:pPr algn="ctr"/>
+            <a:endParaRPr lang="fr-FR"/>
+          </a:p>
+        </p:txBody>
+      </p:sp>
+      <p:sp>
+        <p:nvSpPr>
+          <p:cNvPr id="2" name="Titre 1">
+            <a:extLst>
+              <a:ext uri="{FF2B5EF4-FFF2-40B4-BE49-F238E27FC236}">
+                <a16:creationId xmlns:a16="http://schemas.microsoft.com/office/drawing/2014/main" id="{3C2ABF41-BFFD-A046-D6CD-B22EFF188F48}"/>
+              </a:ext>
+            </a:extLst>
+          </p:cNvPr>
+          <p:cNvSpPr>
+            <a:spLocks noGrp="1"/>
+          </p:cNvSpPr>
+          <p:nvPr>
+            <p:ph type="title"/>
+          </p:nvPr>
+        </p:nvSpPr>
+        <p:spPr>
+          <a:xfrm>
+            <a:off x="2136321" y="2253966"/>
+            <a:ext cx="7919357" cy="2350067"/>
+          </a:xfrm>
+        </p:spPr>
+        <p:txBody>
+          <a:bodyPr>
+            <a:normAutofit/>
+          </a:bodyPr>
+          <a:lstStyle/>
+          <a:p>
+            <a:pPr algn="ctr"/>
+            <a:r>
+              <a:rPr lang="fr-FR" sz="6000" dirty="0">
+                <a:solidFill>
+                  <a:schemeClr val="bg1"/>
+                </a:solidFill>
+                <a:latin typeface="Kanit SemiBold" pitchFamily="2" charset="-34"/>
+                <a:cs typeface="Kanit SemiBold" pitchFamily="2" charset="-34"/>
+              </a:rPr>
+              <a:t>Merci </a:t>
+            </a:r>
+            <a:br>
+              <a:rPr lang="fr-FR" sz="6000" dirty="0">
+                <a:solidFill>
+                  <a:schemeClr val="bg1"/>
+                </a:solidFill>
+                <a:latin typeface="Kanit SemiBold" pitchFamily="2" charset="-34"/>
+                <a:cs typeface="Kanit SemiBold" pitchFamily="2" charset="-34"/>
+              </a:rPr>
+            </a:br>
+            <a:r>
+              <a:rPr lang="fr-FR" sz="6000" dirty="0">
+                <a:solidFill>
+                  <a:schemeClr val="bg1"/>
+                </a:solidFill>
+                <a:latin typeface="Kanit SemiBold" pitchFamily="2" charset="-34"/>
+                <a:cs typeface="Kanit SemiBold" pitchFamily="2" charset="-34"/>
+              </a:rPr>
+              <a:t>de votre attention !</a:t>
+            </a:r>
+          </a:p>
+        </p:txBody>
+      </p:sp>
+    </p:spTree>
+    <p:extLst>
+      <p:ext uri="{BB962C8B-B14F-4D97-AF65-F5344CB8AC3E}">
+        <p14:creationId xmlns:p14="http://schemas.microsoft.com/office/powerpoint/2010/main" val="2705219330"/>
+      </p:ext>
+    </p:extLst>
+  </p:cSld>
+  <p:clrMapOvr>
+    <a:masterClrMapping/>
+  </p:clrMapOvr>
+  <p:transition spd="slow">
+    <p:push/>
+  </p:transition>
+</p:sld>
+</file>
+
+<file path=ppt/slides/slide12.xml><?xml version="1.0" encoding="utf-8"?>
+<p:sld xmlns:a="http://schemas.openxmlformats.org/drawingml/2006/main" xmlns:r="http://schemas.openxmlformats.org/officeDocument/2006/relationships" xmlns:p="http://schemas.openxmlformats.org/presentationml/2006/main">
+  <p:cSld>
+    <p:spTree>
+      <p:nvGrpSpPr>
+        <p:cNvPr id="1" name=""/>
+        <p:cNvGrpSpPr/>
+        <p:nvPr/>
+      </p:nvGrpSpPr>
+      <p:grpSpPr>
+        <a:xfrm>
+          <a:off x="0" y="0"/>
+          <a:ext cx="0" cy="0"/>
+          <a:chOff x="0" y="0"/>
+          <a:chExt cx="0" cy="0"/>
+        </a:xfrm>
+      </p:grpSpPr>
+      <p:sp>
+        <p:nvSpPr>
+          <p:cNvPr id="5" name="Rectangle 4">
+            <a:extLst>
+              <a:ext uri="{FF2B5EF4-FFF2-40B4-BE49-F238E27FC236}">
+                <a16:creationId xmlns:a16="http://schemas.microsoft.com/office/drawing/2014/main" id="{1EE37A15-6732-DD54-17A6-DBFEE42871F3}"/>
+              </a:ext>
+            </a:extLst>
+          </p:cNvPr>
+          <p:cNvSpPr/>
+          <p:nvPr/>
+        </p:nvSpPr>
+        <p:spPr>
+          <a:xfrm>
+            <a:off x="0" y="0"/>
+            <a:ext cx="12192000" cy="6858000"/>
+          </a:xfrm>
+          <a:prstGeom prst="rect">
+            <a:avLst/>
+          </a:prstGeom>
+          <a:solidFill>
+            <a:schemeClr val="tx1"/>
+          </a:solidFill>
+          <a:ln>
+            <a:noFill/>
+          </a:ln>
+        </p:spPr>
+        <p:style>
+          <a:lnRef idx="2">
+            <a:schemeClr val="accent1">
+              <a:shade val="15000"/>
+            </a:schemeClr>
+          </a:lnRef>
+          <a:fillRef idx="1">
+            <a:schemeClr val="accent1"/>
+          </a:fillRef>
+          <a:effectRef idx="0">
+            <a:schemeClr val="accent1"/>
+          </a:effectRef>
+          <a:fontRef idx="minor">
+            <a:schemeClr val="lt1"/>
+          </a:fontRef>
+        </p:style>
+        <p:txBody>
+          <a:bodyPr rtlCol="0" anchor="ctr"/>
+          <a:lstStyle/>
+          <a:p>
+            <a:pPr algn="ctr"/>
+            <a:endParaRPr lang="fr-FR"/>
+          </a:p>
+        </p:txBody>
+      </p:sp>
+    </p:spTree>
+    <p:extLst>
+      <p:ext uri="{BB962C8B-B14F-4D97-AF65-F5344CB8AC3E}">
+        <p14:creationId xmlns:p14="http://schemas.microsoft.com/office/powerpoint/2010/main" val="388979543"/>
+      </p:ext>
+    </p:extLst>
+  </p:cSld>
+  <p:clrMapOvr>
+    <a:masterClrMapping/>
+  </p:clrMapOvr>
+  <p:transition spd="slow">
+    <p:push/>
+  </p:transition>
+</p:sld>
+</file>
+
+<file path=ppt/slides/slide2.xml><?xml version="1.0" encoding="utf-8"?>
+<p:sld xmlns:a="http://schemas.openxmlformats.org/drawingml/2006/main" xmlns:r="http://schemas.openxmlformats.org/officeDocument/2006/relationships" xmlns:p="http://schemas.openxmlformats.org/presentationml/2006/main">
+  <p:cSld>
+    <p:spTree>
+      <p:nvGrpSpPr>
+        <p:cNvPr id="1" name=""/>
+        <p:cNvGrpSpPr/>
+        <p:nvPr/>
+      </p:nvGrpSpPr>
+      <p:grpSpPr>
+        <a:xfrm>
+          <a:off x="0" y="0"/>
+          <a:ext cx="0" cy="0"/>
+          <a:chOff x="0" y="0"/>
+          <a:chExt cx="0" cy="0"/>
+        </a:xfrm>
+      </p:grpSpPr>
+      <p:sp>
+        <p:nvSpPr>
+          <p:cNvPr id="3" name="Rectangle 2">
+            <a:extLst>
+              <a:ext uri="{FF2B5EF4-FFF2-40B4-BE49-F238E27FC236}">
+                <a16:creationId xmlns:a16="http://schemas.microsoft.com/office/drawing/2014/main" id="{2B5A2A40-2221-6437-6E89-392D138520FA}"/>
+              </a:ext>
+            </a:extLst>
+          </p:cNvPr>
+          <p:cNvSpPr/>
+          <p:nvPr/>
+        </p:nvSpPr>
+        <p:spPr>
+          <a:xfrm>
+            <a:off x="-1" y="0"/>
+            <a:ext cx="12192000" cy="6858000"/>
+          </a:xfrm>
+          <a:prstGeom prst="rect">
+            <a:avLst/>
+          </a:prstGeom>
+          <a:gradFill flip="none" rotWithShape="1">
+            <a:gsLst>
+              <a:gs pos="0">
+                <a:srgbClr val="124084"/>
+              </a:gs>
+              <a:gs pos="100000">
+                <a:srgbClr val="124084"/>
+              </a:gs>
+            </a:gsLst>
+            <a:lin ang="0" scaled="0"/>
+            <a:tileRect/>
+          </a:gradFill>
+          <a:ln>
+            <a:noFill/>
+          </a:ln>
+        </p:spPr>
+        <p:style>
+          <a:lnRef idx="2">
+            <a:schemeClr val="accent1">
+              <a:shade val="15000"/>
+            </a:schemeClr>
+          </a:lnRef>
+          <a:fillRef idx="1">
+            <a:schemeClr val="accent1"/>
+          </a:fillRef>
+          <a:effectRef idx="0">
+            <a:schemeClr val="accent1"/>
+          </a:effectRef>
+          <a:fontRef idx="minor">
+            <a:schemeClr val="lt1"/>
+          </a:fontRef>
+        </p:style>
+        <p:txBody>
+          <a:bodyPr rtlCol="0" anchor="ctr"/>
+          <a:lstStyle/>
+          <a:p>
+            <a:pPr algn="ctr"/>
+            <a:endParaRPr lang="fr-FR" dirty="0"/>
+          </a:p>
+        </p:txBody>
+      </p:sp>
+      <p:sp>
+        <p:nvSpPr>
+          <p:cNvPr id="2" name="Titre 1">
+            <a:extLst>
+              <a:ext uri="{FF2B5EF4-FFF2-40B4-BE49-F238E27FC236}">
+                <a16:creationId xmlns:a16="http://schemas.microsoft.com/office/drawing/2014/main" id="{3C2ABF41-BFFD-A046-D6CD-B22EFF188F48}"/>
+              </a:ext>
+            </a:extLst>
+          </p:cNvPr>
+          <p:cNvSpPr>
+            <a:spLocks noGrp="1"/>
+          </p:cNvSpPr>
+          <p:nvPr>
+            <p:ph type="title"/>
+          </p:nvPr>
+        </p:nvSpPr>
+        <p:spPr>
+          <a:xfrm>
+            <a:off x="2988128" y="2766218"/>
+            <a:ext cx="6215743" cy="1325563"/>
+          </a:xfrm>
+        </p:spPr>
+        <p:txBody>
+          <a:bodyPr>
+            <a:normAutofit/>
+          </a:bodyPr>
+          <a:lstStyle/>
+          <a:p>
+            <a:pPr algn="ctr"/>
+            <a:r>
+              <a:rPr lang="fr-FR" sz="4800" dirty="0">
+                <a:solidFill>
+                  <a:schemeClr val="bg1"/>
+                </a:solidFill>
+                <a:latin typeface="Kanit SemiBold" pitchFamily="2" charset="-34"/>
+                <a:cs typeface="Kanit SemiBold" pitchFamily="2" charset="-34"/>
+              </a:rPr>
+              <a:t>Introduction</a:t>
+            </a:r>
           </a:p>
         </p:txBody>
       </p:sp>
       <p:pic>
         <p:nvPicPr>
-          <p:cNvPr id="5" name="Image 4" descr="Une image contenant texte, capture d’écran, Police, Bleu électrique&#10;&#10;Description générée automatiquement">
-            <a:extLst>
-              <a:ext uri="{FF2B5EF4-FFF2-40B4-BE49-F238E27FC236}">
-                <a16:creationId xmlns:a16="http://schemas.microsoft.com/office/drawing/2014/main" id="{1D5B831B-0C82-779A-E50C-B29B552A0171}"/>
+          <p:cNvPr id="9" name="Graphique 8" descr="Enregistrer avec un remplissage uni">
+            <a:extLst>
+              <a:ext uri="{FF2B5EF4-FFF2-40B4-BE49-F238E27FC236}">
+                <a16:creationId xmlns:a16="http://schemas.microsoft.com/office/drawing/2014/main" id="{4370B58A-856D-2E4A-E28E-056A9ECC0603}"/>
               </a:ext>
             </a:extLst>
           </p:cNvPr>
@@ -3442,21 +6022,25 @@
           </p:cNvPicPr>
           <p:nvPr/>
         </p:nvPicPr>
-        <p:blipFill rotWithShape="1">
-          <a:blip r:embed="rId2">
+        <p:blipFill>
+          <a:blip r:embed="rId3">
             <a:extLst>
               <a:ext uri="{28A0092B-C50C-407E-A947-70E740481C1C}">
                 <a14:useLocalDpi xmlns:a14="http://schemas.microsoft.com/office/drawing/2010/main" val="0"/>
               </a:ext>
+              <a:ext uri="{96DAC541-7B7A-43D3-8B79-37D633B846F1}">
+                <asvg:svgBlip xmlns:asvg="http://schemas.microsoft.com/office/drawing/2016/SVG/main" r:embed="rId4"/>
+              </a:ext>
             </a:extLst>
           </a:blip>
-          <a:srcRect l="16650" t="33600" r="17050" b="35600"/>
-          <a:stretch/>
+          <a:stretch>
+            <a:fillRect/>
+          </a:stretch>
         </p:blipFill>
         <p:spPr>
           <a:xfrm>
-            <a:off x="2029968" y="2304288"/>
-            <a:ext cx="8083296" cy="2112264"/>
+            <a:off x="1379247" y="889739"/>
+            <a:ext cx="1608881" cy="1608881"/>
           </a:xfrm>
           <a:prstGeom prst="rect">
             <a:avLst/>
@@ -3465,10 +6049,10 @@
       </p:pic>
       <p:pic>
         <p:nvPicPr>
-          <p:cNvPr id="4" name="Image 3" descr="Une image contenant texte, capture d’écran, Police, Bleu électrique&#10;&#10;Description générée automatiquement">
-            <a:extLst>
-              <a:ext uri="{FF2B5EF4-FFF2-40B4-BE49-F238E27FC236}">
-                <a16:creationId xmlns:a16="http://schemas.microsoft.com/office/drawing/2014/main" id="{C885F415-5DD1-9F4C-8F57-E622523602DB}"/>
+          <p:cNvPr id="11" name="Graphique 10" descr="Flèches de chevron avec un remplissage uni">
+            <a:extLst>
+              <a:ext uri="{FF2B5EF4-FFF2-40B4-BE49-F238E27FC236}">
+                <a16:creationId xmlns:a16="http://schemas.microsoft.com/office/drawing/2014/main" id="{BD32104C-8979-8B54-45F3-D2F2C316504F}"/>
               </a:ext>
             </a:extLst>
           </p:cNvPr>
@@ -3477,21 +6061,181 @@
           </p:cNvPicPr>
           <p:nvPr/>
         </p:nvPicPr>
-        <p:blipFill rotWithShape="1">
-          <a:blip r:embed="rId2">
+        <p:blipFill>
+          <a:blip r:embed="rId5">
             <a:extLst>
               <a:ext uri="{28A0092B-C50C-407E-A947-70E740481C1C}">
                 <a14:useLocalDpi xmlns:a14="http://schemas.microsoft.com/office/drawing/2010/main" val="0"/>
               </a:ext>
+              <a:ext uri="{96DAC541-7B7A-43D3-8B79-37D633B846F1}">
+                <asvg:svgBlip xmlns:asvg="http://schemas.microsoft.com/office/drawing/2016/SVG/main" r:embed="rId6"/>
+              </a:ext>
             </a:extLst>
           </a:blip>
-          <a:srcRect l="69700" t="89734"/>
-          <a:stretch/>
+          <a:stretch>
+            <a:fillRect/>
+          </a:stretch>
         </p:blipFill>
         <p:spPr>
           <a:xfrm>
-            <a:off x="8497824" y="6153912"/>
-            <a:ext cx="3694176" cy="704088"/>
+            <a:off x="4722837" y="838245"/>
+            <a:ext cx="1392778" cy="1392778"/>
+          </a:xfrm>
+          <a:prstGeom prst="rect">
+            <a:avLst/>
+          </a:prstGeom>
+        </p:spPr>
+      </p:pic>
+      <p:pic>
+        <p:nvPicPr>
+          <p:cNvPr id="13" name="Graphique 12" descr="Terminal Cmd avec un remplissage uni">
+            <a:extLst>
+              <a:ext uri="{FF2B5EF4-FFF2-40B4-BE49-F238E27FC236}">
+                <a16:creationId xmlns:a16="http://schemas.microsoft.com/office/drawing/2014/main" id="{A34C1630-E00D-F7FA-9414-E4A72BFEE00F}"/>
+              </a:ext>
+            </a:extLst>
+          </p:cNvPr>
+          <p:cNvPicPr>
+            <a:picLocks noChangeAspect="1"/>
+          </p:cNvPicPr>
+          <p:nvPr/>
+        </p:nvPicPr>
+        <p:blipFill>
+          <a:blip r:embed="rId7">
+            <a:extLst>
+              <a:ext uri="{28A0092B-C50C-407E-A947-70E740481C1C}">
+                <a14:useLocalDpi xmlns:a14="http://schemas.microsoft.com/office/drawing/2010/main" val="0"/>
+              </a:ext>
+              <a:ext uri="{96DAC541-7B7A-43D3-8B79-37D633B846F1}">
+                <asvg:svgBlip xmlns:asvg="http://schemas.microsoft.com/office/drawing/2016/SVG/main" r:embed="rId8"/>
+              </a:ext>
+            </a:extLst>
+          </a:blip>
+          <a:stretch>
+            <a:fillRect/>
+          </a:stretch>
+        </p:blipFill>
+        <p:spPr>
+          <a:xfrm>
+            <a:off x="9203871" y="522250"/>
+            <a:ext cx="2024767" cy="2024767"/>
+          </a:xfrm>
+          <a:prstGeom prst="rect">
+            <a:avLst/>
+          </a:prstGeom>
+        </p:spPr>
+      </p:pic>
+      <p:pic>
+        <p:nvPicPr>
+          <p:cNvPr id="15" name="Graphique 14" descr="Flèche : incurvée dans le sens des aiguilles d’une montre avec un remplissage uni">
+            <a:extLst>
+              <a:ext uri="{FF2B5EF4-FFF2-40B4-BE49-F238E27FC236}">
+                <a16:creationId xmlns:a16="http://schemas.microsoft.com/office/drawing/2014/main" id="{46212A36-3331-7EA9-70FD-E6C39CC37D52}"/>
+              </a:ext>
+            </a:extLst>
+          </p:cNvPr>
+          <p:cNvPicPr>
+            <a:picLocks noChangeAspect="1"/>
+          </p:cNvPicPr>
+          <p:nvPr/>
+        </p:nvPicPr>
+        <p:blipFill>
+          <a:blip r:embed="rId9">
+            <a:extLst>
+              <a:ext uri="{28A0092B-C50C-407E-A947-70E740481C1C}">
+                <a14:useLocalDpi xmlns:a14="http://schemas.microsoft.com/office/drawing/2010/main" val="0"/>
+              </a:ext>
+              <a:ext uri="{96DAC541-7B7A-43D3-8B79-37D633B846F1}">
+                <asvg:svgBlip xmlns:asvg="http://schemas.microsoft.com/office/drawing/2016/SVG/main" r:embed="rId10"/>
+              </a:ext>
+            </a:extLst>
+          </a:blip>
+          <a:stretch>
+            <a:fillRect/>
+          </a:stretch>
+        </p:blipFill>
+        <p:spPr>
+          <a:xfrm rot="5050445">
+            <a:off x="9998281" y="5034986"/>
+            <a:ext cx="1846838" cy="1846838"/>
+          </a:xfrm>
+          <a:prstGeom prst="rect">
+            <a:avLst/>
+          </a:prstGeom>
+        </p:spPr>
+      </p:pic>
+      <p:pic>
+        <p:nvPicPr>
+          <p:cNvPr id="17" name="Graphique 16" descr="Avis des clients avec un remplissage uni">
+            <a:extLst>
+              <a:ext uri="{FF2B5EF4-FFF2-40B4-BE49-F238E27FC236}">
+                <a16:creationId xmlns:a16="http://schemas.microsoft.com/office/drawing/2014/main" id="{1F6F256C-7271-4214-2E86-84EC1881C7AB}"/>
+              </a:ext>
+            </a:extLst>
+          </p:cNvPr>
+          <p:cNvPicPr>
+            <a:picLocks noChangeAspect="1"/>
+          </p:cNvPicPr>
+          <p:nvPr/>
+        </p:nvPicPr>
+        <p:blipFill>
+          <a:blip r:embed="rId11">
+            <a:extLst>
+              <a:ext uri="{28A0092B-C50C-407E-A947-70E740481C1C}">
+                <a14:useLocalDpi xmlns:a14="http://schemas.microsoft.com/office/drawing/2010/main" val="0"/>
+              </a:ext>
+              <a:ext uri="{96DAC541-7B7A-43D3-8B79-37D633B846F1}">
+                <asvg:svgBlip xmlns:asvg="http://schemas.microsoft.com/office/drawing/2016/SVG/main" r:embed="rId12"/>
+              </a:ext>
+            </a:extLst>
+          </a:blip>
+          <a:stretch>
+            <a:fillRect/>
+          </a:stretch>
+        </p:blipFill>
+        <p:spPr>
+          <a:xfrm>
+            <a:off x="1144740" y="4091781"/>
+            <a:ext cx="2299192" cy="2299192"/>
+          </a:xfrm>
+          <a:prstGeom prst="rect">
+            <a:avLst/>
+          </a:prstGeom>
+        </p:spPr>
+      </p:pic>
+      <p:pic>
+        <p:nvPicPr>
+          <p:cNvPr id="19" name="Graphique 18" descr="Télécharger contour">
+            <a:extLst>
+              <a:ext uri="{FF2B5EF4-FFF2-40B4-BE49-F238E27FC236}">
+                <a16:creationId xmlns:a16="http://schemas.microsoft.com/office/drawing/2014/main" id="{AC630009-3AE2-C49B-35E6-D851D6537CDA}"/>
+              </a:ext>
+            </a:extLst>
+          </p:cNvPr>
+          <p:cNvPicPr>
+            <a:picLocks noChangeAspect="1"/>
+          </p:cNvPicPr>
+          <p:nvPr/>
+        </p:nvPicPr>
+        <p:blipFill>
+          <a:blip r:embed="rId13">
+            <a:extLst>
+              <a:ext uri="{28A0092B-C50C-407E-A947-70E740481C1C}">
+                <a14:useLocalDpi xmlns:a14="http://schemas.microsoft.com/office/drawing/2010/main" val="0"/>
+              </a:ext>
+              <a:ext uri="{96DAC541-7B7A-43D3-8B79-37D633B846F1}">
+                <asvg:svgBlip xmlns:asvg="http://schemas.microsoft.com/office/drawing/2016/SVG/main" r:embed="rId14"/>
+              </a:ext>
+            </a:extLst>
+          </a:blip>
+          <a:stretch>
+            <a:fillRect/>
+          </a:stretch>
+        </p:blipFill>
+        <p:spPr>
+          <a:xfrm>
+            <a:off x="5293312" y="4674948"/>
+            <a:ext cx="2061179" cy="2061179"/>
           </a:xfrm>
           <a:prstGeom prst="rect">
             <a:avLst/>
@@ -3501,7 +6245,917 @@
     </p:spTree>
     <p:extLst>
       <p:ext uri="{BB962C8B-B14F-4D97-AF65-F5344CB8AC3E}">
-        <p14:creationId xmlns:p14="http://schemas.microsoft.com/office/powerpoint/2010/main" val="2496559660"/>
+        <p14:creationId xmlns:p14="http://schemas.microsoft.com/office/powerpoint/2010/main" val="3628863846"/>
+      </p:ext>
+    </p:extLst>
+  </p:cSld>
+  <p:clrMapOvr>
+    <a:masterClrMapping/>
+  </p:clrMapOvr>
+  <p:transition spd="slow">
+    <p:push/>
+  </p:transition>
+  <p:timing>
+    <p:tnLst>
+      <p:par>
+        <p:cTn id="1" dur="indefinite" restart="never" nodeType="tmRoot">
+          <p:childTnLst>
+            <p:seq concurrent="1" nextAc="seek">
+              <p:cTn id="2" dur="indefinite" nodeType="mainSeq">
+                <p:childTnLst>
+                  <p:par>
+                    <p:cTn id="3" fill="hold">
+                      <p:stCondLst>
+                        <p:cond delay="indefinite"/>
+                        <p:cond evt="onBegin" delay="0">
+                          <p:tn val="2"/>
+                        </p:cond>
+                      </p:stCondLst>
+                      <p:childTnLst>
+                        <p:par>
+                          <p:cTn id="4" fill="hold">
+                            <p:stCondLst>
+                              <p:cond delay="0"/>
+                            </p:stCondLst>
+                            <p:childTnLst>
+                              <p:par>
+                                <p:cTn id="5" presetID="10" presetClass="entr" presetSubtype="0" fill="hold" grpId="0" nodeType="afterEffect">
+                                  <p:stCondLst>
+                                    <p:cond delay="0"/>
+                                  </p:stCondLst>
+                                  <p:childTnLst>
+                                    <p:set>
+                                      <p:cBhvr>
+                                        <p:cTn id="6" dur="1" fill="hold">
+                                          <p:stCondLst>
+                                            <p:cond delay="0"/>
+                                          </p:stCondLst>
+                                        </p:cTn>
+                                        <p:tgtEl>
+                                          <p:spTgt spid="2"/>
+                                        </p:tgtEl>
+                                        <p:attrNameLst>
+                                          <p:attrName>style.visibility</p:attrName>
+                                        </p:attrNameLst>
+                                      </p:cBhvr>
+                                      <p:to>
+                                        <p:strVal val="visible"/>
+                                      </p:to>
+                                    </p:set>
+                                    <p:animEffect transition="in" filter="fade">
+                                      <p:cBhvr>
+                                        <p:cTn id="7" dur="500"/>
+                                        <p:tgtEl>
+                                          <p:spTgt spid="2"/>
+                                        </p:tgtEl>
+                                      </p:cBhvr>
+                                    </p:animEffect>
+                                  </p:childTnLst>
+                                </p:cTn>
+                              </p:par>
+                              <p:par>
+                                <p:cTn id="8" presetID="10" presetClass="entr" presetSubtype="0" fill="hold" nodeType="withEffect">
+                                  <p:stCondLst>
+                                    <p:cond delay="500"/>
+                                  </p:stCondLst>
+                                  <p:childTnLst>
+                                    <p:set>
+                                      <p:cBhvr>
+                                        <p:cTn id="9" dur="1" fill="hold">
+                                          <p:stCondLst>
+                                            <p:cond delay="0"/>
+                                          </p:stCondLst>
+                                        </p:cTn>
+                                        <p:tgtEl>
+                                          <p:spTgt spid="9"/>
+                                        </p:tgtEl>
+                                        <p:attrNameLst>
+                                          <p:attrName>style.visibility</p:attrName>
+                                        </p:attrNameLst>
+                                      </p:cBhvr>
+                                      <p:to>
+                                        <p:strVal val="visible"/>
+                                      </p:to>
+                                    </p:set>
+                                    <p:animEffect transition="in" filter="fade">
+                                      <p:cBhvr>
+                                        <p:cTn id="10" dur="500"/>
+                                        <p:tgtEl>
+                                          <p:spTgt spid="9"/>
+                                        </p:tgtEl>
+                                      </p:cBhvr>
+                                    </p:animEffect>
+                                  </p:childTnLst>
+                                </p:cTn>
+                              </p:par>
+                            </p:childTnLst>
+                          </p:cTn>
+                        </p:par>
+                        <p:par>
+                          <p:cTn id="11" fill="hold">
+                            <p:stCondLst>
+                              <p:cond delay="1000"/>
+                            </p:stCondLst>
+                            <p:childTnLst>
+                              <p:par>
+                                <p:cTn id="12" presetID="10" presetClass="entr" presetSubtype="0" fill="hold" nodeType="afterEffect">
+                                  <p:stCondLst>
+                                    <p:cond delay="0"/>
+                                  </p:stCondLst>
+                                  <p:childTnLst>
+                                    <p:set>
+                                      <p:cBhvr>
+                                        <p:cTn id="13" dur="1" fill="hold">
+                                          <p:stCondLst>
+                                            <p:cond delay="0"/>
+                                          </p:stCondLst>
+                                        </p:cTn>
+                                        <p:tgtEl>
+                                          <p:spTgt spid="11"/>
+                                        </p:tgtEl>
+                                        <p:attrNameLst>
+                                          <p:attrName>style.visibility</p:attrName>
+                                        </p:attrNameLst>
+                                      </p:cBhvr>
+                                      <p:to>
+                                        <p:strVal val="visible"/>
+                                      </p:to>
+                                    </p:set>
+                                    <p:animEffect transition="in" filter="fade">
+                                      <p:cBhvr>
+                                        <p:cTn id="14" dur="500"/>
+                                        <p:tgtEl>
+                                          <p:spTgt spid="11"/>
+                                        </p:tgtEl>
+                                      </p:cBhvr>
+                                    </p:animEffect>
+                                  </p:childTnLst>
+                                </p:cTn>
+                              </p:par>
+                            </p:childTnLst>
+                          </p:cTn>
+                        </p:par>
+                        <p:par>
+                          <p:cTn id="15" fill="hold">
+                            <p:stCondLst>
+                              <p:cond delay="1500"/>
+                            </p:stCondLst>
+                            <p:childTnLst>
+                              <p:par>
+                                <p:cTn id="16" presetID="10" presetClass="entr" presetSubtype="0" fill="hold" nodeType="afterEffect">
+                                  <p:stCondLst>
+                                    <p:cond delay="0"/>
+                                  </p:stCondLst>
+                                  <p:childTnLst>
+                                    <p:set>
+                                      <p:cBhvr>
+                                        <p:cTn id="17" dur="1" fill="hold">
+                                          <p:stCondLst>
+                                            <p:cond delay="0"/>
+                                          </p:stCondLst>
+                                        </p:cTn>
+                                        <p:tgtEl>
+                                          <p:spTgt spid="17"/>
+                                        </p:tgtEl>
+                                        <p:attrNameLst>
+                                          <p:attrName>style.visibility</p:attrName>
+                                        </p:attrNameLst>
+                                      </p:cBhvr>
+                                      <p:to>
+                                        <p:strVal val="visible"/>
+                                      </p:to>
+                                    </p:set>
+                                    <p:animEffect transition="in" filter="fade">
+                                      <p:cBhvr>
+                                        <p:cTn id="18" dur="500"/>
+                                        <p:tgtEl>
+                                          <p:spTgt spid="17"/>
+                                        </p:tgtEl>
+                                      </p:cBhvr>
+                                    </p:animEffect>
+                                  </p:childTnLst>
+                                </p:cTn>
+                              </p:par>
+                            </p:childTnLst>
+                          </p:cTn>
+                        </p:par>
+                        <p:par>
+                          <p:cTn id="19" fill="hold">
+                            <p:stCondLst>
+                              <p:cond delay="2000"/>
+                            </p:stCondLst>
+                            <p:childTnLst>
+                              <p:par>
+                                <p:cTn id="20" presetID="10" presetClass="entr" presetSubtype="0" fill="hold" nodeType="afterEffect">
+                                  <p:stCondLst>
+                                    <p:cond delay="0"/>
+                                  </p:stCondLst>
+                                  <p:childTnLst>
+                                    <p:set>
+                                      <p:cBhvr>
+                                        <p:cTn id="21" dur="1" fill="hold">
+                                          <p:stCondLst>
+                                            <p:cond delay="0"/>
+                                          </p:stCondLst>
+                                        </p:cTn>
+                                        <p:tgtEl>
+                                          <p:spTgt spid="19"/>
+                                        </p:tgtEl>
+                                        <p:attrNameLst>
+                                          <p:attrName>style.visibility</p:attrName>
+                                        </p:attrNameLst>
+                                      </p:cBhvr>
+                                      <p:to>
+                                        <p:strVal val="visible"/>
+                                      </p:to>
+                                    </p:set>
+                                    <p:animEffect transition="in" filter="fade">
+                                      <p:cBhvr>
+                                        <p:cTn id="22" dur="500"/>
+                                        <p:tgtEl>
+                                          <p:spTgt spid="19"/>
+                                        </p:tgtEl>
+                                      </p:cBhvr>
+                                    </p:animEffect>
+                                  </p:childTnLst>
+                                </p:cTn>
+                              </p:par>
+                            </p:childTnLst>
+                          </p:cTn>
+                        </p:par>
+                        <p:par>
+                          <p:cTn id="23" fill="hold">
+                            <p:stCondLst>
+                              <p:cond delay="2500"/>
+                            </p:stCondLst>
+                            <p:childTnLst>
+                              <p:par>
+                                <p:cTn id="24" presetID="10" presetClass="entr" presetSubtype="0" fill="hold" nodeType="afterEffect">
+                                  <p:stCondLst>
+                                    <p:cond delay="0"/>
+                                  </p:stCondLst>
+                                  <p:childTnLst>
+                                    <p:set>
+                                      <p:cBhvr>
+                                        <p:cTn id="25" dur="1" fill="hold">
+                                          <p:stCondLst>
+                                            <p:cond delay="0"/>
+                                          </p:stCondLst>
+                                        </p:cTn>
+                                        <p:tgtEl>
+                                          <p:spTgt spid="15"/>
+                                        </p:tgtEl>
+                                        <p:attrNameLst>
+                                          <p:attrName>style.visibility</p:attrName>
+                                        </p:attrNameLst>
+                                      </p:cBhvr>
+                                      <p:to>
+                                        <p:strVal val="visible"/>
+                                      </p:to>
+                                    </p:set>
+                                    <p:animEffect transition="in" filter="fade">
+                                      <p:cBhvr>
+                                        <p:cTn id="26" dur="500"/>
+                                        <p:tgtEl>
+                                          <p:spTgt spid="15"/>
+                                        </p:tgtEl>
+                                      </p:cBhvr>
+                                    </p:animEffect>
+                                  </p:childTnLst>
+                                </p:cTn>
+                              </p:par>
+                            </p:childTnLst>
+                          </p:cTn>
+                        </p:par>
+                        <p:par>
+                          <p:cTn id="27" fill="hold">
+                            <p:stCondLst>
+                              <p:cond delay="3000"/>
+                            </p:stCondLst>
+                            <p:childTnLst>
+                              <p:par>
+                                <p:cTn id="28" presetID="10" presetClass="entr" presetSubtype="0" fill="hold" nodeType="afterEffect">
+                                  <p:stCondLst>
+                                    <p:cond delay="0"/>
+                                  </p:stCondLst>
+                                  <p:childTnLst>
+                                    <p:set>
+                                      <p:cBhvr>
+                                        <p:cTn id="29" dur="1" fill="hold">
+                                          <p:stCondLst>
+                                            <p:cond delay="0"/>
+                                          </p:stCondLst>
+                                        </p:cTn>
+                                        <p:tgtEl>
+                                          <p:spTgt spid="13"/>
+                                        </p:tgtEl>
+                                        <p:attrNameLst>
+                                          <p:attrName>style.visibility</p:attrName>
+                                        </p:attrNameLst>
+                                      </p:cBhvr>
+                                      <p:to>
+                                        <p:strVal val="visible"/>
+                                      </p:to>
+                                    </p:set>
+                                    <p:animEffect transition="in" filter="fade">
+                                      <p:cBhvr>
+                                        <p:cTn id="30" dur="500"/>
+                                        <p:tgtEl>
+                                          <p:spTgt spid="13"/>
+                                        </p:tgtEl>
+                                      </p:cBhvr>
+                                    </p:animEffect>
+                                  </p:childTnLst>
+                                </p:cTn>
+                              </p:par>
+                            </p:childTnLst>
+                          </p:cTn>
+                        </p:par>
+                      </p:childTnLst>
+                    </p:cTn>
+                  </p:par>
+                </p:childTnLst>
+              </p:cTn>
+              <p:prevCondLst>
+                <p:cond evt="onPrev" delay="0">
+                  <p:tgtEl>
+                    <p:sldTgt/>
+                  </p:tgtEl>
+                </p:cond>
+              </p:prevCondLst>
+              <p:nextCondLst>
+                <p:cond evt="onNext" delay="0">
+                  <p:tgtEl>
+                    <p:sldTgt/>
+                  </p:tgtEl>
+                </p:cond>
+              </p:nextCondLst>
+            </p:seq>
+          </p:childTnLst>
+        </p:cTn>
+      </p:par>
+    </p:tnLst>
+    <p:bldLst>
+      <p:bldP spid="2" grpId="0"/>
+    </p:bldLst>
+  </p:timing>
+</p:sld>
+</file>
+
+<file path=ppt/slides/slide3.xml><?xml version="1.0" encoding="utf-8"?>
+<p:sld xmlns:a="http://schemas.openxmlformats.org/drawingml/2006/main" xmlns:r="http://schemas.openxmlformats.org/officeDocument/2006/relationships" xmlns:p="http://schemas.openxmlformats.org/presentationml/2006/main">
+  <p:cSld>
+    <p:spTree>
+      <p:nvGrpSpPr>
+        <p:cNvPr id="1" name=""/>
+        <p:cNvGrpSpPr/>
+        <p:nvPr/>
+      </p:nvGrpSpPr>
+      <p:grpSpPr>
+        <a:xfrm>
+          <a:off x="0" y="0"/>
+          <a:ext cx="0" cy="0"/>
+          <a:chOff x="0" y="0"/>
+          <a:chExt cx="0" cy="0"/>
+        </a:xfrm>
+      </p:grpSpPr>
+      <p:sp>
+        <p:nvSpPr>
+          <p:cNvPr id="3" name="Rectangle 2">
+            <a:extLst>
+              <a:ext uri="{FF2B5EF4-FFF2-40B4-BE49-F238E27FC236}">
+                <a16:creationId xmlns:a16="http://schemas.microsoft.com/office/drawing/2014/main" id="{341363B5-2BD3-A207-F75C-28CE37F78242}"/>
+              </a:ext>
+            </a:extLst>
+          </p:cNvPr>
+          <p:cNvSpPr/>
+          <p:nvPr/>
+        </p:nvSpPr>
+        <p:spPr>
+          <a:xfrm>
+            <a:off x="-1" y="0"/>
+            <a:ext cx="12192000" cy="6858000"/>
+          </a:xfrm>
+          <a:prstGeom prst="rect">
+            <a:avLst/>
+          </a:prstGeom>
+          <a:gradFill flip="none" rotWithShape="1">
+            <a:gsLst>
+              <a:gs pos="0">
+                <a:srgbClr val="124084"/>
+              </a:gs>
+              <a:gs pos="100000">
+                <a:srgbClr val="1C62CA"/>
+              </a:gs>
+            </a:gsLst>
+            <a:lin ang="0" scaled="0"/>
+            <a:tileRect/>
+          </a:gradFill>
+          <a:ln>
+            <a:noFill/>
+          </a:ln>
+        </p:spPr>
+        <p:style>
+          <a:lnRef idx="2">
+            <a:schemeClr val="accent1">
+              <a:shade val="15000"/>
+            </a:schemeClr>
+          </a:lnRef>
+          <a:fillRef idx="1">
+            <a:schemeClr val="accent1"/>
+          </a:fillRef>
+          <a:effectRef idx="0">
+            <a:schemeClr val="accent1"/>
+          </a:effectRef>
+          <a:fontRef idx="minor">
+            <a:schemeClr val="lt1"/>
+          </a:fontRef>
+        </p:style>
+        <p:txBody>
+          <a:bodyPr rtlCol="0" anchor="ctr"/>
+          <a:lstStyle/>
+          <a:p>
+            <a:pPr algn="ctr"/>
+            <a:endParaRPr lang="fr-FR" dirty="0"/>
+          </a:p>
+        </p:txBody>
+      </p:sp>
+      <p:sp>
+        <p:nvSpPr>
+          <p:cNvPr id="2" name="Titre 1">
+            <a:extLst>
+              <a:ext uri="{FF2B5EF4-FFF2-40B4-BE49-F238E27FC236}">
+                <a16:creationId xmlns:a16="http://schemas.microsoft.com/office/drawing/2014/main" id="{3C2ABF41-BFFD-A046-D6CD-B22EFF188F48}"/>
+              </a:ext>
+            </a:extLst>
+          </p:cNvPr>
+          <p:cNvSpPr>
+            <a:spLocks noGrp="1"/>
+          </p:cNvSpPr>
+          <p:nvPr>
+            <p:ph type="title"/>
+          </p:nvPr>
+        </p:nvSpPr>
+        <p:spPr>
+          <a:xfrm>
+            <a:off x="2988128" y="2766218"/>
+            <a:ext cx="6215743" cy="1325563"/>
+          </a:xfrm>
+        </p:spPr>
+        <p:txBody>
+          <a:bodyPr>
+            <a:normAutofit/>
+          </a:bodyPr>
+          <a:lstStyle/>
+          <a:p>
+            <a:pPr algn="ctr"/>
+            <a:r>
+              <a:rPr lang="fr-FR" sz="4800" dirty="0">
+                <a:solidFill>
+                  <a:schemeClr val="bg1"/>
+                </a:solidFill>
+                <a:latin typeface="Kanit SemiBold" pitchFamily="2" charset="-34"/>
+                <a:cs typeface="Kanit SemiBold" pitchFamily="2" charset="-34"/>
+              </a:rPr>
+              <a:t>Concept</a:t>
+            </a:r>
+          </a:p>
+        </p:txBody>
+      </p:sp>
+      <p:grpSp>
+        <p:nvGrpSpPr>
+          <p:cNvPr id="11" name="Groupe 10">
+            <a:extLst>
+              <a:ext uri="{FF2B5EF4-FFF2-40B4-BE49-F238E27FC236}">
+                <a16:creationId xmlns:a16="http://schemas.microsoft.com/office/drawing/2014/main" id="{CFC86F5B-A2F6-8603-02E6-8CF2EFECB1CA}"/>
+              </a:ext>
+            </a:extLst>
+          </p:cNvPr>
+          <p:cNvGrpSpPr/>
+          <p:nvPr/>
+        </p:nvGrpSpPr>
+        <p:grpSpPr>
+          <a:xfrm>
+            <a:off x="376624" y="201011"/>
+            <a:ext cx="3962584" cy="3515190"/>
+            <a:chOff x="338475" y="313919"/>
+            <a:chExt cx="3962584" cy="3515190"/>
+          </a:xfrm>
+        </p:grpSpPr>
+        <p:pic>
+          <p:nvPicPr>
+            <p:cNvPr id="9" name="Image 8">
+              <a:extLst>
+                <a:ext uri="{FF2B5EF4-FFF2-40B4-BE49-F238E27FC236}">
+                  <a16:creationId xmlns:a16="http://schemas.microsoft.com/office/drawing/2014/main" id="{A23DDFFD-8BDC-6D7E-A614-E238B707AE7C}"/>
+                </a:ext>
+              </a:extLst>
+            </p:cNvPr>
+            <p:cNvPicPr>
+              <a:picLocks noChangeAspect="1"/>
+            </p:cNvPicPr>
+            <p:nvPr/>
+          </p:nvPicPr>
+          <p:blipFill>
+            <a:blip r:embed="rId3"/>
+            <a:stretch>
+              <a:fillRect/>
+            </a:stretch>
+          </p:blipFill>
+          <p:spPr>
+            <a:xfrm>
+              <a:off x="338476" y="313919"/>
+              <a:ext cx="3962583" cy="2996441"/>
+            </a:xfrm>
+            <a:prstGeom prst="rect">
+              <a:avLst/>
+            </a:prstGeom>
+            <a:ln>
+              <a:noFill/>
+            </a:ln>
+            <a:effectLst>
+              <a:outerShdw blurRad="292100" dist="139700" dir="2700000" algn="tl" rotWithShape="0">
+                <a:srgbClr val="333333">
+                  <a:alpha val="65000"/>
+                </a:srgbClr>
+              </a:outerShdw>
+            </a:effectLst>
+          </p:spPr>
+        </p:pic>
+        <p:sp>
+          <p:nvSpPr>
+            <p:cNvPr id="10" name="ZoneTexte 9">
+              <a:extLst>
+                <a:ext uri="{FF2B5EF4-FFF2-40B4-BE49-F238E27FC236}">
+                  <a16:creationId xmlns:a16="http://schemas.microsoft.com/office/drawing/2014/main" id="{EF45F8E4-5E15-A28E-EAF3-7017E26F7557}"/>
+                </a:ext>
+              </a:extLst>
+            </p:cNvPr>
+            <p:cNvSpPr txBox="1"/>
+            <p:nvPr/>
+          </p:nvSpPr>
+          <p:spPr>
+            <a:xfrm>
+              <a:off x="338475" y="3428999"/>
+              <a:ext cx="3962583" cy="400110"/>
+            </a:xfrm>
+            <a:prstGeom prst="rect">
+              <a:avLst/>
+            </a:prstGeom>
+            <a:noFill/>
+          </p:spPr>
+          <p:txBody>
+            <a:bodyPr wrap="square" rtlCol="0">
+              <a:spAutoFit/>
+            </a:bodyPr>
+            <a:lstStyle/>
+            <a:p>
+              <a:pPr algn="ctr"/>
+              <a:r>
+                <a:rPr lang="fr-FR" sz="2000" dirty="0">
+                  <a:solidFill>
+                    <a:schemeClr val="bg1"/>
+                  </a:solidFill>
+                  <a:latin typeface="Kanit" pitchFamily="2" charset="-34"/>
+                  <a:cs typeface="Kanit" pitchFamily="2" charset="-34"/>
+                </a:rPr>
+                <a:t>Premières versions de l’interface</a:t>
+              </a:r>
+            </a:p>
+          </p:txBody>
+        </p:sp>
+      </p:grpSp>
+      <p:grpSp>
+        <p:nvGrpSpPr>
+          <p:cNvPr id="15" name="Groupe 14">
+            <a:extLst>
+              <a:ext uri="{FF2B5EF4-FFF2-40B4-BE49-F238E27FC236}">
+                <a16:creationId xmlns:a16="http://schemas.microsoft.com/office/drawing/2014/main" id="{BBE259BC-FE66-9AA0-CC21-58398886B199}"/>
+              </a:ext>
+            </a:extLst>
+          </p:cNvPr>
+          <p:cNvGrpSpPr/>
+          <p:nvPr/>
+        </p:nvGrpSpPr>
+        <p:grpSpPr>
+          <a:xfrm>
+            <a:off x="1368559" y="3966545"/>
+            <a:ext cx="3962583" cy="2709274"/>
+            <a:chOff x="7001144" y="446261"/>
+            <a:chExt cx="3962583" cy="2709274"/>
+          </a:xfrm>
+        </p:grpSpPr>
+        <p:pic>
+          <p:nvPicPr>
+            <p:cNvPr id="13" name="Image 12" descr="Une image contenant plein air, véhicule, Véhicule terrestre, roue&#10;&#10;Description générée automatiquement">
+              <a:extLst>
+                <a:ext uri="{FF2B5EF4-FFF2-40B4-BE49-F238E27FC236}">
+                  <a16:creationId xmlns:a16="http://schemas.microsoft.com/office/drawing/2014/main" id="{921959F0-0D2A-F061-C8EF-89357360E87C}"/>
+                </a:ext>
+              </a:extLst>
+            </p:cNvPr>
+            <p:cNvPicPr>
+              <a:picLocks noChangeAspect="1"/>
+            </p:cNvPicPr>
+            <p:nvPr/>
+          </p:nvPicPr>
+          <p:blipFill>
+            <a:blip r:embed="rId4">
+              <a:extLst>
+                <a:ext uri="{28A0092B-C50C-407E-A947-70E740481C1C}">
+                  <a14:useLocalDpi xmlns:a14="http://schemas.microsoft.com/office/drawing/2010/main" val="0"/>
+                </a:ext>
+              </a:extLst>
+            </a:blip>
+            <a:stretch>
+              <a:fillRect/>
+            </a:stretch>
+          </p:blipFill>
+          <p:spPr>
+            <a:xfrm>
+              <a:off x="7350405" y="446261"/>
+              <a:ext cx="3264062" cy="2176041"/>
+            </a:xfrm>
+            <a:prstGeom prst="rect">
+              <a:avLst/>
+            </a:prstGeom>
+            <a:ln>
+              <a:noFill/>
+            </a:ln>
+            <a:effectLst>
+              <a:outerShdw blurRad="292100" dist="139700" dir="2700000" algn="tl" rotWithShape="0">
+                <a:srgbClr val="333333">
+                  <a:alpha val="65000"/>
+                </a:srgbClr>
+              </a:outerShdw>
+            </a:effectLst>
+          </p:spPr>
+        </p:pic>
+        <p:sp>
+          <p:nvSpPr>
+            <p:cNvPr id="14" name="ZoneTexte 13">
+              <a:extLst>
+                <a:ext uri="{FF2B5EF4-FFF2-40B4-BE49-F238E27FC236}">
+                  <a16:creationId xmlns:a16="http://schemas.microsoft.com/office/drawing/2014/main" id="{0516F061-C6E7-12E6-DB05-FD9B4457F338}"/>
+                </a:ext>
+              </a:extLst>
+            </p:cNvPr>
+            <p:cNvSpPr txBox="1"/>
+            <p:nvPr/>
+          </p:nvSpPr>
+          <p:spPr>
+            <a:xfrm>
+              <a:off x="7001144" y="2755425"/>
+              <a:ext cx="3962583" cy="400110"/>
+            </a:xfrm>
+            <a:prstGeom prst="rect">
+              <a:avLst/>
+            </a:prstGeom>
+            <a:noFill/>
+          </p:spPr>
+          <p:txBody>
+            <a:bodyPr wrap="square" rtlCol="0">
+              <a:spAutoFit/>
+            </a:bodyPr>
+            <a:lstStyle/>
+            <a:p>
+              <a:pPr algn="ctr"/>
+              <a:r>
+                <a:rPr lang="fr-FR" sz="2000" dirty="0">
+                  <a:solidFill>
+                    <a:schemeClr val="bg1"/>
+                  </a:solidFill>
+                  <a:latin typeface="Kanit" pitchFamily="2" charset="-34"/>
+                  <a:cs typeface="Kanit" pitchFamily="2" charset="-34"/>
+                </a:rPr>
+                <a:t>Se garer en ville… Difficile !</a:t>
+              </a:r>
+            </a:p>
+          </p:txBody>
+        </p:sp>
+      </p:grpSp>
+      <p:grpSp>
+        <p:nvGrpSpPr>
+          <p:cNvPr id="26" name="Groupe 25">
+            <a:extLst>
+              <a:ext uri="{FF2B5EF4-FFF2-40B4-BE49-F238E27FC236}">
+                <a16:creationId xmlns:a16="http://schemas.microsoft.com/office/drawing/2014/main" id="{076DFD5C-C8F3-B2C7-4DBE-A649A507AD5A}"/>
+              </a:ext>
+            </a:extLst>
+          </p:cNvPr>
+          <p:cNvGrpSpPr/>
+          <p:nvPr/>
+        </p:nvGrpSpPr>
+        <p:grpSpPr>
+          <a:xfrm>
+            <a:off x="6191852" y="3469604"/>
+            <a:ext cx="5925496" cy="3544791"/>
+            <a:chOff x="6266504" y="3313209"/>
+            <a:chExt cx="5925496" cy="3544791"/>
+          </a:xfrm>
+        </p:grpSpPr>
+        <p:pic>
+          <p:nvPicPr>
+            <p:cNvPr id="24" name="Image 23" descr="Une image contenant dessin humoristique, capture d’écran&#10;&#10;Description générée automatiquement">
+              <a:extLst>
+                <a:ext uri="{FF2B5EF4-FFF2-40B4-BE49-F238E27FC236}">
+                  <a16:creationId xmlns:a16="http://schemas.microsoft.com/office/drawing/2014/main" id="{4030DCDB-B62A-67E9-E743-5B60DEA35EBE}"/>
+                </a:ext>
+              </a:extLst>
+            </p:cNvPr>
+            <p:cNvPicPr>
+              <a:picLocks noChangeAspect="1"/>
+            </p:cNvPicPr>
+            <p:nvPr/>
+          </p:nvPicPr>
+          <p:blipFill>
+            <a:blip r:embed="rId5">
+              <a:extLst>
+                <a:ext uri="{28A0092B-C50C-407E-A947-70E740481C1C}">
+                  <a14:useLocalDpi xmlns:a14="http://schemas.microsoft.com/office/drawing/2010/main" val="0"/>
+                </a:ext>
+              </a:extLst>
+            </a:blip>
+            <a:stretch>
+              <a:fillRect/>
+            </a:stretch>
+          </p:blipFill>
+          <p:spPr>
+            <a:xfrm>
+              <a:off x="6266504" y="3313209"/>
+              <a:ext cx="4723659" cy="3544791"/>
+            </a:xfrm>
+            <a:prstGeom prst="rect">
+              <a:avLst/>
+            </a:prstGeom>
+            <a:ln>
+              <a:noFill/>
+            </a:ln>
+            <a:effectLst>
+              <a:outerShdw blurRad="292100" dist="139700" dir="2700000" algn="tl" rotWithShape="0">
+                <a:srgbClr val="333333">
+                  <a:alpha val="65000"/>
+                </a:srgbClr>
+              </a:outerShdw>
+            </a:effectLst>
+          </p:spPr>
+        </p:pic>
+        <p:sp>
+          <p:nvSpPr>
+            <p:cNvPr id="25" name="ZoneTexte 24">
+              <a:extLst>
+                <a:ext uri="{FF2B5EF4-FFF2-40B4-BE49-F238E27FC236}">
+                  <a16:creationId xmlns:a16="http://schemas.microsoft.com/office/drawing/2014/main" id="{43838F81-6A87-C601-660D-E6A2D6312C69}"/>
+                </a:ext>
+              </a:extLst>
+            </p:cNvPr>
+            <p:cNvSpPr txBox="1"/>
+            <p:nvPr/>
+          </p:nvSpPr>
+          <p:spPr>
+            <a:xfrm>
+              <a:off x="8229417" y="3891726"/>
+              <a:ext cx="3962583" cy="400110"/>
+            </a:xfrm>
+            <a:prstGeom prst="rect">
+              <a:avLst/>
+            </a:prstGeom>
+            <a:noFill/>
+          </p:spPr>
+          <p:txBody>
+            <a:bodyPr wrap="square" rtlCol="0">
+              <a:spAutoFit/>
+            </a:bodyPr>
+            <a:lstStyle/>
+            <a:p>
+              <a:pPr algn="ctr"/>
+              <a:r>
+                <a:rPr lang="fr-FR" sz="2000" dirty="0">
+                  <a:solidFill>
+                    <a:schemeClr val="bg1"/>
+                  </a:solidFill>
+                  <a:latin typeface="Kanit" pitchFamily="2" charset="-34"/>
+                  <a:cs typeface="Kanit" pitchFamily="2" charset="-34"/>
+                </a:rPr>
+                <a:t>Créer une application</a:t>
+              </a:r>
+            </a:p>
+          </p:txBody>
+        </p:sp>
+      </p:grpSp>
+      <p:grpSp>
+        <p:nvGrpSpPr>
+          <p:cNvPr id="31" name="Groupe 30">
+            <a:extLst>
+              <a:ext uri="{FF2B5EF4-FFF2-40B4-BE49-F238E27FC236}">
+                <a16:creationId xmlns:a16="http://schemas.microsoft.com/office/drawing/2014/main" id="{69E0AA4F-5EF4-2DFC-87CB-14A610AC394C}"/>
+              </a:ext>
+            </a:extLst>
+          </p:cNvPr>
+          <p:cNvGrpSpPr/>
+          <p:nvPr/>
+        </p:nvGrpSpPr>
+        <p:grpSpPr>
+          <a:xfrm>
+            <a:off x="7173309" y="637688"/>
+            <a:ext cx="3962583" cy="2624020"/>
+            <a:chOff x="357773" y="4091782"/>
+            <a:chExt cx="3962583" cy="2624020"/>
+          </a:xfrm>
+        </p:grpSpPr>
+        <p:pic>
+          <p:nvPicPr>
+            <p:cNvPr id="29" name="Image 28" descr="Une image contenant plein air, véhicule, route, Véhicule terrestre&#10;&#10;Description générée automatiquement">
+              <a:extLst>
+                <a:ext uri="{FF2B5EF4-FFF2-40B4-BE49-F238E27FC236}">
+                  <a16:creationId xmlns:a16="http://schemas.microsoft.com/office/drawing/2014/main" id="{D98E4D0D-14C1-46BC-555C-9F103131AF80}"/>
+                </a:ext>
+              </a:extLst>
+            </p:cNvPr>
+            <p:cNvPicPr>
+              <a:picLocks noChangeAspect="1"/>
+            </p:cNvPicPr>
+            <p:nvPr/>
+          </p:nvPicPr>
+          <p:blipFill>
+            <a:blip r:embed="rId6">
+              <a:extLst>
+                <a:ext uri="{28A0092B-C50C-407E-A947-70E740481C1C}">
+                  <a14:useLocalDpi xmlns:a14="http://schemas.microsoft.com/office/drawing/2010/main" val="0"/>
+                </a:ext>
+              </a:extLst>
+            </a:blip>
+            <a:stretch>
+              <a:fillRect/>
+            </a:stretch>
+          </p:blipFill>
+          <p:spPr>
+            <a:xfrm>
+              <a:off x="515817" y="4091782"/>
+              <a:ext cx="3804539" cy="2089100"/>
+            </a:xfrm>
+            <a:prstGeom prst="rect">
+              <a:avLst/>
+            </a:prstGeom>
+            <a:ln>
+              <a:noFill/>
+            </a:ln>
+            <a:effectLst>
+              <a:outerShdw blurRad="292100" dist="139700" dir="2700000" algn="tl" rotWithShape="0">
+                <a:srgbClr val="333333">
+                  <a:alpha val="65000"/>
+                </a:srgbClr>
+              </a:outerShdw>
+            </a:effectLst>
+          </p:spPr>
+        </p:pic>
+        <p:sp>
+          <p:nvSpPr>
+            <p:cNvPr id="30" name="ZoneTexte 29">
+              <a:extLst>
+                <a:ext uri="{FF2B5EF4-FFF2-40B4-BE49-F238E27FC236}">
+                  <a16:creationId xmlns:a16="http://schemas.microsoft.com/office/drawing/2014/main" id="{C9BC5E54-82F2-7525-883A-7380A6C84E87}"/>
+                </a:ext>
+              </a:extLst>
+            </p:cNvPr>
+            <p:cNvSpPr txBox="1"/>
+            <p:nvPr/>
+          </p:nvSpPr>
+          <p:spPr>
+            <a:xfrm>
+              <a:off x="357773" y="6315692"/>
+              <a:ext cx="3962583" cy="400110"/>
+            </a:xfrm>
+            <a:prstGeom prst="rect">
+              <a:avLst/>
+            </a:prstGeom>
+            <a:noFill/>
+          </p:spPr>
+          <p:txBody>
+            <a:bodyPr wrap="square" rtlCol="0">
+              <a:spAutoFit/>
+            </a:bodyPr>
+            <a:lstStyle/>
+            <a:p>
+              <a:pPr algn="ctr"/>
+              <a:r>
+                <a:rPr lang="fr-FR" sz="2000" dirty="0">
+                  <a:solidFill>
+                    <a:schemeClr val="bg1"/>
+                  </a:solidFill>
+                  <a:latin typeface="Kanit" pitchFamily="2" charset="-34"/>
+                  <a:cs typeface="Kanit" pitchFamily="2" charset="-34"/>
+                </a:rPr>
+                <a:t>Reconnaitre des voitures</a:t>
+              </a:r>
+            </a:p>
+          </p:txBody>
+        </p:sp>
+      </p:grpSp>
+    </p:spTree>
+    <p:extLst>
+      <p:ext uri="{BB962C8B-B14F-4D97-AF65-F5344CB8AC3E}">
+        <p14:creationId xmlns:p14="http://schemas.microsoft.com/office/powerpoint/2010/main" val="358522127"/>
       </p:ext>
     </p:extLst>
   </p:cSld>
@@ -3545,7 +7199,7 @@
                                           </p:stCondLst>
                                         </p:cTn>
                                         <p:tgtEl>
-                                          <p:spTgt spid="5"/>
+                                          <p:spTgt spid="15"/>
                                         </p:tgtEl>
                                         <p:attrNameLst>
                                           <p:attrName>style.visibility</p:attrName>
@@ -3559,7 +7213,7 @@
                                       <p:cBhvr>
                                         <p:cTn id="7" dur="500"/>
                                         <p:tgtEl>
-                                          <p:spTgt spid="5"/>
+                                          <p:spTgt spid="15"/>
                                         </p:tgtEl>
                                       </p:cBhvr>
                                     </p:animEffect>
@@ -3598,7 +7252,7 @@
                                           </p:stCondLst>
                                         </p:cTn>
                                         <p:tgtEl>
-                                          <p:spTgt spid="4"/>
+                                          <p:spTgt spid="31"/>
                                         </p:tgtEl>
                                         <p:attrNameLst>
                                           <p:attrName>style.visibility</p:attrName>
@@ -3612,7 +7266,113 @@
                                       <p:cBhvr>
                                         <p:cTn id="12" dur="500"/>
                                         <p:tgtEl>
-                                          <p:spTgt spid="4"/>
+                                          <p:spTgt spid="31"/>
+                                        </p:tgtEl>
+                                      </p:cBhvr>
+                                    </p:animEffect>
+                                  </p:childTnLst>
+                                </p:cTn>
+                              </p:par>
+                            </p:childTnLst>
+                          </p:cTn>
+                        </p:par>
+                      </p:childTnLst>
+                    </p:cTn>
+                  </p:par>
+                  <p:par>
+                    <p:cTn id="13" fill="hold">
+                      <p:stCondLst>
+                        <p:cond delay="indefinite"/>
+                      </p:stCondLst>
+                      <p:childTnLst>
+                        <p:par>
+                          <p:cTn id="14" fill="hold">
+                            <p:stCondLst>
+                              <p:cond delay="0"/>
+                            </p:stCondLst>
+                            <p:childTnLst>
+                              <p:par>
+                                <p:cTn id="15" presetID="10" presetClass="entr" presetSubtype="0" fill="hold" nodeType="clickEffect">
+                                  <p:stCondLst>
+                                    <p:cond delay="0"/>
+                                  </p:stCondLst>
+                                  <p:childTnLst>
+                                    <p:set>
+                                      <p:cBhvr>
+                                        <p:cTn id="16" dur="1" fill="hold">
+                                          <p:stCondLst>
+                                            <p:cond delay="0"/>
+                                          </p:stCondLst>
+                                        </p:cTn>
+                                        <p:tgtEl>
+                                          <p:spTgt spid="26"/>
+                                        </p:tgtEl>
+                                        <p:attrNameLst>
+                                          <p:attrName>style.visibility</p:attrName>
+                                        </p:attrNameLst>
+                                      </p:cBhvr>
+                                      <p:to>
+                                        <p:strVal val="visible"/>
+                                      </p:to>
+                                    </p:set>
+                                    <p:animEffect transition="in" filter="fade">
+                                      <p:cBhvr>
+                                        <p:cTn id="17" dur="500"/>
+                                        <p:tgtEl>
+                                          <p:spTgt spid="26"/>
+                                        </p:tgtEl>
+                                      </p:cBhvr>
+                                    </p:animEffect>
+                                  </p:childTnLst>
+                                </p:cTn>
+                              </p:par>
+                            </p:childTnLst>
+                          </p:cTn>
+                        </p:par>
+                      </p:childTnLst>
+                    </p:cTn>
+                  </p:par>
+                  <p:par>
+                    <p:cTn id="18" fill="hold">
+                      <p:stCondLst>
+                        <p:cond delay="indefinite"/>
+                      </p:stCondLst>
+                      <p:childTnLst>
+                        <p:par>
+                          <p:cTn id="19" fill="hold">
+                            <p:stCondLst>
+                              <p:cond delay="0"/>
+                            </p:stCondLst>
+                            <p:childTnLst>
+                              <p:par>
+                                <p:cTn id="20" presetID="10" presetClass="entr" presetSubtype="0" fill="hold" nodeType="clickEffect">
+                                  <p:stCondLst>
+                                    <p:cond delay="0"/>
+                                  </p:stCondLst>
+                                  <p:childTnLst>
+                                    <p:set>
+                                      <p:cBhvr>
+                                        <p:cTn id="21" dur="1" fill="hold">
+                                          <p:stCondLst>
+                                            <p:cond delay="0"/>
+                                          </p:stCondLst>
+                                        </p:cTn>
+                                        <p:tgtEl>
+                                          <p:spTgt spid="11"/>
+                                        </p:tgtEl>
+                                        <p:attrNameLst>
+                                          <p:attrName>style.visibility</p:attrName>
+                                        </p:attrNameLst>
+                                      </p:cBhvr>
+                                      <p:to>
+                                        <p:strVal val="visible"/>
+                                      </p:to>
+                                    </p:set>
+                                    <p:animEffect transition="in" filter="fade">
+                                      <p:cBhvr>
+                                        <p:cTn id="22" dur="500"/>
+                                        <p:tgtEl>
+                                          <p:spTgt spid="11"/>
                                         </p:tgtEl>
                                       </p:cBhvr>
                                     </p:animEffect>
@@ -3650,7 +7410,7 @@
 </p:sld>
 </file>
 
-<file path=ppt/slides/slide10.xml><?xml version="1.0" encoding="utf-8"?>
+<file path=ppt/slides/slide4.xml><?xml version="1.0" encoding="utf-8"?>
 <p:sld xmlns:a="http://schemas.openxmlformats.org/drawingml/2006/main" xmlns:r="http://schemas.openxmlformats.org/officeDocument/2006/relationships" xmlns:p="http://schemas.openxmlformats.org/presentationml/2006/main">
   <p:cSld>
     <p:spTree>
@@ -3669,10 +7429,64 @@
       </p:grpSpPr>
       <p:sp>
         <p:nvSpPr>
+          <p:cNvPr id="3" name="Rectangle 2">
+            <a:extLst>
+              <a:ext uri="{FF2B5EF4-FFF2-40B4-BE49-F238E27FC236}">
+                <a16:creationId xmlns:a16="http://schemas.microsoft.com/office/drawing/2014/main" id="{4EFFC889-4EC9-A431-F658-FE00BADE6D75}"/>
+              </a:ext>
+            </a:extLst>
+          </p:cNvPr>
+          <p:cNvSpPr/>
+          <p:nvPr/>
+        </p:nvSpPr>
+        <p:spPr>
+          <a:xfrm>
+            <a:off x="0" y="0"/>
+            <a:ext cx="12192000" cy="6858000"/>
+          </a:xfrm>
+          <a:prstGeom prst="rect">
+            <a:avLst/>
+          </a:prstGeom>
+          <a:solidFill>
+            <a:srgbClr val="1C62CA"/>
+          </a:solidFill>
+          <a:ln>
+            <a:solidFill>
+              <a:srgbClr val="1C62CA"/>
+            </a:solidFill>
+          </a:ln>
+        </p:spPr>
+        <p:style>
+          <a:lnRef idx="2">
+            <a:schemeClr val="accent1">
+              <a:shade val="15000"/>
+            </a:schemeClr>
+          </a:lnRef>
+          <a:fillRef idx="1">
+            <a:schemeClr val="accent1"/>
+          </a:fillRef>
+          <a:effectRef idx="0">
+            <a:schemeClr val="accent1"/>
+          </a:effectRef>
+          <a:fontRef idx="minor">
+            <a:schemeClr val="lt1"/>
+          </a:fontRef>
+        </p:style>
+        <p:txBody>
+          <a:bodyPr rtlCol="0" anchor="ctr"/>
+          <a:lstStyle/>
+          <a:p>
+            <a:pPr algn="ctr"/>
+            <a:endParaRPr lang="fr-FR"/>
+          </a:p>
+        </p:txBody>
+      </p:sp>
+      <p:sp>
+        <p:nvSpPr>
           <p:cNvPr id="2" name="Titre 1">
             <a:extLst>
               <a:ext uri="{FF2B5EF4-FFF2-40B4-BE49-F238E27FC236}">
-                <a16:creationId xmlns:a16="http://schemas.microsoft.com/office/drawing/2014/main" id="{0DF51CB7-E4BD-2790-7E3E-0A63C894BDBD}"/>
+                <a16:creationId xmlns:a16="http://schemas.microsoft.com/office/drawing/2014/main" id="{3C2ABF41-BFFD-A046-D6CD-B22EFF188F48}"/>
               </a:ext>
             </a:extLst>
           </p:cNvPr>
@@ -3683,17 +7497,28 @@
             <p:ph type="title"/>
           </p:nvPr>
         </p:nvSpPr>
-        <p:spPr/>
-        <p:txBody>
-          <a:bodyPr/>
-          <a:lstStyle/>
-          <a:p>
-            <a:r>
-              <a:rPr lang="fr-FR" dirty="0">
-                <a:latin typeface="Kanit" pitchFamily="2" charset="-34"/>
-                <a:cs typeface="Kanit" pitchFamily="2" charset="-34"/>
+        <p:spPr>
+          <a:xfrm>
+            <a:off x="2988128" y="2766218"/>
+            <a:ext cx="6215743" cy="1325563"/>
+          </a:xfrm>
+        </p:spPr>
+        <p:txBody>
+          <a:bodyPr>
+            <a:normAutofit/>
+          </a:bodyPr>
+          <a:lstStyle/>
+          <a:p>
+            <a:pPr algn="ctr"/>
+            <a:r>
+              <a:rPr lang="fr-FR" sz="4800" dirty="0">
+                <a:solidFill>
+                  <a:schemeClr val="bg1"/>
+                </a:solidFill>
+                <a:latin typeface="Kanit SemiBold" pitchFamily="2" charset="-34"/>
+                <a:cs typeface="Kanit SemiBold" pitchFamily="2" charset="-34"/>
               </a:rPr>
-              <a:t>Echecs</a:t>
+              <a:t>Fonctionnalités</a:t>
             </a:r>
           </a:p>
         </p:txBody>
@@ -3701,7 +7526,7 @@
     </p:spTree>
     <p:extLst>
       <p:ext uri="{BB962C8B-B14F-4D97-AF65-F5344CB8AC3E}">
-        <p14:creationId xmlns:p14="http://schemas.microsoft.com/office/powerpoint/2010/main" val="1818274042"/>
+        <p14:creationId xmlns:p14="http://schemas.microsoft.com/office/powerpoint/2010/main" val="1281288877"/>
       </p:ext>
     </p:extLst>
   </p:cSld>
@@ -3714,7 +7539,7 @@
 </p:sld>
 </file>
 
-<file path=ppt/slides/slide11.xml><?xml version="1.0" encoding="utf-8"?>
+<file path=ppt/slides/slide5.xml><?xml version="1.0" encoding="utf-8"?>
 <p:sld xmlns:a="http://schemas.openxmlformats.org/drawingml/2006/main" xmlns:r="http://schemas.openxmlformats.org/officeDocument/2006/relationships" xmlns:p="http://schemas.openxmlformats.org/presentationml/2006/main">
   <p:cSld>
     <p:spTree>
@@ -3733,10 +7558,71 @@
       </p:grpSpPr>
       <p:sp>
         <p:nvSpPr>
+          <p:cNvPr id="4" name="Rectangle 3">
+            <a:extLst>
+              <a:ext uri="{FF2B5EF4-FFF2-40B4-BE49-F238E27FC236}">
+                <a16:creationId xmlns:a16="http://schemas.microsoft.com/office/drawing/2014/main" id="{97AF87D6-6CE6-527C-2973-E806A1377C58}"/>
+              </a:ext>
+            </a:extLst>
+          </p:cNvPr>
+          <p:cNvSpPr/>
+          <p:nvPr/>
+        </p:nvSpPr>
+        <p:spPr>
+          <a:xfrm rot="10800000">
+            <a:off x="0" y="0"/>
+            <a:ext cx="12192000" cy="6858000"/>
+          </a:xfrm>
+          <a:prstGeom prst="rect">
+            <a:avLst/>
+          </a:prstGeom>
+          <a:gradFill flip="none" rotWithShape="1">
+            <a:gsLst>
+              <a:gs pos="0">
+                <a:srgbClr val="124084"/>
+              </a:gs>
+              <a:gs pos="100000">
+                <a:srgbClr val="1C62CA"/>
+              </a:gs>
+            </a:gsLst>
+            <a:lin ang="0" scaled="0"/>
+            <a:tileRect/>
+          </a:gradFill>
+          <a:ln>
+            <a:noFill/>
+          </a:ln>
+        </p:spPr>
+        <p:style>
+          <a:lnRef idx="2">
+            <a:schemeClr val="accent1">
+              <a:shade val="15000"/>
+            </a:schemeClr>
+          </a:lnRef>
+          <a:fillRef idx="1">
+            <a:schemeClr val="accent1"/>
+          </a:fillRef>
+          <a:effectRef idx="0">
+            <a:schemeClr val="accent1"/>
+          </a:effectRef>
+          <a:fontRef idx="minor">
+            <a:schemeClr val="lt1"/>
+          </a:fontRef>
+        </p:style>
+        <p:txBody>
+          <a:bodyPr rtlCol="0" anchor="ctr"/>
+          <a:lstStyle/>
+          <a:p>
+            <a:pPr algn="ctr"/>
+            <a:endParaRPr lang="fr-FR" dirty="0"/>
+          </a:p>
+        </p:txBody>
+      </p:sp>
+      <p:sp>
+        <p:nvSpPr>
           <p:cNvPr id="2" name="Titre 1">
             <a:extLst>
               <a:ext uri="{FF2B5EF4-FFF2-40B4-BE49-F238E27FC236}">
-                <a16:creationId xmlns:a16="http://schemas.microsoft.com/office/drawing/2014/main" id="{0DF51CB7-E4BD-2790-7E3E-0A63C894BDBD}"/>
+                <a16:creationId xmlns:a16="http://schemas.microsoft.com/office/drawing/2014/main" id="{3C2ABF41-BFFD-A046-D6CD-B22EFF188F48}"/>
               </a:ext>
             </a:extLst>
           </p:cNvPr>
@@ -3747,25 +7633,145 @@
             <p:ph type="title"/>
           </p:nvPr>
         </p:nvSpPr>
-        <p:spPr/>
-        <p:txBody>
-          <a:bodyPr/>
-          <a:lstStyle/>
-          <a:p>
-            <a:r>
-              <a:rPr lang="fr-FR" dirty="0">
-                <a:latin typeface="Kanit" pitchFamily="2" charset="-34"/>
-                <a:cs typeface="Kanit" pitchFamily="2" charset="-34"/>
+        <p:spPr>
+          <a:xfrm>
+            <a:off x="2988128" y="2766218"/>
+            <a:ext cx="6215743" cy="1325563"/>
+          </a:xfrm>
+        </p:spPr>
+        <p:txBody>
+          <a:bodyPr>
+            <a:normAutofit/>
+          </a:bodyPr>
+          <a:lstStyle/>
+          <a:p>
+            <a:pPr algn="ctr"/>
+            <a:r>
+              <a:rPr lang="fr-FR" sz="4800" dirty="0">
+                <a:solidFill>
+                  <a:schemeClr val="bg1"/>
+                </a:solidFill>
+                <a:latin typeface="Kanit SemiBold" pitchFamily="2" charset="-34"/>
+                <a:cs typeface="Kanit SemiBold" pitchFamily="2" charset="-34"/>
               </a:rPr>
-              <a:t>Conclusion</a:t>
-            </a:r>
-          </a:p>
-        </p:txBody>
-      </p:sp>
+              <a:t>Ambitions</a:t>
+            </a:r>
+          </a:p>
+        </p:txBody>
+      </p:sp>
+      <p:grpSp>
+        <p:nvGrpSpPr>
+          <p:cNvPr id="19" name="Groupe 18">
+            <a:extLst>
+              <a:ext uri="{FF2B5EF4-FFF2-40B4-BE49-F238E27FC236}">
+                <a16:creationId xmlns:a16="http://schemas.microsoft.com/office/drawing/2014/main" id="{8161247E-8641-C1A4-5C3A-813E9C18D6CB}"/>
+              </a:ext>
+            </a:extLst>
+          </p:cNvPr>
+          <p:cNvGrpSpPr/>
+          <p:nvPr/>
+        </p:nvGrpSpPr>
+        <p:grpSpPr>
+          <a:xfrm>
+            <a:off x="0" y="3949556"/>
+            <a:ext cx="5437584" cy="2750595"/>
+            <a:chOff x="6294695" y="3981194"/>
+            <a:chExt cx="5437584" cy="2750595"/>
+          </a:xfrm>
+        </p:grpSpPr>
+        <p:pic>
+          <p:nvPicPr>
+            <p:cNvPr id="17" name="Image 16" descr="Une image contenant texte, capture d’écran, Logiciel multimédia, logiciel&#10;&#10;Description générée automatiquement">
+              <a:extLst>
+                <a:ext uri="{FF2B5EF4-FFF2-40B4-BE49-F238E27FC236}">
+                  <a16:creationId xmlns:a16="http://schemas.microsoft.com/office/drawing/2014/main" id="{33F43E44-E287-00B1-E811-35169CE24D69}"/>
+                </a:ext>
+              </a:extLst>
+            </p:cNvPr>
+            <p:cNvPicPr>
+              <a:picLocks noChangeAspect="1"/>
+            </p:cNvPicPr>
+            <p:nvPr/>
+          </p:nvPicPr>
+          <p:blipFill>
+            <a:blip r:embed="rId3">
+              <a:extLst>
+                <a:ext uri="{28A0092B-C50C-407E-A947-70E740481C1C}">
+                  <a14:useLocalDpi xmlns:a14="http://schemas.microsoft.com/office/drawing/2010/main" val="0"/>
+                </a:ext>
+              </a:extLst>
+            </a:blip>
+            <a:stretch>
+              <a:fillRect/>
+            </a:stretch>
+          </p:blipFill>
+          <p:spPr>
+            <a:xfrm>
+              <a:off x="7117576" y="3981194"/>
+              <a:ext cx="3791822" cy="2275093"/>
+            </a:xfrm>
+            <a:prstGeom prst="rect">
+              <a:avLst/>
+            </a:prstGeom>
+            <a:ln>
+              <a:noFill/>
+            </a:ln>
+            <a:effectLst>
+              <a:outerShdw blurRad="292100" dist="139700" dir="2700000" algn="tl" rotWithShape="0">
+                <a:srgbClr val="333333">
+                  <a:alpha val="65000"/>
+                </a:srgbClr>
+              </a:outerShdw>
+            </a:effectLst>
+          </p:spPr>
+        </p:pic>
+        <p:sp>
+          <p:nvSpPr>
+            <p:cNvPr id="18" name="ZoneTexte 17">
+              <a:extLst>
+                <a:ext uri="{FF2B5EF4-FFF2-40B4-BE49-F238E27FC236}">
+                  <a16:creationId xmlns:a16="http://schemas.microsoft.com/office/drawing/2014/main" id="{B85A7C50-D2C3-64A1-AC07-BAEEDD05FD34}"/>
+                </a:ext>
+              </a:extLst>
+            </p:cNvPr>
+            <p:cNvSpPr txBox="1"/>
+            <p:nvPr/>
+          </p:nvSpPr>
+          <p:spPr>
+            <a:xfrm>
+              <a:off x="6294695" y="6331679"/>
+              <a:ext cx="5437584" cy="400110"/>
+            </a:xfrm>
+            <a:prstGeom prst="rect">
+              <a:avLst/>
+            </a:prstGeom>
+            <a:noFill/>
+          </p:spPr>
+          <p:txBody>
+            <a:bodyPr wrap="square" rtlCol="0">
+              <a:spAutoFit/>
+            </a:bodyPr>
+            <a:lstStyle/>
+            <a:p>
+              <a:pPr algn="ctr"/>
+              <a:r>
+                <a:rPr lang="fr-FR" sz="2000" dirty="0">
+                  <a:solidFill>
+                    <a:schemeClr val="bg1"/>
+                  </a:solidFill>
+                  <a:latin typeface="Kanit" pitchFamily="2" charset="-34"/>
+                  <a:cs typeface="Kanit" pitchFamily="2" charset="-34"/>
+                </a:rPr>
+                <a:t>Une inspiration du projet : l’application Waze</a:t>
+              </a:r>
+            </a:p>
+          </p:txBody>
+        </p:sp>
+      </p:grpSp>
     </p:spTree>
     <p:extLst>
       <p:ext uri="{BB962C8B-B14F-4D97-AF65-F5344CB8AC3E}">
-        <p14:creationId xmlns:p14="http://schemas.microsoft.com/office/powerpoint/2010/main" val="2062808289"/>
+        <p14:creationId xmlns:p14="http://schemas.microsoft.com/office/powerpoint/2010/main" val="2079455031"/>
       </p:ext>
     </p:extLst>
   </p:cSld>
@@ -3775,10 +7781,93 @@
   <p:transition spd="slow">
     <p:push/>
   </p:transition>
+  <p:timing>
+    <p:tnLst>
+      <p:par>
+        <p:cTn id="1" dur="indefinite" restart="never" nodeType="tmRoot">
+          <p:childTnLst>
+            <p:seq concurrent="1" nextAc="seek">
+              <p:cTn id="2" dur="indefinite" nodeType="mainSeq">
+                <p:childTnLst>
+                  <p:par>
+                    <p:cTn id="3" fill="hold">
+                      <p:stCondLst>
+                        <p:cond delay="indefinite"/>
+                      </p:stCondLst>
+                      <p:childTnLst>
+                        <p:par>
+                          <p:cTn id="4" fill="hold">
+                            <p:stCondLst>
+                              <p:cond delay="0"/>
+                            </p:stCondLst>
+                            <p:childTnLst>
+                              <p:par>
+                                <p:cTn id="5" presetID="10" presetClass="entr" presetSubtype="0" fill="hold" nodeType="clickEffect">
+                                  <p:stCondLst>
+                                    <p:cond delay="0"/>
+                                  </p:stCondLst>
+                                  <p:childTnLst>
+                                    <p:set>
+                                      <p:cBhvr>
+                                        <p:cTn id="6" dur="1" fill="hold">
+                                          <p:stCondLst>
+                                            <p:cond delay="0"/>
+                                          </p:stCondLst>
+                                        </p:cTn>
+                                        <p:tgtEl>
+                                          <p:spTgt spid="19"/>
+                                        </p:tgtEl>
+                                        <p:attrNameLst>
+                                          <p:attrName>style.visibility</p:attrName>
+                                        </p:attrNameLst>
+                                      </p:cBhvr>
+                                      <p:to>
+                                        <p:strVal val="visible"/>
+                                      </p:to>
+                                    </p:set>
+                                    <p:animEffect transition="in" filter="fade">
+                                      <p:cBhvr>
+                                        <p:cTn id="7" dur="500"/>
+                                        <p:tgtEl>
+                                          <p:spTgt spid="19"/>
+                                        </p:tgtEl>
+                                      </p:cBhvr>
+                                    </p:animEffect>
+                                  </p:childTnLst>
+                                </p:cTn>
+                              </p:par>
+                            </p:childTnLst>
+                          </p:cTn>
+                        </p:par>
+                      </p:childTnLst>
+                    </p:cTn>
+                  </p:par>
+                </p:childTnLst>
+              </p:cTn>
+              <p:prevCondLst>
+                <p:cond evt="onPrev" delay="0">
+                  <p:tgtEl>
+                    <p:sldTgt/>
+                  </p:tgtEl>
+                </p:cond>
+              </p:prevCondLst>
+              <p:nextCondLst>
+                <p:cond evt="onNext" delay="0">
+                  <p:tgtEl>
+                    <p:sldTgt/>
+                  </p:tgtEl>
+                </p:cond>
+              </p:nextCondLst>
+            </p:seq>
+          </p:childTnLst>
+        </p:cTn>
+      </p:par>
+    </p:tnLst>
+  </p:timing>
 </p:sld>
 </file>
 
-<file path=ppt/slides/slide2.xml><?xml version="1.0" encoding="utf-8"?>
+<file path=ppt/slides/slide6.xml><?xml version="1.0" encoding="utf-8"?>
 <p:sld xmlns:a="http://schemas.openxmlformats.org/drawingml/2006/main" xmlns:r="http://schemas.openxmlformats.org/officeDocument/2006/relationships" xmlns:p="http://schemas.openxmlformats.org/presentationml/2006/main">
   <p:cSld>
     <p:spTree>
@@ -3797,10 +7886,411 @@
       </p:grpSpPr>
       <p:sp>
         <p:nvSpPr>
+          <p:cNvPr id="4" name="Rectangle 3">
+            <a:extLst>
+              <a:ext uri="{FF2B5EF4-FFF2-40B4-BE49-F238E27FC236}">
+                <a16:creationId xmlns:a16="http://schemas.microsoft.com/office/drawing/2014/main" id="{6FF2582F-75DE-9E1A-B712-30FFFA70123C}"/>
+              </a:ext>
+            </a:extLst>
+          </p:cNvPr>
+          <p:cNvSpPr/>
+          <p:nvPr/>
+        </p:nvSpPr>
+        <p:spPr>
+          <a:xfrm>
+            <a:off x="0" y="0"/>
+            <a:ext cx="12192000" cy="6858000"/>
+          </a:xfrm>
+          <a:prstGeom prst="rect">
+            <a:avLst/>
+          </a:prstGeom>
+          <a:gradFill flip="none" rotWithShape="1">
+            <a:gsLst>
+              <a:gs pos="0">
+                <a:srgbClr val="124084"/>
+              </a:gs>
+              <a:gs pos="100000">
+                <a:srgbClr val="124084"/>
+              </a:gs>
+            </a:gsLst>
+            <a:lin ang="0" scaled="0"/>
+            <a:tileRect/>
+          </a:gradFill>
+          <a:ln>
+            <a:noFill/>
+          </a:ln>
+        </p:spPr>
+        <p:style>
+          <a:lnRef idx="2">
+            <a:schemeClr val="accent1">
+              <a:shade val="15000"/>
+            </a:schemeClr>
+          </a:lnRef>
+          <a:fillRef idx="1">
+            <a:schemeClr val="accent1"/>
+          </a:fillRef>
+          <a:effectRef idx="0">
+            <a:schemeClr val="accent1"/>
+          </a:effectRef>
+          <a:fontRef idx="minor">
+            <a:schemeClr val="lt1"/>
+          </a:fontRef>
+        </p:style>
+        <p:txBody>
+          <a:bodyPr rtlCol="0" anchor="ctr"/>
+          <a:lstStyle/>
+          <a:p>
+            <a:pPr algn="ctr"/>
+            <a:endParaRPr lang="fr-FR" dirty="0"/>
+          </a:p>
+        </p:txBody>
+      </p:sp>
+      <p:sp>
+        <p:nvSpPr>
+          <p:cNvPr id="2" name="Titre 1">
+            <a:extLst>
+              <a:ext uri="{FF2B5EF4-FFF2-40B4-BE49-F238E27FC236}">
+                <a16:creationId xmlns:a16="http://schemas.microsoft.com/office/drawing/2014/main" id="{3C2ABF41-BFFD-A046-D6CD-B22EFF188F48}"/>
+              </a:ext>
+            </a:extLst>
+          </p:cNvPr>
+          <p:cNvSpPr>
+            <a:spLocks noGrp="1"/>
+          </p:cNvSpPr>
+          <p:nvPr>
+            <p:ph type="title"/>
+          </p:nvPr>
+        </p:nvSpPr>
+        <p:spPr>
+          <a:xfrm>
+            <a:off x="2988128" y="2766218"/>
+            <a:ext cx="6215743" cy="1325563"/>
+          </a:xfrm>
+        </p:spPr>
+        <p:txBody>
+          <a:bodyPr>
+            <a:normAutofit/>
+          </a:bodyPr>
+          <a:lstStyle/>
+          <a:p>
+            <a:pPr algn="ctr"/>
+            <a:r>
+              <a:rPr lang="fr-FR" sz="4800" dirty="0">
+                <a:solidFill>
+                  <a:schemeClr val="bg1"/>
+                </a:solidFill>
+                <a:latin typeface="Kanit SemiBold" pitchFamily="2" charset="-34"/>
+                <a:cs typeface="Kanit SemiBold" pitchFamily="2" charset="-34"/>
+              </a:rPr>
+              <a:t>Vie du projet</a:t>
+            </a:r>
+          </a:p>
+        </p:txBody>
+      </p:sp>
+    </p:spTree>
+    <p:extLst>
+      <p:ext uri="{BB962C8B-B14F-4D97-AF65-F5344CB8AC3E}">
+        <p14:creationId xmlns:p14="http://schemas.microsoft.com/office/powerpoint/2010/main" val="2892320758"/>
+      </p:ext>
+    </p:extLst>
+  </p:cSld>
+  <p:clrMapOvr>
+    <a:masterClrMapping/>
+  </p:clrMapOvr>
+  <p:transition spd="slow">
+    <p:push/>
+  </p:transition>
+</p:sld>
+</file>
+
+<file path=ppt/slides/slide7.xml><?xml version="1.0" encoding="utf-8"?>
+<p:sld xmlns:a="http://schemas.openxmlformats.org/drawingml/2006/main" xmlns:r="http://schemas.openxmlformats.org/officeDocument/2006/relationships" xmlns:p="http://schemas.openxmlformats.org/presentationml/2006/main">
+  <p:cSld>
+    <p:spTree>
+      <p:nvGrpSpPr>
+        <p:cNvPr id="1" name=""/>
+        <p:cNvGrpSpPr/>
+        <p:nvPr/>
+      </p:nvGrpSpPr>
+      <p:grpSpPr>
+        <a:xfrm>
+          <a:off x="0" y="0"/>
+          <a:ext cx="0" cy="0"/>
+          <a:chOff x="0" y="0"/>
+          <a:chExt cx="0" cy="0"/>
+        </a:xfrm>
+      </p:grpSpPr>
+      <p:sp>
+        <p:nvSpPr>
+          <p:cNvPr id="4" name="Rectangle 3">
+            <a:extLst>
+              <a:ext uri="{FF2B5EF4-FFF2-40B4-BE49-F238E27FC236}">
+                <a16:creationId xmlns:a16="http://schemas.microsoft.com/office/drawing/2014/main" id="{9C923C60-326C-6A62-B117-E413DCDB3493}"/>
+              </a:ext>
+            </a:extLst>
+          </p:cNvPr>
+          <p:cNvSpPr/>
+          <p:nvPr/>
+        </p:nvSpPr>
+        <p:spPr>
+          <a:xfrm>
+            <a:off x="-1" y="-1"/>
+            <a:ext cx="12192000" cy="6858000"/>
+          </a:xfrm>
+          <a:prstGeom prst="rect">
+            <a:avLst/>
+          </a:prstGeom>
+          <a:gradFill flip="none" rotWithShape="1">
+            <a:gsLst>
+              <a:gs pos="0">
+                <a:srgbClr val="124084"/>
+              </a:gs>
+              <a:gs pos="100000">
+                <a:srgbClr val="1C62CA"/>
+              </a:gs>
+            </a:gsLst>
+            <a:lin ang="0" scaled="0"/>
+            <a:tileRect/>
+          </a:gradFill>
+          <a:ln>
+            <a:noFill/>
+          </a:ln>
+        </p:spPr>
+        <p:style>
+          <a:lnRef idx="2">
+            <a:schemeClr val="accent1">
+              <a:shade val="15000"/>
+            </a:schemeClr>
+          </a:lnRef>
+          <a:fillRef idx="1">
+            <a:schemeClr val="accent1"/>
+          </a:fillRef>
+          <a:effectRef idx="0">
+            <a:schemeClr val="accent1"/>
+          </a:effectRef>
+          <a:fontRef idx="minor">
+            <a:schemeClr val="lt1"/>
+          </a:fontRef>
+        </p:style>
+        <p:txBody>
+          <a:bodyPr rtlCol="0" anchor="ctr"/>
+          <a:lstStyle/>
+          <a:p>
+            <a:pPr algn="ctr"/>
+            <a:endParaRPr lang="fr-FR" dirty="0"/>
+          </a:p>
+        </p:txBody>
+      </p:sp>
+      <p:sp>
+        <p:nvSpPr>
+          <p:cNvPr id="2" name="Titre 1">
+            <a:extLst>
+              <a:ext uri="{FF2B5EF4-FFF2-40B4-BE49-F238E27FC236}">
+                <a16:creationId xmlns:a16="http://schemas.microsoft.com/office/drawing/2014/main" id="{3C2ABF41-BFFD-A046-D6CD-B22EFF188F48}"/>
+              </a:ext>
+            </a:extLst>
+          </p:cNvPr>
+          <p:cNvSpPr>
+            <a:spLocks noGrp="1"/>
+          </p:cNvSpPr>
+          <p:nvPr>
+            <p:ph type="title"/>
+          </p:nvPr>
+        </p:nvSpPr>
+        <p:spPr>
+          <a:xfrm>
+            <a:off x="2988128" y="2766218"/>
+            <a:ext cx="6215743" cy="1325563"/>
+          </a:xfrm>
+        </p:spPr>
+        <p:txBody>
+          <a:bodyPr>
+            <a:normAutofit/>
+          </a:bodyPr>
+          <a:lstStyle/>
+          <a:p>
+            <a:pPr algn="ctr"/>
+            <a:r>
+              <a:rPr lang="fr-FR" sz="4800" dirty="0">
+                <a:solidFill>
+                  <a:schemeClr val="bg1"/>
+                </a:solidFill>
+                <a:latin typeface="Kanit SemiBold" pitchFamily="2" charset="-34"/>
+                <a:cs typeface="Kanit SemiBold" pitchFamily="2" charset="-34"/>
+              </a:rPr>
+              <a:t>Organisation</a:t>
+            </a:r>
+          </a:p>
+        </p:txBody>
+      </p:sp>
+    </p:spTree>
+    <p:extLst>
+      <p:ext uri="{BB962C8B-B14F-4D97-AF65-F5344CB8AC3E}">
+        <p14:creationId xmlns:p14="http://schemas.microsoft.com/office/powerpoint/2010/main" val="2701104828"/>
+      </p:ext>
+    </p:extLst>
+  </p:cSld>
+  <p:clrMapOvr>
+    <a:masterClrMapping/>
+  </p:clrMapOvr>
+  <p:transition spd="slow">
+    <p:push/>
+  </p:transition>
+</p:sld>
+</file>
+
+<file path=ppt/slides/slide8.xml><?xml version="1.0" encoding="utf-8"?>
+<p:sld xmlns:a="http://schemas.openxmlformats.org/drawingml/2006/main" xmlns:r="http://schemas.openxmlformats.org/officeDocument/2006/relationships" xmlns:p="http://schemas.openxmlformats.org/presentationml/2006/main">
+  <p:cSld>
+    <p:spTree>
+      <p:nvGrpSpPr>
+        <p:cNvPr id="1" name=""/>
+        <p:cNvGrpSpPr/>
+        <p:nvPr/>
+      </p:nvGrpSpPr>
+      <p:grpSpPr>
+        <a:xfrm>
+          <a:off x="0" y="0"/>
+          <a:ext cx="0" cy="0"/>
+          <a:chOff x="0" y="0"/>
+          <a:chExt cx="0" cy="0"/>
+        </a:xfrm>
+      </p:grpSpPr>
+      <p:sp>
+        <p:nvSpPr>
           <p:cNvPr id="3" name="Rectangle 2">
             <a:extLst>
               <a:ext uri="{FF2B5EF4-FFF2-40B4-BE49-F238E27FC236}">
-                <a16:creationId xmlns:a16="http://schemas.microsoft.com/office/drawing/2014/main" id="{F4E3E8F8-7A33-26E6-C5A5-AF3C99CE3F39}"/>
+                <a16:creationId xmlns:a16="http://schemas.microsoft.com/office/drawing/2014/main" id="{E89E4B0D-28EE-0C53-F40D-3D1370802327}"/>
+              </a:ext>
+            </a:extLst>
+          </p:cNvPr>
+          <p:cNvSpPr/>
+          <p:nvPr/>
+        </p:nvSpPr>
+        <p:spPr>
+          <a:xfrm>
+            <a:off x="0" y="0"/>
+            <a:ext cx="12192000" cy="6858000"/>
+          </a:xfrm>
+          <a:prstGeom prst="rect">
+            <a:avLst/>
+          </a:prstGeom>
+          <a:solidFill>
+            <a:srgbClr val="1C62CA"/>
+          </a:solidFill>
+          <a:ln>
+            <a:solidFill>
+              <a:srgbClr val="1C62CA"/>
+            </a:solidFill>
+          </a:ln>
+        </p:spPr>
+        <p:style>
+          <a:lnRef idx="2">
+            <a:schemeClr val="accent1">
+              <a:shade val="15000"/>
+            </a:schemeClr>
+          </a:lnRef>
+          <a:fillRef idx="1">
+            <a:schemeClr val="accent1"/>
+          </a:fillRef>
+          <a:effectRef idx="0">
+            <a:schemeClr val="accent1"/>
+          </a:effectRef>
+          <a:fontRef idx="minor">
+            <a:schemeClr val="lt1"/>
+          </a:fontRef>
+        </p:style>
+        <p:txBody>
+          <a:bodyPr rtlCol="0" anchor="ctr"/>
+          <a:lstStyle/>
+          <a:p>
+            <a:pPr algn="ctr"/>
+            <a:endParaRPr lang="fr-FR"/>
+          </a:p>
+        </p:txBody>
+      </p:sp>
+      <p:sp>
+        <p:nvSpPr>
+          <p:cNvPr id="2" name="Titre 1">
+            <a:extLst>
+              <a:ext uri="{FF2B5EF4-FFF2-40B4-BE49-F238E27FC236}">
+                <a16:creationId xmlns:a16="http://schemas.microsoft.com/office/drawing/2014/main" id="{3C2ABF41-BFFD-A046-D6CD-B22EFF188F48}"/>
+              </a:ext>
+            </a:extLst>
+          </p:cNvPr>
+          <p:cNvSpPr>
+            <a:spLocks noGrp="1"/>
+          </p:cNvSpPr>
+          <p:nvPr>
+            <p:ph type="title"/>
+          </p:nvPr>
+        </p:nvSpPr>
+        <p:spPr>
+          <a:xfrm>
+            <a:off x="2988128" y="2766218"/>
+            <a:ext cx="6215743" cy="1325563"/>
+          </a:xfrm>
+        </p:spPr>
+        <p:txBody>
+          <a:bodyPr>
+            <a:normAutofit/>
+          </a:bodyPr>
+          <a:lstStyle/>
+          <a:p>
+            <a:pPr algn="ctr"/>
+            <a:r>
+              <a:rPr lang="fr-FR" sz="4800" dirty="0">
+                <a:solidFill>
+                  <a:schemeClr val="bg1"/>
+                </a:solidFill>
+                <a:latin typeface="Kanit SemiBold" pitchFamily="2" charset="-34"/>
+                <a:cs typeface="Kanit SemiBold" pitchFamily="2" charset="-34"/>
+              </a:rPr>
+              <a:t>Architecture</a:t>
+            </a:r>
+          </a:p>
+        </p:txBody>
+      </p:sp>
+    </p:spTree>
+    <p:extLst>
+      <p:ext uri="{BB962C8B-B14F-4D97-AF65-F5344CB8AC3E}">
+        <p14:creationId xmlns:p14="http://schemas.microsoft.com/office/powerpoint/2010/main" val="662167283"/>
+      </p:ext>
+    </p:extLst>
+  </p:cSld>
+  <p:clrMapOvr>
+    <a:masterClrMapping/>
+  </p:clrMapOvr>
+  <p:transition spd="slow">
+    <p:push/>
+  </p:transition>
+</p:sld>
+</file>
+
+<file path=ppt/slides/slide9.xml><?xml version="1.0" encoding="utf-8"?>
+<p:sld xmlns:a="http://schemas.openxmlformats.org/drawingml/2006/main" xmlns:r="http://schemas.openxmlformats.org/officeDocument/2006/relationships" xmlns:p="http://schemas.openxmlformats.org/presentationml/2006/main">
+  <p:cSld>
+    <p:spTree>
+      <p:nvGrpSpPr>
+        <p:cNvPr id="1" name=""/>
+        <p:cNvGrpSpPr/>
+        <p:nvPr/>
+      </p:nvGrpSpPr>
+      <p:grpSpPr>
+        <a:xfrm>
+          <a:off x="0" y="0"/>
+          <a:ext cx="0" cy="0"/>
+          <a:chOff x="0" y="0"/>
+          <a:chExt cx="0" cy="0"/>
+        </a:xfrm>
+      </p:grpSpPr>
+      <p:sp>
+        <p:nvSpPr>
+          <p:cNvPr id="3" name="Rectangle 2">
+            <a:extLst>
+              <a:ext uri="{FF2B5EF4-FFF2-40B4-BE49-F238E27FC236}">
+                <a16:creationId xmlns:a16="http://schemas.microsoft.com/office/drawing/2014/main" id="{77645410-B822-646E-1FA4-81F2CCFF65B6}"/>
               </a:ext>
             </a:extLst>
           </p:cNvPr>
@@ -3843,11 +8333,7 @@
           <a:lstStyle/>
           <a:p>
             <a:pPr algn="ctr"/>
-            <a:endParaRPr lang="fr-FR">
-              <a:solidFill>
-                <a:schemeClr val="bg1"/>
-              </a:solidFill>
-            </a:endParaRPr>
+            <a:endParaRPr lang="fr-FR"/>
           </a:p>
         </p:txBody>
       </p:sp>
@@ -3856,7 +8342,7 @@
           <p:cNvPr id="2" name="Titre 1">
             <a:extLst>
               <a:ext uri="{FF2B5EF4-FFF2-40B4-BE49-F238E27FC236}">
-                <a16:creationId xmlns:a16="http://schemas.microsoft.com/office/drawing/2014/main" id="{8114BE97-5E5E-1E53-88FD-90D2E6DB3BBD}"/>
+                <a16:creationId xmlns:a16="http://schemas.microsoft.com/office/drawing/2014/main" id="{3C2ABF41-BFFD-A046-D6CD-B22EFF188F48}"/>
               </a:ext>
             </a:extLst>
           </p:cNvPr>
@@ -3869,2460 +8355,34 @@
         </p:nvSpPr>
         <p:spPr>
           <a:xfrm>
-            <a:off x="3965495" y="2921508"/>
-            <a:ext cx="4261010" cy="1014984"/>
+            <a:off x="2988128" y="2766218"/>
+            <a:ext cx="6215743" cy="1325563"/>
           </a:xfrm>
         </p:spPr>
         <p:txBody>
-          <a:bodyPr anchor="t">
-            <a:noAutofit/>
+          <a:bodyPr>
+            <a:normAutofit/>
           </a:bodyPr>
           <a:lstStyle/>
           <a:p>
             <a:pPr algn="ctr"/>
             <a:r>
-              <a:rPr lang="fr-FR" sz="4800" b="1" i="0" u="none" strike="noStrike" baseline="0" dirty="0">
+              <a:rPr lang="fr-FR" sz="4800" dirty="0">
                 <a:solidFill>
                   <a:schemeClr val="bg1"/>
                 </a:solidFill>
-                <a:latin typeface="Kanit"/>
+                <a:latin typeface="Kanit SemiBold" pitchFamily="2" charset="-34"/>
+                <a:cs typeface="Kanit SemiBold" pitchFamily="2" charset="-34"/>
               </a:rPr>
-              <a:t>Le démarrage </a:t>
-            </a:r>
-            <a:endParaRPr lang="fr-FR" sz="9600" b="1" dirty="0">
-              <a:solidFill>
-                <a:schemeClr val="bg1"/>
-              </a:solidFill>
-              <a:latin typeface="Kanit"/>
-            </a:endParaRPr>
-          </a:p>
-        </p:txBody>
-      </p:sp>
-      <p:pic>
-        <p:nvPicPr>
-          <p:cNvPr id="7" name="Image 6" descr="Un jeune homme d'affaires se réjouit">
-            <a:extLst>
-              <a:ext uri="{FF2B5EF4-FFF2-40B4-BE49-F238E27FC236}">
-                <a16:creationId xmlns:a16="http://schemas.microsoft.com/office/drawing/2014/main" id="{4360ABCA-9675-7B69-9132-35C178540B02}"/>
-              </a:ext>
-            </a:extLst>
-          </p:cNvPr>
-          <p:cNvPicPr>
-            <a:picLocks noChangeAspect="1"/>
-          </p:cNvPicPr>
-          <p:nvPr/>
-        </p:nvPicPr>
-        <p:blipFill>
-          <a:blip r:embed="rId2">
-            <a:extLst>
-              <a:ext uri="{28A0092B-C50C-407E-A947-70E740481C1C}">
-                <a14:useLocalDpi xmlns:a14="http://schemas.microsoft.com/office/drawing/2010/main" val="0"/>
-              </a:ext>
-            </a:extLst>
-          </a:blip>
-          <a:stretch>
-            <a:fillRect/>
-          </a:stretch>
-        </p:blipFill>
-        <p:spPr>
-          <a:xfrm>
-            <a:off x="1128694" y="3185431"/>
-            <a:ext cx="2108706" cy="6858000"/>
-          </a:xfrm>
-          <a:prstGeom prst="rect">
-            <a:avLst/>
-          </a:prstGeom>
-        </p:spPr>
-      </p:pic>
-      <p:sp>
-        <p:nvSpPr>
-          <p:cNvPr id="8" name="Titre 1">
-            <a:extLst>
-              <a:ext uri="{FF2B5EF4-FFF2-40B4-BE49-F238E27FC236}">
-                <a16:creationId xmlns:a16="http://schemas.microsoft.com/office/drawing/2014/main" id="{01DB7F7C-FD0F-95AF-1CD6-E4B6477AFA46}"/>
-              </a:ext>
-            </a:extLst>
-          </p:cNvPr>
-          <p:cNvSpPr txBox="1">
-            <a:spLocks/>
-          </p:cNvSpPr>
-          <p:nvPr/>
-        </p:nvSpPr>
-        <p:spPr>
-          <a:xfrm>
-            <a:off x="-321905" y="2545348"/>
-            <a:ext cx="4877928" cy="640083"/>
-          </a:xfrm>
-          <a:prstGeom prst="rect">
-            <a:avLst/>
-          </a:prstGeom>
-        </p:spPr>
-        <p:txBody>
-          <a:bodyPr vert="horz" lIns="91440" tIns="45720" rIns="91440" bIns="45720" rtlCol="0" anchor="ctr">
-            <a:normAutofit/>
-          </a:bodyPr>
-          <a:lstStyle>
-            <a:lvl1pPr algn="l" defTabSz="914400" rtl="0" eaLnBrk="1" latinLnBrk="0" hangingPunct="1">
-              <a:lnSpc>
-                <a:spcPct val="90000"/>
-              </a:lnSpc>
-              <a:spcBef>
-                <a:spcPct val="0"/>
-              </a:spcBef>
-              <a:buNone/>
-              <a:defRPr sz="4400" kern="1200">
-                <a:solidFill>
-                  <a:schemeClr val="tx1"/>
-                </a:solidFill>
-                <a:latin typeface="+mj-lt"/>
-                <a:ea typeface="+mj-ea"/>
-                <a:cs typeface="+mj-cs"/>
-              </a:defRPr>
-            </a:lvl1pPr>
-          </a:lstStyle>
-          <a:p>
-            <a:pPr algn="ctr"/>
-            <a:r>
-              <a:rPr lang="fr-FR" sz="2400" dirty="0">
-                <a:solidFill>
-                  <a:schemeClr val="bg1"/>
-                </a:solidFill>
-                <a:latin typeface="Kanit ExtraLight" pitchFamily="2" charset="-34"/>
-                <a:cs typeface="Kanit ExtraLight" pitchFamily="2" charset="-34"/>
-              </a:rPr>
-              <a:t>[Photos du groupe]</a:t>
-            </a:r>
-            <a:endParaRPr lang="fr-FR" dirty="0">
-              <a:solidFill>
-                <a:schemeClr val="bg1"/>
-              </a:solidFill>
-              <a:latin typeface="Kanit ExtraLight" pitchFamily="2" charset="-34"/>
-              <a:cs typeface="Kanit ExtraLight" pitchFamily="2" charset="-34"/>
-            </a:endParaRPr>
+              <a:t>Expérience</a:t>
+            </a:r>
           </a:p>
         </p:txBody>
       </p:sp>
     </p:spTree>
     <p:extLst>
       <p:ext uri="{BB962C8B-B14F-4D97-AF65-F5344CB8AC3E}">
-        <p14:creationId xmlns:p14="http://schemas.microsoft.com/office/powerpoint/2010/main" val="1199426017"/>
-      </p:ext>
-    </p:extLst>
-  </p:cSld>
-  <p:clrMapOvr>
-    <a:masterClrMapping/>
-  </p:clrMapOvr>
-  <p:transition spd="slow">
-    <p:push/>
-  </p:transition>
-</p:sld>
-</file>
-
-<file path=ppt/slides/slide3.xml><?xml version="1.0" encoding="utf-8"?>
-<p:sld xmlns:a="http://schemas.openxmlformats.org/drawingml/2006/main" xmlns:r="http://schemas.openxmlformats.org/officeDocument/2006/relationships" xmlns:p="http://schemas.openxmlformats.org/presentationml/2006/main">
-  <p:cSld>
-    <p:spTree>
-      <p:nvGrpSpPr>
-        <p:cNvPr id="1" name=""/>
-        <p:cNvGrpSpPr/>
-        <p:nvPr/>
-      </p:nvGrpSpPr>
-      <p:grpSpPr>
-        <a:xfrm>
-          <a:off x="0" y="0"/>
-          <a:ext cx="0" cy="0"/>
-          <a:chOff x="0" y="0"/>
-          <a:chExt cx="0" cy="0"/>
-        </a:xfrm>
-      </p:grpSpPr>
-      <p:sp>
-        <p:nvSpPr>
-          <p:cNvPr id="10" name="Rectangle 9">
-            <a:extLst>
-              <a:ext uri="{FF2B5EF4-FFF2-40B4-BE49-F238E27FC236}">
-                <a16:creationId xmlns:a16="http://schemas.microsoft.com/office/drawing/2014/main" id="{8CFAEC38-FEC8-0E77-9B6F-FFE58C097858}"/>
-              </a:ext>
-            </a:extLst>
-          </p:cNvPr>
-          <p:cNvSpPr/>
-          <p:nvPr/>
-        </p:nvSpPr>
-        <p:spPr>
-          <a:xfrm>
-            <a:off x="0" y="0"/>
-            <a:ext cx="12192000" cy="6858000"/>
-          </a:xfrm>
-          <a:prstGeom prst="rect">
-            <a:avLst/>
-          </a:prstGeom>
-          <a:gradFill flip="none" rotWithShape="1">
-            <a:gsLst>
-              <a:gs pos="0">
-                <a:srgbClr val="1C62CA"/>
-              </a:gs>
-              <a:gs pos="50000">
-                <a:srgbClr val="1C62CA">
-                  <a:alpha val="85000"/>
-                </a:srgbClr>
-              </a:gs>
-              <a:gs pos="100000">
-                <a:srgbClr val="1C62CA">
-                  <a:alpha val="70000"/>
-                </a:srgbClr>
-              </a:gs>
-            </a:gsLst>
-            <a:lin ang="0" scaled="1"/>
-            <a:tileRect/>
-          </a:gradFill>
-          <a:ln>
-            <a:noFill/>
-          </a:ln>
-        </p:spPr>
-        <p:style>
-          <a:lnRef idx="2">
-            <a:schemeClr val="accent1">
-              <a:shade val="15000"/>
-            </a:schemeClr>
-          </a:lnRef>
-          <a:fillRef idx="1">
-            <a:schemeClr val="accent1"/>
-          </a:fillRef>
-          <a:effectRef idx="0">
-            <a:schemeClr val="accent1"/>
-          </a:effectRef>
-          <a:fontRef idx="minor">
-            <a:schemeClr val="lt1"/>
-          </a:fontRef>
-        </p:style>
-        <p:txBody>
-          <a:bodyPr rtlCol="0" anchor="ctr"/>
-          <a:lstStyle/>
-          <a:p>
-            <a:pPr algn="ctr"/>
-            <a:endParaRPr lang="fr-FR">
-              <a:solidFill>
-                <a:schemeClr val="bg1"/>
-              </a:solidFill>
-            </a:endParaRPr>
-          </a:p>
-        </p:txBody>
-      </p:sp>
-      <p:sp>
-        <p:nvSpPr>
-          <p:cNvPr id="2" name="Titre 1">
-            <a:extLst>
-              <a:ext uri="{FF2B5EF4-FFF2-40B4-BE49-F238E27FC236}">
-                <a16:creationId xmlns:a16="http://schemas.microsoft.com/office/drawing/2014/main" id="{8114BE97-5E5E-1E53-88FD-90D2E6DB3BBD}"/>
-              </a:ext>
-            </a:extLst>
-          </p:cNvPr>
-          <p:cNvSpPr>
-            <a:spLocks noGrp="1"/>
-          </p:cNvSpPr>
-          <p:nvPr>
-            <p:ph type="title"/>
-          </p:nvPr>
-        </p:nvSpPr>
-        <p:spPr>
-          <a:xfrm>
-            <a:off x="548640" y="429135"/>
-            <a:ext cx="5167490" cy="2743834"/>
-          </a:xfrm>
-        </p:spPr>
-        <p:txBody>
-          <a:bodyPr>
-            <a:normAutofit/>
-          </a:bodyPr>
-          <a:lstStyle/>
-          <a:p>
-            <a:r>
-              <a:rPr lang="fr-FR" sz="4800" b="1" i="0" u="none" strike="noStrike" baseline="0" dirty="0">
-                <a:solidFill>
-                  <a:schemeClr val="bg1"/>
-                </a:solidFill>
-                <a:latin typeface="Kanit"/>
-              </a:rPr>
-              <a:t>La planification </a:t>
-            </a:r>
-            <a:endParaRPr lang="fr-FR" sz="9600" b="1" dirty="0">
-              <a:solidFill>
-                <a:schemeClr val="bg1"/>
-              </a:solidFill>
-              <a:latin typeface="Kanit"/>
-            </a:endParaRPr>
-          </a:p>
-        </p:txBody>
-      </p:sp>
-      <mc:AlternateContent xmlns:mc="http://schemas.openxmlformats.org/markup-compatibility/2006">
-        <mc:Choice xmlns:pslz="http://schemas.microsoft.com/office/powerpoint/2016/slidezoom" Requires="pslz">
-          <p:graphicFrame>
-            <p:nvGraphicFramePr>
-              <p:cNvPr id="4" name="Zoom de diapositive 3">
-                <a:extLst>
-                  <a:ext uri="{FF2B5EF4-FFF2-40B4-BE49-F238E27FC236}">
-                    <a16:creationId xmlns:a16="http://schemas.microsoft.com/office/drawing/2014/main" id="{CEBF69F1-30FA-2258-988A-F24BEA82BBAC}"/>
-                  </a:ext>
-                </a:extLst>
-              </p:cNvPr>
-              <p:cNvGraphicFramePr>
-                <a:graphicFrameLocks noChangeAspect="1"/>
-              </p:cNvGraphicFramePr>
-              <p:nvPr>
-                <p:extLst>
-                  <p:ext uri="{D42A27DB-BD31-4B8C-83A1-F6EECF244321}">
-                    <p14:modId xmlns:p14="http://schemas.microsoft.com/office/powerpoint/2010/main" val="48531859"/>
-                  </p:ext>
-                </p:extLst>
-              </p:nvPr>
-            </p:nvGraphicFramePr>
-            <p:xfrm>
-              <a:off x="6475871" y="365124"/>
-              <a:ext cx="4877929" cy="2743835"/>
-            </p:xfrm>
-            <a:graphic>
-              <a:graphicData uri="http://schemas.microsoft.com/office/powerpoint/2016/slidezoom">
-                <pslz:sldZm>
-                  <pslz:sldZmObj sldId="263" cId="3108786149">
-                    <pslz:zmPr id="{A69BBE69-02A0-48DA-80C1-F6BC5A145052}" transitionDur="1000">
-                      <p166:blipFill xmlns:p166="http://schemas.microsoft.com/office/powerpoint/2016/6/main">
-                        <a:blip r:embed="rId2"/>
-                        <a:stretch>
-                          <a:fillRect/>
-                        </a:stretch>
-                      </p166:blipFill>
-                      <p166:spPr xmlns:p166="http://schemas.microsoft.com/office/powerpoint/2016/6/main">
-                        <a:xfrm>
-                          <a:off x="0" y="0"/>
-                          <a:ext cx="4877929" cy="2743835"/>
-                        </a:xfrm>
-                        <a:prstGeom prst="rect">
-                          <a:avLst/>
-                        </a:prstGeom>
-                        <a:ln w="3175">
-                          <a:solidFill>
-                            <a:prstClr val="ltGray"/>
-                          </a:solidFill>
-                        </a:ln>
-                      </p166:spPr>
-                    </pslz:zmPr>
-                  </pslz:sldZmObj>
-                </pslz:sldZm>
-              </a:graphicData>
-            </a:graphic>
-          </p:graphicFrame>
-        </mc:Choice>
-        <mc:Fallback>
-          <p:pic>
-            <p:nvPicPr>
-              <p:cNvPr id="4" name="Zoom de diapositive 3">
-                <a:hlinkClick r:id="rId3" action="ppaction://hlinksldjump"/>
-                <a:extLst>
-                  <a:ext uri="{FF2B5EF4-FFF2-40B4-BE49-F238E27FC236}">
-                    <a16:creationId xmlns:a16="http://schemas.microsoft.com/office/drawing/2014/main" id="{CEBF69F1-30FA-2258-988A-F24BEA82BBAC}"/>
-                  </a:ext>
-                </a:extLst>
-              </p:cNvPr>
-              <p:cNvPicPr>
-                <a:picLocks noGrp="1" noRot="1" noChangeAspect="1" noMove="1" noResize="1" noEditPoints="1" noAdjustHandles="1" noChangeArrowheads="1" noChangeShapeType="1"/>
-              </p:cNvPicPr>
-              <p:nvPr/>
-            </p:nvPicPr>
-            <p:blipFill>
-              <a:blip r:embed="rId2"/>
-              <a:stretch>
-                <a:fillRect/>
-              </a:stretch>
-            </p:blipFill>
-            <p:spPr>
-              <a:xfrm>
-                <a:off x="6475871" y="365124"/>
-                <a:ext cx="4877929" cy="2743835"/>
-              </a:xfrm>
-              <a:prstGeom prst="rect">
-                <a:avLst/>
-              </a:prstGeom>
-              <a:ln w="3175">
-                <a:solidFill>
-                  <a:prstClr val="ltGray"/>
-                </a:solidFill>
-              </a:ln>
-            </p:spPr>
-          </p:pic>
-        </mc:Fallback>
-      </mc:AlternateContent>
-      <p:sp>
-        <p:nvSpPr>
-          <p:cNvPr id="5" name="Titre 1">
-            <a:extLst>
-              <a:ext uri="{FF2B5EF4-FFF2-40B4-BE49-F238E27FC236}">
-                <a16:creationId xmlns:a16="http://schemas.microsoft.com/office/drawing/2014/main" id="{9CC7A3B2-00FD-A85C-CC30-28EFF2F4D5FF}"/>
-              </a:ext>
-            </a:extLst>
-          </p:cNvPr>
-          <p:cNvSpPr txBox="1">
-            <a:spLocks/>
-          </p:cNvSpPr>
-          <p:nvPr/>
-        </p:nvSpPr>
-        <p:spPr>
-          <a:xfrm>
-            <a:off x="6475871" y="3108959"/>
-            <a:ext cx="4877928" cy="640083"/>
-          </a:xfrm>
-          <a:prstGeom prst="rect">
-            <a:avLst/>
-          </a:prstGeom>
-        </p:spPr>
-        <p:txBody>
-          <a:bodyPr vert="horz" lIns="91440" tIns="45720" rIns="91440" bIns="45720" rtlCol="0" anchor="ctr">
-            <a:normAutofit/>
-          </a:bodyPr>
-          <a:lstStyle>
-            <a:lvl1pPr algn="l" defTabSz="914400" rtl="0" eaLnBrk="1" latinLnBrk="0" hangingPunct="1">
-              <a:lnSpc>
-                <a:spcPct val="90000"/>
-              </a:lnSpc>
-              <a:spcBef>
-                <a:spcPct val="0"/>
-              </a:spcBef>
-              <a:buNone/>
-              <a:defRPr sz="4400" kern="1200">
-                <a:solidFill>
-                  <a:schemeClr val="tx1"/>
-                </a:solidFill>
-                <a:latin typeface="+mj-lt"/>
-                <a:ea typeface="+mj-ea"/>
-                <a:cs typeface="+mj-cs"/>
-              </a:defRPr>
-            </a:lvl1pPr>
-          </a:lstStyle>
-          <a:p>
-            <a:pPr algn="ctr"/>
-            <a:r>
-              <a:rPr lang="fr-FR" sz="2400" dirty="0">
-                <a:solidFill>
-                  <a:schemeClr val="bg1"/>
-                </a:solidFill>
-                <a:latin typeface="Kanit ExtraLight" pitchFamily="2" charset="-34"/>
-                <a:cs typeface="Kanit ExtraLight" pitchFamily="2" charset="-34"/>
-              </a:rPr>
-              <a:t>Notre diagramme de Gantt</a:t>
-            </a:r>
-            <a:endParaRPr lang="fr-FR" dirty="0">
-              <a:solidFill>
-                <a:schemeClr val="bg1"/>
-              </a:solidFill>
-              <a:latin typeface="Kanit ExtraLight" pitchFamily="2" charset="-34"/>
-              <a:cs typeface="Kanit ExtraLight" pitchFamily="2" charset="-34"/>
-            </a:endParaRPr>
-          </a:p>
-        </p:txBody>
-      </p:sp>
-      <p:sp>
-        <p:nvSpPr>
-          <p:cNvPr id="7" name="Titre 1">
-            <a:extLst>
-              <a:ext uri="{FF2B5EF4-FFF2-40B4-BE49-F238E27FC236}">
-                <a16:creationId xmlns:a16="http://schemas.microsoft.com/office/drawing/2014/main" id="{A9AC5AA5-59F0-A2D4-59B2-5C0BE96A2E2B}"/>
-              </a:ext>
-            </a:extLst>
-          </p:cNvPr>
-          <p:cNvSpPr txBox="1">
-            <a:spLocks/>
-          </p:cNvSpPr>
-          <p:nvPr/>
-        </p:nvSpPr>
-        <p:spPr>
-          <a:xfrm>
-            <a:off x="647049" y="5959563"/>
-            <a:ext cx="4877928" cy="640083"/>
-          </a:xfrm>
-          <a:prstGeom prst="rect">
-            <a:avLst/>
-          </a:prstGeom>
-        </p:spPr>
-        <p:txBody>
-          <a:bodyPr vert="horz" lIns="91440" tIns="45720" rIns="91440" bIns="45720" rtlCol="0" anchor="ctr">
-            <a:normAutofit fontScale="92500" lnSpcReduction="20000"/>
-          </a:bodyPr>
-          <a:lstStyle>
-            <a:lvl1pPr algn="l" defTabSz="914400" rtl="0" eaLnBrk="1" latinLnBrk="0" hangingPunct="1">
-              <a:lnSpc>
-                <a:spcPct val="90000"/>
-              </a:lnSpc>
-              <a:spcBef>
-                <a:spcPct val="0"/>
-              </a:spcBef>
-              <a:buNone/>
-              <a:defRPr sz="4400" kern="1200">
-                <a:solidFill>
-                  <a:schemeClr val="tx1"/>
-                </a:solidFill>
-                <a:latin typeface="+mj-lt"/>
-                <a:ea typeface="+mj-ea"/>
-                <a:cs typeface="+mj-cs"/>
-              </a:defRPr>
-            </a:lvl1pPr>
-          </a:lstStyle>
-          <a:p>
-            <a:pPr algn="ctr"/>
-            <a:r>
-              <a:rPr lang="fr-FR" sz="2400" dirty="0">
-                <a:solidFill>
-                  <a:schemeClr val="bg1"/>
-                </a:solidFill>
-                <a:latin typeface="Kanit ExtraLight" pitchFamily="2" charset="-34"/>
-                <a:cs typeface="Kanit ExtraLight" pitchFamily="2" charset="-34"/>
-              </a:rPr>
-              <a:t>Vision globale des heures de chacun (exemple)</a:t>
-            </a:r>
-            <a:endParaRPr lang="fr-FR" dirty="0">
-              <a:solidFill>
-                <a:schemeClr val="bg1"/>
-              </a:solidFill>
-              <a:latin typeface="Kanit ExtraLight" pitchFamily="2" charset="-34"/>
-              <a:cs typeface="Kanit ExtraLight" pitchFamily="2" charset="-34"/>
-            </a:endParaRPr>
-          </a:p>
-        </p:txBody>
-      </p:sp>
-      <p:pic>
-        <p:nvPicPr>
-          <p:cNvPr id="9" name="Image 8">
-            <a:extLst>
-              <a:ext uri="{FF2B5EF4-FFF2-40B4-BE49-F238E27FC236}">
-                <a16:creationId xmlns:a16="http://schemas.microsoft.com/office/drawing/2014/main" id="{C4734E96-495A-EF05-F320-5C7F7ED3B85E}"/>
-              </a:ext>
-            </a:extLst>
-          </p:cNvPr>
-          <p:cNvPicPr>
-            <a:picLocks noChangeAspect="1"/>
-          </p:cNvPicPr>
-          <p:nvPr/>
-        </p:nvPicPr>
-        <p:blipFill>
-          <a:blip r:embed="rId4"/>
-          <a:stretch>
-            <a:fillRect/>
-          </a:stretch>
-        </p:blipFill>
-        <p:spPr>
-          <a:xfrm>
-            <a:off x="455897" y="3426677"/>
-            <a:ext cx="5260233" cy="2398048"/>
-          </a:xfrm>
-          <a:prstGeom prst="rect">
-            <a:avLst/>
-          </a:prstGeom>
-        </p:spPr>
-      </p:pic>
-      <p:pic>
-        <p:nvPicPr>
-          <p:cNvPr id="12" name="Graphique 11" descr="Plan avec un remplissage uni">
-            <a:extLst>
-              <a:ext uri="{FF2B5EF4-FFF2-40B4-BE49-F238E27FC236}">
-                <a16:creationId xmlns:a16="http://schemas.microsoft.com/office/drawing/2014/main" id="{2B5676CD-B355-A18B-2FBC-A09DDA1BE953}"/>
-              </a:ext>
-            </a:extLst>
-          </p:cNvPr>
-          <p:cNvPicPr>
-            <a:picLocks noChangeAspect="1"/>
-          </p:cNvPicPr>
-          <p:nvPr/>
-        </p:nvPicPr>
-        <p:blipFill>
-          <a:blip r:embed="rId5">
-            <a:extLst>
-              <a:ext uri="{28A0092B-C50C-407E-A947-70E740481C1C}">
-                <a14:useLocalDpi xmlns:a14="http://schemas.microsoft.com/office/drawing/2010/main" val="0"/>
-              </a:ext>
-              <a:ext uri="{96DAC541-7B7A-43D3-8B79-37D633B846F1}">
-                <asvg:svgBlip xmlns:asvg="http://schemas.microsoft.com/office/drawing/2016/SVG/main" r:embed="rId6"/>
-              </a:ext>
-            </a:extLst>
-          </a:blip>
-          <a:stretch>
-            <a:fillRect/>
-          </a:stretch>
-        </p:blipFill>
-        <p:spPr>
-          <a:xfrm>
-            <a:off x="8084126" y="4185501"/>
-            <a:ext cx="2176336" cy="2176336"/>
-          </a:xfrm>
-          <a:prstGeom prst="rect">
-            <a:avLst/>
-          </a:prstGeom>
-        </p:spPr>
-      </p:pic>
-    </p:spTree>
-    <p:extLst>
-      <p:ext uri="{BB962C8B-B14F-4D97-AF65-F5344CB8AC3E}">
-        <p14:creationId xmlns:p14="http://schemas.microsoft.com/office/powerpoint/2010/main" val="1017326091"/>
-      </p:ext>
-    </p:extLst>
-  </p:cSld>
-  <p:clrMapOvr>
-    <a:masterClrMapping/>
-  </p:clrMapOvr>
-  <p:transition spd="slow">
-    <p:push/>
-  </p:transition>
-</p:sld>
-</file>
-
-<file path=ppt/slides/slide4.xml><?xml version="1.0" encoding="utf-8"?>
-<p:sld xmlns:a="http://schemas.openxmlformats.org/drawingml/2006/main" xmlns:r="http://schemas.openxmlformats.org/officeDocument/2006/relationships" xmlns:p="http://schemas.openxmlformats.org/presentationml/2006/main">
-  <p:cSld>
-    <p:spTree>
-      <p:nvGrpSpPr>
-        <p:cNvPr id="1" name=""/>
-        <p:cNvGrpSpPr/>
-        <p:nvPr/>
-      </p:nvGrpSpPr>
-      <p:grpSpPr>
-        <a:xfrm>
-          <a:off x="0" y="0"/>
-          <a:ext cx="0" cy="0"/>
-          <a:chOff x="0" y="0"/>
-          <a:chExt cx="0" cy="0"/>
-        </a:xfrm>
-      </p:grpSpPr>
-      <p:sp>
-        <p:nvSpPr>
-          <p:cNvPr id="7" name="Rectangle 6">
-            <a:extLst>
-              <a:ext uri="{FF2B5EF4-FFF2-40B4-BE49-F238E27FC236}">
-                <a16:creationId xmlns:a16="http://schemas.microsoft.com/office/drawing/2014/main" id="{A1B745B0-F285-BA0C-9F66-378A9744198D}"/>
-              </a:ext>
-            </a:extLst>
-          </p:cNvPr>
-          <p:cNvSpPr/>
-          <p:nvPr/>
-        </p:nvSpPr>
-        <p:spPr>
-          <a:xfrm>
-            <a:off x="0" y="0"/>
-            <a:ext cx="12192000" cy="6858000"/>
-          </a:xfrm>
-          <a:prstGeom prst="rect">
-            <a:avLst/>
-          </a:prstGeom>
-          <a:gradFill flip="none" rotWithShape="1">
-            <a:gsLst>
-              <a:gs pos="0">
-                <a:srgbClr val="1C62CA">
-                  <a:alpha val="85000"/>
-                </a:srgbClr>
-              </a:gs>
-              <a:gs pos="50000">
-                <a:srgbClr val="1C62CA">
-                  <a:alpha val="85000"/>
-                </a:srgbClr>
-              </a:gs>
-              <a:gs pos="100000">
-                <a:srgbClr val="1C62CA">
-                  <a:alpha val="70000"/>
-                </a:srgbClr>
-              </a:gs>
-            </a:gsLst>
-            <a:lin ang="0" scaled="1"/>
-            <a:tileRect/>
-          </a:gradFill>
-          <a:ln>
-            <a:noFill/>
-          </a:ln>
-        </p:spPr>
-        <p:style>
-          <a:lnRef idx="2">
-            <a:schemeClr val="accent1">
-              <a:shade val="15000"/>
-            </a:schemeClr>
-          </a:lnRef>
-          <a:fillRef idx="1">
-            <a:schemeClr val="accent1"/>
-          </a:fillRef>
-          <a:effectRef idx="0">
-            <a:schemeClr val="accent1"/>
-          </a:effectRef>
-          <a:fontRef idx="minor">
-            <a:schemeClr val="lt1"/>
-          </a:fontRef>
-        </p:style>
-        <p:txBody>
-          <a:bodyPr rtlCol="0" anchor="ctr"/>
-          <a:lstStyle/>
-          <a:p>
-            <a:pPr algn="ctr"/>
-            <a:endParaRPr lang="fr-FR">
-              <a:solidFill>
-                <a:schemeClr val="bg1"/>
-              </a:solidFill>
-            </a:endParaRPr>
-          </a:p>
-        </p:txBody>
-      </p:sp>
-      <p:pic>
-        <p:nvPicPr>
-          <p:cNvPr id="5" name="Image 4">
-            <a:extLst>
-              <a:ext uri="{FF2B5EF4-FFF2-40B4-BE49-F238E27FC236}">
-                <a16:creationId xmlns:a16="http://schemas.microsoft.com/office/drawing/2014/main" id="{25BE1A43-D2FF-E42A-A4AE-E55844D6EA68}"/>
-              </a:ext>
-            </a:extLst>
-          </p:cNvPr>
-          <p:cNvPicPr>
-            <a:picLocks noChangeAspect="1"/>
-          </p:cNvPicPr>
-          <p:nvPr/>
-        </p:nvPicPr>
-        <p:blipFill>
-          <a:blip r:embed="rId2"/>
-          <a:stretch>
-            <a:fillRect/>
-          </a:stretch>
-        </p:blipFill>
-        <p:spPr>
-          <a:xfrm>
-            <a:off x="170688" y="1199601"/>
-            <a:ext cx="11850624" cy="4458797"/>
-          </a:xfrm>
-          <a:prstGeom prst="rect">
-            <a:avLst/>
-          </a:prstGeom>
-        </p:spPr>
-      </p:pic>
-    </p:spTree>
-    <p:extLst>
-      <p:ext uri="{BB962C8B-B14F-4D97-AF65-F5344CB8AC3E}">
-        <p14:creationId xmlns:p14="http://schemas.microsoft.com/office/powerpoint/2010/main" val="3108786149"/>
-      </p:ext>
-    </p:extLst>
-  </p:cSld>
-  <p:clrMapOvr>
-    <a:masterClrMapping/>
-  </p:clrMapOvr>
-  <p:transition spd="slow">
-    <p:push/>
-  </p:transition>
-</p:sld>
-</file>
-
-<file path=ppt/slides/slide5.xml><?xml version="1.0" encoding="utf-8"?>
-<p:sld xmlns:a="http://schemas.openxmlformats.org/drawingml/2006/main" xmlns:r="http://schemas.openxmlformats.org/officeDocument/2006/relationships" xmlns:p="http://schemas.openxmlformats.org/presentationml/2006/main">
-  <p:cSld>
-    <p:spTree>
-      <p:nvGrpSpPr>
-        <p:cNvPr id="1" name=""/>
-        <p:cNvGrpSpPr/>
-        <p:nvPr/>
-      </p:nvGrpSpPr>
-      <p:grpSpPr>
-        <a:xfrm>
-          <a:off x="0" y="0"/>
-          <a:ext cx="0" cy="0"/>
-          <a:chOff x="0" y="0"/>
-          <a:chExt cx="0" cy="0"/>
-        </a:xfrm>
-      </p:grpSpPr>
-      <p:sp>
-        <p:nvSpPr>
-          <p:cNvPr id="4" name="Rectangle 3">
-            <a:extLst>
-              <a:ext uri="{FF2B5EF4-FFF2-40B4-BE49-F238E27FC236}">
-                <a16:creationId xmlns:a16="http://schemas.microsoft.com/office/drawing/2014/main" id="{AFA20A97-1F56-E575-E669-07EF88036758}"/>
-              </a:ext>
-            </a:extLst>
-          </p:cNvPr>
-          <p:cNvSpPr/>
-          <p:nvPr/>
-        </p:nvSpPr>
-        <p:spPr>
-          <a:xfrm>
-            <a:off x="0" y="0"/>
-            <a:ext cx="12192000" cy="6858000"/>
-          </a:xfrm>
-          <a:prstGeom prst="rect">
-            <a:avLst/>
-          </a:prstGeom>
-          <a:gradFill flip="none" rotWithShape="1">
-            <a:gsLst>
-              <a:gs pos="0">
-                <a:srgbClr val="1C62CA">
-                  <a:alpha val="70000"/>
-                </a:srgbClr>
-              </a:gs>
-              <a:gs pos="100000">
-                <a:srgbClr val="1C62CA">
-                  <a:alpha val="60000"/>
-                </a:srgbClr>
-              </a:gs>
-            </a:gsLst>
-            <a:lin ang="0" scaled="1"/>
-            <a:tileRect/>
-          </a:gradFill>
-          <a:ln>
-            <a:noFill/>
-          </a:ln>
-        </p:spPr>
-        <p:style>
-          <a:lnRef idx="2">
-            <a:schemeClr val="accent1">
-              <a:shade val="15000"/>
-            </a:schemeClr>
-          </a:lnRef>
-          <a:fillRef idx="1">
-            <a:schemeClr val="accent1"/>
-          </a:fillRef>
-          <a:effectRef idx="0">
-            <a:schemeClr val="accent1"/>
-          </a:effectRef>
-          <a:fontRef idx="minor">
-            <a:schemeClr val="lt1"/>
-          </a:fontRef>
-        </p:style>
-        <p:txBody>
-          <a:bodyPr rtlCol="0" anchor="ctr"/>
-          <a:lstStyle/>
-          <a:p>
-            <a:pPr algn="ctr"/>
-            <a:endParaRPr lang="fr-FR">
-              <a:solidFill>
-                <a:schemeClr val="bg1"/>
-              </a:solidFill>
-            </a:endParaRPr>
-          </a:p>
-        </p:txBody>
-      </p:sp>
-      <p:sp>
-        <p:nvSpPr>
-          <p:cNvPr id="2" name="Titre 1">
-            <a:extLst>
-              <a:ext uri="{FF2B5EF4-FFF2-40B4-BE49-F238E27FC236}">
-                <a16:creationId xmlns:a16="http://schemas.microsoft.com/office/drawing/2014/main" id="{8114BE97-5E5E-1E53-88FD-90D2E6DB3BBD}"/>
-              </a:ext>
-            </a:extLst>
-          </p:cNvPr>
-          <p:cNvSpPr>
-            <a:spLocks noGrp="1"/>
-          </p:cNvSpPr>
-          <p:nvPr>
-            <p:ph type="title"/>
-          </p:nvPr>
-        </p:nvSpPr>
-        <p:spPr>
-          <a:xfrm>
-            <a:off x="5562136" y="1452466"/>
-            <a:ext cx="5951949" cy="946300"/>
-          </a:xfrm>
-        </p:spPr>
-        <p:txBody>
-          <a:bodyPr anchor="t">
-            <a:noAutofit/>
-          </a:bodyPr>
-          <a:lstStyle/>
-          <a:p>
-            <a:pPr algn="ctr"/>
-            <a:r>
-              <a:rPr lang="fr-FR" sz="6600" b="1" i="0" u="none" strike="noStrike" baseline="0" dirty="0">
-                <a:solidFill>
-                  <a:schemeClr val="bg1"/>
-                </a:solidFill>
-                <a:latin typeface="Kanit"/>
-              </a:rPr>
-              <a:t>La réalisation</a:t>
-            </a:r>
-            <a:endParaRPr lang="fr-FR" sz="16600" b="1" dirty="0">
-              <a:solidFill>
-                <a:schemeClr val="bg1"/>
-              </a:solidFill>
-              <a:latin typeface="Kanit"/>
-            </a:endParaRPr>
-          </a:p>
-        </p:txBody>
-      </p:sp>
-      <mc:AlternateContent xmlns:mc="http://schemas.openxmlformats.org/markup-compatibility/2006">
-        <mc:Choice xmlns:pslz="http://schemas.microsoft.com/office/powerpoint/2016/slidezoom" Requires="pslz">
-          <p:graphicFrame>
-            <p:nvGraphicFramePr>
-              <p:cNvPr id="6" name="Zoom de diapositive 5">
-                <a:extLst>
-                  <a:ext uri="{FF2B5EF4-FFF2-40B4-BE49-F238E27FC236}">
-                    <a16:creationId xmlns:a16="http://schemas.microsoft.com/office/drawing/2014/main" id="{F7272C02-9128-6377-36BB-366908489FA4}"/>
-                  </a:ext>
-                </a:extLst>
-              </p:cNvPr>
-              <p:cNvGraphicFramePr>
-                <a:graphicFrameLocks noChangeAspect="1"/>
-              </p:cNvGraphicFramePr>
-              <p:nvPr>
-                <p:extLst>
-                  <p:ext uri="{D42A27DB-BD31-4B8C-83A1-F6EECF244321}">
-                    <p14:modId xmlns:p14="http://schemas.microsoft.com/office/powerpoint/2010/main" val="2228506388"/>
-                  </p:ext>
-                </p:extLst>
-              </p:nvPr>
-            </p:nvGraphicFramePr>
-            <p:xfrm>
-              <a:off x="549167" y="596599"/>
-              <a:ext cx="4463802" cy="2510889"/>
-            </p:xfrm>
-            <a:graphic>
-              <a:graphicData uri="http://schemas.microsoft.com/office/powerpoint/2016/slidezoom">
-                <pslz:sldZm>
-                  <pslz:sldZmObj sldId="270" cId="851984799">
-                    <pslz:zmPr id="{2526325D-6F8F-4E2C-95B9-CF0109FC1200}" transitionDur="1000">
-                      <p166:blipFill xmlns:p166="http://schemas.microsoft.com/office/powerpoint/2016/6/main">
-                        <a:blip r:embed="rId2"/>
-                        <a:stretch>
-                          <a:fillRect/>
-                        </a:stretch>
-                      </p166:blipFill>
-                      <p166:spPr xmlns:p166="http://schemas.microsoft.com/office/powerpoint/2016/6/main">
-                        <a:xfrm>
-                          <a:off x="0" y="0"/>
-                          <a:ext cx="4463802" cy="2510889"/>
-                        </a:xfrm>
-                        <a:prstGeom prst="rect">
-                          <a:avLst/>
-                        </a:prstGeom>
-                        <a:ln w="3175">
-                          <a:solidFill>
-                            <a:prstClr val="ltGray"/>
-                          </a:solidFill>
-                        </a:ln>
-                      </p166:spPr>
-                    </pslz:zmPr>
-                  </pslz:sldZmObj>
-                </pslz:sldZm>
-              </a:graphicData>
-            </a:graphic>
-          </p:graphicFrame>
-        </mc:Choice>
-        <mc:Fallback>
-          <p:pic>
-            <p:nvPicPr>
-              <p:cNvPr id="6" name="Zoom de diapositive 5">
-                <a:hlinkClick r:id="rId3" action="ppaction://hlinksldjump"/>
-                <a:extLst>
-                  <a:ext uri="{FF2B5EF4-FFF2-40B4-BE49-F238E27FC236}">
-                    <a16:creationId xmlns:a16="http://schemas.microsoft.com/office/drawing/2014/main" id="{F7272C02-9128-6377-36BB-366908489FA4}"/>
-                  </a:ext>
-                </a:extLst>
-              </p:cNvPr>
-              <p:cNvPicPr>
-                <a:picLocks noGrp="1" noRot="1" noChangeAspect="1" noMove="1" noResize="1" noEditPoints="1" noAdjustHandles="1" noChangeArrowheads="1" noChangeShapeType="1"/>
-              </p:cNvPicPr>
-              <p:nvPr/>
-            </p:nvPicPr>
-            <p:blipFill>
-              <a:blip r:embed="rId2"/>
-              <a:stretch>
-                <a:fillRect/>
-              </a:stretch>
-            </p:blipFill>
-            <p:spPr>
-              <a:xfrm>
-                <a:off x="549167" y="596599"/>
-                <a:ext cx="4463802" cy="2510889"/>
-              </a:xfrm>
-              <a:prstGeom prst="rect">
-                <a:avLst/>
-              </a:prstGeom>
-              <a:ln w="3175">
-                <a:solidFill>
-                  <a:prstClr val="ltGray"/>
-                </a:solidFill>
-              </a:ln>
-            </p:spPr>
-          </p:pic>
-        </mc:Fallback>
-      </mc:AlternateContent>
-      <p:sp>
-        <p:nvSpPr>
-          <p:cNvPr id="7" name="Titre 1">
-            <a:extLst>
-              <a:ext uri="{FF2B5EF4-FFF2-40B4-BE49-F238E27FC236}">
-                <a16:creationId xmlns:a16="http://schemas.microsoft.com/office/drawing/2014/main" id="{7FAFC049-2163-734D-C099-8E72FBD8225F}"/>
-              </a:ext>
-            </a:extLst>
-          </p:cNvPr>
-          <p:cNvSpPr txBox="1">
-            <a:spLocks/>
-          </p:cNvSpPr>
-          <p:nvPr/>
-        </p:nvSpPr>
-        <p:spPr>
-          <a:xfrm>
-            <a:off x="549165" y="3182531"/>
-            <a:ext cx="4463803" cy="863951"/>
-          </a:xfrm>
-          <a:prstGeom prst="rect">
-            <a:avLst/>
-          </a:prstGeom>
-        </p:spPr>
-        <p:txBody>
-          <a:bodyPr vert="horz" lIns="91440" tIns="45720" rIns="91440" bIns="45720" rtlCol="0" anchor="ctr">
-            <a:normAutofit lnSpcReduction="10000"/>
-          </a:bodyPr>
-          <a:lstStyle>
-            <a:lvl1pPr algn="l" defTabSz="914400" rtl="0" eaLnBrk="1" latinLnBrk="0" hangingPunct="1">
-              <a:lnSpc>
-                <a:spcPct val="90000"/>
-              </a:lnSpc>
-              <a:spcBef>
-                <a:spcPct val="0"/>
-              </a:spcBef>
-              <a:buNone/>
-              <a:defRPr sz="4400" kern="1200">
-                <a:solidFill>
-                  <a:schemeClr val="tx1"/>
-                </a:solidFill>
-                <a:latin typeface="+mj-lt"/>
-                <a:ea typeface="+mj-ea"/>
-                <a:cs typeface="+mj-cs"/>
-              </a:defRPr>
-            </a:lvl1pPr>
-          </a:lstStyle>
-          <a:p>
-            <a:pPr algn="ctr"/>
-            <a:r>
-              <a:rPr lang="fr-FR" sz="2800" dirty="0">
-                <a:solidFill>
-                  <a:schemeClr val="bg1"/>
-                </a:solidFill>
-                <a:latin typeface="Kanit ExtraLight" pitchFamily="2" charset="-34"/>
-                <a:cs typeface="Kanit ExtraLight" pitchFamily="2" charset="-34"/>
-              </a:rPr>
-              <a:t>Notre groupe de communication Discord</a:t>
-            </a:r>
-            <a:endParaRPr lang="fr-FR" sz="4800" dirty="0">
-              <a:solidFill>
-                <a:schemeClr val="bg1"/>
-              </a:solidFill>
-              <a:latin typeface="Kanit ExtraLight" pitchFamily="2" charset="-34"/>
-              <a:cs typeface="Kanit ExtraLight" pitchFamily="2" charset="-34"/>
-            </a:endParaRPr>
-          </a:p>
-        </p:txBody>
-      </p:sp>
-      <p:pic>
-        <p:nvPicPr>
-          <p:cNvPr id="11" name="Graphique 10" descr="Cercles avec flèches avec un remplissage uni">
-            <a:extLst>
-              <a:ext uri="{FF2B5EF4-FFF2-40B4-BE49-F238E27FC236}">
-                <a16:creationId xmlns:a16="http://schemas.microsoft.com/office/drawing/2014/main" id="{650E6D6B-7B74-45CE-AF9C-3D723C987566}"/>
-              </a:ext>
-            </a:extLst>
-          </p:cNvPr>
-          <p:cNvPicPr>
-            <a:picLocks noChangeAspect="1"/>
-          </p:cNvPicPr>
-          <p:nvPr/>
-        </p:nvPicPr>
-        <p:blipFill>
-          <a:blip r:embed="rId4">
-            <a:extLst>
-              <a:ext uri="{28A0092B-C50C-407E-A947-70E740481C1C}">
-                <a14:useLocalDpi xmlns:a14="http://schemas.microsoft.com/office/drawing/2010/main" val="0"/>
-              </a:ext>
-              <a:ext uri="{96DAC541-7B7A-43D3-8B79-37D633B846F1}">
-                <asvg:svgBlip xmlns:asvg="http://schemas.microsoft.com/office/drawing/2016/SVG/main" r:embed="rId5"/>
-              </a:ext>
-            </a:extLst>
-          </a:blip>
-          <a:stretch>
-            <a:fillRect/>
-          </a:stretch>
-        </p:blipFill>
-        <p:spPr>
-          <a:xfrm>
-            <a:off x="549165" y="4359517"/>
-            <a:ext cx="2185447" cy="2185447"/>
-          </a:xfrm>
-          <a:prstGeom prst="rect">
-            <a:avLst/>
-          </a:prstGeom>
-        </p:spPr>
-      </p:pic>
-    </p:spTree>
-    <p:extLst>
-      <p:ext uri="{BB962C8B-B14F-4D97-AF65-F5344CB8AC3E}">
-        <p14:creationId xmlns:p14="http://schemas.microsoft.com/office/powerpoint/2010/main" val="708704715"/>
-      </p:ext>
-    </p:extLst>
-  </p:cSld>
-  <p:clrMapOvr>
-    <a:masterClrMapping/>
-  </p:clrMapOvr>
-  <p:transition spd="slow">
-    <p:push/>
-  </p:transition>
-</p:sld>
-</file>
-
-<file path=ppt/slides/slide6.xml><?xml version="1.0" encoding="utf-8"?>
-<p:sld xmlns:a="http://schemas.openxmlformats.org/drawingml/2006/main" xmlns:r="http://schemas.openxmlformats.org/officeDocument/2006/relationships" xmlns:p="http://schemas.openxmlformats.org/presentationml/2006/main">
-  <p:cSld>
-    <p:spTree>
-      <p:nvGrpSpPr>
-        <p:cNvPr id="1" name=""/>
-        <p:cNvGrpSpPr/>
-        <p:nvPr/>
-      </p:nvGrpSpPr>
-      <p:grpSpPr>
-        <a:xfrm>
-          <a:off x="0" y="0"/>
-          <a:ext cx="0" cy="0"/>
-          <a:chOff x="0" y="0"/>
-          <a:chExt cx="0" cy="0"/>
-        </a:xfrm>
-      </p:grpSpPr>
-      <p:pic>
-        <p:nvPicPr>
-          <p:cNvPr id="7" name="Image 6">
-            <a:extLst>
-              <a:ext uri="{FF2B5EF4-FFF2-40B4-BE49-F238E27FC236}">
-                <a16:creationId xmlns:a16="http://schemas.microsoft.com/office/drawing/2014/main" id="{60ABABDB-0BC4-E1F3-83EF-9B249ECA6DE2}"/>
-              </a:ext>
-            </a:extLst>
-          </p:cNvPr>
-          <p:cNvPicPr>
-            <a:picLocks noChangeAspect="1"/>
-          </p:cNvPicPr>
-          <p:nvPr/>
-        </p:nvPicPr>
-        <p:blipFill rotWithShape="1">
-          <a:blip r:embed="rId2"/>
-          <a:srcRect/>
-          <a:stretch/>
-        </p:blipFill>
-        <p:spPr>
-          <a:xfrm>
-            <a:off x="-5406" y="0"/>
-            <a:ext cx="12192000" cy="6858000"/>
-          </a:xfrm>
-          <a:prstGeom prst="rect">
-            <a:avLst/>
-          </a:prstGeom>
-        </p:spPr>
-      </p:pic>
-      <p:sp>
-        <p:nvSpPr>
-          <p:cNvPr id="8" name="Rectangle 7">
-            <a:extLst>
-              <a:ext uri="{FF2B5EF4-FFF2-40B4-BE49-F238E27FC236}">
-                <a16:creationId xmlns:a16="http://schemas.microsoft.com/office/drawing/2014/main" id="{ACDC0CF5-647D-C0BC-5179-6440528DD417}"/>
-              </a:ext>
-            </a:extLst>
-          </p:cNvPr>
-          <p:cNvSpPr/>
-          <p:nvPr/>
-        </p:nvSpPr>
-        <p:spPr>
-          <a:xfrm>
-            <a:off x="0" y="706755"/>
-            <a:ext cx="528320" cy="4004393"/>
-          </a:xfrm>
-          <a:prstGeom prst="rect">
-            <a:avLst/>
-          </a:prstGeom>
-          <a:solidFill>
-            <a:srgbClr val="1E1F22"/>
-          </a:solidFill>
-          <a:ln>
-            <a:noFill/>
-          </a:ln>
-        </p:spPr>
-        <p:style>
-          <a:lnRef idx="2">
-            <a:schemeClr val="accent1">
-              <a:shade val="15000"/>
-            </a:schemeClr>
-          </a:lnRef>
-          <a:fillRef idx="1">
-            <a:schemeClr val="accent1"/>
-          </a:fillRef>
-          <a:effectRef idx="0">
-            <a:schemeClr val="accent1"/>
-          </a:effectRef>
-          <a:fontRef idx="minor">
-            <a:schemeClr val="lt1"/>
-          </a:fontRef>
-        </p:style>
-        <p:txBody>
-          <a:bodyPr rtlCol="0" anchor="ctr"/>
-          <a:lstStyle/>
-          <a:p>
-            <a:pPr algn="ctr"/>
-            <a:endParaRPr lang="fr-FR"/>
-          </a:p>
-        </p:txBody>
-      </p:sp>
-      <p:sp>
-        <p:nvSpPr>
-          <p:cNvPr id="9" name="Rectangle 8">
-            <a:extLst>
-              <a:ext uri="{FF2B5EF4-FFF2-40B4-BE49-F238E27FC236}">
-                <a16:creationId xmlns:a16="http://schemas.microsoft.com/office/drawing/2014/main" id="{AA7F0387-F064-4768-CB3A-A402D16E9C01}"/>
-              </a:ext>
-            </a:extLst>
-          </p:cNvPr>
-          <p:cNvSpPr/>
-          <p:nvPr/>
-        </p:nvSpPr>
-        <p:spPr>
-          <a:xfrm>
-            <a:off x="0" y="5120640"/>
-            <a:ext cx="528320" cy="1737360"/>
-          </a:xfrm>
-          <a:prstGeom prst="rect">
-            <a:avLst/>
-          </a:prstGeom>
-          <a:solidFill>
-            <a:srgbClr val="1E1F22"/>
-          </a:solidFill>
-          <a:ln>
-            <a:noFill/>
-          </a:ln>
-        </p:spPr>
-        <p:style>
-          <a:lnRef idx="2">
-            <a:schemeClr val="accent1">
-              <a:shade val="15000"/>
-            </a:schemeClr>
-          </a:lnRef>
-          <a:fillRef idx="1">
-            <a:schemeClr val="accent1"/>
-          </a:fillRef>
-          <a:effectRef idx="0">
-            <a:schemeClr val="accent1"/>
-          </a:effectRef>
-          <a:fontRef idx="minor">
-            <a:schemeClr val="lt1"/>
-          </a:fontRef>
-        </p:style>
-        <p:txBody>
-          <a:bodyPr rtlCol="0" anchor="ctr"/>
-          <a:lstStyle/>
-          <a:p>
-            <a:pPr algn="ctr"/>
-            <a:endParaRPr lang="fr-FR"/>
-          </a:p>
-        </p:txBody>
-      </p:sp>
-      <p:sp>
-        <p:nvSpPr>
-          <p:cNvPr id="10" name="Rectangle 9">
-            <a:extLst>
-              <a:ext uri="{FF2B5EF4-FFF2-40B4-BE49-F238E27FC236}">
-                <a16:creationId xmlns:a16="http://schemas.microsoft.com/office/drawing/2014/main" id="{1CDCD5A7-714A-3B55-6FAE-8BC07F226926}"/>
-              </a:ext>
-            </a:extLst>
-          </p:cNvPr>
-          <p:cNvSpPr/>
-          <p:nvPr/>
-        </p:nvSpPr>
-        <p:spPr>
-          <a:xfrm>
-            <a:off x="528321" y="1460938"/>
-            <a:ext cx="1973142" cy="4960883"/>
-          </a:xfrm>
-          <a:prstGeom prst="rect">
-            <a:avLst/>
-          </a:prstGeom>
-          <a:noFill/>
-          <a:ln w="76200">
-            <a:solidFill>
-              <a:srgbClr val="FF0000"/>
-            </a:solidFill>
-          </a:ln>
-        </p:spPr>
-        <p:style>
-          <a:lnRef idx="2">
-            <a:schemeClr val="accent1">
-              <a:shade val="15000"/>
-            </a:schemeClr>
-          </a:lnRef>
-          <a:fillRef idx="1">
-            <a:schemeClr val="accent1"/>
-          </a:fillRef>
-          <a:effectRef idx="0">
-            <a:schemeClr val="accent1"/>
-          </a:effectRef>
-          <a:fontRef idx="minor">
-            <a:schemeClr val="lt1"/>
-          </a:fontRef>
-        </p:style>
-        <p:txBody>
-          <a:bodyPr rtlCol="0" anchor="ctr"/>
-          <a:lstStyle/>
-          <a:p>
-            <a:pPr algn="ctr"/>
-            <a:endParaRPr lang="fr-FR"/>
-          </a:p>
-        </p:txBody>
-      </p:sp>
-      <p:sp>
-        <p:nvSpPr>
-          <p:cNvPr id="11" name="ZoneTexte 10">
-            <a:extLst>
-              <a:ext uri="{FF2B5EF4-FFF2-40B4-BE49-F238E27FC236}">
-                <a16:creationId xmlns:a16="http://schemas.microsoft.com/office/drawing/2014/main" id="{51AD3265-E09B-CDC9-C8F1-0B57B2046F1D}"/>
-              </a:ext>
-            </a:extLst>
-          </p:cNvPr>
-          <p:cNvSpPr txBox="1"/>
-          <p:nvPr/>
-        </p:nvSpPr>
-        <p:spPr>
-          <a:xfrm>
-            <a:off x="386257" y="332862"/>
-            <a:ext cx="2257269" cy="923330"/>
-          </a:xfrm>
-          <a:prstGeom prst="rect">
-            <a:avLst/>
-          </a:prstGeom>
-          <a:solidFill>
-            <a:schemeClr val="bg1"/>
-          </a:solidFill>
-        </p:spPr>
-        <p:txBody>
-          <a:bodyPr wrap="square" rtlCol="0">
-            <a:spAutoFit/>
-          </a:bodyPr>
-          <a:lstStyle/>
-          <a:p>
-            <a:pPr algn="ctr"/>
-            <a:r>
-              <a:rPr lang="fr-FR" b="1" dirty="0">
-                <a:solidFill>
-                  <a:srgbClr val="FF0000"/>
-                </a:solidFill>
-                <a:latin typeface="Kanit" pitchFamily="2" charset="-34"/>
-                <a:cs typeface="Kanit" pitchFamily="2" charset="-34"/>
-              </a:rPr>
-              <a:t>Salons de communication par thèmes</a:t>
-            </a:r>
-          </a:p>
-        </p:txBody>
-      </p:sp>
-      <p:sp>
-        <p:nvSpPr>
-          <p:cNvPr id="14" name="ZoneTexte 13">
-            <a:extLst>
-              <a:ext uri="{FF2B5EF4-FFF2-40B4-BE49-F238E27FC236}">
-                <a16:creationId xmlns:a16="http://schemas.microsoft.com/office/drawing/2014/main" id="{6574B6EF-CDBF-D4EB-716C-22718EFBA158}"/>
-              </a:ext>
-            </a:extLst>
-          </p:cNvPr>
-          <p:cNvSpPr txBox="1"/>
-          <p:nvPr/>
-        </p:nvSpPr>
-        <p:spPr>
-          <a:xfrm>
-            <a:off x="10081477" y="4711148"/>
-            <a:ext cx="1973142" cy="923330"/>
-          </a:xfrm>
-          <a:prstGeom prst="rect">
-            <a:avLst/>
-          </a:prstGeom>
-          <a:solidFill>
-            <a:schemeClr val="bg1"/>
-          </a:solidFill>
-        </p:spPr>
-        <p:txBody>
-          <a:bodyPr wrap="square" rtlCol="0">
-            <a:spAutoFit/>
-          </a:bodyPr>
-          <a:lstStyle/>
-          <a:p>
-            <a:pPr algn="ctr"/>
-            <a:r>
-              <a:rPr lang="fr-FR" b="1" dirty="0">
-                <a:solidFill>
-                  <a:srgbClr val="FF0000"/>
-                </a:solidFill>
-                <a:latin typeface="Kanit" pitchFamily="2" charset="-34"/>
-                <a:cs typeface="Kanit" pitchFamily="2" charset="-34"/>
-              </a:rPr>
-              <a:t>Reconnaissance rapide des rôles de chacun</a:t>
-            </a:r>
-          </a:p>
-        </p:txBody>
-      </p:sp>
-      <p:sp>
-        <p:nvSpPr>
-          <p:cNvPr id="15" name="Rectangle 14">
-            <a:extLst>
-              <a:ext uri="{FF2B5EF4-FFF2-40B4-BE49-F238E27FC236}">
-                <a16:creationId xmlns:a16="http://schemas.microsoft.com/office/drawing/2014/main" id="{33075DEE-9B62-3F46-4D0C-769F71531CB3}"/>
-              </a:ext>
-            </a:extLst>
-          </p:cNvPr>
-          <p:cNvSpPr/>
-          <p:nvPr/>
-        </p:nvSpPr>
-        <p:spPr>
-          <a:xfrm>
-            <a:off x="10081477" y="576390"/>
-            <a:ext cx="1973142" cy="3986184"/>
-          </a:xfrm>
-          <a:prstGeom prst="rect">
-            <a:avLst/>
-          </a:prstGeom>
-          <a:noFill/>
-          <a:ln w="76200">
-            <a:solidFill>
-              <a:srgbClr val="FF0000"/>
-            </a:solidFill>
-          </a:ln>
-        </p:spPr>
-        <p:style>
-          <a:lnRef idx="2">
-            <a:schemeClr val="accent1">
-              <a:shade val="15000"/>
-            </a:schemeClr>
-          </a:lnRef>
-          <a:fillRef idx="1">
-            <a:schemeClr val="accent1"/>
-          </a:fillRef>
-          <a:effectRef idx="0">
-            <a:schemeClr val="accent1"/>
-          </a:effectRef>
-          <a:fontRef idx="minor">
-            <a:schemeClr val="lt1"/>
-          </a:fontRef>
-        </p:style>
-        <p:txBody>
-          <a:bodyPr rtlCol="0" anchor="ctr"/>
-          <a:lstStyle/>
-          <a:p>
-            <a:pPr algn="ctr"/>
-            <a:endParaRPr lang="fr-FR"/>
-          </a:p>
-        </p:txBody>
-      </p:sp>
-    </p:spTree>
-    <p:extLst>
-      <p:ext uri="{BB962C8B-B14F-4D97-AF65-F5344CB8AC3E}">
-        <p14:creationId xmlns:p14="http://schemas.microsoft.com/office/powerpoint/2010/main" val="851984799"/>
-      </p:ext>
-    </p:extLst>
-  </p:cSld>
-  <p:clrMapOvr>
-    <a:masterClrMapping/>
-  </p:clrMapOvr>
-  <p:transition spd="slow">
-    <p:push/>
-  </p:transition>
-  <p:timing>
-    <p:tnLst>
-      <p:par>
-        <p:cTn id="1" dur="indefinite" restart="never" nodeType="tmRoot">
-          <p:childTnLst>
-            <p:seq concurrent="1" nextAc="seek">
-              <p:cTn id="2" dur="indefinite" nodeType="mainSeq">
-                <p:childTnLst>
-                  <p:par>
-                    <p:cTn id="3" fill="hold">
-                      <p:stCondLst>
-                        <p:cond delay="indefinite"/>
-                      </p:stCondLst>
-                      <p:childTnLst>
-                        <p:par>
-                          <p:cTn id="4" fill="hold">
-                            <p:stCondLst>
-                              <p:cond delay="0"/>
-                            </p:stCondLst>
-                            <p:childTnLst>
-                              <p:par>
-                                <p:cTn id="5" presetID="10" presetClass="entr" presetSubtype="0" fill="hold" grpId="0" nodeType="clickEffect">
-                                  <p:stCondLst>
-                                    <p:cond delay="0"/>
-                                  </p:stCondLst>
-                                  <p:childTnLst>
-                                    <p:set>
-                                      <p:cBhvr>
-                                        <p:cTn id="6" dur="1" fill="hold">
-                                          <p:stCondLst>
-                                            <p:cond delay="0"/>
-                                          </p:stCondLst>
-                                        </p:cTn>
-                                        <p:tgtEl>
-                                          <p:spTgt spid="11"/>
-                                        </p:tgtEl>
-                                        <p:attrNameLst>
-                                          <p:attrName>style.visibility</p:attrName>
-                                        </p:attrNameLst>
-                                      </p:cBhvr>
-                                      <p:to>
-                                        <p:strVal val="visible"/>
-                                      </p:to>
-                                    </p:set>
-                                    <p:animEffect transition="in" filter="fade">
-                                      <p:cBhvr>
-                                        <p:cTn id="7" dur="500"/>
-                                        <p:tgtEl>
-                                          <p:spTgt spid="11"/>
-                                        </p:tgtEl>
-                                      </p:cBhvr>
-                                    </p:animEffect>
-                                  </p:childTnLst>
-                                </p:cTn>
-                              </p:par>
-                              <p:par>
-                                <p:cTn id="8" presetID="10" presetClass="entr" presetSubtype="0" fill="hold" grpId="0" nodeType="withEffect">
-                                  <p:stCondLst>
-                                    <p:cond delay="0"/>
-                                  </p:stCondLst>
-                                  <p:childTnLst>
-                                    <p:set>
-                                      <p:cBhvr>
-                                        <p:cTn id="9" dur="1" fill="hold">
-                                          <p:stCondLst>
-                                            <p:cond delay="0"/>
-                                          </p:stCondLst>
-                                        </p:cTn>
-                                        <p:tgtEl>
-                                          <p:spTgt spid="10"/>
-                                        </p:tgtEl>
-                                        <p:attrNameLst>
-                                          <p:attrName>style.visibility</p:attrName>
-                                        </p:attrNameLst>
-                                      </p:cBhvr>
-                                      <p:to>
-                                        <p:strVal val="visible"/>
-                                      </p:to>
-                                    </p:set>
-                                    <p:animEffect transition="in" filter="fade">
-                                      <p:cBhvr>
-                                        <p:cTn id="10" dur="500"/>
-                                        <p:tgtEl>
-                                          <p:spTgt spid="10"/>
-                                        </p:tgtEl>
-                                      </p:cBhvr>
-                                    </p:animEffect>
-                                  </p:childTnLst>
-                                </p:cTn>
-                              </p:par>
-                            </p:childTnLst>
-                          </p:cTn>
-                        </p:par>
-                      </p:childTnLst>
-                    </p:cTn>
-                  </p:par>
-                  <p:par>
-                    <p:cTn id="11" fill="hold">
-                      <p:stCondLst>
-                        <p:cond delay="indefinite"/>
-                      </p:stCondLst>
-                      <p:childTnLst>
-                        <p:par>
-                          <p:cTn id="12" fill="hold">
-                            <p:stCondLst>
-                              <p:cond delay="0"/>
-                            </p:stCondLst>
-                            <p:childTnLst>
-                              <p:par>
-                                <p:cTn id="13" presetID="10" presetClass="exit" presetSubtype="0" fill="hold" grpId="1" nodeType="clickEffect">
-                                  <p:stCondLst>
-                                    <p:cond delay="0"/>
-                                  </p:stCondLst>
-                                  <p:childTnLst>
-                                    <p:animEffect transition="out" filter="fade">
-                                      <p:cBhvr>
-                                        <p:cTn id="14" dur="500"/>
-                                        <p:tgtEl>
-                                          <p:spTgt spid="11"/>
-                                        </p:tgtEl>
-                                      </p:cBhvr>
-                                    </p:animEffect>
-                                    <p:set>
-                                      <p:cBhvr>
-                                        <p:cTn id="15" dur="1" fill="hold">
-                                          <p:stCondLst>
-                                            <p:cond delay="499"/>
-                                          </p:stCondLst>
-                                        </p:cTn>
-                                        <p:tgtEl>
-                                          <p:spTgt spid="11"/>
-                                        </p:tgtEl>
-                                        <p:attrNameLst>
-                                          <p:attrName>style.visibility</p:attrName>
-                                        </p:attrNameLst>
-                                      </p:cBhvr>
-                                      <p:to>
-                                        <p:strVal val="hidden"/>
-                                      </p:to>
-                                    </p:set>
-                                  </p:childTnLst>
-                                </p:cTn>
-                              </p:par>
-                              <p:par>
-                                <p:cTn id="16" presetID="10" presetClass="exit" presetSubtype="0" fill="hold" grpId="1" nodeType="withEffect">
-                                  <p:stCondLst>
-                                    <p:cond delay="0"/>
-                                  </p:stCondLst>
-                                  <p:childTnLst>
-                                    <p:animEffect transition="out" filter="fade">
-                                      <p:cBhvr>
-                                        <p:cTn id="17" dur="500"/>
-                                        <p:tgtEl>
-                                          <p:spTgt spid="10"/>
-                                        </p:tgtEl>
-                                      </p:cBhvr>
-                                    </p:animEffect>
-                                    <p:set>
-                                      <p:cBhvr>
-                                        <p:cTn id="18" dur="1" fill="hold">
-                                          <p:stCondLst>
-                                            <p:cond delay="499"/>
-                                          </p:stCondLst>
-                                        </p:cTn>
-                                        <p:tgtEl>
-                                          <p:spTgt spid="10"/>
-                                        </p:tgtEl>
-                                        <p:attrNameLst>
-                                          <p:attrName>style.visibility</p:attrName>
-                                        </p:attrNameLst>
-                                      </p:cBhvr>
-                                      <p:to>
-                                        <p:strVal val="hidden"/>
-                                      </p:to>
-                                    </p:set>
-                                  </p:childTnLst>
-                                </p:cTn>
-                              </p:par>
-                              <p:par>
-                                <p:cTn id="19" presetID="10" presetClass="entr" presetSubtype="0" fill="hold" grpId="0" nodeType="withEffect">
-                                  <p:stCondLst>
-                                    <p:cond delay="0"/>
-                                  </p:stCondLst>
-                                  <p:childTnLst>
-                                    <p:set>
-                                      <p:cBhvr>
-                                        <p:cTn id="20" dur="1" fill="hold">
-                                          <p:stCondLst>
-                                            <p:cond delay="0"/>
-                                          </p:stCondLst>
-                                        </p:cTn>
-                                        <p:tgtEl>
-                                          <p:spTgt spid="14"/>
-                                        </p:tgtEl>
-                                        <p:attrNameLst>
-                                          <p:attrName>style.visibility</p:attrName>
-                                        </p:attrNameLst>
-                                      </p:cBhvr>
-                                      <p:to>
-                                        <p:strVal val="visible"/>
-                                      </p:to>
-                                    </p:set>
-                                    <p:animEffect transition="in" filter="fade">
-                                      <p:cBhvr>
-                                        <p:cTn id="21" dur="500"/>
-                                        <p:tgtEl>
-                                          <p:spTgt spid="14"/>
-                                        </p:tgtEl>
-                                      </p:cBhvr>
-                                    </p:animEffect>
-                                  </p:childTnLst>
-                                </p:cTn>
-                              </p:par>
-                              <p:par>
-                                <p:cTn id="22" presetID="10" presetClass="entr" presetSubtype="0" fill="hold" grpId="0" nodeType="withEffect">
-                                  <p:stCondLst>
-                                    <p:cond delay="0"/>
-                                  </p:stCondLst>
-                                  <p:childTnLst>
-                                    <p:set>
-                                      <p:cBhvr>
-                                        <p:cTn id="23" dur="1" fill="hold">
-                                          <p:stCondLst>
-                                            <p:cond delay="0"/>
-                                          </p:stCondLst>
-                                        </p:cTn>
-                                        <p:tgtEl>
-                                          <p:spTgt spid="15"/>
-                                        </p:tgtEl>
-                                        <p:attrNameLst>
-                                          <p:attrName>style.visibility</p:attrName>
-                                        </p:attrNameLst>
-                                      </p:cBhvr>
-                                      <p:to>
-                                        <p:strVal val="visible"/>
-                                      </p:to>
-                                    </p:set>
-                                    <p:animEffect transition="in" filter="fade">
-                                      <p:cBhvr>
-                                        <p:cTn id="24" dur="500"/>
-                                        <p:tgtEl>
-                                          <p:spTgt spid="15"/>
-                                        </p:tgtEl>
-                                      </p:cBhvr>
-                                    </p:animEffect>
-                                  </p:childTnLst>
-                                </p:cTn>
-                              </p:par>
-                            </p:childTnLst>
-                          </p:cTn>
-                        </p:par>
-                      </p:childTnLst>
-                    </p:cTn>
-                  </p:par>
-                  <p:par>
-                    <p:cTn id="25" fill="hold">
-                      <p:stCondLst>
-                        <p:cond delay="indefinite"/>
-                      </p:stCondLst>
-                      <p:childTnLst>
-                        <p:par>
-                          <p:cTn id="26" fill="hold">
-                            <p:stCondLst>
-                              <p:cond delay="0"/>
-                            </p:stCondLst>
-                            <p:childTnLst>
-                              <p:par>
-                                <p:cTn id="27" presetID="10" presetClass="exit" presetSubtype="0" fill="hold" grpId="1" nodeType="clickEffect">
-                                  <p:stCondLst>
-                                    <p:cond delay="0"/>
-                                  </p:stCondLst>
-                                  <p:childTnLst>
-                                    <p:animEffect transition="out" filter="fade">
-                                      <p:cBhvr>
-                                        <p:cTn id="28" dur="500"/>
-                                        <p:tgtEl>
-                                          <p:spTgt spid="14"/>
-                                        </p:tgtEl>
-                                      </p:cBhvr>
-                                    </p:animEffect>
-                                    <p:set>
-                                      <p:cBhvr>
-                                        <p:cTn id="29" dur="1" fill="hold">
-                                          <p:stCondLst>
-                                            <p:cond delay="499"/>
-                                          </p:stCondLst>
-                                        </p:cTn>
-                                        <p:tgtEl>
-                                          <p:spTgt spid="14"/>
-                                        </p:tgtEl>
-                                        <p:attrNameLst>
-                                          <p:attrName>style.visibility</p:attrName>
-                                        </p:attrNameLst>
-                                      </p:cBhvr>
-                                      <p:to>
-                                        <p:strVal val="hidden"/>
-                                      </p:to>
-                                    </p:set>
-                                  </p:childTnLst>
-                                </p:cTn>
-                              </p:par>
-                              <p:par>
-                                <p:cTn id="30" presetID="10" presetClass="exit" presetSubtype="0" fill="hold" grpId="1" nodeType="withEffect">
-                                  <p:stCondLst>
-                                    <p:cond delay="0"/>
-                                  </p:stCondLst>
-                                  <p:childTnLst>
-                                    <p:animEffect transition="out" filter="fade">
-                                      <p:cBhvr>
-                                        <p:cTn id="31" dur="500"/>
-                                        <p:tgtEl>
-                                          <p:spTgt spid="15"/>
-                                        </p:tgtEl>
-                                      </p:cBhvr>
-                                    </p:animEffect>
-                                    <p:set>
-                                      <p:cBhvr>
-                                        <p:cTn id="32" dur="1" fill="hold">
-                                          <p:stCondLst>
-                                            <p:cond delay="499"/>
-                                          </p:stCondLst>
-                                        </p:cTn>
-                                        <p:tgtEl>
-                                          <p:spTgt spid="15"/>
-                                        </p:tgtEl>
-                                        <p:attrNameLst>
-                                          <p:attrName>style.visibility</p:attrName>
-                                        </p:attrNameLst>
-                                      </p:cBhvr>
-                                      <p:to>
-                                        <p:strVal val="hidden"/>
-                                      </p:to>
-                                    </p:set>
-                                  </p:childTnLst>
-                                </p:cTn>
-                              </p:par>
-                            </p:childTnLst>
-                          </p:cTn>
-                        </p:par>
-                      </p:childTnLst>
-                    </p:cTn>
-                  </p:par>
-                </p:childTnLst>
-              </p:cTn>
-              <p:prevCondLst>
-                <p:cond evt="onPrev" delay="0">
-                  <p:tgtEl>
-                    <p:sldTgt/>
-                  </p:tgtEl>
-                </p:cond>
-              </p:prevCondLst>
-              <p:nextCondLst>
-                <p:cond evt="onNext" delay="0">
-                  <p:tgtEl>
-                    <p:sldTgt/>
-                  </p:tgtEl>
-                </p:cond>
-              </p:nextCondLst>
-            </p:seq>
-          </p:childTnLst>
-        </p:cTn>
-      </p:par>
-    </p:tnLst>
-    <p:bldLst>
-      <p:bldP spid="10" grpId="0" animBg="1"/>
-      <p:bldP spid="10" grpId="1" animBg="1"/>
-      <p:bldP spid="11" grpId="0" animBg="1"/>
-      <p:bldP spid="11" grpId="1" animBg="1"/>
-      <p:bldP spid="14" grpId="0" animBg="1"/>
-      <p:bldP spid="14" grpId="1" animBg="1"/>
-      <p:bldP spid="15" grpId="0" animBg="1"/>
-      <p:bldP spid="15" grpId="1" animBg="1"/>
-    </p:bldLst>
-  </p:timing>
-</p:sld>
-</file>
-
-<file path=ppt/slides/slide7.xml><?xml version="1.0" encoding="utf-8"?>
-<p:sld xmlns:a="http://schemas.openxmlformats.org/drawingml/2006/main" xmlns:r="http://schemas.openxmlformats.org/officeDocument/2006/relationships" xmlns:p="http://schemas.openxmlformats.org/presentationml/2006/main">
-  <p:cSld>
-    <p:spTree>
-      <p:nvGrpSpPr>
-        <p:cNvPr id="1" name=""/>
-        <p:cNvGrpSpPr/>
-        <p:nvPr/>
-      </p:nvGrpSpPr>
-      <p:grpSpPr>
-        <a:xfrm>
-          <a:off x="0" y="0"/>
-          <a:ext cx="0" cy="0"/>
-          <a:chOff x="0" y="0"/>
-          <a:chExt cx="0" cy="0"/>
-        </a:xfrm>
-      </p:grpSpPr>
-      <p:sp>
-        <p:nvSpPr>
-          <p:cNvPr id="4" name="Rectangle 3">
-            <a:extLst>
-              <a:ext uri="{FF2B5EF4-FFF2-40B4-BE49-F238E27FC236}">
-                <a16:creationId xmlns:a16="http://schemas.microsoft.com/office/drawing/2014/main" id="{82DBE25F-23D4-E967-D9B6-1F9AD5987971}"/>
-              </a:ext>
-            </a:extLst>
-          </p:cNvPr>
-          <p:cNvSpPr/>
-          <p:nvPr/>
-        </p:nvSpPr>
-        <p:spPr>
-          <a:xfrm>
-            <a:off x="0" y="0"/>
-            <a:ext cx="12192000" cy="6858000"/>
-          </a:xfrm>
-          <a:prstGeom prst="rect">
-            <a:avLst/>
-          </a:prstGeom>
-          <a:gradFill flip="none" rotWithShape="1">
-            <a:gsLst>
-              <a:gs pos="0">
-                <a:srgbClr val="1C62CA">
-                  <a:alpha val="60000"/>
-                </a:srgbClr>
-              </a:gs>
-              <a:gs pos="100000">
-                <a:srgbClr val="1C62CA">
-                  <a:alpha val="40000"/>
-                </a:srgbClr>
-              </a:gs>
-            </a:gsLst>
-            <a:lin ang="0" scaled="1"/>
-            <a:tileRect/>
-          </a:gradFill>
-          <a:ln>
-            <a:noFill/>
-          </a:ln>
-        </p:spPr>
-        <p:style>
-          <a:lnRef idx="2">
-            <a:schemeClr val="accent1">
-              <a:shade val="15000"/>
-            </a:schemeClr>
-          </a:lnRef>
-          <a:fillRef idx="1">
-            <a:schemeClr val="accent1"/>
-          </a:fillRef>
-          <a:effectRef idx="0">
-            <a:schemeClr val="accent1"/>
-          </a:effectRef>
-          <a:fontRef idx="minor">
-            <a:schemeClr val="lt1"/>
-          </a:fontRef>
-        </p:style>
-        <p:txBody>
-          <a:bodyPr rtlCol="0" anchor="ctr"/>
-          <a:lstStyle/>
-          <a:p>
-            <a:pPr algn="ctr"/>
-            <a:endParaRPr lang="fr-FR" dirty="0">
-              <a:solidFill>
-                <a:schemeClr val="bg1"/>
-              </a:solidFill>
-            </a:endParaRPr>
-          </a:p>
-        </p:txBody>
-      </p:sp>
-      <p:sp>
-        <p:nvSpPr>
-          <p:cNvPr id="2" name="Titre 1">
-            <a:extLst>
-              <a:ext uri="{FF2B5EF4-FFF2-40B4-BE49-F238E27FC236}">
-                <a16:creationId xmlns:a16="http://schemas.microsoft.com/office/drawing/2014/main" id="{8114BE97-5E5E-1E53-88FD-90D2E6DB3BBD}"/>
-              </a:ext>
-            </a:extLst>
-          </p:cNvPr>
-          <p:cNvSpPr>
-            <a:spLocks noGrp="1"/>
-          </p:cNvSpPr>
-          <p:nvPr>
-            <p:ph type="title"/>
-          </p:nvPr>
-        </p:nvSpPr>
-        <p:spPr>
-          <a:xfrm>
-            <a:off x="3517258" y="3124200"/>
-            <a:ext cx="5385004" cy="1014984"/>
-          </a:xfrm>
-        </p:spPr>
-        <p:txBody>
-          <a:bodyPr anchor="t">
-            <a:noAutofit/>
-          </a:bodyPr>
-          <a:lstStyle/>
-          <a:p>
-            <a:pPr algn="ctr"/>
-            <a:r>
-              <a:rPr lang="fr-FR" sz="4800" b="1" i="0" u="none" strike="noStrike" baseline="0" dirty="0">
-                <a:latin typeface="Kanit"/>
-              </a:rPr>
-              <a:t>Coût humain total</a:t>
-            </a:r>
-            <a:endParaRPr lang="fr-FR" sz="4800" b="1" dirty="0">
-              <a:latin typeface="Kanit"/>
-            </a:endParaRPr>
-          </a:p>
-        </p:txBody>
-      </p:sp>
-    </p:spTree>
-    <p:extLst>
-      <p:ext uri="{BB962C8B-B14F-4D97-AF65-F5344CB8AC3E}">
-        <p14:creationId xmlns:p14="http://schemas.microsoft.com/office/powerpoint/2010/main" val="2956362599"/>
-      </p:ext>
-    </p:extLst>
-  </p:cSld>
-  <p:clrMapOvr>
-    <a:masterClrMapping/>
-  </p:clrMapOvr>
-  <p:transition spd="slow">
-    <p:push/>
-  </p:transition>
-</p:sld>
-</file>
-
-<file path=ppt/slides/slide8.xml><?xml version="1.0" encoding="utf-8"?>
-<p:sld xmlns:a="http://schemas.openxmlformats.org/drawingml/2006/main" xmlns:r="http://schemas.openxmlformats.org/officeDocument/2006/relationships" xmlns:p="http://schemas.openxmlformats.org/presentationml/2006/main">
-  <p:cSld>
-    <p:spTree>
-      <p:nvGrpSpPr>
-        <p:cNvPr id="1" name=""/>
-        <p:cNvGrpSpPr/>
-        <p:nvPr/>
-      </p:nvGrpSpPr>
-      <p:grpSpPr>
-        <a:xfrm>
-          <a:off x="0" y="0"/>
-          <a:ext cx="0" cy="0"/>
-          <a:chOff x="0" y="0"/>
-          <a:chExt cx="0" cy="0"/>
-        </a:xfrm>
-      </p:grpSpPr>
-      <p:sp>
-        <p:nvSpPr>
-          <p:cNvPr id="4" name="Rectangle 3">
-            <a:extLst>
-              <a:ext uri="{FF2B5EF4-FFF2-40B4-BE49-F238E27FC236}">
-                <a16:creationId xmlns:a16="http://schemas.microsoft.com/office/drawing/2014/main" id="{D6EE3EAF-BB88-7662-7678-E30EA161162E}"/>
-              </a:ext>
-            </a:extLst>
-          </p:cNvPr>
-          <p:cNvSpPr/>
-          <p:nvPr/>
-        </p:nvSpPr>
-        <p:spPr>
-          <a:xfrm>
-            <a:off x="0" y="0"/>
-            <a:ext cx="12192000" cy="6858000"/>
-          </a:xfrm>
-          <a:prstGeom prst="rect">
-            <a:avLst/>
-          </a:prstGeom>
-          <a:gradFill flip="none" rotWithShape="1">
-            <a:gsLst>
-              <a:gs pos="0">
-                <a:srgbClr val="1C62CA">
-                  <a:alpha val="40000"/>
-                </a:srgbClr>
-              </a:gs>
-              <a:gs pos="100000">
-                <a:srgbClr val="1C62CA">
-                  <a:alpha val="0"/>
-                </a:srgbClr>
-              </a:gs>
-            </a:gsLst>
-            <a:lin ang="0" scaled="1"/>
-            <a:tileRect/>
-          </a:gradFill>
-          <a:ln>
-            <a:noFill/>
-          </a:ln>
-        </p:spPr>
-        <p:style>
-          <a:lnRef idx="2">
-            <a:schemeClr val="accent1">
-              <a:shade val="15000"/>
-            </a:schemeClr>
-          </a:lnRef>
-          <a:fillRef idx="1">
-            <a:schemeClr val="accent1"/>
-          </a:fillRef>
-          <a:effectRef idx="0">
-            <a:schemeClr val="accent1"/>
-          </a:effectRef>
-          <a:fontRef idx="minor">
-            <a:schemeClr val="lt1"/>
-          </a:fontRef>
-        </p:style>
-        <p:txBody>
-          <a:bodyPr rtlCol="0" anchor="ctr"/>
-          <a:lstStyle/>
-          <a:p>
-            <a:pPr algn="ctr"/>
-            <a:endParaRPr lang="fr-FR">
-              <a:solidFill>
-                <a:schemeClr val="bg1"/>
-              </a:solidFill>
-            </a:endParaRPr>
-          </a:p>
-        </p:txBody>
-      </p:sp>
-      <p:sp>
-        <p:nvSpPr>
-          <p:cNvPr id="2" name="Titre 1">
-            <a:extLst>
-              <a:ext uri="{FF2B5EF4-FFF2-40B4-BE49-F238E27FC236}">
-                <a16:creationId xmlns:a16="http://schemas.microsoft.com/office/drawing/2014/main" id="{8114BE97-5E5E-1E53-88FD-90D2E6DB3BBD}"/>
-              </a:ext>
-            </a:extLst>
-          </p:cNvPr>
-          <p:cNvSpPr>
-            <a:spLocks noGrp="1"/>
-          </p:cNvSpPr>
-          <p:nvPr>
-            <p:ph type="title"/>
-          </p:nvPr>
-        </p:nvSpPr>
-        <p:spPr>
-          <a:xfrm>
-            <a:off x="3965494" y="1041963"/>
-            <a:ext cx="4261010" cy="1014984"/>
-          </a:xfrm>
-        </p:spPr>
-        <p:txBody>
-          <a:bodyPr anchor="t">
-            <a:noAutofit/>
-          </a:bodyPr>
-          <a:lstStyle/>
-          <a:p>
-            <a:pPr algn="ctr"/>
-            <a:r>
-              <a:rPr lang="fr-FR" sz="7200" b="1" i="0" u="none" strike="noStrike" baseline="0" dirty="0">
-                <a:latin typeface="Kanit"/>
-              </a:rPr>
-              <a:t>Bilan</a:t>
-            </a:r>
-            <a:endParaRPr lang="fr-FR" sz="7200" b="1" dirty="0">
-              <a:latin typeface="Kanit"/>
-            </a:endParaRPr>
-          </a:p>
-        </p:txBody>
-      </p:sp>
-      <mc:AlternateContent xmlns:mc="http://schemas.openxmlformats.org/markup-compatibility/2006">
-        <mc:Choice xmlns:pslz="http://schemas.microsoft.com/office/powerpoint/2016/slidezoom" Requires="pslz">
-          <p:graphicFrame>
-            <p:nvGraphicFramePr>
-              <p:cNvPr id="6" name="Zoom de diapositive 5">
-                <a:extLst>
-                  <a:ext uri="{FF2B5EF4-FFF2-40B4-BE49-F238E27FC236}">
-                    <a16:creationId xmlns:a16="http://schemas.microsoft.com/office/drawing/2014/main" id="{32E826B6-45C8-34B2-FC0B-D1889CC0102A}"/>
-                  </a:ext>
-                </a:extLst>
-              </p:cNvPr>
-              <p:cNvGraphicFramePr>
-                <a:graphicFrameLocks noChangeAspect="1"/>
-              </p:cNvGraphicFramePr>
-              <p:nvPr>
-                <p:extLst>
-                  <p:ext uri="{D42A27DB-BD31-4B8C-83A1-F6EECF244321}">
-                    <p14:modId xmlns:p14="http://schemas.microsoft.com/office/powerpoint/2010/main" val="1196932741"/>
-                  </p:ext>
-                </p:extLst>
-              </p:nvPr>
-            </p:nvGraphicFramePr>
-            <p:xfrm>
-              <a:off x="4364058" y="2531349"/>
-              <a:ext cx="3463883" cy="1948434"/>
-            </p:xfrm>
-            <a:graphic>
-              <a:graphicData uri="http://schemas.microsoft.com/office/powerpoint/2016/slidezoom">
-                <pslz:sldZm>
-                  <pslz:sldZmObj sldId="267" cId="3315214436">
-                    <pslz:zmPr id="{2A819057-0BA4-4C6B-9747-11C9C10DC49A}" returnToParent="0" transitionDur="1000">
-                      <p166:blipFill xmlns:p166="http://schemas.microsoft.com/office/powerpoint/2016/6/main">
-                        <a:blip r:embed="rId2"/>
-                        <a:stretch>
-                          <a:fillRect/>
-                        </a:stretch>
-                      </p166:blipFill>
-                      <p166:spPr xmlns:p166="http://schemas.microsoft.com/office/powerpoint/2016/6/main">
-                        <a:xfrm>
-                          <a:off x="0" y="0"/>
-                          <a:ext cx="3463883" cy="1948434"/>
-                        </a:xfrm>
-                        <a:prstGeom prst="rect">
-                          <a:avLst/>
-                        </a:prstGeom>
-                        <a:ln w="3175">
-                          <a:solidFill>
-                            <a:prstClr val="ltGray"/>
-                          </a:solidFill>
-                        </a:ln>
-                      </p166:spPr>
-                    </pslz:zmPr>
-                  </pslz:sldZmObj>
-                </pslz:sldZm>
-              </a:graphicData>
-            </a:graphic>
-          </p:graphicFrame>
-        </mc:Choice>
-        <mc:Fallback>
-          <p:pic>
-            <p:nvPicPr>
-              <p:cNvPr id="6" name="Zoom de diapositive 5">
-                <a:hlinkClick r:id="rId3" action="ppaction://hlinksldjump"/>
-                <a:extLst>
-                  <a:ext uri="{FF2B5EF4-FFF2-40B4-BE49-F238E27FC236}">
-                    <a16:creationId xmlns:a16="http://schemas.microsoft.com/office/drawing/2014/main" id="{32E826B6-45C8-34B2-FC0B-D1889CC0102A}"/>
-                  </a:ext>
-                </a:extLst>
-              </p:cNvPr>
-              <p:cNvPicPr>
-                <a:picLocks noGrp="1" noRot="1" noChangeAspect="1" noMove="1" noResize="1" noEditPoints="1" noAdjustHandles="1" noChangeArrowheads="1" noChangeShapeType="1"/>
-              </p:cNvPicPr>
-              <p:nvPr/>
-            </p:nvPicPr>
-            <p:blipFill>
-              <a:blip r:embed="rId2"/>
-              <a:stretch>
-                <a:fillRect/>
-              </a:stretch>
-            </p:blipFill>
-            <p:spPr>
-              <a:xfrm>
-                <a:off x="4364058" y="2531349"/>
-                <a:ext cx="3463883" cy="1948434"/>
-              </a:xfrm>
-              <a:prstGeom prst="rect">
-                <a:avLst/>
-              </a:prstGeom>
-              <a:ln w="3175">
-                <a:solidFill>
-                  <a:prstClr val="ltGray"/>
-                </a:solidFill>
-              </a:ln>
-            </p:spPr>
-          </p:pic>
-        </mc:Fallback>
-      </mc:AlternateContent>
-      <mc:AlternateContent xmlns:mc="http://schemas.openxmlformats.org/markup-compatibility/2006">
-        <mc:Choice xmlns:pslz="http://schemas.microsoft.com/office/powerpoint/2016/slidezoom" Requires="pslz">
-          <p:graphicFrame>
-            <p:nvGraphicFramePr>
-              <p:cNvPr id="8" name="Zoom de diapositive 7">
-                <a:extLst>
-                  <a:ext uri="{FF2B5EF4-FFF2-40B4-BE49-F238E27FC236}">
-                    <a16:creationId xmlns:a16="http://schemas.microsoft.com/office/drawing/2014/main" id="{E7626C8D-07B1-504C-34FD-6754F79AC9AF}"/>
-                  </a:ext>
-                </a:extLst>
-              </p:cNvPr>
-              <p:cNvGraphicFramePr>
-                <a:graphicFrameLocks noChangeAspect="1"/>
-              </p:cNvGraphicFramePr>
-              <p:nvPr>
-                <p:extLst>
-                  <p:ext uri="{D42A27DB-BD31-4B8C-83A1-F6EECF244321}">
-                    <p14:modId xmlns:p14="http://schemas.microsoft.com/office/powerpoint/2010/main" val="2050076613"/>
-                  </p:ext>
-                </p:extLst>
-              </p:nvPr>
-            </p:nvGraphicFramePr>
-            <p:xfrm>
-              <a:off x="450088" y="2531349"/>
-              <a:ext cx="3463883" cy="1948434"/>
-            </p:xfrm>
-            <a:graphic>
-              <a:graphicData uri="http://schemas.microsoft.com/office/powerpoint/2016/slidezoom">
-                <pslz:sldZm>
-                  <pslz:sldZmObj sldId="268" cId="1818274042">
-                    <pslz:zmPr id="{FB389DD0-12C0-426B-814D-32E19546F054}" returnToParent="0" transitionDur="1000">
-                      <p166:blipFill xmlns:p166="http://schemas.microsoft.com/office/powerpoint/2016/6/main">
-                        <a:blip r:embed="rId4"/>
-                        <a:stretch>
-                          <a:fillRect/>
-                        </a:stretch>
-                      </p166:blipFill>
-                      <p166:spPr xmlns:p166="http://schemas.microsoft.com/office/powerpoint/2016/6/main">
-                        <a:xfrm>
-                          <a:off x="0" y="0"/>
-                          <a:ext cx="3463883" cy="1948434"/>
-                        </a:xfrm>
-                        <a:prstGeom prst="rect">
-                          <a:avLst/>
-                        </a:prstGeom>
-                        <a:ln w="3175">
-                          <a:solidFill>
-                            <a:prstClr val="ltGray"/>
-                          </a:solidFill>
-                        </a:ln>
-                      </p166:spPr>
-                    </pslz:zmPr>
-                  </pslz:sldZmObj>
-                </pslz:sldZm>
-              </a:graphicData>
-            </a:graphic>
-          </p:graphicFrame>
-        </mc:Choice>
-        <mc:Fallback>
-          <p:pic>
-            <p:nvPicPr>
-              <p:cNvPr id="8" name="Zoom de diapositive 7">
-                <a:hlinkClick r:id="rId5" action="ppaction://hlinksldjump"/>
-                <a:extLst>
-                  <a:ext uri="{FF2B5EF4-FFF2-40B4-BE49-F238E27FC236}">
-                    <a16:creationId xmlns:a16="http://schemas.microsoft.com/office/drawing/2014/main" id="{E7626C8D-07B1-504C-34FD-6754F79AC9AF}"/>
-                  </a:ext>
-                </a:extLst>
-              </p:cNvPr>
-              <p:cNvPicPr>
-                <a:picLocks noGrp="1" noRot="1" noChangeAspect="1" noMove="1" noResize="1" noEditPoints="1" noAdjustHandles="1" noChangeArrowheads="1" noChangeShapeType="1"/>
-              </p:cNvPicPr>
-              <p:nvPr/>
-            </p:nvPicPr>
-            <p:blipFill>
-              <a:blip r:embed="rId4"/>
-              <a:stretch>
-                <a:fillRect/>
-              </a:stretch>
-            </p:blipFill>
-            <p:spPr>
-              <a:xfrm>
-                <a:off x="450088" y="2531349"/>
-                <a:ext cx="3463883" cy="1948434"/>
-              </a:xfrm>
-              <a:prstGeom prst="rect">
-                <a:avLst/>
-              </a:prstGeom>
-              <a:ln w="3175">
-                <a:solidFill>
-                  <a:prstClr val="ltGray"/>
-                </a:solidFill>
-              </a:ln>
-            </p:spPr>
-          </p:pic>
-        </mc:Fallback>
-      </mc:AlternateContent>
-      <mc:AlternateContent xmlns:mc="http://schemas.openxmlformats.org/markup-compatibility/2006">
-        <mc:Choice xmlns:pslz="http://schemas.microsoft.com/office/powerpoint/2016/slidezoom" Requires="pslz">
-          <p:graphicFrame>
-            <p:nvGraphicFramePr>
-              <p:cNvPr id="10" name="Zoom de diapositive 9">
-                <a:extLst>
-                  <a:ext uri="{FF2B5EF4-FFF2-40B4-BE49-F238E27FC236}">
-                    <a16:creationId xmlns:a16="http://schemas.microsoft.com/office/drawing/2014/main" id="{75CE6397-66B7-3D57-87A3-81687CB9DBB7}"/>
-                  </a:ext>
-                </a:extLst>
-              </p:cNvPr>
-              <p:cNvGraphicFramePr>
-                <a:graphicFrameLocks noChangeAspect="1"/>
-              </p:cNvGraphicFramePr>
-              <p:nvPr>
-                <p:extLst>
-                  <p:ext uri="{D42A27DB-BD31-4B8C-83A1-F6EECF244321}">
-                    <p14:modId xmlns:p14="http://schemas.microsoft.com/office/powerpoint/2010/main" val="3822437008"/>
-                  </p:ext>
-                </p:extLst>
-              </p:nvPr>
-            </p:nvGraphicFramePr>
-            <p:xfrm>
-              <a:off x="8278029" y="2531349"/>
-              <a:ext cx="3463883" cy="1948434"/>
-            </p:xfrm>
-            <a:graphic>
-              <a:graphicData uri="http://schemas.microsoft.com/office/powerpoint/2016/slidezoom">
-                <pslz:sldZm>
-                  <pslz:sldZmObj sldId="269" cId="2062808289">
-                    <pslz:zmPr id="{CEC41685-C41F-415F-B89C-D9089C3A892E}" returnToParent="0" transitionDur="1000">
-                      <p166:blipFill xmlns:p166="http://schemas.microsoft.com/office/powerpoint/2016/6/main">
-                        <a:blip r:embed="rId6"/>
-                        <a:stretch>
-                          <a:fillRect/>
-                        </a:stretch>
-                      </p166:blipFill>
-                      <p166:spPr xmlns:p166="http://schemas.microsoft.com/office/powerpoint/2016/6/main">
-                        <a:xfrm>
-                          <a:off x="0" y="0"/>
-                          <a:ext cx="3463883" cy="1948434"/>
-                        </a:xfrm>
-                        <a:prstGeom prst="rect">
-                          <a:avLst/>
-                        </a:prstGeom>
-                        <a:ln w="3175">
-                          <a:solidFill>
-                            <a:prstClr val="ltGray"/>
-                          </a:solidFill>
-                        </a:ln>
-                      </p166:spPr>
-                    </pslz:zmPr>
-                  </pslz:sldZmObj>
-                </pslz:sldZm>
-              </a:graphicData>
-            </a:graphic>
-          </p:graphicFrame>
-        </mc:Choice>
-        <mc:Fallback>
-          <p:pic>
-            <p:nvPicPr>
-              <p:cNvPr id="10" name="Zoom de diapositive 9">
-                <a:hlinkClick r:id="rId7" action="ppaction://hlinksldjump"/>
-                <a:extLst>
-                  <a:ext uri="{FF2B5EF4-FFF2-40B4-BE49-F238E27FC236}">
-                    <a16:creationId xmlns:a16="http://schemas.microsoft.com/office/drawing/2014/main" id="{75CE6397-66B7-3D57-87A3-81687CB9DBB7}"/>
-                  </a:ext>
-                </a:extLst>
-              </p:cNvPr>
-              <p:cNvPicPr>
-                <a:picLocks noGrp="1" noRot="1" noChangeAspect="1" noMove="1" noResize="1" noEditPoints="1" noAdjustHandles="1" noChangeArrowheads="1" noChangeShapeType="1"/>
-              </p:cNvPicPr>
-              <p:nvPr/>
-            </p:nvPicPr>
-            <p:blipFill>
-              <a:blip r:embed="rId6"/>
-              <a:stretch>
-                <a:fillRect/>
-              </a:stretch>
-            </p:blipFill>
-            <p:spPr>
-              <a:xfrm>
-                <a:off x="8278029" y="2531349"/>
-                <a:ext cx="3463883" cy="1948434"/>
-              </a:xfrm>
-              <a:prstGeom prst="rect">
-                <a:avLst/>
-              </a:prstGeom>
-              <a:ln w="3175">
-                <a:solidFill>
-                  <a:prstClr val="ltGray"/>
-                </a:solidFill>
-              </a:ln>
-            </p:spPr>
-          </p:pic>
-        </mc:Fallback>
-      </mc:AlternateContent>
-    </p:spTree>
-    <p:extLst>
-      <p:ext uri="{BB962C8B-B14F-4D97-AF65-F5344CB8AC3E}">
-        <p14:creationId xmlns:p14="http://schemas.microsoft.com/office/powerpoint/2010/main" val="715110297"/>
-      </p:ext>
-    </p:extLst>
-  </p:cSld>
-  <p:clrMapOvr>
-    <a:masterClrMapping/>
-  </p:clrMapOvr>
-  <p:transition spd="slow">
-    <p:push/>
-  </p:transition>
-</p:sld>
-</file>
-
-<file path=ppt/slides/slide9.xml><?xml version="1.0" encoding="utf-8"?>
-<p:sld xmlns:a="http://schemas.openxmlformats.org/drawingml/2006/main" xmlns:r="http://schemas.openxmlformats.org/officeDocument/2006/relationships" xmlns:p="http://schemas.openxmlformats.org/presentationml/2006/main">
-  <p:cSld>
-    <p:spTree>
-      <p:nvGrpSpPr>
-        <p:cNvPr id="1" name=""/>
-        <p:cNvGrpSpPr/>
-        <p:nvPr/>
-      </p:nvGrpSpPr>
-      <p:grpSpPr>
-        <a:xfrm>
-          <a:off x="0" y="0"/>
-          <a:ext cx="0" cy="0"/>
-          <a:chOff x="0" y="0"/>
-          <a:chExt cx="0" cy="0"/>
-        </a:xfrm>
-      </p:grpSpPr>
-      <p:sp>
-        <p:nvSpPr>
-          <p:cNvPr id="2" name="Titre 1">
-            <a:extLst>
-              <a:ext uri="{FF2B5EF4-FFF2-40B4-BE49-F238E27FC236}">
-                <a16:creationId xmlns:a16="http://schemas.microsoft.com/office/drawing/2014/main" id="{4A20927B-B9F9-A7AD-BCFF-01E32E6E0228}"/>
-              </a:ext>
-            </a:extLst>
-          </p:cNvPr>
-          <p:cNvSpPr>
-            <a:spLocks noGrp="1"/>
-          </p:cNvSpPr>
-          <p:nvPr>
-            <p:ph type="title"/>
-          </p:nvPr>
-        </p:nvSpPr>
-        <p:spPr/>
-        <p:txBody>
-          <a:bodyPr/>
-          <a:lstStyle/>
-          <a:p>
-            <a:r>
-              <a:rPr lang="fr-FR" dirty="0">
-                <a:latin typeface="Kanit" pitchFamily="2" charset="-34"/>
-                <a:ea typeface="Kigelia" panose="020B0502040204020203" pitchFamily="34" charset="0"/>
-                <a:cs typeface="Kanit" pitchFamily="2" charset="-34"/>
-              </a:rPr>
-              <a:t>Réussites</a:t>
-            </a:r>
-          </a:p>
-        </p:txBody>
-      </p:sp>
-    </p:spTree>
-    <p:extLst>
-      <p:ext uri="{BB962C8B-B14F-4D97-AF65-F5344CB8AC3E}">
-        <p14:creationId xmlns:p14="http://schemas.microsoft.com/office/powerpoint/2010/main" val="3315214436"/>
+        <p14:creationId xmlns:p14="http://schemas.microsoft.com/office/powerpoint/2010/main" val="2930824741"/>
       </p:ext>
     </p:extLst>
   </p:cSld>
@@ -6650,6 +8710,321 @@
 </a:theme>
 </file>
 
+<file path=ppt/theme/theme2.xml><?xml version="1.0" encoding="utf-8"?>
+<a:theme xmlns:a="http://schemas.openxmlformats.org/drawingml/2006/main" name="Thème Office">
+  <a:themeElements>
+    <a:clrScheme name="Office">
+      <a:dk1>
+        <a:sysClr val="windowText" lastClr="000000"/>
+      </a:dk1>
+      <a:lt1>
+        <a:sysClr val="window" lastClr="FFFFFF"/>
+      </a:lt1>
+      <a:dk2>
+        <a:srgbClr val="0E2841"/>
+      </a:dk2>
+      <a:lt2>
+        <a:srgbClr val="E8E8E8"/>
+      </a:lt2>
+      <a:accent1>
+        <a:srgbClr val="156082"/>
+      </a:accent1>
+      <a:accent2>
+        <a:srgbClr val="E97132"/>
+      </a:accent2>
+      <a:accent3>
+        <a:srgbClr val="196B24"/>
+      </a:accent3>
+      <a:accent4>
+        <a:srgbClr val="0F9ED5"/>
+      </a:accent4>
+      <a:accent5>
+        <a:srgbClr val="A02B93"/>
+      </a:accent5>
+      <a:accent6>
+        <a:srgbClr val="4EA72E"/>
+      </a:accent6>
+      <a:hlink>
+        <a:srgbClr val="467886"/>
+      </a:hlink>
+      <a:folHlink>
+        <a:srgbClr val="96607D"/>
+      </a:folHlink>
+    </a:clrScheme>
+    <a:fontScheme name="Office">
+      <a:majorFont>
+        <a:latin typeface="Aptos Display" panose="02110004020202020204"/>
+        <a:ea typeface=""/>
+        <a:cs typeface=""/>
+        <a:font script="Jpan" typeface="游ゴシック Light"/>
+        <a:font script="Hang" typeface="맑은 고딕"/>
+        <a:font script="Hans" typeface="等线 Light"/>
+        <a:font script="Hant" typeface="新細明體"/>
+        <a:font script="Arab" typeface="Times New Roman"/>
+        <a:font script="Hebr" typeface="Times New Roman"/>
+        <a:font script="Thai" typeface="Angsana New"/>
+        <a:font script="Ethi" typeface="Nyala"/>
+        <a:font script="Beng" typeface="Vrinda"/>
+        <a:font script="Gujr" typeface="Shruti"/>
+        <a:font script="Khmr" typeface="MoolBoran"/>
+        <a:font script="Knda" typeface="Tunga"/>
+        <a:font script="Guru" typeface="Raavi"/>
+        <a:font script="Cans" typeface="Euphemia"/>
+        <a:font script="Cher" typeface="Plantagenet Cherokee"/>
+        <a:font script="Yiii" typeface="Microsoft Yi Baiti"/>
+        <a:font script="Tibt" typeface="Microsoft Himalaya"/>
+        <a:font script="Thaa" typeface="MV Boli"/>
+        <a:font script="Deva" typeface="Mangal"/>
+        <a:font script="Telu" typeface="Gautami"/>
+        <a:font script="Taml" typeface="Latha"/>
+        <a:font script="Syrc" typeface="Estrangelo Edessa"/>
+        <a:font script="Orya" typeface="Kalinga"/>
+        <a:font script="Mlym" typeface="Kartika"/>
+        <a:font script="Laoo" typeface="DokChampa"/>
+        <a:font script="Sinh" typeface="Iskoola Pota"/>
+        <a:font script="Mong" typeface="Mongolian Baiti"/>
+        <a:font script="Viet" typeface="Times New Roman"/>
+        <a:font script="Uigh" typeface="Microsoft Uighur"/>
+        <a:font script="Geor" typeface="Sylfaen"/>
+        <a:font script="Armn" typeface="Arial"/>
+        <a:font script="Bugi" typeface="Leelawadee UI"/>
+        <a:font script="Bopo" typeface="Microsoft JhengHei"/>
+        <a:font script="Java" typeface="Javanese Text"/>
+        <a:font script="Lisu" typeface="Segoe UI"/>
+        <a:font script="Mymr" typeface="Myanmar Text"/>
+        <a:font script="Nkoo" typeface="Ebrima"/>
+        <a:font script="Olck" typeface="Nirmala UI"/>
+        <a:font script="Osma" typeface="Ebrima"/>
+        <a:font script="Phag" typeface="Phagspa"/>
+        <a:font script="Syrn" typeface="Estrangelo Edessa"/>
+        <a:font script="Syrj" typeface="Estrangelo Edessa"/>
+        <a:font script="Syre" typeface="Estrangelo Edessa"/>
+        <a:font script="Sora" typeface="Nirmala UI"/>
+        <a:font script="Tale" typeface="Microsoft Tai Le"/>
+        <a:font script="Talu" typeface="Microsoft New Tai Lue"/>
+        <a:font script="Tfng" typeface="Ebrima"/>
+      </a:majorFont>
+      <a:minorFont>
+        <a:latin typeface="Aptos" panose="02110004020202020204"/>
+        <a:ea typeface=""/>
+        <a:cs typeface=""/>
+        <a:font script="Jpan" typeface="游ゴシック"/>
+        <a:font script="Hang" typeface="맑은 고딕"/>
+        <a:font script="Hans" typeface="等线"/>
+        <a:font script="Hant" typeface="新細明體"/>
+        <a:font script="Arab" typeface="Arial"/>
+        <a:font script="Hebr" typeface="Arial"/>
+        <a:font script="Thai" typeface="Cordia New"/>
+        <a:font script="Ethi" typeface="Nyala"/>
+        <a:font script="Beng" typeface="Vrinda"/>
+        <a:font script="Gujr" typeface="Shruti"/>
+        <a:font script="Khmr" typeface="DaunPenh"/>
+        <a:font script="Knda" typeface="Tunga"/>
+        <a:font script="Guru" typeface="Raavi"/>
+        <a:font script="Cans" typeface="Euphemia"/>
+        <a:font script="Cher" typeface="Plantagenet Cherokee"/>
+        <a:font script="Yiii" typeface="Microsoft Yi Baiti"/>
+        <a:font script="Tibt" typeface="Microsoft Himalaya"/>
+        <a:font script="Thaa" typeface="MV Boli"/>
+        <a:font script="Deva" typeface="Mangal"/>
+        <a:font script="Telu" typeface="Gautami"/>
+        <a:font script="Taml" typeface="Latha"/>
+        <a:font script="Syrc" typeface="Estrangelo Edessa"/>
+        <a:font script="Orya" typeface="Kalinga"/>
+        <a:font script="Mlym" typeface="Kartika"/>
+        <a:font script="Laoo" typeface="DokChampa"/>
+        <a:font script="Sinh" typeface="Iskoola Pota"/>
+        <a:font script="Mong" typeface="Mongolian Baiti"/>
+        <a:font script="Viet" typeface="Arial"/>
+        <a:font script="Uigh" typeface="Microsoft Uighur"/>
+        <a:font script="Geor" typeface="Sylfaen"/>
+        <a:font script="Armn" typeface="Arial"/>
+        <a:font script="Bugi" typeface="Leelawadee UI"/>
+        <a:font script="Bopo" typeface="Microsoft JhengHei"/>
+        <a:font script="Java" typeface="Javanese Text"/>
+        <a:font script="Lisu" typeface="Segoe UI"/>
+        <a:font script="Mymr" typeface="Myanmar Text"/>
+        <a:font script="Nkoo" typeface="Ebrima"/>
+        <a:font script="Olck" typeface="Nirmala UI"/>
+        <a:font script="Osma" typeface="Ebrima"/>
+        <a:font script="Phag" typeface="Phagspa"/>
+        <a:font script="Syrn" typeface="Estrangelo Edessa"/>
+        <a:font script="Syrj" typeface="Estrangelo Edessa"/>
+        <a:font script="Syre" typeface="Estrangelo Edessa"/>
+        <a:font script="Sora" typeface="Nirmala UI"/>
+        <a:font script="Tale" typeface="Microsoft Tai Le"/>
+        <a:font script="Talu" typeface="Microsoft New Tai Lue"/>
+        <a:font script="Tfng" typeface="Ebrima"/>
+      </a:minorFont>
+    </a:fontScheme>
+    <a:fmtScheme name="Office">
+      <a:fillStyleLst>
+        <a:solidFill>
+          <a:schemeClr val="phClr"/>
+        </a:solidFill>
+        <a:gradFill rotWithShape="1">
+          <a:gsLst>
+            <a:gs pos="0">
+              <a:schemeClr val="phClr">
+                <a:lumMod val="110000"/>
+                <a:satMod val="105000"/>
+                <a:tint val="67000"/>
+              </a:schemeClr>
+            </a:gs>
+            <a:gs pos="50000">
+              <a:schemeClr val="phClr">
+                <a:lumMod val="105000"/>
+                <a:satMod val="103000"/>
+                <a:tint val="73000"/>
+              </a:schemeClr>
+            </a:gs>
+            <a:gs pos="100000">
+              <a:schemeClr val="phClr">
+                <a:lumMod val="105000"/>
+                <a:satMod val="109000"/>
+                <a:tint val="81000"/>
+              </a:schemeClr>
+            </a:gs>
+          </a:gsLst>
+          <a:lin ang="5400000" scaled="0"/>
+        </a:gradFill>
+        <a:gradFill rotWithShape="1">
+          <a:gsLst>
+            <a:gs pos="0">
+              <a:schemeClr val="phClr">
+                <a:satMod val="103000"/>
+                <a:lumMod val="102000"/>
+                <a:tint val="94000"/>
+              </a:schemeClr>
+            </a:gs>
+            <a:gs pos="50000">
+              <a:schemeClr val="phClr">
+                <a:satMod val="110000"/>
+                <a:lumMod val="100000"/>
+                <a:shade val="100000"/>
+              </a:schemeClr>
+            </a:gs>
+            <a:gs pos="100000">
+              <a:schemeClr val="phClr">
+                <a:lumMod val="99000"/>
+                <a:satMod val="120000"/>
+                <a:shade val="78000"/>
+              </a:schemeClr>
+            </a:gs>
+          </a:gsLst>
+          <a:lin ang="5400000" scaled="0"/>
+        </a:gradFill>
+      </a:fillStyleLst>
+      <a:lnStyleLst>
+        <a:ln w="12700" cap="flat" cmpd="sng" algn="ctr">
+          <a:solidFill>
+            <a:schemeClr val="phClr"/>
+          </a:solidFill>
+          <a:prstDash val="solid"/>
+          <a:miter lim="800000"/>
+        </a:ln>
+        <a:ln w="19050" cap="flat" cmpd="sng" algn="ctr">
+          <a:solidFill>
+            <a:schemeClr val="phClr"/>
+          </a:solidFill>
+          <a:prstDash val="solid"/>
+          <a:miter lim="800000"/>
+        </a:ln>
+        <a:ln w="25400" cap="flat" cmpd="sng" algn="ctr">
+          <a:solidFill>
+            <a:schemeClr val="phClr"/>
+          </a:solidFill>
+          <a:prstDash val="solid"/>
+          <a:miter lim="800000"/>
+        </a:ln>
+      </a:lnStyleLst>
+      <a:effectStyleLst>
+        <a:effectStyle>
+          <a:effectLst/>
+        </a:effectStyle>
+        <a:effectStyle>
+          <a:effectLst/>
+        </a:effectStyle>
+        <a:effectStyle>
+          <a:effectLst>
+            <a:outerShdw blurRad="57150" dist="19050" dir="5400000" algn="ctr" rotWithShape="0">
+              <a:srgbClr val="000000">
+                <a:alpha val="63000"/>
+              </a:srgbClr>
+            </a:outerShdw>
+          </a:effectLst>
+        </a:effectStyle>
+      </a:effectStyleLst>
+      <a:bgFillStyleLst>
+        <a:solidFill>
+          <a:schemeClr val="phClr"/>
+        </a:solidFill>
+        <a:solidFill>
+          <a:schemeClr val="phClr">
+            <a:tint val="95000"/>
+            <a:satMod val="170000"/>
+          </a:schemeClr>
+        </a:solidFill>
+        <a:gradFill rotWithShape="1">
+          <a:gsLst>
+            <a:gs pos="0">
+              <a:schemeClr val="phClr">
+                <a:tint val="93000"/>
+                <a:satMod val="150000"/>
+                <a:shade val="98000"/>
+                <a:lumMod val="102000"/>
+              </a:schemeClr>
+            </a:gs>
+            <a:gs pos="50000">
+              <a:schemeClr val="phClr">
+                <a:tint val="98000"/>
+                <a:satMod val="130000"/>
+                <a:shade val="90000"/>
+                <a:lumMod val="103000"/>
+              </a:schemeClr>
+            </a:gs>
+            <a:gs pos="100000">
+              <a:schemeClr val="phClr">
+                <a:shade val="63000"/>
+                <a:satMod val="120000"/>
+              </a:schemeClr>
+            </a:gs>
+          </a:gsLst>
+          <a:lin ang="5400000" scaled="0"/>
+        </a:gradFill>
+      </a:bgFillStyleLst>
+    </a:fmtScheme>
+  </a:themeElements>
+  <a:objectDefaults>
+    <a:lnDef>
+      <a:spPr/>
+      <a:bodyPr/>
+      <a:lstStyle/>
+      <a:style>
+        <a:lnRef idx="2">
+          <a:schemeClr val="accent1"/>
+        </a:lnRef>
+        <a:fillRef idx="0">
+          <a:schemeClr val="accent1"/>
+        </a:fillRef>
+        <a:effectRef idx="1">
+          <a:schemeClr val="accent1"/>
+        </a:effectRef>
+        <a:fontRef idx="minor">
+          <a:schemeClr val="tx1"/>
+        </a:fontRef>
+      </a:style>
+    </a:lnDef>
+  </a:objectDefaults>
+  <a:extraClrSchemeLst/>
+  <a:extLst>
+    <a:ext uri="{05A4C25C-085E-4340-85A3-A5531E510DB2}">
+      <thm15:themeFamily xmlns:thm15="http://schemas.microsoft.com/office/thememl/2012/main" name="Office Theme" id="{2E142A2C-CD16-42D6-873A-C26D2A0506FA}" vid="{1BDDFF52-6CD6-40A5-AB3C-68EB2F1E4D0A}"/>
+    </a:ext>
+  </a:extLst>
+</a:theme>
+</file>
+
 <file path=docMetadata/LabelInfo.xml><?xml version="1.0" encoding="utf-8"?>
 <clbl:labelList xmlns:clbl="http://schemas.microsoft.com/office/2020/mipLabelMetadata">
   <clbl:label id="{9f5c8052-b1ea-40d1-8cd5-ea0c204ca84f}" enabled="1" method="Standard" siteId="{19e51c11-d919-4a98-899d-9b9dc33f4e04}" contentBits="0" removed="0"/>

--- a/.documents/Présentation - mercredi 22 mai/Soutenance du projet.pptx
+++ b/.documents/Présentation - mercredi 22 mai/Soutenance du projet.pptx
@@ -5,21 +5,20 @@
     <p:sldMasterId id="2147483660" r:id="rId1"/>
   </p:sldMasterIdLst>
   <p:notesMasterIdLst>
-    <p:notesMasterId r:id="rId14"/>
+    <p:notesMasterId r:id="rId13"/>
   </p:notesMasterIdLst>
   <p:sldIdLst>
     <p:sldId id="257" r:id="rId2"/>
     <p:sldId id="263" r:id="rId3"/>
     <p:sldId id="259" r:id="rId4"/>
     <p:sldId id="261" r:id="rId5"/>
-    <p:sldId id="260" r:id="rId6"/>
-    <p:sldId id="262" r:id="rId7"/>
-    <p:sldId id="264" r:id="rId8"/>
-    <p:sldId id="265" r:id="rId9"/>
-    <p:sldId id="266" r:id="rId10"/>
-    <p:sldId id="267" r:id="rId11"/>
-    <p:sldId id="268" r:id="rId12"/>
-    <p:sldId id="269" r:id="rId13"/>
+    <p:sldId id="262" r:id="rId6"/>
+    <p:sldId id="264" r:id="rId7"/>
+    <p:sldId id="265" r:id="rId8"/>
+    <p:sldId id="266" r:id="rId9"/>
+    <p:sldId id="267" r:id="rId10"/>
+    <p:sldId id="268" r:id="rId11"/>
+    <p:sldId id="269" r:id="rId12"/>
   </p:sldIdLst>
   <p:sldSz cx="12192000" cy="6858000"/>
   <p:notesSz cx="6858000" cy="9144000"/>
@@ -208,7 +207,7 @@
           <a:p>
             <a:fld id="{4BE426E3-4ECB-43E4-897A-1DD0B5BA0065}" type="datetimeFigureOut">
               <a:rPr lang="fr-FR" smtClean="0"/>
-              <a:t>19/05/2024</a:t>
+              <a:t>21/05/2024</a:t>
             </a:fld>
             <a:endParaRPr lang="fr-FR"/>
           </a:p>
@@ -523,225 +522,7 @@
               <a:buFontTx/>
               <a:buChar char="-"/>
             </a:pPr>
-            <a:r>
-              <a:rPr lang="fr-FR" dirty="0"/>
-              <a:t>Introduction</a:t>
-            </a:r>
-          </a:p>
-          <a:p>
-            <a:pPr marL="628650" lvl="1" indent="-171450">
-              <a:buFontTx/>
-              <a:buChar char="-"/>
-            </a:pPr>
-            <a:r>
-              <a:rPr lang="fr-FR" dirty="0"/>
-              <a:t>Expliquer le projet de façon non-technique</a:t>
-            </a:r>
-          </a:p>
-          <a:p>
-            <a:pPr marL="1085850" lvl="2" indent="-171450">
-              <a:buFontTx/>
-              <a:buChar char="-"/>
-            </a:pPr>
-            <a:r>
-              <a:rPr lang="fr-FR" dirty="0"/>
-              <a:t>Concept / Fonctionnalités</a:t>
-            </a:r>
-          </a:p>
-          <a:p>
-            <a:pPr marL="1085850" lvl="2" indent="-171450">
-              <a:buFontTx/>
-              <a:buChar char="-"/>
-            </a:pPr>
-            <a:r>
-              <a:rPr lang="fr-FR" dirty="0"/>
-              <a:t>Ambitions</a:t>
-            </a:r>
-          </a:p>
-          <a:p>
-            <a:pPr marL="914400" lvl="2" indent="0">
-              <a:buFontTx/>
-              <a:buNone/>
-            </a:pPr>
             <a:endParaRPr lang="fr-FR" dirty="0"/>
-          </a:p>
-          <a:p>
-            <a:pPr marL="171450" indent="-171450">
-              <a:buFontTx/>
-              <a:buChar char="-"/>
-            </a:pPr>
-            <a:r>
-              <a:rPr lang="fr-FR" dirty="0"/>
-              <a:t>Vie du projet</a:t>
-            </a:r>
-          </a:p>
-          <a:p>
-            <a:pPr marL="628650" lvl="1" indent="-171450">
-              <a:buFontTx/>
-              <a:buChar char="-"/>
-            </a:pPr>
-            <a:r>
-              <a:rPr lang="fr-FR" dirty="0"/>
-              <a:t>Organisation interne</a:t>
-            </a:r>
-          </a:p>
-          <a:p>
-            <a:pPr marL="628650" lvl="1" indent="-171450">
-              <a:buFontTx/>
-              <a:buChar char="-"/>
-            </a:pPr>
-            <a:r>
-              <a:rPr lang="fr-FR" dirty="0"/>
-              <a:t>Architecture technique de la solution (</a:t>
-            </a:r>
-            <a:r>
-              <a:rPr lang="fr-FR" b="1" dirty="0"/>
-              <a:t>ne pas montrer de lignes de code</a:t>
-            </a:r>
-            <a:r>
-              <a:rPr lang="fr-FR" dirty="0"/>
-              <a:t>)</a:t>
-            </a:r>
-          </a:p>
-          <a:p>
-            <a:pPr marL="628650" lvl="1" indent="-171450">
-              <a:buFontTx/>
-              <a:buChar char="-"/>
-            </a:pPr>
-            <a:r>
-              <a:rPr lang="fr-FR" dirty="0"/>
-              <a:t>Présenter l’expérience</a:t>
-            </a:r>
-          </a:p>
-          <a:p>
-            <a:pPr marL="628650" lvl="1" indent="-171450">
-              <a:buFontTx/>
-              <a:buChar char="-"/>
-            </a:pPr>
-            <a:endParaRPr lang="fr-FR" dirty="0"/>
-          </a:p>
-          <a:p>
-            <a:pPr marL="171450" indent="-171450">
-              <a:buFontTx/>
-              <a:buChar char="-"/>
-            </a:pPr>
-            <a:r>
-              <a:rPr lang="fr-FR" dirty="0"/>
-              <a:t>Conclusion</a:t>
-            </a:r>
-          </a:p>
-          <a:p>
-            <a:pPr marL="628650" lvl="1" indent="-171450">
-              <a:buFontTx/>
-              <a:buChar char="-"/>
-            </a:pPr>
-            <a:r>
-              <a:rPr lang="fr-FR" dirty="0"/>
-              <a:t>Bilan individuel </a:t>
-            </a:r>
-            <a:r>
-              <a:rPr lang="fr-FR" b="1" dirty="0"/>
-              <a:t>de chacun</a:t>
-            </a:r>
-            <a:endParaRPr lang="fr-FR" b="0" dirty="0"/>
-          </a:p>
-          <a:p>
-            <a:pPr marL="628650" lvl="1" indent="-171450">
-              <a:buFontTx/>
-              <a:buChar char="-"/>
-            </a:pPr>
-            <a:endParaRPr lang="fr-FR" dirty="0"/>
-          </a:p>
-          <a:p>
-            <a:pPr marL="171450" indent="-171450">
-              <a:buFontTx/>
-              <a:buChar char="-"/>
-            </a:pPr>
-            <a:endParaRPr lang="fr-FR" dirty="0"/>
-          </a:p>
-          <a:p>
-            <a:pPr marL="171450" indent="-171450">
-              <a:buFontTx/>
-              <a:buChar char="-"/>
-            </a:pPr>
-            <a:r>
-              <a:rPr lang="fr-FR" dirty="0"/>
-              <a:t>/!\ Besoin </a:t>
-            </a:r>
-            <a:r>
-              <a:rPr lang="fr-FR" b="1" dirty="0"/>
-              <a:t>DONC</a:t>
-            </a:r>
-            <a:r>
-              <a:rPr lang="fr-FR" dirty="0"/>
-              <a:t> choix  -  Toujours présenter les choses de la sorte. </a:t>
-            </a:r>
-          </a:p>
-          <a:p>
-            <a:pPr marL="171450" marR="0" lvl="0" indent="-171450" algn="l" defTabSz="914400" rtl="0" eaLnBrk="1" fontAlgn="auto" latinLnBrk="0" hangingPunct="1">
-              <a:lnSpc>
-                <a:spcPct val="100000"/>
-              </a:lnSpc>
-              <a:spcBef>
-                <a:spcPts val="0"/>
-              </a:spcBef>
-              <a:spcAft>
-                <a:spcPts val="0"/>
-              </a:spcAft>
-              <a:buClrTx/>
-              <a:buSzTx/>
-              <a:buFontTx/>
-              <a:buChar char="-"/>
-              <a:tabLst/>
-              <a:defRPr/>
-            </a:pPr>
-            <a:r>
-              <a:rPr lang="fr-FR" dirty="0"/>
-              <a:t>20 minutes, on est 8</a:t>
-            </a:r>
-          </a:p>
-          <a:p>
-            <a:pPr marL="171450" marR="0" lvl="0" indent="-171450" algn="l" defTabSz="914400" rtl="0" eaLnBrk="1" fontAlgn="auto" latinLnBrk="0" hangingPunct="1">
-              <a:lnSpc>
-                <a:spcPct val="100000"/>
-              </a:lnSpc>
-              <a:spcBef>
-                <a:spcPts val="0"/>
-              </a:spcBef>
-              <a:spcAft>
-                <a:spcPts val="0"/>
-              </a:spcAft>
-              <a:buClrTx/>
-              <a:buSzTx/>
-              <a:buFontTx/>
-              <a:buChar char="-"/>
-              <a:tabLst/>
-              <a:defRPr/>
-            </a:pPr>
-            <a:endParaRPr lang="fr-FR" dirty="0"/>
-          </a:p>
-          <a:p>
-            <a:pPr marL="171450" marR="0" lvl="0" indent="-171450" algn="l" defTabSz="914400" rtl="0" eaLnBrk="1" fontAlgn="auto" latinLnBrk="0" hangingPunct="1">
-              <a:lnSpc>
-                <a:spcPct val="100000"/>
-              </a:lnSpc>
-              <a:spcBef>
-                <a:spcPts val="0"/>
-              </a:spcBef>
-              <a:spcAft>
-                <a:spcPts val="0"/>
-              </a:spcAft>
-              <a:buClrTx/>
-              <a:buSzTx/>
-              <a:buFontTx/>
-              <a:buChar char="-"/>
-              <a:tabLst/>
-              <a:defRPr/>
-            </a:pPr>
-            <a:r>
-              <a:rPr lang="fr-FR" dirty="0"/>
-              <a:t>Pas de « à ce jour »</a:t>
-            </a:r>
           </a:p>
         </p:txBody>
       </p:sp>
@@ -855,7 +636,7 @@
     </p:spTree>
     <p:extLst>
       <p:ext uri="{BB962C8B-B14F-4D97-AF65-F5344CB8AC3E}">
-        <p14:creationId xmlns:p14="http://schemas.microsoft.com/office/powerpoint/2010/main" val="196790571"/>
+        <p14:creationId xmlns:p14="http://schemas.microsoft.com/office/powerpoint/2010/main" val="4268579973"/>
       </p:ext>
     </p:extLst>
   </p:cSld>
@@ -931,90 +712,6 @@
             <a:fld id="{6FCD5C08-D862-4437-A41E-6C335EA9187E}" type="slidenum">
               <a:rPr lang="fr-FR" smtClean="0"/>
               <a:t>11</a:t>
-            </a:fld>
-            <a:endParaRPr lang="fr-FR"/>
-          </a:p>
-        </p:txBody>
-      </p:sp>
-    </p:spTree>
-    <p:extLst>
-      <p:ext uri="{BB962C8B-B14F-4D97-AF65-F5344CB8AC3E}">
-        <p14:creationId xmlns:p14="http://schemas.microsoft.com/office/powerpoint/2010/main" val="4268579973"/>
-      </p:ext>
-    </p:extLst>
-  </p:cSld>
-  <p:clrMapOvr>
-    <a:masterClrMapping/>
-  </p:clrMapOvr>
-</p:notes>
-</file>
-
-<file path=ppt/notesSlides/notesSlide12.xml><?xml version="1.0" encoding="utf-8"?>
-<p:notes xmlns:a="http://schemas.openxmlformats.org/drawingml/2006/main" xmlns:r="http://schemas.openxmlformats.org/officeDocument/2006/relationships" xmlns:p="http://schemas.openxmlformats.org/presentationml/2006/main">
-  <p:cSld>
-    <p:spTree>
-      <p:nvGrpSpPr>
-        <p:cNvPr id="1" name=""/>
-        <p:cNvGrpSpPr/>
-        <p:nvPr/>
-      </p:nvGrpSpPr>
-      <p:grpSpPr>
-        <a:xfrm>
-          <a:off x="0" y="0"/>
-          <a:ext cx="0" cy="0"/>
-          <a:chOff x="0" y="0"/>
-          <a:chExt cx="0" cy="0"/>
-        </a:xfrm>
-      </p:grpSpPr>
-      <p:sp>
-        <p:nvSpPr>
-          <p:cNvPr id="2" name="Espace réservé de l'image des diapositives 1"/>
-          <p:cNvSpPr>
-            <a:spLocks noGrp="1" noRot="1" noChangeAspect="1"/>
-          </p:cNvSpPr>
-          <p:nvPr>
-            <p:ph type="sldImg"/>
-          </p:nvPr>
-        </p:nvSpPr>
-        <p:spPr/>
-      </p:sp>
-      <p:sp>
-        <p:nvSpPr>
-          <p:cNvPr id="3" name="Espace réservé des notes 2"/>
-          <p:cNvSpPr>
-            <a:spLocks noGrp="1"/>
-          </p:cNvSpPr>
-          <p:nvPr>
-            <p:ph type="body" idx="1"/>
-          </p:nvPr>
-        </p:nvSpPr>
-        <p:spPr/>
-        <p:txBody>
-          <a:bodyPr/>
-          <a:lstStyle/>
-          <a:p>
-            <a:endParaRPr lang="fr-FR" dirty="0"/>
-          </a:p>
-        </p:txBody>
-      </p:sp>
-      <p:sp>
-        <p:nvSpPr>
-          <p:cNvPr id="4" name="Espace réservé du numéro de diapositive 3"/>
-          <p:cNvSpPr>
-            <a:spLocks noGrp="1"/>
-          </p:cNvSpPr>
-          <p:nvPr>
-            <p:ph type="sldNum" sz="quarter" idx="5"/>
-          </p:nvPr>
-        </p:nvSpPr>
-        <p:spPr/>
-        <p:txBody>
-          <a:bodyPr/>
-          <a:lstStyle/>
-          <a:p>
-            <a:fld id="{6FCD5C08-D862-4437-A41E-6C335EA9187E}" type="slidenum">
-              <a:rPr lang="fr-FR" smtClean="0"/>
-              <a:t>12</a:t>
             </a:fld>
             <a:endParaRPr lang="fr-FR"/>
           </a:p>
@@ -1338,26 +1035,51 @@
           <a:bodyPr/>
           <a:lstStyle/>
           <a:p>
-            <a:pPr marL="0" marR="0" lvl="0" indent="0" algn="l" defTabSz="914400" rtl="0" eaLnBrk="1" fontAlgn="auto" latinLnBrk="0" hangingPunct="1">
-              <a:lnSpc>
-                <a:spcPct val="100000"/>
-              </a:lnSpc>
-              <a:spcBef>
-                <a:spcPts val="0"/>
-              </a:spcBef>
-              <a:spcAft>
-                <a:spcPts val="0"/>
-              </a:spcAft>
-              <a:buClrTx/>
-              <a:buSzTx/>
+            <a:pPr marL="171450" indent="-171450">
               <a:buFontTx/>
-              <a:buNone/>
-              <a:tabLst/>
-              <a:defRPr/>
+              <a:buChar char="-"/>
             </a:pPr>
             <a:r>
               <a:rPr lang="fr-FR" dirty="0"/>
-              <a:t>1. Introduction</a:t>
+              <a:t>Vie du projet</a:t>
+            </a:r>
+          </a:p>
+          <a:p>
+            <a:pPr marL="628650" lvl="1" indent="-171450">
+              <a:buFontTx/>
+              <a:buChar char="-"/>
+            </a:pPr>
+            <a:r>
+              <a:rPr lang="fr-FR" dirty="0"/>
+              <a:t>Organisation interne</a:t>
+            </a:r>
+          </a:p>
+          <a:p>
+            <a:pPr marL="628650" lvl="1" indent="-171450">
+              <a:buFontTx/>
+              <a:buChar char="-"/>
+            </a:pPr>
+            <a:r>
+              <a:rPr lang="fr-FR" dirty="0"/>
+              <a:t>Architecture technique de la solution (</a:t>
+            </a:r>
+            <a:r>
+              <a:rPr lang="fr-FR" b="1" dirty="0"/>
+              <a:t>ne pas montrer de lignes de code</a:t>
+            </a:r>
+            <a:r>
+              <a:rPr lang="fr-FR" dirty="0"/>
+              <a:t>)</a:t>
+            </a:r>
+          </a:p>
+          <a:p>
+            <a:pPr marL="628650" lvl="1" indent="-171450">
+              <a:buFontTx/>
+              <a:buChar char="-"/>
+            </a:pPr>
+            <a:r>
+              <a:rPr lang="fr-FR" dirty="0"/>
+              <a:t>Présenter l’expérience</a:t>
             </a:r>
           </a:p>
           <a:p>
@@ -1391,7 +1113,7 @@
     </p:spTree>
     <p:extLst>
       <p:ext uri="{BB962C8B-B14F-4D97-AF65-F5344CB8AC3E}">
-        <p14:creationId xmlns:p14="http://schemas.microsoft.com/office/powerpoint/2010/main" val="4024928316"/>
+        <p14:creationId xmlns:p14="http://schemas.microsoft.com/office/powerpoint/2010/main" val="424721162"/>
       </p:ext>
     </p:extLst>
   </p:cSld>
@@ -1451,7 +1173,7 @@
             </a:pPr>
             <a:r>
               <a:rPr lang="fr-FR" dirty="0"/>
-              <a:t>Vie du projet</a:t>
+              <a:t>Nous avons cherché une plateforme de communication interne simple et complète : </a:t>
             </a:r>
           </a:p>
           <a:p>
@@ -1461,7 +1183,7 @@
             </a:pPr>
             <a:r>
               <a:rPr lang="fr-FR" dirty="0"/>
-              <a:t>Organisation interne</a:t>
+              <a:t>Organiser nos réunions.</a:t>
             </a:r>
           </a:p>
           <a:p>
@@ -1471,15 +1193,7 @@
             </a:pPr>
             <a:r>
               <a:rPr lang="fr-FR" dirty="0"/>
-              <a:t>Architecture technique de la solution (</a:t>
-            </a:r>
-            <a:r>
-              <a:rPr lang="fr-FR" b="1" dirty="0"/>
-              <a:t>ne pas montrer de lignes de code</a:t>
-            </a:r>
-            <a:r>
-              <a:rPr lang="fr-FR" dirty="0"/>
-              <a:t>)</a:t>
+              <a:t>Communiquer par messages sur nos avancements respectifs.</a:t>
             </a:r>
           </a:p>
           <a:p>
@@ -1489,10 +1203,24 @@
             </a:pPr>
             <a:r>
               <a:rPr lang="fr-FR" dirty="0"/>
-              <a:t>Présenter l’expérience</a:t>
-            </a:r>
-          </a:p>
-          <a:p>
+              <a:t>Avoir la possibilité de travailler depuis chez soi.</a:t>
+            </a:r>
+          </a:p>
+          <a:p>
+            <a:pPr marL="628650" lvl="1" indent="-171450">
+              <a:buFontTx/>
+              <a:buChar char="-"/>
+            </a:pPr>
+            <a:r>
+              <a:rPr lang="fr-FR" dirty="0"/>
+              <a:t>L’outil Discord a parfaitement répondu à ces besoins.</a:t>
+            </a:r>
+          </a:p>
+          <a:p>
+            <a:pPr marL="628650" lvl="1" indent="-171450">
+              <a:buFontTx/>
+              <a:buChar char="-"/>
+            </a:pPr>
             <a:endParaRPr lang="fr-FR" dirty="0"/>
           </a:p>
         </p:txBody>
@@ -1523,7 +1251,7 @@
     </p:spTree>
     <p:extLst>
       <p:ext uri="{BB962C8B-B14F-4D97-AF65-F5344CB8AC3E}">
-        <p14:creationId xmlns:p14="http://schemas.microsoft.com/office/powerpoint/2010/main" val="424721162"/>
+        <p14:creationId xmlns:p14="http://schemas.microsoft.com/office/powerpoint/2010/main" val="2023910999"/>
       </p:ext>
     </p:extLst>
   </p:cSld>
@@ -1577,50 +1305,6 @@
           <a:bodyPr/>
           <a:lstStyle/>
           <a:p>
-            <a:pPr marL="171450" indent="-171450">
-              <a:buFontTx/>
-              <a:buChar char="-"/>
-            </a:pPr>
-            <a:r>
-              <a:rPr lang="fr-FR" dirty="0"/>
-              <a:t>Nous avons cherché une plateforme de communication interne simple et complète : </a:t>
-            </a:r>
-          </a:p>
-          <a:p>
-            <a:pPr marL="628650" lvl="1" indent="-171450">
-              <a:buFontTx/>
-              <a:buChar char="-"/>
-            </a:pPr>
-            <a:r>
-              <a:rPr lang="fr-FR" dirty="0"/>
-              <a:t>pouvoir organiser nos réunions, </a:t>
-            </a:r>
-          </a:p>
-          <a:p>
-            <a:pPr marL="628650" lvl="1" indent="-171450">
-              <a:buFontTx/>
-              <a:buChar char="-"/>
-            </a:pPr>
-            <a:r>
-              <a:rPr lang="fr-FR" dirty="0"/>
-              <a:t>communiquer par messages sur nos avancements respectifs</a:t>
-            </a:r>
-          </a:p>
-          <a:p>
-            <a:pPr marL="628650" lvl="1" indent="-171450">
-              <a:buFontTx/>
-              <a:buChar char="-"/>
-            </a:pPr>
-            <a:r>
-              <a:rPr lang="fr-FR" dirty="0"/>
-              <a:t>L’outil Discord a parfaitement répondu à ces besoins.</a:t>
-            </a:r>
-          </a:p>
-          <a:p>
-            <a:pPr marL="628650" lvl="1" indent="-171450">
-              <a:buFontTx/>
-              <a:buChar char="-"/>
-            </a:pPr>
             <a:endParaRPr lang="fr-FR" dirty="0"/>
           </a:p>
         </p:txBody>
@@ -1651,7 +1335,7 @@
     </p:spTree>
     <p:extLst>
       <p:ext uri="{BB962C8B-B14F-4D97-AF65-F5344CB8AC3E}">
-        <p14:creationId xmlns:p14="http://schemas.microsoft.com/office/powerpoint/2010/main" val="2023910999"/>
+        <p14:creationId xmlns:p14="http://schemas.microsoft.com/office/powerpoint/2010/main" val="1715738850"/>
       </p:ext>
     </p:extLst>
   </p:cSld>
@@ -1735,7 +1419,7 @@
     </p:spTree>
     <p:extLst>
       <p:ext uri="{BB962C8B-B14F-4D97-AF65-F5344CB8AC3E}">
-        <p14:creationId xmlns:p14="http://schemas.microsoft.com/office/powerpoint/2010/main" val="1715738850"/>
+        <p14:creationId xmlns:p14="http://schemas.microsoft.com/office/powerpoint/2010/main" val="889916414"/>
       </p:ext>
     </p:extLst>
   </p:cSld>
@@ -1819,7 +1503,7 @@
     </p:spTree>
     <p:extLst>
       <p:ext uri="{BB962C8B-B14F-4D97-AF65-F5344CB8AC3E}">
-        <p14:creationId xmlns:p14="http://schemas.microsoft.com/office/powerpoint/2010/main" val="889916414"/>
+        <p14:creationId xmlns:p14="http://schemas.microsoft.com/office/powerpoint/2010/main" val="196790571"/>
       </p:ext>
     </p:extLst>
   </p:cSld>
@@ -1976,7 +1660,7 @@
           <a:p>
             <a:fld id="{B35E8903-3DB0-4D62-9C06-CFA6198553C9}" type="datetimeFigureOut">
               <a:rPr lang="fr-FR" smtClean="0"/>
-              <a:t>19/05/2024</a:t>
+              <a:t>21/05/2024</a:t>
             </a:fld>
             <a:endParaRPr lang="fr-FR"/>
           </a:p>
@@ -2177,7 +1861,7 @@
           <a:p>
             <a:fld id="{B35E8903-3DB0-4D62-9C06-CFA6198553C9}" type="datetimeFigureOut">
               <a:rPr lang="fr-FR" smtClean="0"/>
-              <a:t>19/05/2024</a:t>
+              <a:t>21/05/2024</a:t>
             </a:fld>
             <a:endParaRPr lang="fr-FR"/>
           </a:p>
@@ -2388,7 +2072,7 @@
           <a:p>
             <a:fld id="{B35E8903-3DB0-4D62-9C06-CFA6198553C9}" type="datetimeFigureOut">
               <a:rPr lang="fr-FR" smtClean="0"/>
-              <a:t>19/05/2024</a:t>
+              <a:t>21/05/2024</a:t>
             </a:fld>
             <a:endParaRPr lang="fr-FR"/>
           </a:p>
@@ -2589,7 +2273,7 @@
           <a:p>
             <a:fld id="{B35E8903-3DB0-4D62-9C06-CFA6198553C9}" type="datetimeFigureOut">
               <a:rPr lang="fr-FR" smtClean="0"/>
-              <a:t>19/05/2024</a:t>
+              <a:t>21/05/2024</a:t>
             </a:fld>
             <a:endParaRPr lang="fr-FR"/>
           </a:p>
@@ -2867,7 +2551,7 @@
           <a:p>
             <a:fld id="{B35E8903-3DB0-4D62-9C06-CFA6198553C9}" type="datetimeFigureOut">
               <a:rPr lang="fr-FR" smtClean="0"/>
-              <a:t>19/05/2024</a:t>
+              <a:t>21/05/2024</a:t>
             </a:fld>
             <a:endParaRPr lang="fr-FR"/>
           </a:p>
@@ -3135,7 +2819,7 @@
           <a:p>
             <a:fld id="{B35E8903-3DB0-4D62-9C06-CFA6198553C9}" type="datetimeFigureOut">
               <a:rPr lang="fr-FR" smtClean="0"/>
-              <a:t>19/05/2024</a:t>
+              <a:t>21/05/2024</a:t>
             </a:fld>
             <a:endParaRPr lang="fr-FR"/>
           </a:p>
@@ -3550,7 +3234,7 @@
           <a:p>
             <a:fld id="{B35E8903-3DB0-4D62-9C06-CFA6198553C9}" type="datetimeFigureOut">
               <a:rPr lang="fr-FR" smtClean="0"/>
-              <a:t>19/05/2024</a:t>
+              <a:t>21/05/2024</a:t>
             </a:fld>
             <a:endParaRPr lang="fr-FR"/>
           </a:p>
@@ -3694,7 +3378,7 @@
           <a:p>
             <a:fld id="{B35E8903-3DB0-4D62-9C06-CFA6198553C9}" type="datetimeFigureOut">
               <a:rPr lang="fr-FR" smtClean="0"/>
-              <a:t>19/05/2024</a:t>
+              <a:t>21/05/2024</a:t>
             </a:fld>
             <a:endParaRPr lang="fr-FR"/>
           </a:p>
@@ -3810,7 +3494,7 @@
           <a:p>
             <a:fld id="{B35E8903-3DB0-4D62-9C06-CFA6198553C9}" type="datetimeFigureOut">
               <a:rPr lang="fr-FR" smtClean="0"/>
-              <a:t>19/05/2024</a:t>
+              <a:t>21/05/2024</a:t>
             </a:fld>
             <a:endParaRPr lang="fr-FR"/>
           </a:p>
@@ -4124,7 +3808,7 @@
           <a:p>
             <a:fld id="{B35E8903-3DB0-4D62-9C06-CFA6198553C9}" type="datetimeFigureOut">
               <a:rPr lang="fr-FR" smtClean="0"/>
-              <a:t>19/05/2024</a:t>
+              <a:t>21/05/2024</a:t>
             </a:fld>
             <a:endParaRPr lang="fr-FR"/>
           </a:p>
@@ -4415,7 +4099,7 @@
           <a:p>
             <a:fld id="{B35E8903-3DB0-4D62-9C06-CFA6198553C9}" type="datetimeFigureOut">
               <a:rPr lang="fr-FR" smtClean="0"/>
-              <a:t>19/05/2024</a:t>
+              <a:t>21/05/2024</a:t>
             </a:fld>
             <a:endParaRPr lang="fr-FR"/>
           </a:p>
@@ -4662,7 +4346,7 @@
           <a:p>
             <a:fld id="{B35E8903-3DB0-4D62-9C06-CFA6198553C9}" type="datetimeFigureOut">
               <a:rPr lang="fr-FR" smtClean="0"/>
-              <a:t>19/05/2024</a:t>
+              <a:t>21/05/2024</a:t>
             </a:fld>
             <a:endParaRPr lang="fr-FR"/>
           </a:p>
@@ -5544,133 +5228,6 @@
           <p:cNvPr id="3" name="Rectangle 2">
             <a:extLst>
               <a:ext uri="{FF2B5EF4-FFF2-40B4-BE49-F238E27FC236}">
-                <a16:creationId xmlns:a16="http://schemas.microsoft.com/office/drawing/2014/main" id="{0CA1A0A2-64BA-26D8-B011-DE0C7E7780AB}"/>
-              </a:ext>
-            </a:extLst>
-          </p:cNvPr>
-          <p:cNvSpPr/>
-          <p:nvPr/>
-        </p:nvSpPr>
-        <p:spPr>
-          <a:xfrm>
-            <a:off x="0" y="0"/>
-            <a:ext cx="12192000" cy="6858000"/>
-          </a:xfrm>
-          <a:prstGeom prst="rect">
-            <a:avLst/>
-          </a:prstGeom>
-          <a:solidFill>
-            <a:srgbClr val="1C62CA"/>
-          </a:solidFill>
-          <a:ln>
-            <a:noFill/>
-          </a:ln>
-        </p:spPr>
-        <p:style>
-          <a:lnRef idx="2">
-            <a:schemeClr val="accent1">
-              <a:shade val="15000"/>
-            </a:schemeClr>
-          </a:lnRef>
-          <a:fillRef idx="1">
-            <a:schemeClr val="accent1"/>
-          </a:fillRef>
-          <a:effectRef idx="0">
-            <a:schemeClr val="accent1"/>
-          </a:effectRef>
-          <a:fontRef idx="minor">
-            <a:schemeClr val="lt1"/>
-          </a:fontRef>
-        </p:style>
-        <p:txBody>
-          <a:bodyPr rtlCol="0" anchor="ctr"/>
-          <a:lstStyle/>
-          <a:p>
-            <a:pPr algn="ctr"/>
-            <a:endParaRPr lang="fr-FR"/>
-          </a:p>
-        </p:txBody>
-      </p:sp>
-      <p:sp>
-        <p:nvSpPr>
-          <p:cNvPr id="2" name="Titre 1">
-            <a:extLst>
-              <a:ext uri="{FF2B5EF4-FFF2-40B4-BE49-F238E27FC236}">
-                <a16:creationId xmlns:a16="http://schemas.microsoft.com/office/drawing/2014/main" id="{3C2ABF41-BFFD-A046-D6CD-B22EFF188F48}"/>
-              </a:ext>
-            </a:extLst>
-          </p:cNvPr>
-          <p:cNvSpPr>
-            <a:spLocks noGrp="1"/>
-          </p:cNvSpPr>
-          <p:nvPr>
-            <p:ph type="title"/>
-          </p:nvPr>
-        </p:nvSpPr>
-        <p:spPr>
-          <a:xfrm>
-            <a:off x="2988128" y="2766218"/>
-            <a:ext cx="6215743" cy="1325563"/>
-          </a:xfrm>
-        </p:spPr>
-        <p:txBody>
-          <a:bodyPr>
-            <a:normAutofit/>
-          </a:bodyPr>
-          <a:lstStyle/>
-          <a:p>
-            <a:pPr algn="ctr"/>
-            <a:r>
-              <a:rPr lang="fr-FR" sz="4800" dirty="0">
-                <a:solidFill>
-                  <a:schemeClr val="bg1"/>
-                </a:solidFill>
-                <a:latin typeface="Kanit SemiBold" pitchFamily="2" charset="-34"/>
-                <a:cs typeface="Kanit SemiBold" pitchFamily="2" charset="-34"/>
-              </a:rPr>
-              <a:t>Bilans individuels</a:t>
-            </a:r>
-          </a:p>
-        </p:txBody>
-      </p:sp>
-    </p:spTree>
-    <p:extLst>
-      <p:ext uri="{BB962C8B-B14F-4D97-AF65-F5344CB8AC3E}">
-        <p14:creationId xmlns:p14="http://schemas.microsoft.com/office/powerpoint/2010/main" val="147937431"/>
-      </p:ext>
-    </p:extLst>
-  </p:cSld>
-  <p:clrMapOvr>
-    <a:masterClrMapping/>
-  </p:clrMapOvr>
-  <p:transition spd="slow">
-    <p:push/>
-  </p:transition>
-</p:sld>
-</file>
-
-<file path=ppt/slides/slide11.xml><?xml version="1.0" encoding="utf-8"?>
-<p:sld xmlns:a="http://schemas.openxmlformats.org/drawingml/2006/main" xmlns:r="http://schemas.openxmlformats.org/officeDocument/2006/relationships" xmlns:p="http://schemas.openxmlformats.org/presentationml/2006/main">
-  <p:cSld>
-    <p:spTree>
-      <p:nvGrpSpPr>
-        <p:cNvPr id="1" name=""/>
-        <p:cNvGrpSpPr/>
-        <p:nvPr/>
-      </p:nvGrpSpPr>
-      <p:grpSpPr>
-        <a:xfrm>
-          <a:off x="0" y="0"/>
-          <a:ext cx="0" cy="0"/>
-          <a:chOff x="0" y="0"/>
-          <a:chExt cx="0" cy="0"/>
-        </a:xfrm>
-      </p:grpSpPr>
-      <p:sp>
-        <p:nvSpPr>
-          <p:cNvPr id="3" name="Rectangle 2">
-            <a:extLst>
-              <a:ext uri="{FF2B5EF4-FFF2-40B4-BE49-F238E27FC236}">
                 <a16:creationId xmlns:a16="http://schemas.microsoft.com/office/drawing/2014/main" id="{7BF4B955-A449-E8AF-3C4A-AECBF86B4620}"/>
               </a:ext>
             </a:extLst>
@@ -5803,7 +5360,7 @@
 </p:sld>
 </file>
 
-<file path=ppt/slides/slide12.xml><?xml version="1.0" encoding="utf-8"?>
+<file path=ppt/slides/slide11.xml><?xml version="1.0" encoding="utf-8"?>
 <p:sld xmlns:a="http://schemas.openxmlformats.org/drawingml/2006/main" xmlns:r="http://schemas.openxmlformats.org/officeDocument/2006/relationships" xmlns:p="http://schemas.openxmlformats.org/presentationml/2006/main">
   <p:cSld>
     <p:spTree>
@@ -6008,240 +5565,6 @@
           </a:p>
         </p:txBody>
       </p:sp>
-      <p:pic>
-        <p:nvPicPr>
-          <p:cNvPr id="9" name="Graphique 8" descr="Enregistrer avec un remplissage uni">
-            <a:extLst>
-              <a:ext uri="{FF2B5EF4-FFF2-40B4-BE49-F238E27FC236}">
-                <a16:creationId xmlns:a16="http://schemas.microsoft.com/office/drawing/2014/main" id="{4370B58A-856D-2E4A-E28E-056A9ECC0603}"/>
-              </a:ext>
-            </a:extLst>
-          </p:cNvPr>
-          <p:cNvPicPr>
-            <a:picLocks noChangeAspect="1"/>
-          </p:cNvPicPr>
-          <p:nvPr/>
-        </p:nvPicPr>
-        <p:blipFill>
-          <a:blip r:embed="rId3">
-            <a:extLst>
-              <a:ext uri="{28A0092B-C50C-407E-A947-70E740481C1C}">
-                <a14:useLocalDpi xmlns:a14="http://schemas.microsoft.com/office/drawing/2010/main" val="0"/>
-              </a:ext>
-              <a:ext uri="{96DAC541-7B7A-43D3-8B79-37D633B846F1}">
-                <asvg:svgBlip xmlns:asvg="http://schemas.microsoft.com/office/drawing/2016/SVG/main" r:embed="rId4"/>
-              </a:ext>
-            </a:extLst>
-          </a:blip>
-          <a:stretch>
-            <a:fillRect/>
-          </a:stretch>
-        </p:blipFill>
-        <p:spPr>
-          <a:xfrm>
-            <a:off x="1379247" y="889739"/>
-            <a:ext cx="1608881" cy="1608881"/>
-          </a:xfrm>
-          <a:prstGeom prst="rect">
-            <a:avLst/>
-          </a:prstGeom>
-        </p:spPr>
-      </p:pic>
-      <p:pic>
-        <p:nvPicPr>
-          <p:cNvPr id="11" name="Graphique 10" descr="Flèches de chevron avec un remplissage uni">
-            <a:extLst>
-              <a:ext uri="{FF2B5EF4-FFF2-40B4-BE49-F238E27FC236}">
-                <a16:creationId xmlns:a16="http://schemas.microsoft.com/office/drawing/2014/main" id="{BD32104C-8979-8B54-45F3-D2F2C316504F}"/>
-              </a:ext>
-            </a:extLst>
-          </p:cNvPr>
-          <p:cNvPicPr>
-            <a:picLocks noChangeAspect="1"/>
-          </p:cNvPicPr>
-          <p:nvPr/>
-        </p:nvPicPr>
-        <p:blipFill>
-          <a:blip r:embed="rId5">
-            <a:extLst>
-              <a:ext uri="{28A0092B-C50C-407E-A947-70E740481C1C}">
-                <a14:useLocalDpi xmlns:a14="http://schemas.microsoft.com/office/drawing/2010/main" val="0"/>
-              </a:ext>
-              <a:ext uri="{96DAC541-7B7A-43D3-8B79-37D633B846F1}">
-                <asvg:svgBlip xmlns:asvg="http://schemas.microsoft.com/office/drawing/2016/SVG/main" r:embed="rId6"/>
-              </a:ext>
-            </a:extLst>
-          </a:blip>
-          <a:stretch>
-            <a:fillRect/>
-          </a:stretch>
-        </p:blipFill>
-        <p:spPr>
-          <a:xfrm>
-            <a:off x="4722837" y="838245"/>
-            <a:ext cx="1392778" cy="1392778"/>
-          </a:xfrm>
-          <a:prstGeom prst="rect">
-            <a:avLst/>
-          </a:prstGeom>
-        </p:spPr>
-      </p:pic>
-      <p:pic>
-        <p:nvPicPr>
-          <p:cNvPr id="13" name="Graphique 12" descr="Terminal Cmd avec un remplissage uni">
-            <a:extLst>
-              <a:ext uri="{FF2B5EF4-FFF2-40B4-BE49-F238E27FC236}">
-                <a16:creationId xmlns:a16="http://schemas.microsoft.com/office/drawing/2014/main" id="{A34C1630-E00D-F7FA-9414-E4A72BFEE00F}"/>
-              </a:ext>
-            </a:extLst>
-          </p:cNvPr>
-          <p:cNvPicPr>
-            <a:picLocks noChangeAspect="1"/>
-          </p:cNvPicPr>
-          <p:nvPr/>
-        </p:nvPicPr>
-        <p:blipFill>
-          <a:blip r:embed="rId7">
-            <a:extLst>
-              <a:ext uri="{28A0092B-C50C-407E-A947-70E740481C1C}">
-                <a14:useLocalDpi xmlns:a14="http://schemas.microsoft.com/office/drawing/2010/main" val="0"/>
-              </a:ext>
-              <a:ext uri="{96DAC541-7B7A-43D3-8B79-37D633B846F1}">
-                <asvg:svgBlip xmlns:asvg="http://schemas.microsoft.com/office/drawing/2016/SVG/main" r:embed="rId8"/>
-              </a:ext>
-            </a:extLst>
-          </a:blip>
-          <a:stretch>
-            <a:fillRect/>
-          </a:stretch>
-        </p:blipFill>
-        <p:spPr>
-          <a:xfrm>
-            <a:off x="9203871" y="522250"/>
-            <a:ext cx="2024767" cy="2024767"/>
-          </a:xfrm>
-          <a:prstGeom prst="rect">
-            <a:avLst/>
-          </a:prstGeom>
-        </p:spPr>
-      </p:pic>
-      <p:pic>
-        <p:nvPicPr>
-          <p:cNvPr id="15" name="Graphique 14" descr="Flèche : incurvée dans le sens des aiguilles d’une montre avec un remplissage uni">
-            <a:extLst>
-              <a:ext uri="{FF2B5EF4-FFF2-40B4-BE49-F238E27FC236}">
-                <a16:creationId xmlns:a16="http://schemas.microsoft.com/office/drawing/2014/main" id="{46212A36-3331-7EA9-70FD-E6C39CC37D52}"/>
-              </a:ext>
-            </a:extLst>
-          </p:cNvPr>
-          <p:cNvPicPr>
-            <a:picLocks noChangeAspect="1"/>
-          </p:cNvPicPr>
-          <p:nvPr/>
-        </p:nvPicPr>
-        <p:blipFill>
-          <a:blip r:embed="rId9">
-            <a:extLst>
-              <a:ext uri="{28A0092B-C50C-407E-A947-70E740481C1C}">
-                <a14:useLocalDpi xmlns:a14="http://schemas.microsoft.com/office/drawing/2010/main" val="0"/>
-              </a:ext>
-              <a:ext uri="{96DAC541-7B7A-43D3-8B79-37D633B846F1}">
-                <asvg:svgBlip xmlns:asvg="http://schemas.microsoft.com/office/drawing/2016/SVG/main" r:embed="rId10"/>
-              </a:ext>
-            </a:extLst>
-          </a:blip>
-          <a:stretch>
-            <a:fillRect/>
-          </a:stretch>
-        </p:blipFill>
-        <p:spPr>
-          <a:xfrm rot="5050445">
-            <a:off x="9998281" y="5034986"/>
-            <a:ext cx="1846838" cy="1846838"/>
-          </a:xfrm>
-          <a:prstGeom prst="rect">
-            <a:avLst/>
-          </a:prstGeom>
-        </p:spPr>
-      </p:pic>
-      <p:pic>
-        <p:nvPicPr>
-          <p:cNvPr id="17" name="Graphique 16" descr="Avis des clients avec un remplissage uni">
-            <a:extLst>
-              <a:ext uri="{FF2B5EF4-FFF2-40B4-BE49-F238E27FC236}">
-                <a16:creationId xmlns:a16="http://schemas.microsoft.com/office/drawing/2014/main" id="{1F6F256C-7271-4214-2E86-84EC1881C7AB}"/>
-              </a:ext>
-            </a:extLst>
-          </p:cNvPr>
-          <p:cNvPicPr>
-            <a:picLocks noChangeAspect="1"/>
-          </p:cNvPicPr>
-          <p:nvPr/>
-        </p:nvPicPr>
-        <p:blipFill>
-          <a:blip r:embed="rId11">
-            <a:extLst>
-              <a:ext uri="{28A0092B-C50C-407E-A947-70E740481C1C}">
-                <a14:useLocalDpi xmlns:a14="http://schemas.microsoft.com/office/drawing/2010/main" val="0"/>
-              </a:ext>
-              <a:ext uri="{96DAC541-7B7A-43D3-8B79-37D633B846F1}">
-                <asvg:svgBlip xmlns:asvg="http://schemas.microsoft.com/office/drawing/2016/SVG/main" r:embed="rId12"/>
-              </a:ext>
-            </a:extLst>
-          </a:blip>
-          <a:stretch>
-            <a:fillRect/>
-          </a:stretch>
-        </p:blipFill>
-        <p:spPr>
-          <a:xfrm>
-            <a:off x="1144740" y="4091781"/>
-            <a:ext cx="2299192" cy="2299192"/>
-          </a:xfrm>
-          <a:prstGeom prst="rect">
-            <a:avLst/>
-          </a:prstGeom>
-        </p:spPr>
-      </p:pic>
-      <p:pic>
-        <p:nvPicPr>
-          <p:cNvPr id="19" name="Graphique 18" descr="Télécharger contour">
-            <a:extLst>
-              <a:ext uri="{FF2B5EF4-FFF2-40B4-BE49-F238E27FC236}">
-                <a16:creationId xmlns:a16="http://schemas.microsoft.com/office/drawing/2014/main" id="{AC630009-3AE2-C49B-35E6-D851D6537CDA}"/>
-              </a:ext>
-            </a:extLst>
-          </p:cNvPr>
-          <p:cNvPicPr>
-            <a:picLocks noChangeAspect="1"/>
-          </p:cNvPicPr>
-          <p:nvPr/>
-        </p:nvPicPr>
-        <p:blipFill>
-          <a:blip r:embed="rId13">
-            <a:extLst>
-              <a:ext uri="{28A0092B-C50C-407E-A947-70E740481C1C}">
-                <a14:useLocalDpi xmlns:a14="http://schemas.microsoft.com/office/drawing/2010/main" val="0"/>
-              </a:ext>
-              <a:ext uri="{96DAC541-7B7A-43D3-8B79-37D633B846F1}">
-                <asvg:svgBlip xmlns:asvg="http://schemas.microsoft.com/office/drawing/2016/SVG/main" r:embed="rId14"/>
-              </a:ext>
-            </a:extLst>
-          </a:blip>
-          <a:stretch>
-            <a:fillRect/>
-          </a:stretch>
-        </p:blipFill>
-        <p:spPr>
-          <a:xfrm>
-            <a:off x="5293312" y="4674948"/>
-            <a:ext cx="2061179" cy="2061179"/>
-          </a:xfrm>
-          <a:prstGeom prst="rect">
-            <a:avLst/>
-          </a:prstGeom>
-        </p:spPr>
-      </p:pic>
     </p:spTree>
     <p:extLst>
       <p:ext uri="{BB962C8B-B14F-4D97-AF65-F5344CB8AC3E}">
@@ -6313,261 +5636,6 @@
                                   </p:childTnLst>
                                 </p:cTn>
                               </p:par>
-                              <p:par>
-                                <p:cTn id="8" presetID="10" presetClass="entr" presetSubtype="0" fill="hold" nodeType="withEffect">
-                                  <p:stCondLst>
-                                    <p:cond delay="500"/>
-                                  </p:stCondLst>
-                                  <p:childTnLst>
-                                    <p:set>
-                                      <p:cBhvr>
-                                        <p:cTn id="9" dur="1" fill="hold">
-                                          <p:stCondLst>
-                                            <p:cond delay="0"/>
-                                          </p:stCondLst>
-                                        </p:cTn>
-                                        <p:tgtEl>
-                                          <p:spTgt spid="9"/>
-                                        </p:tgtEl>
-                                        <p:attrNameLst>
-                                          <p:attrName>style.visibility</p:attrName>
-                                        </p:attrNameLst>
-                                      </p:cBhvr>
-                                      <p:to>
-                                        <p:strVal val="visible"/>
-                                      </p:to>
-                                    </p:set>
-                                    <p:animEffect transition="in" filter="fade">
-                                      <p:cBhvr>
-                                        <p:cTn id="10" dur="500"/>
-                                        <p:tgtEl>
-                                          <p:spTgt spid="9"/>
-                                        </p:tgtEl>
-                                      </p:cBhvr>
-                                    </p:animEffect>
-                                  </p:childTnLst>
-                                </p:cTn>
-                              </p:par>
-                            </p:childTnLst>
-                          </p:cTn>
-                        </p:par>
-                        <p:par>
-                          <p:cTn id="11" fill="hold">
-                            <p:stCondLst>
-                              <p:cond delay="1000"/>
-                            </p:stCondLst>
-                            <p:childTnLst>
-                              <p:par>
-                                <p:cTn id="12" presetID="10" presetClass="entr" presetSubtype="0" fill="hold" nodeType="afterEffect">
-                                  <p:stCondLst>
-                                    <p:cond delay="0"/>
-                                  </p:stCondLst>
-                                  <p:childTnLst>
-                                    <p:set>
-                                      <p:cBhvr>
-                                        <p:cTn id="13" dur="1" fill="hold">
-                                          <p:stCondLst>
-                                            <p:cond delay="0"/>
-                                          </p:stCondLst>
-                                        </p:cTn>
-                                        <p:tgtEl>
-                                          <p:spTgt spid="11"/>
-                                        </p:tgtEl>
-                                        <p:attrNameLst>
-                                          <p:attrName>style.visibility</p:attrName>
-                                        </p:attrNameLst>
-                                      </p:cBhvr>
-                                      <p:to>
-                                        <p:strVal val="visible"/>
-                                      </p:to>
-                                    </p:set>
-                                    <p:animEffect transition="in" filter="fade">
-                                      <p:cBhvr>
-                                        <p:cTn id="14" dur="500"/>
-                                        <p:tgtEl>
-                                          <p:spTgt spid="11"/>
-                                        </p:tgtEl>
-                                      </p:cBhvr>
-                                    </p:animEffect>
-                                  </p:childTnLst>
-                                </p:cTn>
-                              </p:par>
-                            </p:childTnLst>
-                          </p:cTn>
-                        </p:par>
-                        <p:par>
-                          <p:cTn id="15" fill="hold">
-                            <p:stCondLst>
-                              <p:cond delay="1500"/>
-                            </p:stCondLst>
-                            <p:childTnLst>
-                              <p:par>
-                                <p:cTn id="16" presetID="10" presetClass="entr" presetSubtype="0" fill="hold" nodeType="afterEffect">
-                                  <p:stCondLst>
-                                    <p:cond delay="0"/>
-                                  </p:stCondLst>
-                                  <p:childTnLst>
-                                    <p:set>
-                                      <p:cBhvr>
-                                        <p:cTn id="17" dur="1" fill="hold">
-                                          <p:stCondLst>
-                                            <p:cond delay="0"/>
-                                          </p:stCondLst>
-                                        </p:cTn>
-                                        <p:tgtEl>
-                                          <p:spTgt spid="17"/>
-                                        </p:tgtEl>
-                                        <p:attrNameLst>
-                                          <p:attrName>style.visibility</p:attrName>
-                                        </p:attrNameLst>
-                                      </p:cBhvr>
-                                      <p:to>
-                                        <p:strVal val="visible"/>
-                                      </p:to>
-                                    </p:set>
-                                    <p:animEffect transition="in" filter="fade">
-                                      <p:cBhvr>
-                                        <p:cTn id="18" dur="500"/>
-                                        <p:tgtEl>
-                                          <p:spTgt spid="17"/>
-                                        </p:tgtEl>
-                                      </p:cBhvr>
-                                    </p:animEffect>
-                                  </p:childTnLst>
-                                </p:cTn>
-                              </p:par>
-                            </p:childTnLst>
-                          </p:cTn>
-                        </p:par>
-                        <p:par>
-                          <p:cTn id="19" fill="hold">
-                            <p:stCondLst>
-                              <p:cond delay="2000"/>
-                            </p:stCondLst>
-                            <p:childTnLst>
-                              <p:par>
-                                <p:cTn id="20" presetID="10" presetClass="entr" presetSubtype="0" fill="hold" nodeType="afterEffect">
-                                  <p:stCondLst>
-                                    <p:cond delay="0"/>
-                                  </p:stCondLst>
-                                  <p:childTnLst>
-                                    <p:set>
-                                      <p:cBhvr>
-                                        <p:cTn id="21" dur="1" fill="hold">
-                                          <p:stCondLst>
-                                            <p:cond delay="0"/>
-                                          </p:stCondLst>
-                                        </p:cTn>
-                                        <p:tgtEl>
-                                          <p:spTgt spid="19"/>
-                                        </p:tgtEl>
-                                        <p:attrNameLst>
-                                          <p:attrName>style.visibility</p:attrName>
-                                        </p:attrNameLst>
-                                      </p:cBhvr>
-                                      <p:to>
-                                        <p:strVal val="visible"/>
-                                      </p:to>
-                                    </p:set>
-                                    <p:animEffect transition="in" filter="fade">
-                                      <p:cBhvr>
-                                        <p:cTn id="22" dur="500"/>
-                                        <p:tgtEl>
-                                          <p:spTgt spid="19"/>
-                                        </p:tgtEl>
-                                      </p:cBhvr>
-                                    </p:animEffect>
-                                  </p:childTnLst>
-                                </p:cTn>
-                              </p:par>
-                            </p:childTnLst>
-                          </p:cTn>
-                        </p:par>
-                        <p:par>
-                          <p:cTn id="23" fill="hold">
-                            <p:stCondLst>
-                              <p:cond delay="2500"/>
-                            </p:stCondLst>
-                            <p:childTnLst>
-                              <p:par>
-                                <p:cTn id="24" presetID="10" presetClass="entr" presetSubtype="0" fill="hold" nodeType="afterEffect">
-                                  <p:stCondLst>
-                                    <p:cond delay="0"/>
-                                  </p:stCondLst>
-                                  <p:childTnLst>
-                                    <p:set>
-                                      <p:cBhvr>
-                                        <p:cTn id="25" dur="1" fill="hold">
-                                          <p:stCondLst>
-                                            <p:cond delay="0"/>
-                                          </p:stCondLst>
-                                        </p:cTn>
-                                        <p:tgtEl>
-                                          <p:spTgt spid="15"/>
-                                        </p:tgtEl>
-                                        <p:attrNameLst>
-                                          <p:attrName>style.visibility</p:attrName>
-                                        </p:attrNameLst>
-                                      </p:cBhvr>
-                                      <p:to>
-                                        <p:strVal val="visible"/>
-                                      </p:to>
-                                    </p:set>
-                                    <p:animEffect transition="in" filter="fade">
-                                      <p:cBhvr>
-                                        <p:cTn id="26" dur="500"/>
-                                        <p:tgtEl>
-                                          <p:spTgt spid="15"/>
-                                        </p:tgtEl>
-                                      </p:cBhvr>
-                                    </p:animEffect>
-                                  </p:childTnLst>
-                                </p:cTn>
-                              </p:par>
-                            </p:childTnLst>
-                          </p:cTn>
-                        </p:par>
-                        <p:par>
-                          <p:cTn id="27" fill="hold">
-                            <p:stCondLst>
-                              <p:cond delay="3000"/>
-                            </p:stCondLst>
-                            <p:childTnLst>
-                              <p:par>
-                                <p:cTn id="28" presetID="10" presetClass="entr" presetSubtype="0" fill="hold" nodeType="afterEffect">
-                                  <p:stCondLst>
-                                    <p:cond delay="0"/>
-                                  </p:stCondLst>
-                                  <p:childTnLst>
-                                    <p:set>
-                                      <p:cBhvr>
-                                        <p:cTn id="29" dur="1" fill="hold">
-                                          <p:stCondLst>
-                                            <p:cond delay="0"/>
-                                          </p:stCondLst>
-                                        </p:cTn>
-                                        <p:tgtEl>
-                                          <p:spTgt spid="13"/>
-                                        </p:tgtEl>
-                                        <p:attrNameLst>
-                                          <p:attrName>style.visibility</p:attrName>
-                                        </p:attrNameLst>
-                                      </p:cBhvr>
-                                      <p:to>
-                                        <p:strVal val="visible"/>
-                                      </p:to>
-                                    </p:set>
-                                    <p:animEffect transition="in" filter="fade">
-                                      <p:cBhvr>
-                                        <p:cTn id="30" dur="500"/>
-                                        <p:tgtEl>
-                                          <p:spTgt spid="13"/>
-                                        </p:tgtEl>
-                                      </p:cBhvr>
-                                    </p:animEffect>
-                                  </p:childTnLst>
-                                </p:cTn>
-                              </p:par>
                             </p:childTnLst>
                           </p:cTn>
                         </p:par>
@@ -6724,109 +5792,6 @@
       </p:sp>
       <p:grpSp>
         <p:nvGrpSpPr>
-          <p:cNvPr id="11" name="Groupe 10">
-            <a:extLst>
-              <a:ext uri="{FF2B5EF4-FFF2-40B4-BE49-F238E27FC236}">
-                <a16:creationId xmlns:a16="http://schemas.microsoft.com/office/drawing/2014/main" id="{CFC86F5B-A2F6-8603-02E6-8CF2EFECB1CA}"/>
-              </a:ext>
-            </a:extLst>
-          </p:cNvPr>
-          <p:cNvGrpSpPr/>
-          <p:nvPr/>
-        </p:nvGrpSpPr>
-        <p:grpSpPr>
-          <a:xfrm>
-            <a:off x="376624" y="201011"/>
-            <a:ext cx="3962584" cy="3515190"/>
-            <a:chOff x="338475" y="313919"/>
-            <a:chExt cx="3962584" cy="3515190"/>
-          </a:xfrm>
-        </p:grpSpPr>
-        <p:pic>
-          <p:nvPicPr>
-            <p:cNvPr id="9" name="Image 8">
-              <a:extLst>
-                <a:ext uri="{FF2B5EF4-FFF2-40B4-BE49-F238E27FC236}">
-                  <a16:creationId xmlns:a16="http://schemas.microsoft.com/office/drawing/2014/main" id="{A23DDFFD-8BDC-6D7E-A614-E238B707AE7C}"/>
-                </a:ext>
-              </a:extLst>
-            </p:cNvPr>
-            <p:cNvPicPr>
-              <a:picLocks noChangeAspect="1"/>
-            </p:cNvPicPr>
-            <p:nvPr/>
-          </p:nvPicPr>
-          <p:blipFill>
-            <a:blip r:embed="rId3"/>
-            <a:stretch>
-              <a:fillRect/>
-            </a:stretch>
-          </p:blipFill>
-          <p:spPr>
-            <a:xfrm>
-              <a:off x="338476" y="313919"/>
-              <a:ext cx="3962583" cy="2996441"/>
-            </a:xfrm>
-            <a:prstGeom prst="rect">
-              <a:avLst/>
-            </a:prstGeom>
-            <a:ln>
-              <a:noFill/>
-            </a:ln>
-            <a:effectLst>
-              <a:outerShdw blurRad="292100" dist="139700" dir="2700000" algn="tl" rotWithShape="0">
-                <a:srgbClr val="333333">
-                  <a:alpha val="65000"/>
-                </a:srgbClr>
-              </a:outerShdw>
-            </a:effectLst>
-          </p:spPr>
-        </p:pic>
-        <p:sp>
-          <p:nvSpPr>
-            <p:cNvPr id="10" name="ZoneTexte 9">
-              <a:extLst>
-                <a:ext uri="{FF2B5EF4-FFF2-40B4-BE49-F238E27FC236}">
-                  <a16:creationId xmlns:a16="http://schemas.microsoft.com/office/drawing/2014/main" id="{EF45F8E4-5E15-A28E-EAF3-7017E26F7557}"/>
-                </a:ext>
-              </a:extLst>
-            </p:cNvPr>
-            <p:cNvSpPr txBox="1"/>
-            <p:nvPr/>
-          </p:nvSpPr>
-          <p:spPr>
-            <a:xfrm>
-              <a:off x="338475" y="3428999"/>
-              <a:ext cx="3962583" cy="400110"/>
-            </a:xfrm>
-            <a:prstGeom prst="rect">
-              <a:avLst/>
-            </a:prstGeom>
-            <a:noFill/>
-          </p:spPr>
-          <p:txBody>
-            <a:bodyPr wrap="square" rtlCol="0">
-              <a:spAutoFit/>
-            </a:bodyPr>
-            <a:lstStyle/>
-            <a:p>
-              <a:pPr algn="ctr"/>
-              <a:r>
-                <a:rPr lang="fr-FR" sz="2000" dirty="0">
-                  <a:solidFill>
-                    <a:schemeClr val="bg1"/>
-                  </a:solidFill>
-                  <a:latin typeface="Kanit" pitchFamily="2" charset="-34"/>
-                  <a:cs typeface="Kanit" pitchFamily="2" charset="-34"/>
-                </a:rPr>
-                <a:t>Premières versions de l’interface</a:t>
-              </a:r>
-            </a:p>
-          </p:txBody>
-        </p:sp>
-      </p:grpSp>
-      <p:grpSp>
-        <p:nvGrpSpPr>
           <p:cNvPr id="15" name="Groupe 14">
             <a:extLst>
               <a:ext uri="{FF2B5EF4-FFF2-40B4-BE49-F238E27FC236}">
@@ -6860,7 +5825,7 @@
             <p:nvPr/>
           </p:nvPicPr>
           <p:blipFill>
-            <a:blip r:embed="rId4">
+            <a:blip r:embed="rId3">
               <a:extLst>
                 <a:ext uri="{28A0092B-C50C-407E-A947-70E740481C1C}">
                   <a14:useLocalDpi xmlns:a14="http://schemas.microsoft.com/office/drawing/2010/main" val="0"/>
@@ -6948,7 +5913,7 @@
         </p:nvGrpSpPr>
         <p:grpSpPr>
           <a:xfrm>
-            <a:off x="6191852" y="3469604"/>
+            <a:off x="6414591" y="3357088"/>
             <a:ext cx="5925496" cy="3544791"/>
             <a:chOff x="6266504" y="3313209"/>
             <a:chExt cx="5925496" cy="3544791"/>
@@ -6969,7 +5934,7 @@
             <p:nvPr/>
           </p:nvPicPr>
           <p:blipFill>
-            <a:blip r:embed="rId5">
+            <a:blip r:embed="rId4">
               <a:extLst>
                 <a:ext uri="{28A0092B-C50C-407E-A947-70E740481C1C}">
                   <a14:useLocalDpi xmlns:a14="http://schemas.microsoft.com/office/drawing/2010/main" val="0"/>
@@ -7078,7 +6043,7 @@
             <p:nvPr/>
           </p:nvPicPr>
           <p:blipFill>
-            <a:blip r:embed="rId6">
+            <a:blip r:embed="rId5">
               <a:extLst>
                 <a:ext uri="{28A0092B-C50C-407E-A947-70E740481C1C}">
                   <a14:useLocalDpi xmlns:a14="http://schemas.microsoft.com/office/drawing/2010/main" val="0"/>
@@ -7147,6 +6112,115 @@
                   <a:cs typeface="Kanit" pitchFamily="2" charset="-34"/>
                 </a:rPr>
                 <a:t>Reconnaitre des voitures</a:t>
+              </a:r>
+            </a:p>
+          </p:txBody>
+        </p:sp>
+      </p:grpSp>
+      <p:grpSp>
+        <p:nvGrpSpPr>
+          <p:cNvPr id="19" name="Groupe 18">
+            <a:extLst>
+              <a:ext uri="{FF2B5EF4-FFF2-40B4-BE49-F238E27FC236}">
+                <a16:creationId xmlns:a16="http://schemas.microsoft.com/office/drawing/2014/main" id="{8161247E-8641-C1A4-5C3A-813E9C18D6CB}"/>
+              </a:ext>
+            </a:extLst>
+          </p:cNvPr>
+          <p:cNvGrpSpPr/>
+          <p:nvPr/>
+        </p:nvGrpSpPr>
+        <p:grpSpPr>
+          <a:xfrm>
+            <a:off x="269336" y="387259"/>
+            <a:ext cx="5437584" cy="2750595"/>
+            <a:chOff x="6294695" y="3981194"/>
+            <a:chExt cx="5437584" cy="2750595"/>
+          </a:xfrm>
+        </p:grpSpPr>
+        <p:pic>
+          <p:nvPicPr>
+            <p:cNvPr id="17" name="Image 16" descr="Une image contenant texte, capture d’écran, Logiciel multimédia, logiciel&#10;&#10;Description générée automatiquement">
+              <a:extLst>
+                <a:ext uri="{FF2B5EF4-FFF2-40B4-BE49-F238E27FC236}">
+                  <a16:creationId xmlns:a16="http://schemas.microsoft.com/office/drawing/2014/main" id="{33F43E44-E287-00B1-E811-35169CE24D69}"/>
+                </a:ext>
+              </a:extLst>
+            </p:cNvPr>
+            <p:cNvPicPr>
+              <a:picLocks noChangeAspect="1"/>
+            </p:cNvPicPr>
+            <p:nvPr/>
+          </p:nvPicPr>
+          <p:blipFill>
+            <a:blip r:embed="rId6">
+              <a:extLst>
+                <a:ext uri="{28A0092B-C50C-407E-A947-70E740481C1C}">
+                  <a14:useLocalDpi xmlns:a14="http://schemas.microsoft.com/office/drawing/2010/main" val="0"/>
+                </a:ext>
+              </a:extLst>
+            </a:blip>
+            <a:stretch>
+              <a:fillRect/>
+            </a:stretch>
+          </p:blipFill>
+          <p:spPr>
+            <a:xfrm>
+              <a:off x="7117576" y="3981194"/>
+              <a:ext cx="3791822" cy="2275093"/>
+            </a:xfrm>
+            <a:prstGeom prst="rect">
+              <a:avLst/>
+            </a:prstGeom>
+            <a:ln>
+              <a:noFill/>
+            </a:ln>
+            <a:effectLst>
+              <a:outerShdw blurRad="292100" dist="139700" dir="2700000" algn="tl" rotWithShape="0">
+                <a:srgbClr val="333333">
+                  <a:alpha val="65000"/>
+                </a:srgbClr>
+              </a:outerShdw>
+            </a:effectLst>
+          </p:spPr>
+        </p:pic>
+        <p:sp>
+          <p:nvSpPr>
+            <p:cNvPr id="18" name="ZoneTexte 17">
+              <a:extLst>
+                <a:ext uri="{FF2B5EF4-FFF2-40B4-BE49-F238E27FC236}">
+                  <a16:creationId xmlns:a16="http://schemas.microsoft.com/office/drawing/2014/main" id="{B85A7C50-D2C3-64A1-AC07-BAEEDD05FD34}"/>
+                </a:ext>
+              </a:extLst>
+            </p:cNvPr>
+            <p:cNvSpPr txBox="1"/>
+            <p:nvPr/>
+          </p:nvSpPr>
+          <p:spPr>
+            <a:xfrm>
+              <a:off x="6294695" y="6331679"/>
+              <a:ext cx="5437584" cy="400110"/>
+            </a:xfrm>
+            <a:prstGeom prst="rect">
+              <a:avLst/>
+            </a:prstGeom>
+            <a:noFill/>
+          </p:spPr>
+          <p:txBody>
+            <a:bodyPr wrap="square" rtlCol="0">
+              <a:spAutoFit/>
+            </a:bodyPr>
+            <a:lstStyle/>
+            <a:p>
+              <a:pPr algn="ctr"/>
+              <a:r>
+                <a:rPr lang="fr-FR" sz="2000" dirty="0">
+                  <a:solidFill>
+                    <a:schemeClr val="bg1"/>
+                  </a:solidFill>
+                  <a:latin typeface="Kanit" pitchFamily="2" charset="-34"/>
+                  <a:cs typeface="Kanit" pitchFamily="2" charset="-34"/>
+                </a:rPr>
+                <a:t>Une inspiration du projet : l’application Waze</a:t>
               </a:r>
             </a:p>
           </p:txBody>
@@ -7358,7 +6432,7 @@
                                           </p:stCondLst>
                                         </p:cTn>
                                         <p:tgtEl>
-                                          <p:spTgt spid="11"/>
+                                          <p:spTgt spid="19"/>
                                         </p:tgtEl>
                                         <p:attrNameLst>
                                           <p:attrName>style.visibility</p:attrName>
@@ -7372,7 +6446,7 @@
                                       <p:cBhvr>
                                         <p:cTn id="22" dur="500"/>
                                         <p:tgtEl>
-                                          <p:spTgt spid="11"/>
+                                          <p:spTgt spid="19"/>
                                         </p:tgtEl>
                                       </p:cBhvr>
                                     </p:animEffect>
@@ -7441,7 +6515,7 @@
         </p:nvSpPr>
         <p:spPr>
           <a:xfrm>
-            <a:off x="0" y="0"/>
+            <a:off x="-1" y="-1"/>
             <a:ext cx="12192000" cy="6858000"/>
           </a:xfrm>
           <a:prstGeom prst="rect">
@@ -7499,7 +6573,7 @@
         </p:nvSpPr>
         <p:spPr>
           <a:xfrm>
-            <a:off x="2988128" y="2766218"/>
+            <a:off x="1030375" y="2895172"/>
             <a:ext cx="6215743" cy="1325563"/>
           </a:xfrm>
         </p:spPr>
@@ -7523,148 +6597,12 @@
           </a:p>
         </p:txBody>
       </p:sp>
-    </p:spTree>
-    <p:extLst>
-      <p:ext uri="{BB962C8B-B14F-4D97-AF65-F5344CB8AC3E}">
-        <p14:creationId xmlns:p14="http://schemas.microsoft.com/office/powerpoint/2010/main" val="1281288877"/>
-      </p:ext>
-    </p:extLst>
-  </p:cSld>
-  <p:clrMapOvr>
-    <a:masterClrMapping/>
-  </p:clrMapOvr>
-  <p:transition spd="slow">
-    <p:push/>
-  </p:transition>
-</p:sld>
-</file>
-
-<file path=ppt/slides/slide5.xml><?xml version="1.0" encoding="utf-8"?>
-<p:sld xmlns:a="http://schemas.openxmlformats.org/drawingml/2006/main" xmlns:r="http://schemas.openxmlformats.org/officeDocument/2006/relationships" xmlns:p="http://schemas.openxmlformats.org/presentationml/2006/main">
-  <p:cSld>
-    <p:spTree>
-      <p:nvGrpSpPr>
-        <p:cNvPr id="1" name=""/>
-        <p:cNvGrpSpPr/>
-        <p:nvPr/>
-      </p:nvGrpSpPr>
-      <p:grpSpPr>
-        <a:xfrm>
-          <a:off x="0" y="0"/>
-          <a:ext cx="0" cy="0"/>
-          <a:chOff x="0" y="0"/>
-          <a:chExt cx="0" cy="0"/>
-        </a:xfrm>
-      </p:grpSpPr>
-      <p:sp>
-        <p:nvSpPr>
-          <p:cNvPr id="4" name="Rectangle 3">
-            <a:extLst>
-              <a:ext uri="{FF2B5EF4-FFF2-40B4-BE49-F238E27FC236}">
-                <a16:creationId xmlns:a16="http://schemas.microsoft.com/office/drawing/2014/main" id="{97AF87D6-6CE6-527C-2973-E806A1377C58}"/>
-              </a:ext>
-            </a:extLst>
-          </p:cNvPr>
-          <p:cNvSpPr/>
-          <p:nvPr/>
-        </p:nvSpPr>
-        <p:spPr>
-          <a:xfrm rot="10800000">
-            <a:off x="0" y="0"/>
-            <a:ext cx="12192000" cy="6858000"/>
-          </a:xfrm>
-          <a:prstGeom prst="rect">
-            <a:avLst/>
-          </a:prstGeom>
-          <a:gradFill flip="none" rotWithShape="1">
-            <a:gsLst>
-              <a:gs pos="0">
-                <a:srgbClr val="124084"/>
-              </a:gs>
-              <a:gs pos="100000">
-                <a:srgbClr val="1C62CA"/>
-              </a:gs>
-            </a:gsLst>
-            <a:lin ang="0" scaled="0"/>
-            <a:tileRect/>
-          </a:gradFill>
-          <a:ln>
-            <a:noFill/>
-          </a:ln>
-        </p:spPr>
-        <p:style>
-          <a:lnRef idx="2">
-            <a:schemeClr val="accent1">
-              <a:shade val="15000"/>
-            </a:schemeClr>
-          </a:lnRef>
-          <a:fillRef idx="1">
-            <a:schemeClr val="accent1"/>
-          </a:fillRef>
-          <a:effectRef idx="0">
-            <a:schemeClr val="accent1"/>
-          </a:effectRef>
-          <a:fontRef idx="minor">
-            <a:schemeClr val="lt1"/>
-          </a:fontRef>
-        </p:style>
-        <p:txBody>
-          <a:bodyPr rtlCol="0" anchor="ctr"/>
-          <a:lstStyle/>
-          <a:p>
-            <a:pPr algn="ctr"/>
-            <a:endParaRPr lang="fr-FR" dirty="0"/>
-          </a:p>
-        </p:txBody>
-      </p:sp>
-      <p:sp>
-        <p:nvSpPr>
-          <p:cNvPr id="2" name="Titre 1">
-            <a:extLst>
-              <a:ext uri="{FF2B5EF4-FFF2-40B4-BE49-F238E27FC236}">
-                <a16:creationId xmlns:a16="http://schemas.microsoft.com/office/drawing/2014/main" id="{3C2ABF41-BFFD-A046-D6CD-B22EFF188F48}"/>
-              </a:ext>
-            </a:extLst>
-          </p:cNvPr>
-          <p:cNvSpPr>
-            <a:spLocks noGrp="1"/>
-          </p:cNvSpPr>
-          <p:nvPr>
-            <p:ph type="title"/>
-          </p:nvPr>
-        </p:nvSpPr>
-        <p:spPr>
-          <a:xfrm>
-            <a:off x="2988128" y="2766218"/>
-            <a:ext cx="6215743" cy="1325563"/>
-          </a:xfrm>
-        </p:spPr>
-        <p:txBody>
-          <a:bodyPr>
-            <a:normAutofit/>
-          </a:bodyPr>
-          <a:lstStyle/>
-          <a:p>
-            <a:pPr algn="ctr"/>
-            <a:r>
-              <a:rPr lang="fr-FR" sz="4800" dirty="0">
-                <a:solidFill>
-                  <a:schemeClr val="bg1"/>
-                </a:solidFill>
-                <a:latin typeface="Kanit SemiBold" pitchFamily="2" charset="-34"/>
-                <a:cs typeface="Kanit SemiBold" pitchFamily="2" charset="-34"/>
-              </a:rPr>
-              <a:t>Ambitions</a:t>
-            </a:r>
-          </a:p>
-        </p:txBody>
-      </p:sp>
       <p:grpSp>
         <p:nvGrpSpPr>
-          <p:cNvPr id="19" name="Groupe 18">
-            <a:extLst>
-              <a:ext uri="{FF2B5EF4-FFF2-40B4-BE49-F238E27FC236}">
-                <a16:creationId xmlns:a16="http://schemas.microsoft.com/office/drawing/2014/main" id="{8161247E-8641-C1A4-5C3A-813E9C18D6CB}"/>
+          <p:cNvPr id="11" name="Groupe 10">
+            <a:extLst>
+              <a:ext uri="{FF2B5EF4-FFF2-40B4-BE49-F238E27FC236}">
+                <a16:creationId xmlns:a16="http://schemas.microsoft.com/office/drawing/2014/main" id="{CFC86F5B-A2F6-8603-02E6-8CF2EFECB1CA}"/>
               </a:ext>
             </a:extLst>
           </p:cNvPr>
@@ -7673,18 +6611,18 @@
         </p:nvGrpSpPr>
         <p:grpSpPr>
           <a:xfrm>
-            <a:off x="0" y="3949556"/>
-            <a:ext cx="5437584" cy="2750595"/>
-            <a:chOff x="6294695" y="3981194"/>
-            <a:chExt cx="5437584" cy="2750595"/>
+            <a:off x="7938009" y="3084888"/>
+            <a:ext cx="3962584" cy="3515190"/>
+            <a:chOff x="338475" y="313919"/>
+            <a:chExt cx="3962584" cy="3515190"/>
           </a:xfrm>
         </p:grpSpPr>
         <p:pic>
           <p:nvPicPr>
-            <p:cNvPr id="17" name="Image 16" descr="Une image contenant texte, capture d’écran, Logiciel multimédia, logiciel&#10;&#10;Description générée automatiquement">
+            <p:cNvPr id="9" name="Image 8">
               <a:extLst>
                 <a:ext uri="{FF2B5EF4-FFF2-40B4-BE49-F238E27FC236}">
-                  <a16:creationId xmlns:a16="http://schemas.microsoft.com/office/drawing/2014/main" id="{33F43E44-E287-00B1-E811-35169CE24D69}"/>
+                  <a16:creationId xmlns:a16="http://schemas.microsoft.com/office/drawing/2014/main" id="{A23DDFFD-8BDC-6D7E-A614-E238B707AE7C}"/>
                 </a:ext>
               </a:extLst>
             </p:cNvPr>
@@ -7694,21 +6632,15 @@
             <p:nvPr/>
           </p:nvPicPr>
           <p:blipFill>
-            <a:blip r:embed="rId3">
-              <a:extLst>
-                <a:ext uri="{28A0092B-C50C-407E-A947-70E740481C1C}">
-                  <a14:useLocalDpi xmlns:a14="http://schemas.microsoft.com/office/drawing/2010/main" val="0"/>
-                </a:ext>
-              </a:extLst>
-            </a:blip>
+            <a:blip r:embed="rId3"/>
             <a:stretch>
               <a:fillRect/>
             </a:stretch>
           </p:blipFill>
           <p:spPr>
             <a:xfrm>
-              <a:off x="7117576" y="3981194"/>
-              <a:ext cx="3791822" cy="2275093"/>
+              <a:off x="338476" y="313919"/>
+              <a:ext cx="3962583" cy="2996441"/>
             </a:xfrm>
             <a:prstGeom prst="rect">
               <a:avLst/>
@@ -7727,10 +6659,10 @@
         </p:pic>
         <p:sp>
           <p:nvSpPr>
-            <p:cNvPr id="18" name="ZoneTexte 17">
+            <p:cNvPr id="10" name="ZoneTexte 9">
               <a:extLst>
                 <a:ext uri="{FF2B5EF4-FFF2-40B4-BE49-F238E27FC236}">
-                  <a16:creationId xmlns:a16="http://schemas.microsoft.com/office/drawing/2014/main" id="{B85A7C50-D2C3-64A1-AC07-BAEEDD05FD34}"/>
+                  <a16:creationId xmlns:a16="http://schemas.microsoft.com/office/drawing/2014/main" id="{EF45F8E4-5E15-A28E-EAF3-7017E26F7557}"/>
                 </a:ext>
               </a:extLst>
             </p:cNvPr>
@@ -7739,8 +6671,8 @@
           </p:nvSpPr>
           <p:spPr>
             <a:xfrm>
-              <a:off x="6294695" y="6331679"/>
-              <a:ext cx="5437584" cy="400110"/>
+              <a:off x="338475" y="3428999"/>
+              <a:ext cx="3962583" cy="400110"/>
             </a:xfrm>
             <a:prstGeom prst="rect">
               <a:avLst/>
@@ -7762,7 +6694,7 @@
                   <a:latin typeface="Kanit" pitchFamily="2" charset="-34"/>
                   <a:cs typeface="Kanit" pitchFamily="2" charset="-34"/>
                 </a:rPr>
-                <a:t>Une inspiration du projet : l’application Waze</a:t>
+                <a:t>Premières versions de l’interface</a:t>
               </a:r>
             </a:p>
           </p:txBody>
@@ -7771,7 +6703,7 @@
     </p:spTree>
     <p:extLst>
       <p:ext uri="{BB962C8B-B14F-4D97-AF65-F5344CB8AC3E}">
-        <p14:creationId xmlns:p14="http://schemas.microsoft.com/office/powerpoint/2010/main" val="2079455031"/>
+        <p14:creationId xmlns:p14="http://schemas.microsoft.com/office/powerpoint/2010/main" val="1281288877"/>
       </p:ext>
     </p:extLst>
   </p:cSld>
@@ -7815,7 +6747,7 @@
                                           </p:stCondLst>
                                         </p:cTn>
                                         <p:tgtEl>
-                                          <p:spTgt spid="19"/>
+                                          <p:spTgt spid="11"/>
                                         </p:tgtEl>
                                         <p:attrNameLst>
                                           <p:attrName>style.visibility</p:attrName>
@@ -7829,7 +6761,7 @@
                                       <p:cBhvr>
                                         <p:cTn id="7" dur="500"/>
                                         <p:tgtEl>
-                                          <p:spTgt spid="19"/>
+                                          <p:spTgt spid="11"/>
                                         </p:tgtEl>
                                       </p:cBhvr>
                                     </p:animEffect>
@@ -7867,7 +6799,7 @@
 </p:sld>
 </file>
 
-<file path=ppt/slides/slide6.xml><?xml version="1.0" encoding="utf-8"?>
+<file path=ppt/slides/slide5.xml><?xml version="1.0" encoding="utf-8"?>
 <p:sld xmlns:a="http://schemas.openxmlformats.org/drawingml/2006/main" xmlns:r="http://schemas.openxmlformats.org/officeDocument/2006/relationships" xmlns:p="http://schemas.openxmlformats.org/presentationml/2006/main">
   <p:cSld>
     <p:spTree>
@@ -8003,7 +6935,7 @@
 </p:sld>
 </file>
 
-<file path=ppt/slides/slide7.xml><?xml version="1.0" encoding="utf-8"?>
+<file path=ppt/slides/slide6.xml><?xml version="1.0" encoding="utf-8"?>
 <p:sld xmlns:a="http://schemas.openxmlformats.org/drawingml/2006/main" xmlns:r="http://schemas.openxmlformats.org/officeDocument/2006/relationships" xmlns:p="http://schemas.openxmlformats.org/presentationml/2006/main">
   <p:cSld>
     <p:spTree>
@@ -8139,7 +7071,7 @@
 </p:sld>
 </file>
 
-<file path=ppt/slides/slide8.xml><?xml version="1.0" encoding="utf-8"?>
+<file path=ppt/slides/slide7.xml><?xml version="1.0" encoding="utf-8"?>
 <p:sld xmlns:a="http://schemas.openxmlformats.org/drawingml/2006/main" xmlns:r="http://schemas.openxmlformats.org/officeDocument/2006/relationships" xmlns:p="http://schemas.openxmlformats.org/presentationml/2006/main">
   <p:cSld>
     <p:spTree>
@@ -8268,7 +7200,7 @@
 </p:sld>
 </file>
 
-<file path=ppt/slides/slide9.xml><?xml version="1.0" encoding="utf-8"?>
+<file path=ppt/slides/slide8.xml><?xml version="1.0" encoding="utf-8"?>
 <p:sld xmlns:a="http://schemas.openxmlformats.org/drawingml/2006/main" xmlns:r="http://schemas.openxmlformats.org/officeDocument/2006/relationships" xmlns:p="http://schemas.openxmlformats.org/presentationml/2006/main">
   <p:cSld>
     <p:spTree>
@@ -8383,6 +7315,133 @@
     <p:extLst>
       <p:ext uri="{BB962C8B-B14F-4D97-AF65-F5344CB8AC3E}">
         <p14:creationId xmlns:p14="http://schemas.microsoft.com/office/powerpoint/2010/main" val="2930824741"/>
+      </p:ext>
+    </p:extLst>
+  </p:cSld>
+  <p:clrMapOvr>
+    <a:masterClrMapping/>
+  </p:clrMapOvr>
+  <p:transition spd="slow">
+    <p:push/>
+  </p:transition>
+</p:sld>
+</file>
+
+<file path=ppt/slides/slide9.xml><?xml version="1.0" encoding="utf-8"?>
+<p:sld xmlns:a="http://schemas.openxmlformats.org/drawingml/2006/main" xmlns:r="http://schemas.openxmlformats.org/officeDocument/2006/relationships" xmlns:p="http://schemas.openxmlformats.org/presentationml/2006/main">
+  <p:cSld>
+    <p:spTree>
+      <p:nvGrpSpPr>
+        <p:cNvPr id="1" name=""/>
+        <p:cNvGrpSpPr/>
+        <p:nvPr/>
+      </p:nvGrpSpPr>
+      <p:grpSpPr>
+        <a:xfrm>
+          <a:off x="0" y="0"/>
+          <a:ext cx="0" cy="0"/>
+          <a:chOff x="0" y="0"/>
+          <a:chExt cx="0" cy="0"/>
+        </a:xfrm>
+      </p:grpSpPr>
+      <p:sp>
+        <p:nvSpPr>
+          <p:cNvPr id="3" name="Rectangle 2">
+            <a:extLst>
+              <a:ext uri="{FF2B5EF4-FFF2-40B4-BE49-F238E27FC236}">
+                <a16:creationId xmlns:a16="http://schemas.microsoft.com/office/drawing/2014/main" id="{0CA1A0A2-64BA-26D8-B011-DE0C7E7780AB}"/>
+              </a:ext>
+            </a:extLst>
+          </p:cNvPr>
+          <p:cNvSpPr/>
+          <p:nvPr/>
+        </p:nvSpPr>
+        <p:spPr>
+          <a:xfrm>
+            <a:off x="0" y="0"/>
+            <a:ext cx="12192000" cy="6858000"/>
+          </a:xfrm>
+          <a:prstGeom prst="rect">
+            <a:avLst/>
+          </a:prstGeom>
+          <a:solidFill>
+            <a:srgbClr val="1C62CA"/>
+          </a:solidFill>
+          <a:ln>
+            <a:noFill/>
+          </a:ln>
+        </p:spPr>
+        <p:style>
+          <a:lnRef idx="2">
+            <a:schemeClr val="accent1">
+              <a:shade val="15000"/>
+            </a:schemeClr>
+          </a:lnRef>
+          <a:fillRef idx="1">
+            <a:schemeClr val="accent1"/>
+          </a:fillRef>
+          <a:effectRef idx="0">
+            <a:schemeClr val="accent1"/>
+          </a:effectRef>
+          <a:fontRef idx="minor">
+            <a:schemeClr val="lt1"/>
+          </a:fontRef>
+        </p:style>
+        <p:txBody>
+          <a:bodyPr rtlCol="0" anchor="ctr"/>
+          <a:lstStyle/>
+          <a:p>
+            <a:pPr algn="ctr"/>
+            <a:endParaRPr lang="fr-FR"/>
+          </a:p>
+        </p:txBody>
+      </p:sp>
+      <p:sp>
+        <p:nvSpPr>
+          <p:cNvPr id="2" name="Titre 1">
+            <a:extLst>
+              <a:ext uri="{FF2B5EF4-FFF2-40B4-BE49-F238E27FC236}">
+                <a16:creationId xmlns:a16="http://schemas.microsoft.com/office/drawing/2014/main" id="{3C2ABF41-BFFD-A046-D6CD-B22EFF188F48}"/>
+              </a:ext>
+            </a:extLst>
+          </p:cNvPr>
+          <p:cNvSpPr>
+            <a:spLocks noGrp="1"/>
+          </p:cNvSpPr>
+          <p:nvPr>
+            <p:ph type="title"/>
+          </p:nvPr>
+        </p:nvSpPr>
+        <p:spPr>
+          <a:xfrm>
+            <a:off x="2988128" y="2766218"/>
+            <a:ext cx="6215743" cy="1325563"/>
+          </a:xfrm>
+        </p:spPr>
+        <p:txBody>
+          <a:bodyPr>
+            <a:normAutofit/>
+          </a:bodyPr>
+          <a:lstStyle/>
+          <a:p>
+            <a:pPr algn="ctr"/>
+            <a:r>
+              <a:rPr lang="fr-FR" sz="4800" dirty="0">
+                <a:solidFill>
+                  <a:schemeClr val="bg1"/>
+                </a:solidFill>
+                <a:latin typeface="Kanit SemiBold" pitchFamily="2" charset="-34"/>
+                <a:cs typeface="Kanit SemiBold" pitchFamily="2" charset="-34"/>
+              </a:rPr>
+              <a:t>Bilans individuels</a:t>
+            </a:r>
+          </a:p>
+        </p:txBody>
+      </p:sp>
+    </p:spTree>
+    <p:extLst>
+      <p:ext uri="{BB962C8B-B14F-4D97-AF65-F5344CB8AC3E}">
+        <p14:creationId xmlns:p14="http://schemas.microsoft.com/office/powerpoint/2010/main" val="147937431"/>
       </p:ext>
     </p:extLst>
   </p:cSld>
